--- a/cenario_de_negocio.pptx
+++ b/cenario_de_negocio.pptx
@@ -256,7 +256,7 @@
           <a:p>
             <a:fld id="{F0E51C7C-CEA3-4CAA-BE4B-344879E7C377}" type="datetimeFigureOut">
               <a:rPr lang="de-DE" smtClean="0"/>
-              <a:t>13.03.2019</a:t>
+              <a:t>08.04.2019</a:t>
             </a:fld>
             <a:endParaRPr lang="de-DE"/>
           </a:p>
@@ -426,7 +426,7 @@
           <a:p>
             <a:fld id="{F0E51C7C-CEA3-4CAA-BE4B-344879E7C377}" type="datetimeFigureOut">
               <a:rPr lang="de-DE" smtClean="0"/>
-              <a:t>13.03.2019</a:t>
+              <a:t>08.04.2019</a:t>
             </a:fld>
             <a:endParaRPr lang="de-DE"/>
           </a:p>
@@ -606,7 +606,7 @@
           <a:p>
             <a:fld id="{F0E51C7C-CEA3-4CAA-BE4B-344879E7C377}" type="datetimeFigureOut">
               <a:rPr lang="de-DE" smtClean="0"/>
-              <a:t>13.03.2019</a:t>
+              <a:t>08.04.2019</a:t>
             </a:fld>
             <a:endParaRPr lang="de-DE"/>
           </a:p>
@@ -776,7 +776,7 @@
           <a:p>
             <a:fld id="{F0E51C7C-CEA3-4CAA-BE4B-344879E7C377}" type="datetimeFigureOut">
               <a:rPr lang="de-DE" smtClean="0"/>
-              <a:t>13.03.2019</a:t>
+              <a:t>08.04.2019</a:t>
             </a:fld>
             <a:endParaRPr lang="de-DE"/>
           </a:p>
@@ -1022,7 +1022,7 @@
           <a:p>
             <a:fld id="{F0E51C7C-CEA3-4CAA-BE4B-344879E7C377}" type="datetimeFigureOut">
               <a:rPr lang="de-DE" smtClean="0"/>
-              <a:t>13.03.2019</a:t>
+              <a:t>08.04.2019</a:t>
             </a:fld>
             <a:endParaRPr lang="de-DE"/>
           </a:p>
@@ -1254,7 +1254,7 @@
           <a:p>
             <a:fld id="{F0E51C7C-CEA3-4CAA-BE4B-344879E7C377}" type="datetimeFigureOut">
               <a:rPr lang="de-DE" smtClean="0"/>
-              <a:t>13.03.2019</a:t>
+              <a:t>08.04.2019</a:t>
             </a:fld>
             <a:endParaRPr lang="de-DE"/>
           </a:p>
@@ -1621,7 +1621,7 @@
           <a:p>
             <a:fld id="{F0E51C7C-CEA3-4CAA-BE4B-344879E7C377}" type="datetimeFigureOut">
               <a:rPr lang="de-DE" smtClean="0"/>
-              <a:t>13.03.2019</a:t>
+              <a:t>08.04.2019</a:t>
             </a:fld>
             <a:endParaRPr lang="de-DE"/>
           </a:p>
@@ -1739,7 +1739,7 @@
           <a:p>
             <a:fld id="{F0E51C7C-CEA3-4CAA-BE4B-344879E7C377}" type="datetimeFigureOut">
               <a:rPr lang="de-DE" smtClean="0"/>
-              <a:t>13.03.2019</a:t>
+              <a:t>08.04.2019</a:t>
             </a:fld>
             <a:endParaRPr lang="de-DE"/>
           </a:p>
@@ -1834,7 +1834,7 @@
           <a:p>
             <a:fld id="{F0E51C7C-CEA3-4CAA-BE4B-344879E7C377}" type="datetimeFigureOut">
               <a:rPr lang="de-DE" smtClean="0"/>
-              <a:t>13.03.2019</a:t>
+              <a:t>08.04.2019</a:t>
             </a:fld>
             <a:endParaRPr lang="de-DE"/>
           </a:p>
@@ -2111,7 +2111,7 @@
           <a:p>
             <a:fld id="{F0E51C7C-CEA3-4CAA-BE4B-344879E7C377}" type="datetimeFigureOut">
               <a:rPr lang="de-DE" smtClean="0"/>
-              <a:t>13.03.2019</a:t>
+              <a:t>08.04.2019</a:t>
             </a:fld>
             <a:endParaRPr lang="de-DE"/>
           </a:p>
@@ -2364,7 +2364,7 @@
           <a:p>
             <a:fld id="{F0E51C7C-CEA3-4CAA-BE4B-344879E7C377}" type="datetimeFigureOut">
               <a:rPr lang="de-DE" smtClean="0"/>
-              <a:t>13.03.2019</a:t>
+              <a:t>08.04.2019</a:t>
             </a:fld>
             <a:endParaRPr lang="de-DE"/>
           </a:p>
@@ -2577,7 +2577,7 @@
           <a:p>
             <a:fld id="{F0E51C7C-CEA3-4CAA-BE4B-344879E7C377}" type="datetimeFigureOut">
               <a:rPr lang="de-DE" smtClean="0"/>
-              <a:t>13.03.2019</a:t>
+              <a:t>08.04.2019</a:t>
             </a:fld>
             <a:endParaRPr lang="de-DE"/>
           </a:p>
@@ -2987,7 +2987,7 @@
           <p:cNvPr id="4" name="Retângulo 3">
             <a:extLst>
               <a:ext uri="{FF2B5EF4-FFF2-40B4-BE49-F238E27FC236}">
-                <a16:creationId xmlns:a16="http://schemas.microsoft.com/office/drawing/2014/main" id="{88C6BF1B-8B81-4A42-B266-9DF3168EF8CB}"/>
+                <a16:creationId xmlns:a16="http://schemas.microsoft.com/office/drawing/2014/main" xmlns="" id="{88C6BF1B-8B81-4A42-B266-9DF3168EF8CB}"/>
               </a:ext>
             </a:extLst>
           </p:cNvPr>
@@ -3049,7 +3049,7 @@
           <p:cNvPr id="6" name="CaixaDeTexto 5">
             <a:extLst>
               <a:ext uri="{FF2B5EF4-FFF2-40B4-BE49-F238E27FC236}">
-                <a16:creationId xmlns:a16="http://schemas.microsoft.com/office/drawing/2014/main" id="{1270056D-C445-482D-9C8C-EC4698A09D63}"/>
+                <a16:creationId xmlns:a16="http://schemas.microsoft.com/office/drawing/2014/main" xmlns="" id="{1270056D-C445-482D-9C8C-EC4698A09D63}"/>
               </a:ext>
             </a:extLst>
           </p:cNvPr>
@@ -3090,7 +3090,7 @@
           <p:cNvPr id="5" name="Retângulo 4">
             <a:extLst>
               <a:ext uri="{FF2B5EF4-FFF2-40B4-BE49-F238E27FC236}">
-                <a16:creationId xmlns:a16="http://schemas.microsoft.com/office/drawing/2014/main" id="{BBA1E2F4-BBFF-4EB2-B8C3-D9ECB7B26A24}"/>
+                <a16:creationId xmlns:a16="http://schemas.microsoft.com/office/drawing/2014/main" xmlns="" id="{BBA1E2F4-BBFF-4EB2-B8C3-D9ECB7B26A24}"/>
               </a:ext>
             </a:extLst>
           </p:cNvPr>
@@ -3139,7 +3139,7 @@
           <p:cNvPr id="3" name="Imagem 6" descr="Uma imagem contendo objeto&#10;&#10;Descrição gerada com muito alta confiança">
             <a:extLst>
               <a:ext uri="{FF2B5EF4-FFF2-40B4-BE49-F238E27FC236}">
-                <a16:creationId xmlns:a16="http://schemas.microsoft.com/office/drawing/2014/main" id="{92E329D9-4E40-4305-B89E-0B0FAF525C3C}"/>
+                <a16:creationId xmlns:a16="http://schemas.microsoft.com/office/drawing/2014/main" xmlns="" id="{92E329D9-4E40-4305-B89E-0B0FAF525C3C}"/>
               </a:ext>
             </a:extLst>
           </p:cNvPr>
@@ -3169,7 +3169,7 @@
           <p:cNvPr id="8" name="Conector de Seta Reta 7">
             <a:extLst>
               <a:ext uri="{FF2B5EF4-FFF2-40B4-BE49-F238E27FC236}">
-                <a16:creationId xmlns:a16="http://schemas.microsoft.com/office/drawing/2014/main" id="{FDC2BAF2-F507-44C8-BC1B-784D4C14FB57}"/>
+                <a16:creationId xmlns:a16="http://schemas.microsoft.com/office/drawing/2014/main" xmlns="" id="{FDC2BAF2-F507-44C8-BC1B-784D4C14FB57}"/>
               </a:ext>
             </a:extLst>
           </p:cNvPr>
@@ -3211,7 +3211,7 @@
           <p:cNvPr id="11" name="Imagem 6" descr="Uma imagem contendo objeto&#10;&#10;Descrição gerada com muito alta confiança">
             <a:extLst>
               <a:ext uri="{FF2B5EF4-FFF2-40B4-BE49-F238E27FC236}">
-                <a16:creationId xmlns:a16="http://schemas.microsoft.com/office/drawing/2014/main" id="{014B8D47-4BA0-4DA7-9AA1-4ED584384696}"/>
+                <a16:creationId xmlns:a16="http://schemas.microsoft.com/office/drawing/2014/main" xmlns="" id="{014B8D47-4BA0-4DA7-9AA1-4ED584384696}"/>
               </a:ext>
             </a:extLst>
           </p:cNvPr>
@@ -3241,7 +3241,7 @@
           <p:cNvPr id="12" name="Conector de Seta Reta 11">
             <a:extLst>
               <a:ext uri="{FF2B5EF4-FFF2-40B4-BE49-F238E27FC236}">
-                <a16:creationId xmlns:a16="http://schemas.microsoft.com/office/drawing/2014/main" id="{D6BF6348-7521-4FCC-8C02-2373BA40D8BE}"/>
+                <a16:creationId xmlns:a16="http://schemas.microsoft.com/office/drawing/2014/main" xmlns="" id="{D6BF6348-7521-4FCC-8C02-2373BA40D8BE}"/>
               </a:ext>
             </a:extLst>
           </p:cNvPr>
@@ -3285,7 +3285,7 @@
           <p:cNvPr id="13" name="Imagem 6" descr="Uma imagem contendo objeto&#10;&#10;Descrição gerada com muito alta confiança">
             <a:extLst>
               <a:ext uri="{FF2B5EF4-FFF2-40B4-BE49-F238E27FC236}">
-                <a16:creationId xmlns:a16="http://schemas.microsoft.com/office/drawing/2014/main" id="{C2683C72-D2AC-4582-9167-11414D7556C0}"/>
+                <a16:creationId xmlns:a16="http://schemas.microsoft.com/office/drawing/2014/main" xmlns="" id="{C2683C72-D2AC-4582-9167-11414D7556C0}"/>
               </a:ext>
             </a:extLst>
           </p:cNvPr>
@@ -3315,7 +3315,7 @@
           <p:cNvPr id="14" name="Imagem 6" descr="Uma imagem contendo objeto&#10;&#10;Descrição gerada com muito alta confiança">
             <a:extLst>
               <a:ext uri="{FF2B5EF4-FFF2-40B4-BE49-F238E27FC236}">
-                <a16:creationId xmlns:a16="http://schemas.microsoft.com/office/drawing/2014/main" id="{7BD7278E-63C9-4A7B-A177-39455309996E}"/>
+                <a16:creationId xmlns:a16="http://schemas.microsoft.com/office/drawing/2014/main" xmlns="" id="{7BD7278E-63C9-4A7B-A177-39455309996E}"/>
               </a:ext>
             </a:extLst>
           </p:cNvPr>
@@ -3345,7 +3345,7 @@
           <p:cNvPr id="17" name="Conector de Seta Reta 16">
             <a:extLst>
               <a:ext uri="{FF2B5EF4-FFF2-40B4-BE49-F238E27FC236}">
-                <a16:creationId xmlns:a16="http://schemas.microsoft.com/office/drawing/2014/main" id="{44979CC5-335D-4E0A-9F5D-53DF157520B5}"/>
+                <a16:creationId xmlns:a16="http://schemas.microsoft.com/office/drawing/2014/main" xmlns="" id="{44979CC5-335D-4E0A-9F5D-53DF157520B5}"/>
               </a:ext>
             </a:extLst>
           </p:cNvPr>
@@ -3389,7 +3389,7 @@
           <p:cNvPr id="18" name="Conector de Seta Reta 17">
             <a:extLst>
               <a:ext uri="{FF2B5EF4-FFF2-40B4-BE49-F238E27FC236}">
-                <a16:creationId xmlns:a16="http://schemas.microsoft.com/office/drawing/2014/main" id="{CBEB5DF7-DD78-458C-BEF2-5EE6B2EDCE1E}"/>
+                <a16:creationId xmlns:a16="http://schemas.microsoft.com/office/drawing/2014/main" xmlns="" id="{CBEB5DF7-DD78-458C-BEF2-5EE6B2EDCE1E}"/>
               </a:ext>
             </a:extLst>
           </p:cNvPr>
@@ -3433,7 +3433,7 @@
           <p:cNvPr id="19" name="CaixaDeTexto 18">
             <a:extLst>
               <a:ext uri="{FF2B5EF4-FFF2-40B4-BE49-F238E27FC236}">
-                <a16:creationId xmlns:a16="http://schemas.microsoft.com/office/drawing/2014/main" id="{AAD7B907-6CE7-47A0-995C-3DFC3EE8E0B4}"/>
+                <a16:creationId xmlns:a16="http://schemas.microsoft.com/office/drawing/2014/main" xmlns="" id="{AAD7B907-6CE7-47A0-995C-3DFC3EE8E0B4}"/>
               </a:ext>
             </a:extLst>
           </p:cNvPr>
@@ -3473,7 +3473,7 @@
           <p:cNvPr id="7" name="Agrupar 6">
             <a:extLst>
               <a:ext uri="{FF2B5EF4-FFF2-40B4-BE49-F238E27FC236}">
-                <a16:creationId xmlns:a16="http://schemas.microsoft.com/office/drawing/2014/main" id="{C4DEB443-9069-4E32-8358-8CB0FDAF9992}"/>
+                <a16:creationId xmlns:a16="http://schemas.microsoft.com/office/drawing/2014/main" xmlns="" id="{C4DEB443-9069-4E32-8358-8CB0FDAF9992}"/>
               </a:ext>
             </a:extLst>
           </p:cNvPr>
@@ -3493,7 +3493,7 @@
             <p:cNvPr id="24" name="CaixaDeTexto 23">
               <a:extLst>
                 <a:ext uri="{FF2B5EF4-FFF2-40B4-BE49-F238E27FC236}">
-                  <a16:creationId xmlns:a16="http://schemas.microsoft.com/office/drawing/2014/main" id="{3AB6A1BD-1D4F-4398-A8B0-B8E29B8BF1A1}"/>
+                  <a16:creationId xmlns:a16="http://schemas.microsoft.com/office/drawing/2014/main" xmlns="" id="{3AB6A1BD-1D4F-4398-A8B0-B8E29B8BF1A1}"/>
                 </a:ext>
               </a:extLst>
             </p:cNvPr>
@@ -3530,7 +3530,7 @@
             <p:cNvPr id="25" name="CaixaDeTexto 24">
               <a:extLst>
                 <a:ext uri="{FF2B5EF4-FFF2-40B4-BE49-F238E27FC236}">
-                  <a16:creationId xmlns:a16="http://schemas.microsoft.com/office/drawing/2014/main" id="{95B7716E-4A32-4257-96AE-C6ED30D31811}"/>
+                  <a16:creationId xmlns:a16="http://schemas.microsoft.com/office/drawing/2014/main" xmlns="" id="{95B7716E-4A32-4257-96AE-C6ED30D31811}"/>
                 </a:ext>
               </a:extLst>
             </p:cNvPr>
@@ -3570,7 +3570,7 @@
             <p:cNvPr id="26" name="CaixaDeTexto 25">
               <a:extLst>
                 <a:ext uri="{FF2B5EF4-FFF2-40B4-BE49-F238E27FC236}">
-                  <a16:creationId xmlns:a16="http://schemas.microsoft.com/office/drawing/2014/main" id="{01B87135-66BB-4424-98D4-30D87F39682B}"/>
+                  <a16:creationId xmlns:a16="http://schemas.microsoft.com/office/drawing/2014/main" xmlns="" id="{01B87135-66BB-4424-98D4-30D87F39682B}"/>
                 </a:ext>
               </a:extLst>
             </p:cNvPr>
@@ -3608,7 +3608,7 @@
           <p:cNvPr id="27" name="CaixaDeTexto 26">
             <a:extLst>
               <a:ext uri="{FF2B5EF4-FFF2-40B4-BE49-F238E27FC236}">
-                <a16:creationId xmlns:a16="http://schemas.microsoft.com/office/drawing/2014/main" id="{1238592B-29D7-4452-8312-F618C2509B80}"/>
+                <a16:creationId xmlns:a16="http://schemas.microsoft.com/office/drawing/2014/main" xmlns="" id="{1238592B-29D7-4452-8312-F618C2509B80}"/>
               </a:ext>
             </a:extLst>
           </p:cNvPr>
@@ -3646,7 +3646,7 @@
           <p:cNvPr id="28" name="CaixaDeTexto 27">
             <a:extLst>
               <a:ext uri="{FF2B5EF4-FFF2-40B4-BE49-F238E27FC236}">
-                <a16:creationId xmlns:a16="http://schemas.microsoft.com/office/drawing/2014/main" id="{BA57D8EF-4557-428E-AE17-0CB898192D8C}"/>
+                <a16:creationId xmlns:a16="http://schemas.microsoft.com/office/drawing/2014/main" xmlns="" id="{BA57D8EF-4557-428E-AE17-0CB898192D8C}"/>
               </a:ext>
             </a:extLst>
           </p:cNvPr>
@@ -3683,7 +3683,7 @@
           <p:cNvPr id="29" name="CaixaDeTexto 28">
             <a:extLst>
               <a:ext uri="{FF2B5EF4-FFF2-40B4-BE49-F238E27FC236}">
-                <a16:creationId xmlns:a16="http://schemas.microsoft.com/office/drawing/2014/main" id="{DA4508C1-D3E7-4097-886E-155CE2EACFC8}"/>
+                <a16:creationId xmlns:a16="http://schemas.microsoft.com/office/drawing/2014/main" xmlns="" id="{DA4508C1-D3E7-4097-886E-155CE2EACFC8}"/>
               </a:ext>
             </a:extLst>
           </p:cNvPr>
@@ -3709,8 +3709,8 @@
           <a:lstStyle/>
           <a:p>
             <a:r>
-              <a:rPr lang="pt-BR" sz="2400" b="1" i="1" dirty="0"/>
-              <a:t>Colaboradores</a:t>
+              <a:rPr lang="pt-BR" sz="2400" b="1" i="1" u="sng" dirty="0" smtClean="0"/>
+              <a:t>Voluntario</a:t>
             </a:r>
             <a:endParaRPr lang="pt-BR" sz="2400" b="1" i="1" u="sng" dirty="0"/>
           </a:p>
@@ -3721,7 +3721,7 @@
           <p:cNvPr id="30" name="CaixaDeTexto 29">
             <a:extLst>
               <a:ext uri="{FF2B5EF4-FFF2-40B4-BE49-F238E27FC236}">
-                <a16:creationId xmlns:a16="http://schemas.microsoft.com/office/drawing/2014/main" id="{41CB29A6-C155-4EA6-9C70-CF13A4EEC4D8}"/>
+                <a16:creationId xmlns:a16="http://schemas.microsoft.com/office/drawing/2014/main" xmlns="" id="{41CB29A6-C155-4EA6-9C70-CF13A4EEC4D8}"/>
               </a:ext>
             </a:extLst>
           </p:cNvPr>
@@ -3764,7 +3764,7 @@
           <p:cNvPr id="31" name="CaixaDeTexto 30">
             <a:extLst>
               <a:ext uri="{FF2B5EF4-FFF2-40B4-BE49-F238E27FC236}">
-                <a16:creationId xmlns:a16="http://schemas.microsoft.com/office/drawing/2014/main" id="{2751E0A1-1592-48F1-B9EA-2B586EEB78F6}"/>
+                <a16:creationId xmlns:a16="http://schemas.microsoft.com/office/drawing/2014/main" xmlns="" id="{2751E0A1-1592-48F1-B9EA-2B586EEB78F6}"/>
               </a:ext>
             </a:extLst>
           </p:cNvPr>
@@ -3801,7 +3801,7 @@
           <p:cNvPr id="9" name="Agrupar 8">
             <a:extLst>
               <a:ext uri="{FF2B5EF4-FFF2-40B4-BE49-F238E27FC236}">
-                <a16:creationId xmlns:a16="http://schemas.microsoft.com/office/drawing/2014/main" id="{13ED3DFB-902B-43CF-ADE3-B1439C04EB68}"/>
+                <a16:creationId xmlns:a16="http://schemas.microsoft.com/office/drawing/2014/main" xmlns="" id="{13ED3DFB-902B-43CF-ADE3-B1439C04EB68}"/>
               </a:ext>
             </a:extLst>
           </p:cNvPr>
@@ -3821,7 +3821,7 @@
             <p:cNvPr id="32" name="CaixaDeTexto 31">
               <a:extLst>
                 <a:ext uri="{FF2B5EF4-FFF2-40B4-BE49-F238E27FC236}">
-                  <a16:creationId xmlns:a16="http://schemas.microsoft.com/office/drawing/2014/main" id="{83044308-7C7B-4ECB-B5BD-5663F8E50452}"/>
+                  <a16:creationId xmlns:a16="http://schemas.microsoft.com/office/drawing/2014/main" xmlns="" id="{83044308-7C7B-4ECB-B5BD-5663F8E50452}"/>
                 </a:ext>
               </a:extLst>
             </p:cNvPr>
@@ -3848,7 +3848,15 @@
             <a:p>
               <a:r>
                 <a:rPr lang="pt-BR" b="1" i="1" dirty="0"/>
-                <a:t>Tornar-se professor </a:t>
+                <a:t>Tornar-se </a:t>
+              </a:r>
+              <a:r>
+                <a:rPr lang="pt-BR" b="1" i="1" dirty="0" smtClean="0"/>
+                <a:t>Colaborador</a:t>
+              </a:r>
+              <a:r>
+                <a:rPr lang="pt-BR" b="1" i="1" dirty="0"/>
+                <a:t> </a:t>
               </a:r>
             </a:p>
           </p:txBody>
@@ -3858,7 +3866,7 @@
             <p:cNvPr id="33" name="CaixaDeTexto 32">
               <a:extLst>
                 <a:ext uri="{FF2B5EF4-FFF2-40B4-BE49-F238E27FC236}">
-                  <a16:creationId xmlns:a16="http://schemas.microsoft.com/office/drawing/2014/main" id="{1CEDF328-811F-4F5C-9F28-668FB5C77838}"/>
+                  <a16:creationId xmlns:a16="http://schemas.microsoft.com/office/drawing/2014/main" xmlns="" id="{1CEDF328-811F-4F5C-9F28-668FB5C77838}"/>
                 </a:ext>
               </a:extLst>
             </p:cNvPr>
@@ -3927,7 +3935,7 @@
           <p:cNvPr id="4" name="Retângulo 3">
             <a:extLst>
               <a:ext uri="{FF2B5EF4-FFF2-40B4-BE49-F238E27FC236}">
-                <a16:creationId xmlns:a16="http://schemas.microsoft.com/office/drawing/2014/main" id="{88C6BF1B-8B81-4A42-B266-9DF3168EF8CB}"/>
+                <a16:creationId xmlns:a16="http://schemas.microsoft.com/office/drawing/2014/main" xmlns="" id="{88C6BF1B-8B81-4A42-B266-9DF3168EF8CB}"/>
               </a:ext>
             </a:extLst>
           </p:cNvPr>
@@ -3936,7 +3944,7 @@
         </p:nvSpPr>
         <p:spPr>
           <a:xfrm>
-            <a:off x="146650" y="110706"/>
+            <a:off x="163005" y="68113"/>
             <a:ext cx="11904450" cy="6570451"/>
           </a:xfrm>
           <a:prstGeom prst="rect">
@@ -3981,7 +3989,7 @@
           <p:cNvPr id="6" name="CaixaDeTexto 5">
             <a:extLst>
               <a:ext uri="{FF2B5EF4-FFF2-40B4-BE49-F238E27FC236}">
-                <a16:creationId xmlns:a16="http://schemas.microsoft.com/office/drawing/2014/main" id="{1270056D-C445-482D-9C8C-EC4698A09D63}"/>
+                <a16:creationId xmlns:a16="http://schemas.microsoft.com/office/drawing/2014/main" xmlns="" id="{1270056D-C445-482D-9C8C-EC4698A09D63}"/>
               </a:ext>
             </a:extLst>
           </p:cNvPr>
@@ -4022,7 +4030,7 @@
           <p:cNvPr id="2" name="Retângulo 1">
             <a:extLst>
               <a:ext uri="{FF2B5EF4-FFF2-40B4-BE49-F238E27FC236}">
-                <a16:creationId xmlns:a16="http://schemas.microsoft.com/office/drawing/2014/main" id="{12043949-80F2-4BA4-ACCA-8E1E73200266}"/>
+                <a16:creationId xmlns:a16="http://schemas.microsoft.com/office/drawing/2014/main" xmlns="" id="{12043949-80F2-4BA4-ACCA-8E1E73200266}"/>
               </a:ext>
             </a:extLst>
           </p:cNvPr>
@@ -4071,7 +4079,7 @@
           <p:cNvPr id="9" name="Conector de Seta Reta 8">
             <a:extLst>
               <a:ext uri="{FF2B5EF4-FFF2-40B4-BE49-F238E27FC236}">
-                <a16:creationId xmlns:a16="http://schemas.microsoft.com/office/drawing/2014/main" id="{BA601A5E-E9FD-4E49-A21A-E1D9795909C3}"/>
+                <a16:creationId xmlns:a16="http://schemas.microsoft.com/office/drawing/2014/main" xmlns="" id="{BA601A5E-E9FD-4E49-A21A-E1D9795909C3}"/>
               </a:ext>
             </a:extLst>
           </p:cNvPr>
@@ -4113,7 +4121,7 @@
           <p:cNvPr id="5" name="Agrupar 4">
             <a:extLst>
               <a:ext uri="{FF2B5EF4-FFF2-40B4-BE49-F238E27FC236}">
-                <a16:creationId xmlns:a16="http://schemas.microsoft.com/office/drawing/2014/main" id="{E6673161-0C4F-48B5-8E89-7B48BFDA7916}"/>
+                <a16:creationId xmlns:a16="http://schemas.microsoft.com/office/drawing/2014/main" xmlns="" id="{E6673161-0C4F-48B5-8E89-7B48BFDA7916}"/>
               </a:ext>
             </a:extLst>
           </p:cNvPr>
@@ -4133,7 +4141,7 @@
             <p:cNvPr id="3" name="Imagem 6" descr="Uma imagem contendo objeto&#10;&#10;Descrição gerada com muito alta confiança">
               <a:extLst>
                 <a:ext uri="{FF2B5EF4-FFF2-40B4-BE49-F238E27FC236}">
-                  <a16:creationId xmlns:a16="http://schemas.microsoft.com/office/drawing/2014/main" id="{BBEA9159-6E91-4172-99DF-56517BBFE5AC}"/>
+                  <a16:creationId xmlns:a16="http://schemas.microsoft.com/office/drawing/2014/main" xmlns="" id="{BBEA9159-6E91-4172-99DF-56517BBFE5AC}"/>
                 </a:ext>
               </a:extLst>
             </p:cNvPr>
@@ -4163,7 +4171,7 @@
             <p:cNvPr id="11" name="CaixaDeTexto 10">
               <a:extLst>
                 <a:ext uri="{FF2B5EF4-FFF2-40B4-BE49-F238E27FC236}">
-                  <a16:creationId xmlns:a16="http://schemas.microsoft.com/office/drawing/2014/main" id="{2B365FA8-96A9-46EF-82C1-1F0ACEB6382C}"/>
+                  <a16:creationId xmlns:a16="http://schemas.microsoft.com/office/drawing/2014/main" xmlns="" id="{2B365FA8-96A9-46EF-82C1-1F0ACEB6382C}"/>
                 </a:ext>
               </a:extLst>
             </p:cNvPr>
@@ -4189,8 +4197,12 @@
             <a:lstStyle/>
             <a:p>
               <a:r>
+                <a:rPr lang="pt-BR" sz="2400" b="1" i="1" dirty="0" smtClean="0"/>
+                <a:t>Voluntario</a:t>
+              </a:r>
+              <a:r>
                 <a:rPr lang="pt-BR" sz="2400" b="1" i="1" dirty="0"/>
-                <a:t>colaborador </a:t>
+                <a:t> </a:t>
               </a:r>
             </a:p>
           </p:txBody>
@@ -4201,7 +4213,7 @@
           <p:cNvPr id="15" name="CaixaDeTexto 14">
             <a:extLst>
               <a:ext uri="{FF2B5EF4-FFF2-40B4-BE49-F238E27FC236}">
-                <a16:creationId xmlns:a16="http://schemas.microsoft.com/office/drawing/2014/main" id="{589ED39B-DB76-4792-9198-978C3E9B327E}"/>
+                <a16:creationId xmlns:a16="http://schemas.microsoft.com/office/drawing/2014/main" xmlns="" id="{589ED39B-DB76-4792-9198-978C3E9B327E}"/>
               </a:ext>
             </a:extLst>
           </p:cNvPr>
@@ -4241,7 +4253,7 @@
           <p:cNvPr id="17" name="Retângulo 16">
             <a:extLst>
               <a:ext uri="{FF2B5EF4-FFF2-40B4-BE49-F238E27FC236}">
-                <a16:creationId xmlns:a16="http://schemas.microsoft.com/office/drawing/2014/main" id="{AAE3C69C-201D-4C86-AAF7-B3DC70259B1F}"/>
+                <a16:creationId xmlns:a16="http://schemas.microsoft.com/office/drawing/2014/main" xmlns="" id="{AAE3C69C-201D-4C86-AAF7-B3DC70259B1F}"/>
               </a:ext>
             </a:extLst>
           </p:cNvPr>
@@ -4290,7 +4302,7 @@
           <p:cNvPr id="20" name="CaixaDeTexto 19">
             <a:extLst>
               <a:ext uri="{FF2B5EF4-FFF2-40B4-BE49-F238E27FC236}">
-                <a16:creationId xmlns:a16="http://schemas.microsoft.com/office/drawing/2014/main" id="{9EF114C1-C8CF-409C-847E-943F96FE0F0F}"/>
+                <a16:creationId xmlns:a16="http://schemas.microsoft.com/office/drawing/2014/main" xmlns="" id="{9EF114C1-C8CF-409C-847E-943F96FE0F0F}"/>
               </a:ext>
             </a:extLst>
           </p:cNvPr>
@@ -4299,8 +4311,8 @@
         </p:nvSpPr>
         <p:spPr>
           <a:xfrm>
-            <a:off x="4735183" y="2607334"/>
-            <a:ext cx="1650521" cy="461665"/>
+            <a:off x="4367065" y="2574728"/>
+            <a:ext cx="2190986" cy="461665"/>
           </a:xfrm>
           <a:prstGeom prst="rect">
             <a:avLst/>
@@ -4316,11 +4328,14 @@
           <a:lstStyle/>
           <a:p>
             <a:r>
-              <a:rPr lang="pt-BR" sz="2400" b="1" i="1" dirty="0">
+              <a:rPr lang="pt-BR" sz="2400" b="1" i="1" dirty="0" smtClean="0">
                 <a:cs typeface="Calibri"/>
               </a:rPr>
-              <a:t>Função </a:t>
+              <a:t>Administração </a:t>
             </a:r>
+            <a:endParaRPr lang="pt-BR" sz="2400" b="1" i="1" dirty="0">
+              <a:cs typeface="Calibri"/>
+            </a:endParaRPr>
           </a:p>
         </p:txBody>
       </p:sp>
@@ -4329,7 +4344,7 @@
           <p:cNvPr id="22" name="Conector de Seta Reta 21">
             <a:extLst>
               <a:ext uri="{FF2B5EF4-FFF2-40B4-BE49-F238E27FC236}">
-                <a16:creationId xmlns:a16="http://schemas.microsoft.com/office/drawing/2014/main" id="{6005A5E0-EFE8-4E81-9A9B-EC939F301038}"/>
+                <a16:creationId xmlns:a16="http://schemas.microsoft.com/office/drawing/2014/main" xmlns="" id="{6005A5E0-EFE8-4E81-9A9B-EC939F301038}"/>
               </a:ext>
             </a:extLst>
           </p:cNvPr>
@@ -4403,7 +4418,7 @@
           <p:cNvPr id="4" name="Retângulo 3">
             <a:extLst>
               <a:ext uri="{FF2B5EF4-FFF2-40B4-BE49-F238E27FC236}">
-                <a16:creationId xmlns:a16="http://schemas.microsoft.com/office/drawing/2014/main" id="{88C6BF1B-8B81-4A42-B266-9DF3168EF8CB}"/>
+                <a16:creationId xmlns:a16="http://schemas.microsoft.com/office/drawing/2014/main" xmlns="" id="{88C6BF1B-8B81-4A42-B266-9DF3168EF8CB}"/>
               </a:ext>
             </a:extLst>
           </p:cNvPr>
@@ -4457,7 +4472,7 @@
           <p:cNvPr id="2" name="CaixaDeTexto 1">
             <a:extLst>
               <a:ext uri="{FF2B5EF4-FFF2-40B4-BE49-F238E27FC236}">
-                <a16:creationId xmlns:a16="http://schemas.microsoft.com/office/drawing/2014/main" id="{80F5CD5A-1914-4EF1-BE32-34B089486C2F}"/>
+                <a16:creationId xmlns:a16="http://schemas.microsoft.com/office/drawing/2014/main" xmlns="" id="{80F5CD5A-1914-4EF1-BE32-34B089486C2F}"/>
               </a:ext>
             </a:extLst>
           </p:cNvPr>
@@ -4498,7 +4513,7 @@
           <p:cNvPr id="5" name="Conector de Seta Reta 4">
             <a:extLst>
               <a:ext uri="{FF2B5EF4-FFF2-40B4-BE49-F238E27FC236}">
-                <a16:creationId xmlns:a16="http://schemas.microsoft.com/office/drawing/2014/main" id="{85E6B2C7-D043-4C92-898F-4F2DEE8A2690}"/>
+                <a16:creationId xmlns:a16="http://schemas.microsoft.com/office/drawing/2014/main" xmlns="" id="{85E6B2C7-D043-4C92-898F-4F2DEE8A2690}"/>
               </a:ext>
             </a:extLst>
           </p:cNvPr>
@@ -4541,7 +4556,7 @@
           <p:cNvPr id="6" name="Conector de Seta Reta 5">
             <a:extLst>
               <a:ext uri="{FF2B5EF4-FFF2-40B4-BE49-F238E27FC236}">
-                <a16:creationId xmlns:a16="http://schemas.microsoft.com/office/drawing/2014/main" id="{9BACC1B6-2F2A-4248-B083-17CB87D6E5BE}"/>
+                <a16:creationId xmlns:a16="http://schemas.microsoft.com/office/drawing/2014/main" xmlns="" id="{9BACC1B6-2F2A-4248-B083-17CB87D6E5BE}"/>
               </a:ext>
             </a:extLst>
           </p:cNvPr>
@@ -4584,7 +4599,7 @@
           <p:cNvPr id="8" name="Retângulo 7">
             <a:extLst>
               <a:ext uri="{FF2B5EF4-FFF2-40B4-BE49-F238E27FC236}">
-                <a16:creationId xmlns:a16="http://schemas.microsoft.com/office/drawing/2014/main" id="{5941647A-72D6-4138-BD44-C48D31273AB1}"/>
+                <a16:creationId xmlns:a16="http://schemas.microsoft.com/office/drawing/2014/main" xmlns="" id="{5941647A-72D6-4138-BD44-C48D31273AB1}"/>
               </a:ext>
             </a:extLst>
           </p:cNvPr>
@@ -4593,8 +4608,8 @@
         </p:nvSpPr>
         <p:spPr>
           <a:xfrm>
-            <a:off x="7506059" y="1474757"/>
-            <a:ext cx="2041583" cy="1207696"/>
+            <a:off x="7068809" y="1474757"/>
+            <a:ext cx="2478834" cy="1207696"/>
           </a:xfrm>
           <a:prstGeom prst="rect">
             <a:avLst/>
@@ -4638,7 +4653,7 @@
           <p:cNvPr id="9" name="CaixaDeTexto 1">
             <a:extLst>
               <a:ext uri="{FF2B5EF4-FFF2-40B4-BE49-F238E27FC236}">
-                <a16:creationId xmlns:a16="http://schemas.microsoft.com/office/drawing/2014/main" id="{7994EBAF-0D7D-41FB-B228-383D0E67FB6C}"/>
+                <a16:creationId xmlns:a16="http://schemas.microsoft.com/office/drawing/2014/main" xmlns="" id="{7994EBAF-0D7D-41FB-B228-383D0E67FB6C}"/>
               </a:ext>
             </a:extLst>
           </p:cNvPr>
@@ -4647,8 +4662,8 @@
         </p:nvSpPr>
         <p:spPr>
           <a:xfrm>
-            <a:off x="7915274" y="1792367"/>
-            <a:ext cx="1664899" cy="523220"/>
+            <a:off x="7134044" y="1816995"/>
+            <a:ext cx="2446129" cy="523220"/>
           </a:xfrm>
           <a:prstGeom prst="rect">
             <a:avLst/>
@@ -4758,10 +4773,16 @@
           </a:lstStyle>
           <a:p>
             <a:r>
+              <a:rPr lang="pt-BR" sz="2800" b="1" i="1" dirty="0" smtClean="0">
+                <a:cs typeface="Calibri"/>
+              </a:rPr>
+              <a:t>Administração</a:t>
+            </a:r>
+            <a:r>
               <a:rPr lang="pt-BR" sz="2800" b="1" i="1" dirty="0">
                 <a:cs typeface="Calibri"/>
               </a:rPr>
-              <a:t>Função </a:t>
+              <a:t> </a:t>
             </a:r>
           </a:p>
         </p:txBody>
@@ -4771,7 +4792,7 @@
           <p:cNvPr id="10" name="Agrupar 9">
             <a:extLst>
               <a:ext uri="{FF2B5EF4-FFF2-40B4-BE49-F238E27FC236}">
-                <a16:creationId xmlns:a16="http://schemas.microsoft.com/office/drawing/2014/main" id="{824586A1-E2A3-4B25-8F44-2AB0D73E8B07}"/>
+                <a16:creationId xmlns:a16="http://schemas.microsoft.com/office/drawing/2014/main" xmlns="" id="{824586A1-E2A3-4B25-8F44-2AB0D73E8B07}"/>
               </a:ext>
             </a:extLst>
           </p:cNvPr>
@@ -4791,7 +4812,7 @@
             <p:cNvPr id="13" name="Imagem 6" descr="Uma imagem contendo objeto&#10;&#10;Descrição gerada com muito alta confiança">
               <a:extLst>
                 <a:ext uri="{FF2B5EF4-FFF2-40B4-BE49-F238E27FC236}">
-                  <a16:creationId xmlns:a16="http://schemas.microsoft.com/office/drawing/2014/main" id="{63824687-0B05-4413-8D3C-5E29C9702638}"/>
+                  <a16:creationId xmlns:a16="http://schemas.microsoft.com/office/drawing/2014/main" xmlns="" id="{63824687-0B05-4413-8D3C-5E29C9702638}"/>
                 </a:ext>
               </a:extLst>
             </p:cNvPr>
@@ -4821,7 +4842,7 @@
             <p:cNvPr id="16" name="CaixaDeTexto 15">
               <a:extLst>
                 <a:ext uri="{FF2B5EF4-FFF2-40B4-BE49-F238E27FC236}">
-                  <a16:creationId xmlns:a16="http://schemas.microsoft.com/office/drawing/2014/main" id="{FDA29973-2090-478C-8CFB-2DD1F5F78F5A}"/>
+                  <a16:creationId xmlns:a16="http://schemas.microsoft.com/office/drawing/2014/main" xmlns="" id="{FDA29973-2090-478C-8CFB-2DD1F5F78F5A}"/>
                 </a:ext>
               </a:extLst>
             </p:cNvPr>
@@ -4847,10 +4868,16 @@
             <a:lstStyle/>
             <a:p>
               <a:r>
+                <a:rPr lang="pt-BR" sz="2400" b="1" i="1" dirty="0" smtClean="0">
+                  <a:cs typeface="Calibri"/>
+                </a:rPr>
+                <a:t>Voluntario</a:t>
+              </a:r>
+              <a:r>
                 <a:rPr lang="pt-BR" sz="2400" b="1" i="1" dirty="0">
                   <a:cs typeface="Calibri"/>
                 </a:rPr>
-                <a:t>Colaborador </a:t>
+                <a:t> </a:t>
               </a:r>
               <a:endParaRPr lang="pt-BR" sz="2400" b="1" i="1" dirty="0"/>
             </a:p>
@@ -4862,7 +4889,7 @@
           <p:cNvPr id="19" name="Conector de Seta Reta 18">
             <a:extLst>
               <a:ext uri="{FF2B5EF4-FFF2-40B4-BE49-F238E27FC236}">
-                <a16:creationId xmlns:a16="http://schemas.microsoft.com/office/drawing/2014/main" id="{7053101E-BA41-4AFA-90EB-5F30E05D5C2A}"/>
+                <a16:creationId xmlns:a16="http://schemas.microsoft.com/office/drawing/2014/main" xmlns="" id="{7053101E-BA41-4AFA-90EB-5F30E05D5C2A}"/>
               </a:ext>
             </a:extLst>
           </p:cNvPr>
@@ -4904,7 +4931,7 @@
           <p:cNvPr id="20" name="Conector de Seta Reta 19">
             <a:extLst>
               <a:ext uri="{FF2B5EF4-FFF2-40B4-BE49-F238E27FC236}">
-                <a16:creationId xmlns:a16="http://schemas.microsoft.com/office/drawing/2014/main" id="{972CCC72-617F-4D78-B3FE-1B11C03D20E1}"/>
+                <a16:creationId xmlns:a16="http://schemas.microsoft.com/office/drawing/2014/main" xmlns="" id="{972CCC72-617F-4D78-B3FE-1B11C03D20E1}"/>
               </a:ext>
             </a:extLst>
           </p:cNvPr>
@@ -4948,7 +4975,7 @@
           <p:cNvPr id="23" name="Conector de Seta Reta 22">
             <a:extLst>
               <a:ext uri="{FF2B5EF4-FFF2-40B4-BE49-F238E27FC236}">
-                <a16:creationId xmlns:a16="http://schemas.microsoft.com/office/drawing/2014/main" id="{6F2A4F03-C5E4-40D7-AA81-EDDBC7B02437}"/>
+                <a16:creationId xmlns:a16="http://schemas.microsoft.com/office/drawing/2014/main" xmlns="" id="{6F2A4F03-C5E4-40D7-AA81-EDDBC7B02437}"/>
               </a:ext>
             </a:extLst>
           </p:cNvPr>
@@ -4987,56 +5014,12 @@
           </a:fontRef>
         </p:style>
       </p:cxnSp>
-      <p:cxnSp>
-        <p:nvCxnSpPr>
-          <p:cNvPr id="24" name="Conector de Seta Reta 23">
-            <a:extLst>
-              <a:ext uri="{FF2B5EF4-FFF2-40B4-BE49-F238E27FC236}">
-                <a16:creationId xmlns:a16="http://schemas.microsoft.com/office/drawing/2014/main" id="{906C5ED3-A468-446B-91A1-50EACFAF704A}"/>
-              </a:ext>
-            </a:extLst>
-          </p:cNvPr>
-          <p:cNvCxnSpPr>
-            <a:cxnSpLocks/>
-          </p:cNvCxnSpPr>
-          <p:nvPr/>
-        </p:nvCxnSpPr>
-        <p:spPr>
-          <a:xfrm flipH="1">
-            <a:off x="3188898" y="3129951"/>
-            <a:ext cx="250165" cy="626852"/>
-          </a:xfrm>
-          <a:prstGeom prst="straightConnector1">
-            <a:avLst/>
-          </a:prstGeom>
-          <a:ln>
-            <a:solidFill>
-              <a:schemeClr val="tx1"/>
-            </a:solidFill>
-            <a:tailEnd type="triangle"/>
-          </a:ln>
-        </p:spPr>
-        <p:style>
-          <a:lnRef idx="1">
-            <a:schemeClr val="accent1"/>
-          </a:lnRef>
-          <a:fillRef idx="0">
-            <a:schemeClr val="accent1"/>
-          </a:fillRef>
-          <a:effectRef idx="0">
-            <a:schemeClr val="accent1"/>
-          </a:effectRef>
-          <a:fontRef idx="minor">
-            <a:schemeClr val="tx1"/>
-          </a:fontRef>
-        </p:style>
-      </p:cxnSp>
       <p:sp>
         <p:nvSpPr>
           <p:cNvPr id="3" name="CaixaDeTexto 2">
             <a:extLst>
               <a:ext uri="{FF2B5EF4-FFF2-40B4-BE49-F238E27FC236}">
-                <a16:creationId xmlns:a16="http://schemas.microsoft.com/office/drawing/2014/main" id="{7FCA1908-EC09-46BB-B633-12D671CD2244}"/>
+                <a16:creationId xmlns:a16="http://schemas.microsoft.com/office/drawing/2014/main" xmlns="" id="{7FCA1908-EC09-46BB-B633-12D671CD2244}"/>
               </a:ext>
             </a:extLst>
           </p:cNvPr>
@@ -5077,7 +5060,7 @@
           <p:cNvPr id="7" name="CaixaDeTexto 6">
             <a:extLst>
               <a:ext uri="{FF2B5EF4-FFF2-40B4-BE49-F238E27FC236}">
-                <a16:creationId xmlns:a16="http://schemas.microsoft.com/office/drawing/2014/main" id="{BF0B844E-C924-4EC3-B27F-D0C0220E391A}"/>
+                <a16:creationId xmlns:a16="http://schemas.microsoft.com/office/drawing/2014/main" xmlns="" id="{BF0B844E-C924-4EC3-B27F-D0C0220E391A}"/>
               </a:ext>
             </a:extLst>
           </p:cNvPr>
@@ -5113,138 +5096,10 @@
       </p:sp>
       <p:grpSp>
         <p:nvGrpSpPr>
-          <p:cNvPr id="11" name="Agrupar 10">
-            <a:extLst>
-              <a:ext uri="{FF2B5EF4-FFF2-40B4-BE49-F238E27FC236}">
-                <a16:creationId xmlns:a16="http://schemas.microsoft.com/office/drawing/2014/main" id="{3203C5F3-8D03-4FC9-88D2-41B3ED0C877D}"/>
-              </a:ext>
-            </a:extLst>
-          </p:cNvPr>
-          <p:cNvGrpSpPr/>
-          <p:nvPr/>
-        </p:nvGrpSpPr>
-        <p:grpSpPr>
-          <a:xfrm>
-            <a:off x="2317630" y="4035725"/>
-            <a:ext cx="2590801" cy="1273834"/>
-            <a:chOff x="2317630" y="4035725"/>
-            <a:chExt cx="2590801" cy="1273834"/>
-          </a:xfrm>
-        </p:grpSpPr>
-        <p:sp>
-          <p:nvSpPr>
-            <p:cNvPr id="25" name="CaixaDeTexto 24">
-              <a:extLst>
-                <a:ext uri="{FF2B5EF4-FFF2-40B4-BE49-F238E27FC236}">
-                  <a16:creationId xmlns:a16="http://schemas.microsoft.com/office/drawing/2014/main" id="{E53E8429-486C-49E3-A88D-600F0719554F}"/>
-                </a:ext>
-              </a:extLst>
-            </p:cNvPr>
-            <p:cNvSpPr txBox="1"/>
-            <p:nvPr/>
-          </p:nvSpPr>
-          <p:spPr>
-            <a:xfrm>
-              <a:off x="2323381" y="4247729"/>
-              <a:ext cx="2585050" cy="923330"/>
-            </a:xfrm>
-            <a:prstGeom prst="rect">
-              <a:avLst/>
-            </a:prstGeom>
-          </p:spPr>
-          <p:txBody>
-            <a:bodyPr rot="0" spcFirstLastPara="0" vertOverflow="overflow" horzOverflow="overflow" vert="horz" wrap="square" lIns="91440" tIns="45720" rIns="91440" bIns="45720" numCol="1" spcCol="0" rtlCol="0" fromWordArt="0" anchor="t" anchorCtr="0" forceAA="0" compatLnSpc="1">
-              <a:prstTxWarp prst="textNoShape">
-                <a:avLst/>
-              </a:prstTxWarp>
-              <a:spAutoFit/>
-            </a:bodyPr>
-            <a:lstStyle/>
-            <a:p>
-              <a:pPr marL="285750" indent="-285750">
-                <a:buFont typeface="Arial"/>
-                <a:buChar char="•"/>
-              </a:pPr>
-              <a:r>
-                <a:rPr lang="pt-BR" b="1" i="1" dirty="0">
-                  <a:cs typeface="Calibri"/>
-                </a:rPr>
-                <a:t>Cumprir regras </a:t>
-              </a:r>
-            </a:p>
-            <a:p>
-              <a:pPr marL="285750" indent="-285750">
-                <a:buFont typeface="Arial"/>
-                <a:buChar char="•"/>
-              </a:pPr>
-              <a:r>
-                <a:rPr lang="pt-BR" b="1" i="1" dirty="0">
-                  <a:cs typeface="Calibri"/>
-                </a:rPr>
-                <a:t>Executar atividades para função </a:t>
-              </a:r>
-            </a:p>
-          </p:txBody>
-        </p:sp>
-        <p:sp>
-          <p:nvSpPr>
-            <p:cNvPr id="12" name="Retângulo 11">
-              <a:extLst>
-                <a:ext uri="{FF2B5EF4-FFF2-40B4-BE49-F238E27FC236}">
-                  <a16:creationId xmlns:a16="http://schemas.microsoft.com/office/drawing/2014/main" id="{E9117F55-F054-4FBD-92C8-EA6D071EE605}"/>
-                </a:ext>
-              </a:extLst>
-            </p:cNvPr>
-            <p:cNvSpPr/>
-            <p:nvPr/>
-          </p:nvSpPr>
-          <p:spPr>
-            <a:xfrm>
-              <a:off x="2317630" y="4035725"/>
-              <a:ext cx="2424022" cy="1273834"/>
-            </a:xfrm>
-            <a:prstGeom prst="rect">
-              <a:avLst/>
-            </a:prstGeom>
-            <a:noFill/>
-            <a:ln>
-              <a:solidFill>
-                <a:schemeClr val="tx1"/>
-              </a:solidFill>
-            </a:ln>
-          </p:spPr>
-          <p:style>
-            <a:lnRef idx="2">
-              <a:schemeClr val="accent1">
-                <a:shade val="50000"/>
-              </a:schemeClr>
-            </a:lnRef>
-            <a:fillRef idx="1">
-              <a:schemeClr val="accent1"/>
-            </a:fillRef>
-            <a:effectRef idx="0">
-              <a:schemeClr val="accent1"/>
-            </a:effectRef>
-            <a:fontRef idx="minor">
-              <a:schemeClr val="lt1"/>
-            </a:fontRef>
-          </p:style>
-          <p:txBody>
-            <a:bodyPr rtlCol="0" anchor="ctr"/>
-            <a:lstStyle/>
-            <a:p>
-              <a:pPr algn="ctr"/>
-              <a:endParaRPr lang="pt-BR" u="sng" dirty="0"/>
-            </a:p>
-          </p:txBody>
-        </p:sp>
-      </p:grpSp>
-      <p:grpSp>
-        <p:nvGrpSpPr>
           <p:cNvPr id="14" name="Agrupar 13">
             <a:extLst>
               <a:ext uri="{FF2B5EF4-FFF2-40B4-BE49-F238E27FC236}">
-                <a16:creationId xmlns:a16="http://schemas.microsoft.com/office/drawing/2014/main" id="{52E15621-7F03-4345-B836-9C7FBBF4EDE5}"/>
+                <a16:creationId xmlns:a16="http://schemas.microsoft.com/office/drawing/2014/main" xmlns="" id="{52E15621-7F03-4345-B836-9C7FBBF4EDE5}"/>
               </a:ext>
             </a:extLst>
           </p:cNvPr>
@@ -5264,7 +5119,7 @@
             <p:cNvPr id="28" name="CaixaDeTexto 27">
               <a:extLst>
                 <a:ext uri="{FF2B5EF4-FFF2-40B4-BE49-F238E27FC236}">
-                  <a16:creationId xmlns:a16="http://schemas.microsoft.com/office/drawing/2014/main" id="{06F24E56-56C0-48DE-B993-B1CF84033F10}"/>
+                  <a16:creationId xmlns:a16="http://schemas.microsoft.com/office/drawing/2014/main" xmlns="" id="{06F24E56-56C0-48DE-B993-B1CF84033F10}"/>
                 </a:ext>
               </a:extLst>
             </p:cNvPr>
@@ -5325,7 +5180,7 @@
             <p:cNvPr id="33" name="Retângulo 32">
               <a:extLst>
                 <a:ext uri="{FF2B5EF4-FFF2-40B4-BE49-F238E27FC236}">
-                  <a16:creationId xmlns:a16="http://schemas.microsoft.com/office/drawing/2014/main" id="{F00C5CCF-AC25-4099-8DD3-8B36FCAF56E7}"/>
+                  <a16:creationId xmlns:a16="http://schemas.microsoft.com/office/drawing/2014/main" xmlns="" id="{F00C5CCF-AC25-4099-8DD3-8B36FCAF56E7}"/>
                 </a:ext>
               </a:extLst>
             </p:cNvPr>
@@ -5408,7 +5263,7 @@
           <p:cNvPr id="4" name="Retângulo 3">
             <a:extLst>
               <a:ext uri="{FF2B5EF4-FFF2-40B4-BE49-F238E27FC236}">
-                <a16:creationId xmlns:a16="http://schemas.microsoft.com/office/drawing/2014/main" id="{CEF9C6BA-8DDB-476C-86AF-98DA05BAF666}"/>
+                <a16:creationId xmlns:a16="http://schemas.microsoft.com/office/drawing/2014/main" xmlns="" id="{CEF9C6BA-8DDB-476C-86AF-98DA05BAF666}"/>
               </a:ext>
             </a:extLst>
           </p:cNvPr>
@@ -5462,7 +5317,7 @@
           <p:cNvPr id="5" name="CaixaDeTexto 4">
             <a:extLst>
               <a:ext uri="{FF2B5EF4-FFF2-40B4-BE49-F238E27FC236}">
-                <a16:creationId xmlns:a16="http://schemas.microsoft.com/office/drawing/2014/main" id="{0DB7A970-3CC1-4626-9F9D-866AD68C58EA}"/>
+                <a16:creationId xmlns:a16="http://schemas.microsoft.com/office/drawing/2014/main" xmlns="" id="{0DB7A970-3CC1-4626-9F9D-866AD68C58EA}"/>
               </a:ext>
             </a:extLst>
           </p:cNvPr>
@@ -5503,7 +5358,7 @@
           <p:cNvPr id="6" name="Imagem 6" descr="Uma imagem contendo objeto&#10;&#10;Descrição gerada com muito alta confiança">
             <a:extLst>
               <a:ext uri="{FF2B5EF4-FFF2-40B4-BE49-F238E27FC236}">
-                <a16:creationId xmlns:a16="http://schemas.microsoft.com/office/drawing/2014/main" id="{AE41C0EB-3270-451D-B583-48485D46168E}"/>
+                <a16:creationId xmlns:a16="http://schemas.microsoft.com/office/drawing/2014/main" xmlns="" id="{AE41C0EB-3270-451D-B583-48485D46168E}"/>
               </a:ext>
             </a:extLst>
           </p:cNvPr>
@@ -5533,7 +5388,7 @@
           <p:cNvPr id="7" name="Retângulo 6">
             <a:extLst>
               <a:ext uri="{FF2B5EF4-FFF2-40B4-BE49-F238E27FC236}">
-                <a16:creationId xmlns:a16="http://schemas.microsoft.com/office/drawing/2014/main" id="{14F074DC-6DCC-4E08-9917-5BE79B7E65BA}"/>
+                <a16:creationId xmlns:a16="http://schemas.microsoft.com/office/drawing/2014/main" xmlns="" id="{14F074DC-6DCC-4E08-9917-5BE79B7E65BA}"/>
               </a:ext>
             </a:extLst>
           </p:cNvPr>
@@ -5582,7 +5437,7 @@
           <p:cNvPr id="11" name="Conector de Seta Reta 10">
             <a:extLst>
               <a:ext uri="{FF2B5EF4-FFF2-40B4-BE49-F238E27FC236}">
-                <a16:creationId xmlns:a16="http://schemas.microsoft.com/office/drawing/2014/main" id="{AF990622-0DAD-4CF8-B897-C60879C5B414}"/>
+                <a16:creationId xmlns:a16="http://schemas.microsoft.com/office/drawing/2014/main" xmlns="" id="{AF990622-0DAD-4CF8-B897-C60879C5B414}"/>
               </a:ext>
             </a:extLst>
           </p:cNvPr>
@@ -5626,7 +5481,7 @@
           <p:cNvPr id="13" name="CaixaDeTexto 12">
             <a:extLst>
               <a:ext uri="{FF2B5EF4-FFF2-40B4-BE49-F238E27FC236}">
-                <a16:creationId xmlns:a16="http://schemas.microsoft.com/office/drawing/2014/main" id="{B9BDE6EE-83E2-4E9F-9DB8-ABE3AF877CCB}"/>
+                <a16:creationId xmlns:a16="http://schemas.microsoft.com/office/drawing/2014/main" xmlns="" id="{B9BDE6EE-83E2-4E9F-9DB8-ABE3AF877CCB}"/>
               </a:ext>
             </a:extLst>
           </p:cNvPr>
@@ -5663,7 +5518,7 @@
           <p:cNvPr id="29" name="CaixaDeTexto 28">
             <a:extLst>
               <a:ext uri="{FF2B5EF4-FFF2-40B4-BE49-F238E27FC236}">
-                <a16:creationId xmlns:a16="http://schemas.microsoft.com/office/drawing/2014/main" id="{A6762E50-5323-4BE0-915A-EB8EEDBCB00C}"/>
+                <a16:creationId xmlns:a16="http://schemas.microsoft.com/office/drawing/2014/main" xmlns="" id="{A6762E50-5323-4BE0-915A-EB8EEDBCB00C}"/>
               </a:ext>
             </a:extLst>
           </p:cNvPr>
@@ -5703,7 +5558,7 @@
           <p:cNvPr id="30" name="Retângulo 29">
             <a:extLst>
               <a:ext uri="{FF2B5EF4-FFF2-40B4-BE49-F238E27FC236}">
-                <a16:creationId xmlns:a16="http://schemas.microsoft.com/office/drawing/2014/main" id="{3AA62CBD-64E7-4BA1-BBCB-45C4726787D0}"/>
+                <a16:creationId xmlns:a16="http://schemas.microsoft.com/office/drawing/2014/main" xmlns="" id="{3AA62CBD-64E7-4BA1-BBCB-45C4726787D0}"/>
               </a:ext>
             </a:extLst>
           </p:cNvPr>
@@ -5755,7 +5610,7 @@
           <p:cNvPr id="31" name="CaixaDeTexto 30">
             <a:extLst>
               <a:ext uri="{FF2B5EF4-FFF2-40B4-BE49-F238E27FC236}">
-                <a16:creationId xmlns:a16="http://schemas.microsoft.com/office/drawing/2014/main" id="{2B86E22E-128E-40A7-9AA7-48626AD2DFA2}"/>
+                <a16:creationId xmlns:a16="http://schemas.microsoft.com/office/drawing/2014/main" xmlns="" id="{2B86E22E-128E-40A7-9AA7-48626AD2DFA2}"/>
               </a:ext>
             </a:extLst>
           </p:cNvPr>
@@ -5824,7 +5679,7 @@
           <p:cNvPr id="23" name="Agrupar 22">
             <a:extLst>
               <a:ext uri="{FF2B5EF4-FFF2-40B4-BE49-F238E27FC236}">
-                <a16:creationId xmlns:a16="http://schemas.microsoft.com/office/drawing/2014/main" id="{0AAE26CE-50AE-4585-8600-8F5CE0F550A2}"/>
+                <a16:creationId xmlns:a16="http://schemas.microsoft.com/office/drawing/2014/main" xmlns="" id="{0AAE26CE-50AE-4585-8600-8F5CE0F550A2}"/>
               </a:ext>
             </a:extLst>
           </p:cNvPr>
@@ -5844,7 +5699,7 @@
             <p:cNvPr id="4" name="Retângulo 3">
               <a:extLst>
                 <a:ext uri="{FF2B5EF4-FFF2-40B4-BE49-F238E27FC236}">
-                  <a16:creationId xmlns:a16="http://schemas.microsoft.com/office/drawing/2014/main" id="{88C6BF1B-8B81-4A42-B266-9DF3168EF8CB}"/>
+                  <a16:creationId xmlns:a16="http://schemas.microsoft.com/office/drawing/2014/main" xmlns="" id="{88C6BF1B-8B81-4A42-B266-9DF3168EF8CB}"/>
                 </a:ext>
               </a:extLst>
             </p:cNvPr>
@@ -5898,7 +5753,7 @@
             <p:cNvPr id="5" name="CaixaDeTexto 4">
               <a:extLst>
                 <a:ext uri="{FF2B5EF4-FFF2-40B4-BE49-F238E27FC236}">
-                  <a16:creationId xmlns:a16="http://schemas.microsoft.com/office/drawing/2014/main" id="{1AEAEC07-A165-4D26-BBD3-BB0A2EE6FDCE}"/>
+                  <a16:creationId xmlns:a16="http://schemas.microsoft.com/office/drawing/2014/main" xmlns="" id="{1AEAEC07-A165-4D26-BBD3-BB0A2EE6FDCE}"/>
                 </a:ext>
               </a:extLst>
             </p:cNvPr>
@@ -5939,7 +5794,7 @@
             <p:cNvPr id="6" name="Conector de Seta Reta 5">
               <a:extLst>
                 <a:ext uri="{FF2B5EF4-FFF2-40B4-BE49-F238E27FC236}">
-                  <a16:creationId xmlns:a16="http://schemas.microsoft.com/office/drawing/2014/main" id="{3CA215E8-6B7A-4EE8-B19D-43965C2FFF51}"/>
+                  <a16:creationId xmlns:a16="http://schemas.microsoft.com/office/drawing/2014/main" xmlns="" id="{3CA215E8-6B7A-4EE8-B19D-43965C2FFF51}"/>
                 </a:ext>
               </a:extLst>
             </p:cNvPr>
@@ -5982,7 +5837,7 @@
             <p:cNvPr id="7" name="Retângulo 6">
               <a:extLst>
                 <a:ext uri="{FF2B5EF4-FFF2-40B4-BE49-F238E27FC236}">
-                  <a16:creationId xmlns:a16="http://schemas.microsoft.com/office/drawing/2014/main" id="{B85D8224-4133-4070-A5AB-3AE9CA1C3903}"/>
+                  <a16:creationId xmlns:a16="http://schemas.microsoft.com/office/drawing/2014/main" xmlns="" id="{B85D8224-4133-4070-A5AB-3AE9CA1C3903}"/>
                 </a:ext>
               </a:extLst>
             </p:cNvPr>
@@ -6036,7 +5891,7 @@
             <p:cNvPr id="8" name="CaixaDeTexto 1">
               <a:extLst>
                 <a:ext uri="{FF2B5EF4-FFF2-40B4-BE49-F238E27FC236}">
-                  <a16:creationId xmlns:a16="http://schemas.microsoft.com/office/drawing/2014/main" id="{BF9502B6-F748-4FC4-B6F9-18A1E394C2BC}"/>
+                  <a16:creationId xmlns:a16="http://schemas.microsoft.com/office/drawing/2014/main" xmlns="" id="{BF9502B6-F748-4FC4-B6F9-18A1E394C2BC}"/>
                 </a:ext>
               </a:extLst>
             </p:cNvPr>
@@ -6170,7 +6025,7 @@
             <p:cNvPr id="9" name="Agrupar 8">
               <a:extLst>
                 <a:ext uri="{FF2B5EF4-FFF2-40B4-BE49-F238E27FC236}">
-                  <a16:creationId xmlns:a16="http://schemas.microsoft.com/office/drawing/2014/main" id="{70EC6F40-B78A-4FA6-AEC6-D87F09F8F858}"/>
+                  <a16:creationId xmlns:a16="http://schemas.microsoft.com/office/drawing/2014/main" xmlns="" id="{70EC6F40-B78A-4FA6-AEC6-D87F09F8F858}"/>
                 </a:ext>
               </a:extLst>
             </p:cNvPr>
@@ -6190,7 +6045,7 @@
               <p:cNvPr id="10" name="Imagem 6" descr="Uma imagem contendo objeto&#10;&#10;Descrição gerada com muito alta confiança">
                 <a:extLst>
                   <a:ext uri="{FF2B5EF4-FFF2-40B4-BE49-F238E27FC236}">
-                    <a16:creationId xmlns:a16="http://schemas.microsoft.com/office/drawing/2014/main" id="{2EDB6AAB-80CB-4F3F-8B37-01FF56F250D4}"/>
+                    <a16:creationId xmlns:a16="http://schemas.microsoft.com/office/drawing/2014/main" xmlns="" id="{2EDB6AAB-80CB-4F3F-8B37-01FF56F250D4}"/>
                   </a:ext>
                 </a:extLst>
               </p:cNvPr>
@@ -6220,7 +6075,7 @@
               <p:cNvPr id="11" name="CaixaDeTexto 10">
                 <a:extLst>
                   <a:ext uri="{FF2B5EF4-FFF2-40B4-BE49-F238E27FC236}">
-                    <a16:creationId xmlns:a16="http://schemas.microsoft.com/office/drawing/2014/main" id="{D2F17BB0-905F-429F-BA48-277307751C61}"/>
+                    <a16:creationId xmlns:a16="http://schemas.microsoft.com/office/drawing/2014/main" xmlns="" id="{D2F17BB0-905F-429F-BA48-277307751C61}"/>
                   </a:ext>
                 </a:extLst>
               </p:cNvPr>
@@ -6261,7 +6116,7 @@
             <p:cNvPr id="12" name="Conector de Seta Reta 11">
               <a:extLst>
                 <a:ext uri="{FF2B5EF4-FFF2-40B4-BE49-F238E27FC236}">
-                  <a16:creationId xmlns:a16="http://schemas.microsoft.com/office/drawing/2014/main" id="{AADFC01F-DE98-49E6-BCF3-4D209C12920F}"/>
+                  <a16:creationId xmlns:a16="http://schemas.microsoft.com/office/drawing/2014/main" xmlns="" id="{AADFC01F-DE98-49E6-BCF3-4D209C12920F}"/>
                 </a:ext>
               </a:extLst>
             </p:cNvPr>
@@ -6305,7 +6160,7 @@
             <p:cNvPr id="13" name="Conector de Seta Reta 12">
               <a:extLst>
                 <a:ext uri="{FF2B5EF4-FFF2-40B4-BE49-F238E27FC236}">
-                  <a16:creationId xmlns:a16="http://schemas.microsoft.com/office/drawing/2014/main" id="{38305CCA-0FC0-4C75-8071-F8E8AE25FE80}"/>
+                  <a16:creationId xmlns:a16="http://schemas.microsoft.com/office/drawing/2014/main" xmlns="" id="{38305CCA-0FC0-4C75-8071-F8E8AE25FE80}"/>
                 </a:ext>
               </a:extLst>
             </p:cNvPr>
@@ -6344,56 +6199,12 @@
             </a:fontRef>
           </p:style>
         </p:cxnSp>
-        <p:cxnSp>
-          <p:nvCxnSpPr>
-            <p:cNvPr id="14" name="Conector de Seta Reta 13">
-              <a:extLst>
-                <a:ext uri="{FF2B5EF4-FFF2-40B4-BE49-F238E27FC236}">
-                  <a16:creationId xmlns:a16="http://schemas.microsoft.com/office/drawing/2014/main" id="{1CB3E764-D4E0-43E2-8064-498B00BB42F3}"/>
-                </a:ext>
-              </a:extLst>
-            </p:cNvPr>
-            <p:cNvCxnSpPr>
-              <a:cxnSpLocks/>
-            </p:cNvCxnSpPr>
-            <p:nvPr/>
-          </p:nvCxnSpPr>
-          <p:spPr>
-            <a:xfrm>
-              <a:off x="3331233" y="2943337"/>
-              <a:ext cx="0" cy="1603263"/>
-            </a:xfrm>
-            <a:prstGeom prst="straightConnector1">
-              <a:avLst/>
-            </a:prstGeom>
-            <a:ln>
-              <a:solidFill>
-                <a:schemeClr val="tx1"/>
-              </a:solidFill>
-              <a:tailEnd type="triangle"/>
-            </a:ln>
-          </p:spPr>
-          <p:style>
-            <a:lnRef idx="1">
-              <a:schemeClr val="accent1"/>
-            </a:lnRef>
-            <a:fillRef idx="0">
-              <a:schemeClr val="accent1"/>
-            </a:fillRef>
-            <a:effectRef idx="0">
-              <a:schemeClr val="accent1"/>
-            </a:effectRef>
-            <a:fontRef idx="minor">
-              <a:schemeClr val="tx1"/>
-            </a:fontRef>
-          </p:style>
-        </p:cxnSp>
         <p:sp>
           <p:nvSpPr>
             <p:cNvPr id="15" name="CaixaDeTexto 14">
               <a:extLst>
                 <a:ext uri="{FF2B5EF4-FFF2-40B4-BE49-F238E27FC236}">
-                  <a16:creationId xmlns:a16="http://schemas.microsoft.com/office/drawing/2014/main" id="{1072E68A-2CFE-47FF-8235-BA0891062FB7}"/>
+                  <a16:creationId xmlns:a16="http://schemas.microsoft.com/office/drawing/2014/main" xmlns="" id="{1072E68A-2CFE-47FF-8235-BA0891062FB7}"/>
                 </a:ext>
               </a:extLst>
             </p:cNvPr>
@@ -6434,7 +6245,7 @@
             <p:cNvPr id="16" name="CaixaDeTexto 15">
               <a:extLst>
                 <a:ext uri="{FF2B5EF4-FFF2-40B4-BE49-F238E27FC236}">
-                  <a16:creationId xmlns:a16="http://schemas.microsoft.com/office/drawing/2014/main" id="{5FE7BE5C-46D4-4852-A65D-C8065BA82FF9}"/>
+                  <a16:creationId xmlns:a16="http://schemas.microsoft.com/office/drawing/2014/main" xmlns="" id="{5FE7BE5C-46D4-4852-A65D-C8065BA82FF9}"/>
                 </a:ext>
               </a:extLst>
             </p:cNvPr>
@@ -6470,131 +6281,10 @@
         </p:sp>
         <p:grpSp>
           <p:nvGrpSpPr>
-            <p:cNvPr id="17" name="Agrupar 16">
-              <a:extLst>
-                <a:ext uri="{FF2B5EF4-FFF2-40B4-BE49-F238E27FC236}">
-                  <a16:creationId xmlns:a16="http://schemas.microsoft.com/office/drawing/2014/main" id="{B6C9BB97-E637-4DA4-B45B-2B4703E05637}"/>
-                </a:ext>
-              </a:extLst>
-            </p:cNvPr>
-            <p:cNvGrpSpPr/>
-            <p:nvPr/>
-          </p:nvGrpSpPr>
-          <p:grpSpPr>
-            <a:xfrm>
-              <a:off x="2449361" y="4638328"/>
-              <a:ext cx="2843298" cy="974340"/>
-              <a:chOff x="2317630" y="4035725"/>
-              <a:chExt cx="2843298" cy="974340"/>
-            </a:xfrm>
-          </p:grpSpPr>
-          <p:sp>
-            <p:nvSpPr>
-              <p:cNvPr id="18" name="CaixaDeTexto 17">
-                <a:extLst>
-                  <a:ext uri="{FF2B5EF4-FFF2-40B4-BE49-F238E27FC236}">
-                    <a16:creationId xmlns:a16="http://schemas.microsoft.com/office/drawing/2014/main" id="{CB296BE0-CA60-4714-9302-1E0E1D9B66AE}"/>
-                  </a:ext>
-                </a:extLst>
-              </p:cNvPr>
-              <p:cNvSpPr txBox="1"/>
-              <p:nvPr/>
-            </p:nvSpPr>
-            <p:spPr>
-              <a:xfrm>
-                <a:off x="2575878" y="4310948"/>
-                <a:ext cx="2585050" cy="646331"/>
-              </a:xfrm>
-              <a:prstGeom prst="rect">
-                <a:avLst/>
-              </a:prstGeom>
-            </p:spPr>
-            <p:txBody>
-              <a:bodyPr rot="0" spcFirstLastPara="0" vertOverflow="overflow" horzOverflow="overflow" vert="horz" wrap="square" lIns="91440" tIns="45720" rIns="91440" bIns="45720" numCol="1" spcCol="0" rtlCol="0" fromWordArt="0" anchor="t" anchorCtr="0" forceAA="0" compatLnSpc="1">
-                <a:prstTxWarp prst="textNoShape">
-                  <a:avLst/>
-                </a:prstTxWarp>
-                <a:spAutoFit/>
-              </a:bodyPr>
-              <a:lstStyle/>
-              <a:p>
-                <a:pPr marL="285750" indent="-285750">
-                  <a:buFont typeface="Arial"/>
-                  <a:buChar char="•"/>
-                </a:pPr>
-                <a:r>
-                  <a:rPr lang="pt-BR" b="1" i="1" dirty="0">
-                    <a:cs typeface="Calibri"/>
-                  </a:rPr>
-                  <a:t>Doar </a:t>
-                </a:r>
-              </a:p>
-              <a:p>
-                <a:endParaRPr lang="pt-BR" b="1" i="1" dirty="0">
-                  <a:cs typeface="Calibri"/>
-                </a:endParaRPr>
-              </a:p>
-            </p:txBody>
-          </p:sp>
-          <p:sp>
-            <p:nvSpPr>
-              <p:cNvPr id="19" name="Retângulo 18">
-                <a:extLst>
-                  <a:ext uri="{FF2B5EF4-FFF2-40B4-BE49-F238E27FC236}">
-                    <a16:creationId xmlns:a16="http://schemas.microsoft.com/office/drawing/2014/main" id="{285C8E95-951E-4728-AA45-1EB5CD817E77}"/>
-                  </a:ext>
-                </a:extLst>
-              </p:cNvPr>
-              <p:cNvSpPr/>
-              <p:nvPr/>
-            </p:nvSpPr>
-            <p:spPr>
-              <a:xfrm>
-                <a:off x="2317630" y="4035725"/>
-                <a:ext cx="2025770" cy="974340"/>
-              </a:xfrm>
-              <a:prstGeom prst="rect">
-                <a:avLst/>
-              </a:prstGeom>
-              <a:noFill/>
-              <a:ln>
-                <a:solidFill>
-                  <a:schemeClr val="tx1"/>
-                </a:solidFill>
-              </a:ln>
-            </p:spPr>
-            <p:style>
-              <a:lnRef idx="2">
-                <a:schemeClr val="accent1">
-                  <a:shade val="50000"/>
-                </a:schemeClr>
-              </a:lnRef>
-              <a:fillRef idx="1">
-                <a:schemeClr val="accent1"/>
-              </a:fillRef>
-              <a:effectRef idx="0">
-                <a:schemeClr val="accent1"/>
-              </a:effectRef>
-              <a:fontRef idx="minor">
-                <a:schemeClr val="lt1"/>
-              </a:fontRef>
-            </p:style>
-            <p:txBody>
-              <a:bodyPr rtlCol="0" anchor="ctr"/>
-              <a:lstStyle/>
-              <a:p>
-                <a:pPr algn="ctr"/>
-                <a:endParaRPr lang="pt-BR" u="sng" dirty="0"/>
-              </a:p>
-            </p:txBody>
-          </p:sp>
-        </p:grpSp>
-        <p:grpSp>
-          <p:nvGrpSpPr>
             <p:cNvPr id="20" name="Agrupar 19">
               <a:extLst>
                 <a:ext uri="{FF2B5EF4-FFF2-40B4-BE49-F238E27FC236}">
-                  <a16:creationId xmlns:a16="http://schemas.microsoft.com/office/drawing/2014/main" id="{563ABF16-B5E2-4231-A0F2-37CCF9F052D9}"/>
+                  <a16:creationId xmlns:a16="http://schemas.microsoft.com/office/drawing/2014/main" xmlns="" id="{563ABF16-B5E2-4231-A0F2-37CCF9F052D9}"/>
                 </a:ext>
               </a:extLst>
             </p:cNvPr>
@@ -6614,7 +6304,7 @@
               <p:cNvPr id="21" name="CaixaDeTexto 20">
                 <a:extLst>
                   <a:ext uri="{FF2B5EF4-FFF2-40B4-BE49-F238E27FC236}">
-                    <a16:creationId xmlns:a16="http://schemas.microsoft.com/office/drawing/2014/main" id="{65293A4E-D1A4-4BFC-B18A-9C448A820B5D}"/>
+                    <a16:creationId xmlns:a16="http://schemas.microsoft.com/office/drawing/2014/main" xmlns="" id="{65293A4E-D1A4-4BFC-B18A-9C448A820B5D}"/>
                   </a:ext>
                 </a:extLst>
               </p:cNvPr>
@@ -6684,7 +6374,7 @@
               <p:cNvPr id="22" name="Retângulo 21">
                 <a:extLst>
                   <a:ext uri="{FF2B5EF4-FFF2-40B4-BE49-F238E27FC236}">
-                    <a16:creationId xmlns:a16="http://schemas.microsoft.com/office/drawing/2014/main" id="{03B94166-CC62-4486-B433-F9A38735B863}"/>
+                    <a16:creationId xmlns:a16="http://schemas.microsoft.com/office/drawing/2014/main" xmlns="" id="{03B94166-CC62-4486-B433-F9A38735B863}"/>
                   </a:ext>
                 </a:extLst>
               </p:cNvPr>
@@ -6737,7 +6427,7 @@
             <p:cNvPr id="24" name="Conector de Seta Reta 23">
               <a:extLst>
                 <a:ext uri="{FF2B5EF4-FFF2-40B4-BE49-F238E27FC236}">
-                  <a16:creationId xmlns:a16="http://schemas.microsoft.com/office/drawing/2014/main" id="{C7F7721A-A33C-4610-8D10-0D8225B21C1F}"/>
+                  <a16:creationId xmlns:a16="http://schemas.microsoft.com/office/drawing/2014/main" xmlns="" id="{C7F7721A-A33C-4610-8D10-0D8225B21C1F}"/>
                 </a:ext>
               </a:extLst>
             </p:cNvPr>
@@ -6781,7 +6471,7 @@
           <p:cNvPr id="25" name="Conector de Seta Reta 24">
             <a:extLst>
               <a:ext uri="{FF2B5EF4-FFF2-40B4-BE49-F238E27FC236}">
-                <a16:creationId xmlns:a16="http://schemas.microsoft.com/office/drawing/2014/main" id="{1A2793BB-33AA-4F95-8502-5B9663DA9DAF}"/>
+                <a16:creationId xmlns:a16="http://schemas.microsoft.com/office/drawing/2014/main" xmlns="" id="{1A2793BB-33AA-4F95-8502-5B9663DA9DAF}"/>
               </a:ext>
             </a:extLst>
           </p:cNvPr>
@@ -6855,7 +6545,7 @@
           <p:cNvPr id="4" name="CaixaDeTexto 3">
             <a:extLst>
               <a:ext uri="{FF2B5EF4-FFF2-40B4-BE49-F238E27FC236}">
-                <a16:creationId xmlns:a16="http://schemas.microsoft.com/office/drawing/2014/main" id="{20A94597-87AA-482D-A4BF-545EA0215DBC}"/>
+                <a16:creationId xmlns:a16="http://schemas.microsoft.com/office/drawing/2014/main" xmlns="" id="{20A94597-87AA-482D-A4BF-545EA0215DBC}"/>
               </a:ext>
             </a:extLst>
           </p:cNvPr>
@@ -6891,7 +6581,7 @@
           <p:cNvPr id="5" name="CaixaDeTexto 4">
             <a:extLst>
               <a:ext uri="{FF2B5EF4-FFF2-40B4-BE49-F238E27FC236}">
-                <a16:creationId xmlns:a16="http://schemas.microsoft.com/office/drawing/2014/main" id="{1B8765AE-70BA-4CEF-A9F7-2847A44362F3}"/>
+                <a16:creationId xmlns:a16="http://schemas.microsoft.com/office/drawing/2014/main" xmlns="" id="{1B8765AE-70BA-4CEF-A9F7-2847A44362F3}"/>
               </a:ext>
             </a:extLst>
           </p:cNvPr>
@@ -7062,7 +6752,7 @@
           <p:cNvPr id="4" name="Retângulo 3">
             <a:extLst>
               <a:ext uri="{FF2B5EF4-FFF2-40B4-BE49-F238E27FC236}">
-                <a16:creationId xmlns:a16="http://schemas.microsoft.com/office/drawing/2014/main" id="{88C6BF1B-8B81-4A42-B266-9DF3168EF8CB}"/>
+                <a16:creationId xmlns:a16="http://schemas.microsoft.com/office/drawing/2014/main" xmlns="" id="{88C6BF1B-8B81-4A42-B266-9DF3168EF8CB}"/>
               </a:ext>
             </a:extLst>
           </p:cNvPr>
@@ -7116,7 +6806,7 @@
           <p:cNvPr id="6" name="CaixaDeTexto 5">
             <a:extLst>
               <a:ext uri="{FF2B5EF4-FFF2-40B4-BE49-F238E27FC236}">
-                <a16:creationId xmlns:a16="http://schemas.microsoft.com/office/drawing/2014/main" id="{1270056D-C445-482D-9C8C-EC4698A09D63}"/>
+                <a16:creationId xmlns:a16="http://schemas.microsoft.com/office/drawing/2014/main" xmlns="" id="{1270056D-C445-482D-9C8C-EC4698A09D63}"/>
               </a:ext>
             </a:extLst>
           </p:cNvPr>
@@ -7157,7 +6847,7 @@
           <p:cNvPr id="2" name="Retângulo 1">
             <a:extLst>
               <a:ext uri="{FF2B5EF4-FFF2-40B4-BE49-F238E27FC236}">
-                <a16:creationId xmlns:a16="http://schemas.microsoft.com/office/drawing/2014/main" id="{12043949-80F2-4BA4-ACCA-8E1E73200266}"/>
+                <a16:creationId xmlns:a16="http://schemas.microsoft.com/office/drawing/2014/main" xmlns="" id="{12043949-80F2-4BA4-ACCA-8E1E73200266}"/>
               </a:ext>
             </a:extLst>
           </p:cNvPr>
@@ -7206,7 +6896,7 @@
           <p:cNvPr id="3" name="Imagem 6" descr="Uma imagem contendo objeto&#10;&#10;Descrição gerada com muito alta confiança">
             <a:extLst>
               <a:ext uri="{FF2B5EF4-FFF2-40B4-BE49-F238E27FC236}">
-                <a16:creationId xmlns:a16="http://schemas.microsoft.com/office/drawing/2014/main" id="{BBEA9159-6E91-4172-99DF-56517BBFE5AC}"/>
+                <a16:creationId xmlns:a16="http://schemas.microsoft.com/office/drawing/2014/main" xmlns="" id="{BBEA9159-6E91-4172-99DF-56517BBFE5AC}"/>
               </a:ext>
             </a:extLst>
           </p:cNvPr>
@@ -7236,7 +6926,7 @@
           <p:cNvPr id="9" name="Conector de Seta Reta 8">
             <a:extLst>
               <a:ext uri="{FF2B5EF4-FFF2-40B4-BE49-F238E27FC236}">
-                <a16:creationId xmlns:a16="http://schemas.microsoft.com/office/drawing/2014/main" id="{BA601A5E-E9FD-4E49-A21A-E1D9795909C3}"/>
+                <a16:creationId xmlns:a16="http://schemas.microsoft.com/office/drawing/2014/main" xmlns="" id="{BA601A5E-E9FD-4E49-A21A-E1D9795909C3}"/>
               </a:ext>
             </a:extLst>
           </p:cNvPr>
@@ -7278,7 +6968,7 @@
           <p:cNvPr id="11" name="CaixaDeTexto 10">
             <a:extLst>
               <a:ext uri="{FF2B5EF4-FFF2-40B4-BE49-F238E27FC236}">
-                <a16:creationId xmlns:a16="http://schemas.microsoft.com/office/drawing/2014/main" id="{2B365FA8-96A9-46EF-82C1-1F0ACEB6382C}"/>
+                <a16:creationId xmlns:a16="http://schemas.microsoft.com/office/drawing/2014/main" xmlns="" id="{2B365FA8-96A9-46EF-82C1-1F0ACEB6382C}"/>
               </a:ext>
             </a:extLst>
           </p:cNvPr>
@@ -7315,7 +7005,7 @@
           <p:cNvPr id="15" name="CaixaDeTexto 14">
             <a:extLst>
               <a:ext uri="{FF2B5EF4-FFF2-40B4-BE49-F238E27FC236}">
-                <a16:creationId xmlns:a16="http://schemas.microsoft.com/office/drawing/2014/main" id="{589ED39B-DB76-4792-9198-978C3E9B327E}"/>
+                <a16:creationId xmlns:a16="http://schemas.microsoft.com/office/drawing/2014/main" xmlns="" id="{589ED39B-DB76-4792-9198-978C3E9B327E}"/>
               </a:ext>
             </a:extLst>
           </p:cNvPr>
@@ -7355,7 +7045,7 @@
           <p:cNvPr id="17" name="Retângulo 16">
             <a:extLst>
               <a:ext uri="{FF2B5EF4-FFF2-40B4-BE49-F238E27FC236}">
-                <a16:creationId xmlns:a16="http://schemas.microsoft.com/office/drawing/2014/main" id="{AAE3C69C-201D-4C86-AAF7-B3DC70259B1F}"/>
+                <a16:creationId xmlns:a16="http://schemas.microsoft.com/office/drawing/2014/main" xmlns="" id="{AAE3C69C-201D-4C86-AAF7-B3DC70259B1F}"/>
               </a:ext>
             </a:extLst>
           </p:cNvPr>
@@ -7404,7 +7094,7 @@
           <p:cNvPr id="19" name="Retângulo 18">
             <a:extLst>
               <a:ext uri="{FF2B5EF4-FFF2-40B4-BE49-F238E27FC236}">
-                <a16:creationId xmlns:a16="http://schemas.microsoft.com/office/drawing/2014/main" id="{B1DA2E97-81CC-4053-8E24-07F96ED0FDF9}"/>
+                <a16:creationId xmlns:a16="http://schemas.microsoft.com/office/drawing/2014/main" xmlns="" id="{B1DA2E97-81CC-4053-8E24-07F96ED0FDF9}"/>
               </a:ext>
             </a:extLst>
           </p:cNvPr>
@@ -7453,7 +7143,7 @@
           <p:cNvPr id="20" name="CaixaDeTexto 19">
             <a:extLst>
               <a:ext uri="{FF2B5EF4-FFF2-40B4-BE49-F238E27FC236}">
-                <a16:creationId xmlns:a16="http://schemas.microsoft.com/office/drawing/2014/main" id="{9EF114C1-C8CF-409C-847E-943F96FE0F0F}"/>
+                <a16:creationId xmlns:a16="http://schemas.microsoft.com/office/drawing/2014/main" xmlns="" id="{9EF114C1-C8CF-409C-847E-943F96FE0F0F}"/>
               </a:ext>
             </a:extLst>
           </p:cNvPr>
@@ -7495,7 +7185,7 @@
           <p:cNvPr id="21" name="CaixaDeTexto 20">
             <a:extLst>
               <a:ext uri="{FF2B5EF4-FFF2-40B4-BE49-F238E27FC236}">
-                <a16:creationId xmlns:a16="http://schemas.microsoft.com/office/drawing/2014/main" id="{EDBD84FF-B3AA-4678-8B40-4A48A902DC6E}"/>
+                <a16:creationId xmlns:a16="http://schemas.microsoft.com/office/drawing/2014/main" xmlns="" id="{EDBD84FF-B3AA-4678-8B40-4A48A902DC6E}"/>
               </a:ext>
             </a:extLst>
           </p:cNvPr>
@@ -7533,7 +7223,7 @@
           <p:cNvPr id="22" name="Conector de Seta Reta 21">
             <a:extLst>
               <a:ext uri="{FF2B5EF4-FFF2-40B4-BE49-F238E27FC236}">
-                <a16:creationId xmlns:a16="http://schemas.microsoft.com/office/drawing/2014/main" id="{6005A5E0-EFE8-4E81-9A9B-EC939F301038}"/>
+                <a16:creationId xmlns:a16="http://schemas.microsoft.com/office/drawing/2014/main" xmlns="" id="{6005A5E0-EFE8-4E81-9A9B-EC939F301038}"/>
               </a:ext>
             </a:extLst>
           </p:cNvPr>
@@ -7607,7 +7297,7 @@
           <p:cNvPr id="37" name="Agrupar 36">
             <a:extLst>
               <a:ext uri="{FF2B5EF4-FFF2-40B4-BE49-F238E27FC236}">
-                <a16:creationId xmlns:a16="http://schemas.microsoft.com/office/drawing/2014/main" id="{AD55A375-5E96-4C62-9CC7-E8015B3E49AD}"/>
+                <a16:creationId xmlns:a16="http://schemas.microsoft.com/office/drawing/2014/main" xmlns="" id="{AD55A375-5E96-4C62-9CC7-E8015B3E49AD}"/>
               </a:ext>
             </a:extLst>
           </p:cNvPr>
@@ -7627,7 +7317,7 @@
             <p:cNvPr id="36" name="Agrupar 35">
               <a:extLst>
                 <a:ext uri="{FF2B5EF4-FFF2-40B4-BE49-F238E27FC236}">
-                  <a16:creationId xmlns:a16="http://schemas.microsoft.com/office/drawing/2014/main" id="{54346E9C-8BCE-4B2B-BE69-77638DB797FE}"/>
+                  <a16:creationId xmlns:a16="http://schemas.microsoft.com/office/drawing/2014/main" xmlns="" id="{54346E9C-8BCE-4B2B-BE69-77638DB797FE}"/>
                 </a:ext>
               </a:extLst>
             </p:cNvPr>
@@ -7647,7 +7337,7 @@
               <p:cNvPr id="4" name="Retângulo 3">
                 <a:extLst>
                   <a:ext uri="{FF2B5EF4-FFF2-40B4-BE49-F238E27FC236}">
-                    <a16:creationId xmlns:a16="http://schemas.microsoft.com/office/drawing/2014/main" id="{88C6BF1B-8B81-4A42-B266-9DF3168EF8CB}"/>
+                    <a16:creationId xmlns:a16="http://schemas.microsoft.com/office/drawing/2014/main" xmlns="" id="{88C6BF1B-8B81-4A42-B266-9DF3168EF8CB}"/>
                   </a:ext>
                 </a:extLst>
               </p:cNvPr>
@@ -7701,7 +7391,7 @@
               <p:cNvPr id="5" name="Conector de Seta Reta 4">
                 <a:extLst>
                   <a:ext uri="{FF2B5EF4-FFF2-40B4-BE49-F238E27FC236}">
-                    <a16:creationId xmlns:a16="http://schemas.microsoft.com/office/drawing/2014/main" id="{85E6B2C7-D043-4C92-898F-4F2DEE8A2690}"/>
+                    <a16:creationId xmlns:a16="http://schemas.microsoft.com/office/drawing/2014/main" xmlns="" id="{85E6B2C7-D043-4C92-898F-4F2DEE8A2690}"/>
                   </a:ext>
                 </a:extLst>
               </p:cNvPr>
@@ -7745,7 +7435,7 @@
             <p:cNvPr id="6" name="Conector de Seta Reta 5">
               <a:extLst>
                 <a:ext uri="{FF2B5EF4-FFF2-40B4-BE49-F238E27FC236}">
-                  <a16:creationId xmlns:a16="http://schemas.microsoft.com/office/drawing/2014/main" id="{9BACC1B6-2F2A-4248-B083-17CB87D6E5BE}"/>
+                  <a16:creationId xmlns:a16="http://schemas.microsoft.com/office/drawing/2014/main" xmlns="" id="{9BACC1B6-2F2A-4248-B083-17CB87D6E5BE}"/>
                 </a:ext>
               </a:extLst>
             </p:cNvPr>
@@ -7789,7 +7479,7 @@
           <p:cNvPr id="2" name="CaixaDeTexto 1">
             <a:extLst>
               <a:ext uri="{FF2B5EF4-FFF2-40B4-BE49-F238E27FC236}">
-                <a16:creationId xmlns:a16="http://schemas.microsoft.com/office/drawing/2014/main" id="{80F5CD5A-1914-4EF1-BE32-34B089486C2F}"/>
+                <a16:creationId xmlns:a16="http://schemas.microsoft.com/office/drawing/2014/main" xmlns="" id="{80F5CD5A-1914-4EF1-BE32-34B089486C2F}"/>
               </a:ext>
             </a:extLst>
           </p:cNvPr>
@@ -7830,7 +7520,7 @@
           <p:cNvPr id="44" name="Agrupar 43">
             <a:extLst>
               <a:ext uri="{FF2B5EF4-FFF2-40B4-BE49-F238E27FC236}">
-                <a16:creationId xmlns:a16="http://schemas.microsoft.com/office/drawing/2014/main" id="{BA6E27EE-CE85-4231-860A-EC8B217CE24F}"/>
+                <a16:creationId xmlns:a16="http://schemas.microsoft.com/office/drawing/2014/main" xmlns="" id="{BA6E27EE-CE85-4231-860A-EC8B217CE24F}"/>
               </a:ext>
             </a:extLst>
           </p:cNvPr>
@@ -7850,7 +7540,7 @@
             <p:cNvPr id="8" name="Retângulo 7">
               <a:extLst>
                 <a:ext uri="{FF2B5EF4-FFF2-40B4-BE49-F238E27FC236}">
-                  <a16:creationId xmlns:a16="http://schemas.microsoft.com/office/drawing/2014/main" id="{5941647A-72D6-4138-BD44-C48D31273AB1}"/>
+                  <a16:creationId xmlns:a16="http://schemas.microsoft.com/office/drawing/2014/main" xmlns="" id="{5941647A-72D6-4138-BD44-C48D31273AB1}"/>
                 </a:ext>
               </a:extLst>
             </p:cNvPr>
@@ -7904,7 +7594,7 @@
             <p:cNvPr id="9" name="CaixaDeTexto 1">
               <a:extLst>
                 <a:ext uri="{FF2B5EF4-FFF2-40B4-BE49-F238E27FC236}">
-                  <a16:creationId xmlns:a16="http://schemas.microsoft.com/office/drawing/2014/main" id="{7994EBAF-0D7D-41FB-B228-383D0E67FB6C}"/>
+                  <a16:creationId xmlns:a16="http://schemas.microsoft.com/office/drawing/2014/main" xmlns="" id="{7994EBAF-0D7D-41FB-B228-383D0E67FB6C}"/>
                 </a:ext>
               </a:extLst>
             </p:cNvPr>
@@ -8041,7 +7731,7 @@
           <p:cNvPr id="45" name="Agrupar 44">
             <a:extLst>
               <a:ext uri="{FF2B5EF4-FFF2-40B4-BE49-F238E27FC236}">
-                <a16:creationId xmlns:a16="http://schemas.microsoft.com/office/drawing/2014/main" id="{A39C0BD4-A4A9-4C34-878E-6105488207AF}"/>
+                <a16:creationId xmlns:a16="http://schemas.microsoft.com/office/drawing/2014/main" xmlns="" id="{A39C0BD4-A4A9-4C34-878E-6105488207AF}"/>
               </a:ext>
             </a:extLst>
           </p:cNvPr>
@@ -8061,7 +7751,7 @@
             <p:cNvPr id="10" name="Retângulo 9">
               <a:extLst>
                 <a:ext uri="{FF2B5EF4-FFF2-40B4-BE49-F238E27FC236}">
-                  <a16:creationId xmlns:a16="http://schemas.microsoft.com/office/drawing/2014/main" id="{971BC70D-B8E4-4A17-B17F-86055154C60C}"/>
+                  <a16:creationId xmlns:a16="http://schemas.microsoft.com/office/drawing/2014/main" xmlns="" id="{971BC70D-B8E4-4A17-B17F-86055154C60C}"/>
                 </a:ext>
               </a:extLst>
             </p:cNvPr>
@@ -8115,7 +7805,7 @@
             <p:cNvPr id="11" name="CaixaDeTexto 1">
               <a:extLst>
                 <a:ext uri="{FF2B5EF4-FFF2-40B4-BE49-F238E27FC236}">
-                  <a16:creationId xmlns:a16="http://schemas.microsoft.com/office/drawing/2014/main" id="{F77E377A-2299-45F1-BD65-AD221DB0412C}"/>
+                  <a16:creationId xmlns:a16="http://schemas.microsoft.com/office/drawing/2014/main" xmlns="" id="{F77E377A-2299-45F1-BD65-AD221DB0412C}"/>
                 </a:ext>
               </a:extLst>
             </p:cNvPr>
@@ -8252,7 +7942,7 @@
           <p:cNvPr id="42" name="Agrupar 41">
             <a:extLst>
               <a:ext uri="{FF2B5EF4-FFF2-40B4-BE49-F238E27FC236}">
-                <a16:creationId xmlns:a16="http://schemas.microsoft.com/office/drawing/2014/main" id="{15ED0C22-7BEF-404D-8355-9C9D373C2B51}"/>
+                <a16:creationId xmlns:a16="http://schemas.microsoft.com/office/drawing/2014/main" xmlns="" id="{15ED0C22-7BEF-404D-8355-9C9D373C2B51}"/>
               </a:ext>
             </a:extLst>
           </p:cNvPr>
@@ -8272,7 +7962,7 @@
             <p:cNvPr id="13" name="Imagem 6" descr="Uma imagem contendo objeto&#10;&#10;Descrição gerada com muito alta confiança">
               <a:extLst>
                 <a:ext uri="{FF2B5EF4-FFF2-40B4-BE49-F238E27FC236}">
-                  <a16:creationId xmlns:a16="http://schemas.microsoft.com/office/drawing/2014/main" id="{63824687-0B05-4413-8D3C-5E29C9702638}"/>
+                  <a16:creationId xmlns:a16="http://schemas.microsoft.com/office/drawing/2014/main" xmlns="" id="{63824687-0B05-4413-8D3C-5E29C9702638}"/>
                 </a:ext>
               </a:extLst>
             </p:cNvPr>
@@ -8302,7 +7992,7 @@
             <p:cNvPr id="16" name="CaixaDeTexto 15">
               <a:extLst>
                 <a:ext uri="{FF2B5EF4-FFF2-40B4-BE49-F238E27FC236}">
-                  <a16:creationId xmlns:a16="http://schemas.microsoft.com/office/drawing/2014/main" id="{FDA29973-2090-478C-8CFB-2DD1F5F78F5A}"/>
+                  <a16:creationId xmlns:a16="http://schemas.microsoft.com/office/drawing/2014/main" xmlns="" id="{FDA29973-2090-478C-8CFB-2DD1F5F78F5A}"/>
                 </a:ext>
               </a:extLst>
             </p:cNvPr>
@@ -8341,7 +8031,7 @@
           <p:cNvPr id="43" name="Agrupar 42">
             <a:extLst>
               <a:ext uri="{FF2B5EF4-FFF2-40B4-BE49-F238E27FC236}">
-                <a16:creationId xmlns:a16="http://schemas.microsoft.com/office/drawing/2014/main" id="{9DB1F885-85FC-4032-BAA2-BCB1EBAE1904}"/>
+                <a16:creationId xmlns:a16="http://schemas.microsoft.com/office/drawing/2014/main" xmlns="" id="{9DB1F885-85FC-4032-BAA2-BCB1EBAE1904}"/>
               </a:ext>
             </a:extLst>
           </p:cNvPr>
@@ -8361,7 +8051,7 @@
             <p:cNvPr id="14" name="Imagem 6" descr="Uma imagem contendo objeto&#10;&#10;Descrição gerada com muito alta confiança">
               <a:extLst>
                 <a:ext uri="{FF2B5EF4-FFF2-40B4-BE49-F238E27FC236}">
-                  <a16:creationId xmlns:a16="http://schemas.microsoft.com/office/drawing/2014/main" id="{DBED1A96-C999-457A-8F32-18571E67930B}"/>
+                  <a16:creationId xmlns:a16="http://schemas.microsoft.com/office/drawing/2014/main" xmlns="" id="{DBED1A96-C999-457A-8F32-18571E67930B}"/>
                 </a:ext>
               </a:extLst>
             </p:cNvPr>
@@ -8391,7 +8081,7 @@
             <p:cNvPr id="18" name="CaixaDeTexto 17">
               <a:extLst>
                 <a:ext uri="{FF2B5EF4-FFF2-40B4-BE49-F238E27FC236}">
-                  <a16:creationId xmlns:a16="http://schemas.microsoft.com/office/drawing/2014/main" id="{4A840F81-AC70-4925-A6AF-06B2ECF11F52}"/>
+                  <a16:creationId xmlns:a16="http://schemas.microsoft.com/office/drawing/2014/main" xmlns="" id="{4A840F81-AC70-4925-A6AF-06B2ECF11F52}"/>
                 </a:ext>
               </a:extLst>
             </p:cNvPr>
@@ -8435,7 +8125,7 @@
           <p:cNvPr id="19" name="Conector de Seta Reta 18">
             <a:extLst>
               <a:ext uri="{FF2B5EF4-FFF2-40B4-BE49-F238E27FC236}">
-                <a16:creationId xmlns:a16="http://schemas.microsoft.com/office/drawing/2014/main" id="{7053101E-BA41-4AFA-90EB-5F30E05D5C2A}"/>
+                <a16:creationId xmlns:a16="http://schemas.microsoft.com/office/drawing/2014/main" xmlns="" id="{7053101E-BA41-4AFA-90EB-5F30E05D5C2A}"/>
               </a:ext>
             </a:extLst>
           </p:cNvPr>
@@ -8479,7 +8169,7 @@
           <p:cNvPr id="20" name="Conector de Seta Reta 19">
             <a:extLst>
               <a:ext uri="{FF2B5EF4-FFF2-40B4-BE49-F238E27FC236}">
-                <a16:creationId xmlns:a16="http://schemas.microsoft.com/office/drawing/2014/main" id="{972CCC72-617F-4D78-B3FE-1B11C03D20E1}"/>
+                <a16:creationId xmlns:a16="http://schemas.microsoft.com/office/drawing/2014/main" xmlns="" id="{972CCC72-617F-4D78-B3FE-1B11C03D20E1}"/>
               </a:ext>
             </a:extLst>
           </p:cNvPr>
@@ -8523,7 +8213,7 @@
           <p:cNvPr id="21" name="Conector de Seta Reta 20">
             <a:extLst>
               <a:ext uri="{FF2B5EF4-FFF2-40B4-BE49-F238E27FC236}">
-                <a16:creationId xmlns:a16="http://schemas.microsoft.com/office/drawing/2014/main" id="{EA66EA41-B19F-44A8-87CD-EFADB016E3DD}"/>
+                <a16:creationId xmlns:a16="http://schemas.microsoft.com/office/drawing/2014/main" xmlns="" id="{EA66EA41-B19F-44A8-87CD-EFADB016E3DD}"/>
               </a:ext>
             </a:extLst>
           </p:cNvPr>
@@ -8567,7 +8257,7 @@
           <p:cNvPr id="22" name="Conector de Seta Reta 21">
             <a:extLst>
               <a:ext uri="{FF2B5EF4-FFF2-40B4-BE49-F238E27FC236}">
-                <a16:creationId xmlns:a16="http://schemas.microsoft.com/office/drawing/2014/main" id="{317BB5CC-C5DD-4E1C-9FC9-A8537615FAD0}"/>
+                <a16:creationId xmlns:a16="http://schemas.microsoft.com/office/drawing/2014/main" xmlns="" id="{317BB5CC-C5DD-4E1C-9FC9-A8537615FAD0}"/>
               </a:ext>
             </a:extLst>
           </p:cNvPr>
@@ -8611,7 +8301,7 @@
           <p:cNvPr id="23" name="Conector de Seta Reta 22">
             <a:extLst>
               <a:ext uri="{FF2B5EF4-FFF2-40B4-BE49-F238E27FC236}">
-                <a16:creationId xmlns:a16="http://schemas.microsoft.com/office/drawing/2014/main" id="{6F2A4F03-C5E4-40D7-AA81-EDDBC7B02437}"/>
+                <a16:creationId xmlns:a16="http://schemas.microsoft.com/office/drawing/2014/main" xmlns="" id="{6F2A4F03-C5E4-40D7-AA81-EDDBC7B02437}"/>
               </a:ext>
             </a:extLst>
           </p:cNvPr>
@@ -8652,10 +8342,10 @@
       </p:cxnSp>
       <p:cxnSp>
         <p:nvCxnSpPr>
-          <p:cNvPr id="24" name="Conector de Seta Reta 23">
-            <a:extLst>
-              <a:ext uri="{FF2B5EF4-FFF2-40B4-BE49-F238E27FC236}">
-                <a16:creationId xmlns:a16="http://schemas.microsoft.com/office/drawing/2014/main" id="{906C5ED3-A468-446B-91A1-50EACFAF704A}"/>
+          <p:cNvPr id="27" name="Conector de Seta Reta 26">
+            <a:extLst>
+              <a:ext uri="{FF2B5EF4-FFF2-40B4-BE49-F238E27FC236}">
+                <a16:creationId xmlns:a16="http://schemas.microsoft.com/office/drawing/2014/main" xmlns="" id="{569658DA-03D1-4969-9E0E-3405A27FE72E}"/>
               </a:ext>
             </a:extLst>
           </p:cNvPr>
@@ -8666,8 +8356,8 @@
         </p:nvCxnSpPr>
         <p:spPr>
           <a:xfrm>
-            <a:off x="1325591" y="3429000"/>
-            <a:ext cx="0" cy="918143"/>
+            <a:off x="9901328" y="3124085"/>
+            <a:ext cx="14735" cy="1511714"/>
           </a:xfrm>
           <a:prstGeom prst="straightConnector1">
             <a:avLst/>
@@ -8694,100 +8384,12 @@
           </a:fontRef>
         </p:style>
       </p:cxnSp>
-      <p:cxnSp>
-        <p:nvCxnSpPr>
-          <p:cNvPr id="26" name="Conector de Seta Reta 25">
-            <a:extLst>
-              <a:ext uri="{FF2B5EF4-FFF2-40B4-BE49-F238E27FC236}">
-                <a16:creationId xmlns:a16="http://schemas.microsoft.com/office/drawing/2014/main" id="{80EA2B90-3614-439A-9F6B-2F7DD190FAAF}"/>
-              </a:ext>
-            </a:extLst>
-          </p:cNvPr>
-          <p:cNvCxnSpPr>
-            <a:cxnSpLocks/>
-          </p:cNvCxnSpPr>
-          <p:nvPr/>
-        </p:nvCxnSpPr>
-        <p:spPr>
-          <a:xfrm>
-            <a:off x="3563338" y="3413336"/>
-            <a:ext cx="33515" cy="1354196"/>
-          </a:xfrm>
-          <a:prstGeom prst="straightConnector1">
-            <a:avLst/>
-          </a:prstGeom>
-          <a:ln>
-            <a:solidFill>
-              <a:schemeClr val="tx1"/>
-            </a:solidFill>
-            <a:tailEnd type="triangle"/>
-          </a:ln>
-        </p:spPr>
-        <p:style>
-          <a:lnRef idx="1">
-            <a:schemeClr val="accent1"/>
-          </a:lnRef>
-          <a:fillRef idx="0">
-            <a:schemeClr val="accent1"/>
-          </a:fillRef>
-          <a:effectRef idx="0">
-            <a:schemeClr val="accent1"/>
-          </a:effectRef>
-          <a:fontRef idx="minor">
-            <a:schemeClr val="tx1"/>
-          </a:fontRef>
-        </p:style>
-      </p:cxnSp>
-      <p:cxnSp>
-        <p:nvCxnSpPr>
-          <p:cNvPr id="27" name="Conector de Seta Reta 26">
-            <a:extLst>
-              <a:ext uri="{FF2B5EF4-FFF2-40B4-BE49-F238E27FC236}">
-                <a16:creationId xmlns:a16="http://schemas.microsoft.com/office/drawing/2014/main" id="{569658DA-03D1-4969-9E0E-3405A27FE72E}"/>
-              </a:ext>
-            </a:extLst>
-          </p:cNvPr>
-          <p:cNvCxnSpPr>
-            <a:cxnSpLocks/>
-          </p:cNvCxnSpPr>
-          <p:nvPr/>
-        </p:nvCxnSpPr>
-        <p:spPr>
-          <a:xfrm>
-            <a:off x="9901328" y="3124085"/>
-            <a:ext cx="14735" cy="1511714"/>
-          </a:xfrm>
-          <a:prstGeom prst="straightConnector1">
-            <a:avLst/>
-          </a:prstGeom>
-          <a:ln>
-            <a:solidFill>
-              <a:schemeClr val="tx1"/>
-            </a:solidFill>
-            <a:tailEnd type="triangle"/>
-          </a:ln>
-        </p:spPr>
-        <p:style>
-          <a:lnRef idx="1">
-            <a:schemeClr val="accent1"/>
-          </a:lnRef>
-          <a:fillRef idx="0">
-            <a:schemeClr val="accent1"/>
-          </a:fillRef>
-          <a:effectRef idx="0">
-            <a:schemeClr val="accent1"/>
-          </a:effectRef>
-          <a:fontRef idx="minor">
-            <a:schemeClr val="tx1"/>
-          </a:fontRef>
-        </p:style>
-      </p:cxnSp>
       <p:sp>
         <p:nvSpPr>
           <p:cNvPr id="3" name="CaixaDeTexto 2">
             <a:extLst>
               <a:ext uri="{FF2B5EF4-FFF2-40B4-BE49-F238E27FC236}">
-                <a16:creationId xmlns:a16="http://schemas.microsoft.com/office/drawing/2014/main" id="{7FCA1908-EC09-46BB-B633-12D671CD2244}"/>
+                <a16:creationId xmlns:a16="http://schemas.microsoft.com/office/drawing/2014/main" xmlns="" id="{7FCA1908-EC09-46BB-B633-12D671CD2244}"/>
               </a:ext>
             </a:extLst>
           </p:cNvPr>
@@ -8828,7 +8430,7 @@
           <p:cNvPr id="7" name="CaixaDeTexto 6">
             <a:extLst>
               <a:ext uri="{FF2B5EF4-FFF2-40B4-BE49-F238E27FC236}">
-                <a16:creationId xmlns:a16="http://schemas.microsoft.com/office/drawing/2014/main" id="{BF0B844E-C924-4EC3-B27F-D0C0220E391A}"/>
+                <a16:creationId xmlns:a16="http://schemas.microsoft.com/office/drawing/2014/main" xmlns="" id="{BF0B844E-C924-4EC3-B27F-D0C0220E391A}"/>
               </a:ext>
             </a:extLst>
           </p:cNvPr>
@@ -8864,252 +8466,10 @@
       </p:sp>
       <p:grpSp>
         <p:nvGrpSpPr>
-          <p:cNvPr id="15" name="Agrupar 14">
-            <a:extLst>
-              <a:ext uri="{FF2B5EF4-FFF2-40B4-BE49-F238E27FC236}">
-                <a16:creationId xmlns:a16="http://schemas.microsoft.com/office/drawing/2014/main" id="{4D4BF78B-3951-4D53-871E-F3297FE9DB27}"/>
-              </a:ext>
-            </a:extLst>
-          </p:cNvPr>
-          <p:cNvGrpSpPr/>
-          <p:nvPr/>
-        </p:nvGrpSpPr>
-        <p:grpSpPr>
-          <a:xfrm>
-            <a:off x="409036" y="4494363"/>
-            <a:ext cx="2819939" cy="1072551"/>
-            <a:chOff x="218536" y="3503763"/>
-            <a:chExt cx="2819939" cy="1072551"/>
-          </a:xfrm>
-        </p:grpSpPr>
-        <p:sp>
-          <p:nvSpPr>
-            <p:cNvPr id="25" name="CaixaDeTexto 24">
-              <a:extLst>
-                <a:ext uri="{FF2B5EF4-FFF2-40B4-BE49-F238E27FC236}">
-                  <a16:creationId xmlns:a16="http://schemas.microsoft.com/office/drawing/2014/main" id="{E53E8429-486C-49E3-A88D-600F0719554F}"/>
-                </a:ext>
-              </a:extLst>
-            </p:cNvPr>
-            <p:cNvSpPr txBox="1"/>
-            <p:nvPr/>
-          </p:nvSpPr>
-          <p:spPr>
-            <a:xfrm>
-              <a:off x="309652" y="3645199"/>
-              <a:ext cx="2728823" cy="923330"/>
-            </a:xfrm>
-            <a:prstGeom prst="rect">
-              <a:avLst/>
-            </a:prstGeom>
-          </p:spPr>
-          <p:txBody>
-            <a:bodyPr rot="0" spcFirstLastPara="0" vertOverflow="overflow" horzOverflow="overflow" vert="horz" wrap="square" lIns="91440" tIns="45720" rIns="91440" bIns="45720" numCol="1" spcCol="0" rtlCol="0" fromWordArt="0" anchor="t" anchorCtr="0" forceAA="0" compatLnSpc="1">
-              <a:prstTxWarp prst="textNoShape">
-                <a:avLst/>
-              </a:prstTxWarp>
-              <a:spAutoFit/>
-            </a:bodyPr>
-            <a:lstStyle/>
-            <a:p>
-              <a:pPr marL="285750" indent="-285750">
-                <a:buFont typeface="Arial"/>
-                <a:buChar char="•"/>
-              </a:pPr>
-              <a:r>
-                <a:rPr lang="pt-BR" b="1" i="1" dirty="0"/>
-                <a:t>Cumprir regras</a:t>
-              </a:r>
-            </a:p>
-            <a:p>
-              <a:pPr marL="285750" indent="-285750">
-                <a:buFont typeface="Arial"/>
-                <a:buChar char="•"/>
-              </a:pPr>
-              <a:r>
-                <a:rPr lang="pt-BR" b="1" i="1" dirty="0">
-                  <a:cs typeface="Calibri"/>
-                </a:rPr>
-                <a:t>Fazer atividades propostas </a:t>
-              </a:r>
-            </a:p>
-          </p:txBody>
-        </p:sp>
-        <p:sp>
-          <p:nvSpPr>
-            <p:cNvPr id="12" name="Retângulo 11">
-              <a:extLst>
-                <a:ext uri="{FF2B5EF4-FFF2-40B4-BE49-F238E27FC236}">
-                  <a16:creationId xmlns:a16="http://schemas.microsoft.com/office/drawing/2014/main" id="{F1074E9B-83D2-4043-9F7D-9B5802D1A81D}"/>
-                </a:ext>
-              </a:extLst>
-            </p:cNvPr>
-            <p:cNvSpPr/>
-            <p:nvPr/>
-          </p:nvSpPr>
-          <p:spPr>
-            <a:xfrm>
-              <a:off x="218536" y="3503763"/>
-              <a:ext cx="2409645" cy="1072551"/>
-            </a:xfrm>
-            <a:prstGeom prst="rect">
-              <a:avLst/>
-            </a:prstGeom>
-            <a:noFill/>
-            <a:ln>
-              <a:solidFill>
-                <a:schemeClr val="tx1"/>
-              </a:solidFill>
-            </a:ln>
-          </p:spPr>
-          <p:style>
-            <a:lnRef idx="2">
-              <a:schemeClr val="accent1">
-                <a:shade val="50000"/>
-              </a:schemeClr>
-            </a:lnRef>
-            <a:fillRef idx="1">
-              <a:schemeClr val="accent1"/>
-            </a:fillRef>
-            <a:effectRef idx="0">
-              <a:schemeClr val="accent1"/>
-            </a:effectRef>
-            <a:fontRef idx="minor">
-              <a:schemeClr val="lt1"/>
-            </a:fontRef>
-          </p:style>
-          <p:txBody>
-            <a:bodyPr rtlCol="0" anchor="ctr"/>
-            <a:lstStyle/>
-            <a:p>
-              <a:pPr algn="ctr"/>
-              <a:endParaRPr lang="pt-BR" u="sng" dirty="0"/>
-            </a:p>
-          </p:txBody>
-        </p:sp>
-      </p:grpSp>
-      <p:grpSp>
-        <p:nvGrpSpPr>
-          <p:cNvPr id="17" name="Agrupar 16">
-            <a:extLst>
-              <a:ext uri="{FF2B5EF4-FFF2-40B4-BE49-F238E27FC236}">
-                <a16:creationId xmlns:a16="http://schemas.microsoft.com/office/drawing/2014/main" id="{A267CF55-006F-48A6-B82B-6ED2547E69CF}"/>
-              </a:ext>
-            </a:extLst>
-          </p:cNvPr>
-          <p:cNvGrpSpPr/>
-          <p:nvPr/>
-        </p:nvGrpSpPr>
-        <p:grpSpPr>
-          <a:xfrm>
-            <a:off x="3083225" y="4983192"/>
-            <a:ext cx="2733674" cy="526212"/>
-            <a:chOff x="2892725" y="3992592"/>
-            <a:chExt cx="2733674" cy="526212"/>
-          </a:xfrm>
-        </p:grpSpPr>
-        <p:sp>
-          <p:nvSpPr>
-            <p:cNvPr id="29" name="CaixaDeTexto 28">
-              <a:extLst>
-                <a:ext uri="{FF2B5EF4-FFF2-40B4-BE49-F238E27FC236}">
-                  <a16:creationId xmlns:a16="http://schemas.microsoft.com/office/drawing/2014/main" id="{C9E5DC63-D53D-44B6-BB67-180826BCDCA2}"/>
-                </a:ext>
-              </a:extLst>
-            </p:cNvPr>
-            <p:cNvSpPr txBox="1"/>
-            <p:nvPr/>
-          </p:nvSpPr>
-          <p:spPr>
-            <a:xfrm>
-              <a:off x="2897576" y="4076519"/>
-              <a:ext cx="2728823" cy="369332"/>
-            </a:xfrm>
-            <a:prstGeom prst="rect">
-              <a:avLst/>
-            </a:prstGeom>
-          </p:spPr>
-          <p:txBody>
-            <a:bodyPr rot="0" spcFirstLastPara="0" vertOverflow="overflow" horzOverflow="overflow" vert="horz" wrap="square" lIns="91440" tIns="45720" rIns="91440" bIns="45720" numCol="1" spcCol="0" rtlCol="0" fromWordArt="0" anchor="t" anchorCtr="0" forceAA="0" compatLnSpc="1">
-              <a:prstTxWarp prst="textNoShape">
-                <a:avLst/>
-              </a:prstTxWarp>
-              <a:spAutoFit/>
-            </a:bodyPr>
-            <a:lstStyle/>
-            <a:p>
-              <a:pPr marL="285750" indent="-285750">
-                <a:buFont typeface="Arial"/>
-                <a:buChar char="•"/>
-              </a:pPr>
-              <a:r>
-                <a:rPr lang="pt-BR" b="1" i="1" dirty="0">
-                  <a:cs typeface="Calibri"/>
-                </a:rPr>
-                <a:t>Autorizar aluno </a:t>
-              </a:r>
-            </a:p>
-          </p:txBody>
-        </p:sp>
-        <p:sp>
-          <p:nvSpPr>
-            <p:cNvPr id="33" name="Retângulo 32">
-              <a:extLst>
-                <a:ext uri="{FF2B5EF4-FFF2-40B4-BE49-F238E27FC236}">
-                  <a16:creationId xmlns:a16="http://schemas.microsoft.com/office/drawing/2014/main" id="{F08571B6-F350-4088-922B-F76298A54CDB}"/>
-                </a:ext>
-              </a:extLst>
-            </p:cNvPr>
-            <p:cNvSpPr/>
-            <p:nvPr/>
-          </p:nvSpPr>
-          <p:spPr>
-            <a:xfrm>
-              <a:off x="2892725" y="3992592"/>
-              <a:ext cx="2078966" cy="526212"/>
-            </a:xfrm>
-            <a:prstGeom prst="rect">
-              <a:avLst/>
-            </a:prstGeom>
-            <a:noFill/>
-            <a:ln>
-              <a:solidFill>
-                <a:schemeClr val="tx1"/>
-              </a:solidFill>
-            </a:ln>
-          </p:spPr>
-          <p:style>
-            <a:lnRef idx="2">
-              <a:schemeClr val="accent1">
-                <a:shade val="50000"/>
-              </a:schemeClr>
-            </a:lnRef>
-            <a:fillRef idx="1">
-              <a:schemeClr val="accent1"/>
-            </a:fillRef>
-            <a:effectRef idx="0">
-              <a:schemeClr val="accent1"/>
-            </a:effectRef>
-            <a:fontRef idx="minor">
-              <a:schemeClr val="lt1"/>
-            </a:fontRef>
-          </p:style>
-          <p:txBody>
-            <a:bodyPr rtlCol="0" anchor="ctr"/>
-            <a:lstStyle/>
-            <a:p>
-              <a:pPr algn="ctr"/>
-              <a:endParaRPr lang="pt-BR" dirty="0"/>
-            </a:p>
-          </p:txBody>
-        </p:sp>
-      </p:grpSp>
-      <p:grpSp>
-        <p:nvGrpSpPr>
           <p:cNvPr id="30" name="Agrupar 29">
             <a:extLst>
               <a:ext uri="{FF2B5EF4-FFF2-40B4-BE49-F238E27FC236}">
-                <a16:creationId xmlns:a16="http://schemas.microsoft.com/office/drawing/2014/main" id="{55A6F1EE-B3B9-4AD3-A189-E3913427B6B6}"/>
+                <a16:creationId xmlns:a16="http://schemas.microsoft.com/office/drawing/2014/main" xmlns="" id="{55A6F1EE-B3B9-4AD3-A189-E3913427B6B6}"/>
               </a:ext>
             </a:extLst>
           </p:cNvPr>
@@ -9129,7 +8489,7 @@
             <p:cNvPr id="28" name="CaixaDeTexto 27">
               <a:extLst>
                 <a:ext uri="{FF2B5EF4-FFF2-40B4-BE49-F238E27FC236}">
-                  <a16:creationId xmlns:a16="http://schemas.microsoft.com/office/drawing/2014/main" id="{06F24E56-56C0-48DE-B993-B1CF84033F10}"/>
+                  <a16:creationId xmlns:a16="http://schemas.microsoft.com/office/drawing/2014/main" xmlns="" id="{06F24E56-56C0-48DE-B993-B1CF84033F10}"/>
                 </a:ext>
               </a:extLst>
             </p:cNvPr>
@@ -9193,7 +8553,7 @@
             <p:cNvPr id="34" name="Retângulo 33">
               <a:extLst>
                 <a:ext uri="{FF2B5EF4-FFF2-40B4-BE49-F238E27FC236}">
-                  <a16:creationId xmlns:a16="http://schemas.microsoft.com/office/drawing/2014/main" id="{07B5FAAB-A3BD-4418-A9BF-1694D728EFC3}"/>
+                  <a16:creationId xmlns:a16="http://schemas.microsoft.com/office/drawing/2014/main" xmlns="" id="{07B5FAAB-A3BD-4418-A9BF-1694D728EFC3}"/>
                 </a:ext>
               </a:extLst>
             </p:cNvPr>
@@ -9252,7 +8612,7 @@
           <p:cNvPr id="31" name="Agrupar 30">
             <a:extLst>
               <a:ext uri="{FF2B5EF4-FFF2-40B4-BE49-F238E27FC236}">
-                <a16:creationId xmlns:a16="http://schemas.microsoft.com/office/drawing/2014/main" id="{C4062237-DD02-40B3-AC9C-B89D60A767B8}"/>
+                <a16:creationId xmlns:a16="http://schemas.microsoft.com/office/drawing/2014/main" xmlns="" id="{C4062237-DD02-40B3-AC9C-B89D60A767B8}"/>
               </a:ext>
             </a:extLst>
           </p:cNvPr>
@@ -9272,7 +8632,7 @@
             <p:cNvPr id="32" name="CaixaDeTexto 31">
               <a:extLst>
                 <a:ext uri="{FF2B5EF4-FFF2-40B4-BE49-F238E27FC236}">
-                  <a16:creationId xmlns:a16="http://schemas.microsoft.com/office/drawing/2014/main" id="{566CD485-09EF-48E1-86C5-9CA202611613}"/>
+                  <a16:creationId xmlns:a16="http://schemas.microsoft.com/office/drawing/2014/main" xmlns="" id="{566CD485-09EF-48E1-86C5-9CA202611613}"/>
                 </a:ext>
               </a:extLst>
             </p:cNvPr>
@@ -9348,7 +8708,7 @@
             <p:cNvPr id="35" name="Retângulo 34">
               <a:extLst>
                 <a:ext uri="{FF2B5EF4-FFF2-40B4-BE49-F238E27FC236}">
-                  <a16:creationId xmlns:a16="http://schemas.microsoft.com/office/drawing/2014/main" id="{BD6C4BD0-D5BB-4786-BF71-1D992016DC45}"/>
+                  <a16:creationId xmlns:a16="http://schemas.microsoft.com/office/drawing/2014/main" xmlns="" id="{BD6C4BD0-D5BB-4786-BF71-1D992016DC45}"/>
                 </a:ext>
               </a:extLst>
             </p:cNvPr>
@@ -9431,7 +8791,7 @@
           <p:cNvPr id="4" name="Retângulo 3">
             <a:extLst>
               <a:ext uri="{FF2B5EF4-FFF2-40B4-BE49-F238E27FC236}">
-                <a16:creationId xmlns:a16="http://schemas.microsoft.com/office/drawing/2014/main" id="{88C6BF1B-8B81-4A42-B266-9DF3168EF8CB}"/>
+                <a16:creationId xmlns:a16="http://schemas.microsoft.com/office/drawing/2014/main" xmlns="" id="{88C6BF1B-8B81-4A42-B266-9DF3168EF8CB}"/>
               </a:ext>
             </a:extLst>
           </p:cNvPr>
@@ -9485,7 +8845,7 @@
           <p:cNvPr id="2" name="CaixaDeTexto 1">
             <a:extLst>
               <a:ext uri="{FF2B5EF4-FFF2-40B4-BE49-F238E27FC236}">
-                <a16:creationId xmlns:a16="http://schemas.microsoft.com/office/drawing/2014/main" id="{80F5CD5A-1914-4EF1-BE32-34B089486C2F}"/>
+                <a16:creationId xmlns:a16="http://schemas.microsoft.com/office/drawing/2014/main" xmlns="" id="{80F5CD5A-1914-4EF1-BE32-34B089486C2F}"/>
               </a:ext>
             </a:extLst>
           </p:cNvPr>
@@ -9526,7 +8886,7 @@
           <p:cNvPr id="3" name="Imagem 6" descr="Uma imagem contendo objeto&#10;&#10;Descrição gerada com muito alta confiança">
             <a:extLst>
               <a:ext uri="{FF2B5EF4-FFF2-40B4-BE49-F238E27FC236}">
-                <a16:creationId xmlns:a16="http://schemas.microsoft.com/office/drawing/2014/main" id="{3A958C51-9DB6-409A-8BCE-A5C77D3B1354}"/>
+                <a16:creationId xmlns:a16="http://schemas.microsoft.com/office/drawing/2014/main" xmlns="" id="{3A958C51-9DB6-409A-8BCE-A5C77D3B1354}"/>
               </a:ext>
             </a:extLst>
           </p:cNvPr>
@@ -9556,7 +8916,7 @@
           <p:cNvPr id="7" name="Retângulo 6">
             <a:extLst>
               <a:ext uri="{FF2B5EF4-FFF2-40B4-BE49-F238E27FC236}">
-                <a16:creationId xmlns:a16="http://schemas.microsoft.com/office/drawing/2014/main" id="{89094DE6-756F-4A82-8A95-1CBED37E87E2}"/>
+                <a16:creationId xmlns:a16="http://schemas.microsoft.com/office/drawing/2014/main" xmlns="" id="{89094DE6-756F-4A82-8A95-1CBED37E87E2}"/>
               </a:ext>
             </a:extLst>
           </p:cNvPr>
@@ -9605,7 +8965,7 @@
           <p:cNvPr id="9" name="Retângulo 8">
             <a:extLst>
               <a:ext uri="{FF2B5EF4-FFF2-40B4-BE49-F238E27FC236}">
-                <a16:creationId xmlns:a16="http://schemas.microsoft.com/office/drawing/2014/main" id="{407F5294-A287-4708-8220-29D5D97DEE86}"/>
+                <a16:creationId xmlns:a16="http://schemas.microsoft.com/office/drawing/2014/main" xmlns="" id="{407F5294-A287-4708-8220-29D5D97DEE86}"/>
               </a:ext>
             </a:extLst>
           </p:cNvPr>
@@ -9654,7 +9014,7 @@
           <p:cNvPr id="11" name="Retângulo 10">
             <a:extLst>
               <a:ext uri="{FF2B5EF4-FFF2-40B4-BE49-F238E27FC236}">
-                <a16:creationId xmlns:a16="http://schemas.microsoft.com/office/drawing/2014/main" id="{8CCE9E41-DF19-4539-AEB2-C83DDB8D015A}"/>
+                <a16:creationId xmlns:a16="http://schemas.microsoft.com/office/drawing/2014/main" xmlns="" id="{8CCE9E41-DF19-4539-AEB2-C83DDB8D015A}"/>
               </a:ext>
             </a:extLst>
           </p:cNvPr>
@@ -9703,7 +9063,7 @@
           <p:cNvPr id="13" name="CaixaDeTexto 12">
             <a:extLst>
               <a:ext uri="{FF2B5EF4-FFF2-40B4-BE49-F238E27FC236}">
-                <a16:creationId xmlns:a16="http://schemas.microsoft.com/office/drawing/2014/main" id="{36A1F85B-7B7F-4EB2-A921-5BDA85D5F006}"/>
+                <a16:creationId xmlns:a16="http://schemas.microsoft.com/office/drawing/2014/main" xmlns="" id="{36A1F85B-7B7F-4EB2-A921-5BDA85D5F006}"/>
               </a:ext>
             </a:extLst>
           </p:cNvPr>
@@ -9745,7 +9105,7 @@
           <p:cNvPr id="15" name="CaixaDeTexto 14">
             <a:extLst>
               <a:ext uri="{FF2B5EF4-FFF2-40B4-BE49-F238E27FC236}">
-                <a16:creationId xmlns:a16="http://schemas.microsoft.com/office/drawing/2014/main" id="{F4835543-02C9-4F7E-942E-19AA80F41074}"/>
+                <a16:creationId xmlns:a16="http://schemas.microsoft.com/office/drawing/2014/main" xmlns="" id="{F4835543-02C9-4F7E-942E-19AA80F41074}"/>
               </a:ext>
             </a:extLst>
           </p:cNvPr>
@@ -9785,7 +9145,7 @@
           <p:cNvPr id="17" name="Conector de Seta Reta 16">
             <a:extLst>
               <a:ext uri="{FF2B5EF4-FFF2-40B4-BE49-F238E27FC236}">
-                <a16:creationId xmlns:a16="http://schemas.microsoft.com/office/drawing/2014/main" id="{411AA6B9-507C-44D4-9959-3C997B8CBC1D}"/>
+                <a16:creationId xmlns:a16="http://schemas.microsoft.com/office/drawing/2014/main" xmlns="" id="{411AA6B9-507C-44D4-9959-3C997B8CBC1D}"/>
               </a:ext>
             </a:extLst>
           </p:cNvPr>
@@ -9827,7 +9187,7 @@
           <p:cNvPr id="19" name="Conector de Seta Reta 18">
             <a:extLst>
               <a:ext uri="{FF2B5EF4-FFF2-40B4-BE49-F238E27FC236}">
-                <a16:creationId xmlns:a16="http://schemas.microsoft.com/office/drawing/2014/main" id="{93EB990D-C099-4555-BD11-426E6E8EE67F}"/>
+                <a16:creationId xmlns:a16="http://schemas.microsoft.com/office/drawing/2014/main" xmlns="" id="{93EB990D-C099-4555-BD11-426E6E8EE67F}"/>
               </a:ext>
             </a:extLst>
           </p:cNvPr>
@@ -9871,7 +9231,7 @@
           <p:cNvPr id="21" name="CaixaDeTexto 20">
             <a:extLst>
               <a:ext uri="{FF2B5EF4-FFF2-40B4-BE49-F238E27FC236}">
-                <a16:creationId xmlns:a16="http://schemas.microsoft.com/office/drawing/2014/main" id="{DDB3C006-F399-4DA0-84A7-14D02AA99AD9}"/>
+                <a16:creationId xmlns:a16="http://schemas.microsoft.com/office/drawing/2014/main" xmlns="" id="{DDB3C006-F399-4DA0-84A7-14D02AA99AD9}"/>
               </a:ext>
             </a:extLst>
           </p:cNvPr>
@@ -9911,7 +9271,7 @@
           <p:cNvPr id="23" name="CaixaDeTexto 22">
             <a:extLst>
               <a:ext uri="{FF2B5EF4-FFF2-40B4-BE49-F238E27FC236}">
-                <a16:creationId xmlns:a16="http://schemas.microsoft.com/office/drawing/2014/main" id="{EDDF8BE8-BC1F-46BC-9872-A1A48F87BFAC}"/>
+                <a16:creationId xmlns:a16="http://schemas.microsoft.com/office/drawing/2014/main" xmlns="" id="{EDDF8BE8-BC1F-46BC-9872-A1A48F87BFAC}"/>
               </a:ext>
             </a:extLst>
           </p:cNvPr>
@@ -9979,7 +9339,7 @@
           <p:cNvPr id="4" name="Retângulo 3">
             <a:extLst>
               <a:ext uri="{FF2B5EF4-FFF2-40B4-BE49-F238E27FC236}">
-                <a16:creationId xmlns:a16="http://schemas.microsoft.com/office/drawing/2014/main" id="{88C6BF1B-8B81-4A42-B266-9DF3168EF8CB}"/>
+                <a16:creationId xmlns:a16="http://schemas.microsoft.com/office/drawing/2014/main" xmlns="" id="{88C6BF1B-8B81-4A42-B266-9DF3168EF8CB}"/>
               </a:ext>
             </a:extLst>
           </p:cNvPr>
@@ -10033,7 +9393,7 @@
           <p:cNvPr id="2" name="CaixaDeTexto 1">
             <a:extLst>
               <a:ext uri="{FF2B5EF4-FFF2-40B4-BE49-F238E27FC236}">
-                <a16:creationId xmlns:a16="http://schemas.microsoft.com/office/drawing/2014/main" id="{80F5CD5A-1914-4EF1-BE32-34B089486C2F}"/>
+                <a16:creationId xmlns:a16="http://schemas.microsoft.com/office/drawing/2014/main" xmlns="" id="{80F5CD5A-1914-4EF1-BE32-34B089486C2F}"/>
               </a:ext>
             </a:extLst>
           </p:cNvPr>
@@ -10074,7 +9434,7 @@
           <p:cNvPr id="5" name="Conector de Seta Reta 4">
             <a:extLst>
               <a:ext uri="{FF2B5EF4-FFF2-40B4-BE49-F238E27FC236}">
-                <a16:creationId xmlns:a16="http://schemas.microsoft.com/office/drawing/2014/main" id="{85E6B2C7-D043-4C92-898F-4F2DEE8A2690}"/>
+                <a16:creationId xmlns:a16="http://schemas.microsoft.com/office/drawing/2014/main" xmlns="" id="{85E6B2C7-D043-4C92-898F-4F2DEE8A2690}"/>
               </a:ext>
             </a:extLst>
           </p:cNvPr>
@@ -10115,7 +9475,7 @@
           <p:cNvPr id="6" name="Conector de Seta Reta 5">
             <a:extLst>
               <a:ext uri="{FF2B5EF4-FFF2-40B4-BE49-F238E27FC236}">
-                <a16:creationId xmlns:a16="http://schemas.microsoft.com/office/drawing/2014/main" id="{9BACC1B6-2F2A-4248-B083-17CB87D6E5BE}"/>
+                <a16:creationId xmlns:a16="http://schemas.microsoft.com/office/drawing/2014/main" xmlns="" id="{9BACC1B6-2F2A-4248-B083-17CB87D6E5BE}"/>
               </a:ext>
             </a:extLst>
           </p:cNvPr>
@@ -10158,7 +9518,7 @@
           <p:cNvPr id="43" name="Agrupar 42">
             <a:extLst>
               <a:ext uri="{FF2B5EF4-FFF2-40B4-BE49-F238E27FC236}">
-                <a16:creationId xmlns:a16="http://schemas.microsoft.com/office/drawing/2014/main" id="{BF28B680-1403-498E-B98E-3F47E1CD4F15}"/>
+                <a16:creationId xmlns:a16="http://schemas.microsoft.com/office/drawing/2014/main" xmlns="" id="{BF28B680-1403-498E-B98E-3F47E1CD4F15}"/>
               </a:ext>
             </a:extLst>
           </p:cNvPr>
@@ -10178,7 +9538,7 @@
             <p:cNvPr id="8" name="Retângulo 7">
               <a:extLst>
                 <a:ext uri="{FF2B5EF4-FFF2-40B4-BE49-F238E27FC236}">
-                  <a16:creationId xmlns:a16="http://schemas.microsoft.com/office/drawing/2014/main" id="{5941647A-72D6-4138-BD44-C48D31273AB1}"/>
+                  <a16:creationId xmlns:a16="http://schemas.microsoft.com/office/drawing/2014/main" xmlns="" id="{5941647A-72D6-4138-BD44-C48D31273AB1}"/>
                 </a:ext>
               </a:extLst>
             </p:cNvPr>
@@ -10232,7 +9592,7 @@
             <p:cNvPr id="9" name="CaixaDeTexto 1">
               <a:extLst>
                 <a:ext uri="{FF2B5EF4-FFF2-40B4-BE49-F238E27FC236}">
-                  <a16:creationId xmlns:a16="http://schemas.microsoft.com/office/drawing/2014/main" id="{7994EBAF-0D7D-41FB-B228-383D0E67FB6C}"/>
+                  <a16:creationId xmlns:a16="http://schemas.microsoft.com/office/drawing/2014/main" xmlns="" id="{7994EBAF-0D7D-41FB-B228-383D0E67FB6C}"/>
                 </a:ext>
               </a:extLst>
             </p:cNvPr>
@@ -10366,7 +9726,7 @@
           <p:cNvPr id="44" name="Agrupar 43">
             <a:extLst>
               <a:ext uri="{FF2B5EF4-FFF2-40B4-BE49-F238E27FC236}">
-                <a16:creationId xmlns:a16="http://schemas.microsoft.com/office/drawing/2014/main" id="{F059599A-8CDA-4EDF-AD30-5BE744CDF545}"/>
+                <a16:creationId xmlns:a16="http://schemas.microsoft.com/office/drawing/2014/main" xmlns="" id="{F059599A-8CDA-4EDF-AD30-5BE744CDF545}"/>
               </a:ext>
             </a:extLst>
           </p:cNvPr>
@@ -10386,7 +9746,7 @@
             <p:cNvPr id="10" name="Retângulo 9">
               <a:extLst>
                 <a:ext uri="{FF2B5EF4-FFF2-40B4-BE49-F238E27FC236}">
-                  <a16:creationId xmlns:a16="http://schemas.microsoft.com/office/drawing/2014/main" id="{971BC70D-B8E4-4A17-B17F-86055154C60C}"/>
+                  <a16:creationId xmlns:a16="http://schemas.microsoft.com/office/drawing/2014/main" xmlns="" id="{971BC70D-B8E4-4A17-B17F-86055154C60C}"/>
                 </a:ext>
               </a:extLst>
             </p:cNvPr>
@@ -10440,7 +9800,7 @@
             <p:cNvPr id="11" name="CaixaDeTexto 1">
               <a:extLst>
                 <a:ext uri="{FF2B5EF4-FFF2-40B4-BE49-F238E27FC236}">
-                  <a16:creationId xmlns:a16="http://schemas.microsoft.com/office/drawing/2014/main" id="{F77E377A-2299-45F1-BD65-AD221DB0412C}"/>
+                  <a16:creationId xmlns:a16="http://schemas.microsoft.com/office/drawing/2014/main" xmlns="" id="{F77E377A-2299-45F1-BD65-AD221DB0412C}"/>
                 </a:ext>
               </a:extLst>
             </p:cNvPr>
@@ -10577,7 +9937,7 @@
           <p:cNvPr id="41" name="Agrupar 40">
             <a:extLst>
               <a:ext uri="{FF2B5EF4-FFF2-40B4-BE49-F238E27FC236}">
-                <a16:creationId xmlns:a16="http://schemas.microsoft.com/office/drawing/2014/main" id="{8B089574-4BAD-41C0-AB24-A3288FD76E68}"/>
+                <a16:creationId xmlns:a16="http://schemas.microsoft.com/office/drawing/2014/main" xmlns="" id="{8B089574-4BAD-41C0-AB24-A3288FD76E68}"/>
               </a:ext>
             </a:extLst>
           </p:cNvPr>
@@ -10597,7 +9957,7 @@
             <p:cNvPr id="13" name="Imagem 6" descr="Uma imagem contendo objeto&#10;&#10;Descrição gerada com muito alta confiança">
               <a:extLst>
                 <a:ext uri="{FF2B5EF4-FFF2-40B4-BE49-F238E27FC236}">
-                  <a16:creationId xmlns:a16="http://schemas.microsoft.com/office/drawing/2014/main" id="{63824687-0B05-4413-8D3C-5E29C9702638}"/>
+                  <a16:creationId xmlns:a16="http://schemas.microsoft.com/office/drawing/2014/main" xmlns="" id="{63824687-0B05-4413-8D3C-5E29C9702638}"/>
                 </a:ext>
               </a:extLst>
             </p:cNvPr>
@@ -10627,7 +9987,7 @@
             <p:cNvPr id="16" name="CaixaDeTexto 15">
               <a:extLst>
                 <a:ext uri="{FF2B5EF4-FFF2-40B4-BE49-F238E27FC236}">
-                  <a16:creationId xmlns:a16="http://schemas.microsoft.com/office/drawing/2014/main" id="{FDA29973-2090-478C-8CFB-2DD1F5F78F5A}"/>
+                  <a16:creationId xmlns:a16="http://schemas.microsoft.com/office/drawing/2014/main" xmlns="" id="{FDA29973-2090-478C-8CFB-2DD1F5F78F5A}"/>
                 </a:ext>
               </a:extLst>
             </p:cNvPr>
@@ -10665,7 +10025,7 @@
           <p:cNvPr id="42" name="Agrupar 41">
             <a:extLst>
               <a:ext uri="{FF2B5EF4-FFF2-40B4-BE49-F238E27FC236}">
-                <a16:creationId xmlns:a16="http://schemas.microsoft.com/office/drawing/2014/main" id="{3B35F1CD-5913-439D-8C83-786B18E01404}"/>
+                <a16:creationId xmlns:a16="http://schemas.microsoft.com/office/drawing/2014/main" xmlns="" id="{3B35F1CD-5913-439D-8C83-786B18E01404}"/>
               </a:ext>
             </a:extLst>
           </p:cNvPr>
@@ -10685,7 +10045,7 @@
             <p:cNvPr id="14" name="Imagem 6" descr="Uma imagem contendo objeto&#10;&#10;Descrição gerada com muito alta confiança">
               <a:extLst>
                 <a:ext uri="{FF2B5EF4-FFF2-40B4-BE49-F238E27FC236}">
-                  <a16:creationId xmlns:a16="http://schemas.microsoft.com/office/drawing/2014/main" id="{DBED1A96-C999-457A-8F32-18571E67930B}"/>
+                  <a16:creationId xmlns:a16="http://schemas.microsoft.com/office/drawing/2014/main" xmlns="" id="{DBED1A96-C999-457A-8F32-18571E67930B}"/>
                 </a:ext>
               </a:extLst>
             </p:cNvPr>
@@ -10715,7 +10075,7 @@
             <p:cNvPr id="18" name="CaixaDeTexto 17">
               <a:extLst>
                 <a:ext uri="{FF2B5EF4-FFF2-40B4-BE49-F238E27FC236}">
-                  <a16:creationId xmlns:a16="http://schemas.microsoft.com/office/drawing/2014/main" id="{4A840F81-AC70-4925-A6AF-06B2ECF11F52}"/>
+                  <a16:creationId xmlns:a16="http://schemas.microsoft.com/office/drawing/2014/main" xmlns="" id="{4A840F81-AC70-4925-A6AF-06B2ECF11F52}"/>
                 </a:ext>
               </a:extLst>
             </p:cNvPr>
@@ -10754,7 +10114,7 @@
           <p:cNvPr id="19" name="Conector de Seta Reta 18">
             <a:extLst>
               <a:ext uri="{FF2B5EF4-FFF2-40B4-BE49-F238E27FC236}">
-                <a16:creationId xmlns:a16="http://schemas.microsoft.com/office/drawing/2014/main" id="{7053101E-BA41-4AFA-90EB-5F30E05D5C2A}"/>
+                <a16:creationId xmlns:a16="http://schemas.microsoft.com/office/drawing/2014/main" xmlns="" id="{7053101E-BA41-4AFA-90EB-5F30E05D5C2A}"/>
               </a:ext>
             </a:extLst>
           </p:cNvPr>
@@ -10798,7 +10158,7 @@
           <p:cNvPr id="20" name="Conector de Seta Reta 19">
             <a:extLst>
               <a:ext uri="{FF2B5EF4-FFF2-40B4-BE49-F238E27FC236}">
-                <a16:creationId xmlns:a16="http://schemas.microsoft.com/office/drawing/2014/main" id="{972CCC72-617F-4D78-B3FE-1B11C03D20E1}"/>
+                <a16:creationId xmlns:a16="http://schemas.microsoft.com/office/drawing/2014/main" xmlns="" id="{972CCC72-617F-4D78-B3FE-1B11C03D20E1}"/>
               </a:ext>
             </a:extLst>
           </p:cNvPr>
@@ -10842,7 +10202,7 @@
           <p:cNvPr id="21" name="Conector de Seta Reta 20">
             <a:extLst>
               <a:ext uri="{FF2B5EF4-FFF2-40B4-BE49-F238E27FC236}">
-                <a16:creationId xmlns:a16="http://schemas.microsoft.com/office/drawing/2014/main" id="{EA66EA41-B19F-44A8-87CD-EFADB016E3DD}"/>
+                <a16:creationId xmlns:a16="http://schemas.microsoft.com/office/drawing/2014/main" xmlns="" id="{EA66EA41-B19F-44A8-87CD-EFADB016E3DD}"/>
               </a:ext>
             </a:extLst>
           </p:cNvPr>
@@ -10886,7 +10246,7 @@
           <p:cNvPr id="22" name="Conector de Seta Reta 21">
             <a:extLst>
               <a:ext uri="{FF2B5EF4-FFF2-40B4-BE49-F238E27FC236}">
-                <a16:creationId xmlns:a16="http://schemas.microsoft.com/office/drawing/2014/main" id="{317BB5CC-C5DD-4E1C-9FC9-A8537615FAD0}"/>
+                <a16:creationId xmlns:a16="http://schemas.microsoft.com/office/drawing/2014/main" xmlns="" id="{317BB5CC-C5DD-4E1C-9FC9-A8537615FAD0}"/>
               </a:ext>
             </a:extLst>
           </p:cNvPr>
@@ -10930,7 +10290,7 @@
           <p:cNvPr id="23" name="Conector de Seta Reta 22">
             <a:extLst>
               <a:ext uri="{FF2B5EF4-FFF2-40B4-BE49-F238E27FC236}">
-                <a16:creationId xmlns:a16="http://schemas.microsoft.com/office/drawing/2014/main" id="{6F2A4F03-C5E4-40D7-AA81-EDDBC7B02437}"/>
+                <a16:creationId xmlns:a16="http://schemas.microsoft.com/office/drawing/2014/main" xmlns="" id="{6F2A4F03-C5E4-40D7-AA81-EDDBC7B02437}"/>
               </a:ext>
             </a:extLst>
           </p:cNvPr>
@@ -10971,10 +10331,10 @@
       </p:cxnSp>
       <p:cxnSp>
         <p:nvCxnSpPr>
-          <p:cNvPr id="24" name="Conector de Seta Reta 23">
-            <a:extLst>
-              <a:ext uri="{FF2B5EF4-FFF2-40B4-BE49-F238E27FC236}">
-                <a16:creationId xmlns:a16="http://schemas.microsoft.com/office/drawing/2014/main" id="{906C5ED3-A468-446B-91A1-50EACFAF704A}"/>
+          <p:cNvPr id="27" name="Conector de Seta Reta 26">
+            <a:extLst>
+              <a:ext uri="{FF2B5EF4-FFF2-40B4-BE49-F238E27FC236}">
+                <a16:creationId xmlns:a16="http://schemas.microsoft.com/office/drawing/2014/main" xmlns="" id="{569658DA-03D1-4969-9E0E-3405A27FE72E}"/>
               </a:ext>
             </a:extLst>
           </p:cNvPr>
@@ -10985,8 +10345,8 @@
         </p:nvCxnSpPr>
         <p:spPr>
           <a:xfrm>
-            <a:off x="1325591" y="3175000"/>
-            <a:ext cx="0" cy="1104900"/>
+            <a:off x="9865743" y="2951789"/>
+            <a:ext cx="0" cy="1451337"/>
           </a:xfrm>
           <a:prstGeom prst="straightConnector1">
             <a:avLst/>
@@ -11013,100 +10373,12 @@
           </a:fontRef>
         </p:style>
       </p:cxnSp>
-      <p:cxnSp>
-        <p:nvCxnSpPr>
-          <p:cNvPr id="26" name="Conector de Seta Reta 25">
-            <a:extLst>
-              <a:ext uri="{FF2B5EF4-FFF2-40B4-BE49-F238E27FC236}">
-                <a16:creationId xmlns:a16="http://schemas.microsoft.com/office/drawing/2014/main" id="{80EA2B90-3614-439A-9F6B-2F7DD190FAAF}"/>
-              </a:ext>
-            </a:extLst>
-          </p:cNvPr>
-          <p:cNvCxnSpPr>
-            <a:cxnSpLocks/>
-          </p:cNvCxnSpPr>
-          <p:nvPr/>
-        </p:nvCxnSpPr>
-        <p:spPr>
-          <a:xfrm>
-            <a:off x="3756416" y="3175000"/>
-            <a:ext cx="0" cy="1449116"/>
-          </a:xfrm>
-          <a:prstGeom prst="straightConnector1">
-            <a:avLst/>
-          </a:prstGeom>
-          <a:ln>
-            <a:solidFill>
-              <a:schemeClr val="tx1"/>
-            </a:solidFill>
-            <a:tailEnd type="triangle"/>
-          </a:ln>
-        </p:spPr>
-        <p:style>
-          <a:lnRef idx="1">
-            <a:schemeClr val="accent1"/>
-          </a:lnRef>
-          <a:fillRef idx="0">
-            <a:schemeClr val="accent1"/>
-          </a:fillRef>
-          <a:effectRef idx="0">
-            <a:schemeClr val="accent1"/>
-          </a:effectRef>
-          <a:fontRef idx="minor">
-            <a:schemeClr val="tx1"/>
-          </a:fontRef>
-        </p:style>
-      </p:cxnSp>
-      <p:cxnSp>
-        <p:nvCxnSpPr>
-          <p:cNvPr id="27" name="Conector de Seta Reta 26">
-            <a:extLst>
-              <a:ext uri="{FF2B5EF4-FFF2-40B4-BE49-F238E27FC236}">
-                <a16:creationId xmlns:a16="http://schemas.microsoft.com/office/drawing/2014/main" id="{569658DA-03D1-4969-9E0E-3405A27FE72E}"/>
-              </a:ext>
-            </a:extLst>
-          </p:cNvPr>
-          <p:cNvCxnSpPr>
-            <a:cxnSpLocks/>
-          </p:cNvCxnSpPr>
-          <p:nvPr/>
-        </p:nvCxnSpPr>
-        <p:spPr>
-          <a:xfrm>
-            <a:off x="9865743" y="2951789"/>
-            <a:ext cx="0" cy="1451337"/>
-          </a:xfrm>
-          <a:prstGeom prst="straightConnector1">
-            <a:avLst/>
-          </a:prstGeom>
-          <a:ln>
-            <a:solidFill>
-              <a:schemeClr val="tx1"/>
-            </a:solidFill>
-            <a:tailEnd type="triangle"/>
-          </a:ln>
-        </p:spPr>
-        <p:style>
-          <a:lnRef idx="1">
-            <a:schemeClr val="accent1"/>
-          </a:lnRef>
-          <a:fillRef idx="0">
-            <a:schemeClr val="accent1"/>
-          </a:fillRef>
-          <a:effectRef idx="0">
-            <a:schemeClr val="accent1"/>
-          </a:effectRef>
-          <a:fontRef idx="minor">
-            <a:schemeClr val="tx1"/>
-          </a:fontRef>
-        </p:style>
-      </p:cxnSp>
       <p:sp>
         <p:nvSpPr>
           <p:cNvPr id="3" name="CaixaDeTexto 2">
             <a:extLst>
               <a:ext uri="{FF2B5EF4-FFF2-40B4-BE49-F238E27FC236}">
-                <a16:creationId xmlns:a16="http://schemas.microsoft.com/office/drawing/2014/main" id="{7FCA1908-EC09-46BB-B633-12D671CD2244}"/>
+                <a16:creationId xmlns:a16="http://schemas.microsoft.com/office/drawing/2014/main" xmlns="" id="{7FCA1908-EC09-46BB-B633-12D671CD2244}"/>
               </a:ext>
             </a:extLst>
           </p:cNvPr>
@@ -11147,7 +10419,7 @@
           <p:cNvPr id="7" name="CaixaDeTexto 6">
             <a:extLst>
               <a:ext uri="{FF2B5EF4-FFF2-40B4-BE49-F238E27FC236}">
-                <a16:creationId xmlns:a16="http://schemas.microsoft.com/office/drawing/2014/main" id="{BF0B844E-C924-4EC3-B27F-D0C0220E391A}"/>
+                <a16:creationId xmlns:a16="http://schemas.microsoft.com/office/drawing/2014/main" xmlns="" id="{BF0B844E-C924-4EC3-B27F-D0C0220E391A}"/>
               </a:ext>
             </a:extLst>
           </p:cNvPr>
@@ -11183,150 +10455,10 @@
       </p:sp>
       <p:grpSp>
         <p:nvGrpSpPr>
-          <p:cNvPr id="17" name="Agrupar 16">
-            <a:extLst>
-              <a:ext uri="{FF2B5EF4-FFF2-40B4-BE49-F238E27FC236}">
-                <a16:creationId xmlns:a16="http://schemas.microsoft.com/office/drawing/2014/main" id="{5F6A7615-8293-4C3E-920B-5F0868699260}"/>
-              </a:ext>
-            </a:extLst>
-          </p:cNvPr>
-          <p:cNvGrpSpPr/>
-          <p:nvPr/>
-        </p:nvGrpSpPr>
-        <p:grpSpPr>
-          <a:xfrm>
-            <a:off x="392801" y="4403126"/>
-            <a:ext cx="2728823" cy="1333680"/>
-            <a:chOff x="151501" y="3501426"/>
-            <a:chExt cx="2728823" cy="1333680"/>
-          </a:xfrm>
-        </p:grpSpPr>
-        <p:sp>
-          <p:nvSpPr>
-            <p:cNvPr id="25" name="CaixaDeTexto 24">
-              <a:extLst>
-                <a:ext uri="{FF2B5EF4-FFF2-40B4-BE49-F238E27FC236}">
-                  <a16:creationId xmlns:a16="http://schemas.microsoft.com/office/drawing/2014/main" id="{E53E8429-486C-49E3-A88D-600F0719554F}"/>
-                </a:ext>
-              </a:extLst>
-            </p:cNvPr>
-            <p:cNvSpPr txBox="1"/>
-            <p:nvPr/>
-          </p:nvSpPr>
-          <p:spPr>
-            <a:xfrm>
-              <a:off x="151501" y="3501426"/>
-              <a:ext cx="2728823" cy="1200329"/>
-            </a:xfrm>
-            <a:prstGeom prst="rect">
-              <a:avLst/>
-            </a:prstGeom>
-          </p:spPr>
-          <p:txBody>
-            <a:bodyPr rot="0" spcFirstLastPara="0" vertOverflow="overflow" horzOverflow="overflow" vert="horz" wrap="square" lIns="91440" tIns="45720" rIns="91440" bIns="45720" numCol="1" spcCol="0" rtlCol="0" fromWordArt="0" anchor="t" anchorCtr="0" forceAA="0" compatLnSpc="1">
-              <a:prstTxWarp prst="textNoShape">
-                <a:avLst/>
-              </a:prstTxWarp>
-              <a:spAutoFit/>
-            </a:bodyPr>
-            <a:lstStyle/>
-            <a:p>
-              <a:pPr marL="285750" indent="-285750">
-                <a:buFont typeface="Arial"/>
-                <a:buChar char="•"/>
-              </a:pPr>
-              <a:r>
-                <a:rPr lang="pt-BR" b="1" i="1" dirty="0">
-                  <a:cs typeface="Calibri"/>
-                </a:rPr>
-                <a:t>Preencher cadastro</a:t>
-              </a:r>
-            </a:p>
-            <a:p>
-              <a:pPr marL="285750" indent="-285750">
-                <a:buFont typeface="Arial"/>
-                <a:buChar char="•"/>
-              </a:pPr>
-              <a:r>
-                <a:rPr lang="pt-BR" b="1" i="1" dirty="0">
-                  <a:cs typeface="Calibri"/>
-                </a:rPr>
-                <a:t>Entregar documentos solicitados</a:t>
-              </a:r>
-            </a:p>
-            <a:p>
-              <a:pPr marL="285750" indent="-285750">
-                <a:buFont typeface="Arial"/>
-                <a:buChar char="•"/>
-              </a:pPr>
-              <a:r>
-                <a:rPr lang="pt-BR" b="1" i="1" dirty="0">
-                  <a:cs typeface="Calibri"/>
-                </a:rPr>
-                <a:t>Pagar matricula </a:t>
-              </a:r>
-            </a:p>
-          </p:txBody>
-        </p:sp>
-        <p:sp>
-          <p:nvSpPr>
-            <p:cNvPr id="12" name="Retângulo 11">
-              <a:extLst>
-                <a:ext uri="{FF2B5EF4-FFF2-40B4-BE49-F238E27FC236}">
-                  <a16:creationId xmlns:a16="http://schemas.microsoft.com/office/drawing/2014/main" id="{E9117F55-F054-4FBD-92C8-EA6D071EE605}"/>
-                </a:ext>
-              </a:extLst>
-            </p:cNvPr>
-            <p:cNvSpPr/>
-            <p:nvPr/>
-          </p:nvSpPr>
-          <p:spPr>
-            <a:xfrm>
-              <a:off x="218536" y="3503763"/>
-              <a:ext cx="2495909" cy="1331343"/>
-            </a:xfrm>
-            <a:prstGeom prst="rect">
-              <a:avLst/>
-            </a:prstGeom>
-            <a:noFill/>
-            <a:ln>
-              <a:solidFill>
-                <a:schemeClr val="tx1"/>
-              </a:solidFill>
-            </a:ln>
-          </p:spPr>
-          <p:style>
-            <a:lnRef idx="2">
-              <a:schemeClr val="accent1">
-                <a:shade val="50000"/>
-              </a:schemeClr>
-            </a:lnRef>
-            <a:fillRef idx="1">
-              <a:schemeClr val="accent1"/>
-            </a:fillRef>
-            <a:effectRef idx="0">
-              <a:schemeClr val="accent1"/>
-            </a:effectRef>
-            <a:fontRef idx="minor">
-              <a:schemeClr val="lt1"/>
-            </a:fontRef>
-          </p:style>
-          <p:txBody>
-            <a:bodyPr rtlCol="0" anchor="ctr"/>
-            <a:lstStyle/>
-            <a:p>
-              <a:pPr algn="ctr"/>
-              <a:endParaRPr lang="pt-BR" dirty="0"/>
-            </a:p>
-          </p:txBody>
-        </p:sp>
-      </p:grpSp>
-      <p:grpSp>
-        <p:nvGrpSpPr>
           <p:cNvPr id="36" name="Agrupar 35">
             <a:extLst>
               <a:ext uri="{FF2B5EF4-FFF2-40B4-BE49-F238E27FC236}">
-                <a16:creationId xmlns:a16="http://schemas.microsoft.com/office/drawing/2014/main" id="{ADEBDF2A-18F2-40BF-947C-8CDFA518A908}"/>
+                <a16:creationId xmlns:a16="http://schemas.microsoft.com/office/drawing/2014/main" xmlns="" id="{ADEBDF2A-18F2-40BF-947C-8CDFA518A908}"/>
               </a:ext>
             </a:extLst>
           </p:cNvPr>
@@ -11346,7 +10478,7 @@
             <p:cNvPr id="32" name="CaixaDeTexto 31">
               <a:extLst>
                 <a:ext uri="{FF2B5EF4-FFF2-40B4-BE49-F238E27FC236}">
-                  <a16:creationId xmlns:a16="http://schemas.microsoft.com/office/drawing/2014/main" id="{566CD485-09EF-48E1-86C5-9CA202611613}"/>
+                  <a16:creationId xmlns:a16="http://schemas.microsoft.com/office/drawing/2014/main" xmlns="" id="{566CD485-09EF-48E1-86C5-9CA202611613}"/>
                 </a:ext>
               </a:extLst>
             </p:cNvPr>
@@ -11422,7 +10554,7 @@
             <p:cNvPr id="30" name="Retângulo 29">
               <a:extLst>
                 <a:ext uri="{FF2B5EF4-FFF2-40B4-BE49-F238E27FC236}">
-                  <a16:creationId xmlns:a16="http://schemas.microsoft.com/office/drawing/2014/main" id="{D7B5B938-3ED4-4381-81EC-D26D6C4BA4A2}"/>
+                  <a16:creationId xmlns:a16="http://schemas.microsoft.com/office/drawing/2014/main" xmlns="" id="{D7B5B938-3ED4-4381-81EC-D26D6C4BA4A2}"/>
                 </a:ext>
               </a:extLst>
             </p:cNvPr>
@@ -11472,10 +10604,10 @@
       </p:grpSp>
       <p:grpSp>
         <p:nvGrpSpPr>
-          <p:cNvPr id="34" name="Agrupar 33">
-            <a:extLst>
-              <a:ext uri="{FF2B5EF4-FFF2-40B4-BE49-F238E27FC236}">
-                <a16:creationId xmlns:a16="http://schemas.microsoft.com/office/drawing/2014/main" id="{ABB50412-1896-4D14-A871-573755747791}"/>
+          <p:cNvPr id="35" name="Agrupar 34">
+            <a:extLst>
+              <a:ext uri="{FF2B5EF4-FFF2-40B4-BE49-F238E27FC236}">
+                <a16:creationId xmlns:a16="http://schemas.microsoft.com/office/drawing/2014/main" xmlns="" id="{E876AD11-81BD-4580-9B33-4F7D24F45B10}"/>
               </a:ext>
             </a:extLst>
           </p:cNvPr>
@@ -11484,167 +10616,10 @@
         </p:nvGrpSpPr>
         <p:grpSpPr>
           <a:xfrm>
-            <a:off x="3101255" y="4874651"/>
-            <a:ext cx="2738108" cy="1510240"/>
-            <a:chOff x="2859955" y="3972951"/>
-            <a:chExt cx="2738108" cy="1510240"/>
-          </a:xfrm>
-        </p:grpSpPr>
-        <p:sp>
-          <p:nvSpPr>
-            <p:cNvPr id="29" name="CaixaDeTexto 28">
-              <a:extLst>
-                <a:ext uri="{FF2B5EF4-FFF2-40B4-BE49-F238E27FC236}">
-                  <a16:creationId xmlns:a16="http://schemas.microsoft.com/office/drawing/2014/main" id="{C9E5DC63-D53D-44B6-BB67-180826BCDCA2}"/>
-                </a:ext>
-              </a:extLst>
-            </p:cNvPr>
-            <p:cNvSpPr txBox="1"/>
-            <p:nvPr/>
-          </p:nvSpPr>
-          <p:spPr>
-            <a:xfrm>
-              <a:off x="2859955" y="4005863"/>
-              <a:ext cx="2728823" cy="1477328"/>
-            </a:xfrm>
-            <a:prstGeom prst="rect">
-              <a:avLst/>
-            </a:prstGeom>
-          </p:spPr>
-          <p:txBody>
-            <a:bodyPr rot="0" spcFirstLastPara="0" vertOverflow="overflow" horzOverflow="overflow" vert="horz" wrap="square" lIns="91440" tIns="45720" rIns="91440" bIns="45720" numCol="1" spcCol="0" rtlCol="0" fromWordArt="0" anchor="t" anchorCtr="0" forceAA="0" compatLnSpc="1">
-              <a:prstTxWarp prst="textNoShape">
-                <a:avLst/>
-              </a:prstTxWarp>
-              <a:spAutoFit/>
-            </a:bodyPr>
-            <a:lstStyle/>
-            <a:p>
-              <a:pPr marL="285750" indent="-285750">
-                <a:buFont typeface="Arial"/>
-                <a:buChar char="•"/>
-              </a:pPr>
-              <a:r>
-                <a:rPr lang="pt-BR" b="1" i="1" dirty="0">
-                  <a:cs typeface="Calibri"/>
-                </a:rPr>
-                <a:t>Pagar matricular </a:t>
-              </a:r>
-            </a:p>
-            <a:p>
-              <a:pPr marL="285750" indent="-285750">
-                <a:buFont typeface="Arial"/>
-                <a:buChar char="•"/>
-              </a:pPr>
-              <a:r>
-                <a:rPr lang="pt-BR" b="1" i="1" dirty="0">
-                  <a:cs typeface="Calibri"/>
-                </a:rPr>
-                <a:t>Autorizar dependente </a:t>
-              </a:r>
-            </a:p>
-            <a:p>
-              <a:pPr marL="285750" indent="-285750">
-                <a:buFont typeface="Arial"/>
-                <a:buChar char="•"/>
-              </a:pPr>
-              <a:r>
-                <a:rPr lang="pt-BR" b="1" i="1" dirty="0">
-                  <a:cs typeface="Calibri"/>
-                </a:rPr>
-                <a:t>Preencher cadastro </a:t>
-              </a:r>
-            </a:p>
-            <a:p>
-              <a:pPr marL="285750" indent="-285750">
-                <a:buFont typeface="Arial"/>
-                <a:buChar char="•"/>
-              </a:pPr>
-              <a:r>
-                <a:rPr lang="pt-BR" b="1" i="1" dirty="0">
-                  <a:cs typeface="Calibri"/>
-                </a:rPr>
-                <a:t>Entregar documentos </a:t>
-              </a:r>
-            </a:p>
-            <a:p>
-              <a:endParaRPr lang="pt-BR" b="1" i="1" u="sng" dirty="0">
-                <a:cs typeface="Calibri"/>
-              </a:endParaRPr>
-            </a:p>
-          </p:txBody>
-        </p:sp>
-        <p:sp>
-          <p:nvSpPr>
-            <p:cNvPr id="31" name="Retângulo 30">
-              <a:extLst>
-                <a:ext uri="{FF2B5EF4-FFF2-40B4-BE49-F238E27FC236}">
-                  <a16:creationId xmlns:a16="http://schemas.microsoft.com/office/drawing/2014/main" id="{2C8A8C53-733F-44F9-98EE-F32AD20E2C47}"/>
-                </a:ext>
-              </a:extLst>
-            </p:cNvPr>
-            <p:cNvSpPr/>
-            <p:nvPr/>
-          </p:nvSpPr>
-          <p:spPr>
-            <a:xfrm>
-              <a:off x="2886494" y="3972951"/>
-              <a:ext cx="2711569" cy="1345720"/>
-            </a:xfrm>
-            <a:prstGeom prst="rect">
-              <a:avLst/>
-            </a:prstGeom>
-            <a:noFill/>
-            <a:ln>
-              <a:solidFill>
-                <a:schemeClr val="tx1"/>
-              </a:solidFill>
-            </a:ln>
-          </p:spPr>
-          <p:style>
-            <a:lnRef idx="2">
-              <a:schemeClr val="accent1">
-                <a:shade val="50000"/>
-              </a:schemeClr>
-            </a:lnRef>
-            <a:fillRef idx="1">
-              <a:schemeClr val="accent1"/>
-            </a:fillRef>
-            <a:effectRef idx="0">
-              <a:schemeClr val="accent1"/>
-            </a:effectRef>
-            <a:fontRef idx="minor">
-              <a:schemeClr val="lt1"/>
-            </a:fontRef>
-          </p:style>
-          <p:txBody>
-            <a:bodyPr rtlCol="0" anchor="ctr"/>
-            <a:lstStyle/>
-            <a:p>
-              <a:pPr algn="ctr"/>
-              <a:endParaRPr lang="pt-BR"/>
-            </a:p>
-          </p:txBody>
-        </p:sp>
-      </p:grpSp>
-      <p:grpSp>
-        <p:nvGrpSpPr>
-          <p:cNvPr id="35" name="Agrupar 34">
-            <a:extLst>
-              <a:ext uri="{FF2B5EF4-FFF2-40B4-BE49-F238E27FC236}">
-                <a16:creationId xmlns:a16="http://schemas.microsoft.com/office/drawing/2014/main" id="{E876AD11-81BD-4580-9B33-4F7D24F45B10}"/>
-              </a:ext>
-            </a:extLst>
-          </p:cNvPr>
-          <p:cNvGrpSpPr/>
-          <p:nvPr/>
-        </p:nvGrpSpPr>
-        <p:grpSpPr>
-          <a:xfrm>
             <a:off x="6138892" y="4762558"/>
-            <a:ext cx="2791185" cy="2031325"/>
+            <a:ext cx="2791185" cy="1765001"/>
             <a:chOff x="5897592" y="3860858"/>
-            <a:chExt cx="2791185" cy="2031325"/>
+            <a:chExt cx="2791185" cy="1765001"/>
           </a:xfrm>
         </p:grpSpPr>
         <p:sp>
@@ -11652,7 +10627,7 @@
             <p:cNvPr id="28" name="CaixaDeTexto 27">
               <a:extLst>
                 <a:ext uri="{FF2B5EF4-FFF2-40B4-BE49-F238E27FC236}">
-                  <a16:creationId xmlns:a16="http://schemas.microsoft.com/office/drawing/2014/main" id="{06F24E56-56C0-48DE-B993-B1CF84033F10}"/>
+                  <a16:creationId xmlns:a16="http://schemas.microsoft.com/office/drawing/2014/main" xmlns="" id="{06F24E56-56C0-48DE-B993-B1CF84033F10}"/>
                 </a:ext>
               </a:extLst>
             </p:cNvPr>
@@ -11662,7 +10637,7 @@
           <p:spPr>
             <a:xfrm>
               <a:off x="5959954" y="3860858"/>
-              <a:ext cx="2728823" cy="2031325"/>
+              <a:ext cx="2728823" cy="1754326"/>
             </a:xfrm>
             <a:prstGeom prst="rect">
               <a:avLst/>
@@ -11687,6 +10662,9 @@
                 </a:rPr>
                 <a:t>Apresentar regras para matricula </a:t>
               </a:r>
+              <a:endParaRPr lang="pt-BR" b="1" i="1" dirty="0" smtClean="0">
+                <a:cs typeface="Calibri"/>
+              </a:endParaRPr>
             </a:p>
             <a:p>
               <a:pPr marL="285750" indent="-285750">
@@ -11694,11 +10672,14 @@
                 <a:buChar char="•"/>
               </a:pPr>
               <a:r>
-                <a:rPr lang="pt-BR" b="1" i="1" dirty="0">
+                <a:rPr lang="pt-BR" b="1" i="1" dirty="0" smtClean="0">
                   <a:cs typeface="Calibri"/>
                 </a:rPr>
-                <a:t>Cadastrar aluno/responsável</a:t>
+                <a:t>Realizar matricula</a:t>
               </a:r>
+              <a:endParaRPr lang="pt-BR" b="1" i="1" dirty="0">
+                <a:cs typeface="Calibri"/>
+              </a:endParaRPr>
             </a:p>
             <a:p>
               <a:pPr marL="285750" indent="-285750">
@@ -11706,10 +10687,16 @@
                 <a:buChar char="•"/>
               </a:pPr>
               <a:r>
+                <a:rPr lang="pt-BR" b="1" i="1" dirty="0" smtClean="0">
+                  <a:cs typeface="Calibri"/>
+                </a:rPr>
+                <a:t>Receber </a:t>
+              </a:r>
+              <a:r>
                 <a:rPr lang="pt-BR" b="1" i="1" dirty="0">
                   <a:cs typeface="Calibri"/>
                 </a:rPr>
-                <a:t>Receber pagamento </a:t>
+                <a:t>pagamento </a:t>
               </a:r>
             </a:p>
             <a:p>
@@ -11740,7 +10727,7 @@
             <p:cNvPr id="33" name="Retângulo 32">
               <a:extLst>
                 <a:ext uri="{FF2B5EF4-FFF2-40B4-BE49-F238E27FC236}">
-                  <a16:creationId xmlns:a16="http://schemas.microsoft.com/office/drawing/2014/main" id="{F00C5CCF-AC25-4099-8DD3-8B36FCAF56E7}"/>
+                  <a16:creationId xmlns:a16="http://schemas.microsoft.com/office/drawing/2014/main" xmlns="" id="{F00C5CCF-AC25-4099-8DD3-8B36FCAF56E7}"/>
                 </a:ext>
               </a:extLst>
             </p:cNvPr>
@@ -11823,7 +10810,7 @@
           <p:cNvPr id="4" name="Retângulo 3">
             <a:extLst>
               <a:ext uri="{FF2B5EF4-FFF2-40B4-BE49-F238E27FC236}">
-                <a16:creationId xmlns:a16="http://schemas.microsoft.com/office/drawing/2014/main" id="{88C6BF1B-8B81-4A42-B266-9DF3168EF8CB}"/>
+                <a16:creationId xmlns:a16="http://schemas.microsoft.com/office/drawing/2014/main" xmlns="" id="{88C6BF1B-8B81-4A42-B266-9DF3168EF8CB}"/>
               </a:ext>
             </a:extLst>
           </p:cNvPr>
@@ -11877,7 +10864,7 @@
           <p:cNvPr id="2" name="CaixaDeTexto 1">
             <a:extLst>
               <a:ext uri="{FF2B5EF4-FFF2-40B4-BE49-F238E27FC236}">
-                <a16:creationId xmlns:a16="http://schemas.microsoft.com/office/drawing/2014/main" id="{80F5CD5A-1914-4EF1-BE32-34B089486C2F}"/>
+                <a16:creationId xmlns:a16="http://schemas.microsoft.com/office/drawing/2014/main" xmlns="" id="{80F5CD5A-1914-4EF1-BE32-34B089486C2F}"/>
               </a:ext>
             </a:extLst>
           </p:cNvPr>
@@ -11918,7 +10905,7 @@
           <p:cNvPr id="3" name="Imagem 6" descr="Uma imagem contendo objeto&#10;&#10;Descrição gerada com muito alta confiança">
             <a:extLst>
               <a:ext uri="{FF2B5EF4-FFF2-40B4-BE49-F238E27FC236}">
-                <a16:creationId xmlns:a16="http://schemas.microsoft.com/office/drawing/2014/main" id="{3A958C51-9DB6-409A-8BCE-A5C77D3B1354}"/>
+                <a16:creationId xmlns:a16="http://schemas.microsoft.com/office/drawing/2014/main" xmlns="" id="{3A958C51-9DB6-409A-8BCE-A5C77D3B1354}"/>
               </a:ext>
             </a:extLst>
           </p:cNvPr>
@@ -11948,7 +10935,7 @@
           <p:cNvPr id="7" name="Retângulo 6">
             <a:extLst>
               <a:ext uri="{FF2B5EF4-FFF2-40B4-BE49-F238E27FC236}">
-                <a16:creationId xmlns:a16="http://schemas.microsoft.com/office/drawing/2014/main" id="{89094DE6-756F-4A82-8A95-1CBED37E87E2}"/>
+                <a16:creationId xmlns:a16="http://schemas.microsoft.com/office/drawing/2014/main" xmlns="" id="{89094DE6-756F-4A82-8A95-1CBED37E87E2}"/>
               </a:ext>
             </a:extLst>
           </p:cNvPr>
@@ -11997,7 +10984,7 @@
           <p:cNvPr id="9" name="Retângulo 8">
             <a:extLst>
               <a:ext uri="{FF2B5EF4-FFF2-40B4-BE49-F238E27FC236}">
-                <a16:creationId xmlns:a16="http://schemas.microsoft.com/office/drawing/2014/main" id="{407F5294-A287-4708-8220-29D5D97DEE86}"/>
+                <a16:creationId xmlns:a16="http://schemas.microsoft.com/office/drawing/2014/main" xmlns="" id="{407F5294-A287-4708-8220-29D5D97DEE86}"/>
               </a:ext>
             </a:extLst>
           </p:cNvPr>
@@ -12046,7 +11033,7 @@
           <p:cNvPr id="11" name="Retângulo 10">
             <a:extLst>
               <a:ext uri="{FF2B5EF4-FFF2-40B4-BE49-F238E27FC236}">
-                <a16:creationId xmlns:a16="http://schemas.microsoft.com/office/drawing/2014/main" id="{8CCE9E41-DF19-4539-AEB2-C83DDB8D015A}"/>
+                <a16:creationId xmlns:a16="http://schemas.microsoft.com/office/drawing/2014/main" xmlns="" id="{8CCE9E41-DF19-4539-AEB2-C83DDB8D015A}"/>
               </a:ext>
             </a:extLst>
           </p:cNvPr>
@@ -12095,7 +11082,7 @@
           <p:cNvPr id="13" name="CaixaDeTexto 12">
             <a:extLst>
               <a:ext uri="{FF2B5EF4-FFF2-40B4-BE49-F238E27FC236}">
-                <a16:creationId xmlns:a16="http://schemas.microsoft.com/office/drawing/2014/main" id="{36A1F85B-7B7F-4EB2-A921-5BDA85D5F006}"/>
+                <a16:creationId xmlns:a16="http://schemas.microsoft.com/office/drawing/2014/main" xmlns="" id="{36A1F85B-7B7F-4EB2-A921-5BDA85D5F006}"/>
               </a:ext>
             </a:extLst>
           </p:cNvPr>
@@ -12137,7 +11124,7 @@
           <p:cNvPr id="15" name="CaixaDeTexto 14">
             <a:extLst>
               <a:ext uri="{FF2B5EF4-FFF2-40B4-BE49-F238E27FC236}">
-                <a16:creationId xmlns:a16="http://schemas.microsoft.com/office/drawing/2014/main" id="{F4835543-02C9-4F7E-942E-19AA80F41074}"/>
+                <a16:creationId xmlns:a16="http://schemas.microsoft.com/office/drawing/2014/main" xmlns="" id="{F4835543-02C9-4F7E-942E-19AA80F41074}"/>
               </a:ext>
             </a:extLst>
           </p:cNvPr>
@@ -12179,7 +11166,7 @@
           <p:cNvPr id="17" name="Conector de Seta Reta 16">
             <a:extLst>
               <a:ext uri="{FF2B5EF4-FFF2-40B4-BE49-F238E27FC236}">
-                <a16:creationId xmlns:a16="http://schemas.microsoft.com/office/drawing/2014/main" id="{411AA6B9-507C-44D4-9959-3C997B8CBC1D}"/>
+                <a16:creationId xmlns:a16="http://schemas.microsoft.com/office/drawing/2014/main" xmlns="" id="{411AA6B9-507C-44D4-9959-3C997B8CBC1D}"/>
               </a:ext>
             </a:extLst>
           </p:cNvPr>
@@ -12223,7 +11210,7 @@
           <p:cNvPr id="19" name="Conector de Seta Reta 18">
             <a:extLst>
               <a:ext uri="{FF2B5EF4-FFF2-40B4-BE49-F238E27FC236}">
-                <a16:creationId xmlns:a16="http://schemas.microsoft.com/office/drawing/2014/main" id="{93EB990D-C099-4555-BD11-426E6E8EE67F}"/>
+                <a16:creationId xmlns:a16="http://schemas.microsoft.com/office/drawing/2014/main" xmlns="" id="{93EB990D-C099-4555-BD11-426E6E8EE67F}"/>
               </a:ext>
             </a:extLst>
           </p:cNvPr>
@@ -12267,7 +11254,7 @@
           <p:cNvPr id="21" name="CaixaDeTexto 20">
             <a:extLst>
               <a:ext uri="{FF2B5EF4-FFF2-40B4-BE49-F238E27FC236}">
-                <a16:creationId xmlns:a16="http://schemas.microsoft.com/office/drawing/2014/main" id="{DDB3C006-F399-4DA0-84A7-14D02AA99AD9}"/>
+                <a16:creationId xmlns:a16="http://schemas.microsoft.com/office/drawing/2014/main" xmlns="" id="{DDB3C006-F399-4DA0-84A7-14D02AA99AD9}"/>
               </a:ext>
             </a:extLst>
           </p:cNvPr>
@@ -12307,7 +11294,7 @@
           <p:cNvPr id="14" name="Imagem 6" descr="Uma imagem contendo objeto&#10;&#10;Descrição gerada com muito alta confiança">
             <a:extLst>
               <a:ext uri="{FF2B5EF4-FFF2-40B4-BE49-F238E27FC236}">
-                <a16:creationId xmlns:a16="http://schemas.microsoft.com/office/drawing/2014/main" id="{679141C5-05BA-4E9B-9DE4-33CA40E689E3}"/>
+                <a16:creationId xmlns:a16="http://schemas.microsoft.com/office/drawing/2014/main" xmlns="" id="{679141C5-05BA-4E9B-9DE4-33CA40E689E3}"/>
               </a:ext>
             </a:extLst>
           </p:cNvPr>
@@ -12337,7 +11324,7 @@
           <p:cNvPr id="5" name="CaixaDeTexto 4">
             <a:extLst>
               <a:ext uri="{FF2B5EF4-FFF2-40B4-BE49-F238E27FC236}">
-                <a16:creationId xmlns:a16="http://schemas.microsoft.com/office/drawing/2014/main" id="{B16219F2-C8D5-4962-B139-35FAB8DA186B}"/>
+                <a16:creationId xmlns:a16="http://schemas.microsoft.com/office/drawing/2014/main" xmlns="" id="{B16219F2-C8D5-4962-B139-35FAB8DA186B}"/>
               </a:ext>
             </a:extLst>
           </p:cNvPr>
@@ -12374,7 +11361,7 @@
           <p:cNvPr id="6" name="CaixaDeTexto 5">
             <a:extLst>
               <a:ext uri="{FF2B5EF4-FFF2-40B4-BE49-F238E27FC236}">
-                <a16:creationId xmlns:a16="http://schemas.microsoft.com/office/drawing/2014/main" id="{E30895BE-0869-4DCC-8DF3-4E9AA8EB5C8C}"/>
+                <a16:creationId xmlns:a16="http://schemas.microsoft.com/office/drawing/2014/main" xmlns="" id="{E30895BE-0869-4DCC-8DF3-4E9AA8EB5C8C}"/>
               </a:ext>
             </a:extLst>
           </p:cNvPr>
@@ -12416,7 +11403,7 @@
           <p:cNvPr id="20" name="Conector de Seta Reta 19">
             <a:extLst>
               <a:ext uri="{FF2B5EF4-FFF2-40B4-BE49-F238E27FC236}">
-                <a16:creationId xmlns:a16="http://schemas.microsoft.com/office/drawing/2014/main" id="{14BFD4BF-B15E-4CD7-866F-99EB8A96BAA7}"/>
+                <a16:creationId xmlns:a16="http://schemas.microsoft.com/office/drawing/2014/main" xmlns="" id="{14BFD4BF-B15E-4CD7-866F-99EB8A96BAA7}"/>
               </a:ext>
             </a:extLst>
           </p:cNvPr>
@@ -12490,7 +11477,7 @@
           <p:cNvPr id="4" name="Retângulo 3">
             <a:extLst>
               <a:ext uri="{FF2B5EF4-FFF2-40B4-BE49-F238E27FC236}">
-                <a16:creationId xmlns:a16="http://schemas.microsoft.com/office/drawing/2014/main" id="{88C6BF1B-8B81-4A42-B266-9DF3168EF8CB}"/>
+                <a16:creationId xmlns:a16="http://schemas.microsoft.com/office/drawing/2014/main" xmlns="" id="{88C6BF1B-8B81-4A42-B266-9DF3168EF8CB}"/>
               </a:ext>
             </a:extLst>
           </p:cNvPr>
@@ -12544,7 +11531,7 @@
           <p:cNvPr id="2" name="CaixaDeTexto 1">
             <a:extLst>
               <a:ext uri="{FF2B5EF4-FFF2-40B4-BE49-F238E27FC236}">
-                <a16:creationId xmlns:a16="http://schemas.microsoft.com/office/drawing/2014/main" id="{80F5CD5A-1914-4EF1-BE32-34B089486C2F}"/>
+                <a16:creationId xmlns:a16="http://schemas.microsoft.com/office/drawing/2014/main" xmlns="" id="{80F5CD5A-1914-4EF1-BE32-34B089486C2F}"/>
               </a:ext>
             </a:extLst>
           </p:cNvPr>
@@ -12585,7 +11572,7 @@
           <p:cNvPr id="5" name="Conector de Seta Reta 4">
             <a:extLst>
               <a:ext uri="{FF2B5EF4-FFF2-40B4-BE49-F238E27FC236}">
-                <a16:creationId xmlns:a16="http://schemas.microsoft.com/office/drawing/2014/main" id="{85E6B2C7-D043-4C92-898F-4F2DEE8A2690}"/>
+                <a16:creationId xmlns:a16="http://schemas.microsoft.com/office/drawing/2014/main" xmlns="" id="{85E6B2C7-D043-4C92-898F-4F2DEE8A2690}"/>
               </a:ext>
             </a:extLst>
           </p:cNvPr>
@@ -12628,7 +11615,7 @@
           <p:cNvPr id="6" name="Conector de Seta Reta 5">
             <a:extLst>
               <a:ext uri="{FF2B5EF4-FFF2-40B4-BE49-F238E27FC236}">
-                <a16:creationId xmlns:a16="http://schemas.microsoft.com/office/drawing/2014/main" id="{9BACC1B6-2F2A-4248-B083-17CB87D6E5BE}"/>
+                <a16:creationId xmlns:a16="http://schemas.microsoft.com/office/drawing/2014/main" xmlns="" id="{9BACC1B6-2F2A-4248-B083-17CB87D6E5BE}"/>
               </a:ext>
             </a:extLst>
           </p:cNvPr>
@@ -12671,7 +11658,7 @@
           <p:cNvPr id="50" name="Agrupar 49">
             <a:extLst>
               <a:ext uri="{FF2B5EF4-FFF2-40B4-BE49-F238E27FC236}">
-                <a16:creationId xmlns:a16="http://schemas.microsoft.com/office/drawing/2014/main" id="{59A99669-CC2E-471C-9533-EE65C05F42DC}"/>
+                <a16:creationId xmlns:a16="http://schemas.microsoft.com/office/drawing/2014/main" xmlns="" id="{59A99669-CC2E-471C-9533-EE65C05F42DC}"/>
               </a:ext>
             </a:extLst>
           </p:cNvPr>
@@ -12691,7 +11678,7 @@
             <p:cNvPr id="8" name="Retângulo 7">
               <a:extLst>
                 <a:ext uri="{FF2B5EF4-FFF2-40B4-BE49-F238E27FC236}">
-                  <a16:creationId xmlns:a16="http://schemas.microsoft.com/office/drawing/2014/main" id="{5941647A-72D6-4138-BD44-C48D31273AB1}"/>
+                  <a16:creationId xmlns:a16="http://schemas.microsoft.com/office/drawing/2014/main" xmlns="" id="{5941647A-72D6-4138-BD44-C48D31273AB1}"/>
                 </a:ext>
               </a:extLst>
             </p:cNvPr>
@@ -12745,7 +11732,7 @@
             <p:cNvPr id="9" name="CaixaDeTexto 1">
               <a:extLst>
                 <a:ext uri="{FF2B5EF4-FFF2-40B4-BE49-F238E27FC236}">
-                  <a16:creationId xmlns:a16="http://schemas.microsoft.com/office/drawing/2014/main" id="{7994EBAF-0D7D-41FB-B228-383D0E67FB6C}"/>
+                  <a16:creationId xmlns:a16="http://schemas.microsoft.com/office/drawing/2014/main" xmlns="" id="{7994EBAF-0D7D-41FB-B228-383D0E67FB6C}"/>
                 </a:ext>
               </a:extLst>
             </p:cNvPr>
@@ -12882,7 +11869,7 @@
           <p:cNvPr id="49" name="Agrupar 48">
             <a:extLst>
               <a:ext uri="{FF2B5EF4-FFF2-40B4-BE49-F238E27FC236}">
-                <a16:creationId xmlns:a16="http://schemas.microsoft.com/office/drawing/2014/main" id="{23F3B3EC-DB9B-48C6-B968-A50048FE2EB4}"/>
+                <a16:creationId xmlns:a16="http://schemas.microsoft.com/office/drawing/2014/main" xmlns="" id="{23F3B3EC-DB9B-48C6-B968-A50048FE2EB4}"/>
               </a:ext>
             </a:extLst>
           </p:cNvPr>
@@ -12902,7 +11889,7 @@
             <p:cNvPr id="10" name="Retângulo 9">
               <a:extLst>
                 <a:ext uri="{FF2B5EF4-FFF2-40B4-BE49-F238E27FC236}">
-                  <a16:creationId xmlns:a16="http://schemas.microsoft.com/office/drawing/2014/main" id="{971BC70D-B8E4-4A17-B17F-86055154C60C}"/>
+                  <a16:creationId xmlns:a16="http://schemas.microsoft.com/office/drawing/2014/main" xmlns="" id="{971BC70D-B8E4-4A17-B17F-86055154C60C}"/>
                 </a:ext>
               </a:extLst>
             </p:cNvPr>
@@ -12956,7 +11943,7 @@
             <p:cNvPr id="11" name="CaixaDeTexto 1">
               <a:extLst>
                 <a:ext uri="{FF2B5EF4-FFF2-40B4-BE49-F238E27FC236}">
-                  <a16:creationId xmlns:a16="http://schemas.microsoft.com/office/drawing/2014/main" id="{F77E377A-2299-45F1-BD65-AD221DB0412C}"/>
+                  <a16:creationId xmlns:a16="http://schemas.microsoft.com/office/drawing/2014/main" xmlns="" id="{F77E377A-2299-45F1-BD65-AD221DB0412C}"/>
                 </a:ext>
               </a:extLst>
             </p:cNvPr>
@@ -13093,7 +12080,7 @@
           <p:cNvPr id="53" name="Agrupar 52">
             <a:extLst>
               <a:ext uri="{FF2B5EF4-FFF2-40B4-BE49-F238E27FC236}">
-                <a16:creationId xmlns:a16="http://schemas.microsoft.com/office/drawing/2014/main" id="{9102A23B-7600-4BE1-A0EA-04D802778857}"/>
+                <a16:creationId xmlns:a16="http://schemas.microsoft.com/office/drawing/2014/main" xmlns="" id="{9102A23B-7600-4BE1-A0EA-04D802778857}"/>
               </a:ext>
             </a:extLst>
           </p:cNvPr>
@@ -13113,7 +12100,7 @@
             <p:cNvPr id="13" name="Imagem 6" descr="Uma imagem contendo objeto&#10;&#10;Descrição gerada com muito alta confiança">
               <a:extLst>
                 <a:ext uri="{FF2B5EF4-FFF2-40B4-BE49-F238E27FC236}">
-                  <a16:creationId xmlns:a16="http://schemas.microsoft.com/office/drawing/2014/main" id="{63824687-0B05-4413-8D3C-5E29C9702638}"/>
+                  <a16:creationId xmlns:a16="http://schemas.microsoft.com/office/drawing/2014/main" xmlns="" id="{63824687-0B05-4413-8D3C-5E29C9702638}"/>
                 </a:ext>
               </a:extLst>
             </p:cNvPr>
@@ -13143,7 +12130,7 @@
             <p:cNvPr id="16" name="CaixaDeTexto 15">
               <a:extLst>
                 <a:ext uri="{FF2B5EF4-FFF2-40B4-BE49-F238E27FC236}">
-                  <a16:creationId xmlns:a16="http://schemas.microsoft.com/office/drawing/2014/main" id="{FDA29973-2090-478C-8CFB-2DD1F5F78F5A}"/>
+                  <a16:creationId xmlns:a16="http://schemas.microsoft.com/office/drawing/2014/main" xmlns="" id="{FDA29973-2090-478C-8CFB-2DD1F5F78F5A}"/>
                 </a:ext>
               </a:extLst>
             </p:cNvPr>
@@ -13181,7 +12168,7 @@
           <p:cNvPr id="52" name="Agrupar 51">
             <a:extLst>
               <a:ext uri="{FF2B5EF4-FFF2-40B4-BE49-F238E27FC236}">
-                <a16:creationId xmlns:a16="http://schemas.microsoft.com/office/drawing/2014/main" id="{117C8AE4-4833-4058-9612-B813911B00FD}"/>
+                <a16:creationId xmlns:a16="http://schemas.microsoft.com/office/drawing/2014/main" xmlns="" id="{117C8AE4-4833-4058-9612-B813911B00FD}"/>
               </a:ext>
             </a:extLst>
           </p:cNvPr>
@@ -13201,7 +12188,7 @@
             <p:cNvPr id="14" name="Imagem 6" descr="Uma imagem contendo objeto&#10;&#10;Descrição gerada com muito alta confiança">
               <a:extLst>
                 <a:ext uri="{FF2B5EF4-FFF2-40B4-BE49-F238E27FC236}">
-                  <a16:creationId xmlns:a16="http://schemas.microsoft.com/office/drawing/2014/main" id="{DBED1A96-C999-457A-8F32-18571E67930B}"/>
+                  <a16:creationId xmlns:a16="http://schemas.microsoft.com/office/drawing/2014/main" xmlns="" id="{DBED1A96-C999-457A-8F32-18571E67930B}"/>
                 </a:ext>
               </a:extLst>
             </p:cNvPr>
@@ -13231,7 +12218,7 @@
             <p:cNvPr id="18" name="CaixaDeTexto 17">
               <a:extLst>
                 <a:ext uri="{FF2B5EF4-FFF2-40B4-BE49-F238E27FC236}">
-                  <a16:creationId xmlns:a16="http://schemas.microsoft.com/office/drawing/2014/main" id="{4A840F81-AC70-4925-A6AF-06B2ECF11F52}"/>
+                  <a16:creationId xmlns:a16="http://schemas.microsoft.com/office/drawing/2014/main" xmlns="" id="{4A840F81-AC70-4925-A6AF-06B2ECF11F52}"/>
                 </a:ext>
               </a:extLst>
             </p:cNvPr>
@@ -13269,7 +12256,7 @@
           <p:cNvPr id="19" name="Conector de Seta Reta 18">
             <a:extLst>
               <a:ext uri="{FF2B5EF4-FFF2-40B4-BE49-F238E27FC236}">
-                <a16:creationId xmlns:a16="http://schemas.microsoft.com/office/drawing/2014/main" id="{7053101E-BA41-4AFA-90EB-5F30E05D5C2A}"/>
+                <a16:creationId xmlns:a16="http://schemas.microsoft.com/office/drawing/2014/main" xmlns="" id="{7053101E-BA41-4AFA-90EB-5F30E05D5C2A}"/>
               </a:ext>
             </a:extLst>
           </p:cNvPr>
@@ -13313,7 +12300,7 @@
           <p:cNvPr id="20" name="Conector de Seta Reta 19">
             <a:extLst>
               <a:ext uri="{FF2B5EF4-FFF2-40B4-BE49-F238E27FC236}">
-                <a16:creationId xmlns:a16="http://schemas.microsoft.com/office/drawing/2014/main" id="{972CCC72-617F-4D78-B3FE-1B11C03D20E1}"/>
+                <a16:creationId xmlns:a16="http://schemas.microsoft.com/office/drawing/2014/main" xmlns="" id="{972CCC72-617F-4D78-B3FE-1B11C03D20E1}"/>
               </a:ext>
             </a:extLst>
           </p:cNvPr>
@@ -13357,7 +12344,7 @@
           <p:cNvPr id="21" name="Conector de Seta Reta 20">
             <a:extLst>
               <a:ext uri="{FF2B5EF4-FFF2-40B4-BE49-F238E27FC236}">
-                <a16:creationId xmlns:a16="http://schemas.microsoft.com/office/drawing/2014/main" id="{EA66EA41-B19F-44A8-87CD-EFADB016E3DD}"/>
+                <a16:creationId xmlns:a16="http://schemas.microsoft.com/office/drawing/2014/main" xmlns="" id="{EA66EA41-B19F-44A8-87CD-EFADB016E3DD}"/>
               </a:ext>
             </a:extLst>
           </p:cNvPr>
@@ -13401,7 +12388,7 @@
           <p:cNvPr id="23" name="Conector de Seta Reta 22">
             <a:extLst>
               <a:ext uri="{FF2B5EF4-FFF2-40B4-BE49-F238E27FC236}">
-                <a16:creationId xmlns:a16="http://schemas.microsoft.com/office/drawing/2014/main" id="{6F2A4F03-C5E4-40D7-AA81-EDDBC7B02437}"/>
+                <a16:creationId xmlns:a16="http://schemas.microsoft.com/office/drawing/2014/main" xmlns="" id="{6F2A4F03-C5E4-40D7-AA81-EDDBC7B02437}"/>
               </a:ext>
             </a:extLst>
           </p:cNvPr>
@@ -13442,10 +12429,10 @@
       </p:cxnSp>
       <p:cxnSp>
         <p:nvCxnSpPr>
-          <p:cNvPr id="24" name="Conector de Seta Reta 23">
-            <a:extLst>
-              <a:ext uri="{FF2B5EF4-FFF2-40B4-BE49-F238E27FC236}">
-                <a16:creationId xmlns:a16="http://schemas.microsoft.com/office/drawing/2014/main" id="{906C5ED3-A468-446B-91A1-50EACFAF704A}"/>
+          <p:cNvPr id="27" name="Conector de Seta Reta 26">
+            <a:extLst>
+              <a:ext uri="{FF2B5EF4-FFF2-40B4-BE49-F238E27FC236}">
+                <a16:creationId xmlns:a16="http://schemas.microsoft.com/office/drawing/2014/main" xmlns="" id="{569658DA-03D1-4969-9E0E-3405A27FE72E}"/>
               </a:ext>
             </a:extLst>
           </p:cNvPr>
@@ -13456,8 +12443,8 @@
         </p:nvCxnSpPr>
         <p:spPr>
           <a:xfrm flipH="1">
-            <a:off x="825500" y="2871158"/>
-            <a:ext cx="500091" cy="1000664"/>
+            <a:off x="10981427" y="2583612"/>
+            <a:ext cx="5750" cy="1058173"/>
           </a:xfrm>
           <a:prstGeom prst="straightConnector1">
             <a:avLst/>
@@ -13484,100 +12471,12 @@
           </a:fontRef>
         </p:style>
       </p:cxnSp>
-      <p:cxnSp>
-        <p:nvCxnSpPr>
-          <p:cNvPr id="26" name="Conector de Seta Reta 25">
-            <a:extLst>
-              <a:ext uri="{FF2B5EF4-FFF2-40B4-BE49-F238E27FC236}">
-                <a16:creationId xmlns:a16="http://schemas.microsoft.com/office/drawing/2014/main" id="{80EA2B90-3614-439A-9F6B-2F7DD190FAAF}"/>
-              </a:ext>
-            </a:extLst>
-          </p:cNvPr>
-          <p:cNvCxnSpPr>
-            <a:cxnSpLocks/>
-          </p:cNvCxnSpPr>
-          <p:nvPr/>
-        </p:nvCxnSpPr>
-        <p:spPr>
-          <a:xfrm>
-            <a:off x="3237424" y="2918036"/>
-            <a:ext cx="20844" cy="1333887"/>
-          </a:xfrm>
-          <a:prstGeom prst="straightConnector1">
-            <a:avLst/>
-          </a:prstGeom>
-          <a:ln>
-            <a:solidFill>
-              <a:schemeClr val="tx1"/>
-            </a:solidFill>
-            <a:tailEnd type="triangle"/>
-          </a:ln>
-        </p:spPr>
-        <p:style>
-          <a:lnRef idx="1">
-            <a:schemeClr val="accent1"/>
-          </a:lnRef>
-          <a:fillRef idx="0">
-            <a:schemeClr val="accent1"/>
-          </a:fillRef>
-          <a:effectRef idx="0">
-            <a:schemeClr val="accent1"/>
-          </a:effectRef>
-          <a:fontRef idx="minor">
-            <a:schemeClr val="tx1"/>
-          </a:fontRef>
-        </p:style>
-      </p:cxnSp>
-      <p:cxnSp>
-        <p:nvCxnSpPr>
-          <p:cNvPr id="27" name="Conector de Seta Reta 26">
-            <a:extLst>
-              <a:ext uri="{FF2B5EF4-FFF2-40B4-BE49-F238E27FC236}">
-                <a16:creationId xmlns:a16="http://schemas.microsoft.com/office/drawing/2014/main" id="{569658DA-03D1-4969-9E0E-3405A27FE72E}"/>
-              </a:ext>
-            </a:extLst>
-          </p:cNvPr>
-          <p:cNvCxnSpPr>
-            <a:cxnSpLocks/>
-          </p:cNvCxnSpPr>
-          <p:nvPr/>
-        </p:nvCxnSpPr>
-        <p:spPr>
-          <a:xfrm flipH="1">
-            <a:off x="10981427" y="2583612"/>
-            <a:ext cx="5750" cy="1058173"/>
-          </a:xfrm>
-          <a:prstGeom prst="straightConnector1">
-            <a:avLst/>
-          </a:prstGeom>
-          <a:ln>
-            <a:solidFill>
-              <a:schemeClr val="tx1"/>
-            </a:solidFill>
-            <a:tailEnd type="triangle"/>
-          </a:ln>
-        </p:spPr>
-        <p:style>
-          <a:lnRef idx="1">
-            <a:schemeClr val="accent1"/>
-          </a:lnRef>
-          <a:fillRef idx="0">
-            <a:schemeClr val="accent1"/>
-          </a:fillRef>
-          <a:effectRef idx="0">
-            <a:schemeClr val="accent1"/>
-          </a:effectRef>
-          <a:fontRef idx="minor">
-            <a:schemeClr val="tx1"/>
-          </a:fontRef>
-        </p:style>
-      </p:cxnSp>
       <p:sp>
         <p:nvSpPr>
           <p:cNvPr id="3" name="CaixaDeTexto 2">
             <a:extLst>
               <a:ext uri="{FF2B5EF4-FFF2-40B4-BE49-F238E27FC236}">
-                <a16:creationId xmlns:a16="http://schemas.microsoft.com/office/drawing/2014/main" id="{7FCA1908-EC09-46BB-B633-12D671CD2244}"/>
+                <a16:creationId xmlns:a16="http://schemas.microsoft.com/office/drawing/2014/main" xmlns="" id="{7FCA1908-EC09-46BB-B633-12D671CD2244}"/>
               </a:ext>
             </a:extLst>
           </p:cNvPr>
@@ -13618,7 +12517,7 @@
           <p:cNvPr id="7" name="CaixaDeTexto 6">
             <a:extLst>
               <a:ext uri="{FF2B5EF4-FFF2-40B4-BE49-F238E27FC236}">
-                <a16:creationId xmlns:a16="http://schemas.microsoft.com/office/drawing/2014/main" id="{BF0B844E-C924-4EC3-B27F-D0C0220E391A}"/>
+                <a16:creationId xmlns:a16="http://schemas.microsoft.com/office/drawing/2014/main" xmlns="" id="{BF0B844E-C924-4EC3-B27F-D0C0220E391A}"/>
               </a:ext>
             </a:extLst>
           </p:cNvPr>
@@ -13654,141 +12553,10 @@
       </p:sp>
       <p:grpSp>
         <p:nvGrpSpPr>
-          <p:cNvPr id="15" name="Agrupar 14">
-            <a:extLst>
-              <a:ext uri="{FF2B5EF4-FFF2-40B4-BE49-F238E27FC236}">
-                <a16:creationId xmlns:a16="http://schemas.microsoft.com/office/drawing/2014/main" id="{47E1B779-6432-49B7-86ED-33E60A952FA9}"/>
-              </a:ext>
-            </a:extLst>
-          </p:cNvPr>
-          <p:cNvGrpSpPr/>
-          <p:nvPr/>
-        </p:nvGrpSpPr>
-        <p:grpSpPr>
-          <a:xfrm>
-            <a:off x="189601" y="4034826"/>
-            <a:ext cx="2585050" cy="1333680"/>
-            <a:chOff x="151501" y="3501426"/>
-            <a:chExt cx="2585050" cy="1333680"/>
-          </a:xfrm>
-        </p:grpSpPr>
-        <p:sp>
-          <p:nvSpPr>
-            <p:cNvPr id="25" name="CaixaDeTexto 24">
-              <a:extLst>
-                <a:ext uri="{FF2B5EF4-FFF2-40B4-BE49-F238E27FC236}">
-                  <a16:creationId xmlns:a16="http://schemas.microsoft.com/office/drawing/2014/main" id="{E53E8429-486C-49E3-A88D-600F0719554F}"/>
-                </a:ext>
-              </a:extLst>
-            </p:cNvPr>
-            <p:cNvSpPr txBox="1"/>
-            <p:nvPr/>
-          </p:nvSpPr>
-          <p:spPr>
-            <a:xfrm>
-              <a:off x="151501" y="3501426"/>
-              <a:ext cx="2585050" cy="1200329"/>
-            </a:xfrm>
-            <a:prstGeom prst="rect">
-              <a:avLst/>
-            </a:prstGeom>
-          </p:spPr>
-          <p:txBody>
-            <a:bodyPr rot="0" spcFirstLastPara="0" vertOverflow="overflow" horzOverflow="overflow" vert="horz" wrap="square" lIns="91440" tIns="45720" rIns="91440" bIns="45720" numCol="1" spcCol="0" rtlCol="0" fromWordArt="0" anchor="t" anchorCtr="0" forceAA="0" compatLnSpc="1">
-              <a:prstTxWarp prst="textNoShape">
-                <a:avLst/>
-              </a:prstTxWarp>
-              <a:spAutoFit/>
-            </a:bodyPr>
-            <a:lstStyle/>
-            <a:p>
-              <a:pPr marL="285750" indent="-285750">
-                <a:buFont typeface="Arial"/>
-                <a:buChar char="•"/>
-              </a:pPr>
-              <a:r>
-                <a:rPr lang="pt-BR" b="1" i="1" dirty="0">
-                  <a:cs typeface="Calibri"/>
-                </a:rPr>
-                <a:t>Cumprir regras da aula</a:t>
-              </a:r>
-              <a:endParaRPr lang="pt-BR" dirty="0">
-                <a:cs typeface="Calibri"/>
-              </a:endParaRPr>
-            </a:p>
-            <a:p>
-              <a:pPr marL="285750" indent="-285750">
-                <a:buFont typeface="Arial"/>
-                <a:buChar char="•"/>
-              </a:pPr>
-              <a:r>
-                <a:rPr lang="pt-BR" b="1" i="1" dirty="0">
-                  <a:cs typeface="Calibri"/>
-                </a:rPr>
-                <a:t>Fazer atividades propostas</a:t>
-              </a:r>
-            </a:p>
-          </p:txBody>
-        </p:sp>
-        <p:sp>
-          <p:nvSpPr>
-            <p:cNvPr id="12" name="Retângulo 11">
-              <a:extLst>
-                <a:ext uri="{FF2B5EF4-FFF2-40B4-BE49-F238E27FC236}">
-                  <a16:creationId xmlns:a16="http://schemas.microsoft.com/office/drawing/2014/main" id="{E9117F55-F054-4FBD-92C8-EA6D071EE605}"/>
-                </a:ext>
-              </a:extLst>
-            </p:cNvPr>
-            <p:cNvSpPr/>
-            <p:nvPr/>
-          </p:nvSpPr>
-          <p:spPr>
-            <a:xfrm>
-              <a:off x="218536" y="3503763"/>
-              <a:ext cx="2107721" cy="1331343"/>
-            </a:xfrm>
-            <a:prstGeom prst="rect">
-              <a:avLst/>
-            </a:prstGeom>
-            <a:noFill/>
-            <a:ln>
-              <a:solidFill>
-                <a:schemeClr val="tx1"/>
-              </a:solidFill>
-            </a:ln>
-          </p:spPr>
-          <p:style>
-            <a:lnRef idx="2">
-              <a:schemeClr val="accent1">
-                <a:shade val="50000"/>
-              </a:schemeClr>
-            </a:lnRef>
-            <a:fillRef idx="1">
-              <a:schemeClr val="accent1"/>
-            </a:fillRef>
-            <a:effectRef idx="0">
-              <a:schemeClr val="accent1"/>
-            </a:effectRef>
-            <a:fontRef idx="minor">
-              <a:schemeClr val="lt1"/>
-            </a:fontRef>
-          </p:style>
-          <p:txBody>
-            <a:bodyPr rtlCol="0" anchor="ctr"/>
-            <a:lstStyle/>
-            <a:p>
-              <a:pPr algn="ctr"/>
-              <a:endParaRPr lang="pt-BR" u="sng" dirty="0"/>
-            </a:p>
-          </p:txBody>
-        </p:sp>
-      </p:grpSp>
-      <p:grpSp>
-        <p:nvGrpSpPr>
           <p:cNvPr id="42" name="Agrupar 41">
             <a:extLst>
               <a:ext uri="{FF2B5EF4-FFF2-40B4-BE49-F238E27FC236}">
-                <a16:creationId xmlns:a16="http://schemas.microsoft.com/office/drawing/2014/main" id="{21F91D42-F2B6-4275-A3D0-4C3BAED84193}"/>
+                <a16:creationId xmlns:a16="http://schemas.microsoft.com/office/drawing/2014/main" xmlns="" id="{21F91D42-F2B6-4275-A3D0-4C3BAED84193}"/>
               </a:ext>
             </a:extLst>
           </p:cNvPr>
@@ -13808,7 +12576,7 @@
             <p:cNvPr id="32" name="CaixaDeTexto 31">
               <a:extLst>
                 <a:ext uri="{FF2B5EF4-FFF2-40B4-BE49-F238E27FC236}">
-                  <a16:creationId xmlns:a16="http://schemas.microsoft.com/office/drawing/2014/main" id="{566CD485-09EF-48E1-86C5-9CA202611613}"/>
+                  <a16:creationId xmlns:a16="http://schemas.microsoft.com/office/drawing/2014/main" xmlns="" id="{566CD485-09EF-48E1-86C5-9CA202611613}"/>
                 </a:ext>
               </a:extLst>
             </p:cNvPr>
@@ -13887,7 +12655,7 @@
             <p:cNvPr id="30" name="Retângulo 29">
               <a:extLst>
                 <a:ext uri="{FF2B5EF4-FFF2-40B4-BE49-F238E27FC236}">
-                  <a16:creationId xmlns:a16="http://schemas.microsoft.com/office/drawing/2014/main" id="{D7B5B938-3ED4-4381-81EC-D26D6C4BA4A2}"/>
+                  <a16:creationId xmlns:a16="http://schemas.microsoft.com/office/drawing/2014/main" xmlns="" id="{D7B5B938-3ED4-4381-81EC-D26D6C4BA4A2}"/>
                 </a:ext>
               </a:extLst>
             </p:cNvPr>
@@ -13937,10 +12705,10 @@
       </p:grpSp>
       <p:grpSp>
         <p:nvGrpSpPr>
-          <p:cNvPr id="17" name="Agrupar 16">
-            <a:extLst>
-              <a:ext uri="{FF2B5EF4-FFF2-40B4-BE49-F238E27FC236}">
-                <a16:creationId xmlns:a16="http://schemas.microsoft.com/office/drawing/2014/main" id="{EADF30C8-EACE-4375-9138-57A49B3FCE14}"/>
+          <p:cNvPr id="41" name="Agrupar 40">
+            <a:extLst>
+              <a:ext uri="{FF2B5EF4-FFF2-40B4-BE49-F238E27FC236}">
+                <a16:creationId xmlns:a16="http://schemas.microsoft.com/office/drawing/2014/main" xmlns="" id="{CE589A6F-0BF7-4F13-8115-B627981BEA60}"/>
               </a:ext>
             </a:extLst>
           </p:cNvPr>
@@ -13949,18 +12717,18 @@
         </p:nvGrpSpPr>
         <p:grpSpPr>
           <a:xfrm>
-            <a:off x="2501959" y="4358497"/>
-            <a:ext cx="2728823" cy="1518121"/>
-            <a:chOff x="2336859" y="3863197"/>
-            <a:chExt cx="2728823" cy="1518121"/>
+            <a:off x="6774611" y="4190281"/>
+            <a:ext cx="2819940" cy="1762663"/>
+            <a:chOff x="6774611" y="3618781"/>
+            <a:chExt cx="2819940" cy="1762663"/>
           </a:xfrm>
         </p:grpSpPr>
         <p:sp>
           <p:nvSpPr>
-            <p:cNvPr id="29" name="CaixaDeTexto 28">
+            <p:cNvPr id="28" name="CaixaDeTexto 27">
               <a:extLst>
                 <a:ext uri="{FF2B5EF4-FFF2-40B4-BE49-F238E27FC236}">
-                  <a16:creationId xmlns:a16="http://schemas.microsoft.com/office/drawing/2014/main" id="{C9E5DC63-D53D-44B6-BB67-180826BCDCA2}"/>
+                  <a16:creationId xmlns:a16="http://schemas.microsoft.com/office/drawing/2014/main" xmlns="" id="{06F24E56-56C0-48DE-B993-B1CF84033F10}"/>
                 </a:ext>
               </a:extLst>
             </p:cNvPr>
@@ -13969,7 +12737,7 @@
           </p:nvSpPr>
           <p:spPr>
             <a:xfrm>
-              <a:off x="2336859" y="3903990"/>
+              <a:off x="6865728" y="3688330"/>
               <a:ext cx="2728823" cy="1477328"/>
             </a:xfrm>
             <a:prstGeom prst="rect">
@@ -13990,23 +12758,12 @@
                 <a:buChar char="•"/>
               </a:pPr>
               <a:r>
-                <a:rPr lang="pt-BR" b="1" i="1" dirty="0">
+                <a:rPr lang="pt-BR" b="1" i="1" dirty="0" smtClean="0">
                   <a:cs typeface="Calibri"/>
                 </a:rPr>
-                <a:t>Receber</a:t>
+                <a:t>Verificar inadimplência</a:t>
               </a:r>
-              <a:r>
-                <a:rPr lang="pt-BR" b="1" i="1" u="sng" dirty="0">
-                  <a:cs typeface="Calibri"/>
-                </a:rPr>
-                <a:t> </a:t>
-              </a:r>
-              <a:r>
-                <a:rPr lang="pt-BR" b="1" i="1" dirty="0">
-                  <a:cs typeface="Calibri"/>
-                </a:rPr>
-                <a:t>notificações</a:t>
-              </a:r>
+              <a:endParaRPr lang="pt-BR" dirty="0" smtClean="0"/>
             </a:p>
             <a:p>
               <a:pPr marL="285750" indent="-285750">
@@ -14014,153 +12771,7 @@
                 <a:buChar char="•"/>
               </a:pPr>
               <a:r>
-                <a:rPr lang="pt-BR" b="1" i="1" dirty="0">
-                  <a:cs typeface="Calibri"/>
-                </a:rPr>
-                <a:t>Comparecer a unidade em eventualidades</a:t>
-              </a:r>
-            </a:p>
-            <a:p>
-              <a:pPr marL="285750" indent="-285750">
-                <a:buFont typeface="Arial"/>
-                <a:buChar char="•"/>
-              </a:pPr>
-              <a:r>
-                <a:rPr lang="pt-BR" b="1" i="1" dirty="0">
-                  <a:cs typeface="Calibri"/>
-                </a:rPr>
-                <a:t>Efetuar pagamentos</a:t>
-              </a:r>
-            </a:p>
-            <a:p>
-              <a:endParaRPr lang="pt-BR" b="1" i="1" u="sng" dirty="0">
-                <a:cs typeface="Calibri"/>
-              </a:endParaRPr>
-            </a:p>
-          </p:txBody>
-        </p:sp>
-        <p:sp>
-          <p:nvSpPr>
-            <p:cNvPr id="31" name="Retângulo 30">
-              <a:extLst>
-                <a:ext uri="{FF2B5EF4-FFF2-40B4-BE49-F238E27FC236}">
-                  <a16:creationId xmlns:a16="http://schemas.microsoft.com/office/drawing/2014/main" id="{2C8A8C53-733F-44F9-98EE-F32AD20E2C47}"/>
-                </a:ext>
-              </a:extLst>
-            </p:cNvPr>
-            <p:cNvSpPr/>
-            <p:nvPr/>
-          </p:nvSpPr>
-          <p:spPr>
-            <a:xfrm>
-              <a:off x="2346385" y="3863197"/>
-              <a:ext cx="2711569" cy="1345720"/>
-            </a:xfrm>
-            <a:prstGeom prst="rect">
-              <a:avLst/>
-            </a:prstGeom>
-            <a:noFill/>
-            <a:ln>
-              <a:solidFill>
-                <a:schemeClr val="tx1"/>
-              </a:solidFill>
-            </a:ln>
-          </p:spPr>
-          <p:style>
-            <a:lnRef idx="2">
-              <a:schemeClr val="accent1">
-                <a:shade val="50000"/>
-              </a:schemeClr>
-            </a:lnRef>
-            <a:fillRef idx="1">
-              <a:schemeClr val="accent1"/>
-            </a:fillRef>
-            <a:effectRef idx="0">
-              <a:schemeClr val="accent1"/>
-            </a:effectRef>
-            <a:fontRef idx="minor">
-              <a:schemeClr val="lt1"/>
-            </a:fontRef>
-          </p:style>
-          <p:txBody>
-            <a:bodyPr rtlCol="0" anchor="ctr"/>
-            <a:lstStyle/>
-            <a:p>
-              <a:pPr algn="ctr"/>
-              <a:endParaRPr lang="pt-BR"/>
-            </a:p>
-          </p:txBody>
-        </p:sp>
-      </p:grpSp>
-      <p:grpSp>
-        <p:nvGrpSpPr>
-          <p:cNvPr id="41" name="Agrupar 40">
-            <a:extLst>
-              <a:ext uri="{FF2B5EF4-FFF2-40B4-BE49-F238E27FC236}">
-                <a16:creationId xmlns:a16="http://schemas.microsoft.com/office/drawing/2014/main" id="{CE589A6F-0BF7-4F13-8115-B627981BEA60}"/>
-              </a:ext>
-            </a:extLst>
-          </p:cNvPr>
-          <p:cNvGrpSpPr/>
-          <p:nvPr/>
-        </p:nvGrpSpPr>
-        <p:grpSpPr>
-          <a:xfrm>
-            <a:off x="6774611" y="4190281"/>
-            <a:ext cx="2819940" cy="2100874"/>
-            <a:chOff x="6774611" y="3618781"/>
-            <a:chExt cx="2819940" cy="2100874"/>
-          </a:xfrm>
-        </p:grpSpPr>
-        <p:sp>
-          <p:nvSpPr>
-            <p:cNvPr id="28" name="CaixaDeTexto 27">
-              <a:extLst>
-                <a:ext uri="{FF2B5EF4-FFF2-40B4-BE49-F238E27FC236}">
-                  <a16:creationId xmlns:a16="http://schemas.microsoft.com/office/drawing/2014/main" id="{06F24E56-56C0-48DE-B993-B1CF84033F10}"/>
-                </a:ext>
-              </a:extLst>
-            </p:cNvPr>
-            <p:cNvSpPr txBox="1"/>
-            <p:nvPr/>
-          </p:nvSpPr>
-          <p:spPr>
-            <a:xfrm>
-              <a:off x="6865728" y="3688330"/>
-              <a:ext cx="2728823" cy="2031325"/>
-            </a:xfrm>
-            <a:prstGeom prst="rect">
-              <a:avLst/>
-            </a:prstGeom>
-          </p:spPr>
-          <p:txBody>
-            <a:bodyPr rot="0" spcFirstLastPara="0" vertOverflow="overflow" horzOverflow="overflow" vert="horz" wrap="square" lIns="91440" tIns="45720" rIns="91440" bIns="45720" numCol="1" spcCol="0" rtlCol="0" fromWordArt="0" anchor="t" anchorCtr="0" forceAA="0" compatLnSpc="1">
-              <a:prstTxWarp prst="textNoShape">
-                <a:avLst/>
-              </a:prstTxWarp>
-              <a:spAutoFit/>
-            </a:bodyPr>
-            <a:lstStyle/>
-            <a:p>
-              <a:pPr marL="285750" indent="-285750">
-                <a:buFont typeface="Arial"/>
-                <a:buChar char="•"/>
-              </a:pPr>
-              <a:r>
-                <a:rPr lang="pt-BR" b="1" i="1" dirty="0">
-                  <a:cs typeface="Calibri"/>
-                </a:rPr>
-                <a:t>Verificar se pagamentos estão em dias</a:t>
-              </a:r>
-              <a:endParaRPr lang="pt-BR" dirty="0"/>
-            </a:p>
-            <a:p>
-              <a:pPr marL="285750" indent="-285750">
-                <a:buFont typeface="Arial"/>
-                <a:buChar char="•"/>
-              </a:pPr>
-              <a:r>
-                <a:rPr lang="pt-BR" b="1" i="1" dirty="0">
+                <a:rPr lang="pt-BR" b="1" i="1" dirty="0" smtClean="0">
                   <a:cs typeface="Calibri"/>
                 </a:rPr>
                 <a:t>Notificar eventualidades para aluno ou responsável</a:t>
@@ -14182,7 +12793,7 @@
             <p:cNvPr id="33" name="Retângulo 32">
               <a:extLst>
                 <a:ext uri="{FF2B5EF4-FFF2-40B4-BE49-F238E27FC236}">
-                  <a16:creationId xmlns:a16="http://schemas.microsoft.com/office/drawing/2014/main" id="{F00C5CCF-AC25-4099-8DD3-8B36FCAF56E7}"/>
+                  <a16:creationId xmlns:a16="http://schemas.microsoft.com/office/drawing/2014/main" xmlns="" id="{F00C5CCF-AC25-4099-8DD3-8B36FCAF56E7}"/>
                 </a:ext>
               </a:extLst>
             </p:cNvPr>
@@ -14235,7 +12846,7 @@
           <p:cNvPr id="51" name="Agrupar 50">
             <a:extLst>
               <a:ext uri="{FF2B5EF4-FFF2-40B4-BE49-F238E27FC236}">
-                <a16:creationId xmlns:a16="http://schemas.microsoft.com/office/drawing/2014/main" id="{283F123E-DE00-45B4-8DF4-7F224AED295D}"/>
+                <a16:creationId xmlns:a16="http://schemas.microsoft.com/office/drawing/2014/main" xmlns="" id="{283F123E-DE00-45B4-8DF4-7F224AED295D}"/>
               </a:ext>
             </a:extLst>
           </p:cNvPr>
@@ -14255,7 +12866,7 @@
             <p:cNvPr id="34" name="CaixaDeTexto 33">
               <a:extLst>
                 <a:ext uri="{FF2B5EF4-FFF2-40B4-BE49-F238E27FC236}">
-                  <a16:creationId xmlns:a16="http://schemas.microsoft.com/office/drawing/2014/main" id="{5D39F44F-4BB8-42ED-B09A-9657764491D5}"/>
+                  <a16:creationId xmlns:a16="http://schemas.microsoft.com/office/drawing/2014/main" xmlns="" id="{5D39F44F-4BB8-42ED-B09A-9657764491D5}"/>
                 </a:ext>
               </a:extLst>
             </p:cNvPr>
@@ -14297,7 +12908,7 @@
             <p:cNvPr id="35" name="Imagem 6" descr="Uma imagem contendo objeto&#10;&#10;Descrição gerada com muito alta confiança">
               <a:extLst>
                 <a:ext uri="{FF2B5EF4-FFF2-40B4-BE49-F238E27FC236}">
-                  <a16:creationId xmlns:a16="http://schemas.microsoft.com/office/drawing/2014/main" id="{E44324F1-C6C9-4A4B-9667-7D21BF66D74C}"/>
+                  <a16:creationId xmlns:a16="http://schemas.microsoft.com/office/drawing/2014/main" xmlns="" id="{E44324F1-C6C9-4A4B-9667-7D21BF66D74C}"/>
                 </a:ext>
               </a:extLst>
             </p:cNvPr>
@@ -14328,7 +12939,7 @@
           <p:cNvPr id="37" name="Conector de Seta Reta 36">
             <a:extLst>
               <a:ext uri="{FF2B5EF4-FFF2-40B4-BE49-F238E27FC236}">
-                <a16:creationId xmlns:a16="http://schemas.microsoft.com/office/drawing/2014/main" id="{99C24CD1-FABB-4DD9-A9FD-41AD181EE8C7}"/>
+                <a16:creationId xmlns:a16="http://schemas.microsoft.com/office/drawing/2014/main" xmlns="" id="{99C24CD1-FABB-4DD9-A9FD-41AD181EE8C7}"/>
               </a:ext>
             </a:extLst>
           </p:cNvPr>
@@ -14372,7 +12983,7 @@
           <p:cNvPr id="39" name="Agrupar 38">
             <a:extLst>
               <a:ext uri="{FF2B5EF4-FFF2-40B4-BE49-F238E27FC236}">
-                <a16:creationId xmlns:a16="http://schemas.microsoft.com/office/drawing/2014/main" id="{A3441A96-A4E4-4F25-BD39-743E94E79917}"/>
+                <a16:creationId xmlns:a16="http://schemas.microsoft.com/office/drawing/2014/main" xmlns="" id="{A3441A96-A4E4-4F25-BD39-743E94E79917}"/>
               </a:ext>
             </a:extLst>
           </p:cNvPr>
@@ -14392,7 +13003,7 @@
             <p:cNvPr id="38" name="Retângulo 37">
               <a:extLst>
                 <a:ext uri="{FF2B5EF4-FFF2-40B4-BE49-F238E27FC236}">
-                  <a16:creationId xmlns:a16="http://schemas.microsoft.com/office/drawing/2014/main" id="{ADEABFF6-5823-4443-A6BF-973E9448ED9B}"/>
+                  <a16:creationId xmlns:a16="http://schemas.microsoft.com/office/drawing/2014/main" xmlns="" id="{ADEABFF6-5823-4443-A6BF-973E9448ED9B}"/>
                 </a:ext>
               </a:extLst>
             </p:cNvPr>
@@ -14444,7 +13055,7 @@
             <p:cNvPr id="40" name="CaixaDeTexto 39">
               <a:extLst>
                 <a:ext uri="{FF2B5EF4-FFF2-40B4-BE49-F238E27FC236}">
-                  <a16:creationId xmlns:a16="http://schemas.microsoft.com/office/drawing/2014/main" id="{850C7818-A02E-4E81-8BD6-424EFA441C21}"/>
+                  <a16:creationId xmlns:a16="http://schemas.microsoft.com/office/drawing/2014/main" xmlns="" id="{850C7818-A02E-4E81-8BD6-424EFA441C21}"/>
                 </a:ext>
               </a:extLst>
             </p:cNvPr>
@@ -14491,7 +13102,7 @@
           <p:cNvPr id="60" name="Conector de Seta Reta 59">
             <a:extLst>
               <a:ext uri="{FF2B5EF4-FFF2-40B4-BE49-F238E27FC236}">
-                <a16:creationId xmlns:a16="http://schemas.microsoft.com/office/drawing/2014/main" id="{A0A811B6-4F10-4ACC-BAFD-38F039227B28}"/>
+                <a16:creationId xmlns:a16="http://schemas.microsoft.com/office/drawing/2014/main" xmlns="" id="{A0A811B6-4F10-4ACC-BAFD-38F039227B28}"/>
               </a:ext>
             </a:extLst>
           </p:cNvPr>
@@ -14535,7 +13146,7 @@
           <p:cNvPr id="61" name="Conector de Seta Reta 60">
             <a:extLst>
               <a:ext uri="{FF2B5EF4-FFF2-40B4-BE49-F238E27FC236}">
-                <a16:creationId xmlns:a16="http://schemas.microsoft.com/office/drawing/2014/main" id="{42ABDC8F-7BC1-4EBD-806F-E95C8F0FA29D}"/>
+                <a16:creationId xmlns:a16="http://schemas.microsoft.com/office/drawing/2014/main" xmlns="" id="{42ABDC8F-7BC1-4EBD-806F-E95C8F0FA29D}"/>
               </a:ext>
             </a:extLst>
           </p:cNvPr>
@@ -14609,7 +13220,7 @@
           <p:cNvPr id="4" name="Retângulo 3">
             <a:extLst>
               <a:ext uri="{FF2B5EF4-FFF2-40B4-BE49-F238E27FC236}">
-                <a16:creationId xmlns:a16="http://schemas.microsoft.com/office/drawing/2014/main" id="{88C6BF1B-8B81-4A42-B266-9DF3168EF8CB}"/>
+                <a16:creationId xmlns:a16="http://schemas.microsoft.com/office/drawing/2014/main" xmlns="" id="{88C6BF1B-8B81-4A42-B266-9DF3168EF8CB}"/>
               </a:ext>
             </a:extLst>
           </p:cNvPr>
@@ -14663,7 +13274,7 @@
           <p:cNvPr id="6" name="CaixaDeTexto 5">
             <a:extLst>
               <a:ext uri="{FF2B5EF4-FFF2-40B4-BE49-F238E27FC236}">
-                <a16:creationId xmlns:a16="http://schemas.microsoft.com/office/drawing/2014/main" id="{1270056D-C445-482D-9C8C-EC4698A09D63}"/>
+                <a16:creationId xmlns:a16="http://schemas.microsoft.com/office/drawing/2014/main" xmlns="" id="{1270056D-C445-482D-9C8C-EC4698A09D63}"/>
               </a:ext>
             </a:extLst>
           </p:cNvPr>
@@ -14693,7 +13304,13 @@
               <a:rPr lang="pt-BR" sz="3200" b="1" i="1" u="sng" dirty="0">
                 <a:cs typeface="Calibri"/>
               </a:rPr>
-              <a:t>Cenário : Tornar-se professor</a:t>
+              <a:t>Cenário : </a:t>
+            </a:r>
+            <a:r>
+              <a:rPr lang="pt-BR" sz="3200" b="1" i="1" u="sng" dirty="0" smtClean="0">
+                <a:cs typeface="Calibri"/>
+              </a:rPr>
+              <a:t>Tornar-se Colaborador</a:t>
             </a:r>
             <a:endParaRPr lang="pt-BR" dirty="0"/>
           </a:p>
@@ -14704,7 +13321,7 @@
           <p:cNvPr id="2" name="Retângulo 1">
             <a:extLst>
               <a:ext uri="{FF2B5EF4-FFF2-40B4-BE49-F238E27FC236}">
-                <a16:creationId xmlns:a16="http://schemas.microsoft.com/office/drawing/2014/main" id="{12043949-80F2-4BA4-ACCA-8E1E73200266}"/>
+                <a16:creationId xmlns:a16="http://schemas.microsoft.com/office/drawing/2014/main" xmlns="" id="{12043949-80F2-4BA4-ACCA-8E1E73200266}"/>
               </a:ext>
             </a:extLst>
           </p:cNvPr>
@@ -14753,7 +13370,7 @@
           <p:cNvPr id="9" name="Conector de Seta Reta 8">
             <a:extLst>
               <a:ext uri="{FF2B5EF4-FFF2-40B4-BE49-F238E27FC236}">
-                <a16:creationId xmlns:a16="http://schemas.microsoft.com/office/drawing/2014/main" id="{BA601A5E-E9FD-4E49-A21A-E1D9795909C3}"/>
+                <a16:creationId xmlns:a16="http://schemas.microsoft.com/office/drawing/2014/main" xmlns="" id="{BA601A5E-E9FD-4E49-A21A-E1D9795909C3}"/>
               </a:ext>
             </a:extLst>
           </p:cNvPr>
@@ -14795,7 +13412,7 @@
           <p:cNvPr id="5" name="Agrupar 4">
             <a:extLst>
               <a:ext uri="{FF2B5EF4-FFF2-40B4-BE49-F238E27FC236}">
-                <a16:creationId xmlns:a16="http://schemas.microsoft.com/office/drawing/2014/main" id="{E6673161-0C4F-48B5-8E89-7B48BFDA7916}"/>
+                <a16:creationId xmlns:a16="http://schemas.microsoft.com/office/drawing/2014/main" xmlns="" id="{E6673161-0C4F-48B5-8E89-7B48BFDA7916}"/>
               </a:ext>
             </a:extLst>
           </p:cNvPr>
@@ -14815,7 +13432,7 @@
             <p:cNvPr id="3" name="Imagem 6" descr="Uma imagem contendo objeto&#10;&#10;Descrição gerada com muito alta confiança">
               <a:extLst>
                 <a:ext uri="{FF2B5EF4-FFF2-40B4-BE49-F238E27FC236}">
-                  <a16:creationId xmlns:a16="http://schemas.microsoft.com/office/drawing/2014/main" id="{BBEA9159-6E91-4172-99DF-56517BBFE5AC}"/>
+                  <a16:creationId xmlns:a16="http://schemas.microsoft.com/office/drawing/2014/main" xmlns="" id="{BBEA9159-6E91-4172-99DF-56517BBFE5AC}"/>
                 </a:ext>
               </a:extLst>
             </p:cNvPr>
@@ -14845,7 +13462,7 @@
             <p:cNvPr id="11" name="CaixaDeTexto 10">
               <a:extLst>
                 <a:ext uri="{FF2B5EF4-FFF2-40B4-BE49-F238E27FC236}">
-                  <a16:creationId xmlns:a16="http://schemas.microsoft.com/office/drawing/2014/main" id="{2B365FA8-96A9-46EF-82C1-1F0ACEB6382C}"/>
+                  <a16:creationId xmlns:a16="http://schemas.microsoft.com/office/drawing/2014/main" xmlns="" id="{2B365FA8-96A9-46EF-82C1-1F0ACEB6382C}"/>
                 </a:ext>
               </a:extLst>
             </p:cNvPr>
@@ -14871,9 +13488,10 @@
             <a:lstStyle/>
             <a:p>
               <a:r>
-                <a:rPr lang="pt-BR" sz="2400" b="1" i="1" dirty="0"/>
-                <a:t>colaborador </a:t>
+                <a:rPr lang="pt-BR" sz="2400" b="1" i="1" dirty="0" smtClean="0"/>
+                <a:t>Voluntario</a:t>
               </a:r>
+              <a:endParaRPr lang="pt-BR" sz="2400" b="1" i="1" dirty="0"/>
             </a:p>
           </p:txBody>
         </p:sp>
@@ -14883,7 +13501,7 @@
           <p:cNvPr id="15" name="CaixaDeTexto 14">
             <a:extLst>
               <a:ext uri="{FF2B5EF4-FFF2-40B4-BE49-F238E27FC236}">
-                <a16:creationId xmlns:a16="http://schemas.microsoft.com/office/drawing/2014/main" id="{589ED39B-DB76-4792-9198-978C3E9B327E}"/>
+                <a16:creationId xmlns:a16="http://schemas.microsoft.com/office/drawing/2014/main" xmlns="" id="{589ED39B-DB76-4792-9198-978C3E9B327E}"/>
               </a:ext>
             </a:extLst>
           </p:cNvPr>
@@ -14923,7 +13541,7 @@
           <p:cNvPr id="17" name="Retângulo 16">
             <a:extLst>
               <a:ext uri="{FF2B5EF4-FFF2-40B4-BE49-F238E27FC236}">
-                <a16:creationId xmlns:a16="http://schemas.microsoft.com/office/drawing/2014/main" id="{AAE3C69C-201D-4C86-AAF7-B3DC70259B1F}"/>
+                <a16:creationId xmlns:a16="http://schemas.microsoft.com/office/drawing/2014/main" xmlns="" id="{AAE3C69C-201D-4C86-AAF7-B3DC70259B1F}"/>
               </a:ext>
             </a:extLst>
           </p:cNvPr>
@@ -14972,7 +13590,7 @@
           <p:cNvPr id="20" name="CaixaDeTexto 19">
             <a:extLst>
               <a:ext uri="{FF2B5EF4-FFF2-40B4-BE49-F238E27FC236}">
-                <a16:creationId xmlns:a16="http://schemas.microsoft.com/office/drawing/2014/main" id="{9EF114C1-C8CF-409C-847E-943F96FE0F0F}"/>
+                <a16:creationId xmlns:a16="http://schemas.microsoft.com/office/drawing/2014/main" xmlns="" id="{9EF114C1-C8CF-409C-847E-943F96FE0F0F}"/>
               </a:ext>
             </a:extLst>
           </p:cNvPr>
@@ -14981,8 +13599,8 @@
         </p:nvSpPr>
         <p:spPr>
           <a:xfrm>
-            <a:off x="4735183" y="2607334"/>
-            <a:ext cx="1650521" cy="461665"/>
+            <a:off x="4383361" y="2574728"/>
+            <a:ext cx="2234600" cy="461665"/>
           </a:xfrm>
           <a:prstGeom prst="rect">
             <a:avLst/>
@@ -14998,10 +13616,16 @@
           <a:lstStyle/>
           <a:p>
             <a:r>
+              <a:rPr lang="pt-BR" sz="2400" b="1" i="1" dirty="0" smtClean="0">
+                <a:cs typeface="Calibri"/>
+              </a:rPr>
+              <a:t>Administração</a:t>
+            </a:r>
+            <a:r>
               <a:rPr lang="pt-BR" sz="2400" b="1" i="1" dirty="0">
                 <a:cs typeface="Calibri"/>
               </a:rPr>
-              <a:t>Função </a:t>
+              <a:t> </a:t>
             </a:r>
           </a:p>
         </p:txBody>
@@ -15011,7 +13635,7 @@
           <p:cNvPr id="22" name="Conector de Seta Reta 21">
             <a:extLst>
               <a:ext uri="{FF2B5EF4-FFF2-40B4-BE49-F238E27FC236}">
-                <a16:creationId xmlns:a16="http://schemas.microsoft.com/office/drawing/2014/main" id="{6005A5E0-EFE8-4E81-9A9B-EC939F301038}"/>
+                <a16:creationId xmlns:a16="http://schemas.microsoft.com/office/drawing/2014/main" xmlns="" id="{6005A5E0-EFE8-4E81-9A9B-EC939F301038}"/>
               </a:ext>
             </a:extLst>
           </p:cNvPr>
@@ -15085,7 +13709,7 @@
           <p:cNvPr id="7" name="CaixaDeTexto 6">
             <a:extLst>
               <a:ext uri="{FF2B5EF4-FFF2-40B4-BE49-F238E27FC236}">
-                <a16:creationId xmlns:a16="http://schemas.microsoft.com/office/drawing/2014/main" id="{BF0B844E-C924-4EC3-B27F-D0C0220E391A}"/>
+                <a16:creationId xmlns:a16="http://schemas.microsoft.com/office/drawing/2014/main" xmlns="" id="{BF0B844E-C924-4EC3-B27F-D0C0220E391A}"/>
               </a:ext>
             </a:extLst>
           </p:cNvPr>
@@ -15124,7 +13748,7 @@
           <p:cNvPr id="22" name="Agrupar 21">
             <a:extLst>
               <a:ext uri="{FF2B5EF4-FFF2-40B4-BE49-F238E27FC236}">
-                <a16:creationId xmlns:a16="http://schemas.microsoft.com/office/drawing/2014/main" id="{6DCBA173-E66C-403F-8F53-8A3DF7EFD734}"/>
+                <a16:creationId xmlns:a16="http://schemas.microsoft.com/office/drawing/2014/main" xmlns="" id="{6DCBA173-E66C-403F-8F53-8A3DF7EFD734}"/>
               </a:ext>
             </a:extLst>
           </p:cNvPr>
@@ -15133,9 +13757,9 @@
         </p:nvGrpSpPr>
         <p:grpSpPr>
           <a:xfrm>
-            <a:off x="97769" y="143774"/>
+            <a:off x="105463" y="149386"/>
             <a:ext cx="11969686" cy="6570451"/>
-            <a:chOff x="97769" y="143774"/>
+            <a:chOff x="97769" y="62889"/>
             <a:chExt cx="11969686" cy="6570451"/>
           </a:xfrm>
         </p:grpSpPr>
@@ -15144,7 +13768,7 @@
             <p:cNvPr id="4" name="Retângulo 3">
               <a:extLst>
                 <a:ext uri="{FF2B5EF4-FFF2-40B4-BE49-F238E27FC236}">
-                  <a16:creationId xmlns:a16="http://schemas.microsoft.com/office/drawing/2014/main" id="{88C6BF1B-8B81-4A42-B266-9DF3168EF8CB}"/>
+                  <a16:creationId xmlns:a16="http://schemas.microsoft.com/office/drawing/2014/main" xmlns="" id="{88C6BF1B-8B81-4A42-B266-9DF3168EF8CB}"/>
                 </a:ext>
               </a:extLst>
             </p:cNvPr>
@@ -15153,7 +13777,7 @@
           </p:nvSpPr>
           <p:spPr>
             <a:xfrm>
-              <a:off x="97769" y="143774"/>
+              <a:off x="97769" y="62889"/>
               <a:ext cx="11904450" cy="6570451"/>
             </a:xfrm>
             <a:prstGeom prst="rect">
@@ -15198,7 +13822,7 @@
             <p:cNvPr id="2" name="CaixaDeTexto 1">
               <a:extLst>
                 <a:ext uri="{FF2B5EF4-FFF2-40B4-BE49-F238E27FC236}">
-                  <a16:creationId xmlns:a16="http://schemas.microsoft.com/office/drawing/2014/main" id="{80F5CD5A-1914-4EF1-BE32-34B089486C2F}"/>
+                  <a16:creationId xmlns:a16="http://schemas.microsoft.com/office/drawing/2014/main" xmlns="" id="{80F5CD5A-1914-4EF1-BE32-34B089486C2F}"/>
                 </a:ext>
               </a:extLst>
             </p:cNvPr>
@@ -15228,7 +13852,19 @@
                 <a:rPr lang="pt-BR" sz="3200" b="1" i="1" u="sng" dirty="0">
                   <a:cs typeface="Calibri"/>
                 </a:rPr>
-                <a:t>Cenário : Tornar-se professor </a:t>
+                <a:t>Cenário : Tornar-se </a:t>
+              </a:r>
+              <a:r>
+                <a:rPr lang="pt-BR" sz="3200" b="1" i="1" u="sng" dirty="0" smtClean="0">
+                  <a:cs typeface="Calibri"/>
+                </a:rPr>
+                <a:t>Colaborador</a:t>
+              </a:r>
+              <a:r>
+                <a:rPr lang="pt-BR" sz="3200" b="1" i="1" u="sng" dirty="0">
+                  <a:cs typeface="Calibri"/>
+                </a:rPr>
+                <a:t> </a:t>
               </a:r>
               <a:endParaRPr lang="pt-BR" dirty="0"/>
             </a:p>
@@ -15239,7 +13875,7 @@
             <p:cNvPr id="5" name="Conector de Seta Reta 4">
               <a:extLst>
                 <a:ext uri="{FF2B5EF4-FFF2-40B4-BE49-F238E27FC236}">
-                  <a16:creationId xmlns:a16="http://schemas.microsoft.com/office/drawing/2014/main" id="{85E6B2C7-D043-4C92-898F-4F2DEE8A2690}"/>
+                  <a16:creationId xmlns:a16="http://schemas.microsoft.com/office/drawing/2014/main" xmlns="" id="{85E6B2C7-D043-4C92-898F-4F2DEE8A2690}"/>
                 </a:ext>
               </a:extLst>
             </p:cNvPr>
@@ -15282,7 +13918,7 @@
             <p:cNvPr id="6" name="Conector de Seta Reta 5">
               <a:extLst>
                 <a:ext uri="{FF2B5EF4-FFF2-40B4-BE49-F238E27FC236}">
-                  <a16:creationId xmlns:a16="http://schemas.microsoft.com/office/drawing/2014/main" id="{9BACC1B6-2F2A-4248-B083-17CB87D6E5BE}"/>
+                  <a16:creationId xmlns:a16="http://schemas.microsoft.com/office/drawing/2014/main" xmlns="" id="{9BACC1B6-2F2A-4248-B083-17CB87D6E5BE}"/>
                 </a:ext>
               </a:extLst>
             </p:cNvPr>
@@ -15325,7 +13961,7 @@
             <p:cNvPr id="8" name="Retângulo 7">
               <a:extLst>
                 <a:ext uri="{FF2B5EF4-FFF2-40B4-BE49-F238E27FC236}">
-                  <a16:creationId xmlns:a16="http://schemas.microsoft.com/office/drawing/2014/main" id="{5941647A-72D6-4138-BD44-C48D31273AB1}"/>
+                  <a16:creationId xmlns:a16="http://schemas.microsoft.com/office/drawing/2014/main" xmlns="" id="{5941647A-72D6-4138-BD44-C48D31273AB1}"/>
                 </a:ext>
               </a:extLst>
             </p:cNvPr>
@@ -15334,8 +13970,8 @@
           </p:nvSpPr>
           <p:spPr>
             <a:xfrm>
-              <a:off x="7506059" y="1474757"/>
-              <a:ext cx="2041583" cy="1207696"/>
+              <a:off x="7348715" y="1474757"/>
+              <a:ext cx="2511365" cy="1029934"/>
             </a:xfrm>
             <a:prstGeom prst="rect">
               <a:avLst/>
@@ -15379,7 +14015,7 @@
             <p:cNvPr id="9" name="CaixaDeTexto 1">
               <a:extLst>
                 <a:ext uri="{FF2B5EF4-FFF2-40B4-BE49-F238E27FC236}">
-                  <a16:creationId xmlns:a16="http://schemas.microsoft.com/office/drawing/2014/main" id="{7994EBAF-0D7D-41FB-B228-383D0E67FB6C}"/>
+                  <a16:creationId xmlns:a16="http://schemas.microsoft.com/office/drawing/2014/main" xmlns="" id="{7994EBAF-0D7D-41FB-B228-383D0E67FB6C}"/>
                 </a:ext>
               </a:extLst>
             </p:cNvPr>
@@ -15388,8 +14024,8 @@
           </p:nvSpPr>
           <p:spPr>
             <a:xfrm>
-              <a:off x="7915274" y="1792367"/>
-              <a:ext cx="1664899" cy="523220"/>
+              <a:off x="7413951" y="1762310"/>
+              <a:ext cx="2446129" cy="523220"/>
             </a:xfrm>
             <a:prstGeom prst="rect">
               <a:avLst/>
@@ -15499,10 +14135,16 @@
             </a:lstStyle>
             <a:p>
               <a:r>
+                <a:rPr lang="pt-BR" sz="2800" b="1" i="1" dirty="0" smtClean="0">
+                  <a:cs typeface="Calibri"/>
+                </a:rPr>
+                <a:t>Administração</a:t>
+              </a:r>
+              <a:r>
                 <a:rPr lang="pt-BR" sz="2800" b="1" i="1" dirty="0">
                   <a:cs typeface="Calibri"/>
                 </a:rPr>
-                <a:t>Função </a:t>
+                <a:t> </a:t>
               </a:r>
             </a:p>
           </p:txBody>
@@ -15512,7 +14154,7 @@
             <p:cNvPr id="10" name="Agrupar 9">
               <a:extLst>
                 <a:ext uri="{FF2B5EF4-FFF2-40B4-BE49-F238E27FC236}">
-                  <a16:creationId xmlns:a16="http://schemas.microsoft.com/office/drawing/2014/main" id="{824586A1-E2A3-4B25-8F44-2AB0D73E8B07}"/>
+                  <a16:creationId xmlns:a16="http://schemas.microsoft.com/office/drawing/2014/main" xmlns="" id="{824586A1-E2A3-4B25-8F44-2AB0D73E8B07}"/>
                 </a:ext>
               </a:extLst>
             </p:cNvPr>
@@ -15532,7 +14174,7 @@
               <p:cNvPr id="13" name="Imagem 6" descr="Uma imagem contendo objeto&#10;&#10;Descrição gerada com muito alta confiança">
                 <a:extLst>
                   <a:ext uri="{FF2B5EF4-FFF2-40B4-BE49-F238E27FC236}">
-                    <a16:creationId xmlns:a16="http://schemas.microsoft.com/office/drawing/2014/main" id="{63824687-0B05-4413-8D3C-5E29C9702638}"/>
+                    <a16:creationId xmlns:a16="http://schemas.microsoft.com/office/drawing/2014/main" xmlns="" id="{63824687-0B05-4413-8D3C-5E29C9702638}"/>
                   </a:ext>
                 </a:extLst>
               </p:cNvPr>
@@ -15562,7 +14204,7 @@
               <p:cNvPr id="16" name="CaixaDeTexto 15">
                 <a:extLst>
                   <a:ext uri="{FF2B5EF4-FFF2-40B4-BE49-F238E27FC236}">
-                    <a16:creationId xmlns:a16="http://schemas.microsoft.com/office/drawing/2014/main" id="{FDA29973-2090-478C-8CFB-2DD1F5F78F5A}"/>
+                    <a16:creationId xmlns:a16="http://schemas.microsoft.com/office/drawing/2014/main" xmlns="" id="{FDA29973-2090-478C-8CFB-2DD1F5F78F5A}"/>
                   </a:ext>
                 </a:extLst>
               </p:cNvPr>
@@ -15588,10 +14230,16 @@
               <a:lstStyle/>
               <a:p>
                 <a:r>
+                  <a:rPr lang="pt-BR" sz="2400" b="1" i="1" dirty="0" smtClean="0">
+                    <a:cs typeface="Calibri"/>
+                  </a:rPr>
+                  <a:t>Voluntario</a:t>
+                </a:r>
+                <a:r>
                   <a:rPr lang="pt-BR" sz="2400" b="1" i="1" dirty="0">
                     <a:cs typeface="Calibri"/>
                   </a:rPr>
-                  <a:t>Colaborador </a:t>
+                  <a:t> </a:t>
                 </a:r>
                 <a:endParaRPr lang="pt-BR" sz="2400" b="1" i="1" dirty="0"/>
               </a:p>
@@ -15603,7 +14251,7 @@
             <p:cNvPr id="19" name="Conector de Seta Reta 18">
               <a:extLst>
                 <a:ext uri="{FF2B5EF4-FFF2-40B4-BE49-F238E27FC236}">
-                  <a16:creationId xmlns:a16="http://schemas.microsoft.com/office/drawing/2014/main" id="{7053101E-BA41-4AFA-90EB-5F30E05D5C2A}"/>
+                  <a16:creationId xmlns:a16="http://schemas.microsoft.com/office/drawing/2014/main" xmlns="" id="{7053101E-BA41-4AFA-90EB-5F30E05D5C2A}"/>
                 </a:ext>
               </a:extLst>
             </p:cNvPr>
@@ -15645,7 +14293,7 @@
             <p:cNvPr id="20" name="Conector de Seta Reta 19">
               <a:extLst>
                 <a:ext uri="{FF2B5EF4-FFF2-40B4-BE49-F238E27FC236}">
-                  <a16:creationId xmlns:a16="http://schemas.microsoft.com/office/drawing/2014/main" id="{972CCC72-617F-4D78-B3FE-1B11C03D20E1}"/>
+                  <a16:creationId xmlns:a16="http://schemas.microsoft.com/office/drawing/2014/main" xmlns="" id="{972CCC72-617F-4D78-B3FE-1B11C03D20E1}"/>
                 </a:ext>
               </a:extLst>
             </p:cNvPr>
@@ -15689,7 +14337,7 @@
             <p:cNvPr id="23" name="Conector de Seta Reta 22">
               <a:extLst>
                 <a:ext uri="{FF2B5EF4-FFF2-40B4-BE49-F238E27FC236}">
-                  <a16:creationId xmlns:a16="http://schemas.microsoft.com/office/drawing/2014/main" id="{6F2A4F03-C5E4-40D7-AA81-EDDBC7B02437}"/>
+                  <a16:creationId xmlns:a16="http://schemas.microsoft.com/office/drawing/2014/main" xmlns="" id="{6F2A4F03-C5E4-40D7-AA81-EDDBC7B02437}"/>
                 </a:ext>
               </a:extLst>
             </p:cNvPr>
@@ -15728,56 +14376,12 @@
             </a:fontRef>
           </p:style>
         </p:cxnSp>
-        <p:cxnSp>
-          <p:nvCxnSpPr>
-            <p:cNvPr id="24" name="Conector de Seta Reta 23">
-              <a:extLst>
-                <a:ext uri="{FF2B5EF4-FFF2-40B4-BE49-F238E27FC236}">
-                  <a16:creationId xmlns:a16="http://schemas.microsoft.com/office/drawing/2014/main" id="{906C5ED3-A468-446B-91A1-50EACFAF704A}"/>
-                </a:ext>
-              </a:extLst>
-            </p:cNvPr>
-            <p:cNvCxnSpPr>
-              <a:cxnSpLocks/>
-            </p:cNvCxnSpPr>
-            <p:nvPr/>
-          </p:nvCxnSpPr>
-          <p:spPr>
-            <a:xfrm flipH="1">
-              <a:off x="3188898" y="3129951"/>
-              <a:ext cx="250165" cy="626852"/>
-            </a:xfrm>
-            <a:prstGeom prst="straightConnector1">
-              <a:avLst/>
-            </a:prstGeom>
-            <a:ln>
-              <a:solidFill>
-                <a:schemeClr val="tx1"/>
-              </a:solidFill>
-              <a:tailEnd type="triangle"/>
-            </a:ln>
-          </p:spPr>
-          <p:style>
-            <a:lnRef idx="1">
-              <a:schemeClr val="accent1"/>
-            </a:lnRef>
-            <a:fillRef idx="0">
-              <a:schemeClr val="accent1"/>
-            </a:fillRef>
-            <a:effectRef idx="0">
-              <a:schemeClr val="accent1"/>
-            </a:effectRef>
-            <a:fontRef idx="minor">
-              <a:schemeClr val="tx1"/>
-            </a:fontRef>
-          </p:style>
-        </p:cxnSp>
         <p:sp>
           <p:nvSpPr>
             <p:cNvPr id="3" name="CaixaDeTexto 2">
               <a:extLst>
                 <a:ext uri="{FF2B5EF4-FFF2-40B4-BE49-F238E27FC236}">
-                  <a16:creationId xmlns:a16="http://schemas.microsoft.com/office/drawing/2014/main" id="{7FCA1908-EC09-46BB-B633-12D671CD2244}"/>
+                  <a16:creationId xmlns:a16="http://schemas.microsoft.com/office/drawing/2014/main" xmlns="" id="{7FCA1908-EC09-46BB-B633-12D671CD2244}"/>
                 </a:ext>
               </a:extLst>
             </p:cNvPr>
@@ -15815,10 +14419,10 @@
         </p:sp>
         <p:grpSp>
           <p:nvGrpSpPr>
-            <p:cNvPr id="11" name="Agrupar 10">
+            <p:cNvPr id="14" name="Agrupar 13">
               <a:extLst>
                 <a:ext uri="{FF2B5EF4-FFF2-40B4-BE49-F238E27FC236}">
-                  <a16:creationId xmlns:a16="http://schemas.microsoft.com/office/drawing/2014/main" id="{3203C5F3-8D03-4FC9-88D2-41B3ED0C877D}"/>
+                  <a16:creationId xmlns:a16="http://schemas.microsoft.com/office/drawing/2014/main" xmlns="" id="{52E15621-7F03-4345-B836-9C7FBBF4EDE5}"/>
                 </a:ext>
               </a:extLst>
             </p:cNvPr>
@@ -15827,18 +14431,18 @@
           </p:nvGrpSpPr>
           <p:grpSpPr>
             <a:xfrm>
-              <a:off x="2317630" y="4035725"/>
-              <a:ext cx="2590801" cy="1273834"/>
-              <a:chOff x="2317630" y="4035725"/>
-              <a:chExt cx="2590801" cy="1273834"/>
+              <a:off x="7205932" y="3820064"/>
+              <a:ext cx="2795494" cy="2133248"/>
+              <a:chOff x="7205932" y="3820064"/>
+              <a:chExt cx="2795494" cy="2249466"/>
             </a:xfrm>
           </p:grpSpPr>
           <p:sp>
             <p:nvSpPr>
-              <p:cNvPr id="25" name="CaixaDeTexto 24">
+              <p:cNvPr id="28" name="CaixaDeTexto 27">
                 <a:extLst>
                   <a:ext uri="{FF2B5EF4-FFF2-40B4-BE49-F238E27FC236}">
-                    <a16:creationId xmlns:a16="http://schemas.microsoft.com/office/drawing/2014/main" id="{E53E8429-486C-49E3-A88D-600F0719554F}"/>
+                    <a16:creationId xmlns:a16="http://schemas.microsoft.com/office/drawing/2014/main" xmlns="" id="{06F24E56-56C0-48DE-B993-B1CF84033F10}"/>
                   </a:ext>
                 </a:extLst>
               </p:cNvPr>
@@ -15847,8 +14451,8 @@
             </p:nvSpPr>
             <p:spPr>
               <a:xfrm>
-                <a:off x="2323381" y="4247729"/>
-                <a:ext cx="2585050" cy="923330"/>
+                <a:off x="7272603" y="3927540"/>
+                <a:ext cx="2728823" cy="2141990"/>
               </a:xfrm>
               <a:prstGeom prst="rect">
                 <a:avLst/>
@@ -15868,10 +14472,10 @@
                   <a:buChar char="•"/>
                 </a:pPr>
                 <a:r>
-                  <a:rPr lang="pt-BR" b="1" i="1" dirty="0">
+                  <a:rPr lang="pt-BR" b="1" i="1" dirty="0" smtClean="0">
                     <a:cs typeface="Calibri"/>
                   </a:rPr>
-                  <a:t>Cumprir regras </a:t>
+                  <a:t>Tornar voluntario em um colaborador</a:t>
                 </a:r>
               </a:p>
               <a:p>
@@ -15880,126 +14484,10 @@
                   <a:buChar char="•"/>
                 </a:pPr>
                 <a:r>
-                  <a:rPr lang="pt-BR" b="1" i="1" dirty="0">
+                  <a:rPr lang="pt-BR" b="1" i="1" dirty="0" smtClean="0">
                     <a:cs typeface="Calibri"/>
                   </a:rPr>
-                  <a:t>Executar atividades para função </a:t>
-                </a:r>
-              </a:p>
-            </p:txBody>
-          </p:sp>
-          <p:sp>
-            <p:nvSpPr>
-              <p:cNvPr id="12" name="Retângulo 11">
-                <a:extLst>
-                  <a:ext uri="{FF2B5EF4-FFF2-40B4-BE49-F238E27FC236}">
-                    <a16:creationId xmlns:a16="http://schemas.microsoft.com/office/drawing/2014/main" id="{E9117F55-F054-4FBD-92C8-EA6D071EE605}"/>
-                  </a:ext>
-                </a:extLst>
-              </p:cNvPr>
-              <p:cNvSpPr/>
-              <p:nvPr/>
-            </p:nvSpPr>
-            <p:spPr>
-              <a:xfrm>
-                <a:off x="2317630" y="4035725"/>
-                <a:ext cx="2424022" cy="1273834"/>
-              </a:xfrm>
-              <a:prstGeom prst="rect">
-                <a:avLst/>
-              </a:prstGeom>
-              <a:noFill/>
-              <a:ln>
-                <a:solidFill>
-                  <a:schemeClr val="tx1"/>
-                </a:solidFill>
-              </a:ln>
-            </p:spPr>
-            <p:style>
-              <a:lnRef idx="2">
-                <a:schemeClr val="accent1">
-                  <a:shade val="50000"/>
-                </a:schemeClr>
-              </a:lnRef>
-              <a:fillRef idx="1">
-                <a:schemeClr val="accent1"/>
-              </a:fillRef>
-              <a:effectRef idx="0">
-                <a:schemeClr val="accent1"/>
-              </a:effectRef>
-              <a:fontRef idx="minor">
-                <a:schemeClr val="lt1"/>
-              </a:fontRef>
-            </p:style>
-            <p:txBody>
-              <a:bodyPr rtlCol="0" anchor="ctr"/>
-              <a:lstStyle/>
-              <a:p>
-                <a:pPr algn="ctr"/>
-                <a:endParaRPr lang="pt-BR" u="sng" dirty="0"/>
-              </a:p>
-            </p:txBody>
-          </p:sp>
-        </p:grpSp>
-        <p:grpSp>
-          <p:nvGrpSpPr>
-            <p:cNvPr id="14" name="Agrupar 13">
-              <a:extLst>
-                <a:ext uri="{FF2B5EF4-FFF2-40B4-BE49-F238E27FC236}">
-                  <a16:creationId xmlns:a16="http://schemas.microsoft.com/office/drawing/2014/main" id="{52E15621-7F03-4345-B836-9C7FBBF4EDE5}"/>
-                </a:ext>
-              </a:extLst>
-            </p:cNvPr>
-            <p:cNvGrpSpPr/>
-            <p:nvPr/>
-          </p:nvGrpSpPr>
-          <p:grpSpPr>
-            <a:xfrm>
-              <a:off x="7205932" y="3820065"/>
-              <a:ext cx="2795496" cy="1671596"/>
-              <a:chOff x="7205932" y="3820064"/>
-              <a:chExt cx="2795496" cy="1762663"/>
-            </a:xfrm>
-          </p:grpSpPr>
-          <p:sp>
-            <p:nvSpPr>
-              <p:cNvPr id="28" name="CaixaDeTexto 27">
-                <a:extLst>
-                  <a:ext uri="{FF2B5EF4-FFF2-40B4-BE49-F238E27FC236}">
-                    <a16:creationId xmlns:a16="http://schemas.microsoft.com/office/drawing/2014/main" id="{06F24E56-56C0-48DE-B993-B1CF84033F10}"/>
-                  </a:ext>
-                </a:extLst>
-              </p:cNvPr>
-              <p:cNvSpPr txBox="1"/>
-              <p:nvPr/>
-            </p:nvSpPr>
-            <p:spPr>
-              <a:xfrm>
-                <a:off x="7272605" y="4109230"/>
-                <a:ext cx="2728823" cy="1265722"/>
-              </a:xfrm>
-              <a:prstGeom prst="rect">
-                <a:avLst/>
-              </a:prstGeom>
-            </p:spPr>
-            <p:txBody>
-              <a:bodyPr rot="0" spcFirstLastPara="0" vertOverflow="overflow" horzOverflow="overflow" vert="horz" wrap="square" lIns="91440" tIns="45720" rIns="91440" bIns="45720" numCol="1" spcCol="0" rtlCol="0" fromWordArt="0" anchor="t" anchorCtr="0" forceAA="0" compatLnSpc="1">
-                <a:prstTxWarp prst="textNoShape">
-                  <a:avLst/>
-                </a:prstTxWarp>
-                <a:spAutoFit/>
-              </a:bodyPr>
-              <a:lstStyle/>
-              <a:p>
-                <a:pPr marL="285750" indent="-285750">
-                  <a:buFont typeface="Arial"/>
-                  <a:buChar char="•"/>
-                </a:pPr>
-                <a:r>
-                  <a:rPr lang="pt-BR" b="1" i="1" dirty="0">
-                    <a:cs typeface="Calibri"/>
-                  </a:rPr>
-                  <a:t>Determinar atividades da função exercida</a:t>
+                  <a:t>Cadastrar colaborador com atividade solicitada</a:t>
                 </a:r>
                 <a:endParaRPr lang="pt-BR" dirty="0">
                   <a:cs typeface="Calibri"/>
@@ -16011,10 +14499,22 @@
                   <a:buChar char="•"/>
                 </a:pPr>
                 <a:r>
+                  <a:rPr lang="pt-BR" b="1" i="1" dirty="0" smtClean="0">
+                    <a:cs typeface="Calibri"/>
+                  </a:rPr>
+                  <a:t>Passar </a:t>
+                </a:r>
+                <a:r>
+                  <a:rPr lang="pt-BR" b="1" i="1" dirty="0" smtClean="0">
+                    <a:cs typeface="Calibri"/>
+                  </a:rPr>
+                  <a:t>regras da </a:t>
+                </a:r>
+                <a:r>
                   <a:rPr lang="pt-BR" b="1" i="1" dirty="0">
                     <a:cs typeface="Calibri"/>
                   </a:rPr>
-                  <a:t>Criar regras para função </a:t>
+                  <a:t>função </a:t>
                 </a:r>
                 <a:endParaRPr lang="pt-BR" b="1" i="1" u="sng" dirty="0">
                   <a:cs typeface="Calibri"/>
@@ -16027,7 +14527,7 @@
               <p:cNvPr id="33" name="Retângulo 32">
                 <a:extLst>
                   <a:ext uri="{FF2B5EF4-FFF2-40B4-BE49-F238E27FC236}">
-                    <a16:creationId xmlns:a16="http://schemas.microsoft.com/office/drawing/2014/main" id="{F00C5CCF-AC25-4099-8DD3-8B36FCAF56E7}"/>
+                    <a16:creationId xmlns:a16="http://schemas.microsoft.com/office/drawing/2014/main" xmlns="" id="{F00C5CCF-AC25-4099-8DD3-8B36FCAF56E7}"/>
                   </a:ext>
                 </a:extLst>
               </p:cNvPr>
@@ -16037,7 +14537,7 @@
             <p:spPr>
               <a:xfrm>
                 <a:off x="7205932" y="3820064"/>
-                <a:ext cx="2769078" cy="1762663"/>
+                <a:ext cx="2769078" cy="2249466"/>
               </a:xfrm>
               <a:prstGeom prst="rect">
                 <a:avLst/>

--- a/cenario_de_negocio.pptx
+++ b/cenario_de_negocio.pptx
@@ -256,7 +256,7 @@
           <a:p>
             <a:fld id="{F0E51C7C-CEA3-4CAA-BE4B-344879E7C377}" type="datetimeFigureOut">
               <a:rPr lang="de-DE" smtClean="0"/>
-              <a:t>08.04.2019</a:t>
+              <a:t>03.04.2019</a:t>
             </a:fld>
             <a:endParaRPr lang="de-DE"/>
           </a:p>
@@ -426,7 +426,7 @@
           <a:p>
             <a:fld id="{F0E51C7C-CEA3-4CAA-BE4B-344879E7C377}" type="datetimeFigureOut">
               <a:rPr lang="de-DE" smtClean="0"/>
-              <a:t>08.04.2019</a:t>
+              <a:t>03.04.2019</a:t>
             </a:fld>
             <a:endParaRPr lang="de-DE"/>
           </a:p>
@@ -606,7 +606,7 @@
           <a:p>
             <a:fld id="{F0E51C7C-CEA3-4CAA-BE4B-344879E7C377}" type="datetimeFigureOut">
               <a:rPr lang="de-DE" smtClean="0"/>
-              <a:t>08.04.2019</a:t>
+              <a:t>03.04.2019</a:t>
             </a:fld>
             <a:endParaRPr lang="de-DE"/>
           </a:p>
@@ -776,7 +776,7 @@
           <a:p>
             <a:fld id="{F0E51C7C-CEA3-4CAA-BE4B-344879E7C377}" type="datetimeFigureOut">
               <a:rPr lang="de-DE" smtClean="0"/>
-              <a:t>08.04.2019</a:t>
+              <a:t>03.04.2019</a:t>
             </a:fld>
             <a:endParaRPr lang="de-DE"/>
           </a:p>
@@ -1022,7 +1022,7 @@
           <a:p>
             <a:fld id="{F0E51C7C-CEA3-4CAA-BE4B-344879E7C377}" type="datetimeFigureOut">
               <a:rPr lang="de-DE" smtClean="0"/>
-              <a:t>08.04.2019</a:t>
+              <a:t>03.04.2019</a:t>
             </a:fld>
             <a:endParaRPr lang="de-DE"/>
           </a:p>
@@ -1254,7 +1254,7 @@
           <a:p>
             <a:fld id="{F0E51C7C-CEA3-4CAA-BE4B-344879E7C377}" type="datetimeFigureOut">
               <a:rPr lang="de-DE" smtClean="0"/>
-              <a:t>08.04.2019</a:t>
+              <a:t>03.04.2019</a:t>
             </a:fld>
             <a:endParaRPr lang="de-DE"/>
           </a:p>
@@ -1621,7 +1621,7 @@
           <a:p>
             <a:fld id="{F0E51C7C-CEA3-4CAA-BE4B-344879E7C377}" type="datetimeFigureOut">
               <a:rPr lang="de-DE" smtClean="0"/>
-              <a:t>08.04.2019</a:t>
+              <a:t>03.04.2019</a:t>
             </a:fld>
             <a:endParaRPr lang="de-DE"/>
           </a:p>
@@ -1739,7 +1739,7 @@
           <a:p>
             <a:fld id="{F0E51C7C-CEA3-4CAA-BE4B-344879E7C377}" type="datetimeFigureOut">
               <a:rPr lang="de-DE" smtClean="0"/>
-              <a:t>08.04.2019</a:t>
+              <a:t>03.04.2019</a:t>
             </a:fld>
             <a:endParaRPr lang="de-DE"/>
           </a:p>
@@ -1834,7 +1834,7 @@
           <a:p>
             <a:fld id="{F0E51C7C-CEA3-4CAA-BE4B-344879E7C377}" type="datetimeFigureOut">
               <a:rPr lang="de-DE" smtClean="0"/>
-              <a:t>08.04.2019</a:t>
+              <a:t>03.04.2019</a:t>
             </a:fld>
             <a:endParaRPr lang="de-DE"/>
           </a:p>
@@ -2111,7 +2111,7 @@
           <a:p>
             <a:fld id="{F0E51C7C-CEA3-4CAA-BE4B-344879E7C377}" type="datetimeFigureOut">
               <a:rPr lang="de-DE" smtClean="0"/>
-              <a:t>08.04.2019</a:t>
+              <a:t>03.04.2019</a:t>
             </a:fld>
             <a:endParaRPr lang="de-DE"/>
           </a:p>
@@ -2364,7 +2364,7 @@
           <a:p>
             <a:fld id="{F0E51C7C-CEA3-4CAA-BE4B-344879E7C377}" type="datetimeFigureOut">
               <a:rPr lang="de-DE" smtClean="0"/>
-              <a:t>08.04.2019</a:t>
+              <a:t>03.04.2019</a:t>
             </a:fld>
             <a:endParaRPr lang="de-DE"/>
           </a:p>
@@ -2577,7 +2577,7 @@
           <a:p>
             <a:fld id="{F0E51C7C-CEA3-4CAA-BE4B-344879E7C377}" type="datetimeFigureOut">
               <a:rPr lang="de-DE" smtClean="0"/>
-              <a:t>08.04.2019</a:t>
+              <a:t>03.04.2019</a:t>
             </a:fld>
             <a:endParaRPr lang="de-DE"/>
           </a:p>
@@ -2987,7 +2987,7 @@
           <p:cNvPr id="4" name="Retângulo 3">
             <a:extLst>
               <a:ext uri="{FF2B5EF4-FFF2-40B4-BE49-F238E27FC236}">
-                <a16:creationId xmlns:a16="http://schemas.microsoft.com/office/drawing/2014/main" xmlns="" id="{88C6BF1B-8B81-4A42-B266-9DF3168EF8CB}"/>
+                <a16:creationId xmlns:a16="http://schemas.microsoft.com/office/drawing/2014/main" id="{88C6BF1B-8B81-4A42-B266-9DF3168EF8CB}"/>
               </a:ext>
             </a:extLst>
           </p:cNvPr>
@@ -3049,7 +3049,7 @@
           <p:cNvPr id="6" name="CaixaDeTexto 5">
             <a:extLst>
               <a:ext uri="{FF2B5EF4-FFF2-40B4-BE49-F238E27FC236}">
-                <a16:creationId xmlns:a16="http://schemas.microsoft.com/office/drawing/2014/main" xmlns="" id="{1270056D-C445-482D-9C8C-EC4698A09D63}"/>
+                <a16:creationId xmlns:a16="http://schemas.microsoft.com/office/drawing/2014/main" id="{1270056D-C445-482D-9C8C-EC4698A09D63}"/>
               </a:ext>
             </a:extLst>
           </p:cNvPr>
@@ -3090,7 +3090,7 @@
           <p:cNvPr id="5" name="Retângulo 4">
             <a:extLst>
               <a:ext uri="{FF2B5EF4-FFF2-40B4-BE49-F238E27FC236}">
-                <a16:creationId xmlns:a16="http://schemas.microsoft.com/office/drawing/2014/main" xmlns="" id="{BBA1E2F4-BBFF-4EB2-B8C3-D9ECB7B26A24}"/>
+                <a16:creationId xmlns:a16="http://schemas.microsoft.com/office/drawing/2014/main" id="{BBA1E2F4-BBFF-4EB2-B8C3-D9ECB7B26A24}"/>
               </a:ext>
             </a:extLst>
           </p:cNvPr>
@@ -3139,7 +3139,7 @@
           <p:cNvPr id="3" name="Imagem 6" descr="Uma imagem contendo objeto&#10;&#10;Descrição gerada com muito alta confiança">
             <a:extLst>
               <a:ext uri="{FF2B5EF4-FFF2-40B4-BE49-F238E27FC236}">
-                <a16:creationId xmlns:a16="http://schemas.microsoft.com/office/drawing/2014/main" xmlns="" id="{92E329D9-4E40-4305-B89E-0B0FAF525C3C}"/>
+                <a16:creationId xmlns:a16="http://schemas.microsoft.com/office/drawing/2014/main" id="{92E329D9-4E40-4305-B89E-0B0FAF525C3C}"/>
               </a:ext>
             </a:extLst>
           </p:cNvPr>
@@ -3169,7 +3169,7 @@
           <p:cNvPr id="8" name="Conector de Seta Reta 7">
             <a:extLst>
               <a:ext uri="{FF2B5EF4-FFF2-40B4-BE49-F238E27FC236}">
-                <a16:creationId xmlns:a16="http://schemas.microsoft.com/office/drawing/2014/main" xmlns="" id="{FDC2BAF2-F507-44C8-BC1B-784D4C14FB57}"/>
+                <a16:creationId xmlns:a16="http://schemas.microsoft.com/office/drawing/2014/main" id="{FDC2BAF2-F507-44C8-BC1B-784D4C14FB57}"/>
               </a:ext>
             </a:extLst>
           </p:cNvPr>
@@ -3211,7 +3211,7 @@
           <p:cNvPr id="11" name="Imagem 6" descr="Uma imagem contendo objeto&#10;&#10;Descrição gerada com muito alta confiança">
             <a:extLst>
               <a:ext uri="{FF2B5EF4-FFF2-40B4-BE49-F238E27FC236}">
-                <a16:creationId xmlns:a16="http://schemas.microsoft.com/office/drawing/2014/main" xmlns="" id="{014B8D47-4BA0-4DA7-9AA1-4ED584384696}"/>
+                <a16:creationId xmlns:a16="http://schemas.microsoft.com/office/drawing/2014/main" id="{014B8D47-4BA0-4DA7-9AA1-4ED584384696}"/>
               </a:ext>
             </a:extLst>
           </p:cNvPr>
@@ -3241,7 +3241,7 @@
           <p:cNvPr id="12" name="Conector de Seta Reta 11">
             <a:extLst>
               <a:ext uri="{FF2B5EF4-FFF2-40B4-BE49-F238E27FC236}">
-                <a16:creationId xmlns:a16="http://schemas.microsoft.com/office/drawing/2014/main" xmlns="" id="{D6BF6348-7521-4FCC-8C02-2373BA40D8BE}"/>
+                <a16:creationId xmlns:a16="http://schemas.microsoft.com/office/drawing/2014/main" id="{D6BF6348-7521-4FCC-8C02-2373BA40D8BE}"/>
               </a:ext>
             </a:extLst>
           </p:cNvPr>
@@ -3285,7 +3285,7 @@
           <p:cNvPr id="13" name="Imagem 6" descr="Uma imagem contendo objeto&#10;&#10;Descrição gerada com muito alta confiança">
             <a:extLst>
               <a:ext uri="{FF2B5EF4-FFF2-40B4-BE49-F238E27FC236}">
-                <a16:creationId xmlns:a16="http://schemas.microsoft.com/office/drawing/2014/main" xmlns="" id="{C2683C72-D2AC-4582-9167-11414D7556C0}"/>
+                <a16:creationId xmlns:a16="http://schemas.microsoft.com/office/drawing/2014/main" id="{C2683C72-D2AC-4582-9167-11414D7556C0}"/>
               </a:ext>
             </a:extLst>
           </p:cNvPr>
@@ -3315,7 +3315,7 @@
           <p:cNvPr id="14" name="Imagem 6" descr="Uma imagem contendo objeto&#10;&#10;Descrição gerada com muito alta confiança">
             <a:extLst>
               <a:ext uri="{FF2B5EF4-FFF2-40B4-BE49-F238E27FC236}">
-                <a16:creationId xmlns:a16="http://schemas.microsoft.com/office/drawing/2014/main" xmlns="" id="{7BD7278E-63C9-4A7B-A177-39455309996E}"/>
+                <a16:creationId xmlns:a16="http://schemas.microsoft.com/office/drawing/2014/main" id="{7BD7278E-63C9-4A7B-A177-39455309996E}"/>
               </a:ext>
             </a:extLst>
           </p:cNvPr>
@@ -3345,7 +3345,7 @@
           <p:cNvPr id="17" name="Conector de Seta Reta 16">
             <a:extLst>
               <a:ext uri="{FF2B5EF4-FFF2-40B4-BE49-F238E27FC236}">
-                <a16:creationId xmlns:a16="http://schemas.microsoft.com/office/drawing/2014/main" xmlns="" id="{44979CC5-335D-4E0A-9F5D-53DF157520B5}"/>
+                <a16:creationId xmlns:a16="http://schemas.microsoft.com/office/drawing/2014/main" id="{44979CC5-335D-4E0A-9F5D-53DF157520B5}"/>
               </a:ext>
             </a:extLst>
           </p:cNvPr>
@@ -3389,7 +3389,7 @@
           <p:cNvPr id="18" name="Conector de Seta Reta 17">
             <a:extLst>
               <a:ext uri="{FF2B5EF4-FFF2-40B4-BE49-F238E27FC236}">
-                <a16:creationId xmlns:a16="http://schemas.microsoft.com/office/drawing/2014/main" xmlns="" id="{CBEB5DF7-DD78-458C-BEF2-5EE6B2EDCE1E}"/>
+                <a16:creationId xmlns:a16="http://schemas.microsoft.com/office/drawing/2014/main" id="{CBEB5DF7-DD78-458C-BEF2-5EE6B2EDCE1E}"/>
               </a:ext>
             </a:extLst>
           </p:cNvPr>
@@ -3433,7 +3433,7 @@
           <p:cNvPr id="19" name="CaixaDeTexto 18">
             <a:extLst>
               <a:ext uri="{FF2B5EF4-FFF2-40B4-BE49-F238E27FC236}">
-                <a16:creationId xmlns:a16="http://schemas.microsoft.com/office/drawing/2014/main" xmlns="" id="{AAD7B907-6CE7-47A0-995C-3DFC3EE8E0B4}"/>
+                <a16:creationId xmlns:a16="http://schemas.microsoft.com/office/drawing/2014/main" id="{AAD7B907-6CE7-47A0-995C-3DFC3EE8E0B4}"/>
               </a:ext>
             </a:extLst>
           </p:cNvPr>
@@ -3473,7 +3473,7 @@
           <p:cNvPr id="7" name="Agrupar 6">
             <a:extLst>
               <a:ext uri="{FF2B5EF4-FFF2-40B4-BE49-F238E27FC236}">
-                <a16:creationId xmlns:a16="http://schemas.microsoft.com/office/drawing/2014/main" xmlns="" id="{C4DEB443-9069-4E32-8358-8CB0FDAF9992}"/>
+                <a16:creationId xmlns:a16="http://schemas.microsoft.com/office/drawing/2014/main" id="{C4DEB443-9069-4E32-8358-8CB0FDAF9992}"/>
               </a:ext>
             </a:extLst>
           </p:cNvPr>
@@ -3493,7 +3493,7 @@
             <p:cNvPr id="24" name="CaixaDeTexto 23">
               <a:extLst>
                 <a:ext uri="{FF2B5EF4-FFF2-40B4-BE49-F238E27FC236}">
-                  <a16:creationId xmlns:a16="http://schemas.microsoft.com/office/drawing/2014/main" xmlns="" id="{3AB6A1BD-1D4F-4398-A8B0-B8E29B8BF1A1}"/>
+                  <a16:creationId xmlns:a16="http://schemas.microsoft.com/office/drawing/2014/main" id="{3AB6A1BD-1D4F-4398-A8B0-B8E29B8BF1A1}"/>
                 </a:ext>
               </a:extLst>
             </p:cNvPr>
@@ -3530,7 +3530,7 @@
             <p:cNvPr id="25" name="CaixaDeTexto 24">
               <a:extLst>
                 <a:ext uri="{FF2B5EF4-FFF2-40B4-BE49-F238E27FC236}">
-                  <a16:creationId xmlns:a16="http://schemas.microsoft.com/office/drawing/2014/main" xmlns="" id="{95B7716E-4A32-4257-96AE-C6ED30D31811}"/>
+                  <a16:creationId xmlns:a16="http://schemas.microsoft.com/office/drawing/2014/main" id="{95B7716E-4A32-4257-96AE-C6ED30D31811}"/>
                 </a:ext>
               </a:extLst>
             </p:cNvPr>
@@ -3570,7 +3570,7 @@
             <p:cNvPr id="26" name="CaixaDeTexto 25">
               <a:extLst>
                 <a:ext uri="{FF2B5EF4-FFF2-40B4-BE49-F238E27FC236}">
-                  <a16:creationId xmlns:a16="http://schemas.microsoft.com/office/drawing/2014/main" xmlns="" id="{01B87135-66BB-4424-98D4-30D87F39682B}"/>
+                  <a16:creationId xmlns:a16="http://schemas.microsoft.com/office/drawing/2014/main" id="{01B87135-66BB-4424-98D4-30D87F39682B}"/>
                 </a:ext>
               </a:extLst>
             </p:cNvPr>
@@ -3608,7 +3608,7 @@
           <p:cNvPr id="27" name="CaixaDeTexto 26">
             <a:extLst>
               <a:ext uri="{FF2B5EF4-FFF2-40B4-BE49-F238E27FC236}">
-                <a16:creationId xmlns:a16="http://schemas.microsoft.com/office/drawing/2014/main" xmlns="" id="{1238592B-29D7-4452-8312-F618C2509B80}"/>
+                <a16:creationId xmlns:a16="http://schemas.microsoft.com/office/drawing/2014/main" id="{1238592B-29D7-4452-8312-F618C2509B80}"/>
               </a:ext>
             </a:extLst>
           </p:cNvPr>
@@ -3646,7 +3646,7 @@
           <p:cNvPr id="28" name="CaixaDeTexto 27">
             <a:extLst>
               <a:ext uri="{FF2B5EF4-FFF2-40B4-BE49-F238E27FC236}">
-                <a16:creationId xmlns:a16="http://schemas.microsoft.com/office/drawing/2014/main" xmlns="" id="{BA57D8EF-4557-428E-AE17-0CB898192D8C}"/>
+                <a16:creationId xmlns:a16="http://schemas.microsoft.com/office/drawing/2014/main" id="{BA57D8EF-4557-428E-AE17-0CB898192D8C}"/>
               </a:ext>
             </a:extLst>
           </p:cNvPr>
@@ -3683,7 +3683,7 @@
           <p:cNvPr id="29" name="CaixaDeTexto 28">
             <a:extLst>
               <a:ext uri="{FF2B5EF4-FFF2-40B4-BE49-F238E27FC236}">
-                <a16:creationId xmlns:a16="http://schemas.microsoft.com/office/drawing/2014/main" xmlns="" id="{DA4508C1-D3E7-4097-886E-155CE2EACFC8}"/>
+                <a16:creationId xmlns:a16="http://schemas.microsoft.com/office/drawing/2014/main" id="{DA4508C1-D3E7-4097-886E-155CE2EACFC8}"/>
               </a:ext>
             </a:extLst>
           </p:cNvPr>
@@ -3709,8 +3709,8 @@
           <a:lstStyle/>
           <a:p>
             <a:r>
-              <a:rPr lang="pt-BR" sz="2400" b="1" i="1" u="sng" dirty="0" smtClean="0"/>
-              <a:t>Voluntario</a:t>
+              <a:rPr lang="pt-BR" sz="2400" b="1" i="1" dirty="0"/>
+              <a:t>Colaboradores</a:t>
             </a:r>
             <a:endParaRPr lang="pt-BR" sz="2400" b="1" i="1" u="sng" dirty="0"/>
           </a:p>
@@ -3721,7 +3721,7 @@
           <p:cNvPr id="30" name="CaixaDeTexto 29">
             <a:extLst>
               <a:ext uri="{FF2B5EF4-FFF2-40B4-BE49-F238E27FC236}">
-                <a16:creationId xmlns:a16="http://schemas.microsoft.com/office/drawing/2014/main" xmlns="" id="{41CB29A6-C155-4EA6-9C70-CF13A4EEC4D8}"/>
+                <a16:creationId xmlns:a16="http://schemas.microsoft.com/office/drawing/2014/main" id="{41CB29A6-C155-4EA6-9C70-CF13A4EEC4D8}"/>
               </a:ext>
             </a:extLst>
           </p:cNvPr>
@@ -3764,7 +3764,7 @@
           <p:cNvPr id="31" name="CaixaDeTexto 30">
             <a:extLst>
               <a:ext uri="{FF2B5EF4-FFF2-40B4-BE49-F238E27FC236}">
-                <a16:creationId xmlns:a16="http://schemas.microsoft.com/office/drawing/2014/main" xmlns="" id="{2751E0A1-1592-48F1-B9EA-2B586EEB78F6}"/>
+                <a16:creationId xmlns:a16="http://schemas.microsoft.com/office/drawing/2014/main" id="{2751E0A1-1592-48F1-B9EA-2B586EEB78F6}"/>
               </a:ext>
             </a:extLst>
           </p:cNvPr>
@@ -3801,7 +3801,7 @@
           <p:cNvPr id="9" name="Agrupar 8">
             <a:extLst>
               <a:ext uri="{FF2B5EF4-FFF2-40B4-BE49-F238E27FC236}">
-                <a16:creationId xmlns:a16="http://schemas.microsoft.com/office/drawing/2014/main" xmlns="" id="{13ED3DFB-902B-43CF-ADE3-B1439C04EB68}"/>
+                <a16:creationId xmlns:a16="http://schemas.microsoft.com/office/drawing/2014/main" id="{13ED3DFB-902B-43CF-ADE3-B1439C04EB68}"/>
               </a:ext>
             </a:extLst>
           </p:cNvPr>
@@ -3821,7 +3821,7 @@
             <p:cNvPr id="32" name="CaixaDeTexto 31">
               <a:extLst>
                 <a:ext uri="{FF2B5EF4-FFF2-40B4-BE49-F238E27FC236}">
-                  <a16:creationId xmlns:a16="http://schemas.microsoft.com/office/drawing/2014/main" xmlns="" id="{83044308-7C7B-4ECB-B5BD-5663F8E50452}"/>
+                  <a16:creationId xmlns:a16="http://schemas.microsoft.com/office/drawing/2014/main" id="{83044308-7C7B-4ECB-B5BD-5663F8E50452}"/>
                 </a:ext>
               </a:extLst>
             </p:cNvPr>
@@ -3848,15 +3848,7 @@
             <a:p>
               <a:r>
                 <a:rPr lang="pt-BR" b="1" i="1" dirty="0"/>
-                <a:t>Tornar-se </a:t>
-              </a:r>
-              <a:r>
-                <a:rPr lang="pt-BR" b="1" i="1" dirty="0" smtClean="0"/>
-                <a:t>Colaborador</a:t>
-              </a:r>
-              <a:r>
-                <a:rPr lang="pt-BR" b="1" i="1" dirty="0"/>
-                <a:t> </a:t>
+                <a:t>Tornar-se professor </a:t>
               </a:r>
             </a:p>
           </p:txBody>
@@ -3866,7 +3858,7 @@
             <p:cNvPr id="33" name="CaixaDeTexto 32">
               <a:extLst>
                 <a:ext uri="{FF2B5EF4-FFF2-40B4-BE49-F238E27FC236}">
-                  <a16:creationId xmlns:a16="http://schemas.microsoft.com/office/drawing/2014/main" xmlns="" id="{1CEDF328-811F-4F5C-9F28-668FB5C77838}"/>
+                  <a16:creationId xmlns:a16="http://schemas.microsoft.com/office/drawing/2014/main" id="{1CEDF328-811F-4F5C-9F28-668FB5C77838}"/>
                 </a:ext>
               </a:extLst>
             </p:cNvPr>
@@ -3935,7 +3927,7 @@
           <p:cNvPr id="4" name="Retângulo 3">
             <a:extLst>
               <a:ext uri="{FF2B5EF4-FFF2-40B4-BE49-F238E27FC236}">
-                <a16:creationId xmlns:a16="http://schemas.microsoft.com/office/drawing/2014/main" xmlns="" id="{88C6BF1B-8B81-4A42-B266-9DF3168EF8CB}"/>
+                <a16:creationId xmlns:a16="http://schemas.microsoft.com/office/drawing/2014/main" id="{88C6BF1B-8B81-4A42-B266-9DF3168EF8CB}"/>
               </a:ext>
             </a:extLst>
           </p:cNvPr>
@@ -3944,7 +3936,7 @@
         </p:nvSpPr>
         <p:spPr>
           <a:xfrm>
-            <a:off x="163005" y="68113"/>
+            <a:off x="146650" y="110706"/>
             <a:ext cx="11904450" cy="6570451"/>
           </a:xfrm>
           <a:prstGeom prst="rect">
@@ -3989,7 +3981,7 @@
           <p:cNvPr id="6" name="CaixaDeTexto 5">
             <a:extLst>
               <a:ext uri="{FF2B5EF4-FFF2-40B4-BE49-F238E27FC236}">
-                <a16:creationId xmlns:a16="http://schemas.microsoft.com/office/drawing/2014/main" xmlns="" id="{1270056D-C445-482D-9C8C-EC4698A09D63}"/>
+                <a16:creationId xmlns:a16="http://schemas.microsoft.com/office/drawing/2014/main" id="{1270056D-C445-482D-9C8C-EC4698A09D63}"/>
               </a:ext>
             </a:extLst>
           </p:cNvPr>
@@ -4030,7 +4022,7 @@
           <p:cNvPr id="2" name="Retângulo 1">
             <a:extLst>
               <a:ext uri="{FF2B5EF4-FFF2-40B4-BE49-F238E27FC236}">
-                <a16:creationId xmlns:a16="http://schemas.microsoft.com/office/drawing/2014/main" xmlns="" id="{12043949-80F2-4BA4-ACCA-8E1E73200266}"/>
+                <a16:creationId xmlns:a16="http://schemas.microsoft.com/office/drawing/2014/main" id="{12043949-80F2-4BA4-ACCA-8E1E73200266}"/>
               </a:ext>
             </a:extLst>
           </p:cNvPr>
@@ -4079,7 +4071,7 @@
           <p:cNvPr id="9" name="Conector de Seta Reta 8">
             <a:extLst>
               <a:ext uri="{FF2B5EF4-FFF2-40B4-BE49-F238E27FC236}">
-                <a16:creationId xmlns:a16="http://schemas.microsoft.com/office/drawing/2014/main" xmlns="" id="{BA601A5E-E9FD-4E49-A21A-E1D9795909C3}"/>
+                <a16:creationId xmlns:a16="http://schemas.microsoft.com/office/drawing/2014/main" id="{BA601A5E-E9FD-4E49-A21A-E1D9795909C3}"/>
               </a:ext>
             </a:extLst>
           </p:cNvPr>
@@ -4121,7 +4113,7 @@
           <p:cNvPr id="5" name="Agrupar 4">
             <a:extLst>
               <a:ext uri="{FF2B5EF4-FFF2-40B4-BE49-F238E27FC236}">
-                <a16:creationId xmlns:a16="http://schemas.microsoft.com/office/drawing/2014/main" xmlns="" id="{E6673161-0C4F-48B5-8E89-7B48BFDA7916}"/>
+                <a16:creationId xmlns:a16="http://schemas.microsoft.com/office/drawing/2014/main" id="{E6673161-0C4F-48B5-8E89-7B48BFDA7916}"/>
               </a:ext>
             </a:extLst>
           </p:cNvPr>
@@ -4141,7 +4133,7 @@
             <p:cNvPr id="3" name="Imagem 6" descr="Uma imagem contendo objeto&#10;&#10;Descrição gerada com muito alta confiança">
               <a:extLst>
                 <a:ext uri="{FF2B5EF4-FFF2-40B4-BE49-F238E27FC236}">
-                  <a16:creationId xmlns:a16="http://schemas.microsoft.com/office/drawing/2014/main" xmlns="" id="{BBEA9159-6E91-4172-99DF-56517BBFE5AC}"/>
+                  <a16:creationId xmlns:a16="http://schemas.microsoft.com/office/drawing/2014/main" id="{BBEA9159-6E91-4172-99DF-56517BBFE5AC}"/>
                 </a:ext>
               </a:extLst>
             </p:cNvPr>
@@ -4171,7 +4163,7 @@
             <p:cNvPr id="11" name="CaixaDeTexto 10">
               <a:extLst>
                 <a:ext uri="{FF2B5EF4-FFF2-40B4-BE49-F238E27FC236}">
-                  <a16:creationId xmlns:a16="http://schemas.microsoft.com/office/drawing/2014/main" xmlns="" id="{2B365FA8-96A9-46EF-82C1-1F0ACEB6382C}"/>
+                  <a16:creationId xmlns:a16="http://schemas.microsoft.com/office/drawing/2014/main" id="{2B365FA8-96A9-46EF-82C1-1F0ACEB6382C}"/>
                 </a:ext>
               </a:extLst>
             </p:cNvPr>
@@ -4197,12 +4189,8 @@
             <a:lstStyle/>
             <a:p>
               <a:r>
-                <a:rPr lang="pt-BR" sz="2400" b="1" i="1" dirty="0" smtClean="0"/>
-                <a:t>Voluntario</a:t>
-              </a:r>
-              <a:r>
                 <a:rPr lang="pt-BR" sz="2400" b="1" i="1" dirty="0"/>
-                <a:t> </a:t>
+                <a:t>colaborador </a:t>
               </a:r>
             </a:p>
           </p:txBody>
@@ -4213,7 +4201,7 @@
           <p:cNvPr id="15" name="CaixaDeTexto 14">
             <a:extLst>
               <a:ext uri="{FF2B5EF4-FFF2-40B4-BE49-F238E27FC236}">
-                <a16:creationId xmlns:a16="http://schemas.microsoft.com/office/drawing/2014/main" xmlns="" id="{589ED39B-DB76-4792-9198-978C3E9B327E}"/>
+                <a16:creationId xmlns:a16="http://schemas.microsoft.com/office/drawing/2014/main" id="{589ED39B-DB76-4792-9198-978C3E9B327E}"/>
               </a:ext>
             </a:extLst>
           </p:cNvPr>
@@ -4253,7 +4241,7 @@
           <p:cNvPr id="17" name="Retângulo 16">
             <a:extLst>
               <a:ext uri="{FF2B5EF4-FFF2-40B4-BE49-F238E27FC236}">
-                <a16:creationId xmlns:a16="http://schemas.microsoft.com/office/drawing/2014/main" xmlns="" id="{AAE3C69C-201D-4C86-AAF7-B3DC70259B1F}"/>
+                <a16:creationId xmlns:a16="http://schemas.microsoft.com/office/drawing/2014/main" id="{AAE3C69C-201D-4C86-AAF7-B3DC70259B1F}"/>
               </a:ext>
             </a:extLst>
           </p:cNvPr>
@@ -4302,7 +4290,7 @@
           <p:cNvPr id="20" name="CaixaDeTexto 19">
             <a:extLst>
               <a:ext uri="{FF2B5EF4-FFF2-40B4-BE49-F238E27FC236}">
-                <a16:creationId xmlns:a16="http://schemas.microsoft.com/office/drawing/2014/main" xmlns="" id="{9EF114C1-C8CF-409C-847E-943F96FE0F0F}"/>
+                <a16:creationId xmlns:a16="http://schemas.microsoft.com/office/drawing/2014/main" id="{9EF114C1-C8CF-409C-847E-943F96FE0F0F}"/>
               </a:ext>
             </a:extLst>
           </p:cNvPr>
@@ -4311,8 +4299,8 @@
         </p:nvSpPr>
         <p:spPr>
           <a:xfrm>
-            <a:off x="4367065" y="2574728"/>
-            <a:ext cx="2190986" cy="461665"/>
+            <a:off x="4735183" y="2607334"/>
+            <a:ext cx="1650521" cy="461665"/>
           </a:xfrm>
           <a:prstGeom prst="rect">
             <a:avLst/>
@@ -4328,14 +4316,11 @@
           <a:lstStyle/>
           <a:p>
             <a:r>
-              <a:rPr lang="pt-BR" sz="2400" b="1" i="1" dirty="0" smtClean="0">
+              <a:rPr lang="pt-BR" sz="2400" b="1" i="1" dirty="0">
                 <a:cs typeface="Calibri"/>
               </a:rPr>
-              <a:t>Administração </a:t>
+              <a:t>Função </a:t>
             </a:r>
-            <a:endParaRPr lang="pt-BR" sz="2400" b="1" i="1" dirty="0">
-              <a:cs typeface="Calibri"/>
-            </a:endParaRPr>
           </a:p>
         </p:txBody>
       </p:sp>
@@ -4344,7 +4329,7 @@
           <p:cNvPr id="22" name="Conector de Seta Reta 21">
             <a:extLst>
               <a:ext uri="{FF2B5EF4-FFF2-40B4-BE49-F238E27FC236}">
-                <a16:creationId xmlns:a16="http://schemas.microsoft.com/office/drawing/2014/main" xmlns="" id="{6005A5E0-EFE8-4E81-9A9B-EC939F301038}"/>
+                <a16:creationId xmlns:a16="http://schemas.microsoft.com/office/drawing/2014/main" id="{6005A5E0-EFE8-4E81-9A9B-EC939F301038}"/>
               </a:ext>
             </a:extLst>
           </p:cNvPr>
@@ -4418,7 +4403,7 @@
           <p:cNvPr id="4" name="Retângulo 3">
             <a:extLst>
               <a:ext uri="{FF2B5EF4-FFF2-40B4-BE49-F238E27FC236}">
-                <a16:creationId xmlns:a16="http://schemas.microsoft.com/office/drawing/2014/main" xmlns="" id="{88C6BF1B-8B81-4A42-B266-9DF3168EF8CB}"/>
+                <a16:creationId xmlns:a16="http://schemas.microsoft.com/office/drawing/2014/main" id="{88C6BF1B-8B81-4A42-B266-9DF3168EF8CB}"/>
               </a:ext>
             </a:extLst>
           </p:cNvPr>
@@ -4472,7 +4457,7 @@
           <p:cNvPr id="2" name="CaixaDeTexto 1">
             <a:extLst>
               <a:ext uri="{FF2B5EF4-FFF2-40B4-BE49-F238E27FC236}">
-                <a16:creationId xmlns:a16="http://schemas.microsoft.com/office/drawing/2014/main" xmlns="" id="{80F5CD5A-1914-4EF1-BE32-34B089486C2F}"/>
+                <a16:creationId xmlns:a16="http://schemas.microsoft.com/office/drawing/2014/main" id="{80F5CD5A-1914-4EF1-BE32-34B089486C2F}"/>
               </a:ext>
             </a:extLst>
           </p:cNvPr>
@@ -4513,7 +4498,7 @@
           <p:cNvPr id="5" name="Conector de Seta Reta 4">
             <a:extLst>
               <a:ext uri="{FF2B5EF4-FFF2-40B4-BE49-F238E27FC236}">
-                <a16:creationId xmlns:a16="http://schemas.microsoft.com/office/drawing/2014/main" xmlns="" id="{85E6B2C7-D043-4C92-898F-4F2DEE8A2690}"/>
+                <a16:creationId xmlns:a16="http://schemas.microsoft.com/office/drawing/2014/main" id="{85E6B2C7-D043-4C92-898F-4F2DEE8A2690}"/>
               </a:ext>
             </a:extLst>
           </p:cNvPr>
@@ -4556,7 +4541,7 @@
           <p:cNvPr id="6" name="Conector de Seta Reta 5">
             <a:extLst>
               <a:ext uri="{FF2B5EF4-FFF2-40B4-BE49-F238E27FC236}">
-                <a16:creationId xmlns:a16="http://schemas.microsoft.com/office/drawing/2014/main" xmlns="" id="{9BACC1B6-2F2A-4248-B083-17CB87D6E5BE}"/>
+                <a16:creationId xmlns:a16="http://schemas.microsoft.com/office/drawing/2014/main" id="{9BACC1B6-2F2A-4248-B083-17CB87D6E5BE}"/>
               </a:ext>
             </a:extLst>
           </p:cNvPr>
@@ -4599,7 +4584,7 @@
           <p:cNvPr id="8" name="Retângulo 7">
             <a:extLst>
               <a:ext uri="{FF2B5EF4-FFF2-40B4-BE49-F238E27FC236}">
-                <a16:creationId xmlns:a16="http://schemas.microsoft.com/office/drawing/2014/main" xmlns="" id="{5941647A-72D6-4138-BD44-C48D31273AB1}"/>
+                <a16:creationId xmlns:a16="http://schemas.microsoft.com/office/drawing/2014/main" id="{5941647A-72D6-4138-BD44-C48D31273AB1}"/>
               </a:ext>
             </a:extLst>
           </p:cNvPr>
@@ -4608,8 +4593,8 @@
         </p:nvSpPr>
         <p:spPr>
           <a:xfrm>
-            <a:off x="7068809" y="1474757"/>
-            <a:ext cx="2478834" cy="1207696"/>
+            <a:off x="7506059" y="1474757"/>
+            <a:ext cx="2041583" cy="1207696"/>
           </a:xfrm>
           <a:prstGeom prst="rect">
             <a:avLst/>
@@ -4653,7 +4638,7 @@
           <p:cNvPr id="9" name="CaixaDeTexto 1">
             <a:extLst>
               <a:ext uri="{FF2B5EF4-FFF2-40B4-BE49-F238E27FC236}">
-                <a16:creationId xmlns:a16="http://schemas.microsoft.com/office/drawing/2014/main" xmlns="" id="{7994EBAF-0D7D-41FB-B228-383D0E67FB6C}"/>
+                <a16:creationId xmlns:a16="http://schemas.microsoft.com/office/drawing/2014/main" id="{7994EBAF-0D7D-41FB-B228-383D0E67FB6C}"/>
               </a:ext>
             </a:extLst>
           </p:cNvPr>
@@ -4662,8 +4647,8 @@
         </p:nvSpPr>
         <p:spPr>
           <a:xfrm>
-            <a:off x="7134044" y="1816995"/>
-            <a:ext cx="2446129" cy="523220"/>
+            <a:off x="7915274" y="1792367"/>
+            <a:ext cx="1664899" cy="523220"/>
           </a:xfrm>
           <a:prstGeom prst="rect">
             <a:avLst/>
@@ -4773,16 +4758,10 @@
           </a:lstStyle>
           <a:p>
             <a:r>
-              <a:rPr lang="pt-BR" sz="2800" b="1" i="1" dirty="0" smtClean="0">
-                <a:cs typeface="Calibri"/>
-              </a:rPr>
-              <a:t>Administração</a:t>
-            </a:r>
-            <a:r>
               <a:rPr lang="pt-BR" sz="2800" b="1" i="1" dirty="0">
                 <a:cs typeface="Calibri"/>
               </a:rPr>
-              <a:t> </a:t>
+              <a:t>Função </a:t>
             </a:r>
           </a:p>
         </p:txBody>
@@ -4792,7 +4771,7 @@
           <p:cNvPr id="10" name="Agrupar 9">
             <a:extLst>
               <a:ext uri="{FF2B5EF4-FFF2-40B4-BE49-F238E27FC236}">
-                <a16:creationId xmlns:a16="http://schemas.microsoft.com/office/drawing/2014/main" xmlns="" id="{824586A1-E2A3-4B25-8F44-2AB0D73E8B07}"/>
+                <a16:creationId xmlns:a16="http://schemas.microsoft.com/office/drawing/2014/main" id="{824586A1-E2A3-4B25-8F44-2AB0D73E8B07}"/>
               </a:ext>
             </a:extLst>
           </p:cNvPr>
@@ -4812,7 +4791,7 @@
             <p:cNvPr id="13" name="Imagem 6" descr="Uma imagem contendo objeto&#10;&#10;Descrição gerada com muito alta confiança">
               <a:extLst>
                 <a:ext uri="{FF2B5EF4-FFF2-40B4-BE49-F238E27FC236}">
-                  <a16:creationId xmlns:a16="http://schemas.microsoft.com/office/drawing/2014/main" xmlns="" id="{63824687-0B05-4413-8D3C-5E29C9702638}"/>
+                  <a16:creationId xmlns:a16="http://schemas.microsoft.com/office/drawing/2014/main" id="{63824687-0B05-4413-8D3C-5E29C9702638}"/>
                 </a:ext>
               </a:extLst>
             </p:cNvPr>
@@ -4842,7 +4821,7 @@
             <p:cNvPr id="16" name="CaixaDeTexto 15">
               <a:extLst>
                 <a:ext uri="{FF2B5EF4-FFF2-40B4-BE49-F238E27FC236}">
-                  <a16:creationId xmlns:a16="http://schemas.microsoft.com/office/drawing/2014/main" xmlns="" id="{FDA29973-2090-478C-8CFB-2DD1F5F78F5A}"/>
+                  <a16:creationId xmlns:a16="http://schemas.microsoft.com/office/drawing/2014/main" id="{FDA29973-2090-478C-8CFB-2DD1F5F78F5A}"/>
                 </a:ext>
               </a:extLst>
             </p:cNvPr>
@@ -4868,16 +4847,10 @@
             <a:lstStyle/>
             <a:p>
               <a:r>
-                <a:rPr lang="pt-BR" sz="2400" b="1" i="1" dirty="0" smtClean="0">
-                  <a:cs typeface="Calibri"/>
-                </a:rPr>
-                <a:t>Voluntario</a:t>
-              </a:r>
-              <a:r>
                 <a:rPr lang="pt-BR" sz="2400" b="1" i="1" dirty="0">
                   <a:cs typeface="Calibri"/>
                 </a:rPr>
-                <a:t> </a:t>
+                <a:t>Colaborador </a:t>
               </a:r>
               <a:endParaRPr lang="pt-BR" sz="2400" b="1" i="1" dirty="0"/>
             </a:p>
@@ -4889,7 +4862,7 @@
           <p:cNvPr id="19" name="Conector de Seta Reta 18">
             <a:extLst>
               <a:ext uri="{FF2B5EF4-FFF2-40B4-BE49-F238E27FC236}">
-                <a16:creationId xmlns:a16="http://schemas.microsoft.com/office/drawing/2014/main" xmlns="" id="{7053101E-BA41-4AFA-90EB-5F30E05D5C2A}"/>
+                <a16:creationId xmlns:a16="http://schemas.microsoft.com/office/drawing/2014/main" id="{7053101E-BA41-4AFA-90EB-5F30E05D5C2A}"/>
               </a:ext>
             </a:extLst>
           </p:cNvPr>
@@ -4931,7 +4904,7 @@
           <p:cNvPr id="20" name="Conector de Seta Reta 19">
             <a:extLst>
               <a:ext uri="{FF2B5EF4-FFF2-40B4-BE49-F238E27FC236}">
-                <a16:creationId xmlns:a16="http://schemas.microsoft.com/office/drawing/2014/main" xmlns="" id="{972CCC72-617F-4D78-B3FE-1B11C03D20E1}"/>
+                <a16:creationId xmlns:a16="http://schemas.microsoft.com/office/drawing/2014/main" id="{972CCC72-617F-4D78-B3FE-1B11C03D20E1}"/>
               </a:ext>
             </a:extLst>
           </p:cNvPr>
@@ -4975,7 +4948,7 @@
           <p:cNvPr id="23" name="Conector de Seta Reta 22">
             <a:extLst>
               <a:ext uri="{FF2B5EF4-FFF2-40B4-BE49-F238E27FC236}">
-                <a16:creationId xmlns:a16="http://schemas.microsoft.com/office/drawing/2014/main" xmlns="" id="{6F2A4F03-C5E4-40D7-AA81-EDDBC7B02437}"/>
+                <a16:creationId xmlns:a16="http://schemas.microsoft.com/office/drawing/2014/main" id="{6F2A4F03-C5E4-40D7-AA81-EDDBC7B02437}"/>
               </a:ext>
             </a:extLst>
           </p:cNvPr>
@@ -5014,12 +4987,56 @@
           </a:fontRef>
         </p:style>
       </p:cxnSp>
+      <p:cxnSp>
+        <p:nvCxnSpPr>
+          <p:cNvPr id="24" name="Conector de Seta Reta 23">
+            <a:extLst>
+              <a:ext uri="{FF2B5EF4-FFF2-40B4-BE49-F238E27FC236}">
+                <a16:creationId xmlns:a16="http://schemas.microsoft.com/office/drawing/2014/main" id="{906C5ED3-A468-446B-91A1-50EACFAF704A}"/>
+              </a:ext>
+            </a:extLst>
+          </p:cNvPr>
+          <p:cNvCxnSpPr>
+            <a:cxnSpLocks/>
+          </p:cNvCxnSpPr>
+          <p:nvPr/>
+        </p:nvCxnSpPr>
+        <p:spPr>
+          <a:xfrm flipH="1">
+            <a:off x="3188898" y="3129951"/>
+            <a:ext cx="250165" cy="626852"/>
+          </a:xfrm>
+          <a:prstGeom prst="straightConnector1">
+            <a:avLst/>
+          </a:prstGeom>
+          <a:ln>
+            <a:solidFill>
+              <a:schemeClr val="tx1"/>
+            </a:solidFill>
+            <a:tailEnd type="triangle"/>
+          </a:ln>
+        </p:spPr>
+        <p:style>
+          <a:lnRef idx="1">
+            <a:schemeClr val="accent1"/>
+          </a:lnRef>
+          <a:fillRef idx="0">
+            <a:schemeClr val="accent1"/>
+          </a:fillRef>
+          <a:effectRef idx="0">
+            <a:schemeClr val="accent1"/>
+          </a:effectRef>
+          <a:fontRef idx="minor">
+            <a:schemeClr val="tx1"/>
+          </a:fontRef>
+        </p:style>
+      </p:cxnSp>
       <p:sp>
         <p:nvSpPr>
           <p:cNvPr id="3" name="CaixaDeTexto 2">
             <a:extLst>
               <a:ext uri="{FF2B5EF4-FFF2-40B4-BE49-F238E27FC236}">
-                <a16:creationId xmlns:a16="http://schemas.microsoft.com/office/drawing/2014/main" xmlns="" id="{7FCA1908-EC09-46BB-B633-12D671CD2244}"/>
+                <a16:creationId xmlns:a16="http://schemas.microsoft.com/office/drawing/2014/main" id="{7FCA1908-EC09-46BB-B633-12D671CD2244}"/>
               </a:ext>
             </a:extLst>
           </p:cNvPr>
@@ -5060,7 +5077,7 @@
           <p:cNvPr id="7" name="CaixaDeTexto 6">
             <a:extLst>
               <a:ext uri="{FF2B5EF4-FFF2-40B4-BE49-F238E27FC236}">
-                <a16:creationId xmlns:a16="http://schemas.microsoft.com/office/drawing/2014/main" xmlns="" id="{BF0B844E-C924-4EC3-B27F-D0C0220E391A}"/>
+                <a16:creationId xmlns:a16="http://schemas.microsoft.com/office/drawing/2014/main" id="{BF0B844E-C924-4EC3-B27F-D0C0220E391A}"/>
               </a:ext>
             </a:extLst>
           </p:cNvPr>
@@ -5096,10 +5113,138 @@
       </p:sp>
       <p:grpSp>
         <p:nvGrpSpPr>
+          <p:cNvPr id="11" name="Agrupar 10">
+            <a:extLst>
+              <a:ext uri="{FF2B5EF4-FFF2-40B4-BE49-F238E27FC236}">
+                <a16:creationId xmlns:a16="http://schemas.microsoft.com/office/drawing/2014/main" id="{3203C5F3-8D03-4FC9-88D2-41B3ED0C877D}"/>
+              </a:ext>
+            </a:extLst>
+          </p:cNvPr>
+          <p:cNvGrpSpPr/>
+          <p:nvPr/>
+        </p:nvGrpSpPr>
+        <p:grpSpPr>
+          <a:xfrm>
+            <a:off x="2317630" y="4035725"/>
+            <a:ext cx="2590801" cy="1273834"/>
+            <a:chOff x="2317630" y="4035725"/>
+            <a:chExt cx="2590801" cy="1273834"/>
+          </a:xfrm>
+        </p:grpSpPr>
+        <p:sp>
+          <p:nvSpPr>
+            <p:cNvPr id="25" name="CaixaDeTexto 24">
+              <a:extLst>
+                <a:ext uri="{FF2B5EF4-FFF2-40B4-BE49-F238E27FC236}">
+                  <a16:creationId xmlns:a16="http://schemas.microsoft.com/office/drawing/2014/main" id="{E53E8429-486C-49E3-A88D-600F0719554F}"/>
+                </a:ext>
+              </a:extLst>
+            </p:cNvPr>
+            <p:cNvSpPr txBox="1"/>
+            <p:nvPr/>
+          </p:nvSpPr>
+          <p:spPr>
+            <a:xfrm>
+              <a:off x="2323381" y="4247729"/>
+              <a:ext cx="2585050" cy="923330"/>
+            </a:xfrm>
+            <a:prstGeom prst="rect">
+              <a:avLst/>
+            </a:prstGeom>
+          </p:spPr>
+          <p:txBody>
+            <a:bodyPr rot="0" spcFirstLastPara="0" vertOverflow="overflow" horzOverflow="overflow" vert="horz" wrap="square" lIns="91440" tIns="45720" rIns="91440" bIns="45720" numCol="1" spcCol="0" rtlCol="0" fromWordArt="0" anchor="t" anchorCtr="0" forceAA="0" compatLnSpc="1">
+              <a:prstTxWarp prst="textNoShape">
+                <a:avLst/>
+              </a:prstTxWarp>
+              <a:spAutoFit/>
+            </a:bodyPr>
+            <a:lstStyle/>
+            <a:p>
+              <a:pPr marL="285750" indent="-285750">
+                <a:buFont typeface="Arial"/>
+                <a:buChar char="•"/>
+              </a:pPr>
+              <a:r>
+                <a:rPr lang="pt-BR" b="1" i="1" dirty="0">
+                  <a:cs typeface="Calibri"/>
+                </a:rPr>
+                <a:t>Cumprir regras </a:t>
+              </a:r>
+            </a:p>
+            <a:p>
+              <a:pPr marL="285750" indent="-285750">
+                <a:buFont typeface="Arial"/>
+                <a:buChar char="•"/>
+              </a:pPr>
+              <a:r>
+                <a:rPr lang="pt-BR" b="1" i="1" dirty="0">
+                  <a:cs typeface="Calibri"/>
+                </a:rPr>
+                <a:t>Executar atividades para função </a:t>
+              </a:r>
+            </a:p>
+          </p:txBody>
+        </p:sp>
+        <p:sp>
+          <p:nvSpPr>
+            <p:cNvPr id="12" name="Retângulo 11">
+              <a:extLst>
+                <a:ext uri="{FF2B5EF4-FFF2-40B4-BE49-F238E27FC236}">
+                  <a16:creationId xmlns:a16="http://schemas.microsoft.com/office/drawing/2014/main" id="{E9117F55-F054-4FBD-92C8-EA6D071EE605}"/>
+                </a:ext>
+              </a:extLst>
+            </p:cNvPr>
+            <p:cNvSpPr/>
+            <p:nvPr/>
+          </p:nvSpPr>
+          <p:spPr>
+            <a:xfrm>
+              <a:off x="2317630" y="4035725"/>
+              <a:ext cx="2424022" cy="1273834"/>
+            </a:xfrm>
+            <a:prstGeom prst="rect">
+              <a:avLst/>
+            </a:prstGeom>
+            <a:noFill/>
+            <a:ln>
+              <a:solidFill>
+                <a:schemeClr val="tx1"/>
+              </a:solidFill>
+            </a:ln>
+          </p:spPr>
+          <p:style>
+            <a:lnRef idx="2">
+              <a:schemeClr val="accent1">
+                <a:shade val="50000"/>
+              </a:schemeClr>
+            </a:lnRef>
+            <a:fillRef idx="1">
+              <a:schemeClr val="accent1"/>
+            </a:fillRef>
+            <a:effectRef idx="0">
+              <a:schemeClr val="accent1"/>
+            </a:effectRef>
+            <a:fontRef idx="minor">
+              <a:schemeClr val="lt1"/>
+            </a:fontRef>
+          </p:style>
+          <p:txBody>
+            <a:bodyPr rtlCol="0" anchor="ctr"/>
+            <a:lstStyle/>
+            <a:p>
+              <a:pPr algn="ctr"/>
+              <a:endParaRPr lang="pt-BR" u="sng" dirty="0"/>
+            </a:p>
+          </p:txBody>
+        </p:sp>
+      </p:grpSp>
+      <p:grpSp>
+        <p:nvGrpSpPr>
           <p:cNvPr id="14" name="Agrupar 13">
             <a:extLst>
               <a:ext uri="{FF2B5EF4-FFF2-40B4-BE49-F238E27FC236}">
-                <a16:creationId xmlns:a16="http://schemas.microsoft.com/office/drawing/2014/main" xmlns="" id="{52E15621-7F03-4345-B836-9C7FBBF4EDE5}"/>
+                <a16:creationId xmlns:a16="http://schemas.microsoft.com/office/drawing/2014/main" id="{52E15621-7F03-4345-B836-9C7FBBF4EDE5}"/>
               </a:ext>
             </a:extLst>
           </p:cNvPr>
@@ -5119,7 +5264,7 @@
             <p:cNvPr id="28" name="CaixaDeTexto 27">
               <a:extLst>
                 <a:ext uri="{FF2B5EF4-FFF2-40B4-BE49-F238E27FC236}">
-                  <a16:creationId xmlns:a16="http://schemas.microsoft.com/office/drawing/2014/main" xmlns="" id="{06F24E56-56C0-48DE-B993-B1CF84033F10}"/>
+                  <a16:creationId xmlns:a16="http://schemas.microsoft.com/office/drawing/2014/main" id="{06F24E56-56C0-48DE-B993-B1CF84033F10}"/>
                 </a:ext>
               </a:extLst>
             </p:cNvPr>
@@ -5180,7 +5325,7 @@
             <p:cNvPr id="33" name="Retângulo 32">
               <a:extLst>
                 <a:ext uri="{FF2B5EF4-FFF2-40B4-BE49-F238E27FC236}">
-                  <a16:creationId xmlns:a16="http://schemas.microsoft.com/office/drawing/2014/main" xmlns="" id="{F00C5CCF-AC25-4099-8DD3-8B36FCAF56E7}"/>
+                  <a16:creationId xmlns:a16="http://schemas.microsoft.com/office/drawing/2014/main" id="{F00C5CCF-AC25-4099-8DD3-8B36FCAF56E7}"/>
                 </a:ext>
               </a:extLst>
             </p:cNvPr>
@@ -5263,7 +5408,7 @@
           <p:cNvPr id="4" name="Retângulo 3">
             <a:extLst>
               <a:ext uri="{FF2B5EF4-FFF2-40B4-BE49-F238E27FC236}">
-                <a16:creationId xmlns:a16="http://schemas.microsoft.com/office/drawing/2014/main" xmlns="" id="{CEF9C6BA-8DDB-476C-86AF-98DA05BAF666}"/>
+                <a16:creationId xmlns:a16="http://schemas.microsoft.com/office/drawing/2014/main" id="{CEF9C6BA-8DDB-476C-86AF-98DA05BAF666}"/>
               </a:ext>
             </a:extLst>
           </p:cNvPr>
@@ -5317,7 +5462,7 @@
           <p:cNvPr id="5" name="CaixaDeTexto 4">
             <a:extLst>
               <a:ext uri="{FF2B5EF4-FFF2-40B4-BE49-F238E27FC236}">
-                <a16:creationId xmlns:a16="http://schemas.microsoft.com/office/drawing/2014/main" xmlns="" id="{0DB7A970-3CC1-4626-9F9D-866AD68C58EA}"/>
+                <a16:creationId xmlns:a16="http://schemas.microsoft.com/office/drawing/2014/main" id="{0DB7A970-3CC1-4626-9F9D-866AD68C58EA}"/>
               </a:ext>
             </a:extLst>
           </p:cNvPr>
@@ -5358,7 +5503,7 @@
           <p:cNvPr id="6" name="Imagem 6" descr="Uma imagem contendo objeto&#10;&#10;Descrição gerada com muito alta confiança">
             <a:extLst>
               <a:ext uri="{FF2B5EF4-FFF2-40B4-BE49-F238E27FC236}">
-                <a16:creationId xmlns:a16="http://schemas.microsoft.com/office/drawing/2014/main" xmlns="" id="{AE41C0EB-3270-451D-B583-48485D46168E}"/>
+                <a16:creationId xmlns:a16="http://schemas.microsoft.com/office/drawing/2014/main" id="{AE41C0EB-3270-451D-B583-48485D46168E}"/>
               </a:ext>
             </a:extLst>
           </p:cNvPr>
@@ -5388,7 +5533,7 @@
           <p:cNvPr id="7" name="Retângulo 6">
             <a:extLst>
               <a:ext uri="{FF2B5EF4-FFF2-40B4-BE49-F238E27FC236}">
-                <a16:creationId xmlns:a16="http://schemas.microsoft.com/office/drawing/2014/main" xmlns="" id="{14F074DC-6DCC-4E08-9917-5BE79B7E65BA}"/>
+                <a16:creationId xmlns:a16="http://schemas.microsoft.com/office/drawing/2014/main" id="{14F074DC-6DCC-4E08-9917-5BE79B7E65BA}"/>
               </a:ext>
             </a:extLst>
           </p:cNvPr>
@@ -5397,8 +5542,8 @@
         </p:nvSpPr>
         <p:spPr>
           <a:xfrm>
-            <a:off x="4211907" y="2607334"/>
-            <a:ext cx="3608716" cy="1840300"/>
+            <a:off x="4211907" y="2520171"/>
+            <a:ext cx="3608716" cy="1927463"/>
           </a:xfrm>
           <a:prstGeom prst="rect">
             <a:avLst/>
@@ -5437,7 +5582,7 @@
           <p:cNvPr id="11" name="Conector de Seta Reta 10">
             <a:extLst>
               <a:ext uri="{FF2B5EF4-FFF2-40B4-BE49-F238E27FC236}">
-                <a16:creationId xmlns:a16="http://schemas.microsoft.com/office/drawing/2014/main" xmlns="" id="{AF990622-0DAD-4CF8-B897-C60879C5B414}"/>
+                <a16:creationId xmlns:a16="http://schemas.microsoft.com/office/drawing/2014/main" id="{AF990622-0DAD-4CF8-B897-C60879C5B414}"/>
               </a:ext>
             </a:extLst>
           </p:cNvPr>
@@ -5448,8 +5593,8 @@
         </p:nvCxnSpPr>
         <p:spPr>
           <a:xfrm>
-            <a:off x="2356870" y="2362200"/>
-            <a:ext cx="1801302" cy="1029239"/>
+            <a:off x="2546252" y="2806664"/>
+            <a:ext cx="1611920" cy="584775"/>
           </a:xfrm>
           <a:prstGeom prst="straightConnector1">
             <a:avLst/>
@@ -5481,7 +5626,7 @@
           <p:cNvPr id="13" name="CaixaDeTexto 12">
             <a:extLst>
               <a:ext uri="{FF2B5EF4-FFF2-40B4-BE49-F238E27FC236}">
-                <a16:creationId xmlns:a16="http://schemas.microsoft.com/office/drawing/2014/main" xmlns="" id="{B9BDE6EE-83E2-4E9F-9DB8-ABE3AF877CCB}"/>
+                <a16:creationId xmlns:a16="http://schemas.microsoft.com/office/drawing/2014/main" id="{B9BDE6EE-83E2-4E9F-9DB8-ABE3AF877CCB}"/>
               </a:ext>
             </a:extLst>
           </p:cNvPr>
@@ -5518,7 +5663,7 @@
           <p:cNvPr id="29" name="CaixaDeTexto 28">
             <a:extLst>
               <a:ext uri="{FF2B5EF4-FFF2-40B4-BE49-F238E27FC236}">
-                <a16:creationId xmlns:a16="http://schemas.microsoft.com/office/drawing/2014/main" xmlns="" id="{A6762E50-5323-4BE0-915A-EB8EEDBCB00C}"/>
+                <a16:creationId xmlns:a16="http://schemas.microsoft.com/office/drawing/2014/main" id="{A6762E50-5323-4BE0-915A-EB8EEDBCB00C}"/>
               </a:ext>
             </a:extLst>
           </p:cNvPr>
@@ -5558,7 +5703,7 @@
           <p:cNvPr id="30" name="Retângulo 29">
             <a:extLst>
               <a:ext uri="{FF2B5EF4-FFF2-40B4-BE49-F238E27FC236}">
-                <a16:creationId xmlns:a16="http://schemas.microsoft.com/office/drawing/2014/main" xmlns="" id="{3AA62CBD-64E7-4BA1-BBCB-45C4726787D0}"/>
+                <a16:creationId xmlns:a16="http://schemas.microsoft.com/office/drawing/2014/main" id="{3AA62CBD-64E7-4BA1-BBCB-45C4726787D0}"/>
               </a:ext>
             </a:extLst>
           </p:cNvPr>
@@ -5610,7 +5755,7 @@
           <p:cNvPr id="31" name="CaixaDeTexto 30">
             <a:extLst>
               <a:ext uri="{FF2B5EF4-FFF2-40B4-BE49-F238E27FC236}">
-                <a16:creationId xmlns:a16="http://schemas.microsoft.com/office/drawing/2014/main" xmlns="" id="{2B86E22E-128E-40A7-9AA7-48626AD2DFA2}"/>
+                <a16:creationId xmlns:a16="http://schemas.microsoft.com/office/drawing/2014/main" id="{2B86E22E-128E-40A7-9AA7-48626AD2DFA2}"/>
               </a:ext>
             </a:extLst>
           </p:cNvPr>
@@ -5674,12 +5819,284 @@
           <a:chExt cx="0" cy="0"/>
         </a:xfrm>
       </p:grpSpPr>
+      <p:sp>
+        <p:nvSpPr>
+          <p:cNvPr id="5" name="CaixaDeTexto 4">
+            <a:extLst>
+              <a:ext uri="{FF2B5EF4-FFF2-40B4-BE49-F238E27FC236}">
+                <a16:creationId xmlns:a16="http://schemas.microsoft.com/office/drawing/2014/main" id="{1AEAEC07-A165-4D26-BBD3-BB0A2EE6FDCE}"/>
+              </a:ext>
+            </a:extLst>
+          </p:cNvPr>
+          <p:cNvSpPr txBox="1"/>
+          <p:nvPr/>
+        </p:nvSpPr>
+        <p:spPr>
+          <a:xfrm>
+            <a:off x="165570" y="228278"/>
+            <a:ext cx="11915953" cy="584775"/>
+          </a:xfrm>
+          <a:prstGeom prst="rect">
+            <a:avLst/>
+          </a:prstGeom>
+        </p:spPr>
+        <p:txBody>
+          <a:bodyPr rot="0" spcFirstLastPara="0" vertOverflow="overflow" horzOverflow="overflow" vert="horz" wrap="square" lIns="91440" tIns="45720" rIns="91440" bIns="45720" numCol="1" spcCol="0" rtlCol="0" fromWordArt="0" anchor="t" anchorCtr="0" forceAA="0" compatLnSpc="1">
+            <a:prstTxWarp prst="textNoShape">
+              <a:avLst/>
+            </a:prstTxWarp>
+            <a:spAutoFit/>
+          </a:bodyPr>
+          <a:lstStyle/>
+          <a:p>
+            <a:pPr algn="ctr"/>
+            <a:r>
+              <a:rPr lang="pt-BR" sz="3200" b="1" i="1" u="sng" dirty="0">
+                <a:cs typeface="Calibri"/>
+              </a:rPr>
+              <a:t>Cenário : Doar </a:t>
+            </a:r>
+            <a:endParaRPr lang="pt-BR" dirty="0"/>
+          </a:p>
+        </p:txBody>
+      </p:sp>
+      <p:cxnSp>
+        <p:nvCxnSpPr>
+          <p:cNvPr id="6" name="Conector de Seta Reta 5">
+            <a:extLst>
+              <a:ext uri="{FF2B5EF4-FFF2-40B4-BE49-F238E27FC236}">
+                <a16:creationId xmlns:a16="http://schemas.microsoft.com/office/drawing/2014/main" id="{3CA215E8-6B7A-4EE8-B19D-43965C2FFF51}"/>
+              </a:ext>
+            </a:extLst>
+          </p:cNvPr>
+          <p:cNvCxnSpPr>
+            <a:cxnSpLocks/>
+          </p:cNvCxnSpPr>
+          <p:nvPr/>
+        </p:nvCxnSpPr>
+        <p:spPr>
+          <a:xfrm flipV="1">
+            <a:off x="165570" y="879928"/>
+            <a:ext cx="11896723" cy="26601"/>
+          </a:xfrm>
+          <a:prstGeom prst="straightConnector1">
+            <a:avLst/>
+          </a:prstGeom>
+          <a:ln>
+            <a:solidFill>
+              <a:schemeClr val="tx1"/>
+            </a:solidFill>
+          </a:ln>
+        </p:spPr>
+        <p:style>
+          <a:lnRef idx="1">
+            <a:schemeClr val="accent1"/>
+          </a:lnRef>
+          <a:fillRef idx="0">
+            <a:schemeClr val="accent1"/>
+          </a:fillRef>
+          <a:effectRef idx="0">
+            <a:schemeClr val="accent1"/>
+          </a:effectRef>
+          <a:fontRef idx="minor">
+            <a:schemeClr val="tx1"/>
+          </a:fontRef>
+        </p:style>
+      </p:cxnSp>
+      <p:sp>
+        <p:nvSpPr>
+          <p:cNvPr id="7" name="Retângulo 6">
+            <a:extLst>
+              <a:ext uri="{FF2B5EF4-FFF2-40B4-BE49-F238E27FC236}">
+                <a16:creationId xmlns:a16="http://schemas.microsoft.com/office/drawing/2014/main" id="{B85D8224-4133-4070-A5AB-3AE9CA1C3903}"/>
+              </a:ext>
+            </a:extLst>
+          </p:cNvPr>
+          <p:cNvSpPr/>
+          <p:nvPr/>
+        </p:nvSpPr>
+        <p:spPr>
+          <a:xfrm>
+            <a:off x="5500921" y="1579639"/>
+            <a:ext cx="2041583" cy="1207696"/>
+          </a:xfrm>
+          <a:prstGeom prst="rect">
+            <a:avLst/>
+          </a:prstGeom>
+          <a:solidFill>
+            <a:schemeClr val="bg1"/>
+          </a:solidFill>
+          <a:ln>
+            <a:solidFill>
+              <a:schemeClr val="tx1"/>
+            </a:solidFill>
+          </a:ln>
+        </p:spPr>
+        <p:style>
+          <a:lnRef idx="2">
+            <a:schemeClr val="accent1">
+              <a:shade val="50000"/>
+            </a:schemeClr>
+          </a:lnRef>
+          <a:fillRef idx="1">
+            <a:schemeClr val="accent1"/>
+          </a:fillRef>
+          <a:effectRef idx="0">
+            <a:schemeClr val="accent1"/>
+          </a:effectRef>
+          <a:fontRef idx="minor">
+            <a:schemeClr val="lt1"/>
+          </a:fontRef>
+        </p:style>
+        <p:txBody>
+          <a:bodyPr rtlCol="0" anchor="ctr"/>
+          <a:lstStyle/>
+          <a:p>
+            <a:pPr algn="ctr"/>
+            <a:endParaRPr lang="pt-BR"/>
+          </a:p>
+        </p:txBody>
+      </p:sp>
+      <p:sp>
+        <p:nvSpPr>
+          <p:cNvPr id="8" name="CaixaDeTexto 1">
+            <a:extLst>
+              <a:ext uri="{FF2B5EF4-FFF2-40B4-BE49-F238E27FC236}">
+                <a16:creationId xmlns:a16="http://schemas.microsoft.com/office/drawing/2014/main" id="{BF9502B6-F748-4FC4-B6F9-18A1E394C2BC}"/>
+              </a:ext>
+            </a:extLst>
+          </p:cNvPr>
+          <p:cNvSpPr txBox="1"/>
+          <p:nvPr/>
+        </p:nvSpPr>
+        <p:spPr>
+          <a:xfrm>
+            <a:off x="5500921" y="1836543"/>
+            <a:ext cx="2041583" cy="523220"/>
+          </a:xfrm>
+          <a:prstGeom prst="rect">
+            <a:avLst/>
+          </a:prstGeom>
+        </p:spPr>
+        <p:txBody>
+          <a:bodyPr rot="0" spcFirstLastPara="0" vert="horz" wrap="square" lIns="91440" tIns="45720" rIns="91440" bIns="45720" numCol="1" spcCol="0" rtlCol="0" fromWordArt="0" anchor="t" anchorCtr="0" forceAA="0" compatLnSpc="1">
+            <a:prstTxWarp prst="textNoShape">
+              <a:avLst/>
+            </a:prstTxWarp>
+            <a:spAutoFit/>
+          </a:bodyPr>
+          <a:lstStyle>
+            <a:defPPr>
+              <a:defRPr lang="de-DE"/>
+            </a:defPPr>
+            <a:lvl1pPr marL="0" algn="l" defTabSz="914400" rtl="0" eaLnBrk="1" latinLnBrk="0" hangingPunct="1">
+              <a:defRPr sz="1800" kern="1200">
+                <a:solidFill>
+                  <a:schemeClr val="tx1"/>
+                </a:solidFill>
+                <a:latin typeface="+mn-lt"/>
+                <a:ea typeface="+mn-ea"/>
+                <a:cs typeface="+mn-cs"/>
+              </a:defRPr>
+            </a:lvl1pPr>
+            <a:lvl2pPr marL="457200" algn="l" defTabSz="914400" rtl="0" eaLnBrk="1" latinLnBrk="0" hangingPunct="1">
+              <a:defRPr sz="1800" kern="1200">
+                <a:solidFill>
+                  <a:schemeClr val="tx1"/>
+                </a:solidFill>
+                <a:latin typeface="+mn-lt"/>
+                <a:ea typeface="+mn-ea"/>
+                <a:cs typeface="+mn-cs"/>
+              </a:defRPr>
+            </a:lvl2pPr>
+            <a:lvl3pPr marL="914400" algn="l" defTabSz="914400" rtl="0" eaLnBrk="1" latinLnBrk="0" hangingPunct="1">
+              <a:defRPr sz="1800" kern="1200">
+                <a:solidFill>
+                  <a:schemeClr val="tx1"/>
+                </a:solidFill>
+                <a:latin typeface="+mn-lt"/>
+                <a:ea typeface="+mn-ea"/>
+                <a:cs typeface="+mn-cs"/>
+              </a:defRPr>
+            </a:lvl3pPr>
+            <a:lvl4pPr marL="1371600" algn="l" defTabSz="914400" rtl="0" eaLnBrk="1" latinLnBrk="0" hangingPunct="1">
+              <a:defRPr sz="1800" kern="1200">
+                <a:solidFill>
+                  <a:schemeClr val="tx1"/>
+                </a:solidFill>
+                <a:latin typeface="+mn-lt"/>
+                <a:ea typeface="+mn-ea"/>
+                <a:cs typeface="+mn-cs"/>
+              </a:defRPr>
+            </a:lvl4pPr>
+            <a:lvl5pPr marL="1828800" algn="l" defTabSz="914400" rtl="0" eaLnBrk="1" latinLnBrk="0" hangingPunct="1">
+              <a:defRPr sz="1800" kern="1200">
+                <a:solidFill>
+                  <a:schemeClr val="tx1"/>
+                </a:solidFill>
+                <a:latin typeface="+mn-lt"/>
+                <a:ea typeface="+mn-ea"/>
+                <a:cs typeface="+mn-cs"/>
+              </a:defRPr>
+            </a:lvl5pPr>
+            <a:lvl6pPr marL="2286000" algn="l" defTabSz="914400" rtl="0" eaLnBrk="1" latinLnBrk="0" hangingPunct="1">
+              <a:defRPr sz="1800" kern="1200">
+                <a:solidFill>
+                  <a:schemeClr val="tx1"/>
+                </a:solidFill>
+                <a:latin typeface="+mn-lt"/>
+                <a:ea typeface="+mn-ea"/>
+                <a:cs typeface="+mn-cs"/>
+              </a:defRPr>
+            </a:lvl6pPr>
+            <a:lvl7pPr marL="2743200" algn="l" defTabSz="914400" rtl="0" eaLnBrk="1" latinLnBrk="0" hangingPunct="1">
+              <a:defRPr sz="1800" kern="1200">
+                <a:solidFill>
+                  <a:schemeClr val="tx1"/>
+                </a:solidFill>
+                <a:latin typeface="+mn-lt"/>
+                <a:ea typeface="+mn-ea"/>
+                <a:cs typeface="+mn-cs"/>
+              </a:defRPr>
+            </a:lvl7pPr>
+            <a:lvl8pPr marL="3200400" algn="l" defTabSz="914400" rtl="0" eaLnBrk="1" latinLnBrk="0" hangingPunct="1">
+              <a:defRPr sz="1800" kern="1200">
+                <a:solidFill>
+                  <a:schemeClr val="tx1"/>
+                </a:solidFill>
+                <a:latin typeface="+mn-lt"/>
+                <a:ea typeface="+mn-ea"/>
+                <a:cs typeface="+mn-cs"/>
+              </a:defRPr>
+            </a:lvl8pPr>
+            <a:lvl9pPr marL="3657600" algn="l" defTabSz="914400" rtl="0" eaLnBrk="1" latinLnBrk="0" hangingPunct="1">
+              <a:defRPr sz="1800" kern="1200">
+                <a:solidFill>
+                  <a:schemeClr val="tx1"/>
+                </a:solidFill>
+                <a:latin typeface="+mn-lt"/>
+                <a:ea typeface="+mn-ea"/>
+                <a:cs typeface="+mn-cs"/>
+              </a:defRPr>
+            </a:lvl9pPr>
+          </a:lstStyle>
+          <a:p>
+            <a:pPr algn="ctr"/>
+            <a:r>
+              <a:rPr lang="pt-BR" sz="2800" b="1" i="1" dirty="0">
+                <a:cs typeface="Calibri"/>
+              </a:rPr>
+              <a:t>Financeiro </a:t>
+            </a:r>
+          </a:p>
+        </p:txBody>
+      </p:sp>
       <p:grpSp>
         <p:nvGrpSpPr>
-          <p:cNvPr id="23" name="Agrupar 22">
-            <a:extLst>
-              <a:ext uri="{FF2B5EF4-FFF2-40B4-BE49-F238E27FC236}">
-                <a16:creationId xmlns:a16="http://schemas.microsoft.com/office/drawing/2014/main" xmlns="" id="{0AAE26CE-50AE-4585-8600-8F5CE0F550A2}"/>
+          <p:cNvPr id="9" name="Agrupar 8">
+            <a:extLst>
+              <a:ext uri="{FF2B5EF4-FFF2-40B4-BE49-F238E27FC236}">
+                <a16:creationId xmlns:a16="http://schemas.microsoft.com/office/drawing/2014/main" id="{70EC6F40-B78A-4FA6-AEC6-D87F09F8F858}"/>
               </a:ext>
             </a:extLst>
           </p:cNvPr>
@@ -5688,18 +6105,347 @@
         </p:nvGrpSpPr>
         <p:grpSpPr>
           <a:xfrm>
-            <a:off x="143775" y="196394"/>
-            <a:ext cx="12640752" cy="6570451"/>
-            <a:chOff x="143775" y="196394"/>
-            <a:chExt cx="12640752" cy="6570451"/>
+            <a:off x="663117" y="1181680"/>
+            <a:ext cx="2053087" cy="1761525"/>
+            <a:chOff x="649049" y="1234300"/>
+            <a:chExt cx="2053087" cy="1761525"/>
+          </a:xfrm>
+        </p:grpSpPr>
+        <p:pic>
+          <p:nvPicPr>
+            <p:cNvPr id="10" name="Imagem 6" descr="Uma imagem contendo objeto&#10;&#10;Descrição gerada com muito alta confiança">
+              <a:extLst>
+                <a:ext uri="{FF2B5EF4-FFF2-40B4-BE49-F238E27FC236}">
+                  <a16:creationId xmlns:a16="http://schemas.microsoft.com/office/drawing/2014/main" id="{2EDB6AAB-80CB-4F3F-8B37-01FF56F250D4}"/>
+                </a:ext>
+              </a:extLst>
+            </p:cNvPr>
+            <p:cNvPicPr>
+              <a:picLocks noChangeAspect="1"/>
+            </p:cNvPicPr>
+            <p:nvPr/>
+          </p:nvPicPr>
+          <p:blipFill>
+            <a:blip r:embed="rId2"/>
+            <a:stretch>
+              <a:fillRect/>
+            </a:stretch>
+          </p:blipFill>
+          <p:spPr>
+            <a:xfrm>
+              <a:off x="843144" y="1234300"/>
+              <a:ext cx="832449" cy="1326672"/>
+            </a:xfrm>
+            <a:prstGeom prst="rect">
+              <a:avLst/>
+            </a:prstGeom>
+          </p:spPr>
+        </p:pic>
+        <p:sp>
+          <p:nvSpPr>
+            <p:cNvPr id="11" name="CaixaDeTexto 10">
+              <a:extLst>
+                <a:ext uri="{FF2B5EF4-FFF2-40B4-BE49-F238E27FC236}">
+                  <a16:creationId xmlns:a16="http://schemas.microsoft.com/office/drawing/2014/main" id="{D2F17BB0-905F-429F-BA48-277307751C61}"/>
+                </a:ext>
+              </a:extLst>
+            </p:cNvPr>
+            <p:cNvSpPr txBox="1"/>
+            <p:nvPr/>
+          </p:nvSpPr>
+          <p:spPr>
+            <a:xfrm>
+              <a:off x="649049" y="2534160"/>
+              <a:ext cx="2053087" cy="461665"/>
+            </a:xfrm>
+            <a:prstGeom prst="rect">
+              <a:avLst/>
+            </a:prstGeom>
+          </p:spPr>
+          <p:txBody>
+            <a:bodyPr rot="0" spcFirstLastPara="0" vertOverflow="overflow" horzOverflow="overflow" vert="horz" wrap="square" lIns="91440" tIns="45720" rIns="91440" bIns="45720" numCol="1" spcCol="0" rtlCol="0" fromWordArt="0" anchor="t" anchorCtr="0" forceAA="0" compatLnSpc="1">
+              <a:prstTxWarp prst="textNoShape">
+                <a:avLst/>
+              </a:prstTxWarp>
+              <a:spAutoFit/>
+            </a:bodyPr>
+            <a:lstStyle/>
+            <a:p>
+              <a:r>
+                <a:rPr lang="pt-BR" sz="2400" b="1" i="1" dirty="0">
+                  <a:cs typeface="Calibri"/>
+                </a:rPr>
+                <a:t>Doador </a:t>
+              </a:r>
+              <a:endParaRPr lang="pt-BR" sz="2400" b="1" i="1" dirty="0"/>
+            </a:p>
+          </p:txBody>
+        </p:sp>
+      </p:grpSp>
+      <p:cxnSp>
+        <p:nvCxnSpPr>
+          <p:cNvPr id="12" name="Conector de Seta Reta 11">
+            <a:extLst>
+              <a:ext uri="{FF2B5EF4-FFF2-40B4-BE49-F238E27FC236}">
+                <a16:creationId xmlns:a16="http://schemas.microsoft.com/office/drawing/2014/main" id="{AADFC01F-DE98-49E6-BCF3-4D209C12920F}"/>
+              </a:ext>
+            </a:extLst>
+          </p:cNvPr>
+          <p:cNvCxnSpPr>
+            <a:cxnSpLocks/>
+          </p:cNvCxnSpPr>
+          <p:nvPr/>
+        </p:nvCxnSpPr>
+        <p:spPr>
+          <a:xfrm>
+            <a:off x="6405975" y="2787335"/>
+            <a:ext cx="0" cy="1535293"/>
+          </a:xfrm>
+          <a:prstGeom prst="straightConnector1">
+            <a:avLst/>
+          </a:prstGeom>
+          <a:ln>
+            <a:solidFill>
+              <a:schemeClr val="tx1"/>
+            </a:solidFill>
+            <a:tailEnd type="triangle"/>
+          </a:ln>
+        </p:spPr>
+        <p:style>
+          <a:lnRef idx="1">
+            <a:schemeClr val="accent1"/>
+          </a:lnRef>
+          <a:fillRef idx="0">
+            <a:schemeClr val="accent1"/>
+          </a:fillRef>
+          <a:effectRef idx="0">
+            <a:schemeClr val="accent1"/>
+          </a:effectRef>
+          <a:fontRef idx="minor">
+            <a:schemeClr val="tx1"/>
+          </a:fontRef>
+        </p:style>
+      </p:cxnSp>
+      <p:cxnSp>
+        <p:nvCxnSpPr>
+          <p:cNvPr id="13" name="Conector de Seta Reta 12">
+            <a:extLst>
+              <a:ext uri="{FF2B5EF4-FFF2-40B4-BE49-F238E27FC236}">
+                <a16:creationId xmlns:a16="http://schemas.microsoft.com/office/drawing/2014/main" id="{38305CCA-0FC0-4C75-8071-F8E8AE25FE80}"/>
+              </a:ext>
+            </a:extLst>
+          </p:cNvPr>
+          <p:cNvCxnSpPr>
+            <a:cxnSpLocks/>
+          </p:cNvCxnSpPr>
+          <p:nvPr/>
+        </p:nvCxnSpPr>
+        <p:spPr>
+          <a:xfrm flipH="1">
+            <a:off x="1764783" y="713737"/>
+            <a:ext cx="3157717" cy="1312248"/>
+          </a:xfrm>
+          <a:prstGeom prst="straightConnector1">
+            <a:avLst/>
+          </a:prstGeom>
+          <a:ln>
+            <a:solidFill>
+              <a:schemeClr val="tx1"/>
+            </a:solidFill>
+            <a:tailEnd type="triangle"/>
+          </a:ln>
+        </p:spPr>
+        <p:style>
+          <a:lnRef idx="1">
+            <a:schemeClr val="accent1"/>
+          </a:lnRef>
+          <a:fillRef idx="0">
+            <a:schemeClr val="accent1"/>
+          </a:fillRef>
+          <a:effectRef idx="0">
+            <a:schemeClr val="accent1"/>
+          </a:effectRef>
+          <a:fontRef idx="minor">
+            <a:schemeClr val="tx1"/>
+          </a:fontRef>
+        </p:style>
+      </p:cxnSp>
+      <p:sp>
+        <p:nvSpPr>
+          <p:cNvPr id="15" name="CaixaDeTexto 14">
+            <a:extLst>
+              <a:ext uri="{FF2B5EF4-FFF2-40B4-BE49-F238E27FC236}">
+                <a16:creationId xmlns:a16="http://schemas.microsoft.com/office/drawing/2014/main" id="{1072E68A-2CFE-47FF-8235-BA0891062FB7}"/>
+              </a:ext>
+            </a:extLst>
+          </p:cNvPr>
+          <p:cNvSpPr txBox="1"/>
+          <p:nvPr/>
+        </p:nvSpPr>
+        <p:spPr>
+          <a:xfrm>
+            <a:off x="-433350" y="3446932"/>
+            <a:ext cx="4827916" cy="584775"/>
+          </a:xfrm>
+          <a:prstGeom prst="rect">
+            <a:avLst/>
+          </a:prstGeom>
+        </p:spPr>
+        <p:txBody>
+          <a:bodyPr rot="0" spcFirstLastPara="0" vertOverflow="overflow" horzOverflow="overflow" vert="horz" wrap="square" lIns="91440" tIns="45720" rIns="91440" bIns="45720" numCol="1" spcCol="0" rtlCol="0" fromWordArt="0" anchor="t" anchorCtr="0" forceAA="0" compatLnSpc="1">
+            <a:prstTxWarp prst="textNoShape">
+              <a:avLst/>
+            </a:prstTxWarp>
+            <a:spAutoFit/>
+          </a:bodyPr>
+          <a:lstStyle/>
+          <a:p>
+            <a:pPr algn="ctr"/>
+            <a:r>
+              <a:rPr lang="pt-BR" sz="3200" b="1" i="1" u="sng" dirty="0">
+                <a:cs typeface="Calibri"/>
+              </a:rPr>
+              <a:t>Capacidades : </a:t>
+            </a:r>
+            <a:endParaRPr lang="pt-BR" dirty="0"/>
+          </a:p>
+        </p:txBody>
+      </p:sp>
+      <p:sp>
+        <p:nvSpPr>
+          <p:cNvPr id="16" name="CaixaDeTexto 15">
+            <a:extLst>
+              <a:ext uri="{FF2B5EF4-FFF2-40B4-BE49-F238E27FC236}">
+                <a16:creationId xmlns:a16="http://schemas.microsoft.com/office/drawing/2014/main" id="{5FE7BE5C-46D4-4852-A65D-C8065BA82FF9}"/>
+              </a:ext>
+            </a:extLst>
+          </p:cNvPr>
+          <p:cNvSpPr txBox="1"/>
+          <p:nvPr/>
+        </p:nvSpPr>
+        <p:spPr>
+          <a:xfrm>
+            <a:off x="10055395" y="945348"/>
+            <a:ext cx="2743200" cy="369332"/>
+          </a:xfrm>
+          <a:prstGeom prst="rect">
+            <a:avLst/>
+          </a:prstGeom>
+        </p:spPr>
+        <p:txBody>
+          <a:bodyPr rot="0" spcFirstLastPara="0" vertOverflow="overflow" horzOverflow="overflow" vert="horz" wrap="square" lIns="91440" tIns="45720" rIns="91440" bIns="45720" numCol="1" spcCol="0" rtlCol="0" fromWordArt="0" anchor="t" anchorCtr="0" forceAA="0" compatLnSpc="1">
+            <a:prstTxWarp prst="textNoShape">
+              <a:avLst/>
+            </a:prstTxWarp>
+            <a:spAutoFit/>
+          </a:bodyPr>
+          <a:lstStyle/>
+          <a:p>
+            <a:r>
+              <a:rPr lang="pt-BR" b="1" i="1" u="sng">
+                <a:cs typeface="Calibri"/>
+              </a:rPr>
+              <a:t>Nós operacionais</a:t>
+            </a:r>
+          </a:p>
+        </p:txBody>
+      </p:sp>
+      <p:grpSp>
+        <p:nvGrpSpPr>
+          <p:cNvPr id="20" name="Agrupar 19">
+            <a:extLst>
+              <a:ext uri="{FF2B5EF4-FFF2-40B4-BE49-F238E27FC236}">
+                <a16:creationId xmlns:a16="http://schemas.microsoft.com/office/drawing/2014/main" id="{563ABF16-B5E2-4231-A0F2-37CCF9F052D9}"/>
+              </a:ext>
+            </a:extLst>
+          </p:cNvPr>
+          <p:cNvGrpSpPr/>
+          <p:nvPr/>
+        </p:nvGrpSpPr>
+        <p:grpSpPr>
+          <a:xfrm>
+            <a:off x="4641563" y="4376034"/>
+            <a:ext cx="3321525" cy="1725002"/>
+            <a:chOff x="4924913" y="3826377"/>
+            <a:chExt cx="2837495" cy="1818979"/>
           </a:xfrm>
         </p:grpSpPr>
         <p:sp>
           <p:nvSpPr>
-            <p:cNvPr id="4" name="Retângulo 3">
+            <p:cNvPr id="21" name="CaixaDeTexto 20">
               <a:extLst>
                 <a:ext uri="{FF2B5EF4-FFF2-40B4-BE49-F238E27FC236}">
-                  <a16:creationId xmlns:a16="http://schemas.microsoft.com/office/drawing/2014/main" xmlns="" id="{88C6BF1B-8B81-4A42-B266-9DF3168EF8CB}"/>
+                  <a16:creationId xmlns:a16="http://schemas.microsoft.com/office/drawing/2014/main" id="{65293A4E-D1A4-4BFC-B18A-9C448A820B5D}"/>
+                </a:ext>
+              </a:extLst>
+            </p:cNvPr>
+            <p:cNvSpPr txBox="1"/>
+            <p:nvPr/>
+          </p:nvSpPr>
+          <p:spPr>
+            <a:xfrm>
+              <a:off x="5033585" y="4087545"/>
+              <a:ext cx="2728823" cy="1557811"/>
+            </a:xfrm>
+            <a:prstGeom prst="rect">
+              <a:avLst/>
+            </a:prstGeom>
+          </p:spPr>
+          <p:txBody>
+            <a:bodyPr rot="0" spcFirstLastPara="0" vertOverflow="overflow" horzOverflow="overflow" vert="horz" wrap="square" lIns="91440" tIns="45720" rIns="91440" bIns="45720" numCol="1" spcCol="0" rtlCol="0" fromWordArt="0" anchor="t" anchorCtr="0" forceAA="0" compatLnSpc="1">
+              <a:prstTxWarp prst="textNoShape">
+                <a:avLst/>
+              </a:prstTxWarp>
+              <a:spAutoFit/>
+            </a:bodyPr>
+            <a:lstStyle/>
+            <a:p>
+              <a:pPr marL="285750" indent="-285750">
+                <a:buFont typeface="Arial"/>
+                <a:buChar char="•"/>
+              </a:pPr>
+              <a:r>
+                <a:rPr lang="pt-BR" b="1" i="1" dirty="0">
+                  <a:cs typeface="Calibri"/>
+                </a:rPr>
+                <a:t>Recebe a Doação </a:t>
+              </a:r>
+              <a:endParaRPr lang="pt-BR" dirty="0">
+                <a:cs typeface="Calibri"/>
+              </a:endParaRPr>
+            </a:p>
+            <a:p>
+              <a:pPr marL="285750" indent="-285750">
+                <a:buFont typeface="Arial"/>
+                <a:buChar char="•"/>
+              </a:pPr>
+              <a:r>
+                <a:rPr lang="pt-BR" b="1" i="1" dirty="0">
+                  <a:cs typeface="Calibri"/>
+                </a:rPr>
+                <a:t>Emitir nota de recebimento</a:t>
+              </a:r>
+            </a:p>
+            <a:p>
+              <a:pPr marL="285750" indent="-285750">
+                <a:buFont typeface="Arial"/>
+                <a:buChar char="•"/>
+              </a:pPr>
+              <a:r>
+                <a:rPr lang="pt-BR" b="1" i="1" dirty="0">
+                  <a:cs typeface="Calibri"/>
+                </a:rPr>
+                <a:t>Lançar contribuição no livro controle</a:t>
+              </a:r>
+            </a:p>
+          </p:txBody>
+        </p:sp>
+        <p:sp>
+          <p:nvSpPr>
+            <p:cNvPr id="22" name="Retângulo 21">
+              <a:extLst>
+                <a:ext uri="{FF2B5EF4-FFF2-40B4-BE49-F238E27FC236}">
+                  <a16:creationId xmlns:a16="http://schemas.microsoft.com/office/drawing/2014/main" id="{03B94166-CC62-4486-B433-F9A38735B863}"/>
                 </a:ext>
               </a:extLst>
             </p:cNvPr>
@@ -5708,15 +6454,13 @@
           </p:nvSpPr>
           <p:spPr>
             <a:xfrm>
-              <a:off x="143775" y="196394"/>
-              <a:ext cx="11904450" cy="6570451"/>
+              <a:off x="4924913" y="3826377"/>
+              <a:ext cx="2769078" cy="1762663"/>
             </a:xfrm>
             <a:prstGeom prst="rect">
               <a:avLst/>
             </a:prstGeom>
-            <a:solidFill>
-              <a:schemeClr val="bg1"/>
-            </a:solidFill>
+            <a:noFill/>
             <a:ln>
               <a:solidFill>
                 <a:schemeClr val="tx1"/>
@@ -5748,730 +6492,13 @@
             </a:p>
           </p:txBody>
         </p:sp>
-        <p:sp>
-          <p:nvSpPr>
-            <p:cNvPr id="5" name="CaixaDeTexto 4">
-              <a:extLst>
-                <a:ext uri="{FF2B5EF4-FFF2-40B4-BE49-F238E27FC236}">
-                  <a16:creationId xmlns:a16="http://schemas.microsoft.com/office/drawing/2014/main" xmlns="" id="{1AEAEC07-A165-4D26-BBD3-BB0A2EE6FDCE}"/>
-                </a:ext>
-              </a:extLst>
-            </p:cNvPr>
-            <p:cNvSpPr txBox="1"/>
-            <p:nvPr/>
-          </p:nvSpPr>
-          <p:spPr>
-            <a:xfrm>
-              <a:off x="151502" y="280898"/>
-              <a:ext cx="11915953" cy="584775"/>
-            </a:xfrm>
-            <a:prstGeom prst="rect">
-              <a:avLst/>
-            </a:prstGeom>
-          </p:spPr>
-          <p:txBody>
-            <a:bodyPr rot="0" spcFirstLastPara="0" vertOverflow="overflow" horzOverflow="overflow" vert="horz" wrap="square" lIns="91440" tIns="45720" rIns="91440" bIns="45720" numCol="1" spcCol="0" rtlCol="0" fromWordArt="0" anchor="t" anchorCtr="0" forceAA="0" compatLnSpc="1">
-              <a:prstTxWarp prst="textNoShape">
-                <a:avLst/>
-              </a:prstTxWarp>
-              <a:spAutoFit/>
-            </a:bodyPr>
-            <a:lstStyle/>
-            <a:p>
-              <a:pPr algn="ctr"/>
-              <a:r>
-                <a:rPr lang="pt-BR" sz="3200" b="1" i="1" u="sng" dirty="0">
-                  <a:cs typeface="Calibri"/>
-                </a:rPr>
-                <a:t>Cenário : Doar </a:t>
-              </a:r>
-              <a:endParaRPr lang="pt-BR" dirty="0"/>
-            </a:p>
-          </p:txBody>
-        </p:sp>
-        <p:cxnSp>
-          <p:nvCxnSpPr>
-            <p:cNvPr id="6" name="Conector de Seta Reta 5">
-              <a:extLst>
-                <a:ext uri="{FF2B5EF4-FFF2-40B4-BE49-F238E27FC236}">
-                  <a16:creationId xmlns:a16="http://schemas.microsoft.com/office/drawing/2014/main" xmlns="" id="{3CA215E8-6B7A-4EE8-B19D-43965C2FFF51}"/>
-                </a:ext>
-              </a:extLst>
-            </p:cNvPr>
-            <p:cNvCxnSpPr>
-              <a:cxnSpLocks/>
-            </p:cNvCxnSpPr>
-            <p:nvPr/>
-          </p:nvCxnSpPr>
-          <p:spPr>
-            <a:xfrm flipV="1">
-              <a:off x="151502" y="932548"/>
-              <a:ext cx="11896723" cy="26601"/>
-            </a:xfrm>
-            <a:prstGeom prst="straightConnector1">
-              <a:avLst/>
-            </a:prstGeom>
-            <a:ln>
-              <a:solidFill>
-                <a:schemeClr val="tx1"/>
-              </a:solidFill>
-            </a:ln>
-          </p:spPr>
-          <p:style>
-            <a:lnRef idx="1">
-              <a:schemeClr val="accent1"/>
-            </a:lnRef>
-            <a:fillRef idx="0">
-              <a:schemeClr val="accent1"/>
-            </a:fillRef>
-            <a:effectRef idx="0">
-              <a:schemeClr val="accent1"/>
-            </a:effectRef>
-            <a:fontRef idx="minor">
-              <a:schemeClr val="tx1"/>
-            </a:fontRef>
-          </p:style>
-        </p:cxnSp>
-        <p:sp>
-          <p:nvSpPr>
-            <p:cNvPr id="7" name="Retângulo 6">
-              <a:extLst>
-                <a:ext uri="{FF2B5EF4-FFF2-40B4-BE49-F238E27FC236}">
-                  <a16:creationId xmlns:a16="http://schemas.microsoft.com/office/drawing/2014/main" xmlns="" id="{B85D8224-4133-4070-A5AB-3AE9CA1C3903}"/>
-                </a:ext>
-              </a:extLst>
-            </p:cNvPr>
-            <p:cNvSpPr/>
-            <p:nvPr/>
-          </p:nvSpPr>
-          <p:spPr>
-            <a:xfrm>
-              <a:off x="7506059" y="1474757"/>
-              <a:ext cx="2041583" cy="1207696"/>
-            </a:xfrm>
-            <a:prstGeom prst="rect">
-              <a:avLst/>
-            </a:prstGeom>
-            <a:solidFill>
-              <a:schemeClr val="bg1"/>
-            </a:solidFill>
-            <a:ln>
-              <a:solidFill>
-                <a:schemeClr val="tx1"/>
-              </a:solidFill>
-            </a:ln>
-          </p:spPr>
-          <p:style>
-            <a:lnRef idx="2">
-              <a:schemeClr val="accent1">
-                <a:shade val="50000"/>
-              </a:schemeClr>
-            </a:lnRef>
-            <a:fillRef idx="1">
-              <a:schemeClr val="accent1"/>
-            </a:fillRef>
-            <a:effectRef idx="0">
-              <a:schemeClr val="accent1"/>
-            </a:effectRef>
-            <a:fontRef idx="minor">
-              <a:schemeClr val="lt1"/>
-            </a:fontRef>
-          </p:style>
-          <p:txBody>
-            <a:bodyPr rtlCol="0" anchor="ctr"/>
-            <a:lstStyle/>
-            <a:p>
-              <a:pPr algn="ctr"/>
-              <a:endParaRPr lang="pt-BR"/>
-            </a:p>
-          </p:txBody>
-        </p:sp>
-        <p:sp>
-          <p:nvSpPr>
-            <p:cNvPr id="8" name="CaixaDeTexto 1">
-              <a:extLst>
-                <a:ext uri="{FF2B5EF4-FFF2-40B4-BE49-F238E27FC236}">
-                  <a16:creationId xmlns:a16="http://schemas.microsoft.com/office/drawing/2014/main" xmlns="" id="{BF9502B6-F748-4FC4-B6F9-18A1E394C2BC}"/>
-                </a:ext>
-              </a:extLst>
-            </p:cNvPr>
-            <p:cNvSpPr txBox="1"/>
-            <p:nvPr/>
-          </p:nvSpPr>
-          <p:spPr>
-            <a:xfrm>
-              <a:off x="7513698" y="1847491"/>
-              <a:ext cx="2041583" cy="523220"/>
-            </a:xfrm>
-            <a:prstGeom prst="rect">
-              <a:avLst/>
-            </a:prstGeom>
-          </p:spPr>
-          <p:txBody>
-            <a:bodyPr rot="0" spcFirstLastPara="0" vert="horz" wrap="square" lIns="91440" tIns="45720" rIns="91440" bIns="45720" numCol="1" spcCol="0" rtlCol="0" fromWordArt="0" anchor="t" anchorCtr="0" forceAA="0" compatLnSpc="1">
-              <a:prstTxWarp prst="textNoShape">
-                <a:avLst/>
-              </a:prstTxWarp>
-              <a:spAutoFit/>
-            </a:bodyPr>
-            <a:lstStyle>
-              <a:defPPr>
-                <a:defRPr lang="de-DE"/>
-              </a:defPPr>
-              <a:lvl1pPr marL="0" algn="l" defTabSz="914400" rtl="0" eaLnBrk="1" latinLnBrk="0" hangingPunct="1">
-                <a:defRPr sz="1800" kern="1200">
-                  <a:solidFill>
-                    <a:schemeClr val="tx1"/>
-                  </a:solidFill>
-                  <a:latin typeface="+mn-lt"/>
-                  <a:ea typeface="+mn-ea"/>
-                  <a:cs typeface="+mn-cs"/>
-                </a:defRPr>
-              </a:lvl1pPr>
-              <a:lvl2pPr marL="457200" algn="l" defTabSz="914400" rtl="0" eaLnBrk="1" latinLnBrk="0" hangingPunct="1">
-                <a:defRPr sz="1800" kern="1200">
-                  <a:solidFill>
-                    <a:schemeClr val="tx1"/>
-                  </a:solidFill>
-                  <a:latin typeface="+mn-lt"/>
-                  <a:ea typeface="+mn-ea"/>
-                  <a:cs typeface="+mn-cs"/>
-                </a:defRPr>
-              </a:lvl2pPr>
-              <a:lvl3pPr marL="914400" algn="l" defTabSz="914400" rtl="0" eaLnBrk="1" latinLnBrk="0" hangingPunct="1">
-                <a:defRPr sz="1800" kern="1200">
-                  <a:solidFill>
-                    <a:schemeClr val="tx1"/>
-                  </a:solidFill>
-                  <a:latin typeface="+mn-lt"/>
-                  <a:ea typeface="+mn-ea"/>
-                  <a:cs typeface="+mn-cs"/>
-                </a:defRPr>
-              </a:lvl3pPr>
-              <a:lvl4pPr marL="1371600" algn="l" defTabSz="914400" rtl="0" eaLnBrk="1" latinLnBrk="0" hangingPunct="1">
-                <a:defRPr sz="1800" kern="1200">
-                  <a:solidFill>
-                    <a:schemeClr val="tx1"/>
-                  </a:solidFill>
-                  <a:latin typeface="+mn-lt"/>
-                  <a:ea typeface="+mn-ea"/>
-                  <a:cs typeface="+mn-cs"/>
-                </a:defRPr>
-              </a:lvl4pPr>
-              <a:lvl5pPr marL="1828800" algn="l" defTabSz="914400" rtl="0" eaLnBrk="1" latinLnBrk="0" hangingPunct="1">
-                <a:defRPr sz="1800" kern="1200">
-                  <a:solidFill>
-                    <a:schemeClr val="tx1"/>
-                  </a:solidFill>
-                  <a:latin typeface="+mn-lt"/>
-                  <a:ea typeface="+mn-ea"/>
-                  <a:cs typeface="+mn-cs"/>
-                </a:defRPr>
-              </a:lvl5pPr>
-              <a:lvl6pPr marL="2286000" algn="l" defTabSz="914400" rtl="0" eaLnBrk="1" latinLnBrk="0" hangingPunct="1">
-                <a:defRPr sz="1800" kern="1200">
-                  <a:solidFill>
-                    <a:schemeClr val="tx1"/>
-                  </a:solidFill>
-                  <a:latin typeface="+mn-lt"/>
-                  <a:ea typeface="+mn-ea"/>
-                  <a:cs typeface="+mn-cs"/>
-                </a:defRPr>
-              </a:lvl6pPr>
-              <a:lvl7pPr marL="2743200" algn="l" defTabSz="914400" rtl="0" eaLnBrk="1" latinLnBrk="0" hangingPunct="1">
-                <a:defRPr sz="1800" kern="1200">
-                  <a:solidFill>
-                    <a:schemeClr val="tx1"/>
-                  </a:solidFill>
-                  <a:latin typeface="+mn-lt"/>
-                  <a:ea typeface="+mn-ea"/>
-                  <a:cs typeface="+mn-cs"/>
-                </a:defRPr>
-              </a:lvl7pPr>
-              <a:lvl8pPr marL="3200400" algn="l" defTabSz="914400" rtl="0" eaLnBrk="1" latinLnBrk="0" hangingPunct="1">
-                <a:defRPr sz="1800" kern="1200">
-                  <a:solidFill>
-                    <a:schemeClr val="tx1"/>
-                  </a:solidFill>
-                  <a:latin typeface="+mn-lt"/>
-                  <a:ea typeface="+mn-ea"/>
-                  <a:cs typeface="+mn-cs"/>
-                </a:defRPr>
-              </a:lvl8pPr>
-              <a:lvl9pPr marL="3657600" algn="l" defTabSz="914400" rtl="0" eaLnBrk="1" latinLnBrk="0" hangingPunct="1">
-                <a:defRPr sz="1800" kern="1200">
-                  <a:solidFill>
-                    <a:schemeClr val="tx1"/>
-                  </a:solidFill>
-                  <a:latin typeface="+mn-lt"/>
-                  <a:ea typeface="+mn-ea"/>
-                  <a:cs typeface="+mn-cs"/>
-                </a:defRPr>
-              </a:lvl9pPr>
-            </a:lstStyle>
-            <a:p>
-              <a:pPr algn="ctr"/>
-              <a:r>
-                <a:rPr lang="pt-BR" sz="2800" b="1" i="1" dirty="0">
-                  <a:cs typeface="Calibri"/>
-                </a:rPr>
-                <a:t>Financeiro </a:t>
-              </a:r>
-            </a:p>
-          </p:txBody>
-        </p:sp>
-        <p:grpSp>
-          <p:nvGrpSpPr>
-            <p:cNvPr id="9" name="Agrupar 8">
-              <a:extLst>
-                <a:ext uri="{FF2B5EF4-FFF2-40B4-BE49-F238E27FC236}">
-                  <a16:creationId xmlns:a16="http://schemas.microsoft.com/office/drawing/2014/main" xmlns="" id="{70EC6F40-B78A-4FA6-AEC6-D87F09F8F858}"/>
-                </a:ext>
-              </a:extLst>
-            </p:cNvPr>
-            <p:cNvGrpSpPr/>
-            <p:nvPr/>
-          </p:nvGrpSpPr>
-          <p:grpSpPr>
-            <a:xfrm>
-              <a:off x="2846358" y="1184155"/>
-              <a:ext cx="2053087" cy="1735678"/>
-              <a:chOff x="2846358" y="1184155"/>
-              <a:chExt cx="2053087" cy="1735678"/>
-            </a:xfrm>
-          </p:grpSpPr>
-          <p:pic>
-            <p:nvPicPr>
-              <p:cNvPr id="10" name="Imagem 6" descr="Uma imagem contendo objeto&#10;&#10;Descrição gerada com muito alta confiança">
-                <a:extLst>
-                  <a:ext uri="{FF2B5EF4-FFF2-40B4-BE49-F238E27FC236}">
-                    <a16:creationId xmlns:a16="http://schemas.microsoft.com/office/drawing/2014/main" xmlns="" id="{2EDB6AAB-80CB-4F3F-8B37-01FF56F250D4}"/>
-                  </a:ext>
-                </a:extLst>
-              </p:cNvPr>
-              <p:cNvPicPr>
-                <a:picLocks noChangeAspect="1"/>
-              </p:cNvPicPr>
-              <p:nvPr/>
-            </p:nvPicPr>
-            <p:blipFill>
-              <a:blip r:embed="rId2"/>
-              <a:stretch>
-                <a:fillRect/>
-              </a:stretch>
-            </p:blipFill>
-            <p:spPr>
-              <a:xfrm>
-                <a:off x="3199682" y="1184155"/>
-                <a:ext cx="832449" cy="1326672"/>
-              </a:xfrm>
-              <a:prstGeom prst="rect">
-                <a:avLst/>
-              </a:prstGeom>
-            </p:spPr>
-          </p:pic>
-          <p:sp>
-            <p:nvSpPr>
-              <p:cNvPr id="11" name="CaixaDeTexto 10">
-                <a:extLst>
-                  <a:ext uri="{FF2B5EF4-FFF2-40B4-BE49-F238E27FC236}">
-                    <a16:creationId xmlns:a16="http://schemas.microsoft.com/office/drawing/2014/main" xmlns="" id="{D2F17BB0-905F-429F-BA48-277307751C61}"/>
-                  </a:ext>
-                </a:extLst>
-              </p:cNvPr>
-              <p:cNvSpPr txBox="1"/>
-              <p:nvPr/>
-            </p:nvSpPr>
-            <p:spPr>
-              <a:xfrm>
-                <a:off x="2846358" y="2458168"/>
-                <a:ext cx="2053087" cy="461665"/>
-              </a:xfrm>
-              <a:prstGeom prst="rect">
-                <a:avLst/>
-              </a:prstGeom>
-            </p:spPr>
-            <p:txBody>
-              <a:bodyPr rot="0" spcFirstLastPara="0" vertOverflow="overflow" horzOverflow="overflow" vert="horz" wrap="square" lIns="91440" tIns="45720" rIns="91440" bIns="45720" numCol="1" spcCol="0" rtlCol="0" fromWordArt="0" anchor="t" anchorCtr="0" forceAA="0" compatLnSpc="1">
-                <a:prstTxWarp prst="textNoShape">
-                  <a:avLst/>
-                </a:prstTxWarp>
-                <a:spAutoFit/>
-              </a:bodyPr>
-              <a:lstStyle/>
-              <a:p>
-                <a:r>
-                  <a:rPr lang="pt-BR" sz="2400" b="1" i="1" dirty="0">
-                    <a:cs typeface="Calibri"/>
-                  </a:rPr>
-                  <a:t>Doador </a:t>
-                </a:r>
-                <a:endParaRPr lang="pt-BR" sz="2400" b="1" i="1" dirty="0"/>
-              </a:p>
-            </p:txBody>
-          </p:sp>
-        </p:grpSp>
-        <p:cxnSp>
-          <p:nvCxnSpPr>
-            <p:cNvPr id="12" name="Conector de Seta Reta 11">
-              <a:extLst>
-                <a:ext uri="{FF2B5EF4-FFF2-40B4-BE49-F238E27FC236}">
-                  <a16:creationId xmlns:a16="http://schemas.microsoft.com/office/drawing/2014/main" xmlns="" id="{AADFC01F-DE98-49E6-BCF3-4D209C12920F}"/>
-                </a:ext>
-              </a:extLst>
-            </p:cNvPr>
-            <p:cNvCxnSpPr>
-              <a:cxnSpLocks/>
-            </p:cNvCxnSpPr>
-            <p:nvPr/>
-          </p:nvCxnSpPr>
-          <p:spPr>
-            <a:xfrm>
-              <a:off x="8600535" y="2684253"/>
-              <a:ext cx="0" cy="1738415"/>
-            </a:xfrm>
-            <a:prstGeom prst="straightConnector1">
-              <a:avLst/>
-            </a:prstGeom>
-            <a:ln>
-              <a:solidFill>
-                <a:schemeClr val="tx1"/>
-              </a:solidFill>
-              <a:tailEnd type="triangle"/>
-            </a:ln>
-          </p:spPr>
-          <p:style>
-            <a:lnRef idx="1">
-              <a:schemeClr val="accent1"/>
-            </a:lnRef>
-            <a:fillRef idx="0">
-              <a:schemeClr val="accent1"/>
-            </a:fillRef>
-            <a:effectRef idx="0">
-              <a:schemeClr val="accent1"/>
-            </a:effectRef>
-            <a:fontRef idx="minor">
-              <a:schemeClr val="tx1"/>
-            </a:fontRef>
-          </p:style>
-        </p:cxnSp>
-        <p:cxnSp>
-          <p:nvCxnSpPr>
-            <p:cNvPr id="13" name="Conector de Seta Reta 12">
-              <a:extLst>
-                <a:ext uri="{FF2B5EF4-FFF2-40B4-BE49-F238E27FC236}">
-                  <a16:creationId xmlns:a16="http://schemas.microsoft.com/office/drawing/2014/main" xmlns="" id="{38305CCA-0FC0-4C75-8071-F8E8AE25FE80}"/>
-                </a:ext>
-              </a:extLst>
-            </p:cNvPr>
-            <p:cNvCxnSpPr>
-              <a:cxnSpLocks/>
-            </p:cNvCxnSpPr>
-            <p:nvPr/>
-          </p:nvCxnSpPr>
-          <p:spPr>
-            <a:xfrm flipH="1">
-              <a:off x="4032132" y="766357"/>
-              <a:ext cx="876299" cy="746205"/>
-            </a:xfrm>
-            <a:prstGeom prst="straightConnector1">
-              <a:avLst/>
-            </a:prstGeom>
-            <a:ln>
-              <a:solidFill>
-                <a:schemeClr val="tx1"/>
-              </a:solidFill>
-              <a:tailEnd type="triangle"/>
-            </a:ln>
-          </p:spPr>
-          <p:style>
-            <a:lnRef idx="1">
-              <a:schemeClr val="accent1"/>
-            </a:lnRef>
-            <a:fillRef idx="0">
-              <a:schemeClr val="accent1"/>
-            </a:fillRef>
-            <a:effectRef idx="0">
-              <a:schemeClr val="accent1"/>
-            </a:effectRef>
-            <a:fontRef idx="minor">
-              <a:schemeClr val="tx1"/>
-            </a:fontRef>
-          </p:style>
-        </p:cxnSp>
-        <p:sp>
-          <p:nvSpPr>
-            <p:cNvPr id="15" name="CaixaDeTexto 14">
-              <a:extLst>
-                <a:ext uri="{FF2B5EF4-FFF2-40B4-BE49-F238E27FC236}">
-                  <a16:creationId xmlns:a16="http://schemas.microsoft.com/office/drawing/2014/main" xmlns="" id="{1072E68A-2CFE-47FF-8235-BA0891062FB7}"/>
-                </a:ext>
-              </a:extLst>
-            </p:cNvPr>
-            <p:cNvSpPr txBox="1"/>
-            <p:nvPr/>
-          </p:nvSpPr>
-          <p:spPr>
-            <a:xfrm>
-              <a:off x="3331233" y="3658331"/>
-              <a:ext cx="4827916" cy="584775"/>
-            </a:xfrm>
-            <a:prstGeom prst="rect">
-              <a:avLst/>
-            </a:prstGeom>
-          </p:spPr>
-          <p:txBody>
-            <a:bodyPr rot="0" spcFirstLastPara="0" vertOverflow="overflow" horzOverflow="overflow" vert="horz" wrap="square" lIns="91440" tIns="45720" rIns="91440" bIns="45720" numCol="1" spcCol="0" rtlCol="0" fromWordArt="0" anchor="t" anchorCtr="0" forceAA="0" compatLnSpc="1">
-              <a:prstTxWarp prst="textNoShape">
-                <a:avLst/>
-              </a:prstTxWarp>
-              <a:spAutoFit/>
-            </a:bodyPr>
-            <a:lstStyle/>
-            <a:p>
-              <a:pPr algn="ctr"/>
-              <a:r>
-                <a:rPr lang="pt-BR" sz="3200" b="1" i="1" u="sng" dirty="0">
-                  <a:cs typeface="Calibri"/>
-                </a:rPr>
-                <a:t>Capacidades : </a:t>
-              </a:r>
-              <a:endParaRPr lang="pt-BR" dirty="0"/>
-            </a:p>
-          </p:txBody>
-        </p:sp>
-        <p:sp>
-          <p:nvSpPr>
-            <p:cNvPr id="16" name="CaixaDeTexto 15">
-              <a:extLst>
-                <a:ext uri="{FF2B5EF4-FFF2-40B4-BE49-F238E27FC236}">
-                  <a16:creationId xmlns:a16="http://schemas.microsoft.com/office/drawing/2014/main" xmlns="" id="{5FE7BE5C-46D4-4852-A65D-C8065BA82FF9}"/>
-                </a:ext>
-              </a:extLst>
-            </p:cNvPr>
-            <p:cNvSpPr txBox="1"/>
-            <p:nvPr/>
-          </p:nvSpPr>
-          <p:spPr>
-            <a:xfrm>
-              <a:off x="10041327" y="997968"/>
-              <a:ext cx="2743200" cy="369332"/>
-            </a:xfrm>
-            <a:prstGeom prst="rect">
-              <a:avLst/>
-            </a:prstGeom>
-          </p:spPr>
-          <p:txBody>
-            <a:bodyPr rot="0" spcFirstLastPara="0" vertOverflow="overflow" horzOverflow="overflow" vert="horz" wrap="square" lIns="91440" tIns="45720" rIns="91440" bIns="45720" numCol="1" spcCol="0" rtlCol="0" fromWordArt="0" anchor="t" anchorCtr="0" forceAA="0" compatLnSpc="1">
-              <a:prstTxWarp prst="textNoShape">
-                <a:avLst/>
-              </a:prstTxWarp>
-              <a:spAutoFit/>
-            </a:bodyPr>
-            <a:lstStyle/>
-            <a:p>
-              <a:r>
-                <a:rPr lang="pt-BR" b="1" i="1" u="sng">
-                  <a:cs typeface="Calibri"/>
-                </a:rPr>
-                <a:t>Nós operacionais</a:t>
-              </a:r>
-            </a:p>
-          </p:txBody>
-        </p:sp>
-        <p:grpSp>
-          <p:nvGrpSpPr>
-            <p:cNvPr id="20" name="Agrupar 19">
-              <a:extLst>
-                <a:ext uri="{FF2B5EF4-FFF2-40B4-BE49-F238E27FC236}">
-                  <a16:creationId xmlns:a16="http://schemas.microsoft.com/office/drawing/2014/main" xmlns="" id="{563ABF16-B5E2-4231-A0F2-37CCF9F052D9}"/>
-                </a:ext>
-              </a:extLst>
-            </p:cNvPr>
-            <p:cNvGrpSpPr/>
-            <p:nvPr/>
-          </p:nvGrpSpPr>
-          <p:grpSpPr>
-            <a:xfrm>
-              <a:off x="7337662" y="4422667"/>
-              <a:ext cx="3241437" cy="1801969"/>
-              <a:chOff x="7205932" y="3820064"/>
-              <a:chExt cx="2769078" cy="1900139"/>
-            </a:xfrm>
-          </p:grpSpPr>
-          <p:sp>
-            <p:nvSpPr>
-              <p:cNvPr id="21" name="CaixaDeTexto 20">
-                <a:extLst>
-                  <a:ext uri="{FF2B5EF4-FFF2-40B4-BE49-F238E27FC236}">
-                    <a16:creationId xmlns:a16="http://schemas.microsoft.com/office/drawing/2014/main" xmlns="" id="{65293A4E-D1A4-4BFC-B18A-9C448A820B5D}"/>
-                  </a:ext>
-                </a:extLst>
-              </p:cNvPr>
-              <p:cNvSpPr txBox="1"/>
-              <p:nvPr/>
-            </p:nvSpPr>
-            <p:spPr>
-              <a:xfrm>
-                <a:off x="7246187" y="4162392"/>
-                <a:ext cx="2728823" cy="1557811"/>
-              </a:xfrm>
-              <a:prstGeom prst="rect">
-                <a:avLst/>
-              </a:prstGeom>
-            </p:spPr>
-            <p:txBody>
-              <a:bodyPr rot="0" spcFirstLastPara="0" vertOverflow="overflow" horzOverflow="overflow" vert="horz" wrap="square" lIns="91440" tIns="45720" rIns="91440" bIns="45720" numCol="1" spcCol="0" rtlCol="0" fromWordArt="0" anchor="t" anchorCtr="0" forceAA="0" compatLnSpc="1">
-                <a:prstTxWarp prst="textNoShape">
-                  <a:avLst/>
-                </a:prstTxWarp>
-                <a:spAutoFit/>
-              </a:bodyPr>
-              <a:lstStyle/>
-              <a:p>
-                <a:pPr marL="285750" indent="-285750">
-                  <a:buFont typeface="Arial"/>
-                  <a:buChar char="•"/>
-                </a:pPr>
-                <a:r>
-                  <a:rPr lang="pt-BR" b="1" i="1" dirty="0">
-                    <a:cs typeface="Calibri"/>
-                  </a:rPr>
-                  <a:t>Recebe a Doação </a:t>
-                </a:r>
-                <a:endParaRPr lang="pt-BR" dirty="0">
-                  <a:cs typeface="Calibri"/>
-                </a:endParaRPr>
-              </a:p>
-              <a:p>
-                <a:pPr marL="285750" indent="-285750">
-                  <a:buFont typeface="Arial"/>
-                  <a:buChar char="•"/>
-                </a:pPr>
-                <a:r>
-                  <a:rPr lang="pt-BR" b="1" i="1" dirty="0">
-                    <a:cs typeface="Calibri"/>
-                  </a:rPr>
-                  <a:t>Emitir nota de recebimento</a:t>
-                </a:r>
-              </a:p>
-              <a:p>
-                <a:pPr marL="285750" indent="-285750">
-                  <a:buFont typeface="Arial"/>
-                  <a:buChar char="•"/>
-                </a:pPr>
-                <a:r>
-                  <a:rPr lang="pt-BR" b="1" i="1" dirty="0">
-                    <a:cs typeface="Calibri"/>
-                  </a:rPr>
-                  <a:t>Lançar contribuição no livro controle</a:t>
-                </a:r>
-              </a:p>
-            </p:txBody>
-          </p:sp>
-          <p:sp>
-            <p:nvSpPr>
-              <p:cNvPr id="22" name="Retângulo 21">
-                <a:extLst>
-                  <a:ext uri="{FF2B5EF4-FFF2-40B4-BE49-F238E27FC236}">
-                    <a16:creationId xmlns:a16="http://schemas.microsoft.com/office/drawing/2014/main" xmlns="" id="{03B94166-CC62-4486-B433-F9A38735B863}"/>
-                  </a:ext>
-                </a:extLst>
-              </p:cNvPr>
-              <p:cNvSpPr/>
-              <p:nvPr/>
-            </p:nvSpPr>
-            <p:spPr>
-              <a:xfrm>
-                <a:off x="7205932" y="3820064"/>
-                <a:ext cx="2769078" cy="1762663"/>
-              </a:xfrm>
-              <a:prstGeom prst="rect">
-                <a:avLst/>
-              </a:prstGeom>
-              <a:noFill/>
-              <a:ln>
-                <a:solidFill>
-                  <a:schemeClr val="tx1"/>
-                </a:solidFill>
-              </a:ln>
-            </p:spPr>
-            <p:style>
-              <a:lnRef idx="2">
-                <a:schemeClr val="accent1">
-                  <a:shade val="50000"/>
-                </a:schemeClr>
-              </a:lnRef>
-              <a:fillRef idx="1">
-                <a:schemeClr val="accent1"/>
-              </a:fillRef>
-              <a:effectRef idx="0">
-                <a:schemeClr val="accent1"/>
-              </a:effectRef>
-              <a:fontRef idx="minor">
-                <a:schemeClr val="lt1"/>
-              </a:fontRef>
-            </p:style>
-            <p:txBody>
-              <a:bodyPr rtlCol="0" anchor="ctr"/>
-              <a:lstStyle/>
-              <a:p>
-                <a:pPr algn="ctr"/>
-                <a:endParaRPr lang="pt-BR" dirty="0"/>
-              </a:p>
-            </p:txBody>
-          </p:sp>
-        </p:grpSp>
-        <p:cxnSp>
-          <p:nvCxnSpPr>
-            <p:cNvPr id="24" name="Conector de Seta Reta 23">
-              <a:extLst>
-                <a:ext uri="{FF2B5EF4-FFF2-40B4-BE49-F238E27FC236}">
-                  <a16:creationId xmlns:a16="http://schemas.microsoft.com/office/drawing/2014/main" xmlns="" id="{C7F7721A-A33C-4610-8D10-0D8225B21C1F}"/>
-                </a:ext>
-              </a:extLst>
-            </p:cNvPr>
-            <p:cNvCxnSpPr>
-              <a:cxnSpLocks/>
-            </p:cNvCxnSpPr>
-            <p:nvPr/>
-          </p:nvCxnSpPr>
-          <p:spPr>
-            <a:xfrm flipV="1">
-              <a:off x="160460" y="3309198"/>
-              <a:ext cx="11887765" cy="1"/>
-            </a:xfrm>
-            <a:prstGeom prst="straightConnector1">
-              <a:avLst/>
-            </a:prstGeom>
-            <a:ln>
-              <a:solidFill>
-                <a:schemeClr val="tx1"/>
-              </a:solidFill>
-            </a:ln>
-          </p:spPr>
-          <p:style>
-            <a:lnRef idx="1">
-              <a:schemeClr val="accent1"/>
-            </a:lnRef>
-            <a:fillRef idx="0">
-              <a:schemeClr val="accent1"/>
-            </a:fillRef>
-            <a:effectRef idx="0">
-              <a:schemeClr val="accent1"/>
-            </a:effectRef>
-            <a:fontRef idx="minor">
-              <a:schemeClr val="tx1"/>
-            </a:fontRef>
-          </p:style>
-        </p:cxnSp>
       </p:grpSp>
       <p:cxnSp>
         <p:nvCxnSpPr>
-          <p:cNvPr id="25" name="Conector de Seta Reta 24">
-            <a:extLst>
-              <a:ext uri="{FF2B5EF4-FFF2-40B4-BE49-F238E27FC236}">
-                <a16:creationId xmlns:a16="http://schemas.microsoft.com/office/drawing/2014/main" xmlns="" id="{1A2793BB-33AA-4F95-8502-5B9663DA9DAF}"/>
+          <p:cNvPr id="24" name="Conector de Seta Reta 23">
+            <a:extLst>
+              <a:ext uri="{FF2B5EF4-FFF2-40B4-BE49-F238E27FC236}">
+                <a16:creationId xmlns:a16="http://schemas.microsoft.com/office/drawing/2014/main" id="{C7F7721A-A33C-4610-8D10-0D8225B21C1F}"/>
               </a:ext>
             </a:extLst>
           </p:cNvPr>
@@ -6481,9 +6508,52 @@
           <p:nvPr/>
         </p:nvCxnSpPr>
         <p:spPr>
-          <a:xfrm>
-            <a:off x="7028692" y="767448"/>
-            <a:ext cx="863283" cy="599852"/>
+          <a:xfrm flipV="1">
+            <a:off x="174528" y="3256578"/>
+            <a:ext cx="11887765" cy="1"/>
+          </a:xfrm>
+          <a:prstGeom prst="straightConnector1">
+            <a:avLst/>
+          </a:prstGeom>
+          <a:ln>
+            <a:solidFill>
+              <a:schemeClr val="tx1"/>
+            </a:solidFill>
+          </a:ln>
+        </p:spPr>
+        <p:style>
+          <a:lnRef idx="1">
+            <a:schemeClr val="accent1"/>
+          </a:lnRef>
+          <a:fillRef idx="0">
+            <a:schemeClr val="accent1"/>
+          </a:fillRef>
+          <a:effectRef idx="0">
+            <a:schemeClr val="accent1"/>
+          </a:effectRef>
+          <a:fontRef idx="minor">
+            <a:schemeClr val="tx1"/>
+          </a:fontRef>
+        </p:style>
+      </p:cxnSp>
+      <p:cxnSp>
+        <p:nvCxnSpPr>
+          <p:cNvPr id="25" name="Conector de Seta Reta 24">
+            <a:extLst>
+              <a:ext uri="{FF2B5EF4-FFF2-40B4-BE49-F238E27FC236}">
+                <a16:creationId xmlns:a16="http://schemas.microsoft.com/office/drawing/2014/main" id="{1A2793BB-33AA-4F95-8502-5B9663DA9DAF}"/>
+              </a:ext>
+            </a:extLst>
+          </p:cNvPr>
+          <p:cNvCxnSpPr>
+            <a:cxnSpLocks/>
+          </p:cNvCxnSpPr>
+          <p:nvPr/>
+        </p:nvCxnSpPr>
+        <p:spPr>
+          <a:xfrm>
+            <a:off x="6302326" y="713737"/>
+            <a:ext cx="0" cy="865902"/>
           </a:xfrm>
           <a:prstGeom prst="straightConnector1">
             <a:avLst/>
@@ -6545,7 +6615,7 @@
           <p:cNvPr id="4" name="CaixaDeTexto 3">
             <a:extLst>
               <a:ext uri="{FF2B5EF4-FFF2-40B4-BE49-F238E27FC236}">
-                <a16:creationId xmlns:a16="http://schemas.microsoft.com/office/drawing/2014/main" xmlns="" id="{20A94597-87AA-482D-A4BF-545EA0215DBC}"/>
+                <a16:creationId xmlns:a16="http://schemas.microsoft.com/office/drawing/2014/main" id="{20A94597-87AA-482D-A4BF-545EA0215DBC}"/>
               </a:ext>
             </a:extLst>
           </p:cNvPr>
@@ -6581,7 +6651,7 @@
           <p:cNvPr id="5" name="CaixaDeTexto 4">
             <a:extLst>
               <a:ext uri="{FF2B5EF4-FFF2-40B4-BE49-F238E27FC236}">
-                <a16:creationId xmlns:a16="http://schemas.microsoft.com/office/drawing/2014/main" xmlns="" id="{1B8765AE-70BA-4CEF-A9F7-2847A44362F3}"/>
+                <a16:creationId xmlns:a16="http://schemas.microsoft.com/office/drawing/2014/main" id="{1B8765AE-70BA-4CEF-A9F7-2847A44362F3}"/>
               </a:ext>
             </a:extLst>
           </p:cNvPr>
@@ -6752,7 +6822,7 @@
           <p:cNvPr id="4" name="Retângulo 3">
             <a:extLst>
               <a:ext uri="{FF2B5EF4-FFF2-40B4-BE49-F238E27FC236}">
-                <a16:creationId xmlns:a16="http://schemas.microsoft.com/office/drawing/2014/main" xmlns="" id="{88C6BF1B-8B81-4A42-B266-9DF3168EF8CB}"/>
+                <a16:creationId xmlns:a16="http://schemas.microsoft.com/office/drawing/2014/main" id="{88C6BF1B-8B81-4A42-B266-9DF3168EF8CB}"/>
               </a:ext>
             </a:extLst>
           </p:cNvPr>
@@ -6761,7 +6831,7 @@
         </p:nvSpPr>
         <p:spPr>
           <a:xfrm>
-            <a:off x="163005" y="68113"/>
+            <a:off x="189074" y="188147"/>
             <a:ext cx="11904450" cy="6570451"/>
           </a:xfrm>
           <a:prstGeom prst="rect">
@@ -6806,7 +6876,7 @@
           <p:cNvPr id="6" name="CaixaDeTexto 5">
             <a:extLst>
               <a:ext uri="{FF2B5EF4-FFF2-40B4-BE49-F238E27FC236}">
-                <a16:creationId xmlns:a16="http://schemas.microsoft.com/office/drawing/2014/main" xmlns="" id="{1270056D-C445-482D-9C8C-EC4698A09D63}"/>
+                <a16:creationId xmlns:a16="http://schemas.microsoft.com/office/drawing/2014/main" id="{1270056D-C445-482D-9C8C-EC4698A09D63}"/>
               </a:ext>
             </a:extLst>
           </p:cNvPr>
@@ -6847,7 +6917,7 @@
           <p:cNvPr id="2" name="Retângulo 1">
             <a:extLst>
               <a:ext uri="{FF2B5EF4-FFF2-40B4-BE49-F238E27FC236}">
-                <a16:creationId xmlns:a16="http://schemas.microsoft.com/office/drawing/2014/main" xmlns="" id="{12043949-80F2-4BA4-ACCA-8E1E73200266}"/>
+                <a16:creationId xmlns:a16="http://schemas.microsoft.com/office/drawing/2014/main" id="{12043949-80F2-4BA4-ACCA-8E1E73200266}"/>
               </a:ext>
             </a:extLst>
           </p:cNvPr>
@@ -6896,7 +6966,7 @@
           <p:cNvPr id="3" name="Imagem 6" descr="Uma imagem contendo objeto&#10;&#10;Descrição gerada com muito alta confiança">
             <a:extLst>
               <a:ext uri="{FF2B5EF4-FFF2-40B4-BE49-F238E27FC236}">
-                <a16:creationId xmlns:a16="http://schemas.microsoft.com/office/drawing/2014/main" xmlns="" id="{BBEA9159-6E91-4172-99DF-56517BBFE5AC}"/>
+                <a16:creationId xmlns:a16="http://schemas.microsoft.com/office/drawing/2014/main" id="{BBEA9159-6E91-4172-99DF-56517BBFE5AC}"/>
               </a:ext>
             </a:extLst>
           </p:cNvPr>
@@ -6926,7 +6996,7 @@
           <p:cNvPr id="9" name="Conector de Seta Reta 8">
             <a:extLst>
               <a:ext uri="{FF2B5EF4-FFF2-40B4-BE49-F238E27FC236}">
-                <a16:creationId xmlns:a16="http://schemas.microsoft.com/office/drawing/2014/main" xmlns="" id="{BA601A5E-E9FD-4E49-A21A-E1D9795909C3}"/>
+                <a16:creationId xmlns:a16="http://schemas.microsoft.com/office/drawing/2014/main" id="{BA601A5E-E9FD-4E49-A21A-E1D9795909C3}"/>
               </a:ext>
             </a:extLst>
           </p:cNvPr>
@@ -6968,7 +7038,7 @@
           <p:cNvPr id="11" name="CaixaDeTexto 10">
             <a:extLst>
               <a:ext uri="{FF2B5EF4-FFF2-40B4-BE49-F238E27FC236}">
-                <a16:creationId xmlns:a16="http://schemas.microsoft.com/office/drawing/2014/main" xmlns="" id="{2B365FA8-96A9-46EF-82C1-1F0ACEB6382C}"/>
+                <a16:creationId xmlns:a16="http://schemas.microsoft.com/office/drawing/2014/main" id="{2B365FA8-96A9-46EF-82C1-1F0ACEB6382C}"/>
               </a:ext>
             </a:extLst>
           </p:cNvPr>
@@ -7005,7 +7075,7 @@
           <p:cNvPr id="15" name="CaixaDeTexto 14">
             <a:extLst>
               <a:ext uri="{FF2B5EF4-FFF2-40B4-BE49-F238E27FC236}">
-                <a16:creationId xmlns:a16="http://schemas.microsoft.com/office/drawing/2014/main" xmlns="" id="{589ED39B-DB76-4792-9198-978C3E9B327E}"/>
+                <a16:creationId xmlns:a16="http://schemas.microsoft.com/office/drawing/2014/main" id="{589ED39B-DB76-4792-9198-978C3E9B327E}"/>
               </a:ext>
             </a:extLst>
           </p:cNvPr>
@@ -7045,7 +7115,7 @@
           <p:cNvPr id="17" name="Retângulo 16">
             <a:extLst>
               <a:ext uri="{FF2B5EF4-FFF2-40B4-BE49-F238E27FC236}">
-                <a16:creationId xmlns:a16="http://schemas.microsoft.com/office/drawing/2014/main" xmlns="" id="{AAE3C69C-201D-4C86-AAF7-B3DC70259B1F}"/>
+                <a16:creationId xmlns:a16="http://schemas.microsoft.com/office/drawing/2014/main" id="{AAE3C69C-201D-4C86-AAF7-B3DC70259B1F}"/>
               </a:ext>
             </a:extLst>
           </p:cNvPr>
@@ -7094,7 +7164,7 @@
           <p:cNvPr id="19" name="Retângulo 18">
             <a:extLst>
               <a:ext uri="{FF2B5EF4-FFF2-40B4-BE49-F238E27FC236}">
-                <a16:creationId xmlns:a16="http://schemas.microsoft.com/office/drawing/2014/main" xmlns="" id="{B1DA2E97-81CC-4053-8E24-07F96ED0FDF9}"/>
+                <a16:creationId xmlns:a16="http://schemas.microsoft.com/office/drawing/2014/main" id="{B1DA2E97-81CC-4053-8E24-07F96ED0FDF9}"/>
               </a:ext>
             </a:extLst>
           </p:cNvPr>
@@ -7143,7 +7213,7 @@
           <p:cNvPr id="20" name="CaixaDeTexto 19">
             <a:extLst>
               <a:ext uri="{FF2B5EF4-FFF2-40B4-BE49-F238E27FC236}">
-                <a16:creationId xmlns:a16="http://schemas.microsoft.com/office/drawing/2014/main" xmlns="" id="{9EF114C1-C8CF-409C-847E-943F96FE0F0F}"/>
+                <a16:creationId xmlns:a16="http://schemas.microsoft.com/office/drawing/2014/main" id="{9EF114C1-C8CF-409C-847E-943F96FE0F0F}"/>
               </a:ext>
             </a:extLst>
           </p:cNvPr>
@@ -7185,7 +7255,7 @@
           <p:cNvPr id="21" name="CaixaDeTexto 20">
             <a:extLst>
               <a:ext uri="{FF2B5EF4-FFF2-40B4-BE49-F238E27FC236}">
-                <a16:creationId xmlns:a16="http://schemas.microsoft.com/office/drawing/2014/main" xmlns="" id="{EDBD84FF-B3AA-4678-8B40-4A48A902DC6E}"/>
+                <a16:creationId xmlns:a16="http://schemas.microsoft.com/office/drawing/2014/main" id="{EDBD84FF-B3AA-4678-8B40-4A48A902DC6E}"/>
               </a:ext>
             </a:extLst>
           </p:cNvPr>
@@ -7223,7 +7293,7 @@
           <p:cNvPr id="22" name="Conector de Seta Reta 21">
             <a:extLst>
               <a:ext uri="{FF2B5EF4-FFF2-40B4-BE49-F238E27FC236}">
-                <a16:creationId xmlns:a16="http://schemas.microsoft.com/office/drawing/2014/main" xmlns="" id="{6005A5E0-EFE8-4E81-9A9B-EC939F301038}"/>
+                <a16:creationId xmlns:a16="http://schemas.microsoft.com/office/drawing/2014/main" id="{6005A5E0-EFE8-4E81-9A9B-EC939F301038}"/>
               </a:ext>
             </a:extLst>
           </p:cNvPr>
@@ -7297,7 +7367,7 @@
           <p:cNvPr id="37" name="Agrupar 36">
             <a:extLst>
               <a:ext uri="{FF2B5EF4-FFF2-40B4-BE49-F238E27FC236}">
-                <a16:creationId xmlns:a16="http://schemas.microsoft.com/office/drawing/2014/main" xmlns="" id="{AD55A375-5E96-4C62-9CC7-E8015B3E49AD}"/>
+                <a16:creationId xmlns:a16="http://schemas.microsoft.com/office/drawing/2014/main" id="{AD55A375-5E96-4C62-9CC7-E8015B3E49AD}"/>
               </a:ext>
             </a:extLst>
           </p:cNvPr>
@@ -7317,7 +7387,7 @@
             <p:cNvPr id="36" name="Agrupar 35">
               <a:extLst>
                 <a:ext uri="{FF2B5EF4-FFF2-40B4-BE49-F238E27FC236}">
-                  <a16:creationId xmlns:a16="http://schemas.microsoft.com/office/drawing/2014/main" xmlns="" id="{54346E9C-8BCE-4B2B-BE69-77638DB797FE}"/>
+                  <a16:creationId xmlns:a16="http://schemas.microsoft.com/office/drawing/2014/main" id="{54346E9C-8BCE-4B2B-BE69-77638DB797FE}"/>
                 </a:ext>
               </a:extLst>
             </p:cNvPr>
@@ -7337,7 +7407,7 @@
               <p:cNvPr id="4" name="Retângulo 3">
                 <a:extLst>
                   <a:ext uri="{FF2B5EF4-FFF2-40B4-BE49-F238E27FC236}">
-                    <a16:creationId xmlns:a16="http://schemas.microsoft.com/office/drawing/2014/main" xmlns="" id="{88C6BF1B-8B81-4A42-B266-9DF3168EF8CB}"/>
+                    <a16:creationId xmlns:a16="http://schemas.microsoft.com/office/drawing/2014/main" id="{88C6BF1B-8B81-4A42-B266-9DF3168EF8CB}"/>
                   </a:ext>
                 </a:extLst>
               </p:cNvPr>
@@ -7391,7 +7461,7 @@
               <p:cNvPr id="5" name="Conector de Seta Reta 4">
                 <a:extLst>
                   <a:ext uri="{FF2B5EF4-FFF2-40B4-BE49-F238E27FC236}">
-                    <a16:creationId xmlns:a16="http://schemas.microsoft.com/office/drawing/2014/main" xmlns="" id="{85E6B2C7-D043-4C92-898F-4F2DEE8A2690}"/>
+                    <a16:creationId xmlns:a16="http://schemas.microsoft.com/office/drawing/2014/main" id="{85E6B2C7-D043-4C92-898F-4F2DEE8A2690}"/>
                   </a:ext>
                 </a:extLst>
               </p:cNvPr>
@@ -7435,7 +7505,7 @@
             <p:cNvPr id="6" name="Conector de Seta Reta 5">
               <a:extLst>
                 <a:ext uri="{FF2B5EF4-FFF2-40B4-BE49-F238E27FC236}">
-                  <a16:creationId xmlns:a16="http://schemas.microsoft.com/office/drawing/2014/main" xmlns="" id="{9BACC1B6-2F2A-4248-B083-17CB87D6E5BE}"/>
+                  <a16:creationId xmlns:a16="http://schemas.microsoft.com/office/drawing/2014/main" id="{9BACC1B6-2F2A-4248-B083-17CB87D6E5BE}"/>
                 </a:ext>
               </a:extLst>
             </p:cNvPr>
@@ -7479,7 +7549,7 @@
           <p:cNvPr id="2" name="CaixaDeTexto 1">
             <a:extLst>
               <a:ext uri="{FF2B5EF4-FFF2-40B4-BE49-F238E27FC236}">
-                <a16:creationId xmlns:a16="http://schemas.microsoft.com/office/drawing/2014/main" xmlns="" id="{80F5CD5A-1914-4EF1-BE32-34B089486C2F}"/>
+                <a16:creationId xmlns:a16="http://schemas.microsoft.com/office/drawing/2014/main" id="{80F5CD5A-1914-4EF1-BE32-34B089486C2F}"/>
               </a:ext>
             </a:extLst>
           </p:cNvPr>
@@ -7520,7 +7590,7 @@
           <p:cNvPr id="44" name="Agrupar 43">
             <a:extLst>
               <a:ext uri="{FF2B5EF4-FFF2-40B4-BE49-F238E27FC236}">
-                <a16:creationId xmlns:a16="http://schemas.microsoft.com/office/drawing/2014/main" xmlns="" id="{BA6E27EE-CE85-4231-860A-EC8B217CE24F}"/>
+                <a16:creationId xmlns:a16="http://schemas.microsoft.com/office/drawing/2014/main" id="{BA6E27EE-CE85-4231-860A-EC8B217CE24F}"/>
               </a:ext>
             </a:extLst>
           </p:cNvPr>
@@ -7540,7 +7610,7 @@
             <p:cNvPr id="8" name="Retângulo 7">
               <a:extLst>
                 <a:ext uri="{FF2B5EF4-FFF2-40B4-BE49-F238E27FC236}">
-                  <a16:creationId xmlns:a16="http://schemas.microsoft.com/office/drawing/2014/main" xmlns="" id="{5941647A-72D6-4138-BD44-C48D31273AB1}"/>
+                  <a16:creationId xmlns:a16="http://schemas.microsoft.com/office/drawing/2014/main" id="{5941647A-72D6-4138-BD44-C48D31273AB1}"/>
                 </a:ext>
               </a:extLst>
             </p:cNvPr>
@@ -7594,7 +7664,7 @@
             <p:cNvPr id="9" name="CaixaDeTexto 1">
               <a:extLst>
                 <a:ext uri="{FF2B5EF4-FFF2-40B4-BE49-F238E27FC236}">
-                  <a16:creationId xmlns:a16="http://schemas.microsoft.com/office/drawing/2014/main" xmlns="" id="{7994EBAF-0D7D-41FB-B228-383D0E67FB6C}"/>
+                  <a16:creationId xmlns:a16="http://schemas.microsoft.com/office/drawing/2014/main" id="{7994EBAF-0D7D-41FB-B228-383D0E67FB6C}"/>
                 </a:ext>
               </a:extLst>
             </p:cNvPr>
@@ -7731,7 +7801,7 @@
           <p:cNvPr id="45" name="Agrupar 44">
             <a:extLst>
               <a:ext uri="{FF2B5EF4-FFF2-40B4-BE49-F238E27FC236}">
-                <a16:creationId xmlns:a16="http://schemas.microsoft.com/office/drawing/2014/main" xmlns="" id="{A39C0BD4-A4A9-4C34-878E-6105488207AF}"/>
+                <a16:creationId xmlns:a16="http://schemas.microsoft.com/office/drawing/2014/main" id="{A39C0BD4-A4A9-4C34-878E-6105488207AF}"/>
               </a:ext>
             </a:extLst>
           </p:cNvPr>
@@ -7751,7 +7821,7 @@
             <p:cNvPr id="10" name="Retângulo 9">
               <a:extLst>
                 <a:ext uri="{FF2B5EF4-FFF2-40B4-BE49-F238E27FC236}">
-                  <a16:creationId xmlns:a16="http://schemas.microsoft.com/office/drawing/2014/main" xmlns="" id="{971BC70D-B8E4-4A17-B17F-86055154C60C}"/>
+                  <a16:creationId xmlns:a16="http://schemas.microsoft.com/office/drawing/2014/main" id="{971BC70D-B8E4-4A17-B17F-86055154C60C}"/>
                 </a:ext>
               </a:extLst>
             </p:cNvPr>
@@ -7805,7 +7875,7 @@
             <p:cNvPr id="11" name="CaixaDeTexto 1">
               <a:extLst>
                 <a:ext uri="{FF2B5EF4-FFF2-40B4-BE49-F238E27FC236}">
-                  <a16:creationId xmlns:a16="http://schemas.microsoft.com/office/drawing/2014/main" xmlns="" id="{F77E377A-2299-45F1-BD65-AD221DB0412C}"/>
+                  <a16:creationId xmlns:a16="http://schemas.microsoft.com/office/drawing/2014/main" id="{F77E377A-2299-45F1-BD65-AD221DB0412C}"/>
                 </a:ext>
               </a:extLst>
             </p:cNvPr>
@@ -7942,7 +8012,7 @@
           <p:cNvPr id="42" name="Agrupar 41">
             <a:extLst>
               <a:ext uri="{FF2B5EF4-FFF2-40B4-BE49-F238E27FC236}">
-                <a16:creationId xmlns:a16="http://schemas.microsoft.com/office/drawing/2014/main" xmlns="" id="{15ED0C22-7BEF-404D-8355-9C9D373C2B51}"/>
+                <a16:creationId xmlns:a16="http://schemas.microsoft.com/office/drawing/2014/main" id="{15ED0C22-7BEF-404D-8355-9C9D373C2B51}"/>
               </a:ext>
             </a:extLst>
           </p:cNvPr>
@@ -7962,7 +8032,7 @@
             <p:cNvPr id="13" name="Imagem 6" descr="Uma imagem contendo objeto&#10;&#10;Descrição gerada com muito alta confiança">
               <a:extLst>
                 <a:ext uri="{FF2B5EF4-FFF2-40B4-BE49-F238E27FC236}">
-                  <a16:creationId xmlns:a16="http://schemas.microsoft.com/office/drawing/2014/main" xmlns="" id="{63824687-0B05-4413-8D3C-5E29C9702638}"/>
+                  <a16:creationId xmlns:a16="http://schemas.microsoft.com/office/drawing/2014/main" id="{63824687-0B05-4413-8D3C-5E29C9702638}"/>
                 </a:ext>
               </a:extLst>
             </p:cNvPr>
@@ -7992,7 +8062,7 @@
             <p:cNvPr id="16" name="CaixaDeTexto 15">
               <a:extLst>
                 <a:ext uri="{FF2B5EF4-FFF2-40B4-BE49-F238E27FC236}">
-                  <a16:creationId xmlns:a16="http://schemas.microsoft.com/office/drawing/2014/main" xmlns="" id="{FDA29973-2090-478C-8CFB-2DD1F5F78F5A}"/>
+                  <a16:creationId xmlns:a16="http://schemas.microsoft.com/office/drawing/2014/main" id="{FDA29973-2090-478C-8CFB-2DD1F5F78F5A}"/>
                 </a:ext>
               </a:extLst>
             </p:cNvPr>
@@ -8031,7 +8101,7 @@
           <p:cNvPr id="43" name="Agrupar 42">
             <a:extLst>
               <a:ext uri="{FF2B5EF4-FFF2-40B4-BE49-F238E27FC236}">
-                <a16:creationId xmlns:a16="http://schemas.microsoft.com/office/drawing/2014/main" xmlns="" id="{9DB1F885-85FC-4032-BAA2-BCB1EBAE1904}"/>
+                <a16:creationId xmlns:a16="http://schemas.microsoft.com/office/drawing/2014/main" id="{9DB1F885-85FC-4032-BAA2-BCB1EBAE1904}"/>
               </a:ext>
             </a:extLst>
           </p:cNvPr>
@@ -8051,7 +8121,7 @@
             <p:cNvPr id="14" name="Imagem 6" descr="Uma imagem contendo objeto&#10;&#10;Descrição gerada com muito alta confiança">
               <a:extLst>
                 <a:ext uri="{FF2B5EF4-FFF2-40B4-BE49-F238E27FC236}">
-                  <a16:creationId xmlns:a16="http://schemas.microsoft.com/office/drawing/2014/main" xmlns="" id="{DBED1A96-C999-457A-8F32-18571E67930B}"/>
+                  <a16:creationId xmlns:a16="http://schemas.microsoft.com/office/drawing/2014/main" id="{DBED1A96-C999-457A-8F32-18571E67930B}"/>
                 </a:ext>
               </a:extLst>
             </p:cNvPr>
@@ -8081,7 +8151,7 @@
             <p:cNvPr id="18" name="CaixaDeTexto 17">
               <a:extLst>
                 <a:ext uri="{FF2B5EF4-FFF2-40B4-BE49-F238E27FC236}">
-                  <a16:creationId xmlns:a16="http://schemas.microsoft.com/office/drawing/2014/main" xmlns="" id="{4A840F81-AC70-4925-A6AF-06B2ECF11F52}"/>
+                  <a16:creationId xmlns:a16="http://schemas.microsoft.com/office/drawing/2014/main" id="{4A840F81-AC70-4925-A6AF-06B2ECF11F52}"/>
                 </a:ext>
               </a:extLst>
             </p:cNvPr>
@@ -8125,7 +8195,7 @@
           <p:cNvPr id="19" name="Conector de Seta Reta 18">
             <a:extLst>
               <a:ext uri="{FF2B5EF4-FFF2-40B4-BE49-F238E27FC236}">
-                <a16:creationId xmlns:a16="http://schemas.microsoft.com/office/drawing/2014/main" xmlns="" id="{7053101E-BA41-4AFA-90EB-5F30E05D5C2A}"/>
+                <a16:creationId xmlns:a16="http://schemas.microsoft.com/office/drawing/2014/main" id="{7053101E-BA41-4AFA-90EB-5F30E05D5C2A}"/>
               </a:ext>
             </a:extLst>
           </p:cNvPr>
@@ -8169,7 +8239,7 @@
           <p:cNvPr id="20" name="Conector de Seta Reta 19">
             <a:extLst>
               <a:ext uri="{FF2B5EF4-FFF2-40B4-BE49-F238E27FC236}">
-                <a16:creationId xmlns:a16="http://schemas.microsoft.com/office/drawing/2014/main" xmlns="" id="{972CCC72-617F-4D78-B3FE-1B11C03D20E1}"/>
+                <a16:creationId xmlns:a16="http://schemas.microsoft.com/office/drawing/2014/main" id="{972CCC72-617F-4D78-B3FE-1B11C03D20E1}"/>
               </a:ext>
             </a:extLst>
           </p:cNvPr>
@@ -8213,7 +8283,7 @@
           <p:cNvPr id="21" name="Conector de Seta Reta 20">
             <a:extLst>
               <a:ext uri="{FF2B5EF4-FFF2-40B4-BE49-F238E27FC236}">
-                <a16:creationId xmlns:a16="http://schemas.microsoft.com/office/drawing/2014/main" xmlns="" id="{EA66EA41-B19F-44A8-87CD-EFADB016E3DD}"/>
+                <a16:creationId xmlns:a16="http://schemas.microsoft.com/office/drawing/2014/main" id="{EA66EA41-B19F-44A8-87CD-EFADB016E3DD}"/>
               </a:ext>
             </a:extLst>
           </p:cNvPr>
@@ -8257,7 +8327,7 @@
           <p:cNvPr id="22" name="Conector de Seta Reta 21">
             <a:extLst>
               <a:ext uri="{FF2B5EF4-FFF2-40B4-BE49-F238E27FC236}">
-                <a16:creationId xmlns:a16="http://schemas.microsoft.com/office/drawing/2014/main" xmlns="" id="{317BB5CC-C5DD-4E1C-9FC9-A8537615FAD0}"/>
+                <a16:creationId xmlns:a16="http://schemas.microsoft.com/office/drawing/2014/main" id="{317BB5CC-C5DD-4E1C-9FC9-A8537615FAD0}"/>
               </a:ext>
             </a:extLst>
           </p:cNvPr>
@@ -8301,7 +8371,7 @@
           <p:cNvPr id="23" name="Conector de Seta Reta 22">
             <a:extLst>
               <a:ext uri="{FF2B5EF4-FFF2-40B4-BE49-F238E27FC236}">
-                <a16:creationId xmlns:a16="http://schemas.microsoft.com/office/drawing/2014/main" xmlns="" id="{6F2A4F03-C5E4-40D7-AA81-EDDBC7B02437}"/>
+                <a16:creationId xmlns:a16="http://schemas.microsoft.com/office/drawing/2014/main" id="{6F2A4F03-C5E4-40D7-AA81-EDDBC7B02437}"/>
               </a:ext>
             </a:extLst>
           </p:cNvPr>
@@ -8345,7 +8415,7 @@
           <p:cNvPr id="27" name="Conector de Seta Reta 26">
             <a:extLst>
               <a:ext uri="{FF2B5EF4-FFF2-40B4-BE49-F238E27FC236}">
-                <a16:creationId xmlns:a16="http://schemas.microsoft.com/office/drawing/2014/main" xmlns="" id="{569658DA-03D1-4969-9E0E-3405A27FE72E}"/>
+                <a16:creationId xmlns:a16="http://schemas.microsoft.com/office/drawing/2014/main" id="{569658DA-03D1-4969-9E0E-3405A27FE72E}"/>
               </a:ext>
             </a:extLst>
           </p:cNvPr>
@@ -8389,7 +8459,7 @@
           <p:cNvPr id="3" name="CaixaDeTexto 2">
             <a:extLst>
               <a:ext uri="{FF2B5EF4-FFF2-40B4-BE49-F238E27FC236}">
-                <a16:creationId xmlns:a16="http://schemas.microsoft.com/office/drawing/2014/main" xmlns="" id="{7FCA1908-EC09-46BB-B633-12D671CD2244}"/>
+                <a16:creationId xmlns:a16="http://schemas.microsoft.com/office/drawing/2014/main" id="{7FCA1908-EC09-46BB-B633-12D671CD2244}"/>
               </a:ext>
             </a:extLst>
           </p:cNvPr>
@@ -8398,7 +8468,7 @@
         </p:nvSpPr>
         <p:spPr>
           <a:xfrm>
-            <a:off x="3199502" y="4008228"/>
+            <a:off x="572859" y="4093857"/>
             <a:ext cx="4827916" cy="584775"/>
           </a:xfrm>
           <a:prstGeom prst="rect">
@@ -8430,7 +8500,7 @@
           <p:cNvPr id="7" name="CaixaDeTexto 6">
             <a:extLst>
               <a:ext uri="{FF2B5EF4-FFF2-40B4-BE49-F238E27FC236}">
-                <a16:creationId xmlns:a16="http://schemas.microsoft.com/office/drawing/2014/main" xmlns="" id="{BF0B844E-C924-4EC3-B27F-D0C0220E391A}"/>
+                <a16:creationId xmlns:a16="http://schemas.microsoft.com/office/drawing/2014/main" id="{BF0B844E-C924-4EC3-B27F-D0C0220E391A}"/>
               </a:ext>
             </a:extLst>
           </p:cNvPr>
@@ -8469,7 +8539,7 @@
           <p:cNvPr id="30" name="Agrupar 29">
             <a:extLst>
               <a:ext uri="{FF2B5EF4-FFF2-40B4-BE49-F238E27FC236}">
-                <a16:creationId xmlns:a16="http://schemas.microsoft.com/office/drawing/2014/main" xmlns="" id="{55A6F1EE-B3B9-4AD3-A189-E3913427B6B6}"/>
+                <a16:creationId xmlns:a16="http://schemas.microsoft.com/office/drawing/2014/main" id="{55A6F1EE-B3B9-4AD3-A189-E3913427B6B6}"/>
               </a:ext>
             </a:extLst>
           </p:cNvPr>
@@ -8489,7 +8559,7 @@
             <p:cNvPr id="28" name="CaixaDeTexto 27">
               <a:extLst>
                 <a:ext uri="{FF2B5EF4-FFF2-40B4-BE49-F238E27FC236}">
-                  <a16:creationId xmlns:a16="http://schemas.microsoft.com/office/drawing/2014/main" xmlns="" id="{06F24E56-56C0-48DE-B993-B1CF84033F10}"/>
+                  <a16:creationId xmlns:a16="http://schemas.microsoft.com/office/drawing/2014/main" id="{06F24E56-56C0-48DE-B993-B1CF84033F10}"/>
                 </a:ext>
               </a:extLst>
             </p:cNvPr>
@@ -8553,7 +8623,7 @@
             <p:cNvPr id="34" name="Retângulo 33">
               <a:extLst>
                 <a:ext uri="{FF2B5EF4-FFF2-40B4-BE49-F238E27FC236}">
-                  <a16:creationId xmlns:a16="http://schemas.microsoft.com/office/drawing/2014/main" xmlns="" id="{07B5FAAB-A3BD-4418-A9BF-1694D728EFC3}"/>
+                  <a16:creationId xmlns:a16="http://schemas.microsoft.com/office/drawing/2014/main" id="{07B5FAAB-A3BD-4418-A9BF-1694D728EFC3}"/>
                 </a:ext>
               </a:extLst>
             </p:cNvPr>
@@ -8612,7 +8682,7 @@
           <p:cNvPr id="31" name="Agrupar 30">
             <a:extLst>
               <a:ext uri="{FF2B5EF4-FFF2-40B4-BE49-F238E27FC236}">
-                <a16:creationId xmlns:a16="http://schemas.microsoft.com/office/drawing/2014/main" xmlns="" id="{C4062237-DD02-40B3-AC9C-B89D60A767B8}"/>
+                <a16:creationId xmlns:a16="http://schemas.microsoft.com/office/drawing/2014/main" id="{C4062237-DD02-40B3-AC9C-B89D60A767B8}"/>
               </a:ext>
             </a:extLst>
           </p:cNvPr>
@@ -8632,7 +8702,7 @@
             <p:cNvPr id="32" name="CaixaDeTexto 31">
               <a:extLst>
                 <a:ext uri="{FF2B5EF4-FFF2-40B4-BE49-F238E27FC236}">
-                  <a16:creationId xmlns:a16="http://schemas.microsoft.com/office/drawing/2014/main" xmlns="" id="{566CD485-09EF-48E1-86C5-9CA202611613}"/>
+                  <a16:creationId xmlns:a16="http://schemas.microsoft.com/office/drawing/2014/main" id="{566CD485-09EF-48E1-86C5-9CA202611613}"/>
                 </a:ext>
               </a:extLst>
             </p:cNvPr>
@@ -8708,7 +8778,7 @@
             <p:cNvPr id="35" name="Retângulo 34">
               <a:extLst>
                 <a:ext uri="{FF2B5EF4-FFF2-40B4-BE49-F238E27FC236}">
-                  <a16:creationId xmlns:a16="http://schemas.microsoft.com/office/drawing/2014/main" xmlns="" id="{BD6C4BD0-D5BB-4786-BF71-1D992016DC45}"/>
+                  <a16:creationId xmlns:a16="http://schemas.microsoft.com/office/drawing/2014/main" id="{BD6C4BD0-D5BB-4786-BF71-1D992016DC45}"/>
                 </a:ext>
               </a:extLst>
             </p:cNvPr>
@@ -8791,7 +8861,7 @@
           <p:cNvPr id="4" name="Retângulo 3">
             <a:extLst>
               <a:ext uri="{FF2B5EF4-FFF2-40B4-BE49-F238E27FC236}">
-                <a16:creationId xmlns:a16="http://schemas.microsoft.com/office/drawing/2014/main" xmlns="" id="{88C6BF1B-8B81-4A42-B266-9DF3168EF8CB}"/>
+                <a16:creationId xmlns:a16="http://schemas.microsoft.com/office/drawing/2014/main" id="{88C6BF1B-8B81-4A42-B266-9DF3168EF8CB}"/>
               </a:ext>
             </a:extLst>
           </p:cNvPr>
@@ -8845,7 +8915,7 @@
           <p:cNvPr id="2" name="CaixaDeTexto 1">
             <a:extLst>
               <a:ext uri="{FF2B5EF4-FFF2-40B4-BE49-F238E27FC236}">
-                <a16:creationId xmlns:a16="http://schemas.microsoft.com/office/drawing/2014/main" xmlns="" id="{80F5CD5A-1914-4EF1-BE32-34B089486C2F}"/>
+                <a16:creationId xmlns:a16="http://schemas.microsoft.com/office/drawing/2014/main" id="{80F5CD5A-1914-4EF1-BE32-34B089486C2F}"/>
               </a:ext>
             </a:extLst>
           </p:cNvPr>
@@ -8886,7 +8956,7 @@
           <p:cNvPr id="3" name="Imagem 6" descr="Uma imagem contendo objeto&#10;&#10;Descrição gerada com muito alta confiança">
             <a:extLst>
               <a:ext uri="{FF2B5EF4-FFF2-40B4-BE49-F238E27FC236}">
-                <a16:creationId xmlns:a16="http://schemas.microsoft.com/office/drawing/2014/main" xmlns="" id="{3A958C51-9DB6-409A-8BCE-A5C77D3B1354}"/>
+                <a16:creationId xmlns:a16="http://schemas.microsoft.com/office/drawing/2014/main" id="{3A958C51-9DB6-409A-8BCE-A5C77D3B1354}"/>
               </a:ext>
             </a:extLst>
           </p:cNvPr>
@@ -8916,7 +8986,7 @@
           <p:cNvPr id="7" name="Retângulo 6">
             <a:extLst>
               <a:ext uri="{FF2B5EF4-FFF2-40B4-BE49-F238E27FC236}">
-                <a16:creationId xmlns:a16="http://schemas.microsoft.com/office/drawing/2014/main" xmlns="" id="{89094DE6-756F-4A82-8A95-1CBED37E87E2}"/>
+                <a16:creationId xmlns:a16="http://schemas.microsoft.com/office/drawing/2014/main" id="{89094DE6-756F-4A82-8A95-1CBED37E87E2}"/>
               </a:ext>
             </a:extLst>
           </p:cNvPr>
@@ -8965,7 +9035,7 @@
           <p:cNvPr id="9" name="Retângulo 8">
             <a:extLst>
               <a:ext uri="{FF2B5EF4-FFF2-40B4-BE49-F238E27FC236}">
-                <a16:creationId xmlns:a16="http://schemas.microsoft.com/office/drawing/2014/main" xmlns="" id="{407F5294-A287-4708-8220-29D5D97DEE86}"/>
+                <a16:creationId xmlns:a16="http://schemas.microsoft.com/office/drawing/2014/main" id="{407F5294-A287-4708-8220-29D5D97DEE86}"/>
               </a:ext>
             </a:extLst>
           </p:cNvPr>
@@ -9014,7 +9084,7 @@
           <p:cNvPr id="11" name="Retângulo 10">
             <a:extLst>
               <a:ext uri="{FF2B5EF4-FFF2-40B4-BE49-F238E27FC236}">
-                <a16:creationId xmlns:a16="http://schemas.microsoft.com/office/drawing/2014/main" xmlns="" id="{8CCE9E41-DF19-4539-AEB2-C83DDB8D015A}"/>
+                <a16:creationId xmlns:a16="http://schemas.microsoft.com/office/drawing/2014/main" id="{8CCE9E41-DF19-4539-AEB2-C83DDB8D015A}"/>
               </a:ext>
             </a:extLst>
           </p:cNvPr>
@@ -9063,7 +9133,7 @@
           <p:cNvPr id="13" name="CaixaDeTexto 12">
             <a:extLst>
               <a:ext uri="{FF2B5EF4-FFF2-40B4-BE49-F238E27FC236}">
-                <a16:creationId xmlns:a16="http://schemas.microsoft.com/office/drawing/2014/main" xmlns="" id="{36A1F85B-7B7F-4EB2-A921-5BDA85D5F006}"/>
+                <a16:creationId xmlns:a16="http://schemas.microsoft.com/office/drawing/2014/main" id="{36A1F85B-7B7F-4EB2-A921-5BDA85D5F006}"/>
               </a:ext>
             </a:extLst>
           </p:cNvPr>
@@ -9105,7 +9175,7 @@
           <p:cNvPr id="15" name="CaixaDeTexto 14">
             <a:extLst>
               <a:ext uri="{FF2B5EF4-FFF2-40B4-BE49-F238E27FC236}">
-                <a16:creationId xmlns:a16="http://schemas.microsoft.com/office/drawing/2014/main" xmlns="" id="{F4835543-02C9-4F7E-942E-19AA80F41074}"/>
+                <a16:creationId xmlns:a16="http://schemas.microsoft.com/office/drawing/2014/main" id="{F4835543-02C9-4F7E-942E-19AA80F41074}"/>
               </a:ext>
             </a:extLst>
           </p:cNvPr>
@@ -9145,7 +9215,7 @@
           <p:cNvPr id="17" name="Conector de Seta Reta 16">
             <a:extLst>
               <a:ext uri="{FF2B5EF4-FFF2-40B4-BE49-F238E27FC236}">
-                <a16:creationId xmlns:a16="http://schemas.microsoft.com/office/drawing/2014/main" xmlns="" id="{411AA6B9-507C-44D4-9959-3C997B8CBC1D}"/>
+                <a16:creationId xmlns:a16="http://schemas.microsoft.com/office/drawing/2014/main" id="{411AA6B9-507C-44D4-9959-3C997B8CBC1D}"/>
               </a:ext>
             </a:extLst>
           </p:cNvPr>
@@ -9187,7 +9257,7 @@
           <p:cNvPr id="19" name="Conector de Seta Reta 18">
             <a:extLst>
               <a:ext uri="{FF2B5EF4-FFF2-40B4-BE49-F238E27FC236}">
-                <a16:creationId xmlns:a16="http://schemas.microsoft.com/office/drawing/2014/main" xmlns="" id="{93EB990D-C099-4555-BD11-426E6E8EE67F}"/>
+                <a16:creationId xmlns:a16="http://schemas.microsoft.com/office/drawing/2014/main" id="{93EB990D-C099-4555-BD11-426E6E8EE67F}"/>
               </a:ext>
             </a:extLst>
           </p:cNvPr>
@@ -9231,7 +9301,7 @@
           <p:cNvPr id="21" name="CaixaDeTexto 20">
             <a:extLst>
               <a:ext uri="{FF2B5EF4-FFF2-40B4-BE49-F238E27FC236}">
-                <a16:creationId xmlns:a16="http://schemas.microsoft.com/office/drawing/2014/main" xmlns="" id="{DDB3C006-F399-4DA0-84A7-14D02AA99AD9}"/>
+                <a16:creationId xmlns:a16="http://schemas.microsoft.com/office/drawing/2014/main" id="{DDB3C006-F399-4DA0-84A7-14D02AA99AD9}"/>
               </a:ext>
             </a:extLst>
           </p:cNvPr>
@@ -9271,7 +9341,7 @@
           <p:cNvPr id="23" name="CaixaDeTexto 22">
             <a:extLst>
               <a:ext uri="{FF2B5EF4-FFF2-40B4-BE49-F238E27FC236}">
-                <a16:creationId xmlns:a16="http://schemas.microsoft.com/office/drawing/2014/main" xmlns="" id="{EDDF8BE8-BC1F-46BC-9872-A1A48F87BFAC}"/>
+                <a16:creationId xmlns:a16="http://schemas.microsoft.com/office/drawing/2014/main" id="{EDDF8BE8-BC1F-46BC-9872-A1A48F87BFAC}"/>
               </a:ext>
             </a:extLst>
           </p:cNvPr>
@@ -9336,64 +9406,10 @@
       </p:grpSpPr>
       <p:sp>
         <p:nvSpPr>
-          <p:cNvPr id="4" name="Retângulo 3">
-            <a:extLst>
-              <a:ext uri="{FF2B5EF4-FFF2-40B4-BE49-F238E27FC236}">
-                <a16:creationId xmlns:a16="http://schemas.microsoft.com/office/drawing/2014/main" xmlns="" id="{88C6BF1B-8B81-4A42-B266-9DF3168EF8CB}"/>
-              </a:ext>
-            </a:extLst>
-          </p:cNvPr>
-          <p:cNvSpPr/>
-          <p:nvPr/>
-        </p:nvSpPr>
-        <p:spPr>
-          <a:xfrm>
-            <a:off x="130656" y="143774"/>
-            <a:ext cx="11904450" cy="6570451"/>
-          </a:xfrm>
-          <a:prstGeom prst="rect">
-            <a:avLst/>
-          </a:prstGeom>
-          <a:solidFill>
-            <a:schemeClr val="bg1"/>
-          </a:solidFill>
-          <a:ln>
-            <a:solidFill>
-              <a:schemeClr val="tx1"/>
-            </a:solidFill>
-          </a:ln>
-        </p:spPr>
-        <p:style>
-          <a:lnRef idx="2">
-            <a:schemeClr val="accent1">
-              <a:shade val="50000"/>
-            </a:schemeClr>
-          </a:lnRef>
-          <a:fillRef idx="1">
-            <a:schemeClr val="accent1"/>
-          </a:fillRef>
-          <a:effectRef idx="0">
-            <a:schemeClr val="accent1"/>
-          </a:effectRef>
-          <a:fontRef idx="minor">
-            <a:schemeClr val="lt1"/>
-          </a:fontRef>
-        </p:style>
-        <p:txBody>
-          <a:bodyPr rtlCol="0" anchor="ctr"/>
-          <a:lstStyle/>
-          <a:p>
-            <a:pPr algn="ctr"/>
-            <a:endParaRPr lang="pt-BR" u="sng" dirty="0"/>
-          </a:p>
-        </p:txBody>
-      </p:sp>
-      <p:sp>
-        <p:nvSpPr>
           <p:cNvPr id="2" name="CaixaDeTexto 1">
             <a:extLst>
               <a:ext uri="{FF2B5EF4-FFF2-40B4-BE49-F238E27FC236}">
-                <a16:creationId xmlns:a16="http://schemas.microsoft.com/office/drawing/2014/main" xmlns="" id="{80F5CD5A-1914-4EF1-BE32-34B089486C2F}"/>
+                <a16:creationId xmlns:a16="http://schemas.microsoft.com/office/drawing/2014/main" id="{80F5CD5A-1914-4EF1-BE32-34B089486C2F}"/>
               </a:ext>
             </a:extLst>
           </p:cNvPr>
@@ -9434,7 +9450,7 @@
           <p:cNvPr id="5" name="Conector de Seta Reta 4">
             <a:extLst>
               <a:ext uri="{FF2B5EF4-FFF2-40B4-BE49-F238E27FC236}">
-                <a16:creationId xmlns:a16="http://schemas.microsoft.com/office/drawing/2014/main" xmlns="" id="{85E6B2C7-D043-4C92-898F-4F2DEE8A2690}"/>
+                <a16:creationId xmlns:a16="http://schemas.microsoft.com/office/drawing/2014/main" id="{85E6B2C7-D043-4C92-898F-4F2DEE8A2690}"/>
               </a:ext>
             </a:extLst>
           </p:cNvPr>
@@ -9475,7 +9491,7 @@
           <p:cNvPr id="6" name="Conector de Seta Reta 5">
             <a:extLst>
               <a:ext uri="{FF2B5EF4-FFF2-40B4-BE49-F238E27FC236}">
-                <a16:creationId xmlns:a16="http://schemas.microsoft.com/office/drawing/2014/main" xmlns="" id="{9BACC1B6-2F2A-4248-B083-17CB87D6E5BE}"/>
+                <a16:creationId xmlns:a16="http://schemas.microsoft.com/office/drawing/2014/main" id="{9BACC1B6-2F2A-4248-B083-17CB87D6E5BE}"/>
               </a:ext>
             </a:extLst>
           </p:cNvPr>
@@ -9518,7 +9534,7 @@
           <p:cNvPr id="43" name="Agrupar 42">
             <a:extLst>
               <a:ext uri="{FF2B5EF4-FFF2-40B4-BE49-F238E27FC236}">
-                <a16:creationId xmlns:a16="http://schemas.microsoft.com/office/drawing/2014/main" xmlns="" id="{BF28B680-1403-498E-B98E-3F47E1CD4F15}"/>
+                <a16:creationId xmlns:a16="http://schemas.microsoft.com/office/drawing/2014/main" id="{BF28B680-1403-498E-B98E-3F47E1CD4F15}"/>
               </a:ext>
             </a:extLst>
           </p:cNvPr>
@@ -9527,7 +9543,7 @@
         </p:nvGrpSpPr>
         <p:grpSpPr>
           <a:xfrm>
-            <a:off x="5637004" y="1772848"/>
+            <a:off x="5207436" y="1786092"/>
             <a:ext cx="2429771" cy="1178942"/>
             <a:chOff x="5637004" y="1417248"/>
             <a:chExt cx="2429771" cy="1178942"/>
@@ -9538,7 +9554,7 @@
             <p:cNvPr id="8" name="Retângulo 7">
               <a:extLst>
                 <a:ext uri="{FF2B5EF4-FFF2-40B4-BE49-F238E27FC236}">
-                  <a16:creationId xmlns:a16="http://schemas.microsoft.com/office/drawing/2014/main" xmlns="" id="{5941647A-72D6-4138-BD44-C48D31273AB1}"/>
+                  <a16:creationId xmlns:a16="http://schemas.microsoft.com/office/drawing/2014/main" id="{5941647A-72D6-4138-BD44-C48D31273AB1}"/>
                 </a:ext>
               </a:extLst>
             </p:cNvPr>
@@ -9592,7 +9608,7 @@
             <p:cNvPr id="9" name="CaixaDeTexto 1">
               <a:extLst>
                 <a:ext uri="{FF2B5EF4-FFF2-40B4-BE49-F238E27FC236}">
-                  <a16:creationId xmlns:a16="http://schemas.microsoft.com/office/drawing/2014/main" xmlns="" id="{7994EBAF-0D7D-41FB-B228-383D0E67FB6C}"/>
+                  <a16:creationId xmlns:a16="http://schemas.microsoft.com/office/drawing/2014/main" id="{7994EBAF-0D7D-41FB-B228-383D0E67FB6C}"/>
                 </a:ext>
               </a:extLst>
             </p:cNvPr>
@@ -9601,7 +9617,7 @@
           </p:nvSpPr>
           <p:spPr>
             <a:xfrm>
-              <a:off x="6074973" y="1747389"/>
+              <a:off x="6007936" y="1693186"/>
               <a:ext cx="1664899" cy="523220"/>
             </a:xfrm>
             <a:prstGeom prst="rect">
@@ -9726,7 +9742,7 @@
           <p:cNvPr id="44" name="Agrupar 43">
             <a:extLst>
               <a:ext uri="{FF2B5EF4-FFF2-40B4-BE49-F238E27FC236}">
-                <a16:creationId xmlns:a16="http://schemas.microsoft.com/office/drawing/2014/main" xmlns="" id="{F059599A-8CDA-4EDF-AD30-5BE744CDF545}"/>
+                <a16:creationId xmlns:a16="http://schemas.microsoft.com/office/drawing/2014/main" id="{F059599A-8CDA-4EDF-AD30-5BE744CDF545}"/>
               </a:ext>
             </a:extLst>
           </p:cNvPr>
@@ -9735,10 +9751,10 @@
         </p:nvGrpSpPr>
         <p:grpSpPr>
           <a:xfrm>
-            <a:off x="8569984" y="1772847"/>
-            <a:ext cx="2620452" cy="1178942"/>
-            <a:chOff x="8569984" y="1417247"/>
-            <a:chExt cx="2620452" cy="1178942"/>
+            <a:off x="8554950" y="1803511"/>
+            <a:ext cx="2464718" cy="1178942"/>
+            <a:chOff x="8554950" y="1447911"/>
+            <a:chExt cx="2464718" cy="1178942"/>
           </a:xfrm>
         </p:grpSpPr>
         <p:sp>
@@ -9746,7 +9762,7 @@
             <p:cNvPr id="10" name="Retângulo 9">
               <a:extLst>
                 <a:ext uri="{FF2B5EF4-FFF2-40B4-BE49-F238E27FC236}">
-                  <a16:creationId xmlns:a16="http://schemas.microsoft.com/office/drawing/2014/main" xmlns="" id="{971BC70D-B8E4-4A17-B17F-86055154C60C}"/>
+                  <a16:creationId xmlns:a16="http://schemas.microsoft.com/office/drawing/2014/main" id="{971BC70D-B8E4-4A17-B17F-86055154C60C}"/>
                 </a:ext>
               </a:extLst>
             </p:cNvPr>
@@ -9755,7 +9771,7 @@
           </p:nvSpPr>
           <p:spPr>
             <a:xfrm>
-              <a:off x="8569984" y="1417247"/>
+              <a:off x="8554950" y="1447911"/>
               <a:ext cx="2429771" cy="1178942"/>
             </a:xfrm>
             <a:prstGeom prst="rect">
@@ -9800,7 +9816,7 @@
             <p:cNvPr id="11" name="CaixaDeTexto 1">
               <a:extLst>
                 <a:ext uri="{FF2B5EF4-FFF2-40B4-BE49-F238E27FC236}">
-                  <a16:creationId xmlns:a16="http://schemas.microsoft.com/office/drawing/2014/main" xmlns="" id="{F77E377A-2299-45F1-BD65-AD221DB0412C}"/>
+                  <a16:creationId xmlns:a16="http://schemas.microsoft.com/office/drawing/2014/main" id="{F77E377A-2299-45F1-BD65-AD221DB0412C}"/>
                 </a:ext>
               </a:extLst>
             </p:cNvPr>
@@ -9809,8 +9825,8 @@
           </p:nvSpPr>
           <p:spPr>
             <a:xfrm>
-              <a:off x="8907311" y="1747388"/>
-              <a:ext cx="2283125" cy="523220"/>
+              <a:off x="8620974" y="1775772"/>
+              <a:ext cx="2398694" cy="523220"/>
             </a:xfrm>
             <a:prstGeom prst="rect">
               <a:avLst/>
@@ -9923,11 +9939,8 @@
                 <a:rPr lang="pt-BR" sz="2800" b="1" i="1" dirty="0">
                   <a:cs typeface="Calibri"/>
                 </a:rPr>
-                <a:t>Financeiro</a:t>
+                <a:t>Administração</a:t>
               </a:r>
-              <a:endParaRPr lang="pt-BR" sz="2800" b="1" i="1" dirty="0" err="1">
-                <a:cs typeface="Calibri"/>
-              </a:endParaRPr>
             </a:p>
           </p:txBody>
         </p:sp>
@@ -9937,7 +9950,7 @@
           <p:cNvPr id="41" name="Agrupar 40">
             <a:extLst>
               <a:ext uri="{FF2B5EF4-FFF2-40B4-BE49-F238E27FC236}">
-                <a16:creationId xmlns:a16="http://schemas.microsoft.com/office/drawing/2014/main" xmlns="" id="{8B089574-4BAD-41C0-AB24-A3288FD76E68}"/>
+                <a16:creationId xmlns:a16="http://schemas.microsoft.com/office/drawing/2014/main" id="{8B089574-4BAD-41C0-AB24-A3288FD76E68}"/>
               </a:ext>
             </a:extLst>
           </p:cNvPr>
@@ -9957,7 +9970,7 @@
             <p:cNvPr id="13" name="Imagem 6" descr="Uma imagem contendo objeto&#10;&#10;Descrição gerada com muito alta confiança">
               <a:extLst>
                 <a:ext uri="{FF2B5EF4-FFF2-40B4-BE49-F238E27FC236}">
-                  <a16:creationId xmlns:a16="http://schemas.microsoft.com/office/drawing/2014/main" xmlns="" id="{63824687-0B05-4413-8D3C-5E29C9702638}"/>
+                  <a16:creationId xmlns:a16="http://schemas.microsoft.com/office/drawing/2014/main" id="{63824687-0B05-4413-8D3C-5E29C9702638}"/>
                 </a:ext>
               </a:extLst>
             </p:cNvPr>
@@ -9987,7 +10000,7 @@
             <p:cNvPr id="16" name="CaixaDeTexto 15">
               <a:extLst>
                 <a:ext uri="{FF2B5EF4-FFF2-40B4-BE49-F238E27FC236}">
-                  <a16:creationId xmlns:a16="http://schemas.microsoft.com/office/drawing/2014/main" xmlns="" id="{FDA29973-2090-478C-8CFB-2DD1F5F78F5A}"/>
+                  <a16:creationId xmlns:a16="http://schemas.microsoft.com/office/drawing/2014/main" id="{FDA29973-2090-478C-8CFB-2DD1F5F78F5A}"/>
                 </a:ext>
               </a:extLst>
             </p:cNvPr>
@@ -10025,7 +10038,7 @@
           <p:cNvPr id="42" name="Agrupar 41">
             <a:extLst>
               <a:ext uri="{FF2B5EF4-FFF2-40B4-BE49-F238E27FC236}">
-                <a16:creationId xmlns:a16="http://schemas.microsoft.com/office/drawing/2014/main" xmlns="" id="{3B35F1CD-5913-439D-8C83-786B18E01404}"/>
+                <a16:creationId xmlns:a16="http://schemas.microsoft.com/office/drawing/2014/main" id="{3B35F1CD-5913-439D-8C83-786B18E01404}"/>
               </a:ext>
             </a:extLst>
           </p:cNvPr>
@@ -10045,7 +10058,7 @@
             <p:cNvPr id="14" name="Imagem 6" descr="Uma imagem contendo objeto&#10;&#10;Descrição gerada com muito alta confiança">
               <a:extLst>
                 <a:ext uri="{FF2B5EF4-FFF2-40B4-BE49-F238E27FC236}">
-                  <a16:creationId xmlns:a16="http://schemas.microsoft.com/office/drawing/2014/main" xmlns="" id="{DBED1A96-C999-457A-8F32-18571E67930B}"/>
+                  <a16:creationId xmlns:a16="http://schemas.microsoft.com/office/drawing/2014/main" id="{DBED1A96-C999-457A-8F32-18571E67930B}"/>
                 </a:ext>
               </a:extLst>
             </p:cNvPr>
@@ -10075,7 +10088,7 @@
             <p:cNvPr id="18" name="CaixaDeTexto 17">
               <a:extLst>
                 <a:ext uri="{FF2B5EF4-FFF2-40B4-BE49-F238E27FC236}">
-                  <a16:creationId xmlns:a16="http://schemas.microsoft.com/office/drawing/2014/main" xmlns="" id="{4A840F81-AC70-4925-A6AF-06B2ECF11F52}"/>
+                  <a16:creationId xmlns:a16="http://schemas.microsoft.com/office/drawing/2014/main" id="{4A840F81-AC70-4925-A6AF-06B2ECF11F52}"/>
                 </a:ext>
               </a:extLst>
             </p:cNvPr>
@@ -10114,7 +10127,7 @@
           <p:cNvPr id="19" name="Conector de Seta Reta 18">
             <a:extLst>
               <a:ext uri="{FF2B5EF4-FFF2-40B4-BE49-F238E27FC236}">
-                <a16:creationId xmlns:a16="http://schemas.microsoft.com/office/drawing/2014/main" xmlns="" id="{7053101E-BA41-4AFA-90EB-5F30E05D5C2A}"/>
+                <a16:creationId xmlns:a16="http://schemas.microsoft.com/office/drawing/2014/main" id="{7053101E-BA41-4AFA-90EB-5F30E05D5C2A}"/>
               </a:ext>
             </a:extLst>
           </p:cNvPr>
@@ -10125,7 +10138,7 @@
         </p:nvCxnSpPr>
         <p:spPr>
           <a:xfrm>
-            <a:off x="7149952" y="2951789"/>
+            <a:off x="6422321" y="2987657"/>
             <a:ext cx="0" cy="1451337"/>
           </a:xfrm>
           <a:prstGeom prst="straightConnector1">
@@ -10158,7 +10171,7 @@
           <p:cNvPr id="20" name="Conector de Seta Reta 19">
             <a:extLst>
               <a:ext uri="{FF2B5EF4-FFF2-40B4-BE49-F238E27FC236}">
-                <a16:creationId xmlns:a16="http://schemas.microsoft.com/office/drawing/2014/main" xmlns="" id="{972CCC72-617F-4D78-B3FE-1B11C03D20E1}"/>
+                <a16:creationId xmlns:a16="http://schemas.microsoft.com/office/drawing/2014/main" id="{972CCC72-617F-4D78-B3FE-1B11C03D20E1}"/>
               </a:ext>
             </a:extLst>
           </p:cNvPr>
@@ -10202,7 +10215,7 @@
           <p:cNvPr id="21" name="Conector de Seta Reta 20">
             <a:extLst>
               <a:ext uri="{FF2B5EF4-FFF2-40B4-BE49-F238E27FC236}">
-                <a16:creationId xmlns:a16="http://schemas.microsoft.com/office/drawing/2014/main" xmlns="" id="{EA66EA41-B19F-44A8-87CD-EFADB016E3DD}"/>
+                <a16:creationId xmlns:a16="http://schemas.microsoft.com/office/drawing/2014/main" id="{EA66EA41-B19F-44A8-87CD-EFADB016E3DD}"/>
               </a:ext>
             </a:extLst>
           </p:cNvPr>
@@ -10213,8 +10226,8 @@
         </p:nvCxnSpPr>
         <p:spPr>
           <a:xfrm flipH="1">
-            <a:off x="3861262" y="786441"/>
-            <a:ext cx="889377" cy="1267007"/>
+            <a:off x="3861263" y="743293"/>
+            <a:ext cx="983926" cy="1310155"/>
           </a:xfrm>
           <a:prstGeom prst="straightConnector1">
             <a:avLst/>
@@ -10246,7 +10259,7 @@
           <p:cNvPr id="22" name="Conector de Seta Reta 21">
             <a:extLst>
               <a:ext uri="{FF2B5EF4-FFF2-40B4-BE49-F238E27FC236}">
-                <a16:creationId xmlns:a16="http://schemas.microsoft.com/office/drawing/2014/main" xmlns="" id="{317BB5CC-C5DD-4E1C-9FC9-A8537615FAD0}"/>
+                <a16:creationId xmlns:a16="http://schemas.microsoft.com/office/drawing/2014/main" id="{317BB5CC-C5DD-4E1C-9FC9-A8537615FAD0}"/>
               </a:ext>
             </a:extLst>
           </p:cNvPr>
@@ -10257,8 +10270,8 @@
         </p:nvCxnSpPr>
         <p:spPr>
           <a:xfrm>
-            <a:off x="6704429" y="774812"/>
-            <a:ext cx="147460" cy="931504"/>
+            <a:off x="6410817" y="749739"/>
+            <a:ext cx="11505" cy="1022285"/>
           </a:xfrm>
           <a:prstGeom prst="straightConnector1">
             <a:avLst/>
@@ -10290,7 +10303,7 @@
           <p:cNvPr id="23" name="Conector de Seta Reta 22">
             <a:extLst>
               <a:ext uri="{FF2B5EF4-FFF2-40B4-BE49-F238E27FC236}">
-                <a16:creationId xmlns:a16="http://schemas.microsoft.com/office/drawing/2014/main" xmlns="" id="{6F2A4F03-C5E4-40D7-AA81-EDDBC7B02437}"/>
+                <a16:creationId xmlns:a16="http://schemas.microsoft.com/office/drawing/2014/main" id="{6F2A4F03-C5E4-40D7-AA81-EDDBC7B02437}"/>
               </a:ext>
             </a:extLst>
           </p:cNvPr>
@@ -10301,8 +10314,8 @@
         </p:nvCxnSpPr>
         <p:spPr>
           <a:xfrm>
-            <a:off x="8027418" y="786441"/>
-            <a:ext cx="1535143" cy="887339"/>
+            <a:off x="7833097" y="763807"/>
+            <a:ext cx="1316025" cy="1008217"/>
           </a:xfrm>
           <a:prstGeom prst="straightConnector1">
             <a:avLst/>
@@ -10334,7 +10347,7 @@
           <p:cNvPr id="27" name="Conector de Seta Reta 26">
             <a:extLst>
               <a:ext uri="{FF2B5EF4-FFF2-40B4-BE49-F238E27FC236}">
-                <a16:creationId xmlns:a16="http://schemas.microsoft.com/office/drawing/2014/main" xmlns="" id="{569658DA-03D1-4969-9E0E-3405A27FE72E}"/>
+                <a16:creationId xmlns:a16="http://schemas.microsoft.com/office/drawing/2014/main" id="{569658DA-03D1-4969-9E0E-3405A27FE72E}"/>
               </a:ext>
             </a:extLst>
           </p:cNvPr>
@@ -10345,8 +10358,8 @@
         </p:nvCxnSpPr>
         <p:spPr>
           <a:xfrm>
-            <a:off x="9865743" y="2951789"/>
-            <a:ext cx="0" cy="1451337"/>
+            <a:off x="9566852" y="2951789"/>
+            <a:ext cx="0" cy="1530418"/>
           </a:xfrm>
           <a:prstGeom prst="straightConnector1">
             <a:avLst/>
@@ -10378,7 +10391,7 @@
           <p:cNvPr id="3" name="CaixaDeTexto 2">
             <a:extLst>
               <a:ext uri="{FF2B5EF4-FFF2-40B4-BE49-F238E27FC236}">
-                <a16:creationId xmlns:a16="http://schemas.microsoft.com/office/drawing/2014/main" xmlns="" id="{7FCA1908-EC09-46BB-B633-12D671CD2244}"/>
+                <a16:creationId xmlns:a16="http://schemas.microsoft.com/office/drawing/2014/main" id="{7FCA1908-EC09-46BB-B633-12D671CD2244}"/>
               </a:ext>
             </a:extLst>
           </p:cNvPr>
@@ -10387,7 +10400,7 @@
         </p:nvSpPr>
         <p:spPr>
           <a:xfrm>
-            <a:off x="3199502" y="3703428"/>
+            <a:off x="645588" y="3676152"/>
             <a:ext cx="4827916" cy="584775"/>
           </a:xfrm>
           <a:prstGeom prst="rect">
@@ -10419,7 +10432,7 @@
           <p:cNvPr id="7" name="CaixaDeTexto 6">
             <a:extLst>
               <a:ext uri="{FF2B5EF4-FFF2-40B4-BE49-F238E27FC236}">
-                <a16:creationId xmlns:a16="http://schemas.microsoft.com/office/drawing/2014/main" xmlns="" id="{BF0B844E-C924-4EC3-B27F-D0C0220E391A}"/>
+                <a16:creationId xmlns:a16="http://schemas.microsoft.com/office/drawing/2014/main" id="{BF0B844E-C924-4EC3-B27F-D0C0220E391A}"/>
               </a:ext>
             </a:extLst>
           </p:cNvPr>
@@ -10458,7 +10471,7 @@
           <p:cNvPr id="36" name="Agrupar 35">
             <a:extLst>
               <a:ext uri="{FF2B5EF4-FFF2-40B4-BE49-F238E27FC236}">
-                <a16:creationId xmlns:a16="http://schemas.microsoft.com/office/drawing/2014/main" xmlns="" id="{ADEBDF2A-18F2-40BF-947C-8CDFA518A908}"/>
+                <a16:creationId xmlns:a16="http://schemas.microsoft.com/office/drawing/2014/main" id="{ADEBDF2A-18F2-40BF-947C-8CDFA518A908}"/>
               </a:ext>
             </a:extLst>
           </p:cNvPr>
@@ -10467,10 +10480,10 @@
         </p:nvGrpSpPr>
         <p:grpSpPr>
           <a:xfrm>
-            <a:off x="9148612" y="4563613"/>
-            <a:ext cx="2728823" cy="1604386"/>
-            <a:chOff x="8907312" y="3661913"/>
-            <a:chExt cx="2728823" cy="1604386"/>
+            <a:off x="7833097" y="4563613"/>
+            <a:ext cx="4246358" cy="1331343"/>
+            <a:chOff x="8138616" y="3661913"/>
+            <a:chExt cx="3672225" cy="1331343"/>
           </a:xfrm>
         </p:grpSpPr>
         <p:sp>
@@ -10478,7 +10491,7 @@
             <p:cNvPr id="32" name="CaixaDeTexto 31">
               <a:extLst>
                 <a:ext uri="{FF2B5EF4-FFF2-40B4-BE49-F238E27FC236}">
-                  <a16:creationId xmlns:a16="http://schemas.microsoft.com/office/drawing/2014/main" xmlns="" id="{566CD485-09EF-48E1-86C5-9CA202611613}"/>
+                  <a16:creationId xmlns:a16="http://schemas.microsoft.com/office/drawing/2014/main" id="{566CD485-09EF-48E1-86C5-9CA202611613}"/>
                 </a:ext>
               </a:extLst>
             </p:cNvPr>
@@ -10487,8 +10500,8 @@
           </p:nvSpPr>
           <p:spPr>
             <a:xfrm>
-              <a:off x="8907312" y="3788971"/>
-              <a:ext cx="2728823" cy="1477328"/>
+              <a:off x="8152625" y="3788971"/>
+              <a:ext cx="3658216" cy="1200329"/>
             </a:xfrm>
             <a:prstGeom prst="rect">
               <a:avLst/>
@@ -10554,7 +10567,7 @@
             <p:cNvPr id="30" name="Retângulo 29">
               <a:extLst>
                 <a:ext uri="{FF2B5EF4-FFF2-40B4-BE49-F238E27FC236}">
-                  <a16:creationId xmlns:a16="http://schemas.microsoft.com/office/drawing/2014/main" xmlns="" id="{D7B5B938-3ED4-4381-81EC-D26D6C4BA4A2}"/>
+                  <a16:creationId xmlns:a16="http://schemas.microsoft.com/office/drawing/2014/main" id="{D7B5B938-3ED4-4381-81EC-D26D6C4BA4A2}"/>
                 </a:ext>
               </a:extLst>
             </p:cNvPr>
@@ -10563,8 +10576,8 @@
           </p:nvSpPr>
           <p:spPr>
             <a:xfrm>
-              <a:off x="8916837" y="3661913"/>
-              <a:ext cx="2495909" cy="1331343"/>
+              <a:off x="8138616" y="3661913"/>
+              <a:ext cx="3661846" cy="1331343"/>
             </a:xfrm>
             <a:prstGeom prst="rect">
               <a:avLst/>
@@ -10607,7 +10620,7 @@
           <p:cNvPr id="35" name="Agrupar 34">
             <a:extLst>
               <a:ext uri="{FF2B5EF4-FFF2-40B4-BE49-F238E27FC236}">
-                <a16:creationId xmlns:a16="http://schemas.microsoft.com/office/drawing/2014/main" xmlns="" id="{E876AD11-81BD-4580-9B33-4F7D24F45B10}"/>
+                <a16:creationId xmlns:a16="http://schemas.microsoft.com/office/drawing/2014/main" id="{E876AD11-81BD-4580-9B33-4F7D24F45B10}"/>
               </a:ext>
             </a:extLst>
           </p:cNvPr>
@@ -10616,10 +10629,10 @@
         </p:nvGrpSpPr>
         <p:grpSpPr>
           <a:xfrm>
-            <a:off x="6138892" y="4762558"/>
-            <a:ext cx="2791185" cy="1765001"/>
-            <a:chOff x="5897592" y="3860858"/>
-            <a:chExt cx="2791185" cy="1765001"/>
+            <a:off x="3340477" y="4482207"/>
+            <a:ext cx="4178266" cy="1928467"/>
+            <a:chOff x="5363355" y="3863196"/>
+            <a:chExt cx="3394233" cy="1928467"/>
           </a:xfrm>
         </p:grpSpPr>
         <p:sp>
@@ -10627,7 +10640,7 @@
             <p:cNvPr id="28" name="CaixaDeTexto 27">
               <a:extLst>
                 <a:ext uri="{FF2B5EF4-FFF2-40B4-BE49-F238E27FC236}">
-                  <a16:creationId xmlns:a16="http://schemas.microsoft.com/office/drawing/2014/main" xmlns="" id="{06F24E56-56C0-48DE-B993-B1CF84033F10}"/>
+                  <a16:creationId xmlns:a16="http://schemas.microsoft.com/office/drawing/2014/main" id="{06F24E56-56C0-48DE-B993-B1CF84033F10}"/>
                 </a:ext>
               </a:extLst>
             </p:cNvPr>
@@ -10636,8 +10649,8 @@
           </p:nvSpPr>
           <p:spPr>
             <a:xfrm>
-              <a:off x="5959954" y="3860858"/>
-              <a:ext cx="2728823" cy="1754326"/>
+              <a:off x="5454272" y="4037337"/>
+              <a:ext cx="3303316" cy="1754326"/>
             </a:xfrm>
             <a:prstGeom prst="rect">
               <a:avLst/>
@@ -10662,9 +10675,6 @@
                 </a:rPr>
                 <a:t>Apresentar regras para matricula </a:t>
               </a:r>
-              <a:endParaRPr lang="pt-BR" b="1" i="1" dirty="0" smtClean="0">
-                <a:cs typeface="Calibri"/>
-              </a:endParaRPr>
             </a:p>
             <a:p>
               <a:pPr marL="285750" indent="-285750">
@@ -10672,14 +10682,11 @@
                 <a:buChar char="•"/>
               </a:pPr>
               <a:r>
-                <a:rPr lang="pt-BR" b="1" i="1" dirty="0" smtClean="0">
+                <a:rPr lang="pt-BR" b="1" i="1" dirty="0">
                   <a:cs typeface="Calibri"/>
                 </a:rPr>
-                <a:t>Realizar matricula</a:t>
+                <a:t>Cadastrar aluno/responsável</a:t>
               </a:r>
-              <a:endParaRPr lang="pt-BR" b="1" i="1" dirty="0">
-                <a:cs typeface="Calibri"/>
-              </a:endParaRPr>
             </a:p>
             <a:p>
               <a:pPr marL="285750" indent="-285750">
@@ -10687,16 +10694,22 @@
                 <a:buChar char="•"/>
               </a:pPr>
               <a:r>
-                <a:rPr lang="pt-BR" b="1" i="1" dirty="0" smtClean="0">
+                <a:rPr lang="pt-BR" b="1" i="1" dirty="0">
                   <a:cs typeface="Calibri"/>
                 </a:rPr>
-                <a:t>Receber </a:t>
+                <a:t>Receber documentos</a:t>
               </a:r>
+            </a:p>
+            <a:p>
+              <a:pPr marL="285750" indent="-285750">
+                <a:buFont typeface="Arial"/>
+                <a:buChar char="•"/>
+              </a:pPr>
               <a:r>
                 <a:rPr lang="pt-BR" b="1" i="1" dirty="0">
                   <a:cs typeface="Calibri"/>
                 </a:rPr>
-                <a:t>pagamento </a:t>
+                <a:t>Receber pagamento </a:t>
               </a:r>
             </a:p>
             <a:p>
@@ -10727,7 +10740,7 @@
             <p:cNvPr id="33" name="Retângulo 32">
               <a:extLst>
                 <a:ext uri="{FF2B5EF4-FFF2-40B4-BE49-F238E27FC236}">
-                  <a16:creationId xmlns:a16="http://schemas.microsoft.com/office/drawing/2014/main" xmlns="" id="{F00C5CCF-AC25-4099-8DD3-8B36FCAF56E7}"/>
+                  <a16:creationId xmlns:a16="http://schemas.microsoft.com/office/drawing/2014/main" id="{F00C5CCF-AC25-4099-8DD3-8B36FCAF56E7}"/>
                 </a:ext>
               </a:extLst>
             </p:cNvPr>
@@ -10736,8 +10749,8 @@
           </p:nvSpPr>
           <p:spPr>
             <a:xfrm>
-              <a:off x="5897592" y="3863196"/>
-              <a:ext cx="2769078" cy="1762663"/>
+              <a:off x="5363355" y="3863196"/>
+              <a:ext cx="3112897" cy="1762663"/>
             </a:xfrm>
             <a:prstGeom prst="rect">
               <a:avLst/>
@@ -10810,7 +10823,7 @@
           <p:cNvPr id="4" name="Retângulo 3">
             <a:extLst>
               <a:ext uri="{FF2B5EF4-FFF2-40B4-BE49-F238E27FC236}">
-                <a16:creationId xmlns:a16="http://schemas.microsoft.com/office/drawing/2014/main" xmlns="" id="{88C6BF1B-8B81-4A42-B266-9DF3168EF8CB}"/>
+                <a16:creationId xmlns:a16="http://schemas.microsoft.com/office/drawing/2014/main" id="{88C6BF1B-8B81-4A42-B266-9DF3168EF8CB}"/>
               </a:ext>
             </a:extLst>
           </p:cNvPr>
@@ -10864,7 +10877,7 @@
           <p:cNvPr id="2" name="CaixaDeTexto 1">
             <a:extLst>
               <a:ext uri="{FF2B5EF4-FFF2-40B4-BE49-F238E27FC236}">
-                <a16:creationId xmlns:a16="http://schemas.microsoft.com/office/drawing/2014/main" xmlns="" id="{80F5CD5A-1914-4EF1-BE32-34B089486C2F}"/>
+                <a16:creationId xmlns:a16="http://schemas.microsoft.com/office/drawing/2014/main" id="{80F5CD5A-1914-4EF1-BE32-34B089486C2F}"/>
               </a:ext>
             </a:extLst>
           </p:cNvPr>
@@ -10905,7 +10918,7 @@
           <p:cNvPr id="3" name="Imagem 6" descr="Uma imagem contendo objeto&#10;&#10;Descrição gerada com muito alta confiança">
             <a:extLst>
               <a:ext uri="{FF2B5EF4-FFF2-40B4-BE49-F238E27FC236}">
-                <a16:creationId xmlns:a16="http://schemas.microsoft.com/office/drawing/2014/main" xmlns="" id="{3A958C51-9DB6-409A-8BCE-A5C77D3B1354}"/>
+                <a16:creationId xmlns:a16="http://schemas.microsoft.com/office/drawing/2014/main" id="{3A958C51-9DB6-409A-8BCE-A5C77D3B1354}"/>
               </a:ext>
             </a:extLst>
           </p:cNvPr>
@@ -10935,7 +10948,7 @@
           <p:cNvPr id="7" name="Retângulo 6">
             <a:extLst>
               <a:ext uri="{FF2B5EF4-FFF2-40B4-BE49-F238E27FC236}">
-                <a16:creationId xmlns:a16="http://schemas.microsoft.com/office/drawing/2014/main" xmlns="" id="{89094DE6-756F-4A82-8A95-1CBED37E87E2}"/>
+                <a16:creationId xmlns:a16="http://schemas.microsoft.com/office/drawing/2014/main" id="{89094DE6-756F-4A82-8A95-1CBED37E87E2}"/>
               </a:ext>
             </a:extLst>
           </p:cNvPr>
@@ -10984,7 +10997,7 @@
           <p:cNvPr id="9" name="Retângulo 8">
             <a:extLst>
               <a:ext uri="{FF2B5EF4-FFF2-40B4-BE49-F238E27FC236}">
-                <a16:creationId xmlns:a16="http://schemas.microsoft.com/office/drawing/2014/main" xmlns="" id="{407F5294-A287-4708-8220-29D5D97DEE86}"/>
+                <a16:creationId xmlns:a16="http://schemas.microsoft.com/office/drawing/2014/main" id="{407F5294-A287-4708-8220-29D5D97DEE86}"/>
               </a:ext>
             </a:extLst>
           </p:cNvPr>
@@ -11033,7 +11046,7 @@
           <p:cNvPr id="11" name="Retângulo 10">
             <a:extLst>
               <a:ext uri="{FF2B5EF4-FFF2-40B4-BE49-F238E27FC236}">
-                <a16:creationId xmlns:a16="http://schemas.microsoft.com/office/drawing/2014/main" xmlns="" id="{8CCE9E41-DF19-4539-AEB2-C83DDB8D015A}"/>
+                <a16:creationId xmlns:a16="http://schemas.microsoft.com/office/drawing/2014/main" id="{8CCE9E41-DF19-4539-AEB2-C83DDB8D015A}"/>
               </a:ext>
             </a:extLst>
           </p:cNvPr>
@@ -11082,7 +11095,7 @@
           <p:cNvPr id="13" name="CaixaDeTexto 12">
             <a:extLst>
               <a:ext uri="{FF2B5EF4-FFF2-40B4-BE49-F238E27FC236}">
-                <a16:creationId xmlns:a16="http://schemas.microsoft.com/office/drawing/2014/main" xmlns="" id="{36A1F85B-7B7F-4EB2-A921-5BDA85D5F006}"/>
+                <a16:creationId xmlns:a16="http://schemas.microsoft.com/office/drawing/2014/main" id="{36A1F85B-7B7F-4EB2-A921-5BDA85D5F006}"/>
               </a:ext>
             </a:extLst>
           </p:cNvPr>
@@ -11124,7 +11137,7 @@
           <p:cNvPr id="15" name="CaixaDeTexto 14">
             <a:extLst>
               <a:ext uri="{FF2B5EF4-FFF2-40B4-BE49-F238E27FC236}">
-                <a16:creationId xmlns:a16="http://schemas.microsoft.com/office/drawing/2014/main" xmlns="" id="{F4835543-02C9-4F7E-942E-19AA80F41074}"/>
+                <a16:creationId xmlns:a16="http://schemas.microsoft.com/office/drawing/2014/main" id="{F4835543-02C9-4F7E-942E-19AA80F41074}"/>
               </a:ext>
             </a:extLst>
           </p:cNvPr>
@@ -11166,7 +11179,7 @@
           <p:cNvPr id="17" name="Conector de Seta Reta 16">
             <a:extLst>
               <a:ext uri="{FF2B5EF4-FFF2-40B4-BE49-F238E27FC236}">
-                <a16:creationId xmlns:a16="http://schemas.microsoft.com/office/drawing/2014/main" xmlns="" id="{411AA6B9-507C-44D4-9959-3C997B8CBC1D}"/>
+                <a16:creationId xmlns:a16="http://schemas.microsoft.com/office/drawing/2014/main" id="{411AA6B9-507C-44D4-9959-3C997B8CBC1D}"/>
               </a:ext>
             </a:extLst>
           </p:cNvPr>
@@ -11210,7 +11223,7 @@
           <p:cNvPr id="19" name="Conector de Seta Reta 18">
             <a:extLst>
               <a:ext uri="{FF2B5EF4-FFF2-40B4-BE49-F238E27FC236}">
-                <a16:creationId xmlns:a16="http://schemas.microsoft.com/office/drawing/2014/main" xmlns="" id="{93EB990D-C099-4555-BD11-426E6E8EE67F}"/>
+                <a16:creationId xmlns:a16="http://schemas.microsoft.com/office/drawing/2014/main" id="{93EB990D-C099-4555-BD11-426E6E8EE67F}"/>
               </a:ext>
             </a:extLst>
           </p:cNvPr>
@@ -11254,7 +11267,7 @@
           <p:cNvPr id="21" name="CaixaDeTexto 20">
             <a:extLst>
               <a:ext uri="{FF2B5EF4-FFF2-40B4-BE49-F238E27FC236}">
-                <a16:creationId xmlns:a16="http://schemas.microsoft.com/office/drawing/2014/main" xmlns="" id="{DDB3C006-F399-4DA0-84A7-14D02AA99AD9}"/>
+                <a16:creationId xmlns:a16="http://schemas.microsoft.com/office/drawing/2014/main" id="{DDB3C006-F399-4DA0-84A7-14D02AA99AD9}"/>
               </a:ext>
             </a:extLst>
           </p:cNvPr>
@@ -11294,7 +11307,7 @@
           <p:cNvPr id="14" name="Imagem 6" descr="Uma imagem contendo objeto&#10;&#10;Descrição gerada com muito alta confiança">
             <a:extLst>
               <a:ext uri="{FF2B5EF4-FFF2-40B4-BE49-F238E27FC236}">
-                <a16:creationId xmlns:a16="http://schemas.microsoft.com/office/drawing/2014/main" xmlns="" id="{679141C5-05BA-4E9B-9DE4-33CA40E689E3}"/>
+                <a16:creationId xmlns:a16="http://schemas.microsoft.com/office/drawing/2014/main" id="{679141C5-05BA-4E9B-9DE4-33CA40E689E3}"/>
               </a:ext>
             </a:extLst>
           </p:cNvPr>
@@ -11324,7 +11337,7 @@
           <p:cNvPr id="5" name="CaixaDeTexto 4">
             <a:extLst>
               <a:ext uri="{FF2B5EF4-FFF2-40B4-BE49-F238E27FC236}">
-                <a16:creationId xmlns:a16="http://schemas.microsoft.com/office/drawing/2014/main" xmlns="" id="{B16219F2-C8D5-4962-B139-35FAB8DA186B}"/>
+                <a16:creationId xmlns:a16="http://schemas.microsoft.com/office/drawing/2014/main" id="{B16219F2-C8D5-4962-B139-35FAB8DA186B}"/>
               </a:ext>
             </a:extLst>
           </p:cNvPr>
@@ -11361,7 +11374,7 @@
           <p:cNvPr id="6" name="CaixaDeTexto 5">
             <a:extLst>
               <a:ext uri="{FF2B5EF4-FFF2-40B4-BE49-F238E27FC236}">
-                <a16:creationId xmlns:a16="http://schemas.microsoft.com/office/drawing/2014/main" xmlns="" id="{E30895BE-0869-4DCC-8DF3-4E9AA8EB5C8C}"/>
+                <a16:creationId xmlns:a16="http://schemas.microsoft.com/office/drawing/2014/main" id="{E30895BE-0869-4DCC-8DF3-4E9AA8EB5C8C}"/>
               </a:ext>
             </a:extLst>
           </p:cNvPr>
@@ -11403,7 +11416,7 @@
           <p:cNvPr id="20" name="Conector de Seta Reta 19">
             <a:extLst>
               <a:ext uri="{FF2B5EF4-FFF2-40B4-BE49-F238E27FC236}">
-                <a16:creationId xmlns:a16="http://schemas.microsoft.com/office/drawing/2014/main" xmlns="" id="{14BFD4BF-B15E-4CD7-866F-99EB8A96BAA7}"/>
+                <a16:creationId xmlns:a16="http://schemas.microsoft.com/office/drawing/2014/main" id="{14BFD4BF-B15E-4CD7-866F-99EB8A96BAA7}"/>
               </a:ext>
             </a:extLst>
           </p:cNvPr>
@@ -11474,64 +11487,10 @@
       </p:grpSpPr>
       <p:sp>
         <p:nvSpPr>
-          <p:cNvPr id="4" name="Retângulo 3">
-            <a:extLst>
-              <a:ext uri="{FF2B5EF4-FFF2-40B4-BE49-F238E27FC236}">
-                <a16:creationId xmlns:a16="http://schemas.microsoft.com/office/drawing/2014/main" xmlns="" id="{88C6BF1B-8B81-4A42-B266-9DF3168EF8CB}"/>
-              </a:ext>
-            </a:extLst>
-          </p:cNvPr>
-          <p:cNvSpPr/>
-          <p:nvPr/>
-        </p:nvSpPr>
-        <p:spPr>
-          <a:xfrm>
-            <a:off x="136048" y="143774"/>
-            <a:ext cx="11904450" cy="6570451"/>
-          </a:xfrm>
-          <a:prstGeom prst="rect">
-            <a:avLst/>
-          </a:prstGeom>
-          <a:solidFill>
-            <a:schemeClr val="bg1"/>
-          </a:solidFill>
-          <a:ln>
-            <a:solidFill>
-              <a:schemeClr val="tx1"/>
-            </a:solidFill>
-          </a:ln>
-        </p:spPr>
-        <p:style>
-          <a:lnRef idx="2">
-            <a:schemeClr val="accent1">
-              <a:shade val="50000"/>
-            </a:schemeClr>
-          </a:lnRef>
-          <a:fillRef idx="1">
-            <a:schemeClr val="accent1"/>
-          </a:fillRef>
-          <a:effectRef idx="0">
-            <a:schemeClr val="accent1"/>
-          </a:effectRef>
-          <a:fontRef idx="minor">
-            <a:schemeClr val="lt1"/>
-          </a:fontRef>
-        </p:style>
-        <p:txBody>
-          <a:bodyPr rtlCol="0" anchor="ctr"/>
-          <a:lstStyle/>
-          <a:p>
-            <a:pPr algn="ctr"/>
-            <a:endParaRPr lang="pt-BR"/>
-          </a:p>
-        </p:txBody>
-      </p:sp>
-      <p:sp>
-        <p:nvSpPr>
           <p:cNvPr id="2" name="CaixaDeTexto 1">
             <a:extLst>
               <a:ext uri="{FF2B5EF4-FFF2-40B4-BE49-F238E27FC236}">
-                <a16:creationId xmlns:a16="http://schemas.microsoft.com/office/drawing/2014/main" xmlns="" id="{80F5CD5A-1914-4EF1-BE32-34B089486C2F}"/>
+                <a16:creationId xmlns:a16="http://schemas.microsoft.com/office/drawing/2014/main" id="{80F5CD5A-1914-4EF1-BE32-34B089486C2F}"/>
               </a:ext>
             </a:extLst>
           </p:cNvPr>
@@ -11572,7 +11531,7 @@
           <p:cNvPr id="5" name="Conector de Seta Reta 4">
             <a:extLst>
               <a:ext uri="{FF2B5EF4-FFF2-40B4-BE49-F238E27FC236}">
-                <a16:creationId xmlns:a16="http://schemas.microsoft.com/office/drawing/2014/main" xmlns="" id="{85E6B2C7-D043-4C92-898F-4F2DEE8A2690}"/>
+                <a16:creationId xmlns:a16="http://schemas.microsoft.com/office/drawing/2014/main" id="{85E6B2C7-D043-4C92-898F-4F2DEE8A2690}"/>
               </a:ext>
             </a:extLst>
           </p:cNvPr>
@@ -11615,7 +11574,7 @@
           <p:cNvPr id="6" name="Conector de Seta Reta 5">
             <a:extLst>
               <a:ext uri="{FF2B5EF4-FFF2-40B4-BE49-F238E27FC236}">
-                <a16:creationId xmlns:a16="http://schemas.microsoft.com/office/drawing/2014/main" xmlns="" id="{9BACC1B6-2F2A-4248-B083-17CB87D6E5BE}"/>
+                <a16:creationId xmlns:a16="http://schemas.microsoft.com/office/drawing/2014/main" id="{9BACC1B6-2F2A-4248-B083-17CB87D6E5BE}"/>
               </a:ext>
             </a:extLst>
           </p:cNvPr>
@@ -11658,7 +11617,7 @@
           <p:cNvPr id="50" name="Agrupar 49">
             <a:extLst>
               <a:ext uri="{FF2B5EF4-FFF2-40B4-BE49-F238E27FC236}">
-                <a16:creationId xmlns:a16="http://schemas.microsoft.com/office/drawing/2014/main" xmlns="" id="{59A99669-CC2E-471C-9533-EE65C05F42DC}"/>
+                <a16:creationId xmlns:a16="http://schemas.microsoft.com/office/drawing/2014/main" id="{59A99669-CC2E-471C-9533-EE65C05F42DC}"/>
               </a:ext>
             </a:extLst>
           </p:cNvPr>
@@ -11667,9 +11626,9 @@
         </p:nvGrpSpPr>
         <p:grpSpPr>
           <a:xfrm>
-            <a:off x="7506059" y="1474757"/>
+            <a:off x="5750221" y="1474757"/>
             <a:ext cx="2041583" cy="1207696"/>
-            <a:chOff x="7506059" y="1474757"/>
+            <a:chOff x="5750221" y="1474757"/>
             <a:chExt cx="2041583" cy="1207696"/>
           </a:xfrm>
         </p:grpSpPr>
@@ -11678,7 +11637,7 @@
             <p:cNvPr id="8" name="Retângulo 7">
               <a:extLst>
                 <a:ext uri="{FF2B5EF4-FFF2-40B4-BE49-F238E27FC236}">
-                  <a16:creationId xmlns:a16="http://schemas.microsoft.com/office/drawing/2014/main" xmlns="" id="{5941647A-72D6-4138-BD44-C48D31273AB1}"/>
+                  <a16:creationId xmlns:a16="http://schemas.microsoft.com/office/drawing/2014/main" id="{5941647A-72D6-4138-BD44-C48D31273AB1}"/>
                 </a:ext>
               </a:extLst>
             </p:cNvPr>
@@ -11687,7 +11646,7 @@
           </p:nvSpPr>
           <p:spPr>
             <a:xfrm>
-              <a:off x="7506059" y="1474757"/>
+              <a:off x="5750221" y="1474757"/>
               <a:ext cx="2041583" cy="1207696"/>
             </a:xfrm>
             <a:prstGeom prst="rect">
@@ -11732,7 +11691,7 @@
             <p:cNvPr id="9" name="CaixaDeTexto 1">
               <a:extLst>
                 <a:ext uri="{FF2B5EF4-FFF2-40B4-BE49-F238E27FC236}">
-                  <a16:creationId xmlns:a16="http://schemas.microsoft.com/office/drawing/2014/main" xmlns="" id="{7994EBAF-0D7D-41FB-B228-383D0E67FB6C}"/>
+                  <a16:creationId xmlns:a16="http://schemas.microsoft.com/office/drawing/2014/main" id="{7994EBAF-0D7D-41FB-B228-383D0E67FB6C}"/>
                 </a:ext>
               </a:extLst>
             </p:cNvPr>
@@ -11741,7 +11700,7 @@
           </p:nvSpPr>
           <p:spPr>
             <a:xfrm>
-              <a:off x="7713992" y="1747389"/>
+              <a:off x="5938562" y="1775129"/>
               <a:ext cx="1664899" cy="523220"/>
             </a:xfrm>
             <a:prstGeom prst="rect">
@@ -11869,7 +11828,7 @@
           <p:cNvPr id="49" name="Agrupar 48">
             <a:extLst>
               <a:ext uri="{FF2B5EF4-FFF2-40B4-BE49-F238E27FC236}">
-                <a16:creationId xmlns:a16="http://schemas.microsoft.com/office/drawing/2014/main" xmlns="" id="{23F3B3EC-DB9B-48C6-B968-A50048FE2EB4}"/>
+                <a16:creationId xmlns:a16="http://schemas.microsoft.com/office/drawing/2014/main" id="{23F3B3EC-DB9B-48C6-B968-A50048FE2EB4}"/>
               </a:ext>
             </a:extLst>
           </p:cNvPr>
@@ -11878,7 +11837,7 @@
         </p:nvGrpSpPr>
         <p:grpSpPr>
           <a:xfrm>
-            <a:off x="10108360" y="1417247"/>
+            <a:off x="9103720" y="1626513"/>
             <a:ext cx="1754036" cy="1178942"/>
             <a:chOff x="10108360" y="1417247"/>
             <a:chExt cx="1754036" cy="1178942"/>
@@ -11889,7 +11848,7 @@
             <p:cNvPr id="10" name="Retângulo 9">
               <a:extLst>
                 <a:ext uri="{FF2B5EF4-FFF2-40B4-BE49-F238E27FC236}">
-                  <a16:creationId xmlns:a16="http://schemas.microsoft.com/office/drawing/2014/main" xmlns="" id="{971BC70D-B8E4-4A17-B17F-86055154C60C}"/>
+                  <a16:creationId xmlns:a16="http://schemas.microsoft.com/office/drawing/2014/main" id="{971BC70D-B8E4-4A17-B17F-86055154C60C}"/>
                 </a:ext>
               </a:extLst>
             </p:cNvPr>
@@ -11943,7 +11902,7 @@
             <p:cNvPr id="11" name="CaixaDeTexto 1">
               <a:extLst>
                 <a:ext uri="{FF2B5EF4-FFF2-40B4-BE49-F238E27FC236}">
-                  <a16:creationId xmlns:a16="http://schemas.microsoft.com/office/drawing/2014/main" xmlns="" id="{F77E377A-2299-45F1-BD65-AD221DB0412C}"/>
+                  <a16:creationId xmlns:a16="http://schemas.microsoft.com/office/drawing/2014/main" id="{F77E377A-2299-45F1-BD65-AD221DB0412C}"/>
                 </a:ext>
               </a:extLst>
             </p:cNvPr>
@@ -12080,7 +12039,7 @@
           <p:cNvPr id="53" name="Agrupar 52">
             <a:extLst>
               <a:ext uri="{FF2B5EF4-FFF2-40B4-BE49-F238E27FC236}">
-                <a16:creationId xmlns:a16="http://schemas.microsoft.com/office/drawing/2014/main" xmlns="" id="{9102A23B-7600-4BE1-A0EA-04D802778857}"/>
+                <a16:creationId xmlns:a16="http://schemas.microsoft.com/office/drawing/2014/main" id="{9102A23B-7600-4BE1-A0EA-04D802778857}"/>
               </a:ext>
             </a:extLst>
           </p:cNvPr>
@@ -12089,7 +12048,7 @@
         </p:nvGrpSpPr>
         <p:grpSpPr>
           <a:xfrm>
-            <a:off x="1121075" y="1193500"/>
+            <a:off x="346004" y="1193498"/>
             <a:ext cx="1334220" cy="1764433"/>
             <a:chOff x="1121075" y="1155400"/>
             <a:chExt cx="1334220" cy="1764433"/>
@@ -12100,7 +12059,7 @@
             <p:cNvPr id="13" name="Imagem 6" descr="Uma imagem contendo objeto&#10;&#10;Descrição gerada com muito alta confiança">
               <a:extLst>
                 <a:ext uri="{FF2B5EF4-FFF2-40B4-BE49-F238E27FC236}">
-                  <a16:creationId xmlns:a16="http://schemas.microsoft.com/office/drawing/2014/main" xmlns="" id="{63824687-0B05-4413-8D3C-5E29C9702638}"/>
+                  <a16:creationId xmlns:a16="http://schemas.microsoft.com/office/drawing/2014/main" id="{63824687-0B05-4413-8D3C-5E29C9702638}"/>
                 </a:ext>
               </a:extLst>
             </p:cNvPr>
@@ -12130,7 +12089,7 @@
             <p:cNvPr id="16" name="CaixaDeTexto 15">
               <a:extLst>
                 <a:ext uri="{FF2B5EF4-FFF2-40B4-BE49-F238E27FC236}">
-                  <a16:creationId xmlns:a16="http://schemas.microsoft.com/office/drawing/2014/main" xmlns="" id="{FDA29973-2090-478C-8CFB-2DD1F5F78F5A}"/>
+                  <a16:creationId xmlns:a16="http://schemas.microsoft.com/office/drawing/2014/main" id="{FDA29973-2090-478C-8CFB-2DD1F5F78F5A}"/>
                 </a:ext>
               </a:extLst>
             </p:cNvPr>
@@ -12168,7 +12127,7 @@
           <p:cNvPr id="52" name="Agrupar 51">
             <a:extLst>
               <a:ext uri="{FF2B5EF4-FFF2-40B4-BE49-F238E27FC236}">
-                <a16:creationId xmlns:a16="http://schemas.microsoft.com/office/drawing/2014/main" xmlns="" id="{117C8AE4-4833-4058-9612-B813911B00FD}"/>
+                <a16:creationId xmlns:a16="http://schemas.microsoft.com/office/drawing/2014/main" id="{117C8AE4-4833-4058-9612-B813911B00FD}"/>
               </a:ext>
             </a:extLst>
           </p:cNvPr>
@@ -12177,7 +12136,7 @@
         </p:nvGrpSpPr>
         <p:grpSpPr>
           <a:xfrm>
-            <a:off x="2456372" y="1193498"/>
+            <a:off x="1499695" y="1270126"/>
             <a:ext cx="2743200" cy="1762638"/>
             <a:chOff x="2456372" y="1155398"/>
             <a:chExt cx="2743200" cy="1762638"/>
@@ -12188,7 +12147,7 @@
             <p:cNvPr id="14" name="Imagem 6" descr="Uma imagem contendo objeto&#10;&#10;Descrição gerada com muito alta confiança">
               <a:extLst>
                 <a:ext uri="{FF2B5EF4-FFF2-40B4-BE49-F238E27FC236}">
-                  <a16:creationId xmlns:a16="http://schemas.microsoft.com/office/drawing/2014/main" xmlns="" id="{DBED1A96-C999-457A-8F32-18571E67930B}"/>
+                  <a16:creationId xmlns:a16="http://schemas.microsoft.com/office/drawing/2014/main" id="{DBED1A96-C999-457A-8F32-18571E67930B}"/>
                 </a:ext>
               </a:extLst>
             </p:cNvPr>
@@ -12218,7 +12177,7 @@
             <p:cNvPr id="18" name="CaixaDeTexto 17">
               <a:extLst>
                 <a:ext uri="{FF2B5EF4-FFF2-40B4-BE49-F238E27FC236}">
-                  <a16:creationId xmlns:a16="http://schemas.microsoft.com/office/drawing/2014/main" xmlns="" id="{4A840F81-AC70-4925-A6AF-06B2ECF11F52}"/>
+                  <a16:creationId xmlns:a16="http://schemas.microsoft.com/office/drawing/2014/main" id="{4A840F81-AC70-4925-A6AF-06B2ECF11F52}"/>
                 </a:ext>
               </a:extLst>
             </p:cNvPr>
@@ -12256,7 +12215,7 @@
           <p:cNvPr id="19" name="Conector de Seta Reta 18">
             <a:extLst>
               <a:ext uri="{FF2B5EF4-FFF2-40B4-BE49-F238E27FC236}">
-                <a16:creationId xmlns:a16="http://schemas.microsoft.com/office/drawing/2014/main" xmlns="" id="{7053101E-BA41-4AFA-90EB-5F30E05D5C2A}"/>
+                <a16:creationId xmlns:a16="http://schemas.microsoft.com/office/drawing/2014/main" id="{7053101E-BA41-4AFA-90EB-5F30E05D5C2A}"/>
               </a:ext>
             </a:extLst>
           </p:cNvPr>
@@ -12267,8 +12226,8 @@
         </p:nvCxnSpPr>
         <p:spPr>
           <a:xfrm>
-            <a:off x="8600535" y="2684253"/>
-            <a:ext cx="23724" cy="1467928"/>
+            <a:off x="6507140" y="2670786"/>
+            <a:ext cx="11895" cy="854517"/>
           </a:xfrm>
           <a:prstGeom prst="straightConnector1">
             <a:avLst/>
@@ -12300,7 +12259,7 @@
           <p:cNvPr id="20" name="Conector de Seta Reta 19">
             <a:extLst>
               <a:ext uri="{FF2B5EF4-FFF2-40B4-BE49-F238E27FC236}">
-                <a16:creationId xmlns:a16="http://schemas.microsoft.com/office/drawing/2014/main" xmlns="" id="{972CCC72-617F-4D78-B3FE-1B11C03D20E1}"/>
+                <a16:creationId xmlns:a16="http://schemas.microsoft.com/office/drawing/2014/main" id="{972CCC72-617F-4D78-B3FE-1B11C03D20E1}"/>
               </a:ext>
             </a:extLst>
           </p:cNvPr>
@@ -12311,8 +12270,8 @@
         </p:nvCxnSpPr>
         <p:spPr>
           <a:xfrm flipH="1">
-            <a:off x="2053087" y="786441"/>
-            <a:ext cx="2013907" cy="626853"/>
+            <a:off x="1039459" y="786441"/>
+            <a:ext cx="3027536" cy="474761"/>
           </a:xfrm>
           <a:prstGeom prst="straightConnector1">
             <a:avLst/>
@@ -12344,7 +12303,7 @@
           <p:cNvPr id="21" name="Conector de Seta Reta 20">
             <a:extLst>
               <a:ext uri="{FF2B5EF4-FFF2-40B4-BE49-F238E27FC236}">
-                <a16:creationId xmlns:a16="http://schemas.microsoft.com/office/drawing/2014/main" xmlns="" id="{EA66EA41-B19F-44A8-87CD-EFADB016E3DD}"/>
+                <a16:creationId xmlns:a16="http://schemas.microsoft.com/office/drawing/2014/main" id="{EA66EA41-B19F-44A8-87CD-EFADB016E3DD}"/>
               </a:ext>
             </a:extLst>
           </p:cNvPr>
@@ -12355,8 +12314,8 @@
         </p:nvCxnSpPr>
         <p:spPr>
           <a:xfrm flipH="1">
-            <a:off x="3790170" y="773741"/>
-            <a:ext cx="691732" cy="902448"/>
+            <a:off x="2793406" y="810446"/>
+            <a:ext cx="1273589" cy="795316"/>
           </a:xfrm>
           <a:prstGeom prst="straightConnector1">
             <a:avLst/>
@@ -12388,7 +12347,7 @@
           <p:cNvPr id="23" name="Conector de Seta Reta 22">
             <a:extLst>
               <a:ext uri="{FF2B5EF4-FFF2-40B4-BE49-F238E27FC236}">
-                <a16:creationId xmlns:a16="http://schemas.microsoft.com/office/drawing/2014/main" xmlns="" id="{6F2A4F03-C5E4-40D7-AA81-EDDBC7B02437}"/>
+                <a16:creationId xmlns:a16="http://schemas.microsoft.com/office/drawing/2014/main" id="{6F2A4F03-C5E4-40D7-AA81-EDDBC7B02437}"/>
               </a:ext>
             </a:extLst>
           </p:cNvPr>
@@ -12400,7 +12359,7 @@
         <p:spPr>
           <a:xfrm>
             <a:off x="8039818" y="757686"/>
-            <a:ext cx="1892060" cy="598099"/>
+            <a:ext cx="1080794" cy="848076"/>
           </a:xfrm>
           <a:prstGeom prst="straightConnector1">
             <a:avLst/>
@@ -12432,7 +12391,7 @@
           <p:cNvPr id="27" name="Conector de Seta Reta 26">
             <a:extLst>
               <a:ext uri="{FF2B5EF4-FFF2-40B4-BE49-F238E27FC236}">
-                <a16:creationId xmlns:a16="http://schemas.microsoft.com/office/drawing/2014/main" xmlns="" id="{569658DA-03D1-4969-9E0E-3405A27FE72E}"/>
+                <a16:creationId xmlns:a16="http://schemas.microsoft.com/office/drawing/2014/main" id="{569658DA-03D1-4969-9E0E-3405A27FE72E}"/>
               </a:ext>
             </a:extLst>
           </p:cNvPr>
@@ -12442,9 +12401,9 @@
           <p:nvPr/>
         </p:nvCxnSpPr>
         <p:spPr>
-          <a:xfrm flipH="1">
-            <a:off x="10981427" y="2583612"/>
-            <a:ext cx="5750" cy="1058173"/>
+          <a:xfrm>
+            <a:off x="9842679" y="2797323"/>
+            <a:ext cx="0" cy="753543"/>
           </a:xfrm>
           <a:prstGeom prst="straightConnector1">
             <a:avLst/>
@@ -12476,7 +12435,7 @@
           <p:cNvPr id="3" name="CaixaDeTexto 2">
             <a:extLst>
               <a:ext uri="{FF2B5EF4-FFF2-40B4-BE49-F238E27FC236}">
-                <a16:creationId xmlns:a16="http://schemas.microsoft.com/office/drawing/2014/main" xmlns="" id="{7FCA1908-EC09-46BB-B633-12D671CD2244}"/>
+                <a16:creationId xmlns:a16="http://schemas.microsoft.com/office/drawing/2014/main" id="{7FCA1908-EC09-46BB-B633-12D671CD2244}"/>
               </a:ext>
             </a:extLst>
           </p:cNvPr>
@@ -12485,7 +12444,7 @@
         </p:nvSpPr>
         <p:spPr>
           <a:xfrm>
-            <a:off x="4664736" y="3043802"/>
+            <a:off x="-942916" y="3098044"/>
             <a:ext cx="4827916" cy="584775"/>
           </a:xfrm>
           <a:prstGeom prst="rect">
@@ -12517,7 +12476,7 @@
           <p:cNvPr id="7" name="CaixaDeTexto 6">
             <a:extLst>
               <a:ext uri="{FF2B5EF4-FFF2-40B4-BE49-F238E27FC236}">
-                <a16:creationId xmlns:a16="http://schemas.microsoft.com/office/drawing/2014/main" xmlns="" id="{BF0B844E-C924-4EC3-B27F-D0C0220E391A}"/>
+                <a16:creationId xmlns:a16="http://schemas.microsoft.com/office/drawing/2014/main" id="{BF0B844E-C924-4EC3-B27F-D0C0220E391A}"/>
               </a:ext>
             </a:extLst>
           </p:cNvPr>
@@ -12556,7 +12515,7 @@
           <p:cNvPr id="42" name="Agrupar 41">
             <a:extLst>
               <a:ext uri="{FF2B5EF4-FFF2-40B4-BE49-F238E27FC236}">
-                <a16:creationId xmlns:a16="http://schemas.microsoft.com/office/drawing/2014/main" xmlns="" id="{21F91D42-F2B6-4275-A3D0-4C3BAED84193}"/>
+                <a16:creationId xmlns:a16="http://schemas.microsoft.com/office/drawing/2014/main" id="{21F91D42-F2B6-4275-A3D0-4C3BAED84193}"/>
               </a:ext>
             </a:extLst>
           </p:cNvPr>
@@ -12565,10 +12524,10 @@
         </p:nvGrpSpPr>
         <p:grpSpPr>
           <a:xfrm>
-            <a:off x="9688182" y="3697138"/>
-            <a:ext cx="2733676" cy="1546876"/>
-            <a:chOff x="9650082" y="3201838"/>
-            <a:chExt cx="2733676" cy="1546876"/>
+            <a:off x="8039816" y="3682819"/>
+            <a:ext cx="3612768" cy="1581358"/>
+            <a:chOff x="9364205" y="3187519"/>
+            <a:chExt cx="2489466" cy="1581358"/>
           </a:xfrm>
         </p:grpSpPr>
         <p:sp>
@@ -12576,7 +12535,7 @@
             <p:cNvPr id="32" name="CaixaDeTexto 31">
               <a:extLst>
                 <a:ext uri="{FF2B5EF4-FFF2-40B4-BE49-F238E27FC236}">
-                  <a16:creationId xmlns:a16="http://schemas.microsoft.com/office/drawing/2014/main" xmlns="" id="{566CD485-09EF-48E1-86C5-9CA202611613}"/>
+                  <a16:creationId xmlns:a16="http://schemas.microsoft.com/office/drawing/2014/main" id="{566CD485-09EF-48E1-86C5-9CA202611613}"/>
                 </a:ext>
               </a:extLst>
             </p:cNvPr>
@@ -12585,8 +12544,8 @@
           </p:nvSpPr>
           <p:spPr>
             <a:xfrm>
-              <a:off x="9654935" y="3271386"/>
-              <a:ext cx="2728823" cy="1477328"/>
+              <a:off x="9364206" y="3291549"/>
+              <a:ext cx="2484613" cy="1477328"/>
             </a:xfrm>
             <a:prstGeom prst="rect">
               <a:avLst/>
@@ -12655,7 +12614,7 @@
             <p:cNvPr id="30" name="Retângulo 29">
               <a:extLst>
                 <a:ext uri="{FF2B5EF4-FFF2-40B4-BE49-F238E27FC236}">
-                  <a16:creationId xmlns:a16="http://schemas.microsoft.com/office/drawing/2014/main" xmlns="" id="{D7B5B938-3ED4-4381-81EC-D26D6C4BA4A2}"/>
+                  <a16:creationId xmlns:a16="http://schemas.microsoft.com/office/drawing/2014/main" id="{D7B5B938-3ED4-4381-81EC-D26D6C4BA4A2}"/>
                 </a:ext>
               </a:extLst>
             </p:cNvPr>
@@ -12664,8 +12623,8 @@
           </p:nvSpPr>
           <p:spPr>
             <a:xfrm>
-              <a:off x="9650082" y="3201838"/>
-              <a:ext cx="2251494" cy="1331343"/>
+              <a:off x="9364205" y="3187519"/>
+              <a:ext cx="2489466" cy="1331343"/>
             </a:xfrm>
             <a:prstGeom prst="rect">
               <a:avLst/>
@@ -12708,7 +12667,7 @@
           <p:cNvPr id="41" name="Agrupar 40">
             <a:extLst>
               <a:ext uri="{FF2B5EF4-FFF2-40B4-BE49-F238E27FC236}">
-                <a16:creationId xmlns:a16="http://schemas.microsoft.com/office/drawing/2014/main" xmlns="" id="{CE589A6F-0BF7-4F13-8115-B627981BEA60}"/>
+                <a16:creationId xmlns:a16="http://schemas.microsoft.com/office/drawing/2014/main" id="{CE589A6F-0BF7-4F13-8115-B627981BEA60}"/>
               </a:ext>
             </a:extLst>
           </p:cNvPr>
@@ -12717,10 +12676,10 @@
         </p:nvGrpSpPr>
         <p:grpSpPr>
           <a:xfrm>
-            <a:off x="6774611" y="4190281"/>
-            <a:ext cx="2819940" cy="1762663"/>
-            <a:chOff x="6774611" y="3618781"/>
-            <a:chExt cx="2819940" cy="1762663"/>
+            <a:off x="3611573" y="3550866"/>
+            <a:ext cx="4109589" cy="1762663"/>
+            <a:chOff x="4275884" y="2979366"/>
+            <a:chExt cx="3513106" cy="1762663"/>
           </a:xfrm>
         </p:grpSpPr>
         <p:sp>
@@ -12728,7 +12687,7 @@
             <p:cNvPr id="28" name="CaixaDeTexto 27">
               <a:extLst>
                 <a:ext uri="{FF2B5EF4-FFF2-40B4-BE49-F238E27FC236}">
-                  <a16:creationId xmlns:a16="http://schemas.microsoft.com/office/drawing/2014/main" xmlns="" id="{06F24E56-56C0-48DE-B993-B1CF84033F10}"/>
+                  <a16:creationId xmlns:a16="http://schemas.microsoft.com/office/drawing/2014/main" id="{06F24E56-56C0-48DE-B993-B1CF84033F10}"/>
                 </a:ext>
               </a:extLst>
             </p:cNvPr>
@@ -12737,8 +12696,8 @@
           </p:nvSpPr>
           <p:spPr>
             <a:xfrm>
-              <a:off x="6865728" y="3688330"/>
-              <a:ext cx="2728823" cy="1477328"/>
+              <a:off x="4366190" y="3150877"/>
+              <a:ext cx="3332493" cy="1477328"/>
             </a:xfrm>
             <a:prstGeom prst="rect">
               <a:avLst/>
@@ -12758,12 +12717,12 @@
                 <a:buChar char="•"/>
               </a:pPr>
               <a:r>
-                <a:rPr lang="pt-BR" b="1" i="1" dirty="0" smtClean="0">
+                <a:rPr lang="pt-BR" b="1" i="1" dirty="0">
                   <a:cs typeface="Calibri"/>
                 </a:rPr>
-                <a:t>Verificar inadimplência</a:t>
+                <a:t>Verificar se pagamentos estão em dias</a:t>
               </a:r>
-              <a:endParaRPr lang="pt-BR" dirty="0" smtClean="0"/>
+              <a:endParaRPr lang="pt-BR" dirty="0"/>
             </a:p>
             <a:p>
               <a:pPr marL="285750" indent="-285750">
@@ -12771,7 +12730,7 @@
                 <a:buChar char="•"/>
               </a:pPr>
               <a:r>
-                <a:rPr lang="pt-BR" b="1" i="1" dirty="0" smtClean="0">
+                <a:rPr lang="pt-BR" b="1" i="1" dirty="0">
                   <a:cs typeface="Calibri"/>
                 </a:rPr>
                 <a:t>Notificar eventualidades para aluno ou responsável</a:t>
@@ -12793,7 +12752,7 @@
             <p:cNvPr id="33" name="Retângulo 32">
               <a:extLst>
                 <a:ext uri="{FF2B5EF4-FFF2-40B4-BE49-F238E27FC236}">
-                  <a16:creationId xmlns:a16="http://schemas.microsoft.com/office/drawing/2014/main" xmlns="" id="{F00C5CCF-AC25-4099-8DD3-8B36FCAF56E7}"/>
+                  <a16:creationId xmlns:a16="http://schemas.microsoft.com/office/drawing/2014/main" id="{F00C5CCF-AC25-4099-8DD3-8B36FCAF56E7}"/>
                 </a:ext>
               </a:extLst>
             </p:cNvPr>
@@ -12802,8 +12761,8 @@
           </p:nvSpPr>
           <p:spPr>
             <a:xfrm>
-              <a:off x="6774611" y="3618781"/>
-              <a:ext cx="2769078" cy="1762663"/>
+              <a:off x="4275884" y="2979366"/>
+              <a:ext cx="3513106" cy="1762663"/>
             </a:xfrm>
             <a:prstGeom prst="rect">
               <a:avLst/>
@@ -12846,7 +12805,7 @@
           <p:cNvPr id="51" name="Agrupar 50">
             <a:extLst>
               <a:ext uri="{FF2B5EF4-FFF2-40B4-BE49-F238E27FC236}">
-                <a16:creationId xmlns:a16="http://schemas.microsoft.com/office/drawing/2014/main" xmlns="" id="{283F123E-DE00-45B4-8DF4-7F224AED295D}"/>
+                <a16:creationId xmlns:a16="http://schemas.microsoft.com/office/drawing/2014/main" id="{283F123E-DE00-45B4-8DF4-7F224AED295D}"/>
               </a:ext>
             </a:extLst>
           </p:cNvPr>
@@ -12855,10 +12814,10 @@
         </p:nvGrpSpPr>
         <p:grpSpPr>
           <a:xfrm>
-            <a:off x="5058673" y="1121611"/>
-            <a:ext cx="2743200" cy="1834525"/>
-            <a:chOff x="5058673" y="1083511"/>
-            <a:chExt cx="2743200" cy="1834525"/>
+            <a:off x="3430200" y="1247935"/>
+            <a:ext cx="2743200" cy="1733900"/>
+            <a:chOff x="4470401" y="1195660"/>
+            <a:chExt cx="2743200" cy="1733900"/>
           </a:xfrm>
         </p:grpSpPr>
         <p:sp>
@@ -12866,7 +12825,7 @@
             <p:cNvPr id="34" name="CaixaDeTexto 33">
               <a:extLst>
                 <a:ext uri="{FF2B5EF4-FFF2-40B4-BE49-F238E27FC236}">
-                  <a16:creationId xmlns:a16="http://schemas.microsoft.com/office/drawing/2014/main" xmlns="" id="{5D39F44F-4BB8-42ED-B09A-9657764491D5}"/>
+                  <a16:creationId xmlns:a16="http://schemas.microsoft.com/office/drawing/2014/main" id="{5D39F44F-4BB8-42ED-B09A-9657764491D5}"/>
                 </a:ext>
               </a:extLst>
             </p:cNvPr>
@@ -12875,7 +12834,7 @@
           </p:nvSpPr>
           <p:spPr>
             <a:xfrm>
-              <a:off x="5058673" y="2456371"/>
+              <a:off x="4470401" y="2467895"/>
               <a:ext cx="2743200" cy="461665"/>
             </a:xfrm>
             <a:prstGeom prst="rect">
@@ -12908,7 +12867,7 @@
             <p:cNvPr id="35" name="Imagem 6" descr="Uma imagem contendo objeto&#10;&#10;Descrição gerada com muito alta confiança">
               <a:extLst>
                 <a:ext uri="{FF2B5EF4-FFF2-40B4-BE49-F238E27FC236}">
-                  <a16:creationId xmlns:a16="http://schemas.microsoft.com/office/drawing/2014/main" xmlns="" id="{E44324F1-C6C9-4A4B-9667-7D21BF66D74C}"/>
+                  <a16:creationId xmlns:a16="http://schemas.microsoft.com/office/drawing/2014/main" id="{E44324F1-C6C9-4A4B-9667-7D21BF66D74C}"/>
                 </a:ext>
               </a:extLst>
             </p:cNvPr>
@@ -12925,7 +12884,7 @@
           </p:blipFill>
           <p:spPr>
             <a:xfrm>
-              <a:off x="5198134" y="1083511"/>
+              <a:off x="4719524" y="1195660"/>
               <a:ext cx="832449" cy="1326672"/>
             </a:xfrm>
             <a:prstGeom prst="rect">
@@ -12939,7 +12898,7 @@
           <p:cNvPr id="37" name="Conector de Seta Reta 36">
             <a:extLst>
               <a:ext uri="{FF2B5EF4-FFF2-40B4-BE49-F238E27FC236}">
-                <a16:creationId xmlns:a16="http://schemas.microsoft.com/office/drawing/2014/main" xmlns="" id="{99C24CD1-FABB-4DD9-A9FD-41AD181EE8C7}"/>
+                <a16:creationId xmlns:a16="http://schemas.microsoft.com/office/drawing/2014/main" id="{99C24CD1-FABB-4DD9-A9FD-41AD181EE8C7}"/>
               </a:ext>
             </a:extLst>
           </p:cNvPr>
@@ -12949,9 +12908,9 @@
           <p:nvPr/>
         </p:nvCxnSpPr>
         <p:spPr>
-          <a:xfrm>
-            <a:off x="5725064" y="2918036"/>
-            <a:ext cx="0" cy="2856453"/>
+          <a:xfrm flipH="1">
+            <a:off x="2584221" y="2884664"/>
+            <a:ext cx="1020309" cy="2725401"/>
           </a:xfrm>
           <a:prstGeom prst="straightConnector1">
             <a:avLst/>
@@ -12983,7 +12942,7 @@
           <p:cNvPr id="39" name="Agrupar 38">
             <a:extLst>
               <a:ext uri="{FF2B5EF4-FFF2-40B4-BE49-F238E27FC236}">
-                <a16:creationId xmlns:a16="http://schemas.microsoft.com/office/drawing/2014/main" xmlns="" id="{A3441A96-A4E4-4F25-BD39-743E94E79917}"/>
+                <a16:creationId xmlns:a16="http://schemas.microsoft.com/office/drawing/2014/main" id="{A3441A96-A4E4-4F25-BD39-743E94E79917}"/>
               </a:ext>
             </a:extLst>
           </p:cNvPr>
@@ -12992,10 +12951,10 @@
         </p:nvGrpSpPr>
         <p:grpSpPr>
           <a:xfrm>
-            <a:off x="4354182" y="6044002"/>
-            <a:ext cx="2589902" cy="540589"/>
-            <a:chOff x="4316082" y="5574102"/>
-            <a:chExt cx="2589902" cy="540589"/>
+            <a:off x="842382" y="5616181"/>
+            <a:ext cx="2585050" cy="540589"/>
+            <a:chOff x="1925718" y="5389942"/>
+            <a:chExt cx="2585050" cy="540589"/>
           </a:xfrm>
         </p:grpSpPr>
         <p:sp>
@@ -13003,7 +12962,7 @@
             <p:cNvPr id="38" name="Retângulo 37">
               <a:extLst>
                 <a:ext uri="{FF2B5EF4-FFF2-40B4-BE49-F238E27FC236}">
-                  <a16:creationId xmlns:a16="http://schemas.microsoft.com/office/drawing/2014/main" xmlns="" id="{ADEABFF6-5823-4443-A6BF-973E9448ED9B}"/>
+                  <a16:creationId xmlns:a16="http://schemas.microsoft.com/office/drawing/2014/main" id="{ADEABFF6-5823-4443-A6BF-973E9448ED9B}"/>
                 </a:ext>
               </a:extLst>
             </p:cNvPr>
@@ -13012,7 +12971,7 @@
           </p:nvSpPr>
           <p:spPr>
             <a:xfrm>
-              <a:off x="4316082" y="5574102"/>
+              <a:off x="1925718" y="5389942"/>
               <a:ext cx="2452777" cy="540589"/>
             </a:xfrm>
             <a:prstGeom prst="rect">
@@ -13055,7 +13014,7 @@
             <p:cNvPr id="40" name="CaixaDeTexto 39">
               <a:extLst>
                 <a:ext uri="{FF2B5EF4-FFF2-40B4-BE49-F238E27FC236}">
-                  <a16:creationId xmlns:a16="http://schemas.microsoft.com/office/drawing/2014/main" xmlns="" id="{850C7818-A02E-4E81-8BD6-424EFA441C21}"/>
+                  <a16:creationId xmlns:a16="http://schemas.microsoft.com/office/drawing/2014/main" id="{850C7818-A02E-4E81-8BD6-424EFA441C21}"/>
                 </a:ext>
               </a:extLst>
             </p:cNvPr>
@@ -13064,7 +13023,7 @@
           </p:nvSpPr>
           <p:spPr>
             <a:xfrm>
-              <a:off x="4320934" y="5658029"/>
+              <a:off x="1925718" y="5475571"/>
               <a:ext cx="2585050" cy="369332"/>
             </a:xfrm>
             <a:prstGeom prst="rect">
@@ -13102,7 +13061,7 @@
           <p:cNvPr id="60" name="Conector de Seta Reta 59">
             <a:extLst>
               <a:ext uri="{FF2B5EF4-FFF2-40B4-BE49-F238E27FC236}">
-                <a16:creationId xmlns:a16="http://schemas.microsoft.com/office/drawing/2014/main" xmlns="" id="{A0A811B6-4F10-4ACC-BAFD-38F039227B28}"/>
+                <a16:creationId xmlns:a16="http://schemas.microsoft.com/office/drawing/2014/main" id="{A0A811B6-4F10-4ACC-BAFD-38F039227B28}"/>
               </a:ext>
             </a:extLst>
           </p:cNvPr>
@@ -13113,7 +13072,7 @@
         </p:nvCxnSpPr>
         <p:spPr>
           <a:xfrm flipH="1">
-            <a:off x="5822648" y="787543"/>
+            <a:off x="4922065" y="786441"/>
             <a:ext cx="691732" cy="902448"/>
           </a:xfrm>
           <a:prstGeom prst="straightConnector1">
@@ -13146,7 +13105,7 @@
           <p:cNvPr id="61" name="Conector de Seta Reta 60">
             <a:extLst>
               <a:ext uri="{FF2B5EF4-FFF2-40B4-BE49-F238E27FC236}">
-                <a16:creationId xmlns:a16="http://schemas.microsoft.com/office/drawing/2014/main" xmlns="" id="{42ABDC8F-7BC1-4EBD-806F-E95C8F0FA29D}"/>
+                <a16:creationId xmlns:a16="http://schemas.microsoft.com/office/drawing/2014/main" id="{42ABDC8F-7BC1-4EBD-806F-E95C8F0FA29D}"/>
               </a:ext>
             </a:extLst>
           </p:cNvPr>
@@ -13157,7 +13116,7 @@
         </p:nvCxnSpPr>
         <p:spPr>
           <a:xfrm>
-            <a:off x="7101574" y="787543"/>
+            <a:off x="6132304" y="786441"/>
             <a:ext cx="402208" cy="634557"/>
           </a:xfrm>
           <a:prstGeom prst="straightConnector1">
@@ -13220,7 +13179,7 @@
           <p:cNvPr id="4" name="Retângulo 3">
             <a:extLst>
               <a:ext uri="{FF2B5EF4-FFF2-40B4-BE49-F238E27FC236}">
-                <a16:creationId xmlns:a16="http://schemas.microsoft.com/office/drawing/2014/main" xmlns="" id="{88C6BF1B-8B81-4A42-B266-9DF3168EF8CB}"/>
+                <a16:creationId xmlns:a16="http://schemas.microsoft.com/office/drawing/2014/main" id="{88C6BF1B-8B81-4A42-B266-9DF3168EF8CB}"/>
               </a:ext>
             </a:extLst>
           </p:cNvPr>
@@ -13274,7 +13233,7 @@
           <p:cNvPr id="6" name="CaixaDeTexto 5">
             <a:extLst>
               <a:ext uri="{FF2B5EF4-FFF2-40B4-BE49-F238E27FC236}">
-                <a16:creationId xmlns:a16="http://schemas.microsoft.com/office/drawing/2014/main" xmlns="" id="{1270056D-C445-482D-9C8C-EC4698A09D63}"/>
+                <a16:creationId xmlns:a16="http://schemas.microsoft.com/office/drawing/2014/main" id="{1270056D-C445-482D-9C8C-EC4698A09D63}"/>
               </a:ext>
             </a:extLst>
           </p:cNvPr>
@@ -13304,13 +13263,7 @@
               <a:rPr lang="pt-BR" sz="3200" b="1" i="1" u="sng" dirty="0">
                 <a:cs typeface="Calibri"/>
               </a:rPr>
-              <a:t>Cenário : </a:t>
-            </a:r>
-            <a:r>
-              <a:rPr lang="pt-BR" sz="3200" b="1" i="1" u="sng" dirty="0" smtClean="0">
-                <a:cs typeface="Calibri"/>
-              </a:rPr>
-              <a:t>Tornar-se Colaborador</a:t>
+              <a:t>Cenário : Tornar-se professor</a:t>
             </a:r>
             <a:endParaRPr lang="pt-BR" dirty="0"/>
           </a:p>
@@ -13321,7 +13274,7 @@
           <p:cNvPr id="2" name="Retângulo 1">
             <a:extLst>
               <a:ext uri="{FF2B5EF4-FFF2-40B4-BE49-F238E27FC236}">
-                <a16:creationId xmlns:a16="http://schemas.microsoft.com/office/drawing/2014/main" xmlns="" id="{12043949-80F2-4BA4-ACCA-8E1E73200266}"/>
+                <a16:creationId xmlns:a16="http://schemas.microsoft.com/office/drawing/2014/main" id="{12043949-80F2-4BA4-ACCA-8E1E73200266}"/>
               </a:ext>
             </a:extLst>
           </p:cNvPr>
@@ -13370,7 +13323,7 @@
           <p:cNvPr id="9" name="Conector de Seta Reta 8">
             <a:extLst>
               <a:ext uri="{FF2B5EF4-FFF2-40B4-BE49-F238E27FC236}">
-                <a16:creationId xmlns:a16="http://schemas.microsoft.com/office/drawing/2014/main" xmlns="" id="{BA601A5E-E9FD-4E49-A21A-E1D9795909C3}"/>
+                <a16:creationId xmlns:a16="http://schemas.microsoft.com/office/drawing/2014/main" id="{BA601A5E-E9FD-4E49-A21A-E1D9795909C3}"/>
               </a:ext>
             </a:extLst>
           </p:cNvPr>
@@ -13412,7 +13365,7 @@
           <p:cNvPr id="5" name="Agrupar 4">
             <a:extLst>
               <a:ext uri="{FF2B5EF4-FFF2-40B4-BE49-F238E27FC236}">
-                <a16:creationId xmlns:a16="http://schemas.microsoft.com/office/drawing/2014/main" xmlns="" id="{E6673161-0C4F-48B5-8E89-7B48BFDA7916}"/>
+                <a16:creationId xmlns:a16="http://schemas.microsoft.com/office/drawing/2014/main" id="{E6673161-0C4F-48B5-8E89-7B48BFDA7916}"/>
               </a:ext>
             </a:extLst>
           </p:cNvPr>
@@ -13432,7 +13385,7 @@
             <p:cNvPr id="3" name="Imagem 6" descr="Uma imagem contendo objeto&#10;&#10;Descrição gerada com muito alta confiança">
               <a:extLst>
                 <a:ext uri="{FF2B5EF4-FFF2-40B4-BE49-F238E27FC236}">
-                  <a16:creationId xmlns:a16="http://schemas.microsoft.com/office/drawing/2014/main" xmlns="" id="{BBEA9159-6E91-4172-99DF-56517BBFE5AC}"/>
+                  <a16:creationId xmlns:a16="http://schemas.microsoft.com/office/drawing/2014/main" id="{BBEA9159-6E91-4172-99DF-56517BBFE5AC}"/>
                 </a:ext>
               </a:extLst>
             </p:cNvPr>
@@ -13462,7 +13415,7 @@
             <p:cNvPr id="11" name="CaixaDeTexto 10">
               <a:extLst>
                 <a:ext uri="{FF2B5EF4-FFF2-40B4-BE49-F238E27FC236}">
-                  <a16:creationId xmlns:a16="http://schemas.microsoft.com/office/drawing/2014/main" xmlns="" id="{2B365FA8-96A9-46EF-82C1-1F0ACEB6382C}"/>
+                  <a16:creationId xmlns:a16="http://schemas.microsoft.com/office/drawing/2014/main" id="{2B365FA8-96A9-46EF-82C1-1F0ACEB6382C}"/>
                 </a:ext>
               </a:extLst>
             </p:cNvPr>
@@ -13488,10 +13441,9 @@
             <a:lstStyle/>
             <a:p>
               <a:r>
-                <a:rPr lang="pt-BR" sz="2400" b="1" i="1" dirty="0" smtClean="0"/>
-                <a:t>Voluntario</a:t>
+                <a:rPr lang="pt-BR" sz="2400" b="1" i="1" dirty="0"/>
+                <a:t>colaborador </a:t>
               </a:r>
-              <a:endParaRPr lang="pt-BR" sz="2400" b="1" i="1" dirty="0"/>
             </a:p>
           </p:txBody>
         </p:sp>
@@ -13501,7 +13453,7 @@
           <p:cNvPr id="15" name="CaixaDeTexto 14">
             <a:extLst>
               <a:ext uri="{FF2B5EF4-FFF2-40B4-BE49-F238E27FC236}">
-                <a16:creationId xmlns:a16="http://schemas.microsoft.com/office/drawing/2014/main" xmlns="" id="{589ED39B-DB76-4792-9198-978C3E9B327E}"/>
+                <a16:creationId xmlns:a16="http://schemas.microsoft.com/office/drawing/2014/main" id="{589ED39B-DB76-4792-9198-978C3E9B327E}"/>
               </a:ext>
             </a:extLst>
           </p:cNvPr>
@@ -13541,7 +13493,7 @@
           <p:cNvPr id="17" name="Retângulo 16">
             <a:extLst>
               <a:ext uri="{FF2B5EF4-FFF2-40B4-BE49-F238E27FC236}">
-                <a16:creationId xmlns:a16="http://schemas.microsoft.com/office/drawing/2014/main" xmlns="" id="{AAE3C69C-201D-4C86-AAF7-B3DC70259B1F}"/>
+                <a16:creationId xmlns:a16="http://schemas.microsoft.com/office/drawing/2014/main" id="{AAE3C69C-201D-4C86-AAF7-B3DC70259B1F}"/>
               </a:ext>
             </a:extLst>
           </p:cNvPr>
@@ -13590,7 +13542,7 @@
           <p:cNvPr id="20" name="CaixaDeTexto 19">
             <a:extLst>
               <a:ext uri="{FF2B5EF4-FFF2-40B4-BE49-F238E27FC236}">
-                <a16:creationId xmlns:a16="http://schemas.microsoft.com/office/drawing/2014/main" xmlns="" id="{9EF114C1-C8CF-409C-847E-943F96FE0F0F}"/>
+                <a16:creationId xmlns:a16="http://schemas.microsoft.com/office/drawing/2014/main" id="{9EF114C1-C8CF-409C-847E-943F96FE0F0F}"/>
               </a:ext>
             </a:extLst>
           </p:cNvPr>
@@ -13599,8 +13551,8 @@
         </p:nvSpPr>
         <p:spPr>
           <a:xfrm>
-            <a:off x="4383361" y="2574728"/>
-            <a:ext cx="2234600" cy="461665"/>
+            <a:off x="4735183" y="2607334"/>
+            <a:ext cx="1650521" cy="461665"/>
           </a:xfrm>
           <a:prstGeom prst="rect">
             <a:avLst/>
@@ -13616,16 +13568,10 @@
           <a:lstStyle/>
           <a:p>
             <a:r>
-              <a:rPr lang="pt-BR" sz="2400" b="1" i="1" dirty="0" smtClean="0">
-                <a:cs typeface="Calibri"/>
-              </a:rPr>
-              <a:t>Administração</a:t>
-            </a:r>
-            <a:r>
               <a:rPr lang="pt-BR" sz="2400" b="1" i="1" dirty="0">
                 <a:cs typeface="Calibri"/>
               </a:rPr>
-              <a:t> </a:t>
+              <a:t>Função </a:t>
             </a:r>
           </a:p>
         </p:txBody>
@@ -13635,7 +13581,7 @@
           <p:cNvPr id="22" name="Conector de Seta Reta 21">
             <a:extLst>
               <a:ext uri="{FF2B5EF4-FFF2-40B4-BE49-F238E27FC236}">
-                <a16:creationId xmlns:a16="http://schemas.microsoft.com/office/drawing/2014/main" xmlns="" id="{6005A5E0-EFE8-4E81-9A9B-EC939F301038}"/>
+                <a16:creationId xmlns:a16="http://schemas.microsoft.com/office/drawing/2014/main" id="{6005A5E0-EFE8-4E81-9A9B-EC939F301038}"/>
               </a:ext>
             </a:extLst>
           </p:cNvPr>
@@ -13709,7 +13655,7 @@
           <p:cNvPr id="7" name="CaixaDeTexto 6">
             <a:extLst>
               <a:ext uri="{FF2B5EF4-FFF2-40B4-BE49-F238E27FC236}">
-                <a16:creationId xmlns:a16="http://schemas.microsoft.com/office/drawing/2014/main" xmlns="" id="{BF0B844E-C924-4EC3-B27F-D0C0220E391A}"/>
+                <a16:creationId xmlns:a16="http://schemas.microsoft.com/office/drawing/2014/main" id="{BF0B844E-C924-4EC3-B27F-D0C0220E391A}"/>
               </a:ext>
             </a:extLst>
           </p:cNvPr>
@@ -13748,7 +13694,7 @@
           <p:cNvPr id="22" name="Agrupar 21">
             <a:extLst>
               <a:ext uri="{FF2B5EF4-FFF2-40B4-BE49-F238E27FC236}">
-                <a16:creationId xmlns:a16="http://schemas.microsoft.com/office/drawing/2014/main" xmlns="" id="{6DCBA173-E66C-403F-8F53-8A3DF7EFD734}"/>
+                <a16:creationId xmlns:a16="http://schemas.microsoft.com/office/drawing/2014/main" id="{6DCBA173-E66C-403F-8F53-8A3DF7EFD734}"/>
               </a:ext>
             </a:extLst>
           </p:cNvPr>
@@ -13757,9 +13703,9 @@
         </p:nvGrpSpPr>
         <p:grpSpPr>
           <a:xfrm>
-            <a:off x="105463" y="149386"/>
+            <a:off x="97769" y="143774"/>
             <a:ext cx="11969686" cy="6570451"/>
-            <a:chOff x="97769" y="62889"/>
+            <a:chOff x="97769" y="143774"/>
             <a:chExt cx="11969686" cy="6570451"/>
           </a:xfrm>
         </p:grpSpPr>
@@ -13768,7 +13714,7 @@
             <p:cNvPr id="4" name="Retângulo 3">
               <a:extLst>
                 <a:ext uri="{FF2B5EF4-FFF2-40B4-BE49-F238E27FC236}">
-                  <a16:creationId xmlns:a16="http://schemas.microsoft.com/office/drawing/2014/main" xmlns="" id="{88C6BF1B-8B81-4A42-B266-9DF3168EF8CB}"/>
+                  <a16:creationId xmlns:a16="http://schemas.microsoft.com/office/drawing/2014/main" id="{88C6BF1B-8B81-4A42-B266-9DF3168EF8CB}"/>
                 </a:ext>
               </a:extLst>
             </p:cNvPr>
@@ -13777,7 +13723,7 @@
           </p:nvSpPr>
           <p:spPr>
             <a:xfrm>
-              <a:off x="97769" y="62889"/>
+              <a:off x="97769" y="143774"/>
               <a:ext cx="11904450" cy="6570451"/>
             </a:xfrm>
             <a:prstGeom prst="rect">
@@ -13822,7 +13768,7 @@
             <p:cNvPr id="2" name="CaixaDeTexto 1">
               <a:extLst>
                 <a:ext uri="{FF2B5EF4-FFF2-40B4-BE49-F238E27FC236}">
-                  <a16:creationId xmlns:a16="http://schemas.microsoft.com/office/drawing/2014/main" xmlns="" id="{80F5CD5A-1914-4EF1-BE32-34B089486C2F}"/>
+                  <a16:creationId xmlns:a16="http://schemas.microsoft.com/office/drawing/2014/main" id="{80F5CD5A-1914-4EF1-BE32-34B089486C2F}"/>
                 </a:ext>
               </a:extLst>
             </p:cNvPr>
@@ -13852,19 +13798,7 @@
                 <a:rPr lang="pt-BR" sz="3200" b="1" i="1" u="sng" dirty="0">
                   <a:cs typeface="Calibri"/>
                 </a:rPr>
-                <a:t>Cenário : Tornar-se </a:t>
-              </a:r>
-              <a:r>
-                <a:rPr lang="pt-BR" sz="3200" b="1" i="1" u="sng" dirty="0" smtClean="0">
-                  <a:cs typeface="Calibri"/>
-                </a:rPr>
-                <a:t>Colaborador</a:t>
-              </a:r>
-              <a:r>
-                <a:rPr lang="pt-BR" sz="3200" b="1" i="1" u="sng" dirty="0">
-                  <a:cs typeface="Calibri"/>
-                </a:rPr>
-                <a:t> </a:t>
+                <a:t>Cenário : Tornar-se professor </a:t>
               </a:r>
               <a:endParaRPr lang="pt-BR" dirty="0"/>
             </a:p>
@@ -13875,7 +13809,7 @@
             <p:cNvPr id="5" name="Conector de Seta Reta 4">
               <a:extLst>
                 <a:ext uri="{FF2B5EF4-FFF2-40B4-BE49-F238E27FC236}">
-                  <a16:creationId xmlns:a16="http://schemas.microsoft.com/office/drawing/2014/main" xmlns="" id="{85E6B2C7-D043-4C92-898F-4F2DEE8A2690}"/>
+                  <a16:creationId xmlns:a16="http://schemas.microsoft.com/office/drawing/2014/main" id="{85E6B2C7-D043-4C92-898F-4F2DEE8A2690}"/>
                 </a:ext>
               </a:extLst>
             </p:cNvPr>
@@ -13918,7 +13852,7 @@
             <p:cNvPr id="6" name="Conector de Seta Reta 5">
               <a:extLst>
                 <a:ext uri="{FF2B5EF4-FFF2-40B4-BE49-F238E27FC236}">
-                  <a16:creationId xmlns:a16="http://schemas.microsoft.com/office/drawing/2014/main" xmlns="" id="{9BACC1B6-2F2A-4248-B083-17CB87D6E5BE}"/>
+                  <a16:creationId xmlns:a16="http://schemas.microsoft.com/office/drawing/2014/main" id="{9BACC1B6-2F2A-4248-B083-17CB87D6E5BE}"/>
                 </a:ext>
               </a:extLst>
             </p:cNvPr>
@@ -13961,7 +13895,7 @@
             <p:cNvPr id="8" name="Retângulo 7">
               <a:extLst>
                 <a:ext uri="{FF2B5EF4-FFF2-40B4-BE49-F238E27FC236}">
-                  <a16:creationId xmlns:a16="http://schemas.microsoft.com/office/drawing/2014/main" xmlns="" id="{5941647A-72D6-4138-BD44-C48D31273AB1}"/>
+                  <a16:creationId xmlns:a16="http://schemas.microsoft.com/office/drawing/2014/main" id="{5941647A-72D6-4138-BD44-C48D31273AB1}"/>
                 </a:ext>
               </a:extLst>
             </p:cNvPr>
@@ -13970,8 +13904,8 @@
           </p:nvSpPr>
           <p:spPr>
             <a:xfrm>
-              <a:off x="7348715" y="1474757"/>
-              <a:ext cx="2511365" cy="1029934"/>
+              <a:off x="7506059" y="1474757"/>
+              <a:ext cx="2041583" cy="1207696"/>
             </a:xfrm>
             <a:prstGeom prst="rect">
               <a:avLst/>
@@ -14015,7 +13949,7 @@
             <p:cNvPr id="9" name="CaixaDeTexto 1">
               <a:extLst>
                 <a:ext uri="{FF2B5EF4-FFF2-40B4-BE49-F238E27FC236}">
-                  <a16:creationId xmlns:a16="http://schemas.microsoft.com/office/drawing/2014/main" xmlns="" id="{7994EBAF-0D7D-41FB-B228-383D0E67FB6C}"/>
+                  <a16:creationId xmlns:a16="http://schemas.microsoft.com/office/drawing/2014/main" id="{7994EBAF-0D7D-41FB-B228-383D0E67FB6C}"/>
                 </a:ext>
               </a:extLst>
             </p:cNvPr>
@@ -14024,8 +13958,8 @@
           </p:nvSpPr>
           <p:spPr>
             <a:xfrm>
-              <a:off x="7413951" y="1762310"/>
-              <a:ext cx="2446129" cy="523220"/>
+              <a:off x="7915274" y="1792367"/>
+              <a:ext cx="1664899" cy="523220"/>
             </a:xfrm>
             <a:prstGeom prst="rect">
               <a:avLst/>
@@ -14135,16 +14069,10 @@
             </a:lstStyle>
             <a:p>
               <a:r>
-                <a:rPr lang="pt-BR" sz="2800" b="1" i="1" dirty="0" smtClean="0">
-                  <a:cs typeface="Calibri"/>
-                </a:rPr>
-                <a:t>Administração</a:t>
-              </a:r>
-              <a:r>
                 <a:rPr lang="pt-BR" sz="2800" b="1" i="1" dirty="0">
                   <a:cs typeface="Calibri"/>
                 </a:rPr>
-                <a:t> </a:t>
+                <a:t>Função </a:t>
               </a:r>
             </a:p>
           </p:txBody>
@@ -14154,7 +14082,7 @@
             <p:cNvPr id="10" name="Agrupar 9">
               <a:extLst>
                 <a:ext uri="{FF2B5EF4-FFF2-40B4-BE49-F238E27FC236}">
-                  <a16:creationId xmlns:a16="http://schemas.microsoft.com/office/drawing/2014/main" xmlns="" id="{824586A1-E2A3-4B25-8F44-2AB0D73E8B07}"/>
+                  <a16:creationId xmlns:a16="http://schemas.microsoft.com/office/drawing/2014/main" id="{824586A1-E2A3-4B25-8F44-2AB0D73E8B07}"/>
                 </a:ext>
               </a:extLst>
             </p:cNvPr>
@@ -14174,7 +14102,7 @@
               <p:cNvPr id="13" name="Imagem 6" descr="Uma imagem contendo objeto&#10;&#10;Descrição gerada com muito alta confiança">
                 <a:extLst>
                   <a:ext uri="{FF2B5EF4-FFF2-40B4-BE49-F238E27FC236}">
-                    <a16:creationId xmlns:a16="http://schemas.microsoft.com/office/drawing/2014/main" xmlns="" id="{63824687-0B05-4413-8D3C-5E29C9702638}"/>
+                    <a16:creationId xmlns:a16="http://schemas.microsoft.com/office/drawing/2014/main" id="{63824687-0B05-4413-8D3C-5E29C9702638}"/>
                   </a:ext>
                 </a:extLst>
               </p:cNvPr>
@@ -14204,7 +14132,7 @@
               <p:cNvPr id="16" name="CaixaDeTexto 15">
                 <a:extLst>
                   <a:ext uri="{FF2B5EF4-FFF2-40B4-BE49-F238E27FC236}">
-                    <a16:creationId xmlns:a16="http://schemas.microsoft.com/office/drawing/2014/main" xmlns="" id="{FDA29973-2090-478C-8CFB-2DD1F5F78F5A}"/>
+                    <a16:creationId xmlns:a16="http://schemas.microsoft.com/office/drawing/2014/main" id="{FDA29973-2090-478C-8CFB-2DD1F5F78F5A}"/>
                   </a:ext>
                 </a:extLst>
               </p:cNvPr>
@@ -14230,16 +14158,10 @@
               <a:lstStyle/>
               <a:p>
                 <a:r>
-                  <a:rPr lang="pt-BR" sz="2400" b="1" i="1" dirty="0" smtClean="0">
-                    <a:cs typeface="Calibri"/>
-                  </a:rPr>
-                  <a:t>Voluntario</a:t>
-                </a:r>
-                <a:r>
                   <a:rPr lang="pt-BR" sz="2400" b="1" i="1" dirty="0">
                     <a:cs typeface="Calibri"/>
                   </a:rPr>
-                  <a:t> </a:t>
+                  <a:t>Colaborador </a:t>
                 </a:r>
                 <a:endParaRPr lang="pt-BR" sz="2400" b="1" i="1" dirty="0"/>
               </a:p>
@@ -14251,7 +14173,7 @@
             <p:cNvPr id="19" name="Conector de Seta Reta 18">
               <a:extLst>
                 <a:ext uri="{FF2B5EF4-FFF2-40B4-BE49-F238E27FC236}">
-                  <a16:creationId xmlns:a16="http://schemas.microsoft.com/office/drawing/2014/main" xmlns="" id="{7053101E-BA41-4AFA-90EB-5F30E05D5C2A}"/>
+                  <a16:creationId xmlns:a16="http://schemas.microsoft.com/office/drawing/2014/main" id="{7053101E-BA41-4AFA-90EB-5F30E05D5C2A}"/>
                 </a:ext>
               </a:extLst>
             </p:cNvPr>
@@ -14293,7 +14215,7 @@
             <p:cNvPr id="20" name="Conector de Seta Reta 19">
               <a:extLst>
                 <a:ext uri="{FF2B5EF4-FFF2-40B4-BE49-F238E27FC236}">
-                  <a16:creationId xmlns:a16="http://schemas.microsoft.com/office/drawing/2014/main" xmlns="" id="{972CCC72-617F-4D78-B3FE-1B11C03D20E1}"/>
+                  <a16:creationId xmlns:a16="http://schemas.microsoft.com/office/drawing/2014/main" id="{972CCC72-617F-4D78-B3FE-1B11C03D20E1}"/>
                 </a:ext>
               </a:extLst>
             </p:cNvPr>
@@ -14337,7 +14259,7 @@
             <p:cNvPr id="23" name="Conector de Seta Reta 22">
               <a:extLst>
                 <a:ext uri="{FF2B5EF4-FFF2-40B4-BE49-F238E27FC236}">
-                  <a16:creationId xmlns:a16="http://schemas.microsoft.com/office/drawing/2014/main" xmlns="" id="{6F2A4F03-C5E4-40D7-AA81-EDDBC7B02437}"/>
+                  <a16:creationId xmlns:a16="http://schemas.microsoft.com/office/drawing/2014/main" id="{6F2A4F03-C5E4-40D7-AA81-EDDBC7B02437}"/>
                 </a:ext>
               </a:extLst>
             </p:cNvPr>
@@ -14376,12 +14298,56 @@
             </a:fontRef>
           </p:style>
         </p:cxnSp>
+        <p:cxnSp>
+          <p:nvCxnSpPr>
+            <p:cNvPr id="24" name="Conector de Seta Reta 23">
+              <a:extLst>
+                <a:ext uri="{FF2B5EF4-FFF2-40B4-BE49-F238E27FC236}">
+                  <a16:creationId xmlns:a16="http://schemas.microsoft.com/office/drawing/2014/main" id="{906C5ED3-A468-446B-91A1-50EACFAF704A}"/>
+                </a:ext>
+              </a:extLst>
+            </p:cNvPr>
+            <p:cNvCxnSpPr>
+              <a:cxnSpLocks/>
+            </p:cNvCxnSpPr>
+            <p:nvPr/>
+          </p:nvCxnSpPr>
+          <p:spPr>
+            <a:xfrm flipH="1">
+              <a:off x="3188898" y="3129951"/>
+              <a:ext cx="250165" cy="626852"/>
+            </a:xfrm>
+            <a:prstGeom prst="straightConnector1">
+              <a:avLst/>
+            </a:prstGeom>
+            <a:ln>
+              <a:solidFill>
+                <a:schemeClr val="tx1"/>
+              </a:solidFill>
+              <a:tailEnd type="triangle"/>
+            </a:ln>
+          </p:spPr>
+          <p:style>
+            <a:lnRef idx="1">
+              <a:schemeClr val="accent1"/>
+            </a:lnRef>
+            <a:fillRef idx="0">
+              <a:schemeClr val="accent1"/>
+            </a:fillRef>
+            <a:effectRef idx="0">
+              <a:schemeClr val="accent1"/>
+            </a:effectRef>
+            <a:fontRef idx="minor">
+              <a:schemeClr val="tx1"/>
+            </a:fontRef>
+          </p:style>
+        </p:cxnSp>
         <p:sp>
           <p:nvSpPr>
             <p:cNvPr id="3" name="CaixaDeTexto 2">
               <a:extLst>
                 <a:ext uri="{FF2B5EF4-FFF2-40B4-BE49-F238E27FC236}">
-                  <a16:creationId xmlns:a16="http://schemas.microsoft.com/office/drawing/2014/main" xmlns="" id="{7FCA1908-EC09-46BB-B633-12D671CD2244}"/>
+                  <a16:creationId xmlns:a16="http://schemas.microsoft.com/office/drawing/2014/main" id="{7FCA1908-EC09-46BB-B633-12D671CD2244}"/>
                 </a:ext>
               </a:extLst>
             </p:cNvPr>
@@ -14419,10 +14385,10 @@
         </p:sp>
         <p:grpSp>
           <p:nvGrpSpPr>
-            <p:cNvPr id="14" name="Agrupar 13">
+            <p:cNvPr id="11" name="Agrupar 10">
               <a:extLst>
                 <a:ext uri="{FF2B5EF4-FFF2-40B4-BE49-F238E27FC236}">
-                  <a16:creationId xmlns:a16="http://schemas.microsoft.com/office/drawing/2014/main" xmlns="" id="{52E15621-7F03-4345-B836-9C7FBBF4EDE5}"/>
+                  <a16:creationId xmlns:a16="http://schemas.microsoft.com/office/drawing/2014/main" id="{3203C5F3-8D03-4FC9-88D2-41B3ED0C877D}"/>
                 </a:ext>
               </a:extLst>
             </p:cNvPr>
@@ -14431,18 +14397,18 @@
           </p:nvGrpSpPr>
           <p:grpSpPr>
             <a:xfrm>
-              <a:off x="7205932" y="3820064"/>
-              <a:ext cx="2795494" cy="2133248"/>
-              <a:chOff x="7205932" y="3820064"/>
-              <a:chExt cx="2795494" cy="2249466"/>
+              <a:off x="2317630" y="4035725"/>
+              <a:ext cx="2590801" cy="1273834"/>
+              <a:chOff x="2317630" y="4035725"/>
+              <a:chExt cx="2590801" cy="1273834"/>
             </a:xfrm>
           </p:grpSpPr>
           <p:sp>
             <p:nvSpPr>
-              <p:cNvPr id="28" name="CaixaDeTexto 27">
+              <p:cNvPr id="25" name="CaixaDeTexto 24">
                 <a:extLst>
                   <a:ext uri="{FF2B5EF4-FFF2-40B4-BE49-F238E27FC236}">
-                    <a16:creationId xmlns:a16="http://schemas.microsoft.com/office/drawing/2014/main" xmlns="" id="{06F24E56-56C0-48DE-B993-B1CF84033F10}"/>
+                    <a16:creationId xmlns:a16="http://schemas.microsoft.com/office/drawing/2014/main" id="{E53E8429-486C-49E3-A88D-600F0719554F}"/>
                   </a:ext>
                 </a:extLst>
               </p:cNvPr>
@@ -14451,8 +14417,8 @@
             </p:nvSpPr>
             <p:spPr>
               <a:xfrm>
-                <a:off x="7272603" y="3927540"/>
-                <a:ext cx="2728823" cy="2141990"/>
+                <a:off x="2323381" y="4247729"/>
+                <a:ext cx="2585050" cy="923330"/>
               </a:xfrm>
               <a:prstGeom prst="rect">
                 <a:avLst/>
@@ -14472,10 +14438,10 @@
                   <a:buChar char="•"/>
                 </a:pPr>
                 <a:r>
-                  <a:rPr lang="pt-BR" b="1" i="1" dirty="0" smtClean="0">
+                  <a:rPr lang="pt-BR" b="1" i="1" dirty="0">
                     <a:cs typeface="Calibri"/>
                   </a:rPr>
-                  <a:t>Tornar voluntario em um colaborador</a:t>
+                  <a:t>Cumprir regras </a:t>
                 </a:r>
               </a:p>
               <a:p>
@@ -14484,10 +14450,126 @@
                   <a:buChar char="•"/>
                 </a:pPr>
                 <a:r>
-                  <a:rPr lang="pt-BR" b="1" i="1" dirty="0" smtClean="0">
+                  <a:rPr lang="pt-BR" b="1" i="1" dirty="0">
                     <a:cs typeface="Calibri"/>
                   </a:rPr>
-                  <a:t>Cadastrar colaborador com atividade solicitada</a:t>
+                  <a:t>Executar atividades para função </a:t>
+                </a:r>
+              </a:p>
+            </p:txBody>
+          </p:sp>
+          <p:sp>
+            <p:nvSpPr>
+              <p:cNvPr id="12" name="Retângulo 11">
+                <a:extLst>
+                  <a:ext uri="{FF2B5EF4-FFF2-40B4-BE49-F238E27FC236}">
+                    <a16:creationId xmlns:a16="http://schemas.microsoft.com/office/drawing/2014/main" id="{E9117F55-F054-4FBD-92C8-EA6D071EE605}"/>
+                  </a:ext>
+                </a:extLst>
+              </p:cNvPr>
+              <p:cNvSpPr/>
+              <p:nvPr/>
+            </p:nvSpPr>
+            <p:spPr>
+              <a:xfrm>
+                <a:off x="2317630" y="4035725"/>
+                <a:ext cx="2424022" cy="1273834"/>
+              </a:xfrm>
+              <a:prstGeom prst="rect">
+                <a:avLst/>
+              </a:prstGeom>
+              <a:noFill/>
+              <a:ln>
+                <a:solidFill>
+                  <a:schemeClr val="tx1"/>
+                </a:solidFill>
+              </a:ln>
+            </p:spPr>
+            <p:style>
+              <a:lnRef idx="2">
+                <a:schemeClr val="accent1">
+                  <a:shade val="50000"/>
+                </a:schemeClr>
+              </a:lnRef>
+              <a:fillRef idx="1">
+                <a:schemeClr val="accent1"/>
+              </a:fillRef>
+              <a:effectRef idx="0">
+                <a:schemeClr val="accent1"/>
+              </a:effectRef>
+              <a:fontRef idx="minor">
+                <a:schemeClr val="lt1"/>
+              </a:fontRef>
+            </p:style>
+            <p:txBody>
+              <a:bodyPr rtlCol="0" anchor="ctr"/>
+              <a:lstStyle/>
+              <a:p>
+                <a:pPr algn="ctr"/>
+                <a:endParaRPr lang="pt-BR" u="sng" dirty="0"/>
+              </a:p>
+            </p:txBody>
+          </p:sp>
+        </p:grpSp>
+        <p:grpSp>
+          <p:nvGrpSpPr>
+            <p:cNvPr id="14" name="Agrupar 13">
+              <a:extLst>
+                <a:ext uri="{FF2B5EF4-FFF2-40B4-BE49-F238E27FC236}">
+                  <a16:creationId xmlns:a16="http://schemas.microsoft.com/office/drawing/2014/main" id="{52E15621-7F03-4345-B836-9C7FBBF4EDE5}"/>
+                </a:ext>
+              </a:extLst>
+            </p:cNvPr>
+            <p:cNvGrpSpPr/>
+            <p:nvPr/>
+          </p:nvGrpSpPr>
+          <p:grpSpPr>
+            <a:xfrm>
+              <a:off x="7205932" y="3820065"/>
+              <a:ext cx="2795496" cy="1671596"/>
+              <a:chOff x="7205932" y="3820064"/>
+              <a:chExt cx="2795496" cy="1762663"/>
+            </a:xfrm>
+          </p:grpSpPr>
+          <p:sp>
+            <p:nvSpPr>
+              <p:cNvPr id="28" name="CaixaDeTexto 27">
+                <a:extLst>
+                  <a:ext uri="{FF2B5EF4-FFF2-40B4-BE49-F238E27FC236}">
+                    <a16:creationId xmlns:a16="http://schemas.microsoft.com/office/drawing/2014/main" id="{06F24E56-56C0-48DE-B993-B1CF84033F10}"/>
+                  </a:ext>
+                </a:extLst>
+              </p:cNvPr>
+              <p:cNvSpPr txBox="1"/>
+              <p:nvPr/>
+            </p:nvSpPr>
+            <p:spPr>
+              <a:xfrm>
+                <a:off x="7272605" y="4109230"/>
+                <a:ext cx="2728823" cy="1265722"/>
+              </a:xfrm>
+              <a:prstGeom prst="rect">
+                <a:avLst/>
+              </a:prstGeom>
+            </p:spPr>
+            <p:txBody>
+              <a:bodyPr rot="0" spcFirstLastPara="0" vertOverflow="overflow" horzOverflow="overflow" vert="horz" wrap="square" lIns="91440" tIns="45720" rIns="91440" bIns="45720" numCol="1" spcCol="0" rtlCol="0" fromWordArt="0" anchor="t" anchorCtr="0" forceAA="0" compatLnSpc="1">
+                <a:prstTxWarp prst="textNoShape">
+                  <a:avLst/>
+                </a:prstTxWarp>
+                <a:spAutoFit/>
+              </a:bodyPr>
+              <a:lstStyle/>
+              <a:p>
+                <a:pPr marL="285750" indent="-285750">
+                  <a:buFont typeface="Arial"/>
+                  <a:buChar char="•"/>
+                </a:pPr>
+                <a:r>
+                  <a:rPr lang="pt-BR" b="1" i="1" dirty="0">
+                    <a:cs typeface="Calibri"/>
+                  </a:rPr>
+                  <a:t>Determinar atividades da função exercida</a:t>
                 </a:r>
                 <a:endParaRPr lang="pt-BR" dirty="0">
                   <a:cs typeface="Calibri"/>
@@ -14499,22 +14581,10 @@
                   <a:buChar char="•"/>
                 </a:pPr>
                 <a:r>
-                  <a:rPr lang="pt-BR" b="1" i="1" dirty="0" smtClean="0">
-                    <a:cs typeface="Calibri"/>
-                  </a:rPr>
-                  <a:t>Passar </a:t>
-                </a:r>
-                <a:r>
-                  <a:rPr lang="pt-BR" b="1" i="1" dirty="0" smtClean="0">
-                    <a:cs typeface="Calibri"/>
-                  </a:rPr>
-                  <a:t>regras da </a:t>
-                </a:r>
-                <a:r>
                   <a:rPr lang="pt-BR" b="1" i="1" dirty="0">
                     <a:cs typeface="Calibri"/>
                   </a:rPr>
-                  <a:t>função </a:t>
+                  <a:t>Criar regras para função </a:t>
                 </a:r>
                 <a:endParaRPr lang="pt-BR" b="1" i="1" u="sng" dirty="0">
                   <a:cs typeface="Calibri"/>
@@ -14527,7 +14597,7 @@
               <p:cNvPr id="33" name="Retângulo 32">
                 <a:extLst>
                   <a:ext uri="{FF2B5EF4-FFF2-40B4-BE49-F238E27FC236}">
-                    <a16:creationId xmlns:a16="http://schemas.microsoft.com/office/drawing/2014/main" xmlns="" id="{F00C5CCF-AC25-4099-8DD3-8B36FCAF56E7}"/>
+                    <a16:creationId xmlns:a16="http://schemas.microsoft.com/office/drawing/2014/main" id="{F00C5CCF-AC25-4099-8DD3-8B36FCAF56E7}"/>
                   </a:ext>
                 </a:extLst>
               </p:cNvPr>
@@ -14537,7 +14607,7 @@
             <p:spPr>
               <a:xfrm>
                 <a:off x="7205932" y="3820064"/>
-                <a:ext cx="2769078" cy="2249466"/>
+                <a:ext cx="2769078" cy="1762663"/>
               </a:xfrm>
               <a:prstGeom prst="rect">
                 <a:avLst/>

--- a/cenario_de_negocio.pptx
+++ b/cenario_de_negocio.pptx
@@ -14,11 +14,16 @@
     <p:sldId id="265" r:id="rId8"/>
     <p:sldId id="266" r:id="rId9"/>
     <p:sldId id="267" r:id="rId10"/>
-    <p:sldId id="269" r:id="rId11"/>
-    <p:sldId id="270" r:id="rId12"/>
-    <p:sldId id="268" r:id="rId13"/>
-    <p:sldId id="260" r:id="rId14"/>
-    <p:sldId id="271" r:id="rId15"/>
+    <p:sldId id="268" r:id="rId11"/>
+    <p:sldId id="260" r:id="rId12"/>
+    <p:sldId id="277" r:id="rId13"/>
+    <p:sldId id="276" r:id="rId14"/>
+    <p:sldId id="275" r:id="rId15"/>
+    <p:sldId id="274" r:id="rId16"/>
+    <p:sldId id="273" r:id="rId17"/>
+    <p:sldId id="272" r:id="rId18"/>
+    <p:sldId id="278" r:id="rId19"/>
+    <p:sldId id="271" r:id="rId20"/>
   </p:sldIdLst>
   <p:sldSz cx="12192000" cy="6858000"/>
   <p:notesSz cx="6858000" cy="9144000"/>
@@ -125,6 +130,15 @@
 </p:presentation>
 </file>
 
+<file path=ppt/revisionInfo.xml><?xml version="1.0" encoding="utf-8"?>
+<p1510:revInfo xmlns:a="http://schemas.openxmlformats.org/drawingml/2006/main" xmlns:r="http://schemas.openxmlformats.org/officeDocument/2006/relationships" xmlns:p1510="http://schemas.microsoft.com/office/powerpoint/2015/10/main">
+  <p1510:revLst>
+    <p1510:client id="{B5221EE9-89F7-43A9-9219-3A1DC795A860}" v="1" dt="2019-04-09T13:30:14.781"/>
+    <p1510:client id="{F555E3D2-F9F7-4F82-A2E5-8BA2DAAA7CBB}" v="8" dt="2019-04-09T13:43:54.897"/>
+  </p1510:revLst>
+</p1510:revInfo>
+</file>
+
 <file path=ppt/slideLayouts/slideLayout1.xml><?xml version="1.0" encoding="utf-8"?>
 <p:sldLayout xmlns:a="http://schemas.openxmlformats.org/drawingml/2006/main" xmlns:r="http://schemas.openxmlformats.org/officeDocument/2006/relationships" xmlns:p="http://schemas.openxmlformats.org/presentationml/2006/main" type="title" preserve="1">
   <p:cSld name="Slide de título">
@@ -256,7 +270,7 @@
           <a:p>
             <a:fld id="{F0E51C7C-CEA3-4CAA-BE4B-344879E7C377}" type="datetimeFigureOut">
               <a:rPr lang="de-DE" smtClean="0"/>
-              <a:t>03.04.2019</a:t>
+              <a:t>09.04.2019</a:t>
             </a:fld>
             <a:endParaRPr lang="de-DE"/>
           </a:p>
@@ -426,7 +440,7 @@
           <a:p>
             <a:fld id="{F0E51C7C-CEA3-4CAA-BE4B-344879E7C377}" type="datetimeFigureOut">
               <a:rPr lang="de-DE" smtClean="0"/>
-              <a:t>03.04.2019</a:t>
+              <a:t>09.04.2019</a:t>
             </a:fld>
             <a:endParaRPr lang="de-DE"/>
           </a:p>
@@ -606,7 +620,7 @@
           <a:p>
             <a:fld id="{F0E51C7C-CEA3-4CAA-BE4B-344879E7C377}" type="datetimeFigureOut">
               <a:rPr lang="de-DE" smtClean="0"/>
-              <a:t>03.04.2019</a:t>
+              <a:t>09.04.2019</a:t>
             </a:fld>
             <a:endParaRPr lang="de-DE"/>
           </a:p>
@@ -776,7 +790,7 @@
           <a:p>
             <a:fld id="{F0E51C7C-CEA3-4CAA-BE4B-344879E7C377}" type="datetimeFigureOut">
               <a:rPr lang="de-DE" smtClean="0"/>
-              <a:t>03.04.2019</a:t>
+              <a:t>09.04.2019</a:t>
             </a:fld>
             <a:endParaRPr lang="de-DE"/>
           </a:p>
@@ -1022,7 +1036,7 @@
           <a:p>
             <a:fld id="{F0E51C7C-CEA3-4CAA-BE4B-344879E7C377}" type="datetimeFigureOut">
               <a:rPr lang="de-DE" smtClean="0"/>
-              <a:t>03.04.2019</a:t>
+              <a:t>09.04.2019</a:t>
             </a:fld>
             <a:endParaRPr lang="de-DE"/>
           </a:p>
@@ -1254,7 +1268,7 @@
           <a:p>
             <a:fld id="{F0E51C7C-CEA3-4CAA-BE4B-344879E7C377}" type="datetimeFigureOut">
               <a:rPr lang="de-DE" smtClean="0"/>
-              <a:t>03.04.2019</a:t>
+              <a:t>09.04.2019</a:t>
             </a:fld>
             <a:endParaRPr lang="de-DE"/>
           </a:p>
@@ -1621,7 +1635,7 @@
           <a:p>
             <a:fld id="{F0E51C7C-CEA3-4CAA-BE4B-344879E7C377}" type="datetimeFigureOut">
               <a:rPr lang="de-DE" smtClean="0"/>
-              <a:t>03.04.2019</a:t>
+              <a:t>09.04.2019</a:t>
             </a:fld>
             <a:endParaRPr lang="de-DE"/>
           </a:p>
@@ -1739,7 +1753,7 @@
           <a:p>
             <a:fld id="{F0E51C7C-CEA3-4CAA-BE4B-344879E7C377}" type="datetimeFigureOut">
               <a:rPr lang="de-DE" smtClean="0"/>
-              <a:t>03.04.2019</a:t>
+              <a:t>09.04.2019</a:t>
             </a:fld>
             <a:endParaRPr lang="de-DE"/>
           </a:p>
@@ -1834,7 +1848,7 @@
           <a:p>
             <a:fld id="{F0E51C7C-CEA3-4CAA-BE4B-344879E7C377}" type="datetimeFigureOut">
               <a:rPr lang="de-DE" smtClean="0"/>
-              <a:t>03.04.2019</a:t>
+              <a:t>09.04.2019</a:t>
             </a:fld>
             <a:endParaRPr lang="de-DE"/>
           </a:p>
@@ -2111,7 +2125,7 @@
           <a:p>
             <a:fld id="{F0E51C7C-CEA3-4CAA-BE4B-344879E7C377}" type="datetimeFigureOut">
               <a:rPr lang="de-DE" smtClean="0"/>
-              <a:t>03.04.2019</a:t>
+              <a:t>09.04.2019</a:t>
             </a:fld>
             <a:endParaRPr lang="de-DE"/>
           </a:p>
@@ -2364,7 +2378,7 @@
           <a:p>
             <a:fld id="{F0E51C7C-CEA3-4CAA-BE4B-344879E7C377}" type="datetimeFigureOut">
               <a:rPr lang="de-DE" smtClean="0"/>
-              <a:t>03.04.2019</a:t>
+              <a:t>09.04.2019</a:t>
             </a:fld>
             <a:endParaRPr lang="de-DE"/>
           </a:p>
@@ -2577,7 +2591,7 @@
           <a:p>
             <a:fld id="{F0E51C7C-CEA3-4CAA-BE4B-344879E7C377}" type="datetimeFigureOut">
               <a:rPr lang="de-DE" smtClean="0"/>
-              <a:t>03.04.2019</a:t>
+              <a:t>09.04.2019</a:t>
             </a:fld>
             <a:endParaRPr lang="de-DE"/>
           </a:p>
@@ -3709,10 +3723,9 @@
           <a:lstStyle/>
           <a:p>
             <a:r>
-              <a:rPr lang="pt-BR" sz="2400" b="1" i="1" dirty="0"/>
-              <a:t>Colaboradores</a:t>
-            </a:r>
-            <a:endParaRPr lang="pt-BR" sz="2400" b="1" i="1" u="sng" dirty="0"/>
+              <a:rPr lang="pt-BR" sz="2400" b="1" i="1" u="sng" dirty="0"/>
+              <a:t>Voluntario</a:t>
+            </a:r>
           </a:p>
         </p:txBody>
       </p:sp>
@@ -3796,102 +3809,44 @@
           </a:p>
         </p:txBody>
       </p:sp>
-      <p:grpSp>
-        <p:nvGrpSpPr>
-          <p:cNvPr id="9" name="Agrupar 8">
-            <a:extLst>
-              <a:ext uri="{FF2B5EF4-FFF2-40B4-BE49-F238E27FC236}">
-                <a16:creationId xmlns:a16="http://schemas.microsoft.com/office/drawing/2014/main" id="{13ED3DFB-902B-43CF-ADE3-B1439C04EB68}"/>
-              </a:ext>
-            </a:extLst>
-          </p:cNvPr>
-          <p:cNvGrpSpPr/>
-          <p:nvPr/>
-        </p:nvGrpSpPr>
-        <p:grpSpPr>
-          <a:xfrm>
-            <a:off x="6778805" y="4541927"/>
-            <a:ext cx="3957428" cy="638968"/>
-            <a:chOff x="6753405" y="4503827"/>
-            <a:chExt cx="3957428" cy="638968"/>
-          </a:xfrm>
-        </p:grpSpPr>
-        <p:sp>
-          <p:nvSpPr>
-            <p:cNvPr id="32" name="CaixaDeTexto 31">
-              <a:extLst>
-                <a:ext uri="{FF2B5EF4-FFF2-40B4-BE49-F238E27FC236}">
-                  <a16:creationId xmlns:a16="http://schemas.microsoft.com/office/drawing/2014/main" id="{83044308-7C7B-4ECB-B5BD-5663F8E50452}"/>
-                </a:ext>
-              </a:extLst>
-            </p:cNvPr>
-            <p:cNvSpPr txBox="1"/>
-            <p:nvPr/>
-          </p:nvSpPr>
-          <p:spPr>
-            <a:xfrm>
-              <a:off x="6753405" y="4503827"/>
-              <a:ext cx="2743200" cy="369332"/>
-            </a:xfrm>
-            <a:prstGeom prst="rect">
+      <p:sp>
+        <p:nvSpPr>
+          <p:cNvPr id="2" name="CaixaDeTexto 1">
+            <a:extLst>
+              <a:ext uri="{FF2B5EF4-FFF2-40B4-BE49-F238E27FC236}">
+                <a16:creationId xmlns:a16="http://schemas.microsoft.com/office/drawing/2014/main" id="{5445A1D9-44FA-43B3-8C37-5AC19B9DD885}"/>
+              </a:ext>
+            </a:extLst>
+          </p:cNvPr>
+          <p:cNvSpPr txBox="1"/>
+          <p:nvPr/>
+        </p:nvSpPr>
+        <p:spPr>
+          <a:xfrm>
+            <a:off x="6722853" y="4710023"/>
+            <a:ext cx="2743200" cy="369332"/>
+          </a:xfrm>
+          <a:prstGeom prst="rect">
+            <a:avLst/>
+          </a:prstGeom>
+          <a:noFill/>
+        </p:spPr>
+        <p:txBody>
+          <a:bodyPr rot="0" spcFirstLastPara="0" vertOverflow="overflow" horzOverflow="overflow" vert="horz" wrap="square" lIns="91440" tIns="45720" rIns="91440" bIns="45720" numCol="1" spcCol="0" rtlCol="0" fromWordArt="0" anchor="t" anchorCtr="0" forceAA="0" compatLnSpc="1">
+            <a:prstTxWarp prst="textNoShape">
               <a:avLst/>
-            </a:prstGeom>
-          </p:spPr>
-          <p:txBody>
-            <a:bodyPr rot="0" spcFirstLastPara="0" vertOverflow="overflow" horzOverflow="overflow" vert="horz" wrap="square" lIns="91440" tIns="45720" rIns="91440" bIns="45720" numCol="1" spcCol="0" rtlCol="0" fromWordArt="0" anchor="t" anchorCtr="0" forceAA="0" compatLnSpc="1">
-              <a:prstTxWarp prst="textNoShape">
-                <a:avLst/>
-              </a:prstTxWarp>
-              <a:spAutoFit/>
-            </a:bodyPr>
-            <a:lstStyle/>
-            <a:p>
-              <a:r>
-                <a:rPr lang="pt-BR" b="1" i="1" dirty="0"/>
-                <a:t>Tornar-se professor </a:t>
-              </a:r>
-            </a:p>
-          </p:txBody>
-        </p:sp>
-        <p:sp>
-          <p:nvSpPr>
-            <p:cNvPr id="33" name="CaixaDeTexto 32">
-              <a:extLst>
-                <a:ext uri="{FF2B5EF4-FFF2-40B4-BE49-F238E27FC236}">
-                  <a16:creationId xmlns:a16="http://schemas.microsoft.com/office/drawing/2014/main" id="{1CEDF328-811F-4F5C-9F28-668FB5C77838}"/>
-                </a:ext>
-              </a:extLst>
-            </p:cNvPr>
-            <p:cNvSpPr txBox="1"/>
-            <p:nvPr/>
-          </p:nvSpPr>
-          <p:spPr>
-            <a:xfrm>
-              <a:off x="7967633" y="4773463"/>
-              <a:ext cx="2743200" cy="369332"/>
-            </a:xfrm>
-            <a:prstGeom prst="rect">
-              <a:avLst/>
-            </a:prstGeom>
-          </p:spPr>
-          <p:txBody>
-            <a:bodyPr rot="0" spcFirstLastPara="0" vertOverflow="overflow" horzOverflow="overflow" vert="horz" wrap="square" lIns="91440" tIns="45720" rIns="91440" bIns="45720" numCol="1" spcCol="0" rtlCol="0" fromWordArt="0" anchor="t" anchorCtr="0" forceAA="0" compatLnSpc="1">
-              <a:prstTxWarp prst="textNoShape">
-                <a:avLst/>
-              </a:prstTxWarp>
-              <a:spAutoFit/>
-            </a:bodyPr>
-            <a:lstStyle/>
-            <a:p>
-              <a:r>
-                <a:rPr lang="pt-BR" b="1" i="1" dirty="0"/>
-                <a:t>Filantropia</a:t>
-              </a:r>
-              <a:endParaRPr lang="pt-BR" b="1" i="1" u="sng" dirty="0"/>
-            </a:p>
-          </p:txBody>
-        </p:sp>
-      </p:grpSp>
+            </a:prstTxWarp>
+            <a:spAutoFit/>
+          </a:bodyPr>
+          <a:lstStyle/>
+          <a:p>
+            <a:r>
+              <a:rPr lang="pt-BR" b="1" i="1" dirty="0"/>
+              <a:t>Tornar-se Colaborador</a:t>
+            </a:r>
+          </a:p>
+        </p:txBody>
+      </p:sp>
     </p:spTree>
     <p:extLst>
       <p:ext uri="{BB962C8B-B14F-4D97-AF65-F5344CB8AC3E}">
@@ -3927,7 +3882,7 @@
           <p:cNvPr id="4" name="Retângulo 3">
             <a:extLst>
               <a:ext uri="{FF2B5EF4-FFF2-40B4-BE49-F238E27FC236}">
-                <a16:creationId xmlns:a16="http://schemas.microsoft.com/office/drawing/2014/main" id="{88C6BF1B-8B81-4A42-B266-9DF3168EF8CB}"/>
+                <a16:creationId xmlns:a16="http://schemas.microsoft.com/office/drawing/2014/main" id="{CEF9C6BA-8DDB-476C-86AF-98DA05BAF666}"/>
               </a:ext>
             </a:extLst>
           </p:cNvPr>
@@ -3936,7 +3891,7 @@
         </p:nvSpPr>
         <p:spPr>
           <a:xfrm>
-            <a:off x="146650" y="110706"/>
+            <a:off x="143775" y="106213"/>
             <a:ext cx="11904450" cy="6570451"/>
           </a:xfrm>
           <a:prstGeom prst="rect">
@@ -3972,16 +3927,16 @@
           <a:lstStyle/>
           <a:p>
             <a:pPr algn="ctr"/>
-            <a:endParaRPr lang="pt-BR" u="sng" dirty="0"/>
+            <a:endParaRPr lang="pt-BR"/>
           </a:p>
         </p:txBody>
       </p:sp>
       <p:sp>
         <p:nvSpPr>
-          <p:cNvPr id="6" name="CaixaDeTexto 5">
-            <a:extLst>
-              <a:ext uri="{FF2B5EF4-FFF2-40B4-BE49-F238E27FC236}">
-                <a16:creationId xmlns:a16="http://schemas.microsoft.com/office/drawing/2014/main" id="{1270056D-C445-482D-9C8C-EC4698A09D63}"/>
+          <p:cNvPr id="5" name="CaixaDeTexto 4">
+            <a:extLst>
+              <a:ext uri="{FF2B5EF4-FFF2-40B4-BE49-F238E27FC236}">
+                <a16:creationId xmlns:a16="http://schemas.microsoft.com/office/drawing/2014/main" id="{0DB7A970-3CC1-4626-9F9D-866AD68C58EA}"/>
               </a:ext>
             </a:extLst>
           </p:cNvPr>
@@ -3990,7 +3945,7 @@
         </p:nvSpPr>
         <p:spPr>
           <a:xfrm>
-            <a:off x="151502" y="280898"/>
+            <a:off x="187147" y="318998"/>
             <a:ext cx="11915953" cy="584775"/>
           </a:xfrm>
           <a:prstGeom prst="rect">
@@ -4011,18 +3966,48 @@
               <a:rPr lang="pt-BR" sz="3200" b="1" i="1" u="sng" dirty="0">
                 <a:cs typeface="Calibri"/>
               </a:rPr>
-              <a:t>Cenário : Filantropia</a:t>
+              <a:t>Cenário : Doar</a:t>
             </a:r>
             <a:endParaRPr lang="pt-BR" dirty="0"/>
           </a:p>
         </p:txBody>
       </p:sp>
+      <p:pic>
+        <p:nvPicPr>
+          <p:cNvPr id="6" name="Imagem 6" descr="Uma imagem contendo objeto&#10;&#10;Descrição gerada com muito alta confiança">
+            <a:extLst>
+              <a:ext uri="{FF2B5EF4-FFF2-40B4-BE49-F238E27FC236}">
+                <a16:creationId xmlns:a16="http://schemas.microsoft.com/office/drawing/2014/main" id="{AE41C0EB-3270-451D-B583-48485D46168E}"/>
+              </a:ext>
+            </a:extLst>
+          </p:cNvPr>
+          <p:cNvPicPr>
+            <a:picLocks noChangeAspect="1"/>
+          </p:cNvPicPr>
+          <p:nvPr/>
+        </p:nvPicPr>
+        <p:blipFill>
+          <a:blip r:embed="rId2"/>
+          <a:stretch>
+            <a:fillRect/>
+          </a:stretch>
+        </p:blipFill>
+        <p:spPr>
+          <a:xfrm>
+            <a:off x="1524421" y="1179122"/>
+            <a:ext cx="832449" cy="1326672"/>
+          </a:xfrm>
+          <a:prstGeom prst="rect">
+            <a:avLst/>
+          </a:prstGeom>
+        </p:spPr>
+      </p:pic>
       <p:sp>
         <p:nvSpPr>
-          <p:cNvPr id="2" name="Retângulo 1">
-            <a:extLst>
-              <a:ext uri="{FF2B5EF4-FFF2-40B4-BE49-F238E27FC236}">
-                <a16:creationId xmlns:a16="http://schemas.microsoft.com/office/drawing/2014/main" id="{12043949-80F2-4BA4-ACCA-8E1E73200266}"/>
+          <p:cNvPr id="7" name="Retângulo 6">
+            <a:extLst>
+              <a:ext uri="{FF2B5EF4-FFF2-40B4-BE49-F238E27FC236}">
+                <a16:creationId xmlns:a16="http://schemas.microsoft.com/office/drawing/2014/main" id="{14F074DC-6DCC-4E08-9917-5BE79B7E65BA}"/>
               </a:ext>
             </a:extLst>
           </p:cNvPr>
@@ -4031,7 +4016,7 @@
         </p:nvSpPr>
         <p:spPr>
           <a:xfrm>
-            <a:off x="4299908" y="2481174"/>
+            <a:off x="4211907" y="2607334"/>
             <a:ext cx="3608716" cy="1840300"/>
           </a:xfrm>
           <a:prstGeom prst="rect">
@@ -4068,20 +4053,22 @@
       </p:sp>
       <p:cxnSp>
         <p:nvCxnSpPr>
-          <p:cNvPr id="9" name="Conector de Seta Reta 8">
-            <a:extLst>
-              <a:ext uri="{FF2B5EF4-FFF2-40B4-BE49-F238E27FC236}">
-                <a16:creationId xmlns:a16="http://schemas.microsoft.com/office/drawing/2014/main" id="{BA601A5E-E9FD-4E49-A21A-E1D9795909C3}"/>
-              </a:ext>
-            </a:extLst>
-          </p:cNvPr>
-          <p:cNvCxnSpPr/>
+          <p:cNvPr id="11" name="Conector de Seta Reta 10">
+            <a:extLst>
+              <a:ext uri="{FF2B5EF4-FFF2-40B4-BE49-F238E27FC236}">
+                <a16:creationId xmlns:a16="http://schemas.microsoft.com/office/drawing/2014/main" id="{AF990622-0DAD-4CF8-B897-C60879C5B414}"/>
+              </a:ext>
+            </a:extLst>
+          </p:cNvPr>
+          <p:cNvCxnSpPr>
+            <a:cxnSpLocks/>
+          </p:cNvCxnSpPr>
           <p:nvPr/>
         </p:nvCxnSpPr>
         <p:spPr>
           <a:xfrm>
-            <a:off x="2259222" y="1878222"/>
-            <a:ext cx="1877683" cy="828137"/>
+            <a:off x="2356870" y="2362200"/>
+            <a:ext cx="1801302" cy="1029239"/>
           </a:xfrm>
           <a:prstGeom prst="straightConnector1">
             <a:avLst/>
@@ -4108,100 +4095,12 @@
           </a:fontRef>
         </p:style>
       </p:cxnSp>
-      <p:grpSp>
-        <p:nvGrpSpPr>
-          <p:cNvPr id="5" name="Agrupar 4">
-            <a:extLst>
-              <a:ext uri="{FF2B5EF4-FFF2-40B4-BE49-F238E27FC236}">
-                <a16:creationId xmlns:a16="http://schemas.microsoft.com/office/drawing/2014/main" id="{E6673161-0C4F-48B5-8E89-7B48BFDA7916}"/>
-              </a:ext>
-            </a:extLst>
-          </p:cNvPr>
-          <p:cNvGrpSpPr/>
-          <p:nvPr/>
-        </p:nvGrpSpPr>
-        <p:grpSpPr>
-          <a:xfrm>
-            <a:off x="993475" y="1141022"/>
-            <a:ext cx="1823050" cy="1806491"/>
-            <a:chOff x="993475" y="1141022"/>
-            <a:chExt cx="1823050" cy="1806491"/>
-          </a:xfrm>
-        </p:grpSpPr>
-        <p:pic>
-          <p:nvPicPr>
-            <p:cNvPr id="3" name="Imagem 6" descr="Uma imagem contendo objeto&#10;&#10;Descrição gerada com muito alta confiança">
-              <a:extLst>
-                <a:ext uri="{FF2B5EF4-FFF2-40B4-BE49-F238E27FC236}">
-                  <a16:creationId xmlns:a16="http://schemas.microsoft.com/office/drawing/2014/main" id="{BBEA9159-6E91-4172-99DF-56517BBFE5AC}"/>
-                </a:ext>
-              </a:extLst>
-            </p:cNvPr>
-            <p:cNvPicPr>
-              <a:picLocks noChangeAspect="1"/>
-            </p:cNvPicPr>
-            <p:nvPr/>
-          </p:nvPicPr>
-          <p:blipFill>
-            <a:blip r:embed="rId2"/>
-            <a:stretch>
-              <a:fillRect/>
-            </a:stretch>
-          </p:blipFill>
-          <p:spPr>
-            <a:xfrm>
-              <a:off x="1488776" y="1141022"/>
-              <a:ext cx="832449" cy="1326672"/>
-            </a:xfrm>
-            <a:prstGeom prst="rect">
-              <a:avLst/>
-            </a:prstGeom>
-          </p:spPr>
-        </p:pic>
-        <p:sp>
-          <p:nvSpPr>
-            <p:cNvPr id="11" name="CaixaDeTexto 10">
-              <a:extLst>
-                <a:ext uri="{FF2B5EF4-FFF2-40B4-BE49-F238E27FC236}">
-                  <a16:creationId xmlns:a16="http://schemas.microsoft.com/office/drawing/2014/main" id="{2B365FA8-96A9-46EF-82C1-1F0ACEB6382C}"/>
-                </a:ext>
-              </a:extLst>
-            </p:cNvPr>
-            <p:cNvSpPr txBox="1"/>
-            <p:nvPr/>
-          </p:nvSpPr>
-          <p:spPr>
-            <a:xfrm>
-              <a:off x="993475" y="2485848"/>
-              <a:ext cx="1823050" cy="461665"/>
-            </a:xfrm>
-            <a:prstGeom prst="rect">
-              <a:avLst/>
-            </a:prstGeom>
-          </p:spPr>
-          <p:txBody>
-            <a:bodyPr rot="0" spcFirstLastPara="0" vertOverflow="overflow" horzOverflow="overflow" vert="horz" wrap="square" lIns="91440" tIns="45720" rIns="91440" bIns="45720" numCol="1" spcCol="0" rtlCol="0" fromWordArt="0" anchor="t" anchorCtr="0" forceAA="0" compatLnSpc="1">
-              <a:prstTxWarp prst="textNoShape">
-                <a:avLst/>
-              </a:prstTxWarp>
-              <a:spAutoFit/>
-            </a:bodyPr>
-            <a:lstStyle/>
-            <a:p>
-              <a:r>
-                <a:rPr lang="pt-BR" sz="2400" b="1" i="1" dirty="0"/>
-                <a:t>colaborador </a:t>
-              </a:r>
-            </a:p>
-          </p:txBody>
-        </p:sp>
-      </p:grpSp>
       <p:sp>
         <p:nvSpPr>
-          <p:cNvPr id="15" name="CaixaDeTexto 14">
-            <a:extLst>
-              <a:ext uri="{FF2B5EF4-FFF2-40B4-BE49-F238E27FC236}">
-                <a16:creationId xmlns:a16="http://schemas.microsoft.com/office/drawing/2014/main" id="{589ED39B-DB76-4792-9198-978C3E9B327E}"/>
+          <p:cNvPr id="13" name="CaixaDeTexto 12">
+            <a:extLst>
+              <a:ext uri="{FF2B5EF4-FFF2-40B4-BE49-F238E27FC236}">
+                <a16:creationId xmlns:a16="http://schemas.microsoft.com/office/drawing/2014/main" id="{B9BDE6EE-83E2-4E9F-9DB8-ABE3AF877CCB}"/>
               </a:ext>
             </a:extLst>
           </p:cNvPr>
@@ -4210,8 +4109,8 @@
         </p:nvSpPr>
         <p:spPr>
           <a:xfrm>
-            <a:off x="7137100" y="3887817"/>
-            <a:ext cx="2743200" cy="369332"/>
+            <a:off x="1458644" y="2525023"/>
+            <a:ext cx="1334220" cy="461665"/>
           </a:xfrm>
           <a:prstGeom prst="rect">
             <a:avLst/>
@@ -4226,6 +4125,43 @@
           </a:bodyPr>
           <a:lstStyle/>
           <a:p>
+            <a:r>
+              <a:rPr lang="pt-BR" sz="2400" b="1" i="1" dirty="0"/>
+              <a:t>Doador </a:t>
+            </a:r>
+          </a:p>
+        </p:txBody>
+      </p:sp>
+      <p:sp>
+        <p:nvSpPr>
+          <p:cNvPr id="29" name="CaixaDeTexto 28">
+            <a:extLst>
+              <a:ext uri="{FF2B5EF4-FFF2-40B4-BE49-F238E27FC236}">
+                <a16:creationId xmlns:a16="http://schemas.microsoft.com/office/drawing/2014/main" id="{A6762E50-5323-4BE0-915A-EB8EEDBCB00C}"/>
+              </a:ext>
+            </a:extLst>
+          </p:cNvPr>
+          <p:cNvSpPr txBox="1"/>
+          <p:nvPr/>
+        </p:nvSpPr>
+        <p:spPr>
+          <a:xfrm>
+            <a:off x="7137100" y="3887817"/>
+            <a:ext cx="2743200" cy="369332"/>
+          </a:xfrm>
+          <a:prstGeom prst="rect">
+            <a:avLst/>
+          </a:prstGeom>
+        </p:spPr>
+        <p:txBody>
+          <a:bodyPr rot="0" spcFirstLastPara="0" vertOverflow="overflow" horzOverflow="overflow" vert="horz" wrap="square" lIns="91440" tIns="45720" rIns="91440" bIns="45720" numCol="1" spcCol="0" rtlCol="0" fromWordArt="0" anchor="t" anchorCtr="0" forceAA="0" compatLnSpc="1">
+            <a:prstTxWarp prst="textNoShape">
+              <a:avLst/>
+            </a:prstTxWarp>
+            <a:spAutoFit/>
+          </a:bodyPr>
+          <a:lstStyle/>
+          <a:p>
             <a:pPr algn="l"/>
             <a:r>
               <a:rPr lang="pt-BR" b="1" i="1" dirty="0">
@@ -4238,10 +4174,10 @@
       </p:sp>
       <p:sp>
         <p:nvSpPr>
-          <p:cNvPr id="17" name="Retângulo 16">
-            <a:extLst>
-              <a:ext uri="{FF2B5EF4-FFF2-40B4-BE49-F238E27FC236}">
-                <a16:creationId xmlns:a16="http://schemas.microsoft.com/office/drawing/2014/main" id="{AAE3C69C-201D-4C86-AAF7-B3DC70259B1F}"/>
+          <p:cNvPr id="30" name="Retângulo 29">
+            <a:extLst>
+              <a:ext uri="{FF2B5EF4-FFF2-40B4-BE49-F238E27FC236}">
+                <a16:creationId xmlns:a16="http://schemas.microsoft.com/office/drawing/2014/main" id="{3AA62CBD-64E7-4BA1-BBCB-45C4726787D0}"/>
               </a:ext>
             </a:extLst>
           </p:cNvPr>
@@ -4250,7 +4186,7 @@
         </p:nvSpPr>
         <p:spPr>
           <a:xfrm>
-            <a:off x="4300807" y="2482071"/>
+            <a:off x="4211907" y="2520171"/>
             <a:ext cx="2257244" cy="646981"/>
           </a:xfrm>
           <a:prstGeom prst="rect">
@@ -4281,16 +4217,19 @@
           <a:lstStyle/>
           <a:p>
             <a:pPr algn="ctr"/>
-            <a:endParaRPr lang="pt-BR"/>
+            <a:r>
+              <a:rPr lang="pt-BR" dirty="0"/>
+              <a:t>//////</a:t>
+            </a:r>
           </a:p>
         </p:txBody>
       </p:sp>
       <p:sp>
         <p:nvSpPr>
-          <p:cNvPr id="20" name="CaixaDeTexto 19">
-            <a:extLst>
-              <a:ext uri="{FF2B5EF4-FFF2-40B4-BE49-F238E27FC236}">
-                <a16:creationId xmlns:a16="http://schemas.microsoft.com/office/drawing/2014/main" id="{9EF114C1-C8CF-409C-847E-943F96FE0F0F}"/>
+          <p:cNvPr id="31" name="CaixaDeTexto 30">
+            <a:extLst>
+              <a:ext uri="{FF2B5EF4-FFF2-40B4-BE49-F238E27FC236}">
+                <a16:creationId xmlns:a16="http://schemas.microsoft.com/office/drawing/2014/main" id="{2B86E22E-128E-40A7-9AA7-48626AD2DFA2}"/>
               </a:ext>
             </a:extLst>
           </p:cNvPr>
@@ -4299,7 +4238,7 @@
         </p:nvSpPr>
         <p:spPr>
           <a:xfrm>
-            <a:off x="4735183" y="2607334"/>
+            <a:off x="4582783" y="2607334"/>
             <a:ext cx="1650521" cy="461665"/>
           </a:xfrm>
           <a:prstGeom prst="rect">
@@ -4319,59 +4258,15 @@
               <a:rPr lang="pt-BR" sz="2400" b="1" i="1" dirty="0">
                 <a:cs typeface="Calibri"/>
               </a:rPr>
-              <a:t>Função </a:t>
+              <a:t>Recepção </a:t>
             </a:r>
           </a:p>
         </p:txBody>
       </p:sp>
-      <p:cxnSp>
-        <p:nvCxnSpPr>
-          <p:cNvPr id="22" name="Conector de Seta Reta 21">
-            <a:extLst>
-              <a:ext uri="{FF2B5EF4-FFF2-40B4-BE49-F238E27FC236}">
-                <a16:creationId xmlns:a16="http://schemas.microsoft.com/office/drawing/2014/main" id="{6005A5E0-EFE8-4E81-9A9B-EC939F301038}"/>
-              </a:ext>
-            </a:extLst>
-          </p:cNvPr>
-          <p:cNvCxnSpPr>
-            <a:cxnSpLocks/>
-          </p:cNvCxnSpPr>
-          <p:nvPr/>
-        </p:nvCxnSpPr>
-        <p:spPr>
-          <a:xfrm>
-            <a:off x="2273598" y="1863845"/>
-            <a:ext cx="1848929" cy="1489494"/>
-          </a:xfrm>
-          <a:prstGeom prst="straightConnector1">
-            <a:avLst/>
-          </a:prstGeom>
-          <a:ln>
-            <a:solidFill>
-              <a:schemeClr val="tx1"/>
-            </a:solidFill>
-            <a:tailEnd type="triangle"/>
-          </a:ln>
-        </p:spPr>
-        <p:style>
-          <a:lnRef idx="1">
-            <a:schemeClr val="accent1"/>
-          </a:lnRef>
-          <a:fillRef idx="0">
-            <a:schemeClr val="accent1"/>
-          </a:fillRef>
-          <a:effectRef idx="0">
-            <a:schemeClr val="accent1"/>
-          </a:effectRef>
-          <a:fontRef idx="minor">
-            <a:schemeClr val="tx1"/>
-          </a:fontRef>
-        </p:style>
-      </p:cxnSp>
     </p:spTree>
     <p:extLst>
       <p:ext uri="{BB962C8B-B14F-4D97-AF65-F5344CB8AC3E}">
-        <p14:creationId xmlns:p14="http://schemas.microsoft.com/office/powerpoint/2010/main" val="4126620638"/>
+        <p14:creationId xmlns:p14="http://schemas.microsoft.com/office/powerpoint/2010/main" val="3142514784"/>
       </p:ext>
     </p:extLst>
   </p:cSld>
@@ -4398,380 +4293,12 @@
           <a:chExt cx="0" cy="0"/>
         </a:xfrm>
       </p:grpSpPr>
-      <p:sp>
-        <p:nvSpPr>
-          <p:cNvPr id="4" name="Retângulo 3">
-            <a:extLst>
-              <a:ext uri="{FF2B5EF4-FFF2-40B4-BE49-F238E27FC236}">
-                <a16:creationId xmlns:a16="http://schemas.microsoft.com/office/drawing/2014/main" id="{88C6BF1B-8B81-4A42-B266-9DF3168EF8CB}"/>
-              </a:ext>
-            </a:extLst>
-          </p:cNvPr>
-          <p:cNvSpPr/>
-          <p:nvPr/>
-        </p:nvSpPr>
-        <p:spPr>
-          <a:xfrm>
-            <a:off x="97769" y="143774"/>
-            <a:ext cx="11904450" cy="6570451"/>
-          </a:xfrm>
-          <a:prstGeom prst="rect">
-            <a:avLst/>
-          </a:prstGeom>
-          <a:solidFill>
-            <a:schemeClr val="bg1"/>
-          </a:solidFill>
-          <a:ln>
-            <a:solidFill>
-              <a:schemeClr val="tx1"/>
-            </a:solidFill>
-          </a:ln>
-        </p:spPr>
-        <p:style>
-          <a:lnRef idx="2">
-            <a:schemeClr val="accent1">
-              <a:shade val="50000"/>
-            </a:schemeClr>
-          </a:lnRef>
-          <a:fillRef idx="1">
-            <a:schemeClr val="accent1"/>
-          </a:fillRef>
-          <a:effectRef idx="0">
-            <a:schemeClr val="accent1"/>
-          </a:effectRef>
-          <a:fontRef idx="minor">
-            <a:schemeClr val="lt1"/>
-          </a:fontRef>
-        </p:style>
-        <p:txBody>
-          <a:bodyPr rtlCol="0" anchor="ctr"/>
-          <a:lstStyle/>
-          <a:p>
-            <a:pPr algn="ctr"/>
-            <a:endParaRPr lang="pt-BR"/>
-          </a:p>
-        </p:txBody>
-      </p:sp>
-      <p:sp>
-        <p:nvSpPr>
-          <p:cNvPr id="2" name="CaixaDeTexto 1">
-            <a:extLst>
-              <a:ext uri="{FF2B5EF4-FFF2-40B4-BE49-F238E27FC236}">
-                <a16:creationId xmlns:a16="http://schemas.microsoft.com/office/drawing/2014/main" id="{80F5CD5A-1914-4EF1-BE32-34B089486C2F}"/>
-              </a:ext>
-            </a:extLst>
-          </p:cNvPr>
-          <p:cNvSpPr txBox="1"/>
-          <p:nvPr/>
-        </p:nvSpPr>
-        <p:spPr>
-          <a:xfrm>
-            <a:off x="151502" y="280898"/>
-            <a:ext cx="11915953" cy="584775"/>
-          </a:xfrm>
-          <a:prstGeom prst="rect">
-            <a:avLst/>
-          </a:prstGeom>
-        </p:spPr>
-        <p:txBody>
-          <a:bodyPr rot="0" spcFirstLastPara="0" vertOverflow="overflow" horzOverflow="overflow" vert="horz" wrap="square" lIns="91440" tIns="45720" rIns="91440" bIns="45720" numCol="1" spcCol="0" rtlCol="0" fromWordArt="0" anchor="t" anchorCtr="0" forceAA="0" compatLnSpc="1">
-            <a:prstTxWarp prst="textNoShape">
-              <a:avLst/>
-            </a:prstTxWarp>
-            <a:spAutoFit/>
-          </a:bodyPr>
-          <a:lstStyle/>
-          <a:p>
-            <a:pPr algn="ctr"/>
-            <a:r>
-              <a:rPr lang="pt-BR" sz="3200" b="1" i="1" u="sng" dirty="0">
-                <a:cs typeface="Calibri"/>
-              </a:rPr>
-              <a:t>Cenário : Filantropia </a:t>
-            </a:r>
-            <a:endParaRPr lang="pt-BR" dirty="0"/>
-          </a:p>
-        </p:txBody>
-      </p:sp>
-      <p:cxnSp>
-        <p:nvCxnSpPr>
-          <p:cNvPr id="5" name="Conector de Seta Reta 4">
-            <a:extLst>
-              <a:ext uri="{FF2B5EF4-FFF2-40B4-BE49-F238E27FC236}">
-                <a16:creationId xmlns:a16="http://schemas.microsoft.com/office/drawing/2014/main" id="{85E6B2C7-D043-4C92-898F-4F2DEE8A2690}"/>
-              </a:ext>
-            </a:extLst>
-          </p:cNvPr>
-          <p:cNvCxnSpPr>
-            <a:cxnSpLocks/>
-          </p:cNvCxnSpPr>
-          <p:nvPr/>
-        </p:nvCxnSpPr>
-        <p:spPr>
-          <a:xfrm flipV="1">
-            <a:off x="103517" y="944594"/>
-            <a:ext cx="11898702" cy="1"/>
-          </a:xfrm>
-          <a:prstGeom prst="straightConnector1">
-            <a:avLst/>
-          </a:prstGeom>
-          <a:ln>
-            <a:solidFill>
-              <a:schemeClr val="tx1"/>
-            </a:solidFill>
-          </a:ln>
-        </p:spPr>
-        <p:style>
-          <a:lnRef idx="1">
-            <a:schemeClr val="accent1"/>
-          </a:lnRef>
-          <a:fillRef idx="0">
-            <a:schemeClr val="accent1"/>
-          </a:fillRef>
-          <a:effectRef idx="0">
-            <a:schemeClr val="accent1"/>
-          </a:effectRef>
-          <a:fontRef idx="minor">
-            <a:schemeClr val="tx1"/>
-          </a:fontRef>
-        </p:style>
-      </p:cxnSp>
-      <p:cxnSp>
-        <p:nvCxnSpPr>
-          <p:cNvPr id="6" name="Conector de Seta Reta 5">
-            <a:extLst>
-              <a:ext uri="{FF2B5EF4-FFF2-40B4-BE49-F238E27FC236}">
-                <a16:creationId xmlns:a16="http://schemas.microsoft.com/office/drawing/2014/main" id="{9BACC1B6-2F2A-4248-B083-17CB87D6E5BE}"/>
-              </a:ext>
-            </a:extLst>
-          </p:cNvPr>
-          <p:cNvCxnSpPr>
-            <a:cxnSpLocks/>
-          </p:cNvCxnSpPr>
-          <p:nvPr/>
-        </p:nvCxnSpPr>
-        <p:spPr>
-          <a:xfrm flipV="1">
-            <a:off x="146648" y="3029310"/>
-            <a:ext cx="11855571" cy="1"/>
-          </a:xfrm>
-          <a:prstGeom prst="straightConnector1">
-            <a:avLst/>
-          </a:prstGeom>
-          <a:ln>
-            <a:solidFill>
-              <a:schemeClr val="tx1"/>
-            </a:solidFill>
-          </a:ln>
-        </p:spPr>
-        <p:style>
-          <a:lnRef idx="1">
-            <a:schemeClr val="accent1"/>
-          </a:lnRef>
-          <a:fillRef idx="0">
-            <a:schemeClr val="accent1"/>
-          </a:fillRef>
-          <a:effectRef idx="0">
-            <a:schemeClr val="accent1"/>
-          </a:effectRef>
-          <a:fontRef idx="minor">
-            <a:schemeClr val="tx1"/>
-          </a:fontRef>
-        </p:style>
-      </p:cxnSp>
-      <p:sp>
-        <p:nvSpPr>
-          <p:cNvPr id="8" name="Retângulo 7">
-            <a:extLst>
-              <a:ext uri="{FF2B5EF4-FFF2-40B4-BE49-F238E27FC236}">
-                <a16:creationId xmlns:a16="http://schemas.microsoft.com/office/drawing/2014/main" id="{5941647A-72D6-4138-BD44-C48D31273AB1}"/>
-              </a:ext>
-            </a:extLst>
-          </p:cNvPr>
-          <p:cNvSpPr/>
-          <p:nvPr/>
-        </p:nvSpPr>
-        <p:spPr>
-          <a:xfrm>
-            <a:off x="7506059" y="1474757"/>
-            <a:ext cx="2041583" cy="1207696"/>
-          </a:xfrm>
-          <a:prstGeom prst="rect">
-            <a:avLst/>
-          </a:prstGeom>
-          <a:solidFill>
-            <a:schemeClr val="bg1"/>
-          </a:solidFill>
-          <a:ln>
-            <a:solidFill>
-              <a:schemeClr val="tx1"/>
-            </a:solidFill>
-          </a:ln>
-        </p:spPr>
-        <p:style>
-          <a:lnRef idx="2">
-            <a:schemeClr val="accent1">
-              <a:shade val="50000"/>
-            </a:schemeClr>
-          </a:lnRef>
-          <a:fillRef idx="1">
-            <a:schemeClr val="accent1"/>
-          </a:fillRef>
-          <a:effectRef idx="0">
-            <a:schemeClr val="accent1"/>
-          </a:effectRef>
-          <a:fontRef idx="minor">
-            <a:schemeClr val="lt1"/>
-          </a:fontRef>
-        </p:style>
-        <p:txBody>
-          <a:bodyPr rtlCol="0" anchor="ctr"/>
-          <a:lstStyle/>
-          <a:p>
-            <a:pPr algn="ctr"/>
-            <a:endParaRPr lang="pt-BR"/>
-          </a:p>
-        </p:txBody>
-      </p:sp>
-      <p:sp>
-        <p:nvSpPr>
-          <p:cNvPr id="9" name="CaixaDeTexto 1">
-            <a:extLst>
-              <a:ext uri="{FF2B5EF4-FFF2-40B4-BE49-F238E27FC236}">
-                <a16:creationId xmlns:a16="http://schemas.microsoft.com/office/drawing/2014/main" id="{7994EBAF-0D7D-41FB-B228-383D0E67FB6C}"/>
-              </a:ext>
-            </a:extLst>
-          </p:cNvPr>
-          <p:cNvSpPr txBox="1"/>
-          <p:nvPr/>
-        </p:nvSpPr>
-        <p:spPr>
-          <a:xfrm>
-            <a:off x="7915274" y="1792367"/>
-            <a:ext cx="1664899" cy="523220"/>
-          </a:xfrm>
-          <a:prstGeom prst="rect">
-            <a:avLst/>
-          </a:prstGeom>
-        </p:spPr>
-        <p:txBody>
-          <a:bodyPr rot="0" spcFirstLastPara="0" vert="horz" wrap="square" lIns="91440" tIns="45720" rIns="91440" bIns="45720" numCol="1" spcCol="0" rtlCol="0" fromWordArt="0" anchor="t" anchorCtr="0" forceAA="0" compatLnSpc="1">
-            <a:prstTxWarp prst="textNoShape">
-              <a:avLst/>
-            </a:prstTxWarp>
-            <a:spAutoFit/>
-          </a:bodyPr>
-          <a:lstStyle>
-            <a:defPPr>
-              <a:defRPr lang="de-DE"/>
-            </a:defPPr>
-            <a:lvl1pPr marL="0" algn="l" defTabSz="914400" rtl="0" eaLnBrk="1" latinLnBrk="0" hangingPunct="1">
-              <a:defRPr sz="1800" kern="1200">
-                <a:solidFill>
-                  <a:schemeClr val="tx1"/>
-                </a:solidFill>
-                <a:latin typeface="+mn-lt"/>
-                <a:ea typeface="+mn-ea"/>
-                <a:cs typeface="+mn-cs"/>
-              </a:defRPr>
-            </a:lvl1pPr>
-            <a:lvl2pPr marL="457200" algn="l" defTabSz="914400" rtl="0" eaLnBrk="1" latinLnBrk="0" hangingPunct="1">
-              <a:defRPr sz="1800" kern="1200">
-                <a:solidFill>
-                  <a:schemeClr val="tx1"/>
-                </a:solidFill>
-                <a:latin typeface="+mn-lt"/>
-                <a:ea typeface="+mn-ea"/>
-                <a:cs typeface="+mn-cs"/>
-              </a:defRPr>
-            </a:lvl2pPr>
-            <a:lvl3pPr marL="914400" algn="l" defTabSz="914400" rtl="0" eaLnBrk="1" latinLnBrk="0" hangingPunct="1">
-              <a:defRPr sz="1800" kern="1200">
-                <a:solidFill>
-                  <a:schemeClr val="tx1"/>
-                </a:solidFill>
-                <a:latin typeface="+mn-lt"/>
-                <a:ea typeface="+mn-ea"/>
-                <a:cs typeface="+mn-cs"/>
-              </a:defRPr>
-            </a:lvl3pPr>
-            <a:lvl4pPr marL="1371600" algn="l" defTabSz="914400" rtl="0" eaLnBrk="1" latinLnBrk="0" hangingPunct="1">
-              <a:defRPr sz="1800" kern="1200">
-                <a:solidFill>
-                  <a:schemeClr val="tx1"/>
-                </a:solidFill>
-                <a:latin typeface="+mn-lt"/>
-                <a:ea typeface="+mn-ea"/>
-                <a:cs typeface="+mn-cs"/>
-              </a:defRPr>
-            </a:lvl4pPr>
-            <a:lvl5pPr marL="1828800" algn="l" defTabSz="914400" rtl="0" eaLnBrk="1" latinLnBrk="0" hangingPunct="1">
-              <a:defRPr sz="1800" kern="1200">
-                <a:solidFill>
-                  <a:schemeClr val="tx1"/>
-                </a:solidFill>
-                <a:latin typeface="+mn-lt"/>
-                <a:ea typeface="+mn-ea"/>
-                <a:cs typeface="+mn-cs"/>
-              </a:defRPr>
-            </a:lvl5pPr>
-            <a:lvl6pPr marL="2286000" algn="l" defTabSz="914400" rtl="0" eaLnBrk="1" latinLnBrk="0" hangingPunct="1">
-              <a:defRPr sz="1800" kern="1200">
-                <a:solidFill>
-                  <a:schemeClr val="tx1"/>
-                </a:solidFill>
-                <a:latin typeface="+mn-lt"/>
-                <a:ea typeface="+mn-ea"/>
-                <a:cs typeface="+mn-cs"/>
-              </a:defRPr>
-            </a:lvl6pPr>
-            <a:lvl7pPr marL="2743200" algn="l" defTabSz="914400" rtl="0" eaLnBrk="1" latinLnBrk="0" hangingPunct="1">
-              <a:defRPr sz="1800" kern="1200">
-                <a:solidFill>
-                  <a:schemeClr val="tx1"/>
-                </a:solidFill>
-                <a:latin typeface="+mn-lt"/>
-                <a:ea typeface="+mn-ea"/>
-                <a:cs typeface="+mn-cs"/>
-              </a:defRPr>
-            </a:lvl7pPr>
-            <a:lvl8pPr marL="3200400" algn="l" defTabSz="914400" rtl="0" eaLnBrk="1" latinLnBrk="0" hangingPunct="1">
-              <a:defRPr sz="1800" kern="1200">
-                <a:solidFill>
-                  <a:schemeClr val="tx1"/>
-                </a:solidFill>
-                <a:latin typeface="+mn-lt"/>
-                <a:ea typeface="+mn-ea"/>
-                <a:cs typeface="+mn-cs"/>
-              </a:defRPr>
-            </a:lvl8pPr>
-            <a:lvl9pPr marL="3657600" algn="l" defTabSz="914400" rtl="0" eaLnBrk="1" latinLnBrk="0" hangingPunct="1">
-              <a:defRPr sz="1800" kern="1200">
-                <a:solidFill>
-                  <a:schemeClr val="tx1"/>
-                </a:solidFill>
-                <a:latin typeface="+mn-lt"/>
-                <a:ea typeface="+mn-ea"/>
-                <a:cs typeface="+mn-cs"/>
-              </a:defRPr>
-            </a:lvl9pPr>
-          </a:lstStyle>
-          <a:p>
-            <a:r>
-              <a:rPr lang="pt-BR" sz="2800" b="1" i="1" dirty="0">
-                <a:cs typeface="Calibri"/>
-              </a:rPr>
-              <a:t>Função </a:t>
-            </a:r>
-          </a:p>
-        </p:txBody>
-      </p:sp>
       <p:grpSp>
         <p:nvGrpSpPr>
-          <p:cNvPr id="10" name="Agrupar 9">
-            <a:extLst>
-              <a:ext uri="{FF2B5EF4-FFF2-40B4-BE49-F238E27FC236}">
-                <a16:creationId xmlns:a16="http://schemas.microsoft.com/office/drawing/2014/main" id="{824586A1-E2A3-4B25-8F44-2AB0D73E8B07}"/>
+          <p:cNvPr id="23" name="Agrupar 22">
+            <a:extLst>
+              <a:ext uri="{FF2B5EF4-FFF2-40B4-BE49-F238E27FC236}">
+                <a16:creationId xmlns:a16="http://schemas.microsoft.com/office/drawing/2014/main" id="{0AAE26CE-50AE-4585-8600-8F5CE0F550A2}"/>
               </a:ext>
             </a:extLst>
           </p:cNvPr>
@@ -4780,418 +4307,18 @@
         </p:nvGrpSpPr>
         <p:grpSpPr>
           <a:xfrm>
-            <a:off x="2846358" y="1184155"/>
-            <a:ext cx="2053087" cy="1735678"/>
-            <a:chOff x="2846358" y="1184155"/>
-            <a:chExt cx="2053087" cy="1735678"/>
-          </a:xfrm>
-        </p:grpSpPr>
-        <p:pic>
-          <p:nvPicPr>
-            <p:cNvPr id="13" name="Imagem 6" descr="Uma imagem contendo objeto&#10;&#10;Descrição gerada com muito alta confiança">
-              <a:extLst>
-                <a:ext uri="{FF2B5EF4-FFF2-40B4-BE49-F238E27FC236}">
-                  <a16:creationId xmlns:a16="http://schemas.microsoft.com/office/drawing/2014/main" id="{63824687-0B05-4413-8D3C-5E29C9702638}"/>
-                </a:ext>
-              </a:extLst>
-            </p:cNvPr>
-            <p:cNvPicPr>
-              <a:picLocks noChangeAspect="1"/>
-            </p:cNvPicPr>
-            <p:nvPr/>
-          </p:nvPicPr>
-          <p:blipFill>
-            <a:blip r:embed="rId2"/>
-            <a:stretch>
-              <a:fillRect/>
-            </a:stretch>
-          </p:blipFill>
-          <p:spPr>
-            <a:xfrm>
-              <a:off x="3199682" y="1184155"/>
-              <a:ext cx="832449" cy="1326672"/>
-            </a:xfrm>
-            <a:prstGeom prst="rect">
-              <a:avLst/>
-            </a:prstGeom>
-          </p:spPr>
-        </p:pic>
-        <p:sp>
-          <p:nvSpPr>
-            <p:cNvPr id="16" name="CaixaDeTexto 15">
-              <a:extLst>
-                <a:ext uri="{FF2B5EF4-FFF2-40B4-BE49-F238E27FC236}">
-                  <a16:creationId xmlns:a16="http://schemas.microsoft.com/office/drawing/2014/main" id="{FDA29973-2090-478C-8CFB-2DD1F5F78F5A}"/>
-                </a:ext>
-              </a:extLst>
-            </p:cNvPr>
-            <p:cNvSpPr txBox="1"/>
-            <p:nvPr/>
-          </p:nvSpPr>
-          <p:spPr>
-            <a:xfrm>
-              <a:off x="2846358" y="2458168"/>
-              <a:ext cx="2053087" cy="461665"/>
-            </a:xfrm>
-            <a:prstGeom prst="rect">
-              <a:avLst/>
-            </a:prstGeom>
-          </p:spPr>
-          <p:txBody>
-            <a:bodyPr rot="0" spcFirstLastPara="0" vertOverflow="overflow" horzOverflow="overflow" vert="horz" wrap="square" lIns="91440" tIns="45720" rIns="91440" bIns="45720" numCol="1" spcCol="0" rtlCol="0" fromWordArt="0" anchor="t" anchorCtr="0" forceAA="0" compatLnSpc="1">
-              <a:prstTxWarp prst="textNoShape">
-                <a:avLst/>
-              </a:prstTxWarp>
-              <a:spAutoFit/>
-            </a:bodyPr>
-            <a:lstStyle/>
-            <a:p>
-              <a:r>
-                <a:rPr lang="pt-BR" sz="2400" b="1" i="1" dirty="0">
-                  <a:cs typeface="Calibri"/>
-                </a:rPr>
-                <a:t>Colaborador </a:t>
-              </a:r>
-              <a:endParaRPr lang="pt-BR" sz="2400" b="1" i="1" dirty="0"/>
-            </a:p>
-          </p:txBody>
-        </p:sp>
-      </p:grpSp>
-      <p:cxnSp>
-        <p:nvCxnSpPr>
-          <p:cNvPr id="19" name="Conector de Seta Reta 18">
-            <a:extLst>
-              <a:ext uri="{FF2B5EF4-FFF2-40B4-BE49-F238E27FC236}">
-                <a16:creationId xmlns:a16="http://schemas.microsoft.com/office/drawing/2014/main" id="{7053101E-BA41-4AFA-90EB-5F30E05D5C2A}"/>
-              </a:ext>
-            </a:extLst>
-          </p:cNvPr>
-          <p:cNvCxnSpPr/>
-          <p:nvPr/>
-        </p:nvCxnSpPr>
-        <p:spPr>
-          <a:xfrm flipH="1">
-            <a:off x="8594785" y="2684253"/>
-            <a:ext cx="5750" cy="1058173"/>
-          </a:xfrm>
-          <a:prstGeom prst="straightConnector1">
-            <a:avLst/>
-          </a:prstGeom>
-          <a:ln>
-            <a:solidFill>
-              <a:schemeClr val="tx1"/>
-            </a:solidFill>
-            <a:tailEnd type="triangle"/>
-          </a:ln>
-        </p:spPr>
-        <p:style>
-          <a:lnRef idx="1">
-            <a:schemeClr val="accent1"/>
-          </a:lnRef>
-          <a:fillRef idx="0">
-            <a:schemeClr val="accent1"/>
-          </a:fillRef>
-          <a:effectRef idx="0">
-            <a:schemeClr val="accent1"/>
-          </a:effectRef>
-          <a:fontRef idx="minor">
-            <a:schemeClr val="tx1"/>
-          </a:fontRef>
-        </p:style>
-      </p:cxnSp>
-      <p:cxnSp>
-        <p:nvCxnSpPr>
-          <p:cNvPr id="20" name="Conector de Seta Reta 19">
-            <a:extLst>
-              <a:ext uri="{FF2B5EF4-FFF2-40B4-BE49-F238E27FC236}">
-                <a16:creationId xmlns:a16="http://schemas.microsoft.com/office/drawing/2014/main" id="{972CCC72-617F-4D78-B3FE-1B11C03D20E1}"/>
-              </a:ext>
-            </a:extLst>
-          </p:cNvPr>
-          <p:cNvCxnSpPr>
-            <a:cxnSpLocks/>
-          </p:cNvCxnSpPr>
-          <p:nvPr/>
-        </p:nvCxnSpPr>
-        <p:spPr>
-          <a:xfrm flipH="1">
-            <a:off x="4032131" y="772063"/>
-            <a:ext cx="585875" cy="740499"/>
-          </a:xfrm>
-          <a:prstGeom prst="straightConnector1">
-            <a:avLst/>
-          </a:prstGeom>
-          <a:ln>
-            <a:solidFill>
-              <a:schemeClr val="tx1"/>
-            </a:solidFill>
-            <a:tailEnd type="triangle"/>
-          </a:ln>
-        </p:spPr>
-        <p:style>
-          <a:lnRef idx="1">
-            <a:schemeClr val="accent1"/>
-          </a:lnRef>
-          <a:fillRef idx="0">
-            <a:schemeClr val="accent1"/>
-          </a:fillRef>
-          <a:effectRef idx="0">
-            <a:schemeClr val="accent1"/>
-          </a:effectRef>
-          <a:fontRef idx="minor">
-            <a:schemeClr val="tx1"/>
-          </a:fontRef>
-        </p:style>
-      </p:cxnSp>
-      <p:cxnSp>
-        <p:nvCxnSpPr>
-          <p:cNvPr id="23" name="Conector de Seta Reta 22">
-            <a:extLst>
-              <a:ext uri="{FF2B5EF4-FFF2-40B4-BE49-F238E27FC236}">
-                <a16:creationId xmlns:a16="http://schemas.microsoft.com/office/drawing/2014/main" id="{6F2A4F03-C5E4-40D7-AA81-EDDBC7B02437}"/>
-              </a:ext>
-            </a:extLst>
-          </p:cNvPr>
-          <p:cNvCxnSpPr>
-            <a:cxnSpLocks/>
-          </p:cNvCxnSpPr>
-          <p:nvPr/>
-        </p:nvCxnSpPr>
-        <p:spPr>
-          <a:xfrm>
-            <a:off x="7765366" y="772063"/>
-            <a:ext cx="520505" cy="702694"/>
-          </a:xfrm>
-          <a:prstGeom prst="straightConnector1">
-            <a:avLst/>
-          </a:prstGeom>
-          <a:ln>
-            <a:solidFill>
-              <a:schemeClr val="tx1"/>
-            </a:solidFill>
-            <a:tailEnd type="triangle"/>
-          </a:ln>
-        </p:spPr>
-        <p:style>
-          <a:lnRef idx="1">
-            <a:schemeClr val="accent1"/>
-          </a:lnRef>
-          <a:fillRef idx="0">
-            <a:schemeClr val="accent1"/>
-          </a:fillRef>
-          <a:effectRef idx="0">
-            <a:schemeClr val="accent1"/>
-          </a:effectRef>
-          <a:fontRef idx="minor">
-            <a:schemeClr val="tx1"/>
-          </a:fontRef>
-        </p:style>
-      </p:cxnSp>
-      <p:cxnSp>
-        <p:nvCxnSpPr>
-          <p:cNvPr id="24" name="Conector de Seta Reta 23">
-            <a:extLst>
-              <a:ext uri="{FF2B5EF4-FFF2-40B4-BE49-F238E27FC236}">
-                <a16:creationId xmlns:a16="http://schemas.microsoft.com/office/drawing/2014/main" id="{906C5ED3-A468-446B-91A1-50EACFAF704A}"/>
-              </a:ext>
-            </a:extLst>
-          </p:cNvPr>
-          <p:cNvCxnSpPr>
-            <a:cxnSpLocks/>
-          </p:cNvCxnSpPr>
-          <p:nvPr/>
-        </p:nvCxnSpPr>
-        <p:spPr>
-          <a:xfrm flipH="1">
-            <a:off x="3188898" y="3129951"/>
-            <a:ext cx="250165" cy="626852"/>
-          </a:xfrm>
-          <a:prstGeom prst="straightConnector1">
-            <a:avLst/>
-          </a:prstGeom>
-          <a:ln>
-            <a:solidFill>
-              <a:schemeClr val="tx1"/>
-            </a:solidFill>
-            <a:tailEnd type="triangle"/>
-          </a:ln>
-        </p:spPr>
-        <p:style>
-          <a:lnRef idx="1">
-            <a:schemeClr val="accent1"/>
-          </a:lnRef>
-          <a:fillRef idx="0">
-            <a:schemeClr val="accent1"/>
-          </a:fillRef>
-          <a:effectRef idx="0">
-            <a:schemeClr val="accent1"/>
-          </a:effectRef>
-          <a:fontRef idx="minor">
-            <a:schemeClr val="tx1"/>
-          </a:fontRef>
-        </p:style>
-      </p:cxnSp>
-      <p:sp>
-        <p:nvSpPr>
-          <p:cNvPr id="3" name="CaixaDeTexto 2">
-            <a:extLst>
-              <a:ext uri="{FF2B5EF4-FFF2-40B4-BE49-F238E27FC236}">
-                <a16:creationId xmlns:a16="http://schemas.microsoft.com/office/drawing/2014/main" id="{7FCA1908-EC09-46BB-B633-12D671CD2244}"/>
-              </a:ext>
-            </a:extLst>
-          </p:cNvPr>
-          <p:cNvSpPr txBox="1"/>
-          <p:nvPr/>
-        </p:nvSpPr>
-        <p:spPr>
-          <a:xfrm>
-            <a:off x="3199502" y="3055728"/>
-            <a:ext cx="4827916" cy="584775"/>
-          </a:xfrm>
-          <a:prstGeom prst="rect">
-            <a:avLst/>
-          </a:prstGeom>
-        </p:spPr>
-        <p:txBody>
-          <a:bodyPr rot="0" spcFirstLastPara="0" vertOverflow="overflow" horzOverflow="overflow" vert="horz" wrap="square" lIns="91440" tIns="45720" rIns="91440" bIns="45720" numCol="1" spcCol="0" rtlCol="0" fromWordArt="0" anchor="t" anchorCtr="0" forceAA="0" compatLnSpc="1">
-            <a:prstTxWarp prst="textNoShape">
-              <a:avLst/>
-            </a:prstTxWarp>
-            <a:spAutoFit/>
-          </a:bodyPr>
-          <a:lstStyle/>
-          <a:p>
-            <a:pPr algn="ctr"/>
-            <a:r>
-              <a:rPr lang="pt-BR" sz="3200" b="1" i="1" u="sng">
-                <a:cs typeface="Calibri"/>
-              </a:rPr>
-              <a:t>Capacidades : </a:t>
-            </a:r>
-            <a:endParaRPr lang="pt-BR"/>
-          </a:p>
-        </p:txBody>
-      </p:sp>
-      <p:sp>
-        <p:nvSpPr>
-          <p:cNvPr id="7" name="CaixaDeTexto 6">
-            <a:extLst>
-              <a:ext uri="{FF2B5EF4-FFF2-40B4-BE49-F238E27FC236}">
-                <a16:creationId xmlns:a16="http://schemas.microsoft.com/office/drawing/2014/main" id="{BF0B844E-C924-4EC3-B27F-D0C0220E391A}"/>
-              </a:ext>
-            </a:extLst>
-          </p:cNvPr>
-          <p:cNvSpPr txBox="1"/>
-          <p:nvPr/>
-        </p:nvSpPr>
-        <p:spPr>
-          <a:xfrm>
-            <a:off x="10041327" y="997968"/>
-            <a:ext cx="2743200" cy="369332"/>
-          </a:xfrm>
-          <a:prstGeom prst="rect">
-            <a:avLst/>
-          </a:prstGeom>
-        </p:spPr>
-        <p:txBody>
-          <a:bodyPr rot="0" spcFirstLastPara="0" vertOverflow="overflow" horzOverflow="overflow" vert="horz" wrap="square" lIns="91440" tIns="45720" rIns="91440" bIns="45720" numCol="1" spcCol="0" rtlCol="0" fromWordArt="0" anchor="t" anchorCtr="0" forceAA="0" compatLnSpc="1">
-            <a:prstTxWarp prst="textNoShape">
-              <a:avLst/>
-            </a:prstTxWarp>
-            <a:spAutoFit/>
-          </a:bodyPr>
-          <a:lstStyle/>
-          <a:p>
-            <a:r>
-              <a:rPr lang="pt-BR" b="1" i="1" u="sng">
-                <a:cs typeface="Calibri"/>
-              </a:rPr>
-              <a:t>Nós operacionais</a:t>
-            </a:r>
-          </a:p>
-        </p:txBody>
-      </p:sp>
-      <p:grpSp>
-        <p:nvGrpSpPr>
-          <p:cNvPr id="11" name="Agrupar 10">
-            <a:extLst>
-              <a:ext uri="{FF2B5EF4-FFF2-40B4-BE49-F238E27FC236}">
-                <a16:creationId xmlns:a16="http://schemas.microsoft.com/office/drawing/2014/main" id="{3203C5F3-8D03-4FC9-88D2-41B3ED0C877D}"/>
-              </a:ext>
-            </a:extLst>
-          </p:cNvPr>
-          <p:cNvGrpSpPr/>
-          <p:nvPr/>
-        </p:nvGrpSpPr>
-        <p:grpSpPr>
-          <a:xfrm>
-            <a:off x="2317630" y="4035725"/>
-            <a:ext cx="2590801" cy="1273834"/>
-            <a:chOff x="2317630" y="4035725"/>
-            <a:chExt cx="2590801" cy="1273834"/>
+            <a:off x="143775" y="196394"/>
+            <a:ext cx="12640752" cy="6570451"/>
+            <a:chOff x="143775" y="196394"/>
+            <a:chExt cx="12640752" cy="6570451"/>
           </a:xfrm>
         </p:grpSpPr>
         <p:sp>
           <p:nvSpPr>
-            <p:cNvPr id="25" name="CaixaDeTexto 24">
+            <p:cNvPr id="4" name="Retângulo 3">
               <a:extLst>
                 <a:ext uri="{FF2B5EF4-FFF2-40B4-BE49-F238E27FC236}">
-                  <a16:creationId xmlns:a16="http://schemas.microsoft.com/office/drawing/2014/main" id="{E53E8429-486C-49E3-A88D-600F0719554F}"/>
-                </a:ext>
-              </a:extLst>
-            </p:cNvPr>
-            <p:cNvSpPr txBox="1"/>
-            <p:nvPr/>
-          </p:nvSpPr>
-          <p:spPr>
-            <a:xfrm>
-              <a:off x="2323381" y="4247729"/>
-              <a:ext cx="2585050" cy="923330"/>
-            </a:xfrm>
-            <a:prstGeom prst="rect">
-              <a:avLst/>
-            </a:prstGeom>
-          </p:spPr>
-          <p:txBody>
-            <a:bodyPr rot="0" spcFirstLastPara="0" vertOverflow="overflow" horzOverflow="overflow" vert="horz" wrap="square" lIns="91440" tIns="45720" rIns="91440" bIns="45720" numCol="1" spcCol="0" rtlCol="0" fromWordArt="0" anchor="t" anchorCtr="0" forceAA="0" compatLnSpc="1">
-              <a:prstTxWarp prst="textNoShape">
-                <a:avLst/>
-              </a:prstTxWarp>
-              <a:spAutoFit/>
-            </a:bodyPr>
-            <a:lstStyle/>
-            <a:p>
-              <a:pPr marL="285750" indent="-285750">
-                <a:buFont typeface="Arial"/>
-                <a:buChar char="•"/>
-              </a:pPr>
-              <a:r>
-                <a:rPr lang="pt-BR" b="1" i="1" dirty="0">
-                  <a:cs typeface="Calibri"/>
-                </a:rPr>
-                <a:t>Cumprir regras </a:t>
-              </a:r>
-            </a:p>
-            <a:p>
-              <a:pPr marL="285750" indent="-285750">
-                <a:buFont typeface="Arial"/>
-                <a:buChar char="•"/>
-              </a:pPr>
-              <a:r>
-                <a:rPr lang="pt-BR" b="1" i="1" dirty="0">
-                  <a:cs typeface="Calibri"/>
-                </a:rPr>
-                <a:t>Executar atividades para função </a:t>
-              </a:r>
-            </a:p>
-          </p:txBody>
-        </p:sp>
-        <p:sp>
-          <p:nvSpPr>
-            <p:cNvPr id="12" name="Retângulo 11">
-              <a:extLst>
-                <a:ext uri="{FF2B5EF4-FFF2-40B4-BE49-F238E27FC236}">
-                  <a16:creationId xmlns:a16="http://schemas.microsoft.com/office/drawing/2014/main" id="{E9117F55-F054-4FBD-92C8-EA6D071EE605}"/>
+                  <a16:creationId xmlns:a16="http://schemas.microsoft.com/office/drawing/2014/main" id="{88C6BF1B-8B81-4A42-B266-9DF3168EF8CB}"/>
                 </a:ext>
               </a:extLst>
             </p:cNvPr>
@@ -5200,13 +4327,15 @@
           </p:nvSpPr>
           <p:spPr>
             <a:xfrm>
-              <a:off x="2317630" y="4035725"/>
-              <a:ext cx="2424022" cy="1273834"/>
+              <a:off x="143775" y="196394"/>
+              <a:ext cx="11904450" cy="6570451"/>
             </a:xfrm>
             <a:prstGeom prst="rect">
               <a:avLst/>
             </a:prstGeom>
-            <a:noFill/>
+            <a:solidFill>
+              <a:schemeClr val="bg1"/>
+            </a:solidFill>
             <a:ln>
               <a:solidFill>
                 <a:schemeClr val="tx1"/>
@@ -5234,37 +4363,16 @@
             <a:lstStyle/>
             <a:p>
               <a:pPr algn="ctr"/>
-              <a:endParaRPr lang="pt-BR" u="sng" dirty="0"/>
+              <a:endParaRPr lang="pt-BR" dirty="0"/>
             </a:p>
           </p:txBody>
         </p:sp>
-      </p:grpSp>
-      <p:grpSp>
-        <p:nvGrpSpPr>
-          <p:cNvPr id="14" name="Agrupar 13">
-            <a:extLst>
-              <a:ext uri="{FF2B5EF4-FFF2-40B4-BE49-F238E27FC236}">
-                <a16:creationId xmlns:a16="http://schemas.microsoft.com/office/drawing/2014/main" id="{52E15621-7F03-4345-B836-9C7FBBF4EDE5}"/>
-              </a:ext>
-            </a:extLst>
-          </p:cNvPr>
-          <p:cNvGrpSpPr/>
-          <p:nvPr/>
-        </p:nvGrpSpPr>
-        <p:grpSpPr>
-          <a:xfrm>
-            <a:off x="7205932" y="3820065"/>
-            <a:ext cx="2795496" cy="1671596"/>
-            <a:chOff x="7205932" y="3820064"/>
-            <a:chExt cx="2795496" cy="1762663"/>
-          </a:xfrm>
-        </p:grpSpPr>
         <p:sp>
           <p:nvSpPr>
-            <p:cNvPr id="28" name="CaixaDeTexto 27">
+            <p:cNvPr id="5" name="CaixaDeTexto 4">
               <a:extLst>
                 <a:ext uri="{FF2B5EF4-FFF2-40B4-BE49-F238E27FC236}">
-                  <a16:creationId xmlns:a16="http://schemas.microsoft.com/office/drawing/2014/main" id="{06F24E56-56C0-48DE-B993-B1CF84033F10}"/>
+                  <a16:creationId xmlns:a16="http://schemas.microsoft.com/office/drawing/2014/main" id="{1AEAEC07-A165-4D26-BBD3-BB0A2EE6FDCE}"/>
                 </a:ext>
               </a:extLst>
             </p:cNvPr>
@@ -5273,8 +4381,8 @@
           </p:nvSpPr>
           <p:spPr>
             <a:xfrm>
-              <a:off x="7272605" y="4109230"/>
-              <a:ext cx="2728823" cy="1265722"/>
+              <a:off x="151502" y="280898"/>
+              <a:ext cx="11915953" cy="584775"/>
             </a:xfrm>
             <a:prstGeom prst="rect">
               <a:avLst/>
@@ -5289,43 +4397,66 @@
             </a:bodyPr>
             <a:lstStyle/>
             <a:p>
-              <a:pPr marL="285750" indent="-285750">
-                <a:buFont typeface="Arial"/>
-                <a:buChar char="•"/>
-              </a:pPr>
+              <a:pPr algn="ctr"/>
               <a:r>
-                <a:rPr lang="pt-BR" b="1" i="1" dirty="0">
+                <a:rPr lang="pt-BR" sz="3200" b="1" i="1" u="sng" dirty="0">
                   <a:cs typeface="Calibri"/>
                 </a:rPr>
-                <a:t>Determinar atividades da função exercida</a:t>
+                <a:t>Cenário : Doar </a:t>
               </a:r>
-              <a:endParaRPr lang="pt-BR" dirty="0">
-                <a:cs typeface="Calibri"/>
-              </a:endParaRPr>
-            </a:p>
-            <a:p>
-              <a:pPr marL="285750" indent="-285750">
-                <a:buFont typeface="Arial"/>
-                <a:buChar char="•"/>
-              </a:pPr>
-              <a:r>
-                <a:rPr lang="pt-BR" b="1" i="1" dirty="0">
-                  <a:cs typeface="Calibri"/>
-                </a:rPr>
-                <a:t>Criar regras para função </a:t>
-              </a:r>
-              <a:endParaRPr lang="pt-BR" b="1" i="1" u="sng" dirty="0">
-                <a:cs typeface="Calibri"/>
-              </a:endParaRPr>
+              <a:endParaRPr lang="pt-BR" dirty="0"/>
             </a:p>
           </p:txBody>
         </p:sp>
+        <p:cxnSp>
+          <p:nvCxnSpPr>
+            <p:cNvPr id="6" name="Conector de Seta Reta 5">
+              <a:extLst>
+                <a:ext uri="{FF2B5EF4-FFF2-40B4-BE49-F238E27FC236}">
+                  <a16:creationId xmlns:a16="http://schemas.microsoft.com/office/drawing/2014/main" id="{3CA215E8-6B7A-4EE8-B19D-43965C2FFF51}"/>
+                </a:ext>
+              </a:extLst>
+            </p:cNvPr>
+            <p:cNvCxnSpPr>
+              <a:cxnSpLocks/>
+            </p:cNvCxnSpPr>
+            <p:nvPr/>
+          </p:nvCxnSpPr>
+          <p:spPr>
+            <a:xfrm flipV="1">
+              <a:off x="151502" y="932548"/>
+              <a:ext cx="11896723" cy="26601"/>
+            </a:xfrm>
+            <a:prstGeom prst="straightConnector1">
+              <a:avLst/>
+            </a:prstGeom>
+            <a:ln>
+              <a:solidFill>
+                <a:schemeClr val="tx1"/>
+              </a:solidFill>
+            </a:ln>
+          </p:spPr>
+          <p:style>
+            <a:lnRef idx="1">
+              <a:schemeClr val="accent1"/>
+            </a:lnRef>
+            <a:fillRef idx="0">
+              <a:schemeClr val="accent1"/>
+            </a:fillRef>
+            <a:effectRef idx="0">
+              <a:schemeClr val="accent1"/>
+            </a:effectRef>
+            <a:fontRef idx="minor">
+              <a:schemeClr val="tx1"/>
+            </a:fontRef>
+          </p:style>
+        </p:cxnSp>
         <p:sp>
           <p:nvSpPr>
-            <p:cNvPr id="33" name="Retângulo 32">
+            <p:cNvPr id="7" name="Retângulo 6">
               <a:extLst>
                 <a:ext uri="{FF2B5EF4-FFF2-40B4-BE49-F238E27FC236}">
-                  <a16:creationId xmlns:a16="http://schemas.microsoft.com/office/drawing/2014/main" id="{F00C5CCF-AC25-4099-8DD3-8B36FCAF56E7}"/>
+                  <a16:creationId xmlns:a16="http://schemas.microsoft.com/office/drawing/2014/main" id="{B85D8224-4133-4070-A5AB-3AE9CA1C3903}"/>
                 </a:ext>
               </a:extLst>
             </p:cNvPr>
@@ -5334,13 +4465,15 @@
           </p:nvSpPr>
           <p:spPr>
             <a:xfrm>
-              <a:off x="7205932" y="3820064"/>
-              <a:ext cx="2769078" cy="1762663"/>
+              <a:off x="7506059" y="1474757"/>
+              <a:ext cx="2041583" cy="1207696"/>
             </a:xfrm>
             <a:prstGeom prst="rect">
               <a:avLst/>
             </a:prstGeom>
-            <a:noFill/>
+            <a:solidFill>
+              <a:schemeClr val="bg1"/>
+            </a:solidFill>
             <a:ln>
               <a:solidFill>
                 <a:schemeClr val="tx1"/>
@@ -5372,11 +4505,634 @@
             </a:p>
           </p:txBody>
         </p:sp>
+        <p:sp>
+          <p:nvSpPr>
+            <p:cNvPr id="8" name="CaixaDeTexto 1">
+              <a:extLst>
+                <a:ext uri="{FF2B5EF4-FFF2-40B4-BE49-F238E27FC236}">
+                  <a16:creationId xmlns:a16="http://schemas.microsoft.com/office/drawing/2014/main" id="{BF9502B6-F748-4FC4-B6F9-18A1E394C2BC}"/>
+                </a:ext>
+              </a:extLst>
+            </p:cNvPr>
+            <p:cNvSpPr txBox="1"/>
+            <p:nvPr/>
+          </p:nvSpPr>
+          <p:spPr>
+            <a:xfrm>
+              <a:off x="7513698" y="1847491"/>
+              <a:ext cx="2041583" cy="523220"/>
+            </a:xfrm>
+            <a:prstGeom prst="rect">
+              <a:avLst/>
+            </a:prstGeom>
+          </p:spPr>
+          <p:txBody>
+            <a:bodyPr rot="0" spcFirstLastPara="0" vert="horz" wrap="square" lIns="91440" tIns="45720" rIns="91440" bIns="45720" numCol="1" spcCol="0" rtlCol="0" fromWordArt="0" anchor="t" anchorCtr="0" forceAA="0" compatLnSpc="1">
+              <a:prstTxWarp prst="textNoShape">
+                <a:avLst/>
+              </a:prstTxWarp>
+              <a:spAutoFit/>
+            </a:bodyPr>
+            <a:lstStyle>
+              <a:defPPr>
+                <a:defRPr lang="de-DE"/>
+              </a:defPPr>
+              <a:lvl1pPr marL="0" algn="l" defTabSz="914400" rtl="0" eaLnBrk="1" latinLnBrk="0" hangingPunct="1">
+                <a:defRPr sz="1800" kern="1200">
+                  <a:solidFill>
+                    <a:schemeClr val="tx1"/>
+                  </a:solidFill>
+                  <a:latin typeface="+mn-lt"/>
+                  <a:ea typeface="+mn-ea"/>
+                  <a:cs typeface="+mn-cs"/>
+                </a:defRPr>
+              </a:lvl1pPr>
+              <a:lvl2pPr marL="457200" algn="l" defTabSz="914400" rtl="0" eaLnBrk="1" latinLnBrk="0" hangingPunct="1">
+                <a:defRPr sz="1800" kern="1200">
+                  <a:solidFill>
+                    <a:schemeClr val="tx1"/>
+                  </a:solidFill>
+                  <a:latin typeface="+mn-lt"/>
+                  <a:ea typeface="+mn-ea"/>
+                  <a:cs typeface="+mn-cs"/>
+                </a:defRPr>
+              </a:lvl2pPr>
+              <a:lvl3pPr marL="914400" algn="l" defTabSz="914400" rtl="0" eaLnBrk="1" latinLnBrk="0" hangingPunct="1">
+                <a:defRPr sz="1800" kern="1200">
+                  <a:solidFill>
+                    <a:schemeClr val="tx1"/>
+                  </a:solidFill>
+                  <a:latin typeface="+mn-lt"/>
+                  <a:ea typeface="+mn-ea"/>
+                  <a:cs typeface="+mn-cs"/>
+                </a:defRPr>
+              </a:lvl3pPr>
+              <a:lvl4pPr marL="1371600" algn="l" defTabSz="914400" rtl="0" eaLnBrk="1" latinLnBrk="0" hangingPunct="1">
+                <a:defRPr sz="1800" kern="1200">
+                  <a:solidFill>
+                    <a:schemeClr val="tx1"/>
+                  </a:solidFill>
+                  <a:latin typeface="+mn-lt"/>
+                  <a:ea typeface="+mn-ea"/>
+                  <a:cs typeface="+mn-cs"/>
+                </a:defRPr>
+              </a:lvl4pPr>
+              <a:lvl5pPr marL="1828800" algn="l" defTabSz="914400" rtl="0" eaLnBrk="1" latinLnBrk="0" hangingPunct="1">
+                <a:defRPr sz="1800" kern="1200">
+                  <a:solidFill>
+                    <a:schemeClr val="tx1"/>
+                  </a:solidFill>
+                  <a:latin typeface="+mn-lt"/>
+                  <a:ea typeface="+mn-ea"/>
+                  <a:cs typeface="+mn-cs"/>
+                </a:defRPr>
+              </a:lvl5pPr>
+              <a:lvl6pPr marL="2286000" algn="l" defTabSz="914400" rtl="0" eaLnBrk="1" latinLnBrk="0" hangingPunct="1">
+                <a:defRPr sz="1800" kern="1200">
+                  <a:solidFill>
+                    <a:schemeClr val="tx1"/>
+                  </a:solidFill>
+                  <a:latin typeface="+mn-lt"/>
+                  <a:ea typeface="+mn-ea"/>
+                  <a:cs typeface="+mn-cs"/>
+                </a:defRPr>
+              </a:lvl6pPr>
+              <a:lvl7pPr marL="2743200" algn="l" defTabSz="914400" rtl="0" eaLnBrk="1" latinLnBrk="0" hangingPunct="1">
+                <a:defRPr sz="1800" kern="1200">
+                  <a:solidFill>
+                    <a:schemeClr val="tx1"/>
+                  </a:solidFill>
+                  <a:latin typeface="+mn-lt"/>
+                  <a:ea typeface="+mn-ea"/>
+                  <a:cs typeface="+mn-cs"/>
+                </a:defRPr>
+              </a:lvl7pPr>
+              <a:lvl8pPr marL="3200400" algn="l" defTabSz="914400" rtl="0" eaLnBrk="1" latinLnBrk="0" hangingPunct="1">
+                <a:defRPr sz="1800" kern="1200">
+                  <a:solidFill>
+                    <a:schemeClr val="tx1"/>
+                  </a:solidFill>
+                  <a:latin typeface="+mn-lt"/>
+                  <a:ea typeface="+mn-ea"/>
+                  <a:cs typeface="+mn-cs"/>
+                </a:defRPr>
+              </a:lvl8pPr>
+              <a:lvl9pPr marL="3657600" algn="l" defTabSz="914400" rtl="0" eaLnBrk="1" latinLnBrk="0" hangingPunct="1">
+                <a:defRPr sz="1800" kern="1200">
+                  <a:solidFill>
+                    <a:schemeClr val="tx1"/>
+                  </a:solidFill>
+                  <a:latin typeface="+mn-lt"/>
+                  <a:ea typeface="+mn-ea"/>
+                  <a:cs typeface="+mn-cs"/>
+                </a:defRPr>
+              </a:lvl9pPr>
+            </a:lstStyle>
+            <a:p>
+              <a:pPr algn="ctr"/>
+              <a:r>
+                <a:rPr lang="pt-BR" sz="2800" b="1" i="1" dirty="0">
+                  <a:cs typeface="Calibri"/>
+                </a:rPr>
+                <a:t>Financeiro </a:t>
+              </a:r>
+            </a:p>
+          </p:txBody>
+        </p:sp>
+        <p:grpSp>
+          <p:nvGrpSpPr>
+            <p:cNvPr id="9" name="Agrupar 8">
+              <a:extLst>
+                <a:ext uri="{FF2B5EF4-FFF2-40B4-BE49-F238E27FC236}">
+                  <a16:creationId xmlns:a16="http://schemas.microsoft.com/office/drawing/2014/main" id="{70EC6F40-B78A-4FA6-AEC6-D87F09F8F858}"/>
+                </a:ext>
+              </a:extLst>
+            </p:cNvPr>
+            <p:cNvGrpSpPr/>
+            <p:nvPr/>
+          </p:nvGrpSpPr>
+          <p:grpSpPr>
+            <a:xfrm>
+              <a:off x="2846358" y="1184155"/>
+              <a:ext cx="2053087" cy="1735678"/>
+              <a:chOff x="2846358" y="1184155"/>
+              <a:chExt cx="2053087" cy="1735678"/>
+            </a:xfrm>
+          </p:grpSpPr>
+          <p:pic>
+            <p:nvPicPr>
+              <p:cNvPr id="10" name="Imagem 6" descr="Uma imagem contendo objeto&#10;&#10;Descrição gerada com muito alta confiança">
+                <a:extLst>
+                  <a:ext uri="{FF2B5EF4-FFF2-40B4-BE49-F238E27FC236}">
+                    <a16:creationId xmlns:a16="http://schemas.microsoft.com/office/drawing/2014/main" id="{2EDB6AAB-80CB-4F3F-8B37-01FF56F250D4}"/>
+                  </a:ext>
+                </a:extLst>
+              </p:cNvPr>
+              <p:cNvPicPr>
+                <a:picLocks noChangeAspect="1"/>
+              </p:cNvPicPr>
+              <p:nvPr/>
+            </p:nvPicPr>
+            <p:blipFill>
+              <a:blip r:embed="rId2"/>
+              <a:stretch>
+                <a:fillRect/>
+              </a:stretch>
+            </p:blipFill>
+            <p:spPr>
+              <a:xfrm>
+                <a:off x="3199682" y="1184155"/>
+                <a:ext cx="832449" cy="1326672"/>
+              </a:xfrm>
+              <a:prstGeom prst="rect">
+                <a:avLst/>
+              </a:prstGeom>
+            </p:spPr>
+          </p:pic>
+          <p:sp>
+            <p:nvSpPr>
+              <p:cNvPr id="11" name="CaixaDeTexto 10">
+                <a:extLst>
+                  <a:ext uri="{FF2B5EF4-FFF2-40B4-BE49-F238E27FC236}">
+                    <a16:creationId xmlns:a16="http://schemas.microsoft.com/office/drawing/2014/main" id="{D2F17BB0-905F-429F-BA48-277307751C61}"/>
+                  </a:ext>
+                </a:extLst>
+              </p:cNvPr>
+              <p:cNvSpPr txBox="1"/>
+              <p:nvPr/>
+            </p:nvSpPr>
+            <p:spPr>
+              <a:xfrm>
+                <a:off x="2846358" y="2458168"/>
+                <a:ext cx="2053087" cy="461665"/>
+              </a:xfrm>
+              <a:prstGeom prst="rect">
+                <a:avLst/>
+              </a:prstGeom>
+            </p:spPr>
+            <p:txBody>
+              <a:bodyPr rot="0" spcFirstLastPara="0" vertOverflow="overflow" horzOverflow="overflow" vert="horz" wrap="square" lIns="91440" tIns="45720" rIns="91440" bIns="45720" numCol="1" spcCol="0" rtlCol="0" fromWordArt="0" anchor="t" anchorCtr="0" forceAA="0" compatLnSpc="1">
+                <a:prstTxWarp prst="textNoShape">
+                  <a:avLst/>
+                </a:prstTxWarp>
+                <a:spAutoFit/>
+              </a:bodyPr>
+              <a:lstStyle/>
+              <a:p>
+                <a:r>
+                  <a:rPr lang="pt-BR" sz="2400" b="1" i="1" dirty="0">
+                    <a:cs typeface="Calibri"/>
+                  </a:rPr>
+                  <a:t>Doador </a:t>
+                </a:r>
+                <a:endParaRPr lang="pt-BR" sz="2400" b="1" i="1" dirty="0"/>
+              </a:p>
+            </p:txBody>
+          </p:sp>
+        </p:grpSp>
+        <p:cxnSp>
+          <p:nvCxnSpPr>
+            <p:cNvPr id="12" name="Conector de Seta Reta 11">
+              <a:extLst>
+                <a:ext uri="{FF2B5EF4-FFF2-40B4-BE49-F238E27FC236}">
+                  <a16:creationId xmlns:a16="http://schemas.microsoft.com/office/drawing/2014/main" id="{AADFC01F-DE98-49E6-BCF3-4D209C12920F}"/>
+                </a:ext>
+              </a:extLst>
+            </p:cNvPr>
+            <p:cNvCxnSpPr>
+              <a:cxnSpLocks/>
+            </p:cNvCxnSpPr>
+            <p:nvPr/>
+          </p:nvCxnSpPr>
+          <p:spPr>
+            <a:xfrm>
+              <a:off x="8600535" y="2684253"/>
+              <a:ext cx="0" cy="1738415"/>
+            </a:xfrm>
+            <a:prstGeom prst="straightConnector1">
+              <a:avLst/>
+            </a:prstGeom>
+            <a:ln>
+              <a:solidFill>
+                <a:schemeClr val="tx1"/>
+              </a:solidFill>
+              <a:tailEnd type="triangle"/>
+            </a:ln>
+          </p:spPr>
+          <p:style>
+            <a:lnRef idx="1">
+              <a:schemeClr val="accent1"/>
+            </a:lnRef>
+            <a:fillRef idx="0">
+              <a:schemeClr val="accent1"/>
+            </a:fillRef>
+            <a:effectRef idx="0">
+              <a:schemeClr val="accent1"/>
+            </a:effectRef>
+            <a:fontRef idx="minor">
+              <a:schemeClr val="tx1"/>
+            </a:fontRef>
+          </p:style>
+        </p:cxnSp>
+        <p:cxnSp>
+          <p:nvCxnSpPr>
+            <p:cNvPr id="13" name="Conector de Seta Reta 12">
+              <a:extLst>
+                <a:ext uri="{FF2B5EF4-FFF2-40B4-BE49-F238E27FC236}">
+                  <a16:creationId xmlns:a16="http://schemas.microsoft.com/office/drawing/2014/main" id="{38305CCA-0FC0-4C75-8071-F8E8AE25FE80}"/>
+                </a:ext>
+              </a:extLst>
+            </p:cNvPr>
+            <p:cNvCxnSpPr>
+              <a:cxnSpLocks/>
+            </p:cNvCxnSpPr>
+            <p:nvPr/>
+          </p:nvCxnSpPr>
+          <p:spPr>
+            <a:xfrm flipH="1">
+              <a:off x="4032132" y="766357"/>
+              <a:ext cx="876299" cy="746205"/>
+            </a:xfrm>
+            <a:prstGeom prst="straightConnector1">
+              <a:avLst/>
+            </a:prstGeom>
+            <a:ln>
+              <a:solidFill>
+                <a:schemeClr val="tx1"/>
+              </a:solidFill>
+              <a:tailEnd type="triangle"/>
+            </a:ln>
+          </p:spPr>
+          <p:style>
+            <a:lnRef idx="1">
+              <a:schemeClr val="accent1"/>
+            </a:lnRef>
+            <a:fillRef idx="0">
+              <a:schemeClr val="accent1"/>
+            </a:fillRef>
+            <a:effectRef idx="0">
+              <a:schemeClr val="accent1"/>
+            </a:effectRef>
+            <a:fontRef idx="minor">
+              <a:schemeClr val="tx1"/>
+            </a:fontRef>
+          </p:style>
+        </p:cxnSp>
+        <p:sp>
+          <p:nvSpPr>
+            <p:cNvPr id="15" name="CaixaDeTexto 14">
+              <a:extLst>
+                <a:ext uri="{FF2B5EF4-FFF2-40B4-BE49-F238E27FC236}">
+                  <a16:creationId xmlns:a16="http://schemas.microsoft.com/office/drawing/2014/main" id="{1072E68A-2CFE-47FF-8235-BA0891062FB7}"/>
+                </a:ext>
+              </a:extLst>
+            </p:cNvPr>
+            <p:cNvSpPr txBox="1"/>
+            <p:nvPr/>
+          </p:nvSpPr>
+          <p:spPr>
+            <a:xfrm>
+              <a:off x="3331233" y="3658331"/>
+              <a:ext cx="4827916" cy="584775"/>
+            </a:xfrm>
+            <a:prstGeom prst="rect">
+              <a:avLst/>
+            </a:prstGeom>
+          </p:spPr>
+          <p:txBody>
+            <a:bodyPr rot="0" spcFirstLastPara="0" vertOverflow="overflow" horzOverflow="overflow" vert="horz" wrap="square" lIns="91440" tIns="45720" rIns="91440" bIns="45720" numCol="1" spcCol="0" rtlCol="0" fromWordArt="0" anchor="t" anchorCtr="0" forceAA="0" compatLnSpc="1">
+              <a:prstTxWarp prst="textNoShape">
+                <a:avLst/>
+              </a:prstTxWarp>
+              <a:spAutoFit/>
+            </a:bodyPr>
+            <a:lstStyle/>
+            <a:p>
+              <a:pPr algn="ctr"/>
+              <a:r>
+                <a:rPr lang="pt-BR" sz="3200" b="1" i="1" u="sng" dirty="0">
+                  <a:cs typeface="Calibri"/>
+                </a:rPr>
+                <a:t>Capacidades : </a:t>
+              </a:r>
+              <a:endParaRPr lang="pt-BR" dirty="0"/>
+            </a:p>
+          </p:txBody>
+        </p:sp>
+        <p:sp>
+          <p:nvSpPr>
+            <p:cNvPr id="16" name="CaixaDeTexto 15">
+              <a:extLst>
+                <a:ext uri="{FF2B5EF4-FFF2-40B4-BE49-F238E27FC236}">
+                  <a16:creationId xmlns:a16="http://schemas.microsoft.com/office/drawing/2014/main" id="{5FE7BE5C-46D4-4852-A65D-C8065BA82FF9}"/>
+                </a:ext>
+              </a:extLst>
+            </p:cNvPr>
+            <p:cNvSpPr txBox="1"/>
+            <p:nvPr/>
+          </p:nvSpPr>
+          <p:spPr>
+            <a:xfrm>
+              <a:off x="10041327" y="997968"/>
+              <a:ext cx="2743200" cy="369332"/>
+            </a:xfrm>
+            <a:prstGeom prst="rect">
+              <a:avLst/>
+            </a:prstGeom>
+          </p:spPr>
+          <p:txBody>
+            <a:bodyPr rot="0" spcFirstLastPara="0" vertOverflow="overflow" horzOverflow="overflow" vert="horz" wrap="square" lIns="91440" tIns="45720" rIns="91440" bIns="45720" numCol="1" spcCol="0" rtlCol="0" fromWordArt="0" anchor="t" anchorCtr="0" forceAA="0" compatLnSpc="1">
+              <a:prstTxWarp prst="textNoShape">
+                <a:avLst/>
+              </a:prstTxWarp>
+              <a:spAutoFit/>
+            </a:bodyPr>
+            <a:lstStyle/>
+            <a:p>
+              <a:r>
+                <a:rPr lang="pt-BR" b="1" i="1" u="sng">
+                  <a:cs typeface="Calibri"/>
+                </a:rPr>
+                <a:t>Nós operacionais</a:t>
+              </a:r>
+            </a:p>
+          </p:txBody>
+        </p:sp>
+        <p:grpSp>
+          <p:nvGrpSpPr>
+            <p:cNvPr id="20" name="Agrupar 19">
+              <a:extLst>
+                <a:ext uri="{FF2B5EF4-FFF2-40B4-BE49-F238E27FC236}">
+                  <a16:creationId xmlns:a16="http://schemas.microsoft.com/office/drawing/2014/main" id="{563ABF16-B5E2-4231-A0F2-37CCF9F052D9}"/>
+                </a:ext>
+              </a:extLst>
+            </p:cNvPr>
+            <p:cNvGrpSpPr/>
+            <p:nvPr/>
+          </p:nvGrpSpPr>
+          <p:grpSpPr>
+            <a:xfrm>
+              <a:off x="7337662" y="4422667"/>
+              <a:ext cx="3241437" cy="1801969"/>
+              <a:chOff x="7205932" y="3820064"/>
+              <a:chExt cx="2769078" cy="1900139"/>
+            </a:xfrm>
+          </p:grpSpPr>
+          <p:sp>
+            <p:nvSpPr>
+              <p:cNvPr id="21" name="CaixaDeTexto 20">
+                <a:extLst>
+                  <a:ext uri="{FF2B5EF4-FFF2-40B4-BE49-F238E27FC236}">
+                    <a16:creationId xmlns:a16="http://schemas.microsoft.com/office/drawing/2014/main" id="{65293A4E-D1A4-4BFC-B18A-9C448A820B5D}"/>
+                  </a:ext>
+                </a:extLst>
+              </p:cNvPr>
+              <p:cNvSpPr txBox="1"/>
+              <p:nvPr/>
+            </p:nvSpPr>
+            <p:spPr>
+              <a:xfrm>
+                <a:off x="7246187" y="4162392"/>
+                <a:ext cx="2728823" cy="1557811"/>
+              </a:xfrm>
+              <a:prstGeom prst="rect">
+                <a:avLst/>
+              </a:prstGeom>
+            </p:spPr>
+            <p:txBody>
+              <a:bodyPr rot="0" spcFirstLastPara="0" vertOverflow="overflow" horzOverflow="overflow" vert="horz" wrap="square" lIns="91440" tIns="45720" rIns="91440" bIns="45720" numCol="1" spcCol="0" rtlCol="0" fromWordArt="0" anchor="t" anchorCtr="0" forceAA="0" compatLnSpc="1">
+                <a:prstTxWarp prst="textNoShape">
+                  <a:avLst/>
+                </a:prstTxWarp>
+                <a:spAutoFit/>
+              </a:bodyPr>
+              <a:lstStyle/>
+              <a:p>
+                <a:pPr marL="285750" indent="-285750">
+                  <a:buFont typeface="Arial"/>
+                  <a:buChar char="•"/>
+                </a:pPr>
+                <a:r>
+                  <a:rPr lang="pt-BR" b="1" i="1" dirty="0">
+                    <a:cs typeface="Calibri"/>
+                  </a:rPr>
+                  <a:t>Recebe a Doação </a:t>
+                </a:r>
+                <a:endParaRPr lang="pt-BR" dirty="0">
+                  <a:cs typeface="Calibri"/>
+                </a:endParaRPr>
+              </a:p>
+              <a:p>
+                <a:pPr marL="285750" indent="-285750">
+                  <a:buFont typeface="Arial"/>
+                  <a:buChar char="•"/>
+                </a:pPr>
+                <a:r>
+                  <a:rPr lang="pt-BR" b="1" i="1" dirty="0">
+                    <a:cs typeface="Calibri"/>
+                  </a:rPr>
+                  <a:t>Emitir nota de recebimento</a:t>
+                </a:r>
+              </a:p>
+              <a:p>
+                <a:pPr marL="285750" indent="-285750">
+                  <a:buFont typeface="Arial"/>
+                  <a:buChar char="•"/>
+                </a:pPr>
+                <a:r>
+                  <a:rPr lang="pt-BR" b="1" i="1" dirty="0">
+                    <a:cs typeface="Calibri"/>
+                  </a:rPr>
+                  <a:t>Lançar contribuição no livro controle</a:t>
+                </a:r>
+              </a:p>
+            </p:txBody>
+          </p:sp>
+          <p:sp>
+            <p:nvSpPr>
+              <p:cNvPr id="22" name="Retângulo 21">
+                <a:extLst>
+                  <a:ext uri="{FF2B5EF4-FFF2-40B4-BE49-F238E27FC236}">
+                    <a16:creationId xmlns:a16="http://schemas.microsoft.com/office/drawing/2014/main" id="{03B94166-CC62-4486-B433-F9A38735B863}"/>
+                  </a:ext>
+                </a:extLst>
+              </p:cNvPr>
+              <p:cNvSpPr/>
+              <p:nvPr/>
+            </p:nvSpPr>
+            <p:spPr>
+              <a:xfrm>
+                <a:off x="7205932" y="3820064"/>
+                <a:ext cx="2769078" cy="1762663"/>
+              </a:xfrm>
+              <a:prstGeom prst="rect">
+                <a:avLst/>
+              </a:prstGeom>
+              <a:noFill/>
+              <a:ln>
+                <a:solidFill>
+                  <a:schemeClr val="tx1"/>
+                </a:solidFill>
+              </a:ln>
+            </p:spPr>
+            <p:style>
+              <a:lnRef idx="2">
+                <a:schemeClr val="accent1">
+                  <a:shade val="50000"/>
+                </a:schemeClr>
+              </a:lnRef>
+              <a:fillRef idx="1">
+                <a:schemeClr val="accent1"/>
+              </a:fillRef>
+              <a:effectRef idx="0">
+                <a:schemeClr val="accent1"/>
+              </a:effectRef>
+              <a:fontRef idx="minor">
+                <a:schemeClr val="lt1"/>
+              </a:fontRef>
+            </p:style>
+            <p:txBody>
+              <a:bodyPr rtlCol="0" anchor="ctr"/>
+              <a:lstStyle/>
+              <a:p>
+                <a:pPr algn="ctr"/>
+                <a:endParaRPr lang="pt-BR" dirty="0"/>
+              </a:p>
+            </p:txBody>
+          </p:sp>
+        </p:grpSp>
+        <p:cxnSp>
+          <p:nvCxnSpPr>
+            <p:cNvPr id="24" name="Conector de Seta Reta 23">
+              <a:extLst>
+                <a:ext uri="{FF2B5EF4-FFF2-40B4-BE49-F238E27FC236}">
+                  <a16:creationId xmlns:a16="http://schemas.microsoft.com/office/drawing/2014/main" id="{C7F7721A-A33C-4610-8D10-0D8225B21C1F}"/>
+                </a:ext>
+              </a:extLst>
+            </p:cNvPr>
+            <p:cNvCxnSpPr>
+              <a:cxnSpLocks/>
+            </p:cNvCxnSpPr>
+            <p:nvPr/>
+          </p:nvCxnSpPr>
+          <p:spPr>
+            <a:xfrm flipV="1">
+              <a:off x="160460" y="3309198"/>
+              <a:ext cx="11887765" cy="1"/>
+            </a:xfrm>
+            <a:prstGeom prst="straightConnector1">
+              <a:avLst/>
+            </a:prstGeom>
+            <a:ln>
+              <a:solidFill>
+                <a:schemeClr val="tx1"/>
+              </a:solidFill>
+            </a:ln>
+          </p:spPr>
+          <p:style>
+            <a:lnRef idx="1">
+              <a:schemeClr val="accent1"/>
+            </a:lnRef>
+            <a:fillRef idx="0">
+              <a:schemeClr val="accent1"/>
+            </a:fillRef>
+            <a:effectRef idx="0">
+              <a:schemeClr val="accent1"/>
+            </a:effectRef>
+            <a:fontRef idx="minor">
+              <a:schemeClr val="tx1"/>
+            </a:fontRef>
+          </p:style>
+        </p:cxnSp>
       </p:grpSp>
+      <p:cxnSp>
+        <p:nvCxnSpPr>
+          <p:cNvPr id="25" name="Conector de Seta Reta 24">
+            <a:extLst>
+              <a:ext uri="{FF2B5EF4-FFF2-40B4-BE49-F238E27FC236}">
+                <a16:creationId xmlns:a16="http://schemas.microsoft.com/office/drawing/2014/main" id="{1A2793BB-33AA-4F95-8502-5B9663DA9DAF}"/>
+              </a:ext>
+            </a:extLst>
+          </p:cNvPr>
+          <p:cNvCxnSpPr>
+            <a:cxnSpLocks/>
+          </p:cNvCxnSpPr>
+          <p:nvPr/>
+        </p:nvCxnSpPr>
+        <p:spPr>
+          <a:xfrm>
+            <a:off x="7028692" y="767448"/>
+            <a:ext cx="863283" cy="599852"/>
+          </a:xfrm>
+          <a:prstGeom prst="straightConnector1">
+            <a:avLst/>
+          </a:prstGeom>
+          <a:ln>
+            <a:solidFill>
+              <a:schemeClr val="tx1"/>
+            </a:solidFill>
+            <a:tailEnd type="triangle"/>
+          </a:ln>
+        </p:spPr>
+        <p:style>
+          <a:lnRef idx="1">
+            <a:schemeClr val="accent1"/>
+          </a:lnRef>
+          <a:fillRef idx="0">
+            <a:schemeClr val="accent1"/>
+          </a:fillRef>
+          <a:effectRef idx="0">
+            <a:schemeClr val="accent1"/>
+          </a:effectRef>
+          <a:fontRef idx="minor">
+            <a:schemeClr val="tx1"/>
+          </a:fontRef>
+        </p:style>
+      </p:cxnSp>
     </p:spTree>
     <p:extLst>
       <p:ext uri="{BB962C8B-B14F-4D97-AF65-F5344CB8AC3E}">
-        <p14:creationId xmlns:p14="http://schemas.microsoft.com/office/powerpoint/2010/main" val="1053286159"/>
+        <p14:creationId xmlns:p14="http://schemas.microsoft.com/office/powerpoint/2010/main" val="1252196786"/>
       </p:ext>
     </p:extLst>
   </p:cSld>
@@ -5408,7 +5164,7 @@
           <p:cNvPr id="4" name="Retângulo 3">
             <a:extLst>
               <a:ext uri="{FF2B5EF4-FFF2-40B4-BE49-F238E27FC236}">
-                <a16:creationId xmlns:a16="http://schemas.microsoft.com/office/drawing/2014/main" id="{CEF9C6BA-8DDB-476C-86AF-98DA05BAF666}"/>
+                <a16:creationId xmlns:a16="http://schemas.microsoft.com/office/drawing/2014/main" id="{3DF07C34-0710-49B7-89C7-9BEA9D436CC1}"/>
               </a:ext>
             </a:extLst>
           </p:cNvPr>
@@ -5417,14 +5173,1097 @@
         </p:nvSpPr>
         <p:spPr>
           <a:xfrm>
-            <a:off x="143775" y="106213"/>
-            <a:ext cx="11904450" cy="6570451"/>
+            <a:off x="718523" y="664975"/>
+            <a:ext cx="1518249" cy="835573"/>
           </a:xfrm>
           <a:prstGeom prst="rect">
             <a:avLst/>
           </a:prstGeom>
+        </p:spPr>
+        <p:style>
+          <a:lnRef idx="2">
+            <a:schemeClr val="dk1"/>
+          </a:lnRef>
+          <a:fillRef idx="1">
+            <a:schemeClr val="lt1"/>
+          </a:fillRef>
+          <a:effectRef idx="0">
+            <a:schemeClr val="dk1"/>
+          </a:effectRef>
+          <a:fontRef idx="minor">
+            <a:schemeClr val="dk1"/>
+          </a:fontRef>
+        </p:style>
+        <p:txBody>
+          <a:bodyPr rtlCol="0" anchor="ctr"/>
+          <a:lstStyle/>
+          <a:p>
+            <a:pPr algn="ctr"/>
+            <a:r>
+              <a:rPr lang="pt-BR" dirty="0">
+                <a:cs typeface="Calibri"/>
+              </a:rPr>
+              <a:t>Interessado</a:t>
+            </a:r>
+            <a:endParaRPr lang="pt-BR" dirty="0"/>
+          </a:p>
+        </p:txBody>
+      </p:sp>
+      <p:sp>
+        <p:nvSpPr>
+          <p:cNvPr id="5" name="Retângulo 4">
+            <a:extLst>
+              <a:ext uri="{FF2B5EF4-FFF2-40B4-BE49-F238E27FC236}">
+                <a16:creationId xmlns:a16="http://schemas.microsoft.com/office/drawing/2014/main" id="{D6DC5FA4-21B9-44B2-B1CC-A3F70AA423A1}"/>
+              </a:ext>
+            </a:extLst>
+          </p:cNvPr>
+          <p:cNvSpPr/>
+          <p:nvPr/>
+        </p:nvSpPr>
+        <p:spPr>
+          <a:xfrm>
+            <a:off x="714307" y="5555013"/>
+            <a:ext cx="1518249" cy="914400"/>
+          </a:xfrm>
+          <a:prstGeom prst="rect">
+            <a:avLst/>
+          </a:prstGeom>
           <a:solidFill>
-            <a:schemeClr val="bg1"/>
+            <a:schemeClr val="bg2">
+              <a:lumMod val="75000"/>
+            </a:schemeClr>
+          </a:solidFill>
+        </p:spPr>
+        <p:style>
+          <a:lnRef idx="2">
+            <a:schemeClr val="dk1"/>
+          </a:lnRef>
+          <a:fillRef idx="1">
+            <a:schemeClr val="lt1"/>
+          </a:fillRef>
+          <a:effectRef idx="0">
+            <a:schemeClr val="dk1"/>
+          </a:effectRef>
+          <a:fontRef idx="minor">
+            <a:schemeClr val="dk1"/>
+          </a:fontRef>
+        </p:style>
+        <p:txBody>
+          <a:bodyPr rtlCol="0" anchor="ctr"/>
+          <a:lstStyle/>
+          <a:p>
+            <a:pPr algn="ctr"/>
+            <a:r>
+              <a:rPr lang="pt-BR" dirty="0">
+                <a:cs typeface="Calibri"/>
+              </a:rPr>
+              <a:t>Agenda</a:t>
+            </a:r>
+            <a:endParaRPr lang="pt-BR" dirty="0"/>
+          </a:p>
+        </p:txBody>
+      </p:sp>
+      <p:sp>
+        <p:nvSpPr>
+          <p:cNvPr id="6" name="Retângulo 5">
+            <a:extLst>
+              <a:ext uri="{FF2B5EF4-FFF2-40B4-BE49-F238E27FC236}">
+                <a16:creationId xmlns:a16="http://schemas.microsoft.com/office/drawing/2014/main" id="{0D121E13-86CB-44FA-86E7-521BF94F33AB}"/>
+              </a:ext>
+            </a:extLst>
+          </p:cNvPr>
+          <p:cNvSpPr/>
+          <p:nvPr/>
+        </p:nvSpPr>
+        <p:spPr>
+          <a:xfrm>
+            <a:off x="2987169" y="5568152"/>
+            <a:ext cx="1676399" cy="914400"/>
+          </a:xfrm>
+          <a:prstGeom prst="rect">
+            <a:avLst/>
+          </a:prstGeom>
+          <a:solidFill>
+            <a:schemeClr val="bg2">
+              <a:lumMod val="75000"/>
+            </a:schemeClr>
+          </a:solidFill>
+        </p:spPr>
+        <p:style>
+          <a:lnRef idx="2">
+            <a:schemeClr val="dk1"/>
+          </a:lnRef>
+          <a:fillRef idx="1">
+            <a:schemeClr val="lt1"/>
+          </a:fillRef>
+          <a:effectRef idx="0">
+            <a:schemeClr val="dk1"/>
+          </a:effectRef>
+          <a:fontRef idx="minor">
+            <a:schemeClr val="dk1"/>
+          </a:fontRef>
+        </p:style>
+        <p:txBody>
+          <a:bodyPr rtlCol="0" anchor="ctr"/>
+          <a:lstStyle/>
+          <a:p>
+            <a:pPr algn="ctr"/>
+            <a:r>
+              <a:rPr lang="pt-BR" dirty="0">
+                <a:cs typeface="Calibri"/>
+              </a:rPr>
+              <a:t>Docs. Matrícula</a:t>
+            </a:r>
+            <a:endParaRPr lang="pt-BR" dirty="0" err="1"/>
+          </a:p>
+        </p:txBody>
+      </p:sp>
+      <p:sp>
+        <p:nvSpPr>
+          <p:cNvPr id="7" name="Retângulo 6">
+            <a:extLst>
+              <a:ext uri="{FF2B5EF4-FFF2-40B4-BE49-F238E27FC236}">
+                <a16:creationId xmlns:a16="http://schemas.microsoft.com/office/drawing/2014/main" id="{DB6AA2D3-CC34-47AC-B9BF-DC4905190EE6}"/>
+              </a:ext>
+            </a:extLst>
+          </p:cNvPr>
+          <p:cNvSpPr/>
+          <p:nvPr/>
+        </p:nvSpPr>
+        <p:spPr>
+          <a:xfrm>
+            <a:off x="5214420" y="5555012"/>
+            <a:ext cx="1518249" cy="914400"/>
+          </a:xfrm>
+          <a:prstGeom prst="rect">
+            <a:avLst/>
+          </a:prstGeom>
+          <a:solidFill>
+            <a:schemeClr val="bg2">
+              <a:lumMod val="75000"/>
+            </a:schemeClr>
+          </a:solidFill>
+        </p:spPr>
+        <p:style>
+          <a:lnRef idx="2">
+            <a:schemeClr val="dk1"/>
+          </a:lnRef>
+          <a:fillRef idx="1">
+            <a:schemeClr val="lt1"/>
+          </a:fillRef>
+          <a:effectRef idx="0">
+            <a:schemeClr val="dk1"/>
+          </a:effectRef>
+          <a:fontRef idx="minor">
+            <a:schemeClr val="dk1"/>
+          </a:fontRef>
+        </p:style>
+        <p:txBody>
+          <a:bodyPr rtlCol="0" anchor="ctr"/>
+          <a:lstStyle/>
+          <a:p>
+            <a:pPr algn="ctr"/>
+            <a:r>
+              <a:rPr lang="pt-BR" dirty="0">
+                <a:cs typeface="Calibri"/>
+              </a:rPr>
+              <a:t>Matrícula</a:t>
+            </a:r>
+            <a:endParaRPr lang="pt-BR" dirty="0"/>
+          </a:p>
+        </p:txBody>
+      </p:sp>
+      <p:sp>
+        <p:nvSpPr>
+          <p:cNvPr id="8" name="Retângulo 7">
+            <a:extLst>
+              <a:ext uri="{FF2B5EF4-FFF2-40B4-BE49-F238E27FC236}">
+                <a16:creationId xmlns:a16="http://schemas.microsoft.com/office/drawing/2014/main" id="{AC1E93BF-8332-4DE3-970E-1DE4D2C705D3}"/>
+              </a:ext>
+            </a:extLst>
+          </p:cNvPr>
+          <p:cNvSpPr/>
+          <p:nvPr/>
+        </p:nvSpPr>
+        <p:spPr>
+          <a:xfrm>
+            <a:off x="7529175" y="5555013"/>
+            <a:ext cx="1518249" cy="914400"/>
+          </a:xfrm>
+          <a:prstGeom prst="rect">
+            <a:avLst/>
+          </a:prstGeom>
+          <a:solidFill>
+            <a:schemeClr val="bg2">
+              <a:lumMod val="75000"/>
+            </a:schemeClr>
+          </a:solidFill>
+        </p:spPr>
+        <p:style>
+          <a:lnRef idx="2">
+            <a:schemeClr val="dk1"/>
+          </a:lnRef>
+          <a:fillRef idx="1">
+            <a:schemeClr val="lt1"/>
+          </a:fillRef>
+          <a:effectRef idx="0">
+            <a:schemeClr val="dk1"/>
+          </a:effectRef>
+          <a:fontRef idx="minor">
+            <a:schemeClr val="dk1"/>
+          </a:fontRef>
+        </p:style>
+        <p:txBody>
+          <a:bodyPr rtlCol="0" anchor="ctr"/>
+          <a:lstStyle/>
+          <a:p>
+            <a:pPr algn="ctr"/>
+            <a:r>
+              <a:rPr lang="pt-BR" dirty="0">
+                <a:cs typeface="Calibri"/>
+              </a:rPr>
+              <a:t>Caixa</a:t>
+            </a:r>
+            <a:endParaRPr lang="pt-BR" dirty="0"/>
+          </a:p>
+        </p:txBody>
+      </p:sp>
+      <p:sp>
+        <p:nvSpPr>
+          <p:cNvPr id="9" name="Elipse 8">
+            <a:extLst>
+              <a:ext uri="{FF2B5EF4-FFF2-40B4-BE49-F238E27FC236}">
+                <a16:creationId xmlns:a16="http://schemas.microsoft.com/office/drawing/2014/main" id="{1138C9A4-44A3-4671-9771-6F24ED7525F2}"/>
+              </a:ext>
+            </a:extLst>
+          </p:cNvPr>
+          <p:cNvSpPr/>
+          <p:nvPr/>
+        </p:nvSpPr>
+        <p:spPr>
+          <a:xfrm>
+            <a:off x="717870" y="2302354"/>
+            <a:ext cx="1992701" cy="1848928"/>
+          </a:xfrm>
+          <a:prstGeom prst="ellipse">
+            <a:avLst/>
+          </a:prstGeom>
+          <a:ln>
+            <a:solidFill>
+              <a:schemeClr val="tx1"/>
+            </a:solidFill>
+          </a:ln>
+        </p:spPr>
+        <p:style>
+          <a:lnRef idx="2">
+            <a:schemeClr val="accent6"/>
+          </a:lnRef>
+          <a:fillRef idx="1">
+            <a:schemeClr val="lt1"/>
+          </a:fillRef>
+          <a:effectRef idx="0">
+            <a:schemeClr val="accent6"/>
+          </a:effectRef>
+          <a:fontRef idx="minor">
+            <a:schemeClr val="dk1"/>
+          </a:fontRef>
+        </p:style>
+        <p:txBody>
+          <a:bodyPr rtlCol="0" anchor="ctr"/>
+          <a:lstStyle/>
+          <a:p>
+            <a:pPr algn="ctr"/>
+            <a:r>
+              <a:rPr lang="pt-BR" dirty="0">
+                <a:solidFill>
+                  <a:srgbClr val="000000"/>
+                </a:solidFill>
+                <a:cs typeface="Calibri"/>
+              </a:rPr>
+              <a:t>Fornecer Informações</a:t>
+            </a:r>
+            <a:endParaRPr lang="pt-BR" dirty="0">
+              <a:solidFill>
+                <a:srgbClr val="000000"/>
+              </a:solidFill>
+            </a:endParaRPr>
+          </a:p>
+        </p:txBody>
+      </p:sp>
+      <p:cxnSp>
+        <p:nvCxnSpPr>
+          <p:cNvPr id="10" name="Conector de Seta Reta 9">
+            <a:extLst>
+              <a:ext uri="{FF2B5EF4-FFF2-40B4-BE49-F238E27FC236}">
+                <a16:creationId xmlns:a16="http://schemas.microsoft.com/office/drawing/2014/main" id="{EC094C44-981B-4956-9D56-D03C64510FCA}"/>
+              </a:ext>
+            </a:extLst>
+          </p:cNvPr>
+          <p:cNvCxnSpPr/>
+          <p:nvPr/>
+        </p:nvCxnSpPr>
+        <p:spPr>
+          <a:xfrm flipH="1">
+            <a:off x="1954117" y="1503263"/>
+            <a:ext cx="5751" cy="833096"/>
+          </a:xfrm>
+          <a:prstGeom prst="straightConnector1">
+            <a:avLst/>
+          </a:prstGeom>
+          <a:ln>
+            <a:solidFill>
+              <a:schemeClr val="tx1"/>
+            </a:solidFill>
+            <a:tailEnd type="triangle"/>
+          </a:ln>
+        </p:spPr>
+        <p:style>
+          <a:lnRef idx="1">
+            <a:schemeClr val="accent1"/>
+          </a:lnRef>
+          <a:fillRef idx="0">
+            <a:schemeClr val="accent1"/>
+          </a:fillRef>
+          <a:effectRef idx="0">
+            <a:schemeClr val="accent1"/>
+          </a:effectRef>
+          <a:fontRef idx="minor">
+            <a:schemeClr val="tx1"/>
+          </a:fontRef>
+        </p:style>
+      </p:cxnSp>
+      <p:cxnSp>
+        <p:nvCxnSpPr>
+          <p:cNvPr id="11" name="Conector de Seta Reta 10">
+            <a:extLst>
+              <a:ext uri="{FF2B5EF4-FFF2-40B4-BE49-F238E27FC236}">
+                <a16:creationId xmlns:a16="http://schemas.microsoft.com/office/drawing/2014/main" id="{B2C87742-0A7D-46C0-9441-9EED33272C27}"/>
+              </a:ext>
+            </a:extLst>
+          </p:cNvPr>
+          <p:cNvCxnSpPr/>
+          <p:nvPr/>
+        </p:nvCxnSpPr>
+        <p:spPr>
+          <a:xfrm flipV="1">
+            <a:off x="871495" y="4166340"/>
+            <a:ext cx="701468" cy="1387959"/>
+          </a:xfrm>
+          <a:prstGeom prst="straightConnector1">
+            <a:avLst/>
+          </a:prstGeom>
+          <a:ln>
+            <a:solidFill>
+              <a:schemeClr val="tx1"/>
+            </a:solidFill>
+            <a:tailEnd type="triangle"/>
+          </a:ln>
+        </p:spPr>
+        <p:style>
+          <a:lnRef idx="1">
+            <a:schemeClr val="accent1"/>
+          </a:lnRef>
+          <a:fillRef idx="0">
+            <a:schemeClr val="accent1"/>
+          </a:fillRef>
+          <a:effectRef idx="0">
+            <a:schemeClr val="accent1"/>
+          </a:effectRef>
+          <a:fontRef idx="minor">
+            <a:schemeClr val="tx1"/>
+          </a:fontRef>
+        </p:style>
+      </p:cxnSp>
+      <p:cxnSp>
+        <p:nvCxnSpPr>
+          <p:cNvPr id="12" name="Conector de Seta Reta 11">
+            <a:extLst>
+              <a:ext uri="{FF2B5EF4-FFF2-40B4-BE49-F238E27FC236}">
+                <a16:creationId xmlns:a16="http://schemas.microsoft.com/office/drawing/2014/main" id="{F9B2E167-1300-4F32-A2BE-F5BECF8346C7}"/>
+              </a:ext>
+            </a:extLst>
+          </p:cNvPr>
+          <p:cNvCxnSpPr/>
+          <p:nvPr/>
+        </p:nvCxnSpPr>
+        <p:spPr>
+          <a:xfrm flipH="1" flipV="1">
+            <a:off x="2026935" y="4127268"/>
+            <a:ext cx="1085043" cy="1403576"/>
+          </a:xfrm>
+          <a:prstGeom prst="straightConnector1">
+            <a:avLst/>
+          </a:prstGeom>
+          <a:ln>
+            <a:solidFill>
+              <a:schemeClr val="tx1"/>
+            </a:solidFill>
+            <a:tailEnd type="triangle"/>
+          </a:ln>
+        </p:spPr>
+        <p:style>
+          <a:lnRef idx="1">
+            <a:schemeClr val="accent1"/>
+          </a:lnRef>
+          <a:fillRef idx="0">
+            <a:schemeClr val="accent1"/>
+          </a:fillRef>
+          <a:effectRef idx="0">
+            <a:schemeClr val="accent1"/>
+          </a:effectRef>
+          <a:fontRef idx="minor">
+            <a:schemeClr val="tx1"/>
+          </a:fontRef>
+        </p:style>
+      </p:cxnSp>
+      <p:sp>
+        <p:nvSpPr>
+          <p:cNvPr id="13" name="Elipse 12">
+            <a:extLst>
+              <a:ext uri="{FF2B5EF4-FFF2-40B4-BE49-F238E27FC236}">
+                <a16:creationId xmlns:a16="http://schemas.microsoft.com/office/drawing/2014/main" id="{C214B13E-7A0D-4B25-B250-84110A3D3FE6}"/>
+              </a:ext>
+            </a:extLst>
+          </p:cNvPr>
+          <p:cNvSpPr/>
+          <p:nvPr/>
+        </p:nvSpPr>
+        <p:spPr>
+          <a:xfrm>
+            <a:off x="4462924" y="2302353"/>
+            <a:ext cx="1992701" cy="1848928"/>
+          </a:xfrm>
+          <a:prstGeom prst="ellipse">
+            <a:avLst/>
+          </a:prstGeom>
+          <a:ln>
+            <a:solidFill>
+              <a:schemeClr val="tx1"/>
+            </a:solidFill>
+          </a:ln>
+        </p:spPr>
+        <p:style>
+          <a:lnRef idx="2">
+            <a:schemeClr val="accent6"/>
+          </a:lnRef>
+          <a:fillRef idx="1">
+            <a:schemeClr val="lt1"/>
+          </a:fillRef>
+          <a:effectRef idx="0">
+            <a:schemeClr val="accent6"/>
+          </a:effectRef>
+          <a:fontRef idx="minor">
+            <a:schemeClr val="dk1"/>
+          </a:fontRef>
+        </p:style>
+        <p:txBody>
+          <a:bodyPr rtlCol="0" anchor="ctr"/>
+          <a:lstStyle/>
+          <a:p>
+            <a:pPr algn="ctr"/>
+            <a:r>
+              <a:rPr lang="pt-BR" dirty="0">
+                <a:solidFill>
+                  <a:srgbClr val="000000"/>
+                </a:solidFill>
+                <a:cs typeface="Calibri"/>
+              </a:rPr>
+              <a:t>Realizar </a:t>
+            </a:r>
+          </a:p>
+          <a:p>
+            <a:pPr algn="ctr"/>
+            <a:r>
+              <a:rPr lang="pt-BR" dirty="0">
+                <a:solidFill>
+                  <a:srgbClr val="000000"/>
+                </a:solidFill>
+                <a:cs typeface="Calibri"/>
+              </a:rPr>
+              <a:t>Matrícula</a:t>
+            </a:r>
+          </a:p>
+        </p:txBody>
+      </p:sp>
+      <p:cxnSp>
+        <p:nvCxnSpPr>
+          <p:cNvPr id="15" name="Conector de Seta Reta 14">
+            <a:extLst>
+              <a:ext uri="{FF2B5EF4-FFF2-40B4-BE49-F238E27FC236}">
+                <a16:creationId xmlns:a16="http://schemas.microsoft.com/office/drawing/2014/main" id="{553504CF-FC69-4035-BF67-2F37A415AD75}"/>
+              </a:ext>
+            </a:extLst>
+          </p:cNvPr>
+          <p:cNvCxnSpPr>
+            <a:cxnSpLocks/>
+          </p:cNvCxnSpPr>
+          <p:nvPr/>
+        </p:nvCxnSpPr>
+        <p:spPr>
+          <a:xfrm>
+            <a:off x="5683358" y="4157371"/>
+            <a:ext cx="15566" cy="1388854"/>
+          </a:xfrm>
+          <a:prstGeom prst="straightConnector1">
+            <a:avLst/>
+          </a:prstGeom>
+          <a:ln>
+            <a:solidFill>
+              <a:schemeClr val="tx1"/>
+            </a:solidFill>
+            <a:tailEnd type="triangle"/>
+          </a:ln>
+        </p:spPr>
+        <p:style>
+          <a:lnRef idx="1">
+            <a:schemeClr val="accent1"/>
+          </a:lnRef>
+          <a:fillRef idx="0">
+            <a:schemeClr val="accent1"/>
+          </a:fillRef>
+          <a:effectRef idx="0">
+            <a:schemeClr val="accent1"/>
+          </a:effectRef>
+          <a:fontRef idx="minor">
+            <a:schemeClr val="tx1"/>
+          </a:fontRef>
+        </p:style>
+      </p:cxnSp>
+      <p:cxnSp>
+        <p:nvCxnSpPr>
+          <p:cNvPr id="16" name="Conector de Seta Reta 15">
+            <a:extLst>
+              <a:ext uri="{FF2B5EF4-FFF2-40B4-BE49-F238E27FC236}">
+                <a16:creationId xmlns:a16="http://schemas.microsoft.com/office/drawing/2014/main" id="{DF3AD3C6-D9B2-4E6F-B47F-15F839968BC7}"/>
+              </a:ext>
+            </a:extLst>
+          </p:cNvPr>
+          <p:cNvCxnSpPr>
+            <a:cxnSpLocks/>
+          </p:cNvCxnSpPr>
+          <p:nvPr/>
+        </p:nvCxnSpPr>
+        <p:spPr>
+          <a:xfrm>
+            <a:off x="8615843" y="3163601"/>
+            <a:ext cx="5156" cy="2392789"/>
+          </a:xfrm>
+          <a:prstGeom prst="straightConnector1">
+            <a:avLst/>
+          </a:prstGeom>
+          <a:ln>
+            <a:solidFill>
+              <a:schemeClr val="tx1"/>
+            </a:solidFill>
+            <a:tailEnd type="triangle"/>
+          </a:ln>
+        </p:spPr>
+        <p:style>
+          <a:lnRef idx="1">
+            <a:schemeClr val="accent1"/>
+          </a:lnRef>
+          <a:fillRef idx="0">
+            <a:schemeClr val="accent1"/>
+          </a:fillRef>
+          <a:effectRef idx="0">
+            <a:schemeClr val="accent1"/>
+          </a:effectRef>
+          <a:fontRef idx="minor">
+            <a:schemeClr val="tx1"/>
+          </a:fontRef>
+        </p:style>
+      </p:cxnSp>
+      <p:sp>
+        <p:nvSpPr>
+          <p:cNvPr id="17" name="CaixaDeTexto 16">
+            <a:extLst>
+              <a:ext uri="{FF2B5EF4-FFF2-40B4-BE49-F238E27FC236}">
+                <a16:creationId xmlns:a16="http://schemas.microsoft.com/office/drawing/2014/main" id="{7B775DFD-739F-4C74-B743-6D77D03D3AAD}"/>
+              </a:ext>
+            </a:extLst>
+          </p:cNvPr>
+          <p:cNvSpPr txBox="1"/>
+          <p:nvPr/>
+        </p:nvSpPr>
+        <p:spPr>
+          <a:xfrm>
+            <a:off x="212109" y="1813449"/>
+            <a:ext cx="1744718" cy="307777"/>
+          </a:xfrm>
+          <a:prstGeom prst="rect">
+            <a:avLst/>
+          </a:prstGeom>
+        </p:spPr>
+        <p:txBody>
+          <a:bodyPr rot="0" spcFirstLastPara="0" vertOverflow="overflow" horzOverflow="overflow" vert="horz" wrap="square" lIns="91440" tIns="45720" rIns="91440" bIns="45720" numCol="1" spcCol="0" rtlCol="0" fromWordArt="0" anchor="t" anchorCtr="0" forceAA="0" compatLnSpc="1">
+            <a:prstTxWarp prst="textNoShape">
+              <a:avLst/>
+            </a:prstTxWarp>
+            <a:spAutoFit/>
+          </a:bodyPr>
+          <a:lstStyle/>
+          <a:p>
+            <a:pPr algn="l"/>
+            <a:r>
+              <a:rPr lang="pt-BR" sz="1400" dirty="0">
+                <a:cs typeface="Calibri"/>
+              </a:rPr>
+              <a:t>Informações</a:t>
+            </a:r>
+          </a:p>
+        </p:txBody>
+      </p:sp>
+      <p:sp>
+        <p:nvSpPr>
+          <p:cNvPr id="26" name="CaixaDeTexto 25">
+            <a:extLst>
+              <a:ext uri="{FF2B5EF4-FFF2-40B4-BE49-F238E27FC236}">
+                <a16:creationId xmlns:a16="http://schemas.microsoft.com/office/drawing/2014/main" id="{7F528F94-AC97-45A9-A10D-FCDB2BAEC070}"/>
+              </a:ext>
+            </a:extLst>
+          </p:cNvPr>
+          <p:cNvSpPr txBox="1"/>
+          <p:nvPr/>
+        </p:nvSpPr>
+        <p:spPr>
+          <a:xfrm>
+            <a:off x="1961779" y="1672991"/>
+            <a:ext cx="2743200" cy="584775"/>
+          </a:xfrm>
+          <a:prstGeom prst="rect">
+            <a:avLst/>
+          </a:prstGeom>
+        </p:spPr>
+        <p:txBody>
+          <a:bodyPr rot="0" spcFirstLastPara="0" vertOverflow="overflow" horzOverflow="overflow" vert="horz" wrap="square" lIns="91440" tIns="45720" rIns="91440" bIns="45720" numCol="1" spcCol="0" rtlCol="0" fromWordArt="0" anchor="t" anchorCtr="0" forceAA="0" compatLnSpc="1">
+            <a:prstTxWarp prst="textNoShape">
+              <a:avLst/>
+            </a:prstTxWarp>
+            <a:spAutoFit/>
+          </a:bodyPr>
+          <a:lstStyle/>
+          <a:p>
+            <a:r>
+              <a:rPr lang="pt-BR" sz="1600" dirty="0">
+                <a:cs typeface="Calibri"/>
+              </a:rPr>
+              <a:t>Solicitação </a:t>
+            </a:r>
+          </a:p>
+          <a:p>
+            <a:r>
+              <a:rPr lang="pt-BR" sz="1600" dirty="0">
+                <a:cs typeface="Calibri"/>
+              </a:rPr>
+              <a:t>Informação</a:t>
+            </a:r>
+          </a:p>
+        </p:txBody>
+      </p:sp>
+      <p:cxnSp>
+        <p:nvCxnSpPr>
+          <p:cNvPr id="27" name="Conector de Seta Reta 26">
+            <a:extLst>
+              <a:ext uri="{FF2B5EF4-FFF2-40B4-BE49-F238E27FC236}">
+                <a16:creationId xmlns:a16="http://schemas.microsoft.com/office/drawing/2014/main" id="{DAA64FDF-FEA3-46A1-922B-FD08FD52450B}"/>
+              </a:ext>
+            </a:extLst>
+          </p:cNvPr>
+          <p:cNvCxnSpPr>
+            <a:cxnSpLocks/>
+          </p:cNvCxnSpPr>
+          <p:nvPr/>
+        </p:nvCxnSpPr>
+        <p:spPr>
+          <a:xfrm flipV="1">
+            <a:off x="1226221" y="1504055"/>
+            <a:ext cx="8628" cy="916478"/>
+          </a:xfrm>
+          <a:prstGeom prst="straightConnector1">
+            <a:avLst/>
+          </a:prstGeom>
+          <a:ln>
+            <a:solidFill>
+              <a:schemeClr val="tx1"/>
+            </a:solidFill>
+            <a:tailEnd type="triangle"/>
+          </a:ln>
+        </p:spPr>
+        <p:style>
+          <a:lnRef idx="1">
+            <a:schemeClr val="accent1"/>
+          </a:lnRef>
+          <a:fillRef idx="0">
+            <a:schemeClr val="accent1"/>
+          </a:fillRef>
+          <a:effectRef idx="0">
+            <a:schemeClr val="accent1"/>
+          </a:effectRef>
+          <a:fontRef idx="minor">
+            <a:schemeClr val="tx1"/>
+          </a:fontRef>
+        </p:style>
+      </p:cxnSp>
+      <p:cxnSp>
+        <p:nvCxnSpPr>
+          <p:cNvPr id="28" name="Conector de Seta Reta 27">
+            <a:extLst>
+              <a:ext uri="{FF2B5EF4-FFF2-40B4-BE49-F238E27FC236}">
+                <a16:creationId xmlns:a16="http://schemas.microsoft.com/office/drawing/2014/main" id="{DD897E32-E7EA-4446-B244-87F3406F8D16}"/>
+              </a:ext>
+            </a:extLst>
+          </p:cNvPr>
+          <p:cNvCxnSpPr>
+            <a:cxnSpLocks/>
+          </p:cNvCxnSpPr>
+          <p:nvPr/>
+        </p:nvCxnSpPr>
+        <p:spPr>
+          <a:xfrm>
+            <a:off x="5115697" y="1368850"/>
+            <a:ext cx="0" cy="967509"/>
+          </a:xfrm>
+          <a:prstGeom prst="straightConnector1">
+            <a:avLst/>
+          </a:prstGeom>
+          <a:ln>
+            <a:solidFill>
+              <a:schemeClr val="tx1"/>
+            </a:solidFill>
+            <a:tailEnd type="triangle"/>
+          </a:ln>
+        </p:spPr>
+        <p:style>
+          <a:lnRef idx="1">
+            <a:schemeClr val="accent1"/>
+          </a:lnRef>
+          <a:fillRef idx="0">
+            <a:schemeClr val="accent1"/>
+          </a:fillRef>
+          <a:effectRef idx="0">
+            <a:schemeClr val="accent1"/>
+          </a:effectRef>
+          <a:fontRef idx="minor">
+            <a:schemeClr val="tx1"/>
+          </a:fontRef>
+        </p:style>
+      </p:cxnSp>
+      <p:sp>
+        <p:nvSpPr>
+          <p:cNvPr id="29" name="CaixaDeTexto 28">
+            <a:extLst>
+              <a:ext uri="{FF2B5EF4-FFF2-40B4-BE49-F238E27FC236}">
+                <a16:creationId xmlns:a16="http://schemas.microsoft.com/office/drawing/2014/main" id="{63682302-1E8A-4CE6-8062-47E7A163B34D}"/>
+              </a:ext>
+            </a:extLst>
+          </p:cNvPr>
+          <p:cNvSpPr txBox="1"/>
+          <p:nvPr/>
+        </p:nvSpPr>
+        <p:spPr>
+          <a:xfrm>
+            <a:off x="2318918" y="816635"/>
+            <a:ext cx="3016683" cy="584775"/>
+          </a:xfrm>
+          <a:prstGeom prst="rect">
+            <a:avLst/>
+          </a:prstGeom>
+        </p:spPr>
+        <p:txBody>
+          <a:bodyPr rot="0" spcFirstLastPara="0" vertOverflow="overflow" horzOverflow="overflow" vert="horz" wrap="square" lIns="91440" tIns="45720" rIns="91440" bIns="45720" numCol="1" spcCol="0" rtlCol="0" fromWordArt="0" anchor="t" anchorCtr="0" forceAA="0" compatLnSpc="1">
+            <a:prstTxWarp prst="textNoShape">
+              <a:avLst/>
+            </a:prstTxWarp>
+            <a:spAutoFit/>
+          </a:bodyPr>
+          <a:lstStyle/>
+          <a:p>
+            <a:r>
+              <a:rPr lang="pt-BR" sz="1600" dirty="0">
+                <a:cs typeface="Calibri"/>
+              </a:rPr>
+              <a:t>Solicitar Matrícula + Entregar Documentos Necessários +Taxa</a:t>
+            </a:r>
+          </a:p>
+        </p:txBody>
+      </p:sp>
+      <p:cxnSp>
+        <p:nvCxnSpPr>
+          <p:cNvPr id="37" name="Conector de Seta Reta 36">
+            <a:extLst>
+              <a:ext uri="{FF2B5EF4-FFF2-40B4-BE49-F238E27FC236}">
+                <a16:creationId xmlns:a16="http://schemas.microsoft.com/office/drawing/2014/main" id="{FD4EFA0F-4745-47DB-AE54-21F4930D466D}"/>
+              </a:ext>
+            </a:extLst>
+          </p:cNvPr>
+          <p:cNvCxnSpPr>
+            <a:cxnSpLocks/>
+          </p:cNvCxnSpPr>
+          <p:nvPr/>
+        </p:nvCxnSpPr>
+        <p:spPr>
+          <a:xfrm flipH="1">
+            <a:off x="2248454" y="730943"/>
+            <a:ext cx="3349964" cy="6149"/>
+          </a:xfrm>
+          <a:prstGeom prst="straightConnector1">
+            <a:avLst/>
+          </a:prstGeom>
+          <a:ln>
+            <a:solidFill>
+              <a:schemeClr val="tx1"/>
+            </a:solidFill>
+            <a:tailEnd type="triangle"/>
+          </a:ln>
+        </p:spPr>
+        <p:style>
+          <a:lnRef idx="1">
+            <a:schemeClr val="accent1"/>
+          </a:lnRef>
+          <a:fillRef idx="0">
+            <a:schemeClr val="accent1"/>
+          </a:fillRef>
+          <a:effectRef idx="0">
+            <a:schemeClr val="accent1"/>
+          </a:effectRef>
+          <a:fontRef idx="minor">
+            <a:schemeClr val="tx1"/>
+          </a:fontRef>
+        </p:style>
+      </p:cxnSp>
+      <p:cxnSp>
+        <p:nvCxnSpPr>
+          <p:cNvPr id="38" name="Conector de Seta Reta 37">
+            <a:extLst>
+              <a:ext uri="{FF2B5EF4-FFF2-40B4-BE49-F238E27FC236}">
+                <a16:creationId xmlns:a16="http://schemas.microsoft.com/office/drawing/2014/main" id="{369B8BD3-7A7F-47B4-B170-F65F09A3CFAC}"/>
+              </a:ext>
+            </a:extLst>
+          </p:cNvPr>
+          <p:cNvCxnSpPr>
+            <a:cxnSpLocks/>
+          </p:cNvCxnSpPr>
+          <p:nvPr/>
+        </p:nvCxnSpPr>
+        <p:spPr>
+          <a:xfrm flipH="1">
+            <a:off x="5594811" y="731844"/>
+            <a:ext cx="5751" cy="1563112"/>
+          </a:xfrm>
+          <a:prstGeom prst="straightConnector1">
+            <a:avLst/>
+          </a:prstGeom>
+          <a:ln>
+            <a:solidFill>
+              <a:schemeClr val="tx1"/>
+            </a:solidFill>
+          </a:ln>
+        </p:spPr>
+        <p:style>
+          <a:lnRef idx="1">
+            <a:schemeClr val="accent1"/>
+          </a:lnRef>
+          <a:fillRef idx="0">
+            <a:schemeClr val="accent1"/>
+          </a:fillRef>
+          <a:effectRef idx="0">
+            <a:schemeClr val="accent1"/>
+          </a:effectRef>
+          <a:fontRef idx="minor">
+            <a:schemeClr val="tx1"/>
+          </a:fontRef>
+        </p:style>
+      </p:cxnSp>
+      <p:sp>
+        <p:nvSpPr>
+          <p:cNvPr id="39" name="CaixaDeTexto 38">
+            <a:extLst>
+              <a:ext uri="{FF2B5EF4-FFF2-40B4-BE49-F238E27FC236}">
+                <a16:creationId xmlns:a16="http://schemas.microsoft.com/office/drawing/2014/main" id="{92D73595-A4DD-48E0-8C10-C2471D4A4490}"/>
+              </a:ext>
+            </a:extLst>
+          </p:cNvPr>
+          <p:cNvSpPr txBox="1"/>
+          <p:nvPr/>
+        </p:nvSpPr>
+        <p:spPr>
+          <a:xfrm>
+            <a:off x="2297230" y="460510"/>
+            <a:ext cx="3386128" cy="307777"/>
+          </a:xfrm>
+          <a:prstGeom prst="rect">
+            <a:avLst/>
+          </a:prstGeom>
+        </p:spPr>
+        <p:txBody>
+          <a:bodyPr rot="0" spcFirstLastPara="0" vertOverflow="overflow" horzOverflow="overflow" vert="horz" wrap="square" lIns="91440" tIns="45720" rIns="91440" bIns="45720" numCol="1" spcCol="0" rtlCol="0" fromWordArt="0" anchor="t" anchorCtr="0" forceAA="0" compatLnSpc="1">
+            <a:prstTxWarp prst="textNoShape">
+              <a:avLst/>
+            </a:prstTxWarp>
+            <a:spAutoFit/>
+          </a:bodyPr>
+          <a:lstStyle/>
+          <a:p>
+            <a:r>
+              <a:rPr lang="pt-BR" sz="1400" dirty="0">
+                <a:cs typeface="Calibri"/>
+              </a:rPr>
+              <a:t>Nro_Matrícula + Troco + Comprovante</a:t>
+            </a:r>
+            <a:endParaRPr lang="pt-BR" sz="1400" dirty="0"/>
+          </a:p>
+        </p:txBody>
+      </p:sp>
+      <p:sp>
+        <p:nvSpPr>
+          <p:cNvPr id="40" name="CaixaDeTexto 39">
+            <a:extLst>
+              <a:ext uri="{FF2B5EF4-FFF2-40B4-BE49-F238E27FC236}">
+                <a16:creationId xmlns:a16="http://schemas.microsoft.com/office/drawing/2014/main" id="{0F47815D-E774-4254-8546-D87BF504D5DE}"/>
+              </a:ext>
+            </a:extLst>
+          </p:cNvPr>
+          <p:cNvSpPr txBox="1"/>
+          <p:nvPr/>
+        </p:nvSpPr>
+        <p:spPr>
+          <a:xfrm>
+            <a:off x="7136294" y="287467"/>
+            <a:ext cx="4209689" cy="461665"/>
+          </a:xfrm>
+          <a:prstGeom prst="rect">
+            <a:avLst/>
+          </a:prstGeom>
+        </p:spPr>
+        <p:txBody>
+          <a:bodyPr rot="0" spcFirstLastPara="0" vertOverflow="overflow" horzOverflow="overflow" vert="horz" wrap="square" lIns="91440" tIns="45720" rIns="91440" bIns="45720" numCol="1" spcCol="0" rtlCol="0" fromWordArt="0" anchor="t" anchorCtr="0" forceAA="0" compatLnSpc="1">
+            <a:prstTxWarp prst="textNoShape">
+              <a:avLst/>
+            </a:prstTxWarp>
+            <a:spAutoFit/>
+          </a:bodyPr>
+          <a:lstStyle/>
+          <a:p>
+            <a:r>
+              <a:rPr lang="pt-BR" sz="2400" dirty="0">
+                <a:cs typeface="Calibri"/>
+              </a:rPr>
+              <a:t>Capacidade = Realizar Matrícula</a:t>
+            </a:r>
+          </a:p>
+        </p:txBody>
+      </p:sp>
+      <p:cxnSp>
+        <p:nvCxnSpPr>
+          <p:cNvPr id="30" name="Conector de Seta Reta 29">
+            <a:extLst>
+              <a:ext uri="{FF2B5EF4-FFF2-40B4-BE49-F238E27FC236}">
+                <a16:creationId xmlns:a16="http://schemas.microsoft.com/office/drawing/2014/main" id="{740826B5-115A-4CB2-8951-315DE92DE944}"/>
+              </a:ext>
+            </a:extLst>
+          </p:cNvPr>
+          <p:cNvCxnSpPr>
+            <a:cxnSpLocks/>
+          </p:cNvCxnSpPr>
+          <p:nvPr/>
+        </p:nvCxnSpPr>
+        <p:spPr>
+          <a:xfrm>
+            <a:off x="2258460" y="1361452"/>
+            <a:ext cx="2857237" cy="7398"/>
+          </a:xfrm>
+          <a:prstGeom prst="straightConnector1">
+            <a:avLst/>
+          </a:prstGeom>
+          <a:ln>
+            <a:solidFill>
+              <a:schemeClr val="tx1"/>
+            </a:solidFill>
+          </a:ln>
+        </p:spPr>
+        <p:style>
+          <a:lnRef idx="1">
+            <a:schemeClr val="accent1"/>
+          </a:lnRef>
+          <a:fillRef idx="0">
+            <a:schemeClr val="accent1"/>
+          </a:fillRef>
+          <a:effectRef idx="0">
+            <a:schemeClr val="accent1"/>
+          </a:effectRef>
+          <a:fontRef idx="minor">
+            <a:schemeClr val="tx1"/>
+          </a:fontRef>
+        </p:style>
+      </p:cxnSp>
+      <p:cxnSp>
+        <p:nvCxnSpPr>
+          <p:cNvPr id="31" name="Conector de Seta Reta 30">
+            <a:extLst>
+              <a:ext uri="{FF2B5EF4-FFF2-40B4-BE49-F238E27FC236}">
+                <a16:creationId xmlns:a16="http://schemas.microsoft.com/office/drawing/2014/main" id="{E23978EA-D013-46DC-AB34-4C6D71AB19D7}"/>
+              </a:ext>
+            </a:extLst>
+          </p:cNvPr>
+          <p:cNvCxnSpPr>
+            <a:cxnSpLocks/>
+          </p:cNvCxnSpPr>
+          <p:nvPr/>
+        </p:nvCxnSpPr>
+        <p:spPr>
+          <a:xfrm flipV="1">
+            <a:off x="6428251" y="3162060"/>
+            <a:ext cx="2188283" cy="301"/>
+          </a:xfrm>
+          <a:prstGeom prst="straightConnector1">
+            <a:avLst/>
+          </a:prstGeom>
+          <a:ln>
+            <a:solidFill>
+              <a:schemeClr val="tx1"/>
+            </a:solidFill>
+          </a:ln>
+        </p:spPr>
+        <p:style>
+          <a:lnRef idx="1">
+            <a:schemeClr val="accent1"/>
+          </a:lnRef>
+          <a:fillRef idx="0">
+            <a:schemeClr val="accent1"/>
+          </a:fillRef>
+          <a:effectRef idx="0">
+            <a:schemeClr val="accent1"/>
+          </a:effectRef>
+          <a:fontRef idx="minor">
+            <a:schemeClr val="tx1"/>
+          </a:fontRef>
+        </p:style>
+      </p:cxnSp>
+      <p:sp>
+        <p:nvSpPr>
+          <p:cNvPr id="19" name="Seta: para Baixo 18">
+            <a:extLst>
+              <a:ext uri="{FF2B5EF4-FFF2-40B4-BE49-F238E27FC236}">
+                <a16:creationId xmlns:a16="http://schemas.microsoft.com/office/drawing/2014/main" id="{B1CC3F0C-A62D-4E35-B244-A6E9315638E4}"/>
+              </a:ext>
+            </a:extLst>
+          </p:cNvPr>
+          <p:cNvSpPr/>
+          <p:nvPr/>
+        </p:nvSpPr>
+        <p:spPr>
+          <a:xfrm>
+            <a:off x="10504512" y="5449141"/>
+            <a:ext cx="484632" cy="978408"/>
+          </a:xfrm>
+          <a:prstGeom prst="downArrow">
+            <a:avLst/>
+          </a:prstGeom>
+          <a:solidFill>
+            <a:schemeClr val="bg2">
+              <a:lumMod val="75000"/>
+            </a:schemeClr>
           </a:solidFill>
           <a:ln>
             <a:solidFill>
@@ -5459,10 +6298,10 @@
       </p:sp>
       <p:sp>
         <p:nvSpPr>
-          <p:cNvPr id="5" name="CaixaDeTexto 4">
-            <a:extLst>
-              <a:ext uri="{FF2B5EF4-FFF2-40B4-BE49-F238E27FC236}">
-                <a16:creationId xmlns:a16="http://schemas.microsoft.com/office/drawing/2014/main" id="{0DB7A970-3CC1-4626-9F9D-866AD68C58EA}"/>
+          <p:cNvPr id="20" name="CaixaDeTexto 19">
+            <a:extLst>
+              <a:ext uri="{FF2B5EF4-FFF2-40B4-BE49-F238E27FC236}">
+                <a16:creationId xmlns:a16="http://schemas.microsoft.com/office/drawing/2014/main" id="{E427B953-A302-4A3B-A192-CB65E32F96B6}"/>
               </a:ext>
             </a:extLst>
           </p:cNvPr>
@@ -5471,12 +6310,15 @@
         </p:nvSpPr>
         <p:spPr>
           <a:xfrm>
-            <a:off x="187147" y="318998"/>
-            <a:ext cx="11915953" cy="584775"/>
+            <a:off x="10171713" y="4666922"/>
+            <a:ext cx="2743200" cy="369332"/>
           </a:xfrm>
           <a:prstGeom prst="rect">
             <a:avLst/>
           </a:prstGeom>
+          <a:ln>
+            <a:noFill/>
+          </a:ln>
         </p:spPr>
         <p:txBody>
           <a:bodyPr rot="0" spcFirstLastPara="0" vertOverflow="overflow" horzOverflow="overflow" vert="horz" wrap="square" lIns="91440" tIns="45720" rIns="91440" bIns="45720" numCol="1" spcCol="0" rtlCol="0" fromWordArt="0" anchor="t" anchorCtr="0" forceAA="0" compatLnSpc="1">
@@ -5487,304 +6329,12 @@
           </a:bodyPr>
           <a:lstStyle/>
           <a:p>
-            <a:pPr algn="ctr"/>
-            <a:r>
-              <a:rPr lang="pt-BR" sz="3200" b="1" i="1" u="sng" dirty="0">
+            <a:pPr algn="l"/>
+            <a:r>
+              <a:rPr lang="pt-BR" dirty="0">
                 <a:cs typeface="Calibri"/>
               </a:rPr>
-              <a:t>Cenário : Doar</a:t>
-            </a:r>
-            <a:endParaRPr lang="pt-BR" dirty="0"/>
-          </a:p>
-        </p:txBody>
-      </p:sp>
-      <p:pic>
-        <p:nvPicPr>
-          <p:cNvPr id="6" name="Imagem 6" descr="Uma imagem contendo objeto&#10;&#10;Descrição gerada com muito alta confiança">
-            <a:extLst>
-              <a:ext uri="{FF2B5EF4-FFF2-40B4-BE49-F238E27FC236}">
-                <a16:creationId xmlns:a16="http://schemas.microsoft.com/office/drawing/2014/main" id="{AE41C0EB-3270-451D-B583-48485D46168E}"/>
-              </a:ext>
-            </a:extLst>
-          </p:cNvPr>
-          <p:cNvPicPr>
-            <a:picLocks noChangeAspect="1"/>
-          </p:cNvPicPr>
-          <p:nvPr/>
-        </p:nvPicPr>
-        <p:blipFill>
-          <a:blip r:embed="rId2"/>
-          <a:stretch>
-            <a:fillRect/>
-          </a:stretch>
-        </p:blipFill>
-        <p:spPr>
-          <a:xfrm>
-            <a:off x="1524421" y="1179122"/>
-            <a:ext cx="832449" cy="1326672"/>
-          </a:xfrm>
-          <a:prstGeom prst="rect">
-            <a:avLst/>
-          </a:prstGeom>
-        </p:spPr>
-      </p:pic>
-      <p:sp>
-        <p:nvSpPr>
-          <p:cNvPr id="7" name="Retângulo 6">
-            <a:extLst>
-              <a:ext uri="{FF2B5EF4-FFF2-40B4-BE49-F238E27FC236}">
-                <a16:creationId xmlns:a16="http://schemas.microsoft.com/office/drawing/2014/main" id="{14F074DC-6DCC-4E08-9917-5BE79B7E65BA}"/>
-              </a:ext>
-            </a:extLst>
-          </p:cNvPr>
-          <p:cNvSpPr/>
-          <p:nvPr/>
-        </p:nvSpPr>
-        <p:spPr>
-          <a:xfrm>
-            <a:off x="4211907" y="2520171"/>
-            <a:ext cx="3608716" cy="1927463"/>
-          </a:xfrm>
-          <a:prstGeom prst="rect">
-            <a:avLst/>
-          </a:prstGeom>
-          <a:solidFill>
-            <a:schemeClr val="bg1"/>
-          </a:solidFill>
-        </p:spPr>
-        <p:style>
-          <a:lnRef idx="2">
-            <a:schemeClr val="accent1">
-              <a:shade val="50000"/>
-            </a:schemeClr>
-          </a:lnRef>
-          <a:fillRef idx="1">
-            <a:schemeClr val="accent1"/>
-          </a:fillRef>
-          <a:effectRef idx="0">
-            <a:schemeClr val="accent1"/>
-          </a:effectRef>
-          <a:fontRef idx="minor">
-            <a:schemeClr val="lt1"/>
-          </a:fontRef>
-        </p:style>
-        <p:txBody>
-          <a:bodyPr rtlCol="0" anchor="ctr"/>
-          <a:lstStyle/>
-          <a:p>
-            <a:pPr algn="ctr"/>
-            <a:endParaRPr lang="pt-BR"/>
-          </a:p>
-        </p:txBody>
-      </p:sp>
-      <p:cxnSp>
-        <p:nvCxnSpPr>
-          <p:cNvPr id="11" name="Conector de Seta Reta 10">
-            <a:extLst>
-              <a:ext uri="{FF2B5EF4-FFF2-40B4-BE49-F238E27FC236}">
-                <a16:creationId xmlns:a16="http://schemas.microsoft.com/office/drawing/2014/main" id="{AF990622-0DAD-4CF8-B897-C60879C5B414}"/>
-              </a:ext>
-            </a:extLst>
-          </p:cNvPr>
-          <p:cNvCxnSpPr>
-            <a:cxnSpLocks/>
-          </p:cNvCxnSpPr>
-          <p:nvPr/>
-        </p:nvCxnSpPr>
-        <p:spPr>
-          <a:xfrm>
-            <a:off x="2546252" y="2806664"/>
-            <a:ext cx="1611920" cy="584775"/>
-          </a:xfrm>
-          <a:prstGeom prst="straightConnector1">
-            <a:avLst/>
-          </a:prstGeom>
-          <a:ln>
-            <a:solidFill>
-              <a:schemeClr val="tx1"/>
-            </a:solidFill>
-            <a:tailEnd type="triangle"/>
-          </a:ln>
-        </p:spPr>
-        <p:style>
-          <a:lnRef idx="1">
-            <a:schemeClr val="accent1"/>
-          </a:lnRef>
-          <a:fillRef idx="0">
-            <a:schemeClr val="accent1"/>
-          </a:fillRef>
-          <a:effectRef idx="0">
-            <a:schemeClr val="accent1"/>
-          </a:effectRef>
-          <a:fontRef idx="minor">
-            <a:schemeClr val="tx1"/>
-          </a:fontRef>
-        </p:style>
-      </p:cxnSp>
-      <p:sp>
-        <p:nvSpPr>
-          <p:cNvPr id="13" name="CaixaDeTexto 12">
-            <a:extLst>
-              <a:ext uri="{FF2B5EF4-FFF2-40B4-BE49-F238E27FC236}">
-                <a16:creationId xmlns:a16="http://schemas.microsoft.com/office/drawing/2014/main" id="{B9BDE6EE-83E2-4E9F-9DB8-ABE3AF877CCB}"/>
-              </a:ext>
-            </a:extLst>
-          </p:cNvPr>
-          <p:cNvSpPr txBox="1"/>
-          <p:nvPr/>
-        </p:nvSpPr>
-        <p:spPr>
-          <a:xfrm>
-            <a:off x="1458644" y="2525023"/>
-            <a:ext cx="1334220" cy="461665"/>
-          </a:xfrm>
-          <a:prstGeom prst="rect">
-            <a:avLst/>
-          </a:prstGeom>
-        </p:spPr>
-        <p:txBody>
-          <a:bodyPr rot="0" spcFirstLastPara="0" vertOverflow="overflow" horzOverflow="overflow" vert="horz" wrap="square" lIns="91440" tIns="45720" rIns="91440" bIns="45720" numCol="1" spcCol="0" rtlCol="0" fromWordArt="0" anchor="t" anchorCtr="0" forceAA="0" compatLnSpc="1">
-            <a:prstTxWarp prst="textNoShape">
-              <a:avLst/>
-            </a:prstTxWarp>
-            <a:spAutoFit/>
-          </a:bodyPr>
-          <a:lstStyle/>
-          <a:p>
-            <a:r>
-              <a:rPr lang="pt-BR" sz="2400" b="1" i="1" dirty="0"/>
-              <a:t>Doador </a:t>
-            </a:r>
-          </a:p>
-        </p:txBody>
-      </p:sp>
-      <p:sp>
-        <p:nvSpPr>
-          <p:cNvPr id="29" name="CaixaDeTexto 28">
-            <a:extLst>
-              <a:ext uri="{FF2B5EF4-FFF2-40B4-BE49-F238E27FC236}">
-                <a16:creationId xmlns:a16="http://schemas.microsoft.com/office/drawing/2014/main" id="{A6762E50-5323-4BE0-915A-EB8EEDBCB00C}"/>
-              </a:ext>
-            </a:extLst>
-          </p:cNvPr>
-          <p:cNvSpPr txBox="1"/>
-          <p:nvPr/>
-        </p:nvSpPr>
-        <p:spPr>
-          <a:xfrm>
-            <a:off x="7137100" y="3887817"/>
-            <a:ext cx="2743200" cy="369332"/>
-          </a:xfrm>
-          <a:prstGeom prst="rect">
-            <a:avLst/>
-          </a:prstGeom>
-        </p:spPr>
-        <p:txBody>
-          <a:bodyPr rot="0" spcFirstLastPara="0" vertOverflow="overflow" horzOverflow="overflow" vert="horz" wrap="square" lIns="91440" tIns="45720" rIns="91440" bIns="45720" numCol="1" spcCol="0" rtlCol="0" fromWordArt="0" anchor="t" anchorCtr="0" forceAA="0" compatLnSpc="1">
-            <a:prstTxWarp prst="textNoShape">
-              <a:avLst/>
-            </a:prstTxWarp>
-            <a:spAutoFit/>
-          </a:bodyPr>
-          <a:lstStyle/>
-          <a:p>
-            <a:pPr algn="l"/>
-            <a:r>
-              <a:rPr lang="pt-BR" b="1" i="1" dirty="0">
-                <a:cs typeface="Calibri"/>
-              </a:rPr>
-              <a:t>ONG</a:t>
-            </a:r>
-          </a:p>
-        </p:txBody>
-      </p:sp>
-      <p:sp>
-        <p:nvSpPr>
-          <p:cNvPr id="30" name="Retângulo 29">
-            <a:extLst>
-              <a:ext uri="{FF2B5EF4-FFF2-40B4-BE49-F238E27FC236}">
-                <a16:creationId xmlns:a16="http://schemas.microsoft.com/office/drawing/2014/main" id="{3AA62CBD-64E7-4BA1-BBCB-45C4726787D0}"/>
-              </a:ext>
-            </a:extLst>
-          </p:cNvPr>
-          <p:cNvSpPr/>
-          <p:nvPr/>
-        </p:nvSpPr>
-        <p:spPr>
-          <a:xfrm>
-            <a:off x="4211907" y="2520171"/>
-            <a:ext cx="2257244" cy="646981"/>
-          </a:xfrm>
-          <a:prstGeom prst="rect">
-            <a:avLst/>
-          </a:prstGeom>
-          <a:solidFill>
-            <a:schemeClr val="bg1"/>
-          </a:solidFill>
-        </p:spPr>
-        <p:style>
-          <a:lnRef idx="2">
-            <a:schemeClr val="accent1">
-              <a:shade val="50000"/>
-            </a:schemeClr>
-          </a:lnRef>
-          <a:fillRef idx="1">
-            <a:schemeClr val="accent1"/>
-          </a:fillRef>
-          <a:effectRef idx="0">
-            <a:schemeClr val="accent1"/>
-          </a:effectRef>
-          <a:fontRef idx="minor">
-            <a:schemeClr val="lt1"/>
-          </a:fontRef>
-        </p:style>
-        <p:txBody>
-          <a:bodyPr rtlCol="0" anchor="ctr"/>
-          <a:lstStyle/>
-          <a:p>
-            <a:pPr algn="ctr"/>
-            <a:r>
-              <a:rPr lang="pt-BR" dirty="0"/>
-              <a:t>//////</a:t>
-            </a:r>
-          </a:p>
-        </p:txBody>
-      </p:sp>
-      <p:sp>
-        <p:nvSpPr>
-          <p:cNvPr id="31" name="CaixaDeTexto 30">
-            <a:extLst>
-              <a:ext uri="{FF2B5EF4-FFF2-40B4-BE49-F238E27FC236}">
-                <a16:creationId xmlns:a16="http://schemas.microsoft.com/office/drawing/2014/main" id="{2B86E22E-128E-40A7-9AA7-48626AD2DFA2}"/>
-              </a:ext>
-            </a:extLst>
-          </p:cNvPr>
-          <p:cNvSpPr txBox="1"/>
-          <p:nvPr/>
-        </p:nvSpPr>
-        <p:spPr>
-          <a:xfrm>
-            <a:off x="4582783" y="2607334"/>
-            <a:ext cx="1650521" cy="461665"/>
-          </a:xfrm>
-          <a:prstGeom prst="rect">
-            <a:avLst/>
-          </a:prstGeom>
-        </p:spPr>
-        <p:txBody>
-          <a:bodyPr rot="0" spcFirstLastPara="0" vertOverflow="overflow" horzOverflow="overflow" vert="horz" wrap="square" lIns="91440" tIns="45720" rIns="91440" bIns="45720" numCol="1" spcCol="0" rtlCol="0" fromWordArt="0" anchor="t" anchorCtr="0" forceAA="0" compatLnSpc="1">
-            <a:prstTxWarp prst="textNoShape">
-              <a:avLst/>
-            </a:prstTxWarp>
-            <a:spAutoFit/>
-          </a:bodyPr>
-          <a:lstStyle/>
-          <a:p>
-            <a:r>
-              <a:rPr lang="pt-BR" sz="2400" b="1" i="1" dirty="0">
-                <a:cs typeface="Calibri"/>
-              </a:rPr>
-              <a:t>Financeiro </a:t>
+              <a:t>Descrição</a:t>
             </a:r>
           </a:p>
         </p:txBody>
@@ -5792,7 +6342,7 @@
     </p:spTree>
     <p:extLst>
       <p:ext uri="{BB962C8B-B14F-4D97-AF65-F5344CB8AC3E}">
-        <p14:creationId xmlns:p14="http://schemas.microsoft.com/office/powerpoint/2010/main" val="3142514784"/>
+        <p14:creationId xmlns:p14="http://schemas.microsoft.com/office/powerpoint/2010/main" val="2281369012"/>
       </p:ext>
     </p:extLst>
   </p:cSld>
@@ -5821,10 +6371,10 @@
       </p:grpSpPr>
       <p:sp>
         <p:nvSpPr>
-          <p:cNvPr id="5" name="CaixaDeTexto 4">
-            <a:extLst>
-              <a:ext uri="{FF2B5EF4-FFF2-40B4-BE49-F238E27FC236}">
-                <a16:creationId xmlns:a16="http://schemas.microsoft.com/office/drawing/2014/main" id="{1AEAEC07-A165-4D26-BBD3-BB0A2EE6FDCE}"/>
+          <p:cNvPr id="4" name="CaixaDeTexto 3">
+            <a:extLst>
+              <a:ext uri="{FF2B5EF4-FFF2-40B4-BE49-F238E27FC236}">
+                <a16:creationId xmlns:a16="http://schemas.microsoft.com/office/drawing/2014/main" id="{8600E65D-8F90-45D6-8585-514491944BD1}"/>
               </a:ext>
             </a:extLst>
           </p:cNvPr>
@@ -5833,12 +6383,17 @@
         </p:nvSpPr>
         <p:spPr>
           <a:xfrm>
-            <a:off x="165570" y="228278"/>
-            <a:ext cx="11915953" cy="584775"/>
+            <a:off x="280495" y="687771"/>
+            <a:ext cx="7446577" cy="4524315"/>
           </a:xfrm>
           <a:prstGeom prst="rect">
             <a:avLst/>
           </a:prstGeom>
+          <a:solidFill>
+            <a:schemeClr val="bg2">
+              <a:lumMod val="75000"/>
+            </a:schemeClr>
+          </a:solidFill>
         </p:spPr>
         <p:txBody>
           <a:bodyPr rot="0" spcFirstLastPara="0" vertOverflow="overflow" horzOverflow="overflow" vert="horz" wrap="square" lIns="91440" tIns="45720" rIns="91440" bIns="45720" numCol="1" spcCol="0" rtlCol="0" fromWordArt="0" anchor="t" anchorCtr="0" forceAA="0" compatLnSpc="1">
@@ -5849,120 +6404,141 @@
           </a:bodyPr>
           <a:lstStyle/>
           <a:p>
-            <a:pPr algn="ctr"/>
-            <a:r>
-              <a:rPr lang="pt-BR" sz="3200" b="1" i="1" u="sng" dirty="0">
+            <a:r>
+              <a:rPr lang="pt-BR" b="1" dirty="0">
                 <a:cs typeface="Calibri"/>
               </a:rPr>
-              <a:t>Cenário : Doar </a:t>
-            </a:r>
-            <a:endParaRPr lang="pt-BR" dirty="0"/>
-          </a:p>
-        </p:txBody>
-      </p:sp>
-      <p:cxnSp>
-        <p:nvCxnSpPr>
-          <p:cNvPr id="6" name="Conector de Seta Reta 5">
-            <a:extLst>
-              <a:ext uri="{FF2B5EF4-FFF2-40B4-BE49-F238E27FC236}">
-                <a16:creationId xmlns:a16="http://schemas.microsoft.com/office/drawing/2014/main" id="{3CA215E8-6B7A-4EE8-B19D-43965C2FFF51}"/>
-              </a:ext>
-            </a:extLst>
-          </p:cNvPr>
-          <p:cNvCxnSpPr>
-            <a:cxnSpLocks/>
-          </p:cNvCxnSpPr>
-          <p:nvPr/>
-        </p:nvCxnSpPr>
-        <p:spPr>
-          <a:xfrm flipV="1">
-            <a:off x="165570" y="879928"/>
-            <a:ext cx="11896723" cy="26601"/>
-          </a:xfrm>
-          <a:prstGeom prst="straightConnector1">
-            <a:avLst/>
-          </a:prstGeom>
-          <a:ln>
-            <a:solidFill>
-              <a:schemeClr val="tx1"/>
-            </a:solidFill>
-          </a:ln>
-        </p:spPr>
-        <p:style>
-          <a:lnRef idx="1">
-            <a:schemeClr val="accent1"/>
-          </a:lnRef>
-          <a:fillRef idx="0">
-            <a:schemeClr val="accent1"/>
-          </a:fillRef>
-          <a:effectRef idx="0">
-            <a:schemeClr val="accent1"/>
-          </a:effectRef>
-          <a:fontRef idx="minor">
-            <a:schemeClr val="tx1"/>
-          </a:fontRef>
-        </p:style>
-      </p:cxnSp>
-      <p:sp>
-        <p:nvSpPr>
-          <p:cNvPr id="7" name="Retângulo 6">
-            <a:extLst>
-              <a:ext uri="{FF2B5EF4-FFF2-40B4-BE49-F238E27FC236}">
-                <a16:creationId xmlns:a16="http://schemas.microsoft.com/office/drawing/2014/main" id="{B85D8224-4133-4070-A5AB-3AE9CA1C3903}"/>
-              </a:ext>
-            </a:extLst>
-          </p:cNvPr>
-          <p:cNvSpPr/>
-          <p:nvPr/>
-        </p:nvSpPr>
-        <p:spPr>
-          <a:xfrm>
-            <a:off x="5500921" y="1579639"/>
-            <a:ext cx="2041583" cy="1207696"/>
-          </a:xfrm>
-          <a:prstGeom prst="rect">
-            <a:avLst/>
-          </a:prstGeom>
-          <a:solidFill>
-            <a:schemeClr val="bg1"/>
-          </a:solidFill>
-          <a:ln>
-            <a:solidFill>
-              <a:schemeClr val="tx1"/>
-            </a:solidFill>
-          </a:ln>
-        </p:spPr>
-        <p:style>
-          <a:lnRef idx="2">
-            <a:schemeClr val="accent1">
-              <a:shade val="50000"/>
-            </a:schemeClr>
-          </a:lnRef>
-          <a:fillRef idx="1">
-            <a:schemeClr val="accent1"/>
-          </a:fillRef>
-          <a:effectRef idx="0">
-            <a:schemeClr val="accent1"/>
-          </a:effectRef>
-          <a:fontRef idx="minor">
-            <a:schemeClr val="lt1"/>
-          </a:fontRef>
-        </p:style>
-        <p:txBody>
-          <a:bodyPr rtlCol="0" anchor="ctr"/>
-          <a:lstStyle/>
+              <a:t>Fornecer Informações</a:t>
+            </a:r>
+          </a:p>
+          <a:p>
+            <a:r>
+              <a:rPr lang="pt-BR" b="1" dirty="0">
+                <a:cs typeface="Calibri"/>
+              </a:rPr>
+              <a:t>Evento:</a:t>
+            </a:r>
+            <a:r>
+              <a:rPr lang="pt-BR" dirty="0">
+                <a:cs typeface="Calibri"/>
+              </a:rPr>
+              <a:t> Interessado solicita informações.</a:t>
+            </a:r>
+          </a:p>
+          <a:p>
+            <a:r>
+              <a:rPr lang="pt-BR" b="1" dirty="0">
+                <a:cs typeface="Calibri"/>
+              </a:rPr>
+              <a:t>Objetivo: </a:t>
+            </a:r>
+            <a:r>
+              <a:rPr lang="pt-BR" dirty="0">
+                <a:cs typeface="Calibri"/>
+              </a:rPr>
+              <a:t>Fornecer Informações ao Interessado.</a:t>
+            </a:r>
+          </a:p>
+          <a:p>
+            <a:r>
+              <a:rPr lang="pt-BR" b="1" dirty="0">
+                <a:cs typeface="Calibri"/>
+              </a:rPr>
+              <a:t>Trabalhadores Envolvidos:</a:t>
+            </a:r>
+          </a:p>
+          <a:p>
+            <a:pPr marL="285750" indent="-285750">
+              <a:buFont typeface="Arial"/>
+              <a:buChar char="•"/>
+            </a:pPr>
+            <a:r>
+              <a:rPr lang="pt-BR" dirty="0">
+                <a:cs typeface="Calibri"/>
+              </a:rPr>
+              <a:t>Recepcionista</a:t>
+            </a:r>
+          </a:p>
           <a:p>
             <a:pPr algn="ctr"/>
-            <a:endParaRPr lang="pt-BR"/>
+            <a:r>
+              <a:rPr lang="pt-BR" dirty="0">
+                <a:cs typeface="Calibri"/>
+              </a:rPr>
+              <a:t>1. Recepcionista recebe solicitação de informação.	</a:t>
+            </a:r>
+          </a:p>
+          <a:p>
+            <a:pPr algn="ctr"/>
+            <a:endParaRPr lang="pt-BR" dirty="0">
+              <a:cs typeface="Calibri"/>
+            </a:endParaRPr>
+          </a:p>
+          <a:p>
+            <a:pPr lvl="2"/>
+            <a:r>
+              <a:rPr lang="pt-BR" dirty="0">
+                <a:cs typeface="Calibri"/>
+              </a:rPr>
+              <a:t>2. Verifica disponibilidade na agenda.</a:t>
+            </a:r>
+          </a:p>
+          <a:p>
+            <a:pPr marL="1200150" lvl="2" indent="-285750" algn="ctr">
+              <a:buFont typeface="Courier New" panose="02070309020205020404" pitchFamily="49" charset="0"/>
+              <a:buChar char="o"/>
+            </a:pPr>
+            <a:r>
+              <a:rPr lang="pt-BR" dirty="0">
+                <a:cs typeface="Calibri"/>
+              </a:rPr>
+              <a:t>Caso não haja vagas na modalidade escolhida, informar o interessado e finaliza.</a:t>
+            </a:r>
+          </a:p>
+          <a:p>
+            <a:pPr algn="ctr"/>
+            <a:endParaRPr lang="pt-BR" dirty="0">
+              <a:cs typeface="Calibri"/>
+            </a:endParaRPr>
+          </a:p>
+          <a:p>
+            <a:pPr lvl="2"/>
+            <a:r>
+              <a:rPr lang="pt-BR" dirty="0">
+                <a:cs typeface="Calibri"/>
+              </a:rPr>
+              <a:t>3. Consulta documentos necessários da matrícula</a:t>
+            </a:r>
+          </a:p>
+          <a:p>
+            <a:pPr algn="ctr"/>
+            <a:endParaRPr lang="pt-BR" dirty="0">
+              <a:cs typeface="Calibri"/>
+            </a:endParaRPr>
+          </a:p>
+          <a:p>
+            <a:pPr lvl="2"/>
+            <a:r>
+              <a:rPr lang="pt-BR" dirty="0">
+                <a:cs typeface="Calibri"/>
+              </a:rPr>
+              <a:t>4. Informa ao interessado os documentos necessários para matrícula, e a disponibilidade de aulas e modalidades.</a:t>
+            </a:r>
+          </a:p>
+          <a:p>
+            <a:pPr algn="ctr"/>
+            <a:endParaRPr lang="pt-BR" dirty="0">
+              <a:cs typeface="Calibri"/>
+            </a:endParaRPr>
           </a:p>
         </p:txBody>
       </p:sp>
       <p:sp>
         <p:nvSpPr>
-          <p:cNvPr id="8" name="CaixaDeTexto 1">
-            <a:extLst>
-              <a:ext uri="{FF2B5EF4-FFF2-40B4-BE49-F238E27FC236}">
-                <a16:creationId xmlns:a16="http://schemas.microsoft.com/office/drawing/2014/main" id="{BF9502B6-F748-4FC4-B6F9-18A1E394C2BC}"/>
+          <p:cNvPr id="2" name="CaixaDeTexto 1">
+            <a:extLst>
+              <a:ext uri="{FF2B5EF4-FFF2-40B4-BE49-F238E27FC236}">
+                <a16:creationId xmlns:a16="http://schemas.microsoft.com/office/drawing/2014/main" id="{8D09AB71-F1EE-480A-906E-5299059EAC52}"/>
               </a:ext>
             </a:extLst>
           </p:cNvPr>
@@ -5971,321 +6547,8 @@
         </p:nvSpPr>
         <p:spPr>
           <a:xfrm>
-            <a:off x="5500921" y="1836543"/>
-            <a:ext cx="2041583" cy="523220"/>
-          </a:xfrm>
-          <a:prstGeom prst="rect">
-            <a:avLst/>
-          </a:prstGeom>
-        </p:spPr>
-        <p:txBody>
-          <a:bodyPr rot="0" spcFirstLastPara="0" vert="horz" wrap="square" lIns="91440" tIns="45720" rIns="91440" bIns="45720" numCol="1" spcCol="0" rtlCol="0" fromWordArt="0" anchor="t" anchorCtr="0" forceAA="0" compatLnSpc="1">
-            <a:prstTxWarp prst="textNoShape">
-              <a:avLst/>
-            </a:prstTxWarp>
-            <a:spAutoFit/>
-          </a:bodyPr>
-          <a:lstStyle>
-            <a:defPPr>
-              <a:defRPr lang="de-DE"/>
-            </a:defPPr>
-            <a:lvl1pPr marL="0" algn="l" defTabSz="914400" rtl="0" eaLnBrk="1" latinLnBrk="0" hangingPunct="1">
-              <a:defRPr sz="1800" kern="1200">
-                <a:solidFill>
-                  <a:schemeClr val="tx1"/>
-                </a:solidFill>
-                <a:latin typeface="+mn-lt"/>
-                <a:ea typeface="+mn-ea"/>
-                <a:cs typeface="+mn-cs"/>
-              </a:defRPr>
-            </a:lvl1pPr>
-            <a:lvl2pPr marL="457200" algn="l" defTabSz="914400" rtl="0" eaLnBrk="1" latinLnBrk="0" hangingPunct="1">
-              <a:defRPr sz="1800" kern="1200">
-                <a:solidFill>
-                  <a:schemeClr val="tx1"/>
-                </a:solidFill>
-                <a:latin typeface="+mn-lt"/>
-                <a:ea typeface="+mn-ea"/>
-                <a:cs typeface="+mn-cs"/>
-              </a:defRPr>
-            </a:lvl2pPr>
-            <a:lvl3pPr marL="914400" algn="l" defTabSz="914400" rtl="0" eaLnBrk="1" latinLnBrk="0" hangingPunct="1">
-              <a:defRPr sz="1800" kern="1200">
-                <a:solidFill>
-                  <a:schemeClr val="tx1"/>
-                </a:solidFill>
-                <a:latin typeface="+mn-lt"/>
-                <a:ea typeface="+mn-ea"/>
-                <a:cs typeface="+mn-cs"/>
-              </a:defRPr>
-            </a:lvl3pPr>
-            <a:lvl4pPr marL="1371600" algn="l" defTabSz="914400" rtl="0" eaLnBrk="1" latinLnBrk="0" hangingPunct="1">
-              <a:defRPr sz="1800" kern="1200">
-                <a:solidFill>
-                  <a:schemeClr val="tx1"/>
-                </a:solidFill>
-                <a:latin typeface="+mn-lt"/>
-                <a:ea typeface="+mn-ea"/>
-                <a:cs typeface="+mn-cs"/>
-              </a:defRPr>
-            </a:lvl4pPr>
-            <a:lvl5pPr marL="1828800" algn="l" defTabSz="914400" rtl="0" eaLnBrk="1" latinLnBrk="0" hangingPunct="1">
-              <a:defRPr sz="1800" kern="1200">
-                <a:solidFill>
-                  <a:schemeClr val="tx1"/>
-                </a:solidFill>
-                <a:latin typeface="+mn-lt"/>
-                <a:ea typeface="+mn-ea"/>
-                <a:cs typeface="+mn-cs"/>
-              </a:defRPr>
-            </a:lvl5pPr>
-            <a:lvl6pPr marL="2286000" algn="l" defTabSz="914400" rtl="0" eaLnBrk="1" latinLnBrk="0" hangingPunct="1">
-              <a:defRPr sz="1800" kern="1200">
-                <a:solidFill>
-                  <a:schemeClr val="tx1"/>
-                </a:solidFill>
-                <a:latin typeface="+mn-lt"/>
-                <a:ea typeface="+mn-ea"/>
-                <a:cs typeface="+mn-cs"/>
-              </a:defRPr>
-            </a:lvl6pPr>
-            <a:lvl7pPr marL="2743200" algn="l" defTabSz="914400" rtl="0" eaLnBrk="1" latinLnBrk="0" hangingPunct="1">
-              <a:defRPr sz="1800" kern="1200">
-                <a:solidFill>
-                  <a:schemeClr val="tx1"/>
-                </a:solidFill>
-                <a:latin typeface="+mn-lt"/>
-                <a:ea typeface="+mn-ea"/>
-                <a:cs typeface="+mn-cs"/>
-              </a:defRPr>
-            </a:lvl7pPr>
-            <a:lvl8pPr marL="3200400" algn="l" defTabSz="914400" rtl="0" eaLnBrk="1" latinLnBrk="0" hangingPunct="1">
-              <a:defRPr sz="1800" kern="1200">
-                <a:solidFill>
-                  <a:schemeClr val="tx1"/>
-                </a:solidFill>
-                <a:latin typeface="+mn-lt"/>
-                <a:ea typeface="+mn-ea"/>
-                <a:cs typeface="+mn-cs"/>
-              </a:defRPr>
-            </a:lvl8pPr>
-            <a:lvl9pPr marL="3657600" algn="l" defTabSz="914400" rtl="0" eaLnBrk="1" latinLnBrk="0" hangingPunct="1">
-              <a:defRPr sz="1800" kern="1200">
-                <a:solidFill>
-                  <a:schemeClr val="tx1"/>
-                </a:solidFill>
-                <a:latin typeface="+mn-lt"/>
-                <a:ea typeface="+mn-ea"/>
-                <a:cs typeface="+mn-cs"/>
-              </a:defRPr>
-            </a:lvl9pPr>
-          </a:lstStyle>
-          <a:p>
-            <a:pPr algn="ctr"/>
-            <a:r>
-              <a:rPr lang="pt-BR" sz="2800" b="1" i="1" dirty="0">
-                <a:cs typeface="Calibri"/>
-              </a:rPr>
-              <a:t>Financeiro </a:t>
-            </a:r>
-          </a:p>
-        </p:txBody>
-      </p:sp>
-      <p:grpSp>
-        <p:nvGrpSpPr>
-          <p:cNvPr id="9" name="Agrupar 8">
-            <a:extLst>
-              <a:ext uri="{FF2B5EF4-FFF2-40B4-BE49-F238E27FC236}">
-                <a16:creationId xmlns:a16="http://schemas.microsoft.com/office/drawing/2014/main" id="{70EC6F40-B78A-4FA6-AEC6-D87F09F8F858}"/>
-              </a:ext>
-            </a:extLst>
-          </p:cNvPr>
-          <p:cNvGrpSpPr/>
-          <p:nvPr/>
-        </p:nvGrpSpPr>
-        <p:grpSpPr>
-          <a:xfrm>
-            <a:off x="663117" y="1181680"/>
-            <a:ext cx="2053087" cy="1761525"/>
-            <a:chOff x="649049" y="1234300"/>
-            <a:chExt cx="2053087" cy="1761525"/>
-          </a:xfrm>
-        </p:grpSpPr>
-        <p:pic>
-          <p:nvPicPr>
-            <p:cNvPr id="10" name="Imagem 6" descr="Uma imagem contendo objeto&#10;&#10;Descrição gerada com muito alta confiança">
-              <a:extLst>
-                <a:ext uri="{FF2B5EF4-FFF2-40B4-BE49-F238E27FC236}">
-                  <a16:creationId xmlns:a16="http://schemas.microsoft.com/office/drawing/2014/main" id="{2EDB6AAB-80CB-4F3F-8B37-01FF56F250D4}"/>
-                </a:ext>
-              </a:extLst>
-            </p:cNvPr>
-            <p:cNvPicPr>
-              <a:picLocks noChangeAspect="1"/>
-            </p:cNvPicPr>
-            <p:nvPr/>
-          </p:nvPicPr>
-          <p:blipFill>
-            <a:blip r:embed="rId2"/>
-            <a:stretch>
-              <a:fillRect/>
-            </a:stretch>
-          </p:blipFill>
-          <p:spPr>
-            <a:xfrm>
-              <a:off x="843144" y="1234300"/>
-              <a:ext cx="832449" cy="1326672"/>
-            </a:xfrm>
-            <a:prstGeom prst="rect">
-              <a:avLst/>
-            </a:prstGeom>
-          </p:spPr>
-        </p:pic>
-        <p:sp>
-          <p:nvSpPr>
-            <p:cNvPr id="11" name="CaixaDeTexto 10">
-              <a:extLst>
-                <a:ext uri="{FF2B5EF4-FFF2-40B4-BE49-F238E27FC236}">
-                  <a16:creationId xmlns:a16="http://schemas.microsoft.com/office/drawing/2014/main" id="{D2F17BB0-905F-429F-BA48-277307751C61}"/>
-                </a:ext>
-              </a:extLst>
-            </p:cNvPr>
-            <p:cNvSpPr txBox="1"/>
-            <p:nvPr/>
-          </p:nvSpPr>
-          <p:spPr>
-            <a:xfrm>
-              <a:off x="649049" y="2534160"/>
-              <a:ext cx="2053087" cy="461665"/>
-            </a:xfrm>
-            <a:prstGeom prst="rect">
-              <a:avLst/>
-            </a:prstGeom>
-          </p:spPr>
-          <p:txBody>
-            <a:bodyPr rot="0" spcFirstLastPara="0" vertOverflow="overflow" horzOverflow="overflow" vert="horz" wrap="square" lIns="91440" tIns="45720" rIns="91440" bIns="45720" numCol="1" spcCol="0" rtlCol="0" fromWordArt="0" anchor="t" anchorCtr="0" forceAA="0" compatLnSpc="1">
-              <a:prstTxWarp prst="textNoShape">
-                <a:avLst/>
-              </a:prstTxWarp>
-              <a:spAutoFit/>
-            </a:bodyPr>
-            <a:lstStyle/>
-            <a:p>
-              <a:r>
-                <a:rPr lang="pt-BR" sz="2400" b="1" i="1" dirty="0">
-                  <a:cs typeface="Calibri"/>
-                </a:rPr>
-                <a:t>Doador </a:t>
-              </a:r>
-              <a:endParaRPr lang="pt-BR" sz="2400" b="1" i="1" dirty="0"/>
-            </a:p>
-          </p:txBody>
-        </p:sp>
-      </p:grpSp>
-      <p:cxnSp>
-        <p:nvCxnSpPr>
-          <p:cNvPr id="12" name="Conector de Seta Reta 11">
-            <a:extLst>
-              <a:ext uri="{FF2B5EF4-FFF2-40B4-BE49-F238E27FC236}">
-                <a16:creationId xmlns:a16="http://schemas.microsoft.com/office/drawing/2014/main" id="{AADFC01F-DE98-49E6-BCF3-4D209C12920F}"/>
-              </a:ext>
-            </a:extLst>
-          </p:cNvPr>
-          <p:cNvCxnSpPr>
-            <a:cxnSpLocks/>
-          </p:cNvCxnSpPr>
-          <p:nvPr/>
-        </p:nvCxnSpPr>
-        <p:spPr>
-          <a:xfrm>
-            <a:off x="6405975" y="2787335"/>
-            <a:ext cx="0" cy="1535293"/>
-          </a:xfrm>
-          <a:prstGeom prst="straightConnector1">
-            <a:avLst/>
-          </a:prstGeom>
-          <a:ln>
-            <a:solidFill>
-              <a:schemeClr val="tx1"/>
-            </a:solidFill>
-            <a:tailEnd type="triangle"/>
-          </a:ln>
-        </p:spPr>
-        <p:style>
-          <a:lnRef idx="1">
-            <a:schemeClr val="accent1"/>
-          </a:lnRef>
-          <a:fillRef idx="0">
-            <a:schemeClr val="accent1"/>
-          </a:fillRef>
-          <a:effectRef idx="0">
-            <a:schemeClr val="accent1"/>
-          </a:effectRef>
-          <a:fontRef idx="minor">
-            <a:schemeClr val="tx1"/>
-          </a:fontRef>
-        </p:style>
-      </p:cxnSp>
-      <p:cxnSp>
-        <p:nvCxnSpPr>
-          <p:cNvPr id="13" name="Conector de Seta Reta 12">
-            <a:extLst>
-              <a:ext uri="{FF2B5EF4-FFF2-40B4-BE49-F238E27FC236}">
-                <a16:creationId xmlns:a16="http://schemas.microsoft.com/office/drawing/2014/main" id="{38305CCA-0FC0-4C75-8071-F8E8AE25FE80}"/>
-              </a:ext>
-            </a:extLst>
-          </p:cNvPr>
-          <p:cNvCxnSpPr>
-            <a:cxnSpLocks/>
-          </p:cNvCxnSpPr>
-          <p:nvPr/>
-        </p:nvCxnSpPr>
-        <p:spPr>
-          <a:xfrm flipH="1">
-            <a:off x="1764783" y="713737"/>
-            <a:ext cx="3157717" cy="1312248"/>
-          </a:xfrm>
-          <a:prstGeom prst="straightConnector1">
-            <a:avLst/>
-          </a:prstGeom>
-          <a:ln>
-            <a:solidFill>
-              <a:schemeClr val="tx1"/>
-            </a:solidFill>
-            <a:tailEnd type="triangle"/>
-          </a:ln>
-        </p:spPr>
-        <p:style>
-          <a:lnRef idx="1">
-            <a:schemeClr val="accent1"/>
-          </a:lnRef>
-          <a:fillRef idx="0">
-            <a:schemeClr val="accent1"/>
-          </a:fillRef>
-          <a:effectRef idx="0">
-            <a:schemeClr val="accent1"/>
-          </a:effectRef>
-          <a:fontRef idx="minor">
-            <a:schemeClr val="tx1"/>
-          </a:fontRef>
-        </p:style>
-      </p:cxnSp>
-      <p:sp>
-        <p:nvSpPr>
-          <p:cNvPr id="15" name="CaixaDeTexto 14">
-            <a:extLst>
-              <a:ext uri="{FF2B5EF4-FFF2-40B4-BE49-F238E27FC236}">
-                <a16:creationId xmlns:a16="http://schemas.microsoft.com/office/drawing/2014/main" id="{1072E68A-2CFE-47FF-8235-BA0891062FB7}"/>
-              </a:ext>
-            </a:extLst>
-          </p:cNvPr>
-          <p:cNvSpPr txBox="1"/>
-          <p:nvPr/>
-        </p:nvSpPr>
-        <p:spPr>
-          <a:xfrm>
-            <a:off x="-433350" y="3446932"/>
-            <a:ext cx="4827916" cy="584775"/>
+            <a:off x="4259087" y="50984"/>
+            <a:ext cx="4209689" cy="461665"/>
           </a:xfrm>
           <a:prstGeom prst="rect">
             <a:avLst/>
@@ -6300,290 +6563,19 @@
           </a:bodyPr>
           <a:lstStyle/>
           <a:p>
-            <a:pPr algn="ctr"/>
-            <a:r>
-              <a:rPr lang="pt-BR" sz="3200" b="1" i="1" u="sng" dirty="0">
+            <a:r>
+              <a:rPr lang="pt-BR" sz="2400" dirty="0">
                 <a:cs typeface="Calibri"/>
               </a:rPr>
-              <a:t>Capacidades : </a:t>
-            </a:r>
-            <a:endParaRPr lang="pt-BR" dirty="0"/>
+              <a:t>Capacidade = Realizar Matrícula</a:t>
+            </a:r>
           </a:p>
         </p:txBody>
       </p:sp>
-      <p:sp>
-        <p:nvSpPr>
-          <p:cNvPr id="16" name="CaixaDeTexto 15">
-            <a:extLst>
-              <a:ext uri="{FF2B5EF4-FFF2-40B4-BE49-F238E27FC236}">
-                <a16:creationId xmlns:a16="http://schemas.microsoft.com/office/drawing/2014/main" id="{5FE7BE5C-46D4-4852-A65D-C8065BA82FF9}"/>
-              </a:ext>
-            </a:extLst>
-          </p:cNvPr>
-          <p:cNvSpPr txBox="1"/>
-          <p:nvPr/>
-        </p:nvSpPr>
-        <p:spPr>
-          <a:xfrm>
-            <a:off x="10055395" y="945348"/>
-            <a:ext cx="2743200" cy="369332"/>
-          </a:xfrm>
-          <a:prstGeom prst="rect">
-            <a:avLst/>
-          </a:prstGeom>
-        </p:spPr>
-        <p:txBody>
-          <a:bodyPr rot="0" spcFirstLastPara="0" vertOverflow="overflow" horzOverflow="overflow" vert="horz" wrap="square" lIns="91440" tIns="45720" rIns="91440" bIns="45720" numCol="1" spcCol="0" rtlCol="0" fromWordArt="0" anchor="t" anchorCtr="0" forceAA="0" compatLnSpc="1">
-            <a:prstTxWarp prst="textNoShape">
-              <a:avLst/>
-            </a:prstTxWarp>
-            <a:spAutoFit/>
-          </a:bodyPr>
-          <a:lstStyle/>
-          <a:p>
-            <a:r>
-              <a:rPr lang="pt-BR" b="1" i="1" u="sng">
-                <a:cs typeface="Calibri"/>
-              </a:rPr>
-              <a:t>Nós operacionais</a:t>
-            </a:r>
-          </a:p>
-        </p:txBody>
-      </p:sp>
-      <p:grpSp>
-        <p:nvGrpSpPr>
-          <p:cNvPr id="20" name="Agrupar 19">
-            <a:extLst>
-              <a:ext uri="{FF2B5EF4-FFF2-40B4-BE49-F238E27FC236}">
-                <a16:creationId xmlns:a16="http://schemas.microsoft.com/office/drawing/2014/main" id="{563ABF16-B5E2-4231-A0F2-37CCF9F052D9}"/>
-              </a:ext>
-            </a:extLst>
-          </p:cNvPr>
-          <p:cNvGrpSpPr/>
-          <p:nvPr/>
-        </p:nvGrpSpPr>
-        <p:grpSpPr>
-          <a:xfrm>
-            <a:off x="4641563" y="4376034"/>
-            <a:ext cx="3321525" cy="1725002"/>
-            <a:chOff x="4924913" y="3826377"/>
-            <a:chExt cx="2837495" cy="1818979"/>
-          </a:xfrm>
-        </p:grpSpPr>
-        <p:sp>
-          <p:nvSpPr>
-            <p:cNvPr id="21" name="CaixaDeTexto 20">
-              <a:extLst>
-                <a:ext uri="{FF2B5EF4-FFF2-40B4-BE49-F238E27FC236}">
-                  <a16:creationId xmlns:a16="http://schemas.microsoft.com/office/drawing/2014/main" id="{65293A4E-D1A4-4BFC-B18A-9C448A820B5D}"/>
-                </a:ext>
-              </a:extLst>
-            </p:cNvPr>
-            <p:cNvSpPr txBox="1"/>
-            <p:nvPr/>
-          </p:nvSpPr>
-          <p:spPr>
-            <a:xfrm>
-              <a:off x="5033585" y="4087545"/>
-              <a:ext cx="2728823" cy="1557811"/>
-            </a:xfrm>
-            <a:prstGeom prst="rect">
-              <a:avLst/>
-            </a:prstGeom>
-          </p:spPr>
-          <p:txBody>
-            <a:bodyPr rot="0" spcFirstLastPara="0" vertOverflow="overflow" horzOverflow="overflow" vert="horz" wrap="square" lIns="91440" tIns="45720" rIns="91440" bIns="45720" numCol="1" spcCol="0" rtlCol="0" fromWordArt="0" anchor="t" anchorCtr="0" forceAA="0" compatLnSpc="1">
-              <a:prstTxWarp prst="textNoShape">
-                <a:avLst/>
-              </a:prstTxWarp>
-              <a:spAutoFit/>
-            </a:bodyPr>
-            <a:lstStyle/>
-            <a:p>
-              <a:pPr marL="285750" indent="-285750">
-                <a:buFont typeface="Arial"/>
-                <a:buChar char="•"/>
-              </a:pPr>
-              <a:r>
-                <a:rPr lang="pt-BR" b="1" i="1" dirty="0">
-                  <a:cs typeface="Calibri"/>
-                </a:rPr>
-                <a:t>Recebe a Doação </a:t>
-              </a:r>
-              <a:endParaRPr lang="pt-BR" dirty="0">
-                <a:cs typeface="Calibri"/>
-              </a:endParaRPr>
-            </a:p>
-            <a:p>
-              <a:pPr marL="285750" indent="-285750">
-                <a:buFont typeface="Arial"/>
-                <a:buChar char="•"/>
-              </a:pPr>
-              <a:r>
-                <a:rPr lang="pt-BR" b="1" i="1" dirty="0">
-                  <a:cs typeface="Calibri"/>
-                </a:rPr>
-                <a:t>Emitir nota de recebimento</a:t>
-              </a:r>
-            </a:p>
-            <a:p>
-              <a:pPr marL="285750" indent="-285750">
-                <a:buFont typeface="Arial"/>
-                <a:buChar char="•"/>
-              </a:pPr>
-              <a:r>
-                <a:rPr lang="pt-BR" b="1" i="1" dirty="0">
-                  <a:cs typeface="Calibri"/>
-                </a:rPr>
-                <a:t>Lançar contribuição no livro controle</a:t>
-              </a:r>
-            </a:p>
-          </p:txBody>
-        </p:sp>
-        <p:sp>
-          <p:nvSpPr>
-            <p:cNvPr id="22" name="Retângulo 21">
-              <a:extLst>
-                <a:ext uri="{FF2B5EF4-FFF2-40B4-BE49-F238E27FC236}">
-                  <a16:creationId xmlns:a16="http://schemas.microsoft.com/office/drawing/2014/main" id="{03B94166-CC62-4486-B433-F9A38735B863}"/>
-                </a:ext>
-              </a:extLst>
-            </p:cNvPr>
-            <p:cNvSpPr/>
-            <p:nvPr/>
-          </p:nvSpPr>
-          <p:spPr>
-            <a:xfrm>
-              <a:off x="4924913" y="3826377"/>
-              <a:ext cx="2769078" cy="1762663"/>
-            </a:xfrm>
-            <a:prstGeom prst="rect">
-              <a:avLst/>
-            </a:prstGeom>
-            <a:noFill/>
-            <a:ln>
-              <a:solidFill>
-                <a:schemeClr val="tx1"/>
-              </a:solidFill>
-            </a:ln>
-          </p:spPr>
-          <p:style>
-            <a:lnRef idx="2">
-              <a:schemeClr val="accent1">
-                <a:shade val="50000"/>
-              </a:schemeClr>
-            </a:lnRef>
-            <a:fillRef idx="1">
-              <a:schemeClr val="accent1"/>
-            </a:fillRef>
-            <a:effectRef idx="0">
-              <a:schemeClr val="accent1"/>
-            </a:effectRef>
-            <a:fontRef idx="minor">
-              <a:schemeClr val="lt1"/>
-            </a:fontRef>
-          </p:style>
-          <p:txBody>
-            <a:bodyPr rtlCol="0" anchor="ctr"/>
-            <a:lstStyle/>
-            <a:p>
-              <a:pPr algn="ctr"/>
-              <a:endParaRPr lang="pt-BR" dirty="0"/>
-            </a:p>
-          </p:txBody>
-        </p:sp>
-      </p:grpSp>
-      <p:cxnSp>
-        <p:nvCxnSpPr>
-          <p:cNvPr id="24" name="Conector de Seta Reta 23">
-            <a:extLst>
-              <a:ext uri="{FF2B5EF4-FFF2-40B4-BE49-F238E27FC236}">
-                <a16:creationId xmlns:a16="http://schemas.microsoft.com/office/drawing/2014/main" id="{C7F7721A-A33C-4610-8D10-0D8225B21C1F}"/>
-              </a:ext>
-            </a:extLst>
-          </p:cNvPr>
-          <p:cNvCxnSpPr>
-            <a:cxnSpLocks/>
-          </p:cNvCxnSpPr>
-          <p:nvPr/>
-        </p:nvCxnSpPr>
-        <p:spPr>
-          <a:xfrm flipV="1">
-            <a:off x="174528" y="3256578"/>
-            <a:ext cx="11887765" cy="1"/>
-          </a:xfrm>
-          <a:prstGeom prst="straightConnector1">
-            <a:avLst/>
-          </a:prstGeom>
-          <a:ln>
-            <a:solidFill>
-              <a:schemeClr val="tx1"/>
-            </a:solidFill>
-          </a:ln>
-        </p:spPr>
-        <p:style>
-          <a:lnRef idx="1">
-            <a:schemeClr val="accent1"/>
-          </a:lnRef>
-          <a:fillRef idx="0">
-            <a:schemeClr val="accent1"/>
-          </a:fillRef>
-          <a:effectRef idx="0">
-            <a:schemeClr val="accent1"/>
-          </a:effectRef>
-          <a:fontRef idx="minor">
-            <a:schemeClr val="tx1"/>
-          </a:fontRef>
-        </p:style>
-      </p:cxnSp>
-      <p:cxnSp>
-        <p:nvCxnSpPr>
-          <p:cNvPr id="25" name="Conector de Seta Reta 24">
-            <a:extLst>
-              <a:ext uri="{FF2B5EF4-FFF2-40B4-BE49-F238E27FC236}">
-                <a16:creationId xmlns:a16="http://schemas.microsoft.com/office/drawing/2014/main" id="{1A2793BB-33AA-4F95-8502-5B9663DA9DAF}"/>
-              </a:ext>
-            </a:extLst>
-          </p:cNvPr>
-          <p:cNvCxnSpPr>
-            <a:cxnSpLocks/>
-          </p:cNvCxnSpPr>
-          <p:nvPr/>
-        </p:nvCxnSpPr>
-        <p:spPr>
-          <a:xfrm>
-            <a:off x="6302326" y="713737"/>
-            <a:ext cx="0" cy="865902"/>
-          </a:xfrm>
-          <a:prstGeom prst="straightConnector1">
-            <a:avLst/>
-          </a:prstGeom>
-          <a:ln>
-            <a:solidFill>
-              <a:schemeClr val="tx1"/>
-            </a:solidFill>
-            <a:tailEnd type="triangle"/>
-          </a:ln>
-        </p:spPr>
-        <p:style>
-          <a:lnRef idx="1">
-            <a:schemeClr val="accent1"/>
-          </a:lnRef>
-          <a:fillRef idx="0">
-            <a:schemeClr val="accent1"/>
-          </a:fillRef>
-          <a:effectRef idx="0">
-            <a:schemeClr val="accent1"/>
-          </a:effectRef>
-          <a:fontRef idx="minor">
-            <a:schemeClr val="tx1"/>
-          </a:fontRef>
-        </p:style>
-      </p:cxnSp>
     </p:spTree>
     <p:extLst>
       <p:ext uri="{BB962C8B-B14F-4D97-AF65-F5344CB8AC3E}">
-        <p14:creationId xmlns:p14="http://schemas.microsoft.com/office/powerpoint/2010/main" val="1252196786"/>
+        <p14:creationId xmlns:p14="http://schemas.microsoft.com/office/powerpoint/2010/main" val="3400431455"/>
       </p:ext>
     </p:extLst>
   </p:cSld>
@@ -6594,6 +6586,2608 @@
 </file>
 
 <file path=ppt/slides/slide14.xml><?xml version="1.0" encoding="utf-8"?>
+<p:sld xmlns:a="http://schemas.openxmlformats.org/drawingml/2006/main" xmlns:r="http://schemas.openxmlformats.org/officeDocument/2006/relationships" xmlns:p="http://schemas.openxmlformats.org/presentationml/2006/main">
+  <p:cSld>
+    <p:spTree>
+      <p:nvGrpSpPr>
+        <p:cNvPr id="1" name=""/>
+        <p:cNvGrpSpPr/>
+        <p:nvPr/>
+      </p:nvGrpSpPr>
+      <p:grpSpPr>
+        <a:xfrm>
+          <a:off x="0" y="0"/>
+          <a:ext cx="0" cy="0"/>
+          <a:chOff x="0" y="0"/>
+          <a:chExt cx="0" cy="0"/>
+        </a:xfrm>
+      </p:grpSpPr>
+      <p:sp>
+        <p:nvSpPr>
+          <p:cNvPr id="4" name="CaixaDeTexto 3">
+            <a:extLst>
+              <a:ext uri="{FF2B5EF4-FFF2-40B4-BE49-F238E27FC236}">
+                <a16:creationId xmlns:a16="http://schemas.microsoft.com/office/drawing/2014/main" id="{8600E65D-8F90-45D6-8585-514491944BD1}"/>
+              </a:ext>
+            </a:extLst>
+          </p:cNvPr>
+          <p:cNvSpPr txBox="1"/>
+          <p:nvPr/>
+        </p:nvSpPr>
+        <p:spPr>
+          <a:xfrm>
+            <a:off x="280495" y="687771"/>
+            <a:ext cx="7446577" cy="4801314"/>
+          </a:xfrm>
+          <a:prstGeom prst="rect">
+            <a:avLst/>
+          </a:prstGeom>
+          <a:solidFill>
+            <a:schemeClr val="bg2">
+              <a:lumMod val="75000"/>
+            </a:schemeClr>
+          </a:solidFill>
+        </p:spPr>
+        <p:txBody>
+          <a:bodyPr rot="0" spcFirstLastPara="0" vertOverflow="overflow" horzOverflow="overflow" vert="horz" wrap="square" lIns="91440" tIns="45720" rIns="91440" bIns="45720" numCol="1" spcCol="0" rtlCol="0" fromWordArt="0" anchor="t" anchorCtr="0" forceAA="0" compatLnSpc="1">
+            <a:prstTxWarp prst="textNoShape">
+              <a:avLst/>
+            </a:prstTxWarp>
+            <a:spAutoFit/>
+          </a:bodyPr>
+          <a:lstStyle/>
+          <a:p>
+            <a:r>
+              <a:rPr lang="pt-BR" b="1" dirty="0">
+                <a:cs typeface="Calibri"/>
+              </a:rPr>
+              <a:t>Realizar Matrícula</a:t>
+            </a:r>
+          </a:p>
+          <a:p>
+            <a:r>
+              <a:rPr lang="pt-BR" b="1" dirty="0">
+                <a:cs typeface="Calibri"/>
+              </a:rPr>
+              <a:t>Evento:</a:t>
+            </a:r>
+            <a:r>
+              <a:rPr lang="pt-BR" dirty="0">
+                <a:cs typeface="Calibri"/>
+              </a:rPr>
+              <a:t> Interessado solicita matrícula .</a:t>
+            </a:r>
+          </a:p>
+          <a:p>
+            <a:r>
+              <a:rPr lang="pt-BR" b="1" dirty="0">
+                <a:cs typeface="Calibri"/>
+              </a:rPr>
+              <a:t>Objetivo: </a:t>
+            </a:r>
+            <a:r>
+              <a:rPr lang="pt-BR" dirty="0">
+                <a:cs typeface="Calibri"/>
+              </a:rPr>
+              <a:t>Inserir novo aluno na ONG.</a:t>
+            </a:r>
+          </a:p>
+          <a:p>
+            <a:r>
+              <a:rPr lang="pt-BR" b="1" dirty="0">
+                <a:cs typeface="Calibri"/>
+              </a:rPr>
+              <a:t>Trabalhadores Envolvidos:</a:t>
+            </a:r>
+          </a:p>
+          <a:p>
+            <a:pPr marL="285750" indent="-285750">
+              <a:buFont typeface="Arial"/>
+              <a:buChar char="•"/>
+            </a:pPr>
+            <a:r>
+              <a:rPr lang="pt-BR" dirty="0">
+                <a:cs typeface="Calibri"/>
+              </a:rPr>
+              <a:t>Recepcionista</a:t>
+            </a:r>
+          </a:p>
+          <a:p>
+            <a:pPr algn="ctr"/>
+            <a:endParaRPr lang="pt-BR" dirty="0">
+              <a:cs typeface="Calibri"/>
+            </a:endParaRPr>
+          </a:p>
+          <a:p>
+            <a:pPr marL="800100" lvl="1" indent="-342900">
+              <a:buAutoNum type="arabicPeriod"/>
+            </a:pPr>
+            <a:r>
+              <a:rPr lang="pt-BR" dirty="0">
+                <a:cs typeface="Calibri"/>
+              </a:rPr>
+              <a:t>Recepcionista recebe solicitação de matricula com os documentos necessários e taxa de matricula.</a:t>
+            </a:r>
+          </a:p>
+          <a:p>
+            <a:pPr marL="800100" lvl="1" indent="-342900">
+              <a:buAutoNum type="arabicPeriod"/>
+            </a:pPr>
+            <a:endParaRPr lang="pt-BR" dirty="0">
+              <a:cs typeface="Calibri"/>
+            </a:endParaRPr>
+          </a:p>
+          <a:p>
+            <a:pPr marL="800100" lvl="1" indent="-342900">
+              <a:buAutoNum type="arabicPeriod"/>
+            </a:pPr>
+            <a:r>
+              <a:rPr lang="pt-BR" dirty="0">
+                <a:cs typeface="Calibri"/>
+              </a:rPr>
+              <a:t>Matricula o interessado na modalidade.</a:t>
+            </a:r>
+          </a:p>
+          <a:p>
+            <a:pPr marL="800100" lvl="1" indent="-342900">
+              <a:buAutoNum type="arabicPeriod"/>
+            </a:pPr>
+            <a:endParaRPr lang="pt-BR" dirty="0">
+              <a:cs typeface="Calibri"/>
+            </a:endParaRPr>
+          </a:p>
+          <a:p>
+            <a:pPr marL="800100" lvl="1" indent="-342900">
+              <a:buAutoNum type="arabicPeriod"/>
+            </a:pPr>
+            <a:r>
+              <a:rPr lang="pt-BR" dirty="0">
+                <a:cs typeface="Calibri"/>
+              </a:rPr>
+              <a:t>Registra o pagamento da taxa de matricula no caixa e gera comprovante.</a:t>
+            </a:r>
+          </a:p>
+          <a:p>
+            <a:pPr marL="1200150" lvl="2" indent="-285750">
+              <a:buFont typeface="Courier New" panose="02070309020205020404" pitchFamily="49" charset="0"/>
+              <a:buChar char="o"/>
+            </a:pPr>
+            <a:r>
+              <a:rPr lang="pt-BR" dirty="0">
+                <a:cs typeface="Calibri"/>
+              </a:rPr>
+              <a:t>Se necessário troco, debita do caixa o troco do interessado.</a:t>
+            </a:r>
+          </a:p>
+          <a:p>
+            <a:pPr marL="1657350" lvl="3" indent="-285750">
+              <a:buFont typeface="Courier New" panose="02070309020205020404" pitchFamily="49" charset="0"/>
+              <a:buChar char="o"/>
+            </a:pPr>
+            <a:endParaRPr lang="pt-BR" dirty="0">
+              <a:cs typeface="Calibri"/>
+            </a:endParaRPr>
+          </a:p>
+          <a:p>
+            <a:pPr marL="800100" lvl="1" indent="-342900">
+              <a:buAutoNum type="arabicPeriod"/>
+            </a:pPr>
+            <a:r>
+              <a:rPr lang="pt-BR" dirty="0">
+                <a:cs typeface="Calibri"/>
+              </a:rPr>
+              <a:t>Entrega ao interessado o Nro_Matricula, troco(se necessário) e comprovante de pagamento.</a:t>
+            </a:r>
+          </a:p>
+        </p:txBody>
+      </p:sp>
+      <p:sp>
+        <p:nvSpPr>
+          <p:cNvPr id="2" name="CaixaDeTexto 1">
+            <a:extLst>
+              <a:ext uri="{FF2B5EF4-FFF2-40B4-BE49-F238E27FC236}">
+                <a16:creationId xmlns:a16="http://schemas.microsoft.com/office/drawing/2014/main" id="{8D09AB71-F1EE-480A-906E-5299059EAC52}"/>
+              </a:ext>
+            </a:extLst>
+          </p:cNvPr>
+          <p:cNvSpPr txBox="1"/>
+          <p:nvPr/>
+        </p:nvSpPr>
+        <p:spPr>
+          <a:xfrm>
+            <a:off x="4259087" y="50984"/>
+            <a:ext cx="4209689" cy="461665"/>
+          </a:xfrm>
+          <a:prstGeom prst="rect">
+            <a:avLst/>
+          </a:prstGeom>
+        </p:spPr>
+        <p:txBody>
+          <a:bodyPr rot="0" spcFirstLastPara="0" vertOverflow="overflow" horzOverflow="overflow" vert="horz" wrap="square" lIns="91440" tIns="45720" rIns="91440" bIns="45720" numCol="1" spcCol="0" rtlCol="0" fromWordArt="0" anchor="t" anchorCtr="0" forceAA="0" compatLnSpc="1">
+            <a:prstTxWarp prst="textNoShape">
+              <a:avLst/>
+            </a:prstTxWarp>
+            <a:spAutoFit/>
+          </a:bodyPr>
+          <a:lstStyle/>
+          <a:p>
+            <a:r>
+              <a:rPr lang="pt-BR" sz="2400" dirty="0">
+                <a:cs typeface="Calibri"/>
+              </a:rPr>
+              <a:t>Capacidade = Realizar Matrícula</a:t>
+            </a:r>
+          </a:p>
+        </p:txBody>
+      </p:sp>
+    </p:spTree>
+    <p:extLst>
+      <p:ext uri="{BB962C8B-B14F-4D97-AF65-F5344CB8AC3E}">
+        <p14:creationId xmlns:p14="http://schemas.microsoft.com/office/powerpoint/2010/main" val="2191789691"/>
+      </p:ext>
+    </p:extLst>
+  </p:cSld>
+  <p:clrMapOvr>
+    <a:masterClrMapping/>
+  </p:clrMapOvr>
+</p:sld>
+</file>
+
+<file path=ppt/slides/slide15.xml><?xml version="1.0" encoding="utf-8"?>
+<p:sld xmlns:a="http://schemas.openxmlformats.org/drawingml/2006/main" xmlns:r="http://schemas.openxmlformats.org/officeDocument/2006/relationships" xmlns:p="http://schemas.openxmlformats.org/presentationml/2006/main">
+  <p:cSld>
+    <p:spTree>
+      <p:nvGrpSpPr>
+        <p:cNvPr id="1" name=""/>
+        <p:cNvGrpSpPr/>
+        <p:nvPr/>
+      </p:nvGrpSpPr>
+      <p:grpSpPr>
+        <a:xfrm>
+          <a:off x="0" y="0"/>
+          <a:ext cx="0" cy="0"/>
+          <a:chOff x="0" y="0"/>
+          <a:chExt cx="0" cy="0"/>
+        </a:xfrm>
+      </p:grpSpPr>
+      <p:sp>
+        <p:nvSpPr>
+          <p:cNvPr id="2" name="Retângulo 1">
+            <a:extLst>
+              <a:ext uri="{FF2B5EF4-FFF2-40B4-BE49-F238E27FC236}">
+                <a16:creationId xmlns:a16="http://schemas.microsoft.com/office/drawing/2014/main" id="{7331AC1A-FE15-4F93-B8E3-A5DCA4A352F4}"/>
+              </a:ext>
+            </a:extLst>
+          </p:cNvPr>
+          <p:cNvSpPr/>
+          <p:nvPr/>
+        </p:nvSpPr>
+        <p:spPr>
+          <a:xfrm>
+            <a:off x="1038045" y="96328"/>
+            <a:ext cx="1431984" cy="914400"/>
+          </a:xfrm>
+          <a:prstGeom prst="rect">
+            <a:avLst/>
+          </a:prstGeom>
+        </p:spPr>
+        <p:style>
+          <a:lnRef idx="2">
+            <a:schemeClr val="dk1"/>
+          </a:lnRef>
+          <a:fillRef idx="1">
+            <a:schemeClr val="lt1"/>
+          </a:fillRef>
+          <a:effectRef idx="0">
+            <a:schemeClr val="dk1"/>
+          </a:effectRef>
+          <a:fontRef idx="minor">
+            <a:schemeClr val="dk1"/>
+          </a:fontRef>
+        </p:style>
+        <p:txBody>
+          <a:bodyPr rtlCol="0" anchor="ctr"/>
+          <a:lstStyle/>
+          <a:p>
+            <a:pPr algn="ctr"/>
+            <a:r>
+              <a:rPr lang="pt-BR" dirty="0">
+                <a:cs typeface="Calibri"/>
+              </a:rPr>
+              <a:t>Aluno</a:t>
+            </a:r>
+            <a:endParaRPr lang="pt-BR">
+              <a:cs typeface="Calibri"/>
+            </a:endParaRPr>
+          </a:p>
+        </p:txBody>
+      </p:sp>
+      <p:sp>
+        <p:nvSpPr>
+          <p:cNvPr id="3" name="Retângulo 2">
+            <a:extLst>
+              <a:ext uri="{FF2B5EF4-FFF2-40B4-BE49-F238E27FC236}">
+                <a16:creationId xmlns:a16="http://schemas.microsoft.com/office/drawing/2014/main" id="{E2496FF1-F228-4C7F-B34E-FFFC040EE450}"/>
+              </a:ext>
+            </a:extLst>
+          </p:cNvPr>
+          <p:cNvSpPr/>
+          <p:nvPr/>
+        </p:nvSpPr>
+        <p:spPr>
+          <a:xfrm>
+            <a:off x="1038044" y="4969013"/>
+            <a:ext cx="1431984" cy="914400"/>
+          </a:xfrm>
+          <a:prstGeom prst="rect">
+            <a:avLst/>
+          </a:prstGeom>
+          <a:solidFill>
+            <a:schemeClr val="bg2">
+              <a:lumMod val="75000"/>
+            </a:schemeClr>
+          </a:solidFill>
+        </p:spPr>
+        <p:style>
+          <a:lnRef idx="2">
+            <a:schemeClr val="dk1"/>
+          </a:lnRef>
+          <a:fillRef idx="1">
+            <a:schemeClr val="lt1"/>
+          </a:fillRef>
+          <a:effectRef idx="0">
+            <a:schemeClr val="dk1"/>
+          </a:effectRef>
+          <a:fontRef idx="minor">
+            <a:schemeClr val="dk1"/>
+          </a:fontRef>
+        </p:style>
+        <p:txBody>
+          <a:bodyPr rtlCol="0" anchor="ctr"/>
+          <a:lstStyle/>
+          <a:p>
+            <a:pPr algn="ctr"/>
+            <a:r>
+              <a:rPr lang="pt-BR" dirty="0">
+                <a:cs typeface="Calibri"/>
+              </a:rPr>
+              <a:t>Matrícula</a:t>
+            </a:r>
+          </a:p>
+        </p:txBody>
+      </p:sp>
+      <p:sp>
+        <p:nvSpPr>
+          <p:cNvPr id="5" name="Elipse 4">
+            <a:extLst>
+              <a:ext uri="{FF2B5EF4-FFF2-40B4-BE49-F238E27FC236}">
+                <a16:creationId xmlns:a16="http://schemas.microsoft.com/office/drawing/2014/main" id="{B2246A32-ED4E-4273-BC70-E632AAF5DC6D}"/>
+              </a:ext>
+            </a:extLst>
+          </p:cNvPr>
+          <p:cNvSpPr/>
+          <p:nvPr/>
+        </p:nvSpPr>
+        <p:spPr>
+          <a:xfrm>
+            <a:off x="1037147" y="1906977"/>
+            <a:ext cx="1618891" cy="1575758"/>
+          </a:xfrm>
+          <a:prstGeom prst="ellipse">
+            <a:avLst/>
+          </a:prstGeom>
+        </p:spPr>
+        <p:style>
+          <a:lnRef idx="2">
+            <a:schemeClr val="dk1"/>
+          </a:lnRef>
+          <a:fillRef idx="1">
+            <a:schemeClr val="lt1"/>
+          </a:fillRef>
+          <a:effectRef idx="0">
+            <a:schemeClr val="dk1"/>
+          </a:effectRef>
+          <a:fontRef idx="minor">
+            <a:schemeClr val="dk1"/>
+          </a:fontRef>
+        </p:style>
+        <p:txBody>
+          <a:bodyPr rtlCol="0" anchor="ctr"/>
+          <a:lstStyle/>
+          <a:p>
+            <a:pPr algn="ctr"/>
+            <a:r>
+              <a:rPr lang="pt-BR" dirty="0">
+                <a:cs typeface="Calibri"/>
+              </a:rPr>
+              <a:t>Autorizar</a:t>
+            </a:r>
+            <a:endParaRPr lang="pt-BR" dirty="0" err="1">
+              <a:cs typeface="Calibri"/>
+            </a:endParaRPr>
+          </a:p>
+          <a:p>
+            <a:pPr algn="ctr"/>
+            <a:r>
+              <a:rPr lang="pt-BR" dirty="0">
+                <a:cs typeface="Calibri"/>
+              </a:rPr>
+              <a:t>Entrada</a:t>
+            </a:r>
+          </a:p>
+        </p:txBody>
+      </p:sp>
+      <p:cxnSp>
+        <p:nvCxnSpPr>
+          <p:cNvPr id="6" name="Conector de Seta Reta 5">
+            <a:extLst>
+              <a:ext uri="{FF2B5EF4-FFF2-40B4-BE49-F238E27FC236}">
+                <a16:creationId xmlns:a16="http://schemas.microsoft.com/office/drawing/2014/main" id="{D9C4A25A-3221-45E2-91C5-E33C5B654E7F}"/>
+              </a:ext>
+            </a:extLst>
+          </p:cNvPr>
+          <p:cNvCxnSpPr/>
+          <p:nvPr/>
+        </p:nvCxnSpPr>
+        <p:spPr>
+          <a:xfrm flipH="1">
+            <a:off x="2340987" y="997188"/>
+            <a:ext cx="1" cy="1070086"/>
+          </a:xfrm>
+          <a:prstGeom prst="straightConnector1">
+            <a:avLst/>
+          </a:prstGeom>
+          <a:ln>
+            <a:solidFill>
+              <a:schemeClr val="tx1"/>
+            </a:solidFill>
+            <a:tailEnd type="triangle"/>
+          </a:ln>
+        </p:spPr>
+        <p:style>
+          <a:lnRef idx="1">
+            <a:schemeClr val="accent1"/>
+          </a:lnRef>
+          <a:fillRef idx="0">
+            <a:schemeClr val="accent1"/>
+          </a:fillRef>
+          <a:effectRef idx="0">
+            <a:schemeClr val="accent1"/>
+          </a:effectRef>
+          <a:fontRef idx="minor">
+            <a:schemeClr val="tx1"/>
+          </a:fontRef>
+        </p:style>
+      </p:cxnSp>
+      <p:sp>
+        <p:nvSpPr>
+          <p:cNvPr id="7" name="CaixaDeTexto 6">
+            <a:extLst>
+              <a:ext uri="{FF2B5EF4-FFF2-40B4-BE49-F238E27FC236}">
+                <a16:creationId xmlns:a16="http://schemas.microsoft.com/office/drawing/2014/main" id="{1AAB4C44-D2FD-499E-B4D6-E3447161AD4E}"/>
+              </a:ext>
+            </a:extLst>
+          </p:cNvPr>
+          <p:cNvSpPr txBox="1"/>
+          <p:nvPr/>
+        </p:nvSpPr>
+        <p:spPr>
+          <a:xfrm>
+            <a:off x="2299366" y="1426811"/>
+            <a:ext cx="2743200" cy="369332"/>
+          </a:xfrm>
+          <a:prstGeom prst="rect">
+            <a:avLst/>
+          </a:prstGeom>
+        </p:spPr>
+        <p:txBody>
+          <a:bodyPr rot="0" spcFirstLastPara="0" vertOverflow="overflow" horzOverflow="overflow" vert="horz" wrap="square" lIns="91440" tIns="45720" rIns="91440" bIns="45720" numCol="1" spcCol="0" rtlCol="0" fromWordArt="0" anchor="t" anchorCtr="0" forceAA="0" compatLnSpc="1">
+            <a:prstTxWarp prst="textNoShape">
+              <a:avLst/>
+            </a:prstTxWarp>
+            <a:spAutoFit/>
+          </a:bodyPr>
+          <a:lstStyle/>
+          <a:p>
+            <a:pPr algn="l"/>
+            <a:r>
+              <a:rPr lang="pt-BR" dirty="0">
+                <a:cs typeface="Calibri"/>
+              </a:rPr>
+              <a:t>Nro_Matrícula</a:t>
+            </a:r>
+          </a:p>
+        </p:txBody>
+      </p:sp>
+      <p:cxnSp>
+        <p:nvCxnSpPr>
+          <p:cNvPr id="8" name="Conector de Seta Reta 7">
+            <a:extLst>
+              <a:ext uri="{FF2B5EF4-FFF2-40B4-BE49-F238E27FC236}">
+                <a16:creationId xmlns:a16="http://schemas.microsoft.com/office/drawing/2014/main" id="{DEE04075-57F5-4D3D-9002-F8A3AC688138}"/>
+              </a:ext>
+            </a:extLst>
+          </p:cNvPr>
+          <p:cNvCxnSpPr>
+            <a:cxnSpLocks/>
+          </p:cNvCxnSpPr>
+          <p:nvPr/>
+        </p:nvCxnSpPr>
+        <p:spPr>
+          <a:xfrm flipV="1">
+            <a:off x="1775690" y="3477372"/>
+            <a:ext cx="7389" cy="1488106"/>
+          </a:xfrm>
+          <a:prstGeom prst="straightConnector1">
+            <a:avLst/>
+          </a:prstGeom>
+          <a:ln>
+            <a:solidFill>
+              <a:schemeClr val="tx1"/>
+            </a:solidFill>
+            <a:tailEnd type="triangle"/>
+          </a:ln>
+        </p:spPr>
+        <p:style>
+          <a:lnRef idx="1">
+            <a:schemeClr val="accent1"/>
+          </a:lnRef>
+          <a:fillRef idx="0">
+            <a:schemeClr val="accent1"/>
+          </a:fillRef>
+          <a:effectRef idx="0">
+            <a:schemeClr val="accent1"/>
+          </a:effectRef>
+          <a:fontRef idx="minor">
+            <a:schemeClr val="tx1"/>
+          </a:fontRef>
+        </p:style>
+      </p:cxnSp>
+      <p:sp>
+        <p:nvSpPr>
+          <p:cNvPr id="13" name="CaixaDeTexto 12">
+            <a:extLst>
+              <a:ext uri="{FF2B5EF4-FFF2-40B4-BE49-F238E27FC236}">
+                <a16:creationId xmlns:a16="http://schemas.microsoft.com/office/drawing/2014/main" id="{C379C9A8-7801-4AA8-9E54-99CD13EAB041}"/>
+              </a:ext>
+            </a:extLst>
+          </p:cNvPr>
+          <p:cNvSpPr txBox="1"/>
+          <p:nvPr/>
+        </p:nvSpPr>
+        <p:spPr>
+          <a:xfrm>
+            <a:off x="148587" y="1157484"/>
+            <a:ext cx="1190447" cy="1200329"/>
+          </a:xfrm>
+          <a:prstGeom prst="rect">
+            <a:avLst/>
+          </a:prstGeom>
+        </p:spPr>
+        <p:txBody>
+          <a:bodyPr rot="0" spcFirstLastPara="0" vertOverflow="overflow" horzOverflow="overflow" vert="horz" wrap="square" lIns="91440" tIns="45720" rIns="91440" bIns="45720" numCol="1" spcCol="0" rtlCol="0" fromWordArt="0" anchor="t" anchorCtr="0" forceAA="0" compatLnSpc="1">
+            <a:prstTxWarp prst="textNoShape">
+              <a:avLst/>
+            </a:prstTxWarp>
+            <a:spAutoFit/>
+          </a:bodyPr>
+          <a:lstStyle/>
+          <a:p>
+            <a:pPr algn="l"/>
+            <a:r>
+              <a:rPr lang="pt-BR" dirty="0">
+                <a:cs typeface="Calibri"/>
+              </a:rPr>
+              <a:t>Autorizar/ Não Autorizar a  Aula</a:t>
+            </a:r>
+          </a:p>
+        </p:txBody>
+      </p:sp>
+      <p:sp>
+        <p:nvSpPr>
+          <p:cNvPr id="14" name="CaixaDeTexto 13">
+            <a:extLst>
+              <a:ext uri="{FF2B5EF4-FFF2-40B4-BE49-F238E27FC236}">
+                <a16:creationId xmlns:a16="http://schemas.microsoft.com/office/drawing/2014/main" id="{C031E0D9-E485-4C1F-A13F-984475A3FCAD}"/>
+              </a:ext>
+            </a:extLst>
+          </p:cNvPr>
+          <p:cNvSpPr txBox="1"/>
+          <p:nvPr/>
+        </p:nvSpPr>
+        <p:spPr>
+          <a:xfrm>
+            <a:off x="3470705" y="46901"/>
+            <a:ext cx="4564268" cy="830997"/>
+          </a:xfrm>
+          <a:prstGeom prst="rect">
+            <a:avLst/>
+          </a:prstGeom>
+        </p:spPr>
+        <p:txBody>
+          <a:bodyPr rot="0" spcFirstLastPara="0" vertOverflow="overflow" horzOverflow="overflow" vert="horz" wrap="square" lIns="91440" tIns="45720" rIns="91440" bIns="45720" numCol="1" spcCol="0" rtlCol="0" fromWordArt="0" anchor="t" anchorCtr="0" forceAA="0" compatLnSpc="1">
+            <a:prstTxWarp prst="textNoShape">
+              <a:avLst/>
+            </a:prstTxWarp>
+            <a:spAutoFit/>
+          </a:bodyPr>
+          <a:lstStyle/>
+          <a:p>
+            <a:r>
+              <a:rPr lang="pt-BR" sz="2400" dirty="0">
+                <a:cs typeface="Calibri"/>
+              </a:rPr>
+              <a:t>Capacidade = </a:t>
+            </a:r>
+            <a:r>
+              <a:rPr lang="pt-BR" sz="2400" i="1" dirty="0">
+                <a:cs typeface="Calibri"/>
+              </a:rPr>
+              <a:t>Verificar inadimplência</a:t>
+            </a:r>
+            <a:endParaRPr lang="pt-BR" sz="2400" dirty="0">
+              <a:cs typeface="Calibri"/>
+            </a:endParaRPr>
+          </a:p>
+        </p:txBody>
+      </p:sp>
+      <p:sp>
+        <p:nvSpPr>
+          <p:cNvPr id="9" name="CaixaDeTexto 8">
+            <a:extLst>
+              <a:ext uri="{FF2B5EF4-FFF2-40B4-BE49-F238E27FC236}">
+                <a16:creationId xmlns:a16="http://schemas.microsoft.com/office/drawing/2014/main" id="{8CE48A7E-D60A-41AB-83D6-F65ED698CA4B}"/>
+              </a:ext>
+            </a:extLst>
+          </p:cNvPr>
+          <p:cNvSpPr txBox="1"/>
+          <p:nvPr/>
+        </p:nvSpPr>
+        <p:spPr>
+          <a:xfrm>
+            <a:off x="7115503" y="139263"/>
+            <a:ext cx="4674475" cy="4524315"/>
+          </a:xfrm>
+          <a:prstGeom prst="rect">
+            <a:avLst/>
+          </a:prstGeom>
+          <a:solidFill>
+            <a:schemeClr val="bg2">
+              <a:lumMod val="75000"/>
+            </a:schemeClr>
+          </a:solidFill>
+        </p:spPr>
+        <p:style>
+          <a:lnRef idx="1">
+            <a:schemeClr val="accent3"/>
+          </a:lnRef>
+          <a:fillRef idx="2">
+            <a:schemeClr val="accent3"/>
+          </a:fillRef>
+          <a:effectRef idx="1">
+            <a:schemeClr val="accent3"/>
+          </a:effectRef>
+          <a:fontRef idx="minor">
+            <a:schemeClr val="dk1"/>
+          </a:fontRef>
+        </p:style>
+        <p:txBody>
+          <a:bodyPr rot="0" spcFirstLastPara="0" vertOverflow="overflow" horzOverflow="overflow" vert="horz" wrap="square" lIns="91440" tIns="45720" rIns="91440" bIns="45720" numCol="1" spcCol="0" rtlCol="0" fromWordArt="0" anchor="t" anchorCtr="0" forceAA="0" compatLnSpc="1">
+            <a:prstTxWarp prst="textNoShape">
+              <a:avLst/>
+            </a:prstTxWarp>
+            <a:spAutoFit/>
+          </a:bodyPr>
+          <a:lstStyle/>
+          <a:p>
+            <a:r>
+              <a:rPr lang="pt-BR" b="1" dirty="0">
+                <a:cs typeface="Calibri"/>
+              </a:rPr>
+              <a:t>Autorizar Entrada</a:t>
+            </a:r>
+            <a:endParaRPr lang="pt-BR" dirty="0">
+              <a:cs typeface="Calibri"/>
+            </a:endParaRPr>
+          </a:p>
+          <a:p>
+            <a:r>
+              <a:rPr lang="pt-BR" b="1" dirty="0">
+                <a:cs typeface="Calibri"/>
+              </a:rPr>
+              <a:t>Evento: </a:t>
+            </a:r>
+            <a:r>
+              <a:rPr lang="pt-BR" dirty="0">
+                <a:cs typeface="Calibri"/>
+              </a:rPr>
+              <a:t>Aluno solicita entrada pra aula.</a:t>
+            </a:r>
+          </a:p>
+          <a:p>
+            <a:r>
+              <a:rPr lang="pt-BR" b="1" dirty="0">
+                <a:cs typeface="Calibri"/>
+              </a:rPr>
+              <a:t>Objetivo: </a:t>
+            </a:r>
+            <a:r>
+              <a:rPr lang="pt-BR" dirty="0">
+                <a:cs typeface="Calibri"/>
+              </a:rPr>
+              <a:t>Verificar se ele está matriculado e se a mensalidade do Aluno está em dia.</a:t>
+            </a:r>
+          </a:p>
+          <a:p>
+            <a:r>
+              <a:rPr lang="pt-BR" b="1" dirty="0">
+                <a:cs typeface="Calibri"/>
+              </a:rPr>
+              <a:t>Trabalhadores envolvidos:</a:t>
+            </a:r>
+            <a:endParaRPr lang="pt-BR" dirty="0">
+              <a:cs typeface="Calibri"/>
+            </a:endParaRPr>
+          </a:p>
+          <a:p>
+            <a:pPr marL="285750" indent="-285750">
+              <a:buFont typeface="Arial"/>
+              <a:buChar char="•"/>
+            </a:pPr>
+            <a:r>
+              <a:rPr lang="pt-BR" dirty="0">
+                <a:cs typeface="Calibri"/>
+              </a:rPr>
+              <a:t>Recepcionista</a:t>
+            </a:r>
+          </a:p>
+          <a:p>
+            <a:pPr lvl="1"/>
+            <a:r>
+              <a:rPr lang="pt-BR" dirty="0">
+                <a:cs typeface="Calibri"/>
+              </a:rPr>
+              <a:t>1. Recebe identificação do Aluno com  número de matricula.</a:t>
+            </a:r>
+          </a:p>
+          <a:p>
+            <a:endParaRPr lang="pt-BR" dirty="0">
+              <a:cs typeface="Calibri"/>
+            </a:endParaRPr>
+          </a:p>
+          <a:p>
+            <a:pPr lvl="1"/>
+            <a:r>
+              <a:rPr lang="pt-BR" dirty="0">
+                <a:cs typeface="Calibri"/>
+              </a:rPr>
+              <a:t>2.Consulta se o aluno está matriculado e Verifica status da mensalidade.</a:t>
+            </a:r>
+          </a:p>
+          <a:p>
+            <a:endParaRPr lang="pt-BR" dirty="0">
+              <a:cs typeface="Calibri"/>
+            </a:endParaRPr>
+          </a:p>
+          <a:p>
+            <a:pPr lvl="1"/>
+            <a:r>
+              <a:rPr lang="pt-BR" dirty="0">
+                <a:cs typeface="Calibri"/>
+              </a:rPr>
+              <a:t>3.  Autoriza entrada do Aluno na aula.</a:t>
+            </a:r>
+            <a:endParaRPr lang="en-US" dirty="0">
+              <a:cs typeface="Calibri"/>
+            </a:endParaRPr>
+          </a:p>
+          <a:p>
+            <a:pPr marL="1200150" lvl="2" indent="-285750">
+              <a:buFont typeface="Courier New,monospace"/>
+              <a:buChar char="o"/>
+            </a:pPr>
+            <a:r>
+              <a:rPr lang="pt-BR" dirty="0">
+                <a:cs typeface="Calibri"/>
+              </a:rPr>
+              <a:t>Se aluno estiver inadimplente, não é autorizada a entrada</a:t>
+            </a:r>
+            <a:endParaRPr lang="en-US" dirty="0">
+              <a:cs typeface="Calibri"/>
+            </a:endParaRPr>
+          </a:p>
+          <a:p>
+            <a:endParaRPr lang="pt-BR" dirty="0">
+              <a:cs typeface="Calibri"/>
+            </a:endParaRPr>
+          </a:p>
+        </p:txBody>
+      </p:sp>
+      <p:sp>
+        <p:nvSpPr>
+          <p:cNvPr id="17" name="Seta: para a Direita 16">
+            <a:extLst>
+              <a:ext uri="{FF2B5EF4-FFF2-40B4-BE49-F238E27FC236}">
+                <a16:creationId xmlns:a16="http://schemas.microsoft.com/office/drawing/2014/main" id="{7D53D3A5-3F41-435B-B884-8D70CD070095}"/>
+              </a:ext>
+            </a:extLst>
+          </p:cNvPr>
+          <p:cNvSpPr/>
+          <p:nvPr/>
+        </p:nvSpPr>
+        <p:spPr>
+          <a:xfrm>
+            <a:off x="5892546" y="2815537"/>
+            <a:ext cx="978408" cy="484632"/>
+          </a:xfrm>
+          <a:prstGeom prst="rightArrow">
+            <a:avLst/>
+          </a:prstGeom>
+          <a:solidFill>
+            <a:schemeClr val="bg2">
+              <a:lumMod val="75000"/>
+            </a:schemeClr>
+          </a:solidFill>
+          <a:ln>
+            <a:solidFill>
+              <a:schemeClr val="tx1"/>
+            </a:solidFill>
+          </a:ln>
+        </p:spPr>
+        <p:style>
+          <a:lnRef idx="2">
+            <a:schemeClr val="accent1">
+              <a:shade val="50000"/>
+            </a:schemeClr>
+          </a:lnRef>
+          <a:fillRef idx="1">
+            <a:schemeClr val="accent1"/>
+          </a:fillRef>
+          <a:effectRef idx="0">
+            <a:schemeClr val="accent1"/>
+          </a:effectRef>
+          <a:fontRef idx="minor">
+            <a:schemeClr val="lt1"/>
+          </a:fontRef>
+        </p:style>
+        <p:txBody>
+          <a:bodyPr rtlCol="0" anchor="ctr"/>
+          <a:lstStyle/>
+          <a:p>
+            <a:pPr algn="ctr"/>
+            <a:endParaRPr lang="pt-BR"/>
+          </a:p>
+        </p:txBody>
+      </p:sp>
+      <p:sp>
+        <p:nvSpPr>
+          <p:cNvPr id="18" name="CaixaDeTexto 17">
+            <a:extLst>
+              <a:ext uri="{FF2B5EF4-FFF2-40B4-BE49-F238E27FC236}">
+                <a16:creationId xmlns:a16="http://schemas.microsoft.com/office/drawing/2014/main" id="{6FAB2EB8-F9FD-44E8-89E4-11640C633C28}"/>
+              </a:ext>
+            </a:extLst>
+          </p:cNvPr>
+          <p:cNvSpPr txBox="1"/>
+          <p:nvPr/>
+        </p:nvSpPr>
+        <p:spPr>
+          <a:xfrm>
+            <a:off x="4680058" y="2853887"/>
+            <a:ext cx="2743200" cy="369332"/>
+          </a:xfrm>
+          <a:prstGeom prst="rect">
+            <a:avLst/>
+          </a:prstGeom>
+        </p:spPr>
+        <p:txBody>
+          <a:bodyPr rot="0" spcFirstLastPara="0" vertOverflow="overflow" horzOverflow="overflow" vert="horz" wrap="square" lIns="91440" tIns="45720" rIns="91440" bIns="45720" numCol="1" spcCol="0" rtlCol="0" fromWordArt="0" anchor="t" anchorCtr="0" forceAA="0" compatLnSpc="1">
+            <a:prstTxWarp prst="textNoShape">
+              <a:avLst/>
+            </a:prstTxWarp>
+            <a:spAutoFit/>
+          </a:bodyPr>
+          <a:lstStyle/>
+          <a:p>
+            <a:pPr algn="l"/>
+            <a:r>
+              <a:rPr lang="pt-BR" dirty="0">
+                <a:cs typeface="Calibri"/>
+              </a:rPr>
+              <a:t>Descrição</a:t>
+            </a:r>
+          </a:p>
+        </p:txBody>
+      </p:sp>
+      <p:cxnSp>
+        <p:nvCxnSpPr>
+          <p:cNvPr id="38" name="Conector de seta reta 37"/>
+          <p:cNvCxnSpPr/>
+          <p:nvPr/>
+        </p:nvCxnSpPr>
+        <p:spPr>
+          <a:xfrm flipV="1">
+            <a:off x="1286585" y="997188"/>
+            <a:ext cx="4836" cy="1140554"/>
+          </a:xfrm>
+          <a:prstGeom prst="straightConnector1">
+            <a:avLst/>
+          </a:prstGeom>
+          <a:ln>
+            <a:solidFill>
+              <a:schemeClr val="tx1"/>
+            </a:solidFill>
+            <a:tailEnd type="triangle"/>
+          </a:ln>
+        </p:spPr>
+        <p:style>
+          <a:lnRef idx="1">
+            <a:schemeClr val="accent1"/>
+          </a:lnRef>
+          <a:fillRef idx="0">
+            <a:schemeClr val="accent1"/>
+          </a:fillRef>
+          <a:effectRef idx="0">
+            <a:schemeClr val="accent1"/>
+          </a:effectRef>
+          <a:fontRef idx="minor">
+            <a:schemeClr val="tx1"/>
+          </a:fontRef>
+        </p:style>
+      </p:cxnSp>
+    </p:spTree>
+    <p:extLst>
+      <p:ext uri="{BB962C8B-B14F-4D97-AF65-F5344CB8AC3E}">
+        <p14:creationId xmlns:p14="http://schemas.microsoft.com/office/powerpoint/2010/main" val="3029450987"/>
+      </p:ext>
+    </p:extLst>
+  </p:cSld>
+  <p:clrMapOvr>
+    <a:masterClrMapping/>
+  </p:clrMapOvr>
+</p:sld>
+</file>
+
+<file path=ppt/slides/slide16.xml><?xml version="1.0" encoding="utf-8"?>
+<p:sld xmlns:a="http://schemas.openxmlformats.org/drawingml/2006/main" xmlns:r="http://schemas.openxmlformats.org/officeDocument/2006/relationships" xmlns:p="http://schemas.openxmlformats.org/presentationml/2006/main">
+  <p:cSld>
+    <p:spTree>
+      <p:nvGrpSpPr>
+        <p:cNvPr id="1" name=""/>
+        <p:cNvGrpSpPr/>
+        <p:nvPr/>
+      </p:nvGrpSpPr>
+      <p:grpSpPr>
+        <a:xfrm>
+          <a:off x="0" y="0"/>
+          <a:ext cx="0" cy="0"/>
+          <a:chOff x="0" y="0"/>
+          <a:chExt cx="0" cy="0"/>
+        </a:xfrm>
+      </p:grpSpPr>
+      <p:sp>
+        <p:nvSpPr>
+          <p:cNvPr id="2" name="Retângulo 1">
+            <a:extLst>
+              <a:ext uri="{FF2B5EF4-FFF2-40B4-BE49-F238E27FC236}">
+                <a16:creationId xmlns:a16="http://schemas.microsoft.com/office/drawing/2014/main" id="{C4817A17-78F0-4224-BC4E-5C25B029C385}"/>
+              </a:ext>
+            </a:extLst>
+          </p:cNvPr>
+          <p:cNvSpPr/>
+          <p:nvPr/>
+        </p:nvSpPr>
+        <p:spPr>
+          <a:xfrm>
+            <a:off x="1399463" y="1147611"/>
+            <a:ext cx="2093343" cy="914400"/>
+          </a:xfrm>
+          <a:prstGeom prst="rect">
+            <a:avLst/>
+          </a:prstGeom>
+        </p:spPr>
+        <p:style>
+          <a:lnRef idx="2">
+            <a:schemeClr val="dk1"/>
+          </a:lnRef>
+          <a:fillRef idx="1">
+            <a:schemeClr val="lt1"/>
+          </a:fillRef>
+          <a:effectRef idx="0">
+            <a:schemeClr val="dk1"/>
+          </a:effectRef>
+          <a:fontRef idx="minor">
+            <a:schemeClr val="dk1"/>
+          </a:fontRef>
+        </p:style>
+        <p:txBody>
+          <a:bodyPr rtlCol="0" anchor="ctr"/>
+          <a:lstStyle/>
+          <a:p>
+            <a:pPr algn="ctr"/>
+            <a:r>
+              <a:rPr lang="pt-BR" dirty="0"/>
+              <a:t>Voluntario</a:t>
+            </a:r>
+          </a:p>
+        </p:txBody>
+      </p:sp>
+      <p:cxnSp>
+        <p:nvCxnSpPr>
+          <p:cNvPr id="3" name="Conector de Seta Reta 2">
+            <a:extLst>
+              <a:ext uri="{FF2B5EF4-FFF2-40B4-BE49-F238E27FC236}">
+                <a16:creationId xmlns:a16="http://schemas.microsoft.com/office/drawing/2014/main" id="{75E155B9-77A8-47AF-8ADD-A3AF193ACCB1}"/>
+              </a:ext>
+            </a:extLst>
+          </p:cNvPr>
+          <p:cNvCxnSpPr/>
+          <p:nvPr/>
+        </p:nvCxnSpPr>
+        <p:spPr>
+          <a:xfrm>
+            <a:off x="2728470" y="2070581"/>
+            <a:ext cx="9868" cy="1178894"/>
+          </a:xfrm>
+          <a:prstGeom prst="straightConnector1">
+            <a:avLst/>
+          </a:prstGeom>
+          <a:ln>
+            <a:solidFill>
+              <a:schemeClr val="tx1"/>
+            </a:solidFill>
+            <a:tailEnd type="triangle"/>
+          </a:ln>
+        </p:spPr>
+        <p:style>
+          <a:lnRef idx="1">
+            <a:schemeClr val="accent1"/>
+          </a:lnRef>
+          <a:fillRef idx="0">
+            <a:schemeClr val="accent1"/>
+          </a:fillRef>
+          <a:effectRef idx="0">
+            <a:schemeClr val="accent1"/>
+          </a:effectRef>
+          <a:fontRef idx="minor">
+            <a:schemeClr val="tx1"/>
+          </a:fontRef>
+        </p:style>
+      </p:cxnSp>
+      <p:sp>
+        <p:nvSpPr>
+          <p:cNvPr id="4" name="Elipse 3">
+            <a:extLst>
+              <a:ext uri="{FF2B5EF4-FFF2-40B4-BE49-F238E27FC236}">
+                <a16:creationId xmlns:a16="http://schemas.microsoft.com/office/drawing/2014/main" id="{402CE597-0776-41CF-94CA-CB54FBD9F9EA}"/>
+              </a:ext>
+            </a:extLst>
+          </p:cNvPr>
+          <p:cNvSpPr/>
+          <p:nvPr/>
+        </p:nvSpPr>
+        <p:spPr>
+          <a:xfrm>
+            <a:off x="1598949" y="3244909"/>
+            <a:ext cx="1900487" cy="1259456"/>
+          </a:xfrm>
+          <a:prstGeom prst="ellipse">
+            <a:avLst/>
+          </a:prstGeom>
+        </p:spPr>
+        <p:style>
+          <a:lnRef idx="2">
+            <a:schemeClr val="dk1"/>
+          </a:lnRef>
+          <a:fillRef idx="1">
+            <a:schemeClr val="lt1"/>
+          </a:fillRef>
+          <a:effectRef idx="0">
+            <a:schemeClr val="dk1"/>
+          </a:effectRef>
+          <a:fontRef idx="minor">
+            <a:schemeClr val="dk1"/>
+          </a:fontRef>
+        </p:style>
+        <p:txBody>
+          <a:bodyPr rtlCol="0" anchor="ctr"/>
+          <a:lstStyle/>
+          <a:p>
+            <a:pPr algn="ctr"/>
+            <a:r>
+              <a:rPr lang="pt-BR" dirty="0">
+                <a:cs typeface="Calibri"/>
+              </a:rPr>
+              <a:t>Inserir</a:t>
+            </a:r>
+          </a:p>
+          <a:p>
+            <a:pPr algn="ctr"/>
+            <a:r>
+              <a:rPr lang="pt-BR" dirty="0">
+                <a:cs typeface="Calibri"/>
+              </a:rPr>
+              <a:t>Colaborador</a:t>
+            </a:r>
+          </a:p>
+        </p:txBody>
+      </p:sp>
+      <p:cxnSp>
+        <p:nvCxnSpPr>
+          <p:cNvPr id="5" name="Conector de Seta Reta 4">
+            <a:extLst>
+              <a:ext uri="{FF2B5EF4-FFF2-40B4-BE49-F238E27FC236}">
+                <a16:creationId xmlns:a16="http://schemas.microsoft.com/office/drawing/2014/main" id="{092B8303-252A-46BF-BDFC-8BE22376996C}"/>
+              </a:ext>
+            </a:extLst>
+          </p:cNvPr>
+          <p:cNvCxnSpPr/>
+          <p:nvPr/>
+        </p:nvCxnSpPr>
+        <p:spPr>
+          <a:xfrm flipH="1">
+            <a:off x="2873126" y="4470547"/>
+            <a:ext cx="5750" cy="1337540"/>
+          </a:xfrm>
+          <a:prstGeom prst="straightConnector1">
+            <a:avLst/>
+          </a:prstGeom>
+          <a:ln>
+            <a:solidFill>
+              <a:schemeClr val="tx1"/>
+            </a:solidFill>
+            <a:tailEnd type="triangle"/>
+          </a:ln>
+        </p:spPr>
+        <p:style>
+          <a:lnRef idx="1">
+            <a:schemeClr val="accent1"/>
+          </a:lnRef>
+          <a:fillRef idx="0">
+            <a:schemeClr val="accent1"/>
+          </a:fillRef>
+          <a:effectRef idx="0">
+            <a:schemeClr val="accent1"/>
+          </a:effectRef>
+          <a:fontRef idx="minor">
+            <a:schemeClr val="tx1"/>
+          </a:fontRef>
+        </p:style>
+      </p:cxnSp>
+      <p:sp>
+        <p:nvSpPr>
+          <p:cNvPr id="6" name="Retângulo 5">
+            <a:extLst>
+              <a:ext uri="{FF2B5EF4-FFF2-40B4-BE49-F238E27FC236}">
+                <a16:creationId xmlns:a16="http://schemas.microsoft.com/office/drawing/2014/main" id="{3F69578D-2C08-4D4F-B462-141DD334ACA8}"/>
+              </a:ext>
+            </a:extLst>
+          </p:cNvPr>
+          <p:cNvSpPr/>
+          <p:nvPr/>
+        </p:nvSpPr>
+        <p:spPr>
+          <a:xfrm>
+            <a:off x="1497625" y="5828433"/>
+            <a:ext cx="2093343" cy="914400"/>
+          </a:xfrm>
+          <a:prstGeom prst="rect">
+            <a:avLst/>
+          </a:prstGeom>
+          <a:solidFill>
+            <a:schemeClr val="bg2">
+              <a:lumMod val="75000"/>
+            </a:schemeClr>
+          </a:solidFill>
+          <a:ln>
+            <a:solidFill>
+              <a:schemeClr val="tx1"/>
+            </a:solidFill>
+          </a:ln>
+        </p:spPr>
+        <p:style>
+          <a:lnRef idx="2">
+            <a:schemeClr val="dk1"/>
+          </a:lnRef>
+          <a:fillRef idx="1">
+            <a:schemeClr val="lt1"/>
+          </a:fillRef>
+          <a:effectRef idx="0">
+            <a:schemeClr val="dk1"/>
+          </a:effectRef>
+          <a:fontRef idx="minor">
+            <a:schemeClr val="dk1"/>
+          </a:fontRef>
+        </p:style>
+        <p:txBody>
+          <a:bodyPr rtlCol="0" anchor="ctr"/>
+          <a:lstStyle/>
+          <a:p>
+            <a:pPr algn="ctr"/>
+            <a:r>
+              <a:rPr lang="pt-BR" dirty="0">
+                <a:cs typeface="Calibri"/>
+              </a:rPr>
+              <a:t>Colaboradores</a:t>
+            </a:r>
+            <a:endParaRPr lang="pt-BR" dirty="0"/>
+          </a:p>
+        </p:txBody>
+      </p:sp>
+      <p:cxnSp>
+        <p:nvCxnSpPr>
+          <p:cNvPr id="8" name="Conector de Seta Reta 7">
+            <a:extLst>
+              <a:ext uri="{FF2B5EF4-FFF2-40B4-BE49-F238E27FC236}">
+                <a16:creationId xmlns:a16="http://schemas.microsoft.com/office/drawing/2014/main" id="{9A465F67-1274-4BB7-8990-1887FA0A2D60}"/>
+              </a:ext>
+            </a:extLst>
+          </p:cNvPr>
+          <p:cNvCxnSpPr/>
+          <p:nvPr/>
+        </p:nvCxnSpPr>
+        <p:spPr>
+          <a:xfrm flipV="1">
+            <a:off x="2873126" y="4450201"/>
+            <a:ext cx="6146" cy="1336648"/>
+          </a:xfrm>
+          <a:prstGeom prst="straightConnector1">
+            <a:avLst/>
+          </a:prstGeom>
+          <a:ln>
+            <a:solidFill>
+              <a:schemeClr val="tx1"/>
+            </a:solidFill>
+            <a:tailEnd type="triangle"/>
+          </a:ln>
+        </p:spPr>
+        <p:style>
+          <a:lnRef idx="1">
+            <a:schemeClr val="accent1"/>
+          </a:lnRef>
+          <a:fillRef idx="0">
+            <a:schemeClr val="accent1"/>
+          </a:fillRef>
+          <a:effectRef idx="0">
+            <a:schemeClr val="accent1"/>
+          </a:effectRef>
+          <a:fontRef idx="minor">
+            <a:schemeClr val="tx1"/>
+          </a:fontRef>
+        </p:style>
+      </p:cxnSp>
+      <p:sp>
+        <p:nvSpPr>
+          <p:cNvPr id="12" name="CaixaDeTexto 11">
+            <a:extLst>
+              <a:ext uri="{FF2B5EF4-FFF2-40B4-BE49-F238E27FC236}">
+                <a16:creationId xmlns:a16="http://schemas.microsoft.com/office/drawing/2014/main" id="{69F99116-13E8-4446-AE65-5CCE40C0102E}"/>
+              </a:ext>
+            </a:extLst>
+          </p:cNvPr>
+          <p:cNvSpPr txBox="1"/>
+          <p:nvPr/>
+        </p:nvSpPr>
+        <p:spPr>
+          <a:xfrm>
+            <a:off x="674201" y="2371718"/>
+            <a:ext cx="1362974" cy="646331"/>
+          </a:xfrm>
+          <a:prstGeom prst="rect">
+            <a:avLst/>
+          </a:prstGeom>
+        </p:spPr>
+        <p:txBody>
+          <a:bodyPr rot="0" spcFirstLastPara="0" vertOverflow="overflow" horzOverflow="overflow" vert="horz" wrap="square" lIns="91440" tIns="45720" rIns="91440" bIns="45720" numCol="1" spcCol="0" rtlCol="0" fromWordArt="0" anchor="t" anchorCtr="0" forceAA="0" compatLnSpc="1">
+            <a:prstTxWarp prst="textNoShape">
+              <a:avLst/>
+            </a:prstTxWarp>
+            <a:spAutoFit/>
+          </a:bodyPr>
+          <a:lstStyle/>
+          <a:p>
+            <a:r>
+              <a:rPr lang="pt-BR" dirty="0">
+                <a:cs typeface="Calibri"/>
+              </a:rPr>
+              <a:t>Informar Reposta</a:t>
+            </a:r>
+            <a:endParaRPr lang="pt-BR" dirty="0"/>
+          </a:p>
+        </p:txBody>
+      </p:sp>
+      <p:cxnSp>
+        <p:nvCxnSpPr>
+          <p:cNvPr id="13" name="Conector de Seta Reta 12">
+            <a:extLst>
+              <a:ext uri="{FF2B5EF4-FFF2-40B4-BE49-F238E27FC236}">
+                <a16:creationId xmlns:a16="http://schemas.microsoft.com/office/drawing/2014/main" id="{3560FD0F-6549-4141-838E-A08B004C9956}"/>
+              </a:ext>
+            </a:extLst>
+          </p:cNvPr>
+          <p:cNvCxnSpPr>
+            <a:cxnSpLocks/>
+          </p:cNvCxnSpPr>
+          <p:nvPr/>
+        </p:nvCxnSpPr>
+        <p:spPr>
+          <a:xfrm flipH="1" flipV="1">
+            <a:off x="2111709" y="2063375"/>
+            <a:ext cx="6992" cy="1257820"/>
+          </a:xfrm>
+          <a:prstGeom prst="straightConnector1">
+            <a:avLst/>
+          </a:prstGeom>
+          <a:ln>
+            <a:solidFill>
+              <a:schemeClr val="tx1"/>
+            </a:solidFill>
+            <a:tailEnd type="triangle"/>
+          </a:ln>
+        </p:spPr>
+        <p:style>
+          <a:lnRef idx="1">
+            <a:schemeClr val="accent1"/>
+          </a:lnRef>
+          <a:fillRef idx="0">
+            <a:schemeClr val="accent1"/>
+          </a:fillRef>
+          <a:effectRef idx="0">
+            <a:schemeClr val="accent1"/>
+          </a:effectRef>
+          <a:fontRef idx="minor">
+            <a:schemeClr val="tx1"/>
+          </a:fontRef>
+        </p:style>
+      </p:cxnSp>
+      <p:sp>
+        <p:nvSpPr>
+          <p:cNvPr id="7" name="CaixaDeTexto 6">
+            <a:extLst>
+              <a:ext uri="{FF2B5EF4-FFF2-40B4-BE49-F238E27FC236}">
+                <a16:creationId xmlns:a16="http://schemas.microsoft.com/office/drawing/2014/main" id="{7FB608DA-CD32-435E-9736-D9F0D6D40858}"/>
+              </a:ext>
+            </a:extLst>
+          </p:cNvPr>
+          <p:cNvSpPr txBox="1"/>
+          <p:nvPr/>
+        </p:nvSpPr>
+        <p:spPr>
+          <a:xfrm>
+            <a:off x="2504090" y="283779"/>
+            <a:ext cx="4963510" cy="830997"/>
+          </a:xfrm>
+          <a:prstGeom prst="rect">
+            <a:avLst/>
+          </a:prstGeom>
+        </p:spPr>
+        <p:txBody>
+          <a:bodyPr rot="0" spcFirstLastPara="0" vertOverflow="overflow" horzOverflow="overflow" vert="horz" wrap="square" lIns="91440" tIns="45720" rIns="91440" bIns="45720" numCol="1" spcCol="0" rtlCol="0" fromWordArt="0" anchor="t" anchorCtr="0" forceAA="0" compatLnSpc="1">
+            <a:prstTxWarp prst="textNoShape">
+              <a:avLst/>
+            </a:prstTxWarp>
+            <a:spAutoFit/>
+          </a:bodyPr>
+          <a:lstStyle/>
+          <a:p>
+            <a:r>
+              <a:rPr lang="pt-BR" sz="2400" dirty="0">
+                <a:cs typeface="Calibri"/>
+              </a:rPr>
+              <a:t>Capacidade:  Tornar voluntario em um colaborador</a:t>
+            </a:r>
+          </a:p>
+        </p:txBody>
+      </p:sp>
+      <p:sp>
+        <p:nvSpPr>
+          <p:cNvPr id="14" name="CaixaDeTexto 13">
+            <a:extLst>
+              <a:ext uri="{FF2B5EF4-FFF2-40B4-BE49-F238E27FC236}">
+                <a16:creationId xmlns:a16="http://schemas.microsoft.com/office/drawing/2014/main" id="{0BF9F42C-338F-411B-BD35-FAB947BC5016}"/>
+              </a:ext>
+            </a:extLst>
+          </p:cNvPr>
+          <p:cNvSpPr txBox="1"/>
+          <p:nvPr/>
+        </p:nvSpPr>
+        <p:spPr>
+          <a:xfrm>
+            <a:off x="6601483" y="1254344"/>
+            <a:ext cx="5489026" cy="4524315"/>
+          </a:xfrm>
+          <a:prstGeom prst="rect">
+            <a:avLst/>
+          </a:prstGeom>
+          <a:solidFill>
+            <a:schemeClr val="bg2">
+              <a:lumMod val="75000"/>
+            </a:schemeClr>
+          </a:solidFill>
+        </p:spPr>
+        <p:style>
+          <a:lnRef idx="1">
+            <a:schemeClr val="accent3"/>
+          </a:lnRef>
+          <a:fillRef idx="2">
+            <a:schemeClr val="accent3"/>
+          </a:fillRef>
+          <a:effectRef idx="1">
+            <a:schemeClr val="accent3"/>
+          </a:effectRef>
+          <a:fontRef idx="minor">
+            <a:schemeClr val="dk1"/>
+          </a:fontRef>
+        </p:style>
+        <p:txBody>
+          <a:bodyPr rot="0" spcFirstLastPara="0" vertOverflow="overflow" horzOverflow="overflow" vert="horz" wrap="square" lIns="91440" tIns="45720" rIns="91440" bIns="45720" numCol="1" spcCol="0" rtlCol="0" fromWordArt="0" anchor="t" anchorCtr="0" forceAA="0" compatLnSpc="1">
+            <a:prstTxWarp prst="textNoShape">
+              <a:avLst/>
+            </a:prstTxWarp>
+            <a:spAutoFit/>
+          </a:bodyPr>
+          <a:lstStyle/>
+          <a:p>
+            <a:r>
+              <a:rPr lang="pt-BR" b="1" dirty="0">
+                <a:cs typeface="Calibri"/>
+              </a:rPr>
+              <a:t>Inserir Colaborador</a:t>
+            </a:r>
+          </a:p>
+          <a:p>
+            <a:r>
+              <a:rPr lang="pt-BR" b="1" dirty="0">
+                <a:cs typeface="Calibri"/>
+              </a:rPr>
+              <a:t>Evento:</a:t>
+            </a:r>
+            <a:r>
+              <a:rPr lang="pt-BR" dirty="0">
+                <a:cs typeface="Calibri"/>
+              </a:rPr>
+              <a:t> Entrada de um colaborador na ONG.</a:t>
+            </a:r>
+          </a:p>
+          <a:p>
+            <a:r>
+              <a:rPr lang="pt-BR" b="1" dirty="0">
+                <a:cs typeface="Calibri"/>
+              </a:rPr>
+              <a:t>Objetivo: </a:t>
+            </a:r>
+            <a:r>
+              <a:rPr lang="pt-BR" dirty="0">
+                <a:cs typeface="Calibri"/>
+              </a:rPr>
+              <a:t>Direcionar um novo colaborador a uma tarefa na ONG.</a:t>
+            </a:r>
+          </a:p>
+          <a:p>
+            <a:r>
+              <a:rPr lang="pt-BR" b="1" dirty="0">
+                <a:cs typeface="Calibri"/>
+              </a:rPr>
+              <a:t>Trabalhadores envolvidos:</a:t>
+            </a:r>
+            <a:endParaRPr lang="pt-BR" dirty="0">
+              <a:cs typeface="Calibri"/>
+            </a:endParaRPr>
+          </a:p>
+          <a:p>
+            <a:pPr marL="742950" lvl="1" indent="-285750">
+              <a:buFont typeface="Arial"/>
+              <a:buChar char="•"/>
+            </a:pPr>
+            <a:r>
+              <a:rPr lang="pt-BR" dirty="0">
+                <a:cs typeface="Calibri"/>
+              </a:rPr>
+              <a:t>Diretoria</a:t>
+            </a:r>
+            <a:endParaRPr lang="pt-BR" b="1" dirty="0">
+              <a:cs typeface="Calibri"/>
+            </a:endParaRPr>
+          </a:p>
+          <a:p>
+            <a:pPr marL="1257300" lvl="2" indent="-342900">
+              <a:buAutoNum type="arabicPeriod"/>
+            </a:pPr>
+            <a:r>
+              <a:rPr lang="pt-BR" dirty="0">
+                <a:cs typeface="Calibri"/>
+              </a:rPr>
+              <a:t> Recebe solicitação de cadastro do voluntário.</a:t>
+            </a:r>
+          </a:p>
+          <a:p>
+            <a:pPr marL="1257300" lvl="2" indent="-342900">
+              <a:buAutoNum type="arabicPeriod"/>
+            </a:pPr>
+            <a:r>
+              <a:rPr lang="pt-BR" dirty="0">
+                <a:cs typeface="Calibri"/>
+              </a:rPr>
+              <a:t>Verifica se tem vaga no quadro de colaboradores</a:t>
+            </a:r>
+          </a:p>
+          <a:p>
+            <a:pPr marL="1257300" lvl="2" indent="-342900">
+              <a:buAutoNum type="arabicPeriod"/>
+            </a:pPr>
+            <a:r>
+              <a:rPr lang="pt-BR" dirty="0">
+                <a:cs typeface="Calibri"/>
+              </a:rPr>
+              <a:t>Cadastrar voluntário no quadro de colaboradores</a:t>
+            </a:r>
+          </a:p>
+          <a:p>
+            <a:pPr marL="1714500" lvl="3" indent="-342900">
+              <a:buFont typeface="Courier New"/>
+              <a:buChar char="o"/>
+            </a:pPr>
+            <a:r>
+              <a:rPr lang="pt-BR" dirty="0">
+                <a:cs typeface="Calibri"/>
+              </a:rPr>
+              <a:t>Caso não tenha vaga, não cadastrar.</a:t>
+            </a:r>
+          </a:p>
+          <a:p>
+            <a:pPr marL="1257300" lvl="2" indent="-342900">
+              <a:buAutoNum type="arabicPeriod"/>
+            </a:pPr>
+            <a:r>
+              <a:rPr lang="pt-BR" dirty="0">
+                <a:cs typeface="Calibri"/>
+              </a:rPr>
+              <a:t>Informar resposta ao voluntário.</a:t>
+            </a:r>
+          </a:p>
+          <a:p>
+            <a:pPr marL="1714500" lvl="3" indent="-342900">
+              <a:buFont typeface="Courier New"/>
+              <a:buChar char="o"/>
+            </a:pPr>
+            <a:r>
+              <a:rPr lang="pt-BR" dirty="0">
+                <a:cs typeface="Calibri"/>
+              </a:rPr>
+              <a:t>Caso esteja cadastrado informar regras da vaga.</a:t>
+            </a:r>
+          </a:p>
+        </p:txBody>
+      </p:sp>
+      <p:sp>
+        <p:nvSpPr>
+          <p:cNvPr id="16" name="CaixaDeTexto 15">
+            <a:extLst>
+              <a:ext uri="{FF2B5EF4-FFF2-40B4-BE49-F238E27FC236}">
+                <a16:creationId xmlns:a16="http://schemas.microsoft.com/office/drawing/2014/main" id="{24D22BE1-D5FA-4CA9-A3DF-BDED81EC4D0A}"/>
+              </a:ext>
+            </a:extLst>
+          </p:cNvPr>
+          <p:cNvSpPr txBox="1"/>
+          <p:nvPr/>
+        </p:nvSpPr>
+        <p:spPr>
+          <a:xfrm>
+            <a:off x="4167679" y="3694715"/>
+            <a:ext cx="2743200" cy="369332"/>
+          </a:xfrm>
+          <a:prstGeom prst="rect">
+            <a:avLst/>
+          </a:prstGeom>
+        </p:spPr>
+        <p:txBody>
+          <a:bodyPr rot="0" spcFirstLastPara="0" vertOverflow="overflow" horzOverflow="overflow" vert="horz" wrap="square" lIns="91440" tIns="45720" rIns="91440" bIns="45720" numCol="1" spcCol="0" rtlCol="0" fromWordArt="0" anchor="t" anchorCtr="0" forceAA="0" compatLnSpc="1">
+            <a:prstTxWarp prst="textNoShape">
+              <a:avLst/>
+            </a:prstTxWarp>
+            <a:spAutoFit/>
+          </a:bodyPr>
+          <a:lstStyle/>
+          <a:p>
+            <a:pPr algn="l"/>
+            <a:r>
+              <a:rPr lang="pt-BR" dirty="0">
+                <a:cs typeface="Calibri"/>
+              </a:rPr>
+              <a:t>Descrição</a:t>
+            </a:r>
+          </a:p>
+        </p:txBody>
+      </p:sp>
+      <p:sp>
+        <p:nvSpPr>
+          <p:cNvPr id="18" name="Seta: para a Direita 17">
+            <a:extLst>
+              <a:ext uri="{FF2B5EF4-FFF2-40B4-BE49-F238E27FC236}">
+                <a16:creationId xmlns:a16="http://schemas.microsoft.com/office/drawing/2014/main" id="{A05163EF-D34F-4465-85BD-BEDB276CE0E9}"/>
+              </a:ext>
+            </a:extLst>
+          </p:cNvPr>
+          <p:cNvSpPr/>
+          <p:nvPr/>
+        </p:nvSpPr>
+        <p:spPr>
+          <a:xfrm>
+            <a:off x="5406443" y="3577537"/>
+            <a:ext cx="978408" cy="484632"/>
+          </a:xfrm>
+          <a:prstGeom prst="rightArrow">
+            <a:avLst/>
+          </a:prstGeom>
+          <a:solidFill>
+            <a:schemeClr val="bg2">
+              <a:lumMod val="75000"/>
+            </a:schemeClr>
+          </a:solidFill>
+          <a:ln>
+            <a:solidFill>
+              <a:schemeClr val="tx1"/>
+            </a:solidFill>
+          </a:ln>
+        </p:spPr>
+        <p:style>
+          <a:lnRef idx="2">
+            <a:schemeClr val="accent1">
+              <a:shade val="50000"/>
+            </a:schemeClr>
+          </a:lnRef>
+          <a:fillRef idx="1">
+            <a:schemeClr val="accent1"/>
+          </a:fillRef>
+          <a:effectRef idx="0">
+            <a:schemeClr val="accent1"/>
+          </a:effectRef>
+          <a:fontRef idx="minor">
+            <a:schemeClr val="lt1"/>
+          </a:fontRef>
+        </p:style>
+        <p:txBody>
+          <a:bodyPr rtlCol="0" anchor="ctr"/>
+          <a:lstStyle/>
+          <a:p>
+            <a:pPr algn="ctr"/>
+            <a:endParaRPr lang="pt-BR"/>
+          </a:p>
+        </p:txBody>
+      </p:sp>
+      <p:sp>
+        <p:nvSpPr>
+          <p:cNvPr id="15" name="CaixaDeTexto 14">
+            <a:extLst>
+              <a:ext uri="{FF2B5EF4-FFF2-40B4-BE49-F238E27FC236}">
+                <a16:creationId xmlns:a16="http://schemas.microsoft.com/office/drawing/2014/main" id="{F36DF806-452D-4DBF-B886-5303EF46E7D6}"/>
+              </a:ext>
+            </a:extLst>
+          </p:cNvPr>
+          <p:cNvSpPr txBox="1"/>
+          <p:nvPr/>
+        </p:nvSpPr>
+        <p:spPr>
+          <a:xfrm>
+            <a:off x="2945824" y="2371718"/>
+            <a:ext cx="1362974" cy="646331"/>
+          </a:xfrm>
+          <a:prstGeom prst="rect">
+            <a:avLst/>
+          </a:prstGeom>
+        </p:spPr>
+        <p:txBody>
+          <a:bodyPr rot="0" spcFirstLastPara="0" vertOverflow="overflow" horzOverflow="overflow" vert="horz" wrap="square" lIns="91440" tIns="45720" rIns="91440" bIns="45720" numCol="1" spcCol="0" rtlCol="0" fromWordArt="0" anchor="t" anchorCtr="0" forceAA="0" compatLnSpc="1">
+            <a:prstTxWarp prst="textNoShape">
+              <a:avLst/>
+            </a:prstTxWarp>
+            <a:spAutoFit/>
+          </a:bodyPr>
+          <a:lstStyle/>
+          <a:p>
+            <a:pPr algn="ctr"/>
+            <a:r>
+              <a:rPr lang="pt-BR" dirty="0">
+                <a:cs typeface="Calibri"/>
+              </a:rPr>
+              <a:t>Solicitar</a:t>
+            </a:r>
+          </a:p>
+          <a:p>
+            <a:pPr algn="ctr"/>
+            <a:r>
+              <a:rPr lang="pt-BR" dirty="0">
+                <a:cs typeface="Calibri"/>
+              </a:rPr>
+              <a:t>Cadastro</a:t>
+            </a:r>
+          </a:p>
+        </p:txBody>
+      </p:sp>
+    </p:spTree>
+    <p:extLst>
+      <p:ext uri="{BB962C8B-B14F-4D97-AF65-F5344CB8AC3E}">
+        <p14:creationId xmlns:p14="http://schemas.microsoft.com/office/powerpoint/2010/main" val="3205529213"/>
+      </p:ext>
+    </p:extLst>
+  </p:cSld>
+  <p:clrMapOvr>
+    <a:masterClrMapping/>
+  </p:clrMapOvr>
+</p:sld>
+</file>
+
+<file path=ppt/slides/slide17.xml><?xml version="1.0" encoding="utf-8"?>
+<p:sld xmlns:a="http://schemas.openxmlformats.org/drawingml/2006/main" xmlns:r="http://schemas.openxmlformats.org/officeDocument/2006/relationships" xmlns:p="http://schemas.openxmlformats.org/presentationml/2006/main">
+  <p:cSld>
+    <p:spTree>
+      <p:nvGrpSpPr>
+        <p:cNvPr id="1" name=""/>
+        <p:cNvGrpSpPr/>
+        <p:nvPr/>
+      </p:nvGrpSpPr>
+      <p:grpSpPr>
+        <a:xfrm>
+          <a:off x="0" y="0"/>
+          <a:ext cx="0" cy="0"/>
+          <a:chOff x="0" y="0"/>
+          <a:chExt cx="0" cy="0"/>
+        </a:xfrm>
+      </p:grpSpPr>
+      <p:sp>
+        <p:nvSpPr>
+          <p:cNvPr id="2" name="Retângulo 1">
+            <a:extLst>
+              <a:ext uri="{FF2B5EF4-FFF2-40B4-BE49-F238E27FC236}">
+                <a16:creationId xmlns:a16="http://schemas.microsoft.com/office/drawing/2014/main" id="{F25D9931-2A34-4441-8234-04F8F330EDE3}"/>
+              </a:ext>
+            </a:extLst>
+          </p:cNvPr>
+          <p:cNvSpPr/>
+          <p:nvPr/>
+        </p:nvSpPr>
+        <p:spPr>
+          <a:xfrm>
+            <a:off x="1280229" y="686048"/>
+            <a:ext cx="1949569" cy="914400"/>
+          </a:xfrm>
+          <a:prstGeom prst="rect">
+            <a:avLst/>
+          </a:prstGeom>
+        </p:spPr>
+        <p:style>
+          <a:lnRef idx="2">
+            <a:schemeClr val="dk1"/>
+          </a:lnRef>
+          <a:fillRef idx="1">
+            <a:schemeClr val="lt1"/>
+          </a:fillRef>
+          <a:effectRef idx="0">
+            <a:schemeClr val="dk1"/>
+          </a:effectRef>
+          <a:fontRef idx="minor">
+            <a:schemeClr val="dk1"/>
+          </a:fontRef>
+        </p:style>
+        <p:txBody>
+          <a:bodyPr rtlCol="0" anchor="ctr"/>
+          <a:lstStyle/>
+          <a:p>
+            <a:pPr algn="ctr"/>
+            <a:r>
+              <a:rPr lang="pt-BR" dirty="0">
+                <a:cs typeface="Calibri"/>
+              </a:rPr>
+              <a:t>Doador</a:t>
+            </a:r>
+            <a:endParaRPr lang="pt-BR" dirty="0"/>
+          </a:p>
+        </p:txBody>
+      </p:sp>
+      <p:cxnSp>
+        <p:nvCxnSpPr>
+          <p:cNvPr id="3" name="Conector de Seta Reta 2">
+            <a:extLst>
+              <a:ext uri="{FF2B5EF4-FFF2-40B4-BE49-F238E27FC236}">
+                <a16:creationId xmlns:a16="http://schemas.microsoft.com/office/drawing/2014/main" id="{DD2362A0-26E7-4752-BA70-DC5EA141C163}"/>
+              </a:ext>
+            </a:extLst>
+          </p:cNvPr>
+          <p:cNvCxnSpPr/>
+          <p:nvPr/>
+        </p:nvCxnSpPr>
+        <p:spPr>
+          <a:xfrm flipH="1">
+            <a:off x="2258429" y="1599599"/>
+            <a:ext cx="5750" cy="1582699"/>
+          </a:xfrm>
+          <a:prstGeom prst="straightConnector1">
+            <a:avLst/>
+          </a:prstGeom>
+          <a:ln>
+            <a:solidFill>
+              <a:schemeClr val="tx1"/>
+            </a:solidFill>
+            <a:tailEnd type="triangle"/>
+          </a:ln>
+        </p:spPr>
+        <p:style>
+          <a:lnRef idx="1">
+            <a:schemeClr val="accent1"/>
+          </a:lnRef>
+          <a:fillRef idx="0">
+            <a:schemeClr val="accent1"/>
+          </a:fillRef>
+          <a:effectRef idx="0">
+            <a:schemeClr val="accent1"/>
+          </a:effectRef>
+          <a:fontRef idx="minor">
+            <a:schemeClr val="tx1"/>
+          </a:fontRef>
+        </p:style>
+      </p:cxnSp>
+      <p:sp>
+        <p:nvSpPr>
+          <p:cNvPr id="5" name="Retângulo 4">
+            <a:extLst>
+              <a:ext uri="{FF2B5EF4-FFF2-40B4-BE49-F238E27FC236}">
+                <a16:creationId xmlns:a16="http://schemas.microsoft.com/office/drawing/2014/main" id="{E430DB26-A7AA-4F73-B45A-E520DE02B9F1}"/>
+              </a:ext>
+            </a:extLst>
+          </p:cNvPr>
+          <p:cNvSpPr/>
+          <p:nvPr/>
+        </p:nvSpPr>
+        <p:spPr>
+          <a:xfrm>
+            <a:off x="1267091" y="5690608"/>
+            <a:ext cx="1949569" cy="914400"/>
+          </a:xfrm>
+          <a:prstGeom prst="rect">
+            <a:avLst/>
+          </a:prstGeom>
+          <a:solidFill>
+            <a:schemeClr val="bg2">
+              <a:lumMod val="75000"/>
+            </a:schemeClr>
+          </a:solidFill>
+        </p:spPr>
+        <p:style>
+          <a:lnRef idx="2">
+            <a:schemeClr val="dk1"/>
+          </a:lnRef>
+          <a:fillRef idx="1">
+            <a:schemeClr val="lt1"/>
+          </a:fillRef>
+          <a:effectRef idx="0">
+            <a:schemeClr val="dk1"/>
+          </a:effectRef>
+          <a:fontRef idx="minor">
+            <a:schemeClr val="dk1"/>
+          </a:fontRef>
+        </p:style>
+        <p:txBody>
+          <a:bodyPr rtlCol="0" anchor="ctr"/>
+          <a:lstStyle/>
+          <a:p>
+            <a:pPr algn="ctr"/>
+            <a:r>
+              <a:rPr lang="pt-BR" dirty="0">
+                <a:cs typeface="Calibri"/>
+              </a:rPr>
+              <a:t>Doações</a:t>
+            </a:r>
+            <a:endParaRPr lang="pt-BR" dirty="0"/>
+          </a:p>
+        </p:txBody>
+      </p:sp>
+      <p:sp>
+        <p:nvSpPr>
+          <p:cNvPr id="6" name="Elipse 5">
+            <a:extLst>
+              <a:ext uri="{FF2B5EF4-FFF2-40B4-BE49-F238E27FC236}">
+                <a16:creationId xmlns:a16="http://schemas.microsoft.com/office/drawing/2014/main" id="{0B165049-39DC-4A49-8BEF-084544FB17BA}"/>
+              </a:ext>
+            </a:extLst>
+          </p:cNvPr>
+          <p:cNvSpPr/>
+          <p:nvPr/>
+        </p:nvSpPr>
+        <p:spPr>
+          <a:xfrm>
+            <a:off x="1408169" y="3171874"/>
+            <a:ext cx="1705155" cy="1302589"/>
+          </a:xfrm>
+          <a:prstGeom prst="ellipse">
+            <a:avLst/>
+          </a:prstGeom>
+        </p:spPr>
+        <p:style>
+          <a:lnRef idx="2">
+            <a:schemeClr val="dk1"/>
+          </a:lnRef>
+          <a:fillRef idx="1">
+            <a:schemeClr val="lt1"/>
+          </a:fillRef>
+          <a:effectRef idx="0">
+            <a:schemeClr val="dk1"/>
+          </a:effectRef>
+          <a:fontRef idx="minor">
+            <a:schemeClr val="dk1"/>
+          </a:fontRef>
+        </p:style>
+        <p:txBody>
+          <a:bodyPr rtlCol="0" anchor="ctr"/>
+          <a:lstStyle/>
+          <a:p>
+            <a:pPr algn="ctr"/>
+            <a:r>
+              <a:rPr lang="pt-BR">
+                <a:cs typeface="Calibri"/>
+              </a:rPr>
+              <a:t>Receber</a:t>
+            </a:r>
+          </a:p>
+          <a:p>
+            <a:pPr algn="ctr"/>
+            <a:r>
+              <a:rPr lang="pt-BR">
+                <a:cs typeface="Calibri"/>
+              </a:rPr>
+              <a:t>Doação</a:t>
+            </a:r>
+            <a:endParaRPr lang="pt-BR" dirty="0">
+              <a:cs typeface="Calibri"/>
+            </a:endParaRPr>
+          </a:p>
+        </p:txBody>
+      </p:sp>
+      <p:cxnSp>
+        <p:nvCxnSpPr>
+          <p:cNvPr id="7" name="Conector de Seta Reta 6">
+            <a:extLst>
+              <a:ext uri="{FF2B5EF4-FFF2-40B4-BE49-F238E27FC236}">
+                <a16:creationId xmlns:a16="http://schemas.microsoft.com/office/drawing/2014/main" id="{7454E7BB-9D41-4A12-8428-6BB24664233A}"/>
+              </a:ext>
+            </a:extLst>
+          </p:cNvPr>
+          <p:cNvCxnSpPr>
+            <a:cxnSpLocks/>
+          </p:cNvCxnSpPr>
+          <p:nvPr/>
+        </p:nvCxnSpPr>
+        <p:spPr>
+          <a:xfrm flipH="1">
+            <a:off x="2257686" y="4484490"/>
+            <a:ext cx="5750" cy="1166995"/>
+          </a:xfrm>
+          <a:prstGeom prst="straightConnector1">
+            <a:avLst/>
+          </a:prstGeom>
+          <a:ln>
+            <a:solidFill>
+              <a:schemeClr val="tx1"/>
+            </a:solidFill>
+            <a:tailEnd type="triangle"/>
+          </a:ln>
+        </p:spPr>
+        <p:style>
+          <a:lnRef idx="1">
+            <a:schemeClr val="accent1"/>
+          </a:lnRef>
+          <a:fillRef idx="0">
+            <a:schemeClr val="accent1"/>
+          </a:fillRef>
+          <a:effectRef idx="0">
+            <a:schemeClr val="accent1"/>
+          </a:effectRef>
+          <a:fontRef idx="minor">
+            <a:schemeClr val="tx1"/>
+          </a:fontRef>
+        </p:style>
+      </p:cxnSp>
+      <p:sp>
+        <p:nvSpPr>
+          <p:cNvPr id="20" name="CaixaDeTexto 19">
+            <a:extLst>
+              <a:ext uri="{FF2B5EF4-FFF2-40B4-BE49-F238E27FC236}">
+                <a16:creationId xmlns:a16="http://schemas.microsoft.com/office/drawing/2014/main" id="{EE063C56-0066-4077-AD6C-024ED0D03377}"/>
+              </a:ext>
+            </a:extLst>
+          </p:cNvPr>
+          <p:cNvSpPr txBox="1"/>
+          <p:nvPr/>
+        </p:nvSpPr>
+        <p:spPr>
+          <a:xfrm>
+            <a:off x="2326356" y="2060623"/>
+            <a:ext cx="1219201" cy="646331"/>
+          </a:xfrm>
+          <a:prstGeom prst="rect">
+            <a:avLst/>
+          </a:prstGeom>
+        </p:spPr>
+        <p:txBody>
+          <a:bodyPr rot="0" spcFirstLastPara="0" vertOverflow="overflow" horzOverflow="overflow" vert="horz" wrap="square" lIns="91440" tIns="45720" rIns="91440" bIns="45720" numCol="1" spcCol="0" rtlCol="0" fromWordArt="0" anchor="t" anchorCtr="0" forceAA="0" compatLnSpc="1">
+            <a:prstTxWarp prst="textNoShape">
+              <a:avLst/>
+            </a:prstTxWarp>
+            <a:spAutoFit/>
+          </a:bodyPr>
+          <a:lstStyle/>
+          <a:p>
+            <a:pPr algn="ctr"/>
+            <a:r>
+              <a:rPr lang="pt-BR" dirty="0">
+                <a:cs typeface="Calibri"/>
+              </a:rPr>
+              <a:t>Entregar Doação</a:t>
+            </a:r>
+            <a:endParaRPr lang="pt-BR"/>
+          </a:p>
+        </p:txBody>
+      </p:sp>
+      <p:cxnSp>
+        <p:nvCxnSpPr>
+          <p:cNvPr id="24" name="Conector de Seta Reta 23">
+            <a:extLst>
+              <a:ext uri="{FF2B5EF4-FFF2-40B4-BE49-F238E27FC236}">
+                <a16:creationId xmlns:a16="http://schemas.microsoft.com/office/drawing/2014/main" id="{1E32D56D-7EAE-46FD-9270-F2153D2674CA}"/>
+              </a:ext>
+            </a:extLst>
+          </p:cNvPr>
+          <p:cNvCxnSpPr/>
+          <p:nvPr/>
+        </p:nvCxnSpPr>
+        <p:spPr>
+          <a:xfrm flipV="1">
+            <a:off x="156502" y="1053552"/>
+            <a:ext cx="1103040" cy="5750"/>
+          </a:xfrm>
+          <a:prstGeom prst="straightConnector1">
+            <a:avLst/>
+          </a:prstGeom>
+          <a:ln>
+            <a:solidFill>
+              <a:schemeClr val="tx1"/>
+            </a:solidFill>
+            <a:tailEnd type="triangle"/>
+          </a:ln>
+        </p:spPr>
+        <p:style>
+          <a:lnRef idx="1">
+            <a:schemeClr val="accent1"/>
+          </a:lnRef>
+          <a:fillRef idx="0">
+            <a:schemeClr val="accent1"/>
+          </a:fillRef>
+          <a:effectRef idx="0">
+            <a:schemeClr val="accent1"/>
+          </a:effectRef>
+          <a:fontRef idx="minor">
+            <a:schemeClr val="tx1"/>
+          </a:fontRef>
+        </p:style>
+      </p:cxnSp>
+      <p:sp>
+        <p:nvSpPr>
+          <p:cNvPr id="25" name="CaixaDeTexto 24">
+            <a:extLst>
+              <a:ext uri="{FF2B5EF4-FFF2-40B4-BE49-F238E27FC236}">
+                <a16:creationId xmlns:a16="http://schemas.microsoft.com/office/drawing/2014/main" id="{86E5058E-8A54-45B3-9D06-FA34AE2BEDD4}"/>
+              </a:ext>
+            </a:extLst>
+          </p:cNvPr>
+          <p:cNvSpPr txBox="1"/>
+          <p:nvPr/>
+        </p:nvSpPr>
+        <p:spPr>
+          <a:xfrm>
+            <a:off x="86493" y="2060406"/>
+            <a:ext cx="1636144" cy="646331"/>
+          </a:xfrm>
+          <a:prstGeom prst="rect">
+            <a:avLst/>
+          </a:prstGeom>
+        </p:spPr>
+        <p:txBody>
+          <a:bodyPr rot="0" spcFirstLastPara="0" vertOverflow="overflow" horzOverflow="overflow" vert="horz" wrap="square" lIns="91440" tIns="45720" rIns="91440" bIns="45720" numCol="1" spcCol="0" rtlCol="0" fromWordArt="0" anchor="t" anchorCtr="0" forceAA="0" compatLnSpc="1">
+            <a:prstTxWarp prst="textNoShape">
+              <a:avLst/>
+            </a:prstTxWarp>
+            <a:spAutoFit/>
+          </a:bodyPr>
+          <a:lstStyle/>
+          <a:p>
+            <a:pPr algn="ctr"/>
+            <a:r>
+              <a:rPr lang="pt-BR" dirty="0">
+                <a:cs typeface="Calibri"/>
+              </a:rPr>
+              <a:t>Entregar Comprovante</a:t>
+            </a:r>
+            <a:endParaRPr lang="pt-BR"/>
+          </a:p>
+        </p:txBody>
+      </p:sp>
+      <p:cxnSp>
+        <p:nvCxnSpPr>
+          <p:cNvPr id="4" name="Conector de Seta Reta 3">
+            <a:extLst>
+              <a:ext uri="{FF2B5EF4-FFF2-40B4-BE49-F238E27FC236}">
+                <a16:creationId xmlns:a16="http://schemas.microsoft.com/office/drawing/2014/main" id="{11350AC0-AD03-4C25-B857-0A0143B22D2F}"/>
+              </a:ext>
+            </a:extLst>
+          </p:cNvPr>
+          <p:cNvCxnSpPr/>
+          <p:nvPr/>
+        </p:nvCxnSpPr>
+        <p:spPr>
+          <a:xfrm flipH="1">
+            <a:off x="155030" y="737361"/>
+            <a:ext cx="5253" cy="3083148"/>
+          </a:xfrm>
+          <a:prstGeom prst="straightConnector1">
+            <a:avLst/>
+          </a:prstGeom>
+          <a:ln>
+            <a:solidFill>
+              <a:schemeClr val="tx1"/>
+            </a:solidFill>
+          </a:ln>
+        </p:spPr>
+        <p:style>
+          <a:lnRef idx="1">
+            <a:schemeClr val="accent1"/>
+          </a:lnRef>
+          <a:fillRef idx="0">
+            <a:schemeClr val="accent1"/>
+          </a:fillRef>
+          <a:effectRef idx="0">
+            <a:schemeClr val="accent1"/>
+          </a:effectRef>
+          <a:fontRef idx="minor">
+            <a:schemeClr val="tx1"/>
+          </a:fontRef>
+        </p:style>
+      </p:cxnSp>
+      <p:cxnSp>
+        <p:nvCxnSpPr>
+          <p:cNvPr id="14" name="Conector de Seta Reta 13">
+            <a:extLst>
+              <a:ext uri="{FF2B5EF4-FFF2-40B4-BE49-F238E27FC236}">
+                <a16:creationId xmlns:a16="http://schemas.microsoft.com/office/drawing/2014/main" id="{E18C630E-5EAE-44F6-9908-1E5F197BD4BA}"/>
+              </a:ext>
+            </a:extLst>
+          </p:cNvPr>
+          <p:cNvCxnSpPr>
+            <a:cxnSpLocks/>
+          </p:cNvCxnSpPr>
+          <p:nvPr/>
+        </p:nvCxnSpPr>
+        <p:spPr>
+          <a:xfrm flipV="1">
+            <a:off x="160281" y="3820510"/>
+            <a:ext cx="1242849" cy="5258"/>
+          </a:xfrm>
+          <a:prstGeom prst="straightConnector1">
+            <a:avLst/>
+          </a:prstGeom>
+          <a:ln>
+            <a:solidFill>
+              <a:schemeClr val="tx1"/>
+            </a:solidFill>
+          </a:ln>
+        </p:spPr>
+        <p:style>
+          <a:lnRef idx="1">
+            <a:schemeClr val="accent1"/>
+          </a:lnRef>
+          <a:fillRef idx="0">
+            <a:schemeClr val="accent1"/>
+          </a:fillRef>
+          <a:effectRef idx="0">
+            <a:schemeClr val="accent1"/>
+          </a:effectRef>
+          <a:fontRef idx="minor">
+            <a:schemeClr val="tx1"/>
+          </a:fontRef>
+        </p:style>
+      </p:cxnSp>
+      <p:sp>
+        <p:nvSpPr>
+          <p:cNvPr id="12" name="CaixaDeTexto 11">
+            <a:extLst>
+              <a:ext uri="{FF2B5EF4-FFF2-40B4-BE49-F238E27FC236}">
+                <a16:creationId xmlns:a16="http://schemas.microsoft.com/office/drawing/2014/main" id="{CB77A5E5-B880-42F7-A62D-91FC9E1182D6}"/>
+              </a:ext>
+            </a:extLst>
+          </p:cNvPr>
+          <p:cNvSpPr txBox="1"/>
+          <p:nvPr/>
+        </p:nvSpPr>
+        <p:spPr>
+          <a:xfrm>
+            <a:off x="1032641" y="-5256"/>
+            <a:ext cx="4963510" cy="461665"/>
+          </a:xfrm>
+          <a:prstGeom prst="rect">
+            <a:avLst/>
+          </a:prstGeom>
+        </p:spPr>
+        <p:txBody>
+          <a:bodyPr rot="0" spcFirstLastPara="0" vertOverflow="overflow" horzOverflow="overflow" vert="horz" wrap="square" lIns="91440" tIns="45720" rIns="91440" bIns="45720" numCol="1" spcCol="0" rtlCol="0" fromWordArt="0" anchor="t" anchorCtr="0" forceAA="0" compatLnSpc="1">
+            <a:prstTxWarp prst="textNoShape">
+              <a:avLst/>
+            </a:prstTxWarp>
+            <a:spAutoFit/>
+          </a:bodyPr>
+          <a:lstStyle/>
+          <a:p>
+            <a:r>
+              <a:rPr lang="pt-BR" sz="2400">
+                <a:cs typeface="Calibri"/>
+              </a:rPr>
+              <a:t>Capacidade:  Receber Doações</a:t>
+            </a:r>
+            <a:endParaRPr lang="pt-BR" sz="2400" dirty="0">
+              <a:cs typeface="Calibri"/>
+            </a:endParaRPr>
+          </a:p>
+        </p:txBody>
+      </p:sp>
+      <p:sp>
+        <p:nvSpPr>
+          <p:cNvPr id="8" name="CaixaDeTexto 7">
+            <a:extLst>
+              <a:ext uri="{FF2B5EF4-FFF2-40B4-BE49-F238E27FC236}">
+                <a16:creationId xmlns:a16="http://schemas.microsoft.com/office/drawing/2014/main" id="{265B57C0-4419-4EC5-AF58-E6E7D1D114AA}"/>
+              </a:ext>
+            </a:extLst>
+          </p:cNvPr>
+          <p:cNvSpPr txBox="1"/>
+          <p:nvPr/>
+        </p:nvSpPr>
+        <p:spPr>
+          <a:xfrm>
+            <a:off x="6655677" y="47298"/>
+            <a:ext cx="5423335" cy="4524315"/>
+          </a:xfrm>
+          <a:prstGeom prst="rect">
+            <a:avLst/>
+          </a:prstGeom>
+          <a:solidFill>
+            <a:schemeClr val="bg2">
+              <a:lumMod val="75000"/>
+            </a:schemeClr>
+          </a:solidFill>
+          <a:ln>
+            <a:solidFill>
+              <a:schemeClr val="bg2">
+                <a:lumMod val="75000"/>
+              </a:schemeClr>
+            </a:solidFill>
+          </a:ln>
+        </p:spPr>
+        <p:txBody>
+          <a:bodyPr rot="0" spcFirstLastPara="0" vertOverflow="overflow" horzOverflow="overflow" vert="horz" wrap="square" lIns="91440" tIns="45720" rIns="91440" bIns="45720" numCol="1" spcCol="0" rtlCol="0" fromWordArt="0" anchor="t" anchorCtr="0" forceAA="0" compatLnSpc="1">
+            <a:prstTxWarp prst="textNoShape">
+              <a:avLst/>
+            </a:prstTxWarp>
+            <a:spAutoFit/>
+          </a:bodyPr>
+          <a:lstStyle/>
+          <a:p>
+            <a:r>
+              <a:rPr lang="pt-BR" b="1" dirty="0">
+                <a:cs typeface="Calibri"/>
+              </a:rPr>
+              <a:t>Receber Doação</a:t>
+            </a:r>
+          </a:p>
+          <a:p>
+            <a:r>
+              <a:rPr lang="pt-BR" b="1" dirty="0">
+                <a:cs typeface="Calibri"/>
+              </a:rPr>
+              <a:t>Evento: </a:t>
+            </a:r>
+            <a:r>
+              <a:rPr lang="pt-BR" dirty="0">
+                <a:cs typeface="Calibri"/>
+              </a:rPr>
+              <a:t>ONG recebe algum tipo de doação.</a:t>
+            </a:r>
+            <a:endParaRPr lang="pt-BR" b="1" dirty="0">
+              <a:cs typeface="Calibri"/>
+            </a:endParaRPr>
+          </a:p>
+          <a:p>
+            <a:r>
+              <a:rPr lang="pt-BR" b="1" dirty="0">
+                <a:cs typeface="Calibri"/>
+              </a:rPr>
+              <a:t>Objetivo: </a:t>
+            </a:r>
+            <a:r>
+              <a:rPr lang="pt-BR" dirty="0">
+                <a:cs typeface="Calibri"/>
+              </a:rPr>
+              <a:t>Contabilizar entrada de algum tipo de doação na ONG.</a:t>
+            </a:r>
+            <a:endParaRPr lang="pt-BR" b="1" dirty="0">
+              <a:cs typeface="Calibri"/>
+            </a:endParaRPr>
+          </a:p>
+          <a:p>
+            <a:r>
+              <a:rPr lang="pt-BR" b="1" dirty="0">
+                <a:cs typeface="Calibri"/>
+              </a:rPr>
+              <a:t>Trabalhadores Envolvidos:</a:t>
+            </a:r>
+          </a:p>
+          <a:p>
+            <a:pPr marL="742950" lvl="1" indent="-285750">
+              <a:buFont typeface="Arial"/>
+              <a:buChar char="•"/>
+            </a:pPr>
+            <a:r>
+              <a:rPr lang="pt-BR" dirty="0">
+                <a:cs typeface="Calibri"/>
+              </a:rPr>
+              <a:t>Recepcionista</a:t>
+            </a:r>
+          </a:p>
+          <a:p>
+            <a:pPr lvl="1"/>
+            <a:endParaRPr lang="pt-BR" dirty="0">
+              <a:cs typeface="Calibri"/>
+            </a:endParaRPr>
+          </a:p>
+          <a:p>
+            <a:pPr marL="1257300" lvl="2" indent="-342900">
+              <a:buAutoNum type="arabicPeriod"/>
+            </a:pPr>
+            <a:r>
+              <a:rPr lang="pt-BR" dirty="0">
+                <a:cs typeface="Calibri"/>
+              </a:rPr>
+              <a:t>Recebe doação do doador.</a:t>
+            </a:r>
+          </a:p>
+          <a:p>
+            <a:pPr marL="1257300" lvl="2" indent="-342900">
+              <a:buAutoNum type="arabicPeriod"/>
+            </a:pPr>
+            <a:endParaRPr lang="pt-BR" dirty="0">
+              <a:cs typeface="Calibri"/>
+            </a:endParaRPr>
+          </a:p>
+          <a:p>
+            <a:pPr marL="1257300" lvl="2" indent="-342900">
+              <a:buAutoNum type="arabicPeriod"/>
+            </a:pPr>
+            <a:r>
+              <a:rPr lang="pt-BR" dirty="0">
+                <a:cs typeface="Calibri"/>
+              </a:rPr>
+              <a:t>Armazena doação.</a:t>
+            </a:r>
+          </a:p>
+          <a:p>
+            <a:pPr marL="1257300" lvl="2" indent="-342900">
+              <a:buAutoNum type="arabicPeriod"/>
+            </a:pPr>
+            <a:endParaRPr lang="pt-BR" dirty="0">
+              <a:cs typeface="Calibri"/>
+            </a:endParaRPr>
+          </a:p>
+          <a:p>
+            <a:pPr marL="1257300" lvl="2" indent="-342900">
+              <a:buAutoNum type="arabicPeriod"/>
+            </a:pPr>
+            <a:r>
+              <a:rPr lang="pt-BR" dirty="0">
+                <a:cs typeface="Calibri"/>
+              </a:rPr>
+              <a:t>Lançar contribuição no Livro Controle e gera comprovante da doação.</a:t>
+            </a:r>
+          </a:p>
+          <a:p>
+            <a:pPr marL="1257300" lvl="2" indent="-342900">
+              <a:buAutoNum type="arabicPeriod"/>
+            </a:pPr>
+            <a:endParaRPr lang="pt-BR" dirty="0">
+              <a:cs typeface="Calibri"/>
+            </a:endParaRPr>
+          </a:p>
+          <a:p>
+            <a:pPr marL="1257300" lvl="2" indent="-342900">
+              <a:buAutoNum type="arabicPeriod"/>
+            </a:pPr>
+            <a:r>
+              <a:rPr lang="pt-BR" dirty="0">
+                <a:cs typeface="Calibri"/>
+              </a:rPr>
+              <a:t>Entrega comprovante da doação para o doador.</a:t>
+            </a:r>
+          </a:p>
+        </p:txBody>
+      </p:sp>
+      <p:sp>
+        <p:nvSpPr>
+          <p:cNvPr id="11" name="Seta: para a Direita 10">
+            <a:extLst>
+              <a:ext uri="{FF2B5EF4-FFF2-40B4-BE49-F238E27FC236}">
+                <a16:creationId xmlns:a16="http://schemas.microsoft.com/office/drawing/2014/main" id="{258035D5-6877-4B2A-86C5-08559C46A05A}"/>
+              </a:ext>
+            </a:extLst>
+          </p:cNvPr>
+          <p:cNvSpPr/>
+          <p:nvPr/>
+        </p:nvSpPr>
+        <p:spPr>
+          <a:xfrm>
+            <a:off x="5327615" y="3577537"/>
+            <a:ext cx="978408" cy="484632"/>
+          </a:xfrm>
+          <a:prstGeom prst="rightArrow">
+            <a:avLst/>
+          </a:prstGeom>
+          <a:solidFill>
+            <a:schemeClr val="bg2">
+              <a:lumMod val="75000"/>
+            </a:schemeClr>
+          </a:solidFill>
+          <a:ln>
+            <a:solidFill>
+              <a:schemeClr val="tx1"/>
+            </a:solidFill>
+          </a:ln>
+        </p:spPr>
+        <p:style>
+          <a:lnRef idx="2">
+            <a:schemeClr val="accent1">
+              <a:shade val="50000"/>
+            </a:schemeClr>
+          </a:lnRef>
+          <a:fillRef idx="1">
+            <a:schemeClr val="accent1"/>
+          </a:fillRef>
+          <a:effectRef idx="0">
+            <a:schemeClr val="accent1"/>
+          </a:effectRef>
+          <a:fontRef idx="minor">
+            <a:schemeClr val="lt1"/>
+          </a:fontRef>
+        </p:style>
+        <p:txBody>
+          <a:bodyPr rtlCol="0" anchor="ctr"/>
+          <a:lstStyle/>
+          <a:p>
+            <a:pPr algn="ctr"/>
+            <a:endParaRPr lang="pt-BR"/>
+          </a:p>
+        </p:txBody>
+      </p:sp>
+      <p:sp>
+        <p:nvSpPr>
+          <p:cNvPr id="13" name="CaixaDeTexto 12">
+            <a:extLst>
+              <a:ext uri="{FF2B5EF4-FFF2-40B4-BE49-F238E27FC236}">
+                <a16:creationId xmlns:a16="http://schemas.microsoft.com/office/drawing/2014/main" id="{FB0CC6D0-85A8-42FD-AA6E-2005D18A0DD2}"/>
+              </a:ext>
+            </a:extLst>
+          </p:cNvPr>
+          <p:cNvSpPr txBox="1"/>
+          <p:nvPr/>
+        </p:nvSpPr>
+        <p:spPr>
+          <a:xfrm>
+            <a:off x="4036299" y="3642163"/>
+            <a:ext cx="2743200" cy="369332"/>
+          </a:xfrm>
+          <a:prstGeom prst="rect">
+            <a:avLst/>
+          </a:prstGeom>
+          <a:ln>
+            <a:noFill/>
+          </a:ln>
+        </p:spPr>
+        <p:txBody>
+          <a:bodyPr rot="0" spcFirstLastPara="0" vertOverflow="overflow" horzOverflow="overflow" vert="horz" wrap="square" lIns="91440" tIns="45720" rIns="91440" bIns="45720" numCol="1" spcCol="0" rtlCol="0" fromWordArt="0" anchor="t" anchorCtr="0" forceAA="0" compatLnSpc="1">
+            <a:prstTxWarp prst="textNoShape">
+              <a:avLst/>
+            </a:prstTxWarp>
+            <a:spAutoFit/>
+          </a:bodyPr>
+          <a:lstStyle/>
+          <a:p>
+            <a:pPr algn="l"/>
+            <a:r>
+              <a:rPr lang="pt-BR" dirty="0">
+                <a:cs typeface="Calibri"/>
+              </a:rPr>
+              <a:t>Descrição</a:t>
+            </a:r>
+          </a:p>
+        </p:txBody>
+      </p:sp>
+    </p:spTree>
+    <p:extLst>
+      <p:ext uri="{BB962C8B-B14F-4D97-AF65-F5344CB8AC3E}">
+        <p14:creationId xmlns:p14="http://schemas.microsoft.com/office/powerpoint/2010/main" val="1399517186"/>
+      </p:ext>
+    </p:extLst>
+  </p:cSld>
+  <p:clrMapOvr>
+    <a:masterClrMapping/>
+  </p:clrMapOvr>
+</p:sld>
+</file>
+
+<file path=ppt/slides/slide18.xml><?xml version="1.0" encoding="utf-8"?>
+<p:sld xmlns:a="http://schemas.openxmlformats.org/drawingml/2006/main" xmlns:r="http://schemas.openxmlformats.org/officeDocument/2006/relationships" xmlns:p="http://schemas.openxmlformats.org/presentationml/2006/main">
+  <p:cSld>
+    <p:spTree>
+      <p:nvGrpSpPr>
+        <p:cNvPr id="1" name=""/>
+        <p:cNvGrpSpPr/>
+        <p:nvPr/>
+      </p:nvGrpSpPr>
+      <p:grpSpPr>
+        <a:xfrm>
+          <a:off x="0" y="0"/>
+          <a:ext cx="0" cy="0"/>
+          <a:chOff x="0" y="0"/>
+          <a:chExt cx="0" cy="0"/>
+        </a:xfrm>
+      </p:grpSpPr>
+      <p:pic>
+        <p:nvPicPr>
+          <p:cNvPr id="2" name="Imagem 2" descr="Uma imagem contendo captura de tela&#10;&#10;Descrição gerada com muito alta confiança">
+            <a:extLst>
+              <a:ext uri="{FF2B5EF4-FFF2-40B4-BE49-F238E27FC236}">
+                <a16:creationId xmlns:a16="http://schemas.microsoft.com/office/drawing/2014/main" id="{982BD88B-F5B7-497D-B8FD-D92930CA3A14}"/>
+              </a:ext>
+            </a:extLst>
+          </p:cNvPr>
+          <p:cNvPicPr>
+            <a:picLocks noChangeAspect="1"/>
+          </p:cNvPicPr>
+          <p:nvPr/>
+        </p:nvPicPr>
+        <p:blipFill>
+          <a:blip r:embed="rId2"/>
+          <a:stretch>
+            <a:fillRect/>
+          </a:stretch>
+        </p:blipFill>
+        <p:spPr>
+          <a:xfrm>
+            <a:off x="598098" y="690426"/>
+            <a:ext cx="10866407" cy="5750317"/>
+          </a:xfrm>
+          <a:prstGeom prst="rect">
+            <a:avLst/>
+          </a:prstGeom>
+        </p:spPr>
+      </p:pic>
+    </p:spTree>
+    <p:extLst>
+      <p:ext uri="{BB962C8B-B14F-4D97-AF65-F5344CB8AC3E}">
+        <p14:creationId xmlns:p14="http://schemas.microsoft.com/office/powerpoint/2010/main" val="3617421517"/>
+      </p:ext>
+    </p:extLst>
+  </p:cSld>
+  <p:clrMapOvr>
+    <a:masterClrMapping/>
+  </p:clrMapOvr>
+</p:sld>
+</file>
+
+<file path=ppt/slides/slide19.xml><?xml version="1.0" encoding="utf-8"?>
 <p:sld xmlns:a="http://schemas.openxmlformats.org/drawingml/2006/main" xmlns:r="http://schemas.openxmlformats.org/officeDocument/2006/relationships" xmlns:p="http://schemas.openxmlformats.org/presentationml/2006/main">
   <p:cSld>
     <p:spTree>
@@ -6831,7 +9425,7 @@
         </p:nvSpPr>
         <p:spPr>
           <a:xfrm>
-            <a:off x="189074" y="188147"/>
+            <a:off x="163005" y="68113"/>
             <a:ext cx="11904450" cy="6570451"/>
           </a:xfrm>
           <a:prstGeom prst="rect">
@@ -8468,7 +11062,7 @@
         </p:nvSpPr>
         <p:spPr>
           <a:xfrm>
-            <a:off x="572859" y="4093857"/>
+            <a:off x="3199502" y="4008228"/>
             <a:ext cx="4827916" cy="584775"/>
           </a:xfrm>
           <a:prstGeom prst="rect">
@@ -9406,6 +12000,60 @@
       </p:grpSpPr>
       <p:sp>
         <p:nvSpPr>
+          <p:cNvPr id="4" name="Retângulo 3">
+            <a:extLst>
+              <a:ext uri="{FF2B5EF4-FFF2-40B4-BE49-F238E27FC236}">
+                <a16:creationId xmlns:a16="http://schemas.microsoft.com/office/drawing/2014/main" id="{88C6BF1B-8B81-4A42-B266-9DF3168EF8CB}"/>
+              </a:ext>
+            </a:extLst>
+          </p:cNvPr>
+          <p:cNvSpPr/>
+          <p:nvPr/>
+        </p:nvSpPr>
+        <p:spPr>
+          <a:xfrm>
+            <a:off x="130656" y="143774"/>
+            <a:ext cx="11904450" cy="6570451"/>
+          </a:xfrm>
+          <a:prstGeom prst="rect">
+            <a:avLst/>
+          </a:prstGeom>
+          <a:solidFill>
+            <a:schemeClr val="bg1"/>
+          </a:solidFill>
+          <a:ln>
+            <a:solidFill>
+              <a:schemeClr val="tx1"/>
+            </a:solidFill>
+          </a:ln>
+        </p:spPr>
+        <p:style>
+          <a:lnRef idx="2">
+            <a:schemeClr val="accent1">
+              <a:shade val="50000"/>
+            </a:schemeClr>
+          </a:lnRef>
+          <a:fillRef idx="1">
+            <a:schemeClr val="accent1"/>
+          </a:fillRef>
+          <a:effectRef idx="0">
+            <a:schemeClr val="accent1"/>
+          </a:effectRef>
+          <a:fontRef idx="minor">
+            <a:schemeClr val="lt1"/>
+          </a:fontRef>
+        </p:style>
+        <p:txBody>
+          <a:bodyPr rtlCol="0" anchor="ctr"/>
+          <a:lstStyle/>
+          <a:p>
+            <a:pPr algn="ctr"/>
+            <a:endParaRPr lang="pt-BR" u="sng" dirty="0"/>
+          </a:p>
+        </p:txBody>
+      </p:sp>
+      <p:sp>
+        <p:nvSpPr>
           <p:cNvPr id="2" name="CaixaDeTexto 1">
             <a:extLst>
               <a:ext uri="{FF2B5EF4-FFF2-40B4-BE49-F238E27FC236}">
@@ -9543,7 +12191,7 @@
         </p:nvGrpSpPr>
         <p:grpSpPr>
           <a:xfrm>
-            <a:off x="5207436" y="1786092"/>
+            <a:off x="5637004" y="1772848"/>
             <a:ext cx="2429771" cy="1178942"/>
             <a:chOff x="5637004" y="1417248"/>
             <a:chExt cx="2429771" cy="1178942"/>
@@ -9617,7 +12265,7 @@
           </p:nvSpPr>
           <p:spPr>
             <a:xfrm>
-              <a:off x="6007936" y="1693186"/>
+              <a:off x="6074973" y="1747389"/>
               <a:ext cx="1664899" cy="523220"/>
             </a:xfrm>
             <a:prstGeom prst="rect">
@@ -9751,10 +12399,10 @@
         </p:nvGrpSpPr>
         <p:grpSpPr>
           <a:xfrm>
-            <a:off x="8554950" y="1803511"/>
-            <a:ext cx="2464718" cy="1178942"/>
-            <a:chOff x="8554950" y="1447911"/>
-            <a:chExt cx="2464718" cy="1178942"/>
+            <a:off x="8569984" y="1772847"/>
+            <a:ext cx="2620452" cy="1178942"/>
+            <a:chOff x="8569984" y="1417247"/>
+            <a:chExt cx="2620452" cy="1178942"/>
           </a:xfrm>
         </p:grpSpPr>
         <p:sp>
@@ -9771,7 +12419,7 @@
           </p:nvSpPr>
           <p:spPr>
             <a:xfrm>
-              <a:off x="8554950" y="1447911"/>
+              <a:off x="8569984" y="1417247"/>
               <a:ext cx="2429771" cy="1178942"/>
             </a:xfrm>
             <a:prstGeom prst="rect">
@@ -9825,8 +12473,8 @@
           </p:nvSpPr>
           <p:spPr>
             <a:xfrm>
-              <a:off x="8620974" y="1775772"/>
-              <a:ext cx="2398694" cy="523220"/>
+              <a:off x="8907311" y="1747388"/>
+              <a:ext cx="2283125" cy="523220"/>
             </a:xfrm>
             <a:prstGeom prst="rect">
               <a:avLst/>
@@ -9939,8 +12587,11 @@
                 <a:rPr lang="pt-BR" sz="2800" b="1" i="1" dirty="0">
                   <a:cs typeface="Calibri"/>
                 </a:rPr>
-                <a:t>Administração</a:t>
+                <a:t>Financeiro</a:t>
               </a:r>
+              <a:endParaRPr lang="pt-BR" sz="2800" b="1" i="1" dirty="0" err="1">
+                <a:cs typeface="Calibri"/>
+              </a:endParaRPr>
             </a:p>
           </p:txBody>
         </p:sp>
@@ -10138,7 +12789,7 @@
         </p:nvCxnSpPr>
         <p:spPr>
           <a:xfrm>
-            <a:off x="6422321" y="2987657"/>
+            <a:off x="7149952" y="2951789"/>
             <a:ext cx="0" cy="1451337"/>
           </a:xfrm>
           <a:prstGeom prst="straightConnector1">
@@ -10226,8 +12877,8 @@
         </p:nvCxnSpPr>
         <p:spPr>
           <a:xfrm flipH="1">
-            <a:off x="3861263" y="743293"/>
-            <a:ext cx="983926" cy="1310155"/>
+            <a:off x="3861262" y="786441"/>
+            <a:ext cx="889377" cy="1267007"/>
           </a:xfrm>
           <a:prstGeom prst="straightConnector1">
             <a:avLst/>
@@ -10270,8 +12921,8 @@
         </p:nvCxnSpPr>
         <p:spPr>
           <a:xfrm>
-            <a:off x="6410817" y="749739"/>
-            <a:ext cx="11505" cy="1022285"/>
+            <a:off x="6704429" y="774812"/>
+            <a:ext cx="147460" cy="931504"/>
           </a:xfrm>
           <a:prstGeom prst="straightConnector1">
             <a:avLst/>
@@ -10314,8 +12965,8 @@
         </p:nvCxnSpPr>
         <p:spPr>
           <a:xfrm>
-            <a:off x="7833097" y="763807"/>
-            <a:ext cx="1316025" cy="1008217"/>
+            <a:off x="8027418" y="786441"/>
+            <a:ext cx="1535143" cy="887339"/>
           </a:xfrm>
           <a:prstGeom prst="straightConnector1">
             <a:avLst/>
@@ -10358,8 +13009,8 @@
         </p:nvCxnSpPr>
         <p:spPr>
           <a:xfrm>
-            <a:off x="9566852" y="2951789"/>
-            <a:ext cx="0" cy="1530418"/>
+            <a:off x="9865743" y="2951789"/>
+            <a:ext cx="0" cy="1451337"/>
           </a:xfrm>
           <a:prstGeom prst="straightConnector1">
             <a:avLst/>
@@ -10400,7 +13051,7 @@
         </p:nvSpPr>
         <p:spPr>
           <a:xfrm>
-            <a:off x="645588" y="3676152"/>
+            <a:off x="3199502" y="3703428"/>
             <a:ext cx="4827916" cy="584775"/>
           </a:xfrm>
           <a:prstGeom prst="rect">
@@ -10480,10 +13131,10 @@
         </p:nvGrpSpPr>
         <p:grpSpPr>
           <a:xfrm>
-            <a:off x="7833097" y="4563613"/>
-            <a:ext cx="4246358" cy="1331343"/>
-            <a:chOff x="8138616" y="3661913"/>
-            <a:chExt cx="3672225" cy="1331343"/>
+            <a:off x="9148612" y="4563613"/>
+            <a:ext cx="2728823" cy="1604386"/>
+            <a:chOff x="8907312" y="3661913"/>
+            <a:chExt cx="2728823" cy="1604386"/>
           </a:xfrm>
         </p:grpSpPr>
         <p:sp>
@@ -10500,8 +13151,8 @@
           </p:nvSpPr>
           <p:spPr>
             <a:xfrm>
-              <a:off x="8152625" y="3788971"/>
-              <a:ext cx="3658216" cy="1200329"/>
+              <a:off x="8907312" y="3788971"/>
+              <a:ext cx="2728823" cy="1477328"/>
             </a:xfrm>
             <a:prstGeom prst="rect">
               <a:avLst/>
@@ -10576,8 +13227,8 @@
           </p:nvSpPr>
           <p:spPr>
             <a:xfrm>
-              <a:off x="8138616" y="3661913"/>
-              <a:ext cx="3661846" cy="1331343"/>
+              <a:off x="8916837" y="3661913"/>
+              <a:ext cx="2495909" cy="1331343"/>
             </a:xfrm>
             <a:prstGeom prst="rect">
               <a:avLst/>
@@ -10629,10 +13280,10 @@
         </p:nvGrpSpPr>
         <p:grpSpPr>
           <a:xfrm>
-            <a:off x="3340477" y="4482207"/>
-            <a:ext cx="4178266" cy="1928467"/>
-            <a:chOff x="5363355" y="3863196"/>
-            <a:chExt cx="3394233" cy="1928467"/>
+            <a:off x="6138892" y="4762558"/>
+            <a:ext cx="2791185" cy="1765001"/>
+            <a:chOff x="5897592" y="3860858"/>
+            <a:chExt cx="2791185" cy="1765001"/>
           </a:xfrm>
         </p:grpSpPr>
         <p:sp>
@@ -10649,8 +13300,8 @@
           </p:nvSpPr>
           <p:spPr>
             <a:xfrm>
-              <a:off x="5454272" y="4037337"/>
-              <a:ext cx="3303316" cy="1754326"/>
+              <a:off x="5959954" y="3860858"/>
+              <a:ext cx="2728823" cy="1754326"/>
             </a:xfrm>
             <a:prstGeom prst="rect">
               <a:avLst/>
@@ -10685,19 +13336,7 @@
                 <a:rPr lang="pt-BR" b="1" i="1" dirty="0">
                   <a:cs typeface="Calibri"/>
                 </a:rPr>
-                <a:t>Cadastrar aluno/responsável</a:t>
-              </a:r>
-            </a:p>
-            <a:p>
-              <a:pPr marL="285750" indent="-285750">
-                <a:buFont typeface="Arial"/>
-                <a:buChar char="•"/>
-              </a:pPr>
-              <a:r>
-                <a:rPr lang="pt-BR" b="1" i="1" dirty="0">
-                  <a:cs typeface="Calibri"/>
-                </a:rPr>
-                <a:t>Receber documentos</a:t>
+                <a:t>Realizar matricula</a:t>
               </a:r>
             </a:p>
             <a:p>
@@ -10749,8 +13388,8 @@
           </p:nvSpPr>
           <p:spPr>
             <a:xfrm>
-              <a:off x="5363355" y="3863196"/>
-              <a:ext cx="3112897" cy="1762663"/>
+              <a:off x="5897592" y="3863196"/>
+              <a:ext cx="2769078" cy="1762663"/>
             </a:xfrm>
             <a:prstGeom prst="rect">
               <a:avLst/>
@@ -11487,6 +14126,60 @@
       </p:grpSpPr>
       <p:sp>
         <p:nvSpPr>
+          <p:cNvPr id="4" name="Retângulo 3">
+            <a:extLst>
+              <a:ext uri="{FF2B5EF4-FFF2-40B4-BE49-F238E27FC236}">
+                <a16:creationId xmlns:a16="http://schemas.microsoft.com/office/drawing/2014/main" id="{88C6BF1B-8B81-4A42-B266-9DF3168EF8CB}"/>
+              </a:ext>
+            </a:extLst>
+          </p:cNvPr>
+          <p:cNvSpPr/>
+          <p:nvPr/>
+        </p:nvSpPr>
+        <p:spPr>
+          <a:xfrm>
+            <a:off x="136048" y="143774"/>
+            <a:ext cx="11904450" cy="6570451"/>
+          </a:xfrm>
+          <a:prstGeom prst="rect">
+            <a:avLst/>
+          </a:prstGeom>
+          <a:solidFill>
+            <a:schemeClr val="bg1"/>
+          </a:solidFill>
+          <a:ln>
+            <a:solidFill>
+              <a:schemeClr val="tx1"/>
+            </a:solidFill>
+          </a:ln>
+        </p:spPr>
+        <p:style>
+          <a:lnRef idx="2">
+            <a:schemeClr val="accent1">
+              <a:shade val="50000"/>
+            </a:schemeClr>
+          </a:lnRef>
+          <a:fillRef idx="1">
+            <a:schemeClr val="accent1"/>
+          </a:fillRef>
+          <a:effectRef idx="0">
+            <a:schemeClr val="accent1"/>
+          </a:effectRef>
+          <a:fontRef idx="minor">
+            <a:schemeClr val="lt1"/>
+          </a:fontRef>
+        </p:style>
+        <p:txBody>
+          <a:bodyPr rtlCol="0" anchor="ctr"/>
+          <a:lstStyle/>
+          <a:p>
+            <a:pPr algn="ctr"/>
+            <a:endParaRPr lang="pt-BR"/>
+          </a:p>
+        </p:txBody>
+      </p:sp>
+      <p:sp>
+        <p:nvSpPr>
           <p:cNvPr id="2" name="CaixaDeTexto 1">
             <a:extLst>
               <a:ext uri="{FF2B5EF4-FFF2-40B4-BE49-F238E27FC236}">
@@ -11626,9 +14319,9 @@
         </p:nvGrpSpPr>
         <p:grpSpPr>
           <a:xfrm>
-            <a:off x="5750221" y="1474757"/>
+            <a:off x="7506059" y="1474757"/>
             <a:ext cx="2041583" cy="1207696"/>
-            <a:chOff x="5750221" y="1474757"/>
+            <a:chOff x="7506059" y="1474757"/>
             <a:chExt cx="2041583" cy="1207696"/>
           </a:xfrm>
         </p:grpSpPr>
@@ -11646,7 +14339,7 @@
           </p:nvSpPr>
           <p:spPr>
             <a:xfrm>
-              <a:off x="5750221" y="1474757"/>
+              <a:off x="7506059" y="1474757"/>
               <a:ext cx="2041583" cy="1207696"/>
             </a:xfrm>
             <a:prstGeom prst="rect">
@@ -11700,7 +14393,7 @@
           </p:nvSpPr>
           <p:spPr>
             <a:xfrm>
-              <a:off x="5938562" y="1775129"/>
+              <a:off x="7713992" y="1747389"/>
               <a:ext cx="1664899" cy="523220"/>
             </a:xfrm>
             <a:prstGeom prst="rect">
@@ -11837,7 +14530,7 @@
         </p:nvGrpSpPr>
         <p:grpSpPr>
           <a:xfrm>
-            <a:off x="9103720" y="1626513"/>
+            <a:off x="10108360" y="1417247"/>
             <a:ext cx="1754036" cy="1178942"/>
             <a:chOff x="10108360" y="1417247"/>
             <a:chExt cx="1754036" cy="1178942"/>
@@ -12048,7 +14741,7 @@
         </p:nvGrpSpPr>
         <p:grpSpPr>
           <a:xfrm>
-            <a:off x="346004" y="1193498"/>
+            <a:off x="1121075" y="1193500"/>
             <a:ext cx="1334220" cy="1764433"/>
             <a:chOff x="1121075" y="1155400"/>
             <a:chExt cx="1334220" cy="1764433"/>
@@ -12136,7 +14829,7 @@
         </p:nvGrpSpPr>
         <p:grpSpPr>
           <a:xfrm>
-            <a:off x="1499695" y="1270126"/>
+            <a:off x="2456372" y="1193498"/>
             <a:ext cx="2743200" cy="1762638"/>
             <a:chOff x="2456372" y="1155398"/>
             <a:chExt cx="2743200" cy="1762638"/>
@@ -12226,8 +14919,8 @@
         </p:nvCxnSpPr>
         <p:spPr>
           <a:xfrm>
-            <a:off x="6507140" y="2670786"/>
-            <a:ext cx="11895" cy="854517"/>
+            <a:off x="8600535" y="2684253"/>
+            <a:ext cx="23724" cy="1467928"/>
           </a:xfrm>
           <a:prstGeom prst="straightConnector1">
             <a:avLst/>
@@ -12270,8 +14963,8 @@
         </p:nvCxnSpPr>
         <p:spPr>
           <a:xfrm flipH="1">
-            <a:off x="1039459" y="786441"/>
-            <a:ext cx="3027536" cy="474761"/>
+            <a:off x="2053087" y="786441"/>
+            <a:ext cx="2013907" cy="626853"/>
           </a:xfrm>
           <a:prstGeom prst="straightConnector1">
             <a:avLst/>
@@ -12314,8 +15007,8 @@
         </p:nvCxnSpPr>
         <p:spPr>
           <a:xfrm flipH="1">
-            <a:off x="2793406" y="810446"/>
-            <a:ext cx="1273589" cy="795316"/>
+            <a:off x="3790170" y="773741"/>
+            <a:ext cx="691732" cy="902448"/>
           </a:xfrm>
           <a:prstGeom prst="straightConnector1">
             <a:avLst/>
@@ -12359,7 +15052,7 @@
         <p:spPr>
           <a:xfrm>
             <a:off x="8039818" y="757686"/>
-            <a:ext cx="1080794" cy="848076"/>
+            <a:ext cx="1892060" cy="598099"/>
           </a:xfrm>
           <a:prstGeom prst="straightConnector1">
             <a:avLst/>
@@ -12401,9 +15094,9 @@
           <p:nvPr/>
         </p:nvCxnSpPr>
         <p:spPr>
-          <a:xfrm>
-            <a:off x="9842679" y="2797323"/>
-            <a:ext cx="0" cy="753543"/>
+          <a:xfrm flipH="1">
+            <a:off x="10981427" y="2583612"/>
+            <a:ext cx="5750" cy="1058173"/>
           </a:xfrm>
           <a:prstGeom prst="straightConnector1">
             <a:avLst/>
@@ -12444,7 +15137,7 @@
         </p:nvSpPr>
         <p:spPr>
           <a:xfrm>
-            <a:off x="-942916" y="3098044"/>
+            <a:off x="4664736" y="3043802"/>
             <a:ext cx="4827916" cy="584775"/>
           </a:xfrm>
           <a:prstGeom prst="rect">
@@ -12524,10 +15217,10 @@
         </p:nvGrpSpPr>
         <p:grpSpPr>
           <a:xfrm>
-            <a:off x="8039816" y="3682819"/>
-            <a:ext cx="3612768" cy="1581358"/>
-            <a:chOff x="9364205" y="3187519"/>
-            <a:chExt cx="2489466" cy="1581358"/>
+            <a:off x="9688182" y="3697138"/>
+            <a:ext cx="2733676" cy="1546876"/>
+            <a:chOff x="9650082" y="3201838"/>
+            <a:chExt cx="2733676" cy="1546876"/>
           </a:xfrm>
         </p:grpSpPr>
         <p:sp>
@@ -12544,8 +15237,8 @@
           </p:nvSpPr>
           <p:spPr>
             <a:xfrm>
-              <a:off x="9364206" y="3291549"/>
-              <a:ext cx="2484613" cy="1477328"/>
+              <a:off x="9654935" y="3271386"/>
+              <a:ext cx="2728823" cy="1477328"/>
             </a:xfrm>
             <a:prstGeom prst="rect">
               <a:avLst/>
@@ -12623,8 +15316,8 @@
           </p:nvSpPr>
           <p:spPr>
             <a:xfrm>
-              <a:off x="9364205" y="3187519"/>
-              <a:ext cx="2489466" cy="1331343"/>
+              <a:off x="9650082" y="3201838"/>
+              <a:ext cx="2251494" cy="1331343"/>
             </a:xfrm>
             <a:prstGeom prst="rect">
               <a:avLst/>
@@ -12676,10 +15369,10 @@
         </p:nvGrpSpPr>
         <p:grpSpPr>
           <a:xfrm>
-            <a:off x="3611573" y="3550866"/>
-            <a:ext cx="4109589" cy="1762663"/>
-            <a:chOff x="4275884" y="2979366"/>
-            <a:chExt cx="3513106" cy="1762663"/>
+            <a:off x="6774611" y="4190281"/>
+            <a:ext cx="2819940" cy="1762663"/>
+            <a:chOff x="6774611" y="3618781"/>
+            <a:chExt cx="2819940" cy="1762663"/>
           </a:xfrm>
         </p:grpSpPr>
         <p:sp>
@@ -12696,8 +15389,8 @@
           </p:nvSpPr>
           <p:spPr>
             <a:xfrm>
-              <a:off x="4366190" y="3150877"/>
-              <a:ext cx="3332493" cy="1477328"/>
+              <a:off x="6865728" y="3688330"/>
+              <a:ext cx="2728823" cy="1477328"/>
             </a:xfrm>
             <a:prstGeom prst="rect">
               <a:avLst/>
@@ -12720,7 +15413,7 @@
                 <a:rPr lang="pt-BR" b="1" i="1" dirty="0">
                   <a:cs typeface="Calibri"/>
                 </a:rPr>
-                <a:t>Verificar se pagamentos estão em dias</a:t>
+                <a:t>Verificar inadimplência</a:t>
               </a:r>
               <a:endParaRPr lang="pt-BR" dirty="0"/>
             </a:p>
@@ -12761,8 +15454,8 @@
           </p:nvSpPr>
           <p:spPr>
             <a:xfrm>
-              <a:off x="4275884" y="2979366"/>
-              <a:ext cx="3513106" cy="1762663"/>
+              <a:off x="6774611" y="3618781"/>
+              <a:ext cx="2769078" cy="1762663"/>
             </a:xfrm>
             <a:prstGeom prst="rect">
               <a:avLst/>
@@ -12814,10 +15507,10 @@
         </p:nvGrpSpPr>
         <p:grpSpPr>
           <a:xfrm>
-            <a:off x="3430200" y="1247935"/>
-            <a:ext cx="2743200" cy="1733900"/>
-            <a:chOff x="4470401" y="1195660"/>
-            <a:chExt cx="2743200" cy="1733900"/>
+            <a:off x="5058673" y="1121611"/>
+            <a:ext cx="2743200" cy="1834525"/>
+            <a:chOff x="5058673" y="1083511"/>
+            <a:chExt cx="2743200" cy="1834525"/>
           </a:xfrm>
         </p:grpSpPr>
         <p:sp>
@@ -12834,7 +15527,7 @@
           </p:nvSpPr>
           <p:spPr>
             <a:xfrm>
-              <a:off x="4470401" y="2467895"/>
+              <a:off x="5058673" y="2456371"/>
               <a:ext cx="2743200" cy="461665"/>
             </a:xfrm>
             <a:prstGeom prst="rect">
@@ -12884,7 +15577,7 @@
           </p:blipFill>
           <p:spPr>
             <a:xfrm>
-              <a:off x="4719524" y="1195660"/>
+              <a:off x="5198134" y="1083511"/>
               <a:ext cx="832449" cy="1326672"/>
             </a:xfrm>
             <a:prstGeom prst="rect">
@@ -12908,9 +15601,9 @@
           <p:nvPr/>
         </p:nvCxnSpPr>
         <p:spPr>
-          <a:xfrm flipH="1">
-            <a:off x="2584221" y="2884664"/>
-            <a:ext cx="1020309" cy="2725401"/>
+          <a:xfrm>
+            <a:off x="5725064" y="2918036"/>
+            <a:ext cx="0" cy="2856453"/>
           </a:xfrm>
           <a:prstGeom prst="straightConnector1">
             <a:avLst/>
@@ -12951,10 +15644,10 @@
         </p:nvGrpSpPr>
         <p:grpSpPr>
           <a:xfrm>
-            <a:off x="842382" y="5616181"/>
-            <a:ext cx="2585050" cy="540589"/>
-            <a:chOff x="1925718" y="5389942"/>
-            <a:chExt cx="2585050" cy="540589"/>
+            <a:off x="4354182" y="6044002"/>
+            <a:ext cx="2589902" cy="540589"/>
+            <a:chOff x="4316082" y="5574102"/>
+            <a:chExt cx="2589902" cy="540589"/>
           </a:xfrm>
         </p:grpSpPr>
         <p:sp>
@@ -12971,7 +15664,7 @@
           </p:nvSpPr>
           <p:spPr>
             <a:xfrm>
-              <a:off x="1925718" y="5389942"/>
+              <a:off x="4316082" y="5574102"/>
               <a:ext cx="2452777" cy="540589"/>
             </a:xfrm>
             <a:prstGeom prst="rect">
@@ -13023,7 +15716,7 @@
           </p:nvSpPr>
           <p:spPr>
             <a:xfrm>
-              <a:off x="1925718" y="5475571"/>
+              <a:off x="4320934" y="5658029"/>
               <a:ext cx="2585050" cy="369332"/>
             </a:xfrm>
             <a:prstGeom prst="rect">
@@ -13072,7 +15765,7 @@
         </p:nvCxnSpPr>
         <p:spPr>
           <a:xfrm flipH="1">
-            <a:off x="4922065" y="786441"/>
+            <a:off x="5822648" y="787543"/>
             <a:ext cx="691732" cy="902448"/>
           </a:xfrm>
           <a:prstGeom prst="straightConnector1">
@@ -13116,7 +15809,7 @@
         </p:nvCxnSpPr>
         <p:spPr>
           <a:xfrm>
-            <a:off x="6132304" y="786441"/>
+            <a:off x="7101574" y="787543"/>
             <a:ext cx="402208" cy="634557"/>
           </a:xfrm>
           <a:prstGeom prst="straightConnector1">
@@ -13263,7 +15956,7 @@
               <a:rPr lang="pt-BR" sz="3200" b="1" i="1" u="sng" dirty="0">
                 <a:cs typeface="Calibri"/>
               </a:rPr>
-              <a:t>Cenário : Tornar-se professor</a:t>
+              <a:t>Cenário : Tornar-se Colaborador</a:t>
             </a:r>
             <a:endParaRPr lang="pt-BR" dirty="0"/>
           </a:p>
@@ -13442,7 +16135,7 @@
             <a:p>
               <a:r>
                 <a:rPr lang="pt-BR" sz="2400" b="1" i="1" dirty="0"/>
-                <a:t>colaborador </a:t>
+                <a:t>Voluntario</a:t>
               </a:r>
             </a:p>
           </p:txBody>
@@ -13551,8 +16244,8 @@
         </p:nvSpPr>
         <p:spPr>
           <a:xfrm>
-            <a:off x="4735183" y="2607334"/>
-            <a:ext cx="1650521" cy="461665"/>
+            <a:off x="4383361" y="2574728"/>
+            <a:ext cx="2234600" cy="461665"/>
           </a:xfrm>
           <a:prstGeom prst="rect">
             <a:avLst/>
@@ -13571,7 +16264,7 @@
               <a:rPr lang="pt-BR" sz="2400" b="1" i="1" dirty="0">
                 <a:cs typeface="Calibri"/>
               </a:rPr>
-              <a:t>Função </a:t>
+              <a:t>Administração </a:t>
             </a:r>
           </a:p>
         </p:txBody>
@@ -13703,9 +16396,9 @@
         </p:nvGrpSpPr>
         <p:grpSpPr>
           <a:xfrm>
-            <a:off x="97769" y="143774"/>
+            <a:off x="105463" y="149386"/>
             <a:ext cx="11969686" cy="6570451"/>
-            <a:chOff x="97769" y="143774"/>
+            <a:chOff x="97769" y="62889"/>
             <a:chExt cx="11969686" cy="6570451"/>
           </a:xfrm>
         </p:grpSpPr>
@@ -13723,7 +16416,7 @@
           </p:nvSpPr>
           <p:spPr>
             <a:xfrm>
-              <a:off x="97769" y="143774"/>
+              <a:off x="97769" y="62889"/>
               <a:ext cx="11904450" cy="6570451"/>
             </a:xfrm>
             <a:prstGeom prst="rect">
@@ -13798,7 +16491,7 @@
                 <a:rPr lang="pt-BR" sz="3200" b="1" i="1" u="sng" dirty="0">
                   <a:cs typeface="Calibri"/>
                 </a:rPr>
-                <a:t>Cenário : Tornar-se professor </a:t>
+                <a:t>Cenário : Tornar-se Colaborador </a:t>
               </a:r>
               <a:endParaRPr lang="pt-BR" dirty="0"/>
             </a:p>
@@ -13904,8 +16597,8 @@
           </p:nvSpPr>
           <p:spPr>
             <a:xfrm>
-              <a:off x="7506059" y="1474757"/>
-              <a:ext cx="2041583" cy="1207696"/>
+              <a:off x="7348715" y="1474757"/>
+              <a:ext cx="2511365" cy="1029934"/>
             </a:xfrm>
             <a:prstGeom prst="rect">
               <a:avLst/>
@@ -13958,8 +16651,8 @@
           </p:nvSpPr>
           <p:spPr>
             <a:xfrm>
-              <a:off x="7915274" y="1792367"/>
-              <a:ext cx="1664899" cy="523220"/>
+              <a:off x="7413951" y="1762310"/>
+              <a:ext cx="2446129" cy="523220"/>
             </a:xfrm>
             <a:prstGeom prst="rect">
               <a:avLst/>
@@ -14072,7 +16765,7 @@
                 <a:rPr lang="pt-BR" sz="2800" b="1" i="1" dirty="0">
                   <a:cs typeface="Calibri"/>
                 </a:rPr>
-                <a:t>Função </a:t>
+                <a:t>Administração </a:t>
               </a:r>
             </a:p>
           </p:txBody>
@@ -14161,7 +16854,7 @@
                   <a:rPr lang="pt-BR" sz="2400" b="1" i="1" dirty="0">
                     <a:cs typeface="Calibri"/>
                   </a:rPr>
-                  <a:t>Colaborador </a:t>
+                  <a:t>Voluntario </a:t>
                 </a:r>
                 <a:endParaRPr lang="pt-BR" sz="2400" b="1" i="1" dirty="0"/>
               </a:p>
@@ -14298,50 +16991,6 @@
             </a:fontRef>
           </p:style>
         </p:cxnSp>
-        <p:cxnSp>
-          <p:nvCxnSpPr>
-            <p:cNvPr id="24" name="Conector de Seta Reta 23">
-              <a:extLst>
-                <a:ext uri="{FF2B5EF4-FFF2-40B4-BE49-F238E27FC236}">
-                  <a16:creationId xmlns:a16="http://schemas.microsoft.com/office/drawing/2014/main" id="{906C5ED3-A468-446B-91A1-50EACFAF704A}"/>
-                </a:ext>
-              </a:extLst>
-            </p:cNvPr>
-            <p:cNvCxnSpPr>
-              <a:cxnSpLocks/>
-            </p:cNvCxnSpPr>
-            <p:nvPr/>
-          </p:nvCxnSpPr>
-          <p:spPr>
-            <a:xfrm flipH="1">
-              <a:off x="3188898" y="3129951"/>
-              <a:ext cx="250165" cy="626852"/>
-            </a:xfrm>
-            <a:prstGeom prst="straightConnector1">
-              <a:avLst/>
-            </a:prstGeom>
-            <a:ln>
-              <a:solidFill>
-                <a:schemeClr val="tx1"/>
-              </a:solidFill>
-              <a:tailEnd type="triangle"/>
-            </a:ln>
-          </p:spPr>
-          <p:style>
-            <a:lnRef idx="1">
-              <a:schemeClr val="accent1"/>
-            </a:lnRef>
-            <a:fillRef idx="0">
-              <a:schemeClr val="accent1"/>
-            </a:fillRef>
-            <a:effectRef idx="0">
-              <a:schemeClr val="accent1"/>
-            </a:effectRef>
-            <a:fontRef idx="minor">
-              <a:schemeClr val="tx1"/>
-            </a:fontRef>
-          </p:style>
-        </p:cxnSp>
         <p:sp>
           <p:nvSpPr>
             <p:cNvPr id="3" name="CaixaDeTexto 2">
@@ -14385,10 +17034,10 @@
         </p:sp>
         <p:grpSp>
           <p:nvGrpSpPr>
-            <p:cNvPr id="11" name="Agrupar 10">
+            <p:cNvPr id="14" name="Agrupar 13">
               <a:extLst>
                 <a:ext uri="{FF2B5EF4-FFF2-40B4-BE49-F238E27FC236}">
-                  <a16:creationId xmlns:a16="http://schemas.microsoft.com/office/drawing/2014/main" id="{3203C5F3-8D03-4FC9-88D2-41B3ED0C877D}"/>
+                  <a16:creationId xmlns:a16="http://schemas.microsoft.com/office/drawing/2014/main" id="{52E15621-7F03-4345-B836-9C7FBBF4EDE5}"/>
                 </a:ext>
               </a:extLst>
             </p:cNvPr>
@@ -14397,18 +17046,18 @@
           </p:nvGrpSpPr>
           <p:grpSpPr>
             <a:xfrm>
-              <a:off x="2317630" y="4035725"/>
-              <a:ext cx="2590801" cy="1273834"/>
-              <a:chOff x="2317630" y="4035725"/>
-              <a:chExt cx="2590801" cy="1273834"/>
+              <a:off x="7205932" y="3820064"/>
+              <a:ext cx="2795494" cy="2133248"/>
+              <a:chOff x="7205932" y="3820064"/>
+              <a:chExt cx="2795494" cy="2249466"/>
             </a:xfrm>
           </p:grpSpPr>
           <p:sp>
             <p:nvSpPr>
-              <p:cNvPr id="25" name="CaixaDeTexto 24">
+              <p:cNvPr id="28" name="CaixaDeTexto 27">
                 <a:extLst>
                   <a:ext uri="{FF2B5EF4-FFF2-40B4-BE49-F238E27FC236}">
-                    <a16:creationId xmlns:a16="http://schemas.microsoft.com/office/drawing/2014/main" id="{E53E8429-486C-49E3-A88D-600F0719554F}"/>
+                    <a16:creationId xmlns:a16="http://schemas.microsoft.com/office/drawing/2014/main" id="{06F24E56-56C0-48DE-B993-B1CF84033F10}"/>
                   </a:ext>
                 </a:extLst>
               </p:cNvPr>
@@ -14417,8 +17066,8 @@
             </p:nvSpPr>
             <p:spPr>
               <a:xfrm>
-                <a:off x="2323381" y="4247729"/>
-                <a:ext cx="2585050" cy="923330"/>
+                <a:off x="7272603" y="3927540"/>
+                <a:ext cx="2728823" cy="2141990"/>
               </a:xfrm>
               <a:prstGeom prst="rect">
                 <a:avLst/>
@@ -14441,7 +17090,7 @@
                   <a:rPr lang="pt-BR" b="1" i="1" dirty="0">
                     <a:cs typeface="Calibri"/>
                   </a:rPr>
-                  <a:t>Cumprir regras </a:t>
+                  <a:t>Tornar voluntario em um colaborador</a:t>
                 </a:r>
               </a:p>
               <a:p>
@@ -14453,123 +17102,7 @@
                   <a:rPr lang="pt-BR" b="1" i="1" dirty="0">
                     <a:cs typeface="Calibri"/>
                   </a:rPr>
-                  <a:t>Executar atividades para função </a:t>
-                </a:r>
-              </a:p>
-            </p:txBody>
-          </p:sp>
-          <p:sp>
-            <p:nvSpPr>
-              <p:cNvPr id="12" name="Retângulo 11">
-                <a:extLst>
-                  <a:ext uri="{FF2B5EF4-FFF2-40B4-BE49-F238E27FC236}">
-                    <a16:creationId xmlns:a16="http://schemas.microsoft.com/office/drawing/2014/main" id="{E9117F55-F054-4FBD-92C8-EA6D071EE605}"/>
-                  </a:ext>
-                </a:extLst>
-              </p:cNvPr>
-              <p:cNvSpPr/>
-              <p:nvPr/>
-            </p:nvSpPr>
-            <p:spPr>
-              <a:xfrm>
-                <a:off x="2317630" y="4035725"/>
-                <a:ext cx="2424022" cy="1273834"/>
-              </a:xfrm>
-              <a:prstGeom prst="rect">
-                <a:avLst/>
-              </a:prstGeom>
-              <a:noFill/>
-              <a:ln>
-                <a:solidFill>
-                  <a:schemeClr val="tx1"/>
-                </a:solidFill>
-              </a:ln>
-            </p:spPr>
-            <p:style>
-              <a:lnRef idx="2">
-                <a:schemeClr val="accent1">
-                  <a:shade val="50000"/>
-                </a:schemeClr>
-              </a:lnRef>
-              <a:fillRef idx="1">
-                <a:schemeClr val="accent1"/>
-              </a:fillRef>
-              <a:effectRef idx="0">
-                <a:schemeClr val="accent1"/>
-              </a:effectRef>
-              <a:fontRef idx="minor">
-                <a:schemeClr val="lt1"/>
-              </a:fontRef>
-            </p:style>
-            <p:txBody>
-              <a:bodyPr rtlCol="0" anchor="ctr"/>
-              <a:lstStyle/>
-              <a:p>
-                <a:pPr algn="ctr"/>
-                <a:endParaRPr lang="pt-BR" u="sng" dirty="0"/>
-              </a:p>
-            </p:txBody>
-          </p:sp>
-        </p:grpSp>
-        <p:grpSp>
-          <p:nvGrpSpPr>
-            <p:cNvPr id="14" name="Agrupar 13">
-              <a:extLst>
-                <a:ext uri="{FF2B5EF4-FFF2-40B4-BE49-F238E27FC236}">
-                  <a16:creationId xmlns:a16="http://schemas.microsoft.com/office/drawing/2014/main" id="{52E15621-7F03-4345-B836-9C7FBBF4EDE5}"/>
-                </a:ext>
-              </a:extLst>
-            </p:cNvPr>
-            <p:cNvGrpSpPr/>
-            <p:nvPr/>
-          </p:nvGrpSpPr>
-          <p:grpSpPr>
-            <a:xfrm>
-              <a:off x="7205932" y="3820065"/>
-              <a:ext cx="2795496" cy="1671596"/>
-              <a:chOff x="7205932" y="3820064"/>
-              <a:chExt cx="2795496" cy="1762663"/>
-            </a:xfrm>
-          </p:grpSpPr>
-          <p:sp>
-            <p:nvSpPr>
-              <p:cNvPr id="28" name="CaixaDeTexto 27">
-                <a:extLst>
-                  <a:ext uri="{FF2B5EF4-FFF2-40B4-BE49-F238E27FC236}">
-                    <a16:creationId xmlns:a16="http://schemas.microsoft.com/office/drawing/2014/main" id="{06F24E56-56C0-48DE-B993-B1CF84033F10}"/>
-                  </a:ext>
-                </a:extLst>
-              </p:cNvPr>
-              <p:cNvSpPr txBox="1"/>
-              <p:nvPr/>
-            </p:nvSpPr>
-            <p:spPr>
-              <a:xfrm>
-                <a:off x="7272605" y="4109230"/>
-                <a:ext cx="2728823" cy="1265722"/>
-              </a:xfrm>
-              <a:prstGeom prst="rect">
-                <a:avLst/>
-              </a:prstGeom>
-            </p:spPr>
-            <p:txBody>
-              <a:bodyPr rot="0" spcFirstLastPara="0" vertOverflow="overflow" horzOverflow="overflow" vert="horz" wrap="square" lIns="91440" tIns="45720" rIns="91440" bIns="45720" numCol="1" spcCol="0" rtlCol="0" fromWordArt="0" anchor="t" anchorCtr="0" forceAA="0" compatLnSpc="1">
-                <a:prstTxWarp prst="textNoShape">
-                  <a:avLst/>
-                </a:prstTxWarp>
-                <a:spAutoFit/>
-              </a:bodyPr>
-              <a:lstStyle/>
-              <a:p>
-                <a:pPr marL="285750" indent="-285750">
-                  <a:buFont typeface="Arial"/>
-                  <a:buChar char="•"/>
-                </a:pPr>
-                <a:r>
-                  <a:rPr lang="pt-BR" b="1" i="1" dirty="0">
-                    <a:cs typeface="Calibri"/>
-                  </a:rPr>
-                  <a:t>Determinar atividades da função exercida</a:t>
+                  <a:t>Cadastrar colaborador com atividade solicitada</a:t>
                 </a:r>
                 <a:endParaRPr lang="pt-BR" dirty="0">
                   <a:cs typeface="Calibri"/>
@@ -14584,7 +17117,7 @@
                   <a:rPr lang="pt-BR" b="1" i="1" dirty="0">
                     <a:cs typeface="Calibri"/>
                   </a:rPr>
-                  <a:t>Criar regras para função </a:t>
+                  <a:t>Passar regras da função </a:t>
                 </a:r>
                 <a:endParaRPr lang="pt-BR" b="1" i="1" u="sng" dirty="0">
                   <a:cs typeface="Calibri"/>
@@ -14607,7 +17140,7 @@
             <p:spPr>
               <a:xfrm>
                 <a:off x="7205932" y="3820064"/>
-                <a:ext cx="2769078" cy="1762663"/>
+                <a:ext cx="2769078" cy="2249466"/>
               </a:xfrm>
               <a:prstGeom prst="rect">
                 <a:avLst/>
